--- a/RiboZwo.pptx
+++ b/RiboZwo.pptx
@@ -118,7 +118,7 @@
 <file path=ppt/revisionInfo.xml><?xml version="1.0" encoding="utf-8"?>
 <p1510:revInfo xmlns:a="http://schemas.openxmlformats.org/drawingml/2006/main" xmlns:r="http://schemas.openxmlformats.org/officeDocument/2006/relationships" xmlns:p1510="http://schemas.microsoft.com/office/powerpoint/2015/10/main">
   <p1510:revLst>
-    <p1510:client id="{E5A86D5C-552E-4995-AB32-5E49D96B1D3A}" v="8" dt="2025-07-01T11:52:11.126"/>
+    <p1510:client id="{E5A86D5C-552E-4995-AB32-5E49D96B1D3A}" v="12" dt="2025-07-02T09:58:00.100"/>
   </p1510:revLst>
 </p1510:revInfo>
 </file>
@@ -128,22 +128,30 @@
   <pc:docChgLst>
     <pc:chgData name="Cihan Zeyrek" userId="dd9724baaf2e43d1" providerId="LiveId" clId="{E5A86D5C-552E-4995-AB32-5E49D96B1D3A}"/>
     <pc:docChg chg="undo custSel modSld">
-      <pc:chgData name="Cihan Zeyrek" userId="dd9724baaf2e43d1" providerId="LiveId" clId="{E5A86D5C-552E-4995-AB32-5E49D96B1D3A}" dt="2025-07-01T12:01:52.548" v="585" actId="14100"/>
+      <pc:chgData name="Cihan Zeyrek" userId="dd9724baaf2e43d1" providerId="LiveId" clId="{E5A86D5C-552E-4995-AB32-5E49D96B1D3A}" dt="2025-07-02T09:58:49.653" v="2867" actId="20577"/>
       <pc:docMkLst>
         <pc:docMk/>
       </pc:docMkLst>
       <pc:sldChg chg="addSp delSp modSp mod">
-        <pc:chgData name="Cihan Zeyrek" userId="dd9724baaf2e43d1" providerId="LiveId" clId="{E5A86D5C-552E-4995-AB32-5E49D96B1D3A}" dt="2025-07-01T12:01:52.548" v="585" actId="14100"/>
+        <pc:chgData name="Cihan Zeyrek" userId="dd9724baaf2e43d1" providerId="LiveId" clId="{E5A86D5C-552E-4995-AB32-5E49D96B1D3A}" dt="2025-07-02T09:58:49.653" v="2867" actId="20577"/>
         <pc:sldMkLst>
           <pc:docMk/>
           <pc:sldMk cId="4168340417" sldId="256"/>
         </pc:sldMkLst>
         <pc:spChg chg="add mod">
-          <ac:chgData name="Cihan Zeyrek" userId="dd9724baaf2e43d1" providerId="LiveId" clId="{E5A86D5C-552E-4995-AB32-5E49D96B1D3A}" dt="2025-07-01T11:59:42.257" v="580" actId="207"/>
+          <ac:chgData name="Cihan Zeyrek" userId="dd9724baaf2e43d1" providerId="LiveId" clId="{E5A86D5C-552E-4995-AB32-5E49D96B1D3A}" dt="2025-07-02T09:40:18.023" v="1545" actId="790"/>
           <ac:spMkLst>
             <pc:docMk/>
             <pc:sldMk cId="4168340417" sldId="256"/>
             <ac:spMk id="2" creationId="{0D5FB33D-C847-FE6A-05CF-01F05979D75A}"/>
+          </ac:spMkLst>
+        </pc:spChg>
+        <pc:spChg chg="add mod">
+          <ac:chgData name="Cihan Zeyrek" userId="dd9724baaf2e43d1" providerId="LiveId" clId="{E5A86D5C-552E-4995-AB32-5E49D96B1D3A}" dt="2025-07-02T09:58:49.653" v="2867" actId="20577"/>
+          <ac:spMkLst>
+            <pc:docMk/>
+            <pc:sldMk cId="4168340417" sldId="256"/>
+            <ac:spMk id="3" creationId="{04624BEE-2D85-D971-6B0E-6AFB63D073B6}"/>
           </ac:spMkLst>
         </pc:spChg>
         <pc:spChg chg="add del mod">
@@ -155,7 +163,7 @@
           </ac:spMkLst>
         </pc:spChg>
         <pc:spChg chg="mod">
-          <ac:chgData name="Cihan Zeyrek" userId="dd9724baaf2e43d1" providerId="LiveId" clId="{E5A86D5C-552E-4995-AB32-5E49D96B1D3A}" dt="2025-07-01T11:57:36.837" v="571" actId="14100"/>
+          <ac:chgData name="Cihan Zeyrek" userId="dd9724baaf2e43d1" providerId="LiveId" clId="{E5A86D5C-552E-4995-AB32-5E49D96B1D3A}" dt="2025-07-02T09:58:13.466" v="2863" actId="20577"/>
           <ac:spMkLst>
             <pc:docMk/>
             <pc:sldMk cId="4168340417" sldId="256"/>
@@ -163,7 +171,7 @@
           </ac:spMkLst>
         </pc:spChg>
         <pc:spChg chg="mod">
-          <ac:chgData name="Cihan Zeyrek" userId="dd9724baaf2e43d1" providerId="LiveId" clId="{E5A86D5C-552E-4995-AB32-5E49D96B1D3A}" dt="2025-07-01T11:59:16.926" v="578" actId="207"/>
+          <ac:chgData name="Cihan Zeyrek" userId="dd9724baaf2e43d1" providerId="LiveId" clId="{E5A86D5C-552E-4995-AB32-5E49D96B1D3A}" dt="2025-07-02T09:40:18.023" v="1545" actId="790"/>
           <ac:spMkLst>
             <pc:docMk/>
             <pc:sldMk cId="4168340417" sldId="256"/>
@@ -171,7 +179,7 @@
           </ac:spMkLst>
         </pc:spChg>
         <pc:spChg chg="mod">
-          <ac:chgData name="Cihan Zeyrek" userId="dd9724baaf2e43d1" providerId="LiveId" clId="{E5A86D5C-552E-4995-AB32-5E49D96B1D3A}" dt="2025-07-01T11:59:13.881" v="577" actId="207"/>
+          <ac:chgData name="Cihan Zeyrek" userId="dd9724baaf2e43d1" providerId="LiveId" clId="{E5A86D5C-552E-4995-AB32-5E49D96B1D3A}" dt="2025-07-02T09:40:18.023" v="1545" actId="790"/>
           <ac:spMkLst>
             <pc:docMk/>
             <pc:sldMk cId="4168340417" sldId="256"/>
@@ -186,6 +194,14 @@
             <ac:spMk id="7" creationId="{800E7A44-961E-9783-3047-2F1FDEE010A7}"/>
           </ac:spMkLst>
         </pc:spChg>
+        <pc:spChg chg="add mod">
+          <ac:chgData name="Cihan Zeyrek" userId="dd9724baaf2e43d1" providerId="LiveId" clId="{E5A86D5C-552E-4995-AB32-5E49D96B1D3A}" dt="2025-07-02T09:58:03.949" v="2860" actId="20577"/>
+          <ac:spMkLst>
+            <pc:docMk/>
+            <pc:sldMk cId="4168340417" sldId="256"/>
+            <ac:spMk id="7" creationId="{E825588A-E12C-8099-3FB3-5077EFD79267}"/>
+          </ac:spMkLst>
+        </pc:spChg>
         <pc:spChg chg="add del mod">
           <ac:chgData name="Cihan Zeyrek" userId="dd9724baaf2e43d1" providerId="LiveId" clId="{E5A86D5C-552E-4995-AB32-5E49D96B1D3A}" dt="2025-07-01T11:52:51.314" v="535"/>
           <ac:spMkLst>
@@ -195,7 +211,7 @@
           </ac:spMkLst>
         </pc:spChg>
         <pc:spChg chg="mod">
-          <ac:chgData name="Cihan Zeyrek" userId="dd9724baaf2e43d1" providerId="LiveId" clId="{E5A86D5C-552E-4995-AB32-5E49D96B1D3A}" dt="2025-07-01T11:36:47.628" v="417" actId="14100"/>
+          <ac:chgData name="Cihan Zeyrek" userId="dd9724baaf2e43d1" providerId="LiveId" clId="{E5A86D5C-552E-4995-AB32-5E49D96B1D3A}" dt="2025-07-02T09:40:18.023" v="1545" actId="790"/>
           <ac:spMkLst>
             <pc:docMk/>
             <pc:sldMk cId="4168340417" sldId="256"/>
@@ -203,7 +219,7 @@
           </ac:spMkLst>
         </pc:spChg>
         <pc:spChg chg="mod">
-          <ac:chgData name="Cihan Zeyrek" userId="dd9724baaf2e43d1" providerId="LiveId" clId="{E5A86D5C-552E-4995-AB32-5E49D96B1D3A}" dt="2025-07-01T12:01:46.834" v="584" actId="14100"/>
+          <ac:chgData name="Cihan Zeyrek" userId="dd9724baaf2e43d1" providerId="LiveId" clId="{E5A86D5C-552E-4995-AB32-5E49D96B1D3A}" dt="2025-07-02T09:40:18.023" v="1545" actId="790"/>
           <ac:spMkLst>
             <pc:docMk/>
             <pc:sldMk cId="4168340417" sldId="256"/>
@@ -211,7 +227,7 @@
           </ac:spMkLst>
         </pc:spChg>
         <pc:spChg chg="mod">
-          <ac:chgData name="Cihan Zeyrek" userId="dd9724baaf2e43d1" providerId="LiveId" clId="{E5A86D5C-552E-4995-AB32-5E49D96B1D3A}" dt="2025-07-01T11:58:31.731" v="575" actId="207"/>
+          <ac:chgData name="Cihan Zeyrek" userId="dd9724baaf2e43d1" providerId="LiveId" clId="{E5A86D5C-552E-4995-AB32-5E49D96B1D3A}" dt="2025-07-02T09:40:18.023" v="1545" actId="790"/>
           <ac:spMkLst>
             <pc:docMk/>
             <pc:sldMk cId="4168340417" sldId="256"/>
@@ -219,7 +235,7 @@
           </ac:spMkLst>
         </pc:spChg>
         <pc:spChg chg="mod">
-          <ac:chgData name="Cihan Zeyrek" userId="dd9724baaf2e43d1" providerId="LiveId" clId="{E5A86D5C-552E-4995-AB32-5E49D96B1D3A}" dt="2025-07-01T12:01:52.548" v="585" actId="14100"/>
+          <ac:chgData name="Cihan Zeyrek" userId="dd9724baaf2e43d1" providerId="LiveId" clId="{E5A86D5C-552E-4995-AB32-5E49D96B1D3A}" dt="2025-07-02T09:40:18.023" v="1545" actId="790"/>
           <ac:spMkLst>
             <pc:docMk/>
             <pc:sldMk cId="4168340417" sldId="256"/>
@@ -227,7 +243,7 @@
           </ac:spMkLst>
         </pc:spChg>
         <pc:spChg chg="mod">
-          <ac:chgData name="Cihan Zeyrek" userId="dd9724baaf2e43d1" providerId="LiveId" clId="{E5A86D5C-552E-4995-AB32-5E49D96B1D3A}" dt="2025-07-01T12:00:24.948" v="581" actId="1076"/>
+          <ac:chgData name="Cihan Zeyrek" userId="dd9724baaf2e43d1" providerId="LiveId" clId="{E5A86D5C-552E-4995-AB32-5E49D96B1D3A}" dt="2025-07-02T09:40:18.023" v="1545" actId="790"/>
           <ac:spMkLst>
             <pc:docMk/>
             <pc:sldMk cId="4168340417" sldId="256"/>
@@ -240,14 +256,6 @@
             <pc:docMk/>
             <pc:sldMk cId="4168340417" sldId="256"/>
             <ac:picMk id="18" creationId="{AED22679-52DC-ECE8-A2D7-89A7E33E7A44}"/>
-          </ac:picMkLst>
-        </pc:picChg>
-        <pc:picChg chg="add mod">
-          <ac:chgData name="Cihan Zeyrek" userId="dd9724baaf2e43d1" providerId="LiveId" clId="{E5A86D5C-552E-4995-AB32-5E49D96B1D3A}" dt="2025-06-30T15:55:46.620" v="125"/>
-          <ac:picMkLst>
-            <pc:docMk/>
-            <pc:sldMk cId="4168340417" sldId="256"/>
-            <ac:picMk id="19" creationId="{53024C81-B28C-DF04-370A-012A781F4719}"/>
           </ac:picMkLst>
         </pc:picChg>
         <pc:picChg chg="add mod">
@@ -354,7 +362,7 @@
           <a:p>
             <a:fld id="{12610477-6C94-4391-BBDC-B8E9BB33E658}" type="datetimeFigureOut">
               <a:rPr lang="de-DE" smtClean="0"/>
-              <a:t>01.07.2025</a:t>
+              <a:t>02.07.2025</a:t>
             </a:fld>
             <a:endParaRPr lang="de-DE"/>
           </a:p>
@@ -836,7 +844,7 @@
           <a:p>
             <a:fld id="{F9ACF1CB-8064-4AFF-8DFB-49A00122A1FD}" type="datetimeFigureOut">
               <a:rPr lang="de-DE" smtClean="0"/>
-              <a:t>01.07.2025</a:t>
+              <a:t>02.07.2025</a:t>
             </a:fld>
             <a:endParaRPr lang="de-DE"/>
           </a:p>
@@ -1006,7 +1014,7 @@
           <a:p>
             <a:fld id="{F9ACF1CB-8064-4AFF-8DFB-49A00122A1FD}" type="datetimeFigureOut">
               <a:rPr lang="de-DE" smtClean="0"/>
-              <a:t>01.07.2025</a:t>
+              <a:t>02.07.2025</a:t>
             </a:fld>
             <a:endParaRPr lang="de-DE"/>
           </a:p>
@@ -1186,7 +1194,7 @@
           <a:p>
             <a:fld id="{F9ACF1CB-8064-4AFF-8DFB-49A00122A1FD}" type="datetimeFigureOut">
               <a:rPr lang="de-DE" smtClean="0"/>
-              <a:t>01.07.2025</a:t>
+              <a:t>02.07.2025</a:t>
             </a:fld>
             <a:endParaRPr lang="de-DE"/>
           </a:p>
@@ -1356,7 +1364,7 @@
           <a:p>
             <a:fld id="{F9ACF1CB-8064-4AFF-8DFB-49A00122A1FD}" type="datetimeFigureOut">
               <a:rPr lang="de-DE" smtClean="0"/>
-              <a:t>01.07.2025</a:t>
+              <a:t>02.07.2025</a:t>
             </a:fld>
             <a:endParaRPr lang="de-DE"/>
           </a:p>
@@ -1602,7 +1610,7 @@
           <a:p>
             <a:fld id="{F9ACF1CB-8064-4AFF-8DFB-49A00122A1FD}" type="datetimeFigureOut">
               <a:rPr lang="de-DE" smtClean="0"/>
-              <a:t>01.07.2025</a:t>
+              <a:t>02.07.2025</a:t>
             </a:fld>
             <a:endParaRPr lang="de-DE"/>
           </a:p>
@@ -1834,7 +1842,7 @@
           <a:p>
             <a:fld id="{F9ACF1CB-8064-4AFF-8DFB-49A00122A1FD}" type="datetimeFigureOut">
               <a:rPr lang="de-DE" smtClean="0"/>
-              <a:t>01.07.2025</a:t>
+              <a:t>02.07.2025</a:t>
             </a:fld>
             <a:endParaRPr lang="de-DE"/>
           </a:p>
@@ -2201,7 +2209,7 @@
           <a:p>
             <a:fld id="{F9ACF1CB-8064-4AFF-8DFB-49A00122A1FD}" type="datetimeFigureOut">
               <a:rPr lang="de-DE" smtClean="0"/>
-              <a:t>01.07.2025</a:t>
+              <a:t>02.07.2025</a:t>
             </a:fld>
             <a:endParaRPr lang="de-DE"/>
           </a:p>
@@ -2319,7 +2327,7 @@
           <a:p>
             <a:fld id="{F9ACF1CB-8064-4AFF-8DFB-49A00122A1FD}" type="datetimeFigureOut">
               <a:rPr lang="de-DE" smtClean="0"/>
-              <a:t>01.07.2025</a:t>
+              <a:t>02.07.2025</a:t>
             </a:fld>
             <a:endParaRPr lang="de-DE"/>
           </a:p>
@@ -2414,7 +2422,7 @@
           <a:p>
             <a:fld id="{F9ACF1CB-8064-4AFF-8DFB-49A00122A1FD}" type="datetimeFigureOut">
               <a:rPr lang="de-DE" smtClean="0"/>
-              <a:t>01.07.2025</a:t>
+              <a:t>02.07.2025</a:t>
             </a:fld>
             <a:endParaRPr lang="de-DE"/>
           </a:p>
@@ -2691,7 +2699,7 @@
           <a:p>
             <a:fld id="{F9ACF1CB-8064-4AFF-8DFB-49A00122A1FD}" type="datetimeFigureOut">
               <a:rPr lang="de-DE" smtClean="0"/>
-              <a:t>01.07.2025</a:t>
+              <a:t>02.07.2025</a:t>
             </a:fld>
             <a:endParaRPr lang="de-DE"/>
           </a:p>
@@ -2948,7 +2956,7 @@
           <a:p>
             <a:fld id="{F9ACF1CB-8064-4AFF-8DFB-49A00122A1FD}" type="datetimeFigureOut">
               <a:rPr lang="de-DE" smtClean="0"/>
-              <a:t>01.07.2025</a:t>
+              <a:t>02.07.2025</a:t>
             </a:fld>
             <a:endParaRPr lang="de-DE"/>
           </a:p>
@@ -3161,7 +3169,7 @@
           <a:p>
             <a:fld id="{F9ACF1CB-8064-4AFF-8DFB-49A00122A1FD}" type="datetimeFigureOut">
               <a:rPr lang="de-DE" smtClean="0"/>
-              <a:t>01.07.2025</a:t>
+              <a:t>02.07.2025</a:t>
             </a:fld>
             <a:endParaRPr lang="de-DE"/>
           </a:p>
@@ -3612,12 +3620,20 @@
           <a:p>
             <a:pPr algn="ctr"/>
             <a:r>
-              <a:rPr lang="de-DE" sz="5400" dirty="0" err="1"/>
+              <a:rPr lang="en-US" sz="5400" noProof="0" dirty="0" err="1"/>
               <a:t>RiboSix</a:t>
             </a:r>
             <a:r>
-              <a:rPr lang="de-DE" sz="5400" dirty="0"/>
-              <a:t> – A RNA-BINDING PROTEIN STORY </a:t>
+              <a:rPr lang="en-US" sz="5400" noProof="0" dirty="0"/>
+              <a:t> – A</a:t>
+            </a:r>
+            <a:r>
+              <a:rPr lang="en-US" sz="5400" dirty="0"/>
+              <a:t>N </a:t>
+            </a:r>
+            <a:r>
+              <a:rPr lang="en-US" sz="5400" noProof="0" dirty="0"/>
+              <a:t>RNA-BINDING PROTEIN STORY </a:t>
             </a:r>
           </a:p>
         </p:txBody>
@@ -3670,20 +3686,12 @@
           <a:lstStyle/>
           <a:p>
             <a:r>
-              <a:rPr lang="de-DE" sz="4400" dirty="0" err="1">
+              <a:rPr lang="en-US" sz="4400" noProof="0" dirty="0">
                 <a:solidFill>
                   <a:schemeClr val="tx1"/>
                 </a:solidFill>
               </a:rPr>
-              <a:t>Reproducabilty</a:t>
-            </a:r>
-            <a:r>
-              <a:rPr lang="de-DE" sz="4400" dirty="0">
-                <a:solidFill>
-                  <a:schemeClr val="tx1"/>
-                </a:solidFill>
-              </a:rPr>
-              <a:t> Analysis: Am I real? </a:t>
+              <a:t>Reproducibility Analysis: Am I real? </a:t>
             </a:r>
           </a:p>
         </p:txBody>
@@ -3736,120 +3744,16 @@
           <a:lstStyle/>
           <a:p>
             <a:r>
-              <a:rPr lang="de-DE" sz="4400" dirty="0" err="1">
+              <a:rPr lang="en-US" sz="4400" noProof="0" dirty="0">
                 <a:solidFill>
                   <a:schemeClr val="tx1"/>
                 </a:solidFill>
               </a:rPr>
-              <a:t>Normalization</a:t>
-            </a:r>
-            <a:r>
-              <a:rPr lang="de-DE" sz="4400" dirty="0">
-                <a:solidFill>
-                  <a:schemeClr val="tx1"/>
-                </a:solidFill>
-              </a:rPr>
-              <a:t>: </a:t>
-            </a:r>
-            <a:r>
-              <a:rPr lang="de-DE" sz="4400" dirty="0" err="1">
-                <a:solidFill>
-                  <a:schemeClr val="tx1"/>
-                </a:solidFill>
-              </a:rPr>
-              <a:t>Finding</a:t>
-            </a:r>
-            <a:r>
-              <a:rPr lang="de-DE" sz="4400" dirty="0">
-                <a:solidFill>
-                  <a:schemeClr val="tx1"/>
-                </a:solidFill>
-              </a:rPr>
-              <a:t> </a:t>
-            </a:r>
-            <a:r>
-              <a:rPr lang="de-DE" sz="4400" dirty="0" err="1">
-                <a:solidFill>
-                  <a:schemeClr val="tx1"/>
-                </a:solidFill>
-              </a:rPr>
-              <a:t>the</a:t>
-            </a:r>
-            <a:r>
-              <a:rPr lang="de-DE" sz="4400" dirty="0">
-                <a:solidFill>
-                  <a:schemeClr val="tx1"/>
-                </a:solidFill>
-              </a:rPr>
-              <a:t> </a:t>
-            </a:r>
-            <a:r>
-              <a:rPr lang="de-DE" sz="4400" dirty="0" err="1">
-                <a:solidFill>
-                  <a:schemeClr val="tx1"/>
-                </a:solidFill>
-              </a:rPr>
-              <a:t>right</a:t>
-            </a:r>
-            <a:r>
-              <a:rPr lang="de-DE" sz="4400" dirty="0">
-                <a:solidFill>
-                  <a:schemeClr val="tx1"/>
-                </a:solidFill>
-              </a:rPr>
-              <a:t> fit </a:t>
-            </a:r>
-            <a:r>
-              <a:rPr lang="de-DE" sz="4400" dirty="0" err="1">
-                <a:solidFill>
-                  <a:schemeClr val="tx1"/>
-                </a:solidFill>
-              </a:rPr>
-              <a:t>for</a:t>
-            </a:r>
-            <a:r>
-              <a:rPr lang="de-DE" sz="4400" dirty="0">
-                <a:solidFill>
-                  <a:schemeClr val="tx1"/>
-                </a:solidFill>
-              </a:rPr>
-              <a:t> </a:t>
-            </a:r>
-            <a:r>
-              <a:rPr lang="de-DE" sz="4400" dirty="0" err="1">
-                <a:solidFill>
-                  <a:schemeClr val="tx1"/>
-                </a:solidFill>
-              </a:rPr>
-              <a:t>the</a:t>
-            </a:r>
-            <a:r>
-              <a:rPr lang="de-DE" sz="4400" dirty="0">
-                <a:solidFill>
-                  <a:schemeClr val="tx1"/>
-                </a:solidFill>
-              </a:rPr>
-              <a:t> </a:t>
-            </a:r>
-            <a:r>
-              <a:rPr lang="de-DE" sz="4400" dirty="0" err="1">
-                <a:solidFill>
-                  <a:schemeClr val="tx1"/>
-                </a:solidFill>
-              </a:rPr>
-              <a:t>day</a:t>
-            </a:r>
-            <a:r>
-              <a:rPr lang="de-DE" sz="4400" dirty="0">
-                <a:solidFill>
-                  <a:schemeClr val="tx1"/>
-                </a:solidFill>
-              </a:rPr>
-              <a:t> </a:t>
-            </a:r>
-          </a:p>
-          <a:p>
-            <a:endParaRPr lang="de-DE" sz="4400" dirty="0">
+              <a:t>Normalization: Finding the right fit for the day </a:t>
+            </a:r>
+          </a:p>
+          <a:p>
+            <a:endParaRPr lang="en-US" sz="4400" noProof="0" dirty="0">
               <a:solidFill>
                 <a:schemeClr val="tx1"/>
               </a:solidFill>
@@ -3857,7 +3761,7 @@
           </a:p>
           <a:p>
             <a:r>
-              <a:rPr lang="de-DE" sz="4400" dirty="0">
+              <a:rPr lang="en-US" sz="4400" noProof="0" dirty="0">
                 <a:solidFill>
                   <a:schemeClr val="tx1"/>
                 </a:solidFill>
@@ -3912,7 +3816,7 @@
           <a:lstStyle/>
           <a:p>
             <a:pPr algn="ctr"/>
-            <a:endParaRPr lang="de-DE"/>
+            <a:endParaRPr lang="en-US" noProof="0" dirty="0"/>
           </a:p>
         </p:txBody>
       </p:sp>
@@ -3964,60 +3868,12 @@
           <a:lstStyle/>
           <a:p>
             <a:r>
-              <a:rPr lang="de-DE" sz="4400" dirty="0">
+              <a:rPr lang="en-US" sz="4400" noProof="0" dirty="0">
                 <a:solidFill>
                   <a:schemeClr val="tx1"/>
                 </a:solidFill>
               </a:rPr>
-              <a:t>Shift Analysis: </a:t>
-            </a:r>
-            <a:r>
-              <a:rPr lang="de-DE" sz="4400" dirty="0" err="1">
-                <a:solidFill>
-                  <a:schemeClr val="tx1"/>
-                </a:solidFill>
-              </a:rPr>
-              <a:t>Finding</a:t>
-            </a:r>
-            <a:r>
-              <a:rPr lang="de-DE" sz="4400" dirty="0">
-                <a:solidFill>
-                  <a:schemeClr val="tx1"/>
-                </a:solidFill>
-              </a:rPr>
-              <a:t> </a:t>
-            </a:r>
-            <a:r>
-              <a:rPr lang="de-DE" sz="4400" dirty="0" err="1">
-                <a:solidFill>
-                  <a:schemeClr val="tx1"/>
-                </a:solidFill>
-              </a:rPr>
-              <a:t>my</a:t>
-            </a:r>
-            <a:r>
-              <a:rPr lang="de-DE" sz="4400" dirty="0">
-                <a:solidFill>
-                  <a:schemeClr val="tx1"/>
-                </a:solidFill>
-              </a:rPr>
-              <a:t> </a:t>
-            </a:r>
-            <a:r>
-              <a:rPr lang="de-DE" sz="4400" dirty="0" err="1">
-                <a:solidFill>
-                  <a:schemeClr val="tx1"/>
-                </a:solidFill>
-              </a:rPr>
-              <a:t>species</a:t>
-            </a:r>
-            <a:r>
-              <a:rPr lang="de-DE" sz="4400" dirty="0">
-                <a:solidFill>
-                  <a:schemeClr val="tx1"/>
-                </a:solidFill>
-              </a:rPr>
-              <a:t> </a:t>
+              <a:t>Shift Analysis: Finding my species </a:t>
             </a:r>
           </a:p>
         </p:txBody>
@@ -4070,66 +3926,13 @@
           <a:lstStyle/>
           <a:p>
             <a:r>
-              <a:rPr lang="de-DE" sz="4400" dirty="0" err="1">
+              <a:rPr lang="en-US" sz="4400" noProof="0" dirty="0">
                 <a:solidFill>
                   <a:schemeClr val="tx1"/>
                 </a:solidFill>
               </a:rPr>
-              <a:t>Mitosis</a:t>
-            </a:r>
-            <a:r>
-              <a:rPr lang="de-DE" sz="4400" dirty="0">
-                <a:solidFill>
-                  <a:schemeClr val="tx1"/>
-                </a:solidFill>
-              </a:rPr>
-              <a:t>: </a:t>
-            </a:r>
-            <a:r>
-              <a:rPr lang="de-DE" sz="4400" dirty="0" err="1">
-                <a:solidFill>
-                  <a:schemeClr val="tx1"/>
-                </a:solidFill>
-              </a:rPr>
-              <a:t>Finding</a:t>
-            </a:r>
-            <a:r>
-              <a:rPr lang="de-DE" sz="4400" dirty="0">
-                <a:solidFill>
-                  <a:schemeClr val="tx1"/>
-                </a:solidFill>
-              </a:rPr>
-              <a:t> </a:t>
-            </a:r>
-            <a:r>
-              <a:rPr lang="de-DE" sz="4400" dirty="0" err="1">
-                <a:solidFill>
-                  <a:schemeClr val="tx1"/>
-                </a:solidFill>
-              </a:rPr>
-              <a:t>my</a:t>
-            </a:r>
-            <a:r>
-              <a:rPr lang="de-DE" sz="4400" dirty="0">
-                <a:solidFill>
-                  <a:schemeClr val="tx1"/>
-                </a:solidFill>
-              </a:rPr>
-              <a:t> </a:t>
-            </a:r>
-            <a:r>
-              <a:rPr lang="de-DE" sz="4400" dirty="0" err="1">
-                <a:solidFill>
-                  <a:schemeClr val="tx1"/>
-                </a:solidFill>
-              </a:rPr>
-              <a:t>home</a:t>
-            </a:r>
-            <a:endParaRPr lang="de-DE" sz="4400" dirty="0">
-              <a:solidFill>
-                <a:schemeClr val="tx1"/>
-              </a:solidFill>
-            </a:endParaRPr>
+              <a:t>Mitosis: Finding my home</a:t>
+            </a:r>
           </a:p>
         </p:txBody>
       </p:sp>
@@ -4181,7 +3984,7 @@
           <a:lstStyle/>
           <a:p>
             <a:r>
-              <a:rPr lang="de-DE" sz="4400" dirty="0" err="1">
+              <a:rPr lang="en-US" sz="4400" noProof="0" dirty="0" err="1">
                 <a:solidFill>
                   <a:schemeClr val="tx1"/>
                 </a:solidFill>
@@ -4189,32 +3992,16 @@
               <a:t>Complexe</a:t>
             </a:r>
             <a:r>
-              <a:rPr lang="de-DE" sz="4400" dirty="0">
+              <a:rPr lang="en-US" sz="4400" noProof="0" dirty="0">
                 <a:solidFill>
                   <a:schemeClr val="tx1"/>
                 </a:solidFill>
               </a:rPr>
-              <a:t> Analysis: </a:t>
-            </a:r>
-            <a:r>
-              <a:rPr lang="de-DE" sz="4400" dirty="0" err="1">
-                <a:solidFill>
-                  <a:schemeClr val="tx1"/>
-                </a:solidFill>
-              </a:rPr>
-              <a:t>Finding</a:t>
-            </a:r>
-            <a:r>
-              <a:rPr lang="de-DE" sz="4400" dirty="0">
-                <a:solidFill>
-                  <a:schemeClr val="tx1"/>
-                </a:solidFill>
-              </a:rPr>
-              <a:t> Friends</a:t>
-            </a:r>
-          </a:p>
-          <a:p>
-            <a:endParaRPr lang="de-DE" sz="4400" dirty="0">
+              <a:t> Analysis: Finding Friends</a:t>
+            </a:r>
+          </a:p>
+          <a:p>
+            <a:endParaRPr lang="en-US" sz="4400" noProof="0" dirty="0">
               <a:solidFill>
                 <a:schemeClr val="tx1"/>
               </a:solidFill>
@@ -4270,58 +4057,13 @@
           <a:lstStyle/>
           <a:p>
             <a:r>
-              <a:rPr lang="de-DE" sz="4400" dirty="0">
+              <a:rPr lang="en-US" sz="4400" noProof="0" dirty="0">
                 <a:solidFill>
                   <a:schemeClr val="tx1"/>
                 </a:solidFill>
               </a:rPr>
-              <a:t>Linear Regression: </a:t>
-            </a:r>
-            <a:r>
-              <a:rPr lang="de-DE" sz="4400" dirty="0" err="1">
-                <a:solidFill>
-                  <a:schemeClr val="tx1"/>
-                </a:solidFill>
-              </a:rPr>
-              <a:t>Determining</a:t>
-            </a:r>
-            <a:r>
-              <a:rPr lang="de-DE" sz="4400" dirty="0">
-                <a:solidFill>
-                  <a:schemeClr val="tx1"/>
-                </a:solidFill>
-              </a:rPr>
-              <a:t> </a:t>
-            </a:r>
-            <a:r>
-              <a:rPr lang="de-DE" sz="4400" dirty="0" err="1">
-                <a:solidFill>
-                  <a:schemeClr val="tx1"/>
-                </a:solidFill>
-              </a:rPr>
-              <a:t>my</a:t>
-            </a:r>
-            <a:r>
-              <a:rPr lang="de-DE" sz="4400" dirty="0">
-                <a:solidFill>
-                  <a:schemeClr val="tx1"/>
-                </a:solidFill>
-              </a:rPr>
-              <a:t> </a:t>
-            </a:r>
-            <a:r>
-              <a:rPr lang="de-DE" sz="4400" dirty="0" err="1">
-                <a:solidFill>
-                  <a:schemeClr val="tx1"/>
-                </a:solidFill>
-              </a:rPr>
-              <a:t>weight</a:t>
-            </a:r>
-            <a:endParaRPr lang="de-DE" sz="4400" dirty="0">
-              <a:solidFill>
-                <a:schemeClr val="tx1"/>
-              </a:solidFill>
-            </a:endParaRPr>
+              <a:t>Linear Regression: Determining my weight</a:t>
+            </a:r>
           </a:p>
         </p:txBody>
       </p:sp>
@@ -4437,11 +4179,166 @@
           <a:bodyPr rtlCol="0" anchor="t"/>
           <a:lstStyle/>
           <a:p>
-            <a:endParaRPr lang="de-DE" sz="3600" dirty="0">
+            <a:endParaRPr lang="en-US" sz="3600" noProof="0" dirty="0">
               <a:solidFill>
                 <a:schemeClr val="tx1"/>
               </a:solidFill>
             </a:endParaRPr>
+          </a:p>
+        </p:txBody>
+      </p:sp>
+      <p:sp>
+        <p:nvSpPr>
+          <p:cNvPr id="3" name="Textfeld 2">
+            <a:extLst>
+              <a:ext uri="{FF2B5EF4-FFF2-40B4-BE49-F238E27FC236}">
+                <a16:creationId xmlns:a16="http://schemas.microsoft.com/office/drawing/2014/main" id="{04624BEE-2D85-D971-6B0E-6AFB63D073B6}"/>
+              </a:ext>
+            </a:extLst>
+          </p:cNvPr>
+          <p:cNvSpPr txBox="1"/>
+          <p:nvPr/>
+        </p:nvSpPr>
+        <p:spPr>
+          <a:xfrm>
+            <a:off x="609598" y="3514835"/>
+            <a:ext cx="14528007" cy="3170099"/>
+          </a:xfrm>
+          <a:prstGeom prst="rect">
+            <a:avLst/>
+          </a:prstGeom>
+          <a:noFill/>
+        </p:spPr>
+        <p:txBody>
+          <a:bodyPr wrap="square" rtlCol="0">
+            <a:spAutoFit/>
+          </a:bodyPr>
+          <a:lstStyle/>
+          <a:p>
+            <a:r>
+              <a:rPr lang="en-US" sz="4000" noProof="0" dirty="0"/>
+              <a:t>The world of RBPs</a:t>
+            </a:r>
+          </a:p>
+          <a:p>
+            <a:r>
+              <a:rPr lang="en-US" sz="2400" noProof="0" dirty="0"/>
+              <a:t>In a small space called HeLa, there are many small molecules working together creating one unit. They are going through many seasons giving their all to make it work, but not necessarily everyone is working during every season. This is what makes living there for them so beautiful, after a lot of hard work many of them can gather their energy. One season is called mitosis and this is the season of our little protein </a:t>
+            </a:r>
+            <a:r>
+              <a:rPr lang="en-US" sz="2400" noProof="0" dirty="0" err="1"/>
+              <a:t>RiboSix</a:t>
+            </a:r>
+            <a:r>
+              <a:rPr lang="en-US" sz="2400" noProof="0" dirty="0"/>
+              <a:t>. </a:t>
+            </a:r>
+          </a:p>
+          <a:p>
+            <a:r>
+              <a:rPr lang="en-US" sz="2400" noProof="0" dirty="0"/>
+              <a:t>So, jo</a:t>
+            </a:r>
+            <a:r>
+              <a:rPr lang="en-US" sz="2400" dirty="0"/>
+              <a:t>i</a:t>
+            </a:r>
+            <a:r>
+              <a:rPr lang="en-US" sz="2400" noProof="0" dirty="0"/>
+              <a:t>n us on his journey to discover the village of HeLa. </a:t>
+            </a:r>
+            <a:endParaRPr lang="en-US" sz="3600" noProof="0" dirty="0"/>
+          </a:p>
+          <a:p>
+            <a:endParaRPr lang="en-US" sz="4000" noProof="0" dirty="0"/>
+          </a:p>
+        </p:txBody>
+      </p:sp>
+      <p:sp>
+        <p:nvSpPr>
+          <p:cNvPr id="7" name="Textfeld 6">
+            <a:extLst>
+              <a:ext uri="{FF2B5EF4-FFF2-40B4-BE49-F238E27FC236}">
+                <a16:creationId xmlns:a16="http://schemas.microsoft.com/office/drawing/2014/main" id="{E825588A-E12C-8099-3FB3-5077EFD79267}"/>
+              </a:ext>
+            </a:extLst>
+          </p:cNvPr>
+          <p:cNvSpPr txBox="1"/>
+          <p:nvPr/>
+        </p:nvSpPr>
+        <p:spPr>
+          <a:xfrm>
+            <a:off x="15370492" y="3559766"/>
+            <a:ext cx="13106400" cy="4770537"/>
+          </a:xfrm>
+          <a:prstGeom prst="rect">
+            <a:avLst/>
+          </a:prstGeom>
+          <a:noFill/>
+        </p:spPr>
+        <p:txBody>
+          <a:bodyPr wrap="square" rtlCol="0">
+            <a:spAutoFit/>
+          </a:bodyPr>
+          <a:lstStyle/>
+          <a:p>
+            <a:r>
+              <a:rPr lang="en-US" sz="4000" noProof="0" dirty="0"/>
+              <a:t>Our Goal: </a:t>
+            </a:r>
+            <a:r>
+              <a:rPr lang="en-US" sz="4000" dirty="0"/>
+              <a:t>Hunting RNA-Binding Proteins in the Deep</a:t>
+            </a:r>
+          </a:p>
+          <a:p>
+            <a:r>
+              <a:rPr lang="en-US" sz="2400" noProof="0" dirty="0"/>
+              <a:t>During our project, our main goal was to identify all the RBPs </a:t>
+            </a:r>
+            <a:r>
+              <a:rPr lang="en-US" sz="2400" dirty="0"/>
+              <a:t>in mitotic HeLa cells. For this, all proteins were fractioned once with RNase treatment and once without. The intensity of each proteins in 25 fraction was then analyzed by mass spectrometry in triplicates. </a:t>
+            </a:r>
+          </a:p>
+          <a:p>
+            <a:r>
+              <a:rPr lang="en-US" sz="2400" noProof="0" dirty="0"/>
+              <a:t>The gathered data was </a:t>
+            </a:r>
+            <a:r>
+              <a:rPr lang="en-US" sz="2400" dirty="0"/>
+              <a:t>tested for reproducibility, cleaned up and characterized by their peak pattern. What was now the criteria we used to characterize a protein as an RBP? </a:t>
+            </a:r>
+          </a:p>
+          <a:p>
+            <a:r>
+              <a:rPr lang="en-US" sz="2400" noProof="0" dirty="0"/>
+              <a:t>We used a function used Centre of Mass (</a:t>
+            </a:r>
+            <a:r>
+              <a:rPr lang="en-US" sz="2400" noProof="0" dirty="0" err="1"/>
+              <a:t>CoM</a:t>
+            </a:r>
+            <a:r>
+              <a:rPr lang="en-US" sz="2400" noProof="0" dirty="0"/>
+              <a:t>) to have one specific value for every protein for both treatments. When the </a:t>
+            </a:r>
+            <a:r>
+              <a:rPr lang="en-US" sz="2400" noProof="0" dirty="0" err="1"/>
+              <a:t>CoM</a:t>
+            </a:r>
+            <a:r>
+              <a:rPr lang="en-US" sz="2400" noProof="0" dirty="0"/>
+              <a:t> showed a significant left shift from Ctrl to RNase, the protein was defined as an RBP. </a:t>
+            </a:r>
+          </a:p>
+          <a:p>
+            <a:r>
+              <a:rPr lang="en-US" sz="2400" dirty="0"/>
+              <a:t>Additionally, the identified RBPs were compared to RBPs of non-synchronized cells to identify the RBPs only active in mitosis. Furthermore, complexes of these RBPs were determined by clustering and a linear regression analysis was performed to predict molecular weight of the RBPs. </a:t>
+            </a:r>
+            <a:endParaRPr lang="en-US" sz="2400" noProof="0" dirty="0"/>
           </a:p>
         </p:txBody>
       </p:sp>

--- a/RiboZwo.pptx
+++ b/RiboZwo.pptx
@@ -5,10 +5,11 @@
     <p:sldMasterId id="2147483660" r:id="rId1"/>
   </p:sldMasterIdLst>
   <p:notesMasterIdLst>
-    <p:notesMasterId r:id="rId3"/>
+    <p:notesMasterId r:id="rId4"/>
   </p:notesMasterIdLst>
   <p:sldIdLst>
     <p:sldId id="256" r:id="rId2"/>
+    <p:sldId id="258" r:id="rId3"/>
   </p:sldIdLst>
   <p:sldSz cx="30275213" cy="42803763"/>
   <p:notesSz cx="6858000" cy="9144000"/>
@@ -362,7 +363,7 @@
           <a:p>
             <a:fld id="{12610477-6C94-4391-BBDC-B8E9BB33E658}" type="datetimeFigureOut">
               <a:rPr lang="de-DE" smtClean="0"/>
-              <a:t>02.07.2025</a:t>
+              <a:t>02.07.25</a:t>
             </a:fld>
             <a:endParaRPr lang="de-DE"/>
           </a:p>
@@ -713,6 +714,114 @@
 </p:notes>
 </file>
 
+<file path=ppt/notesSlides/notesSlide2.xml><?xml version="1.0" encoding="utf-8"?>
+<p:notes xmlns:a="http://schemas.openxmlformats.org/drawingml/2006/main" xmlns:r="http://schemas.openxmlformats.org/officeDocument/2006/relationships" xmlns:p="http://schemas.openxmlformats.org/presentationml/2006/main">
+  <p:cSld>
+    <p:spTree>
+      <p:nvGrpSpPr>
+        <p:cNvPr id="1" name="">
+          <a:extLst>
+            <a:ext uri="{FF2B5EF4-FFF2-40B4-BE49-F238E27FC236}">
+              <a16:creationId xmlns:a16="http://schemas.microsoft.com/office/drawing/2014/main" id="{516A7E8A-BC59-9097-2E32-175E0C02F385}"/>
+            </a:ext>
+          </a:extLst>
+        </p:cNvPr>
+        <p:cNvGrpSpPr/>
+        <p:nvPr/>
+      </p:nvGrpSpPr>
+      <p:grpSpPr>
+        <a:xfrm>
+          <a:off x="0" y="0"/>
+          <a:ext cx="0" cy="0"/>
+          <a:chOff x="0" y="0"/>
+          <a:chExt cx="0" cy="0"/>
+        </a:xfrm>
+      </p:grpSpPr>
+      <p:sp>
+        <p:nvSpPr>
+          <p:cNvPr id="2" name="Folienbildplatzhalter 1">
+            <a:extLst>
+              <a:ext uri="{FF2B5EF4-FFF2-40B4-BE49-F238E27FC236}">
+                <a16:creationId xmlns:a16="http://schemas.microsoft.com/office/drawing/2014/main" id="{8D963332-9EB8-B579-8051-057B2D78BAE4}"/>
+              </a:ext>
+            </a:extLst>
+          </p:cNvPr>
+          <p:cNvSpPr>
+            <a:spLocks noGrp="1" noRot="1" noChangeAspect="1"/>
+          </p:cNvSpPr>
+          <p:nvPr>
+            <p:ph type="sldImg"/>
+          </p:nvPr>
+        </p:nvSpPr>
+        <p:spPr/>
+      </p:sp>
+      <p:sp>
+        <p:nvSpPr>
+          <p:cNvPr id="3" name="Notizenplatzhalter 2">
+            <a:extLst>
+              <a:ext uri="{FF2B5EF4-FFF2-40B4-BE49-F238E27FC236}">
+                <a16:creationId xmlns:a16="http://schemas.microsoft.com/office/drawing/2014/main" id="{96DC6F06-6628-53E8-3DED-FD5775D3E0D4}"/>
+              </a:ext>
+            </a:extLst>
+          </p:cNvPr>
+          <p:cNvSpPr>
+            <a:spLocks noGrp="1"/>
+          </p:cNvSpPr>
+          <p:nvPr>
+            <p:ph type="body" idx="1"/>
+          </p:nvPr>
+        </p:nvSpPr>
+        <p:spPr/>
+        <p:txBody>
+          <a:bodyPr/>
+          <a:lstStyle/>
+          <a:p>
+            <a:endParaRPr lang="de-DE" dirty="0"/>
+          </a:p>
+        </p:txBody>
+      </p:sp>
+      <p:sp>
+        <p:nvSpPr>
+          <p:cNvPr id="4" name="Foliennummernplatzhalter 3">
+            <a:extLst>
+              <a:ext uri="{FF2B5EF4-FFF2-40B4-BE49-F238E27FC236}">
+                <a16:creationId xmlns:a16="http://schemas.microsoft.com/office/drawing/2014/main" id="{4D4E8C66-B086-F480-67E8-A6743EFB0F53}"/>
+              </a:ext>
+            </a:extLst>
+          </p:cNvPr>
+          <p:cNvSpPr>
+            <a:spLocks noGrp="1"/>
+          </p:cNvSpPr>
+          <p:nvPr>
+            <p:ph type="sldNum" sz="quarter" idx="5"/>
+          </p:nvPr>
+        </p:nvSpPr>
+        <p:spPr/>
+        <p:txBody>
+          <a:bodyPr/>
+          <a:lstStyle/>
+          <a:p>
+            <a:fld id="{B23F8280-8283-495D-A659-9194DB8B63EA}" type="slidenum">
+              <a:rPr lang="de-DE" smtClean="0"/>
+              <a:t>2</a:t>
+            </a:fld>
+            <a:endParaRPr lang="de-DE"/>
+          </a:p>
+        </p:txBody>
+      </p:sp>
+    </p:spTree>
+    <p:extLst>
+      <p:ext uri="{BB962C8B-B14F-4D97-AF65-F5344CB8AC3E}">
+        <p14:creationId xmlns:p14="http://schemas.microsoft.com/office/powerpoint/2010/main" val="3640149667"/>
+      </p:ext>
+    </p:extLst>
+  </p:cSld>
+  <p:clrMapOvr>
+    <a:masterClrMapping/>
+  </p:clrMapOvr>
+</p:notes>
+</file>
+
 <file path=ppt/slideLayouts/slideLayout1.xml><?xml version="1.0" encoding="utf-8"?>
 <p:sldLayout xmlns:a="http://schemas.openxmlformats.org/drawingml/2006/main" xmlns:r="http://schemas.openxmlformats.org/officeDocument/2006/relationships" xmlns:p="http://schemas.openxmlformats.org/presentationml/2006/main" type="title" preserve="1">
   <p:cSld name="Titelfolie">
@@ -844,7 +953,7 @@
           <a:p>
             <a:fld id="{F9ACF1CB-8064-4AFF-8DFB-49A00122A1FD}" type="datetimeFigureOut">
               <a:rPr lang="de-DE" smtClean="0"/>
-              <a:t>02.07.2025</a:t>
+              <a:t>02.07.25</a:t>
             </a:fld>
             <a:endParaRPr lang="de-DE"/>
           </a:p>
@@ -1014,7 +1123,7 @@
           <a:p>
             <a:fld id="{F9ACF1CB-8064-4AFF-8DFB-49A00122A1FD}" type="datetimeFigureOut">
               <a:rPr lang="de-DE" smtClean="0"/>
-              <a:t>02.07.2025</a:t>
+              <a:t>02.07.25</a:t>
             </a:fld>
             <a:endParaRPr lang="de-DE"/>
           </a:p>
@@ -1194,7 +1303,7 @@
           <a:p>
             <a:fld id="{F9ACF1CB-8064-4AFF-8DFB-49A00122A1FD}" type="datetimeFigureOut">
               <a:rPr lang="de-DE" smtClean="0"/>
-              <a:t>02.07.2025</a:t>
+              <a:t>02.07.25</a:t>
             </a:fld>
             <a:endParaRPr lang="de-DE"/>
           </a:p>
@@ -1364,7 +1473,7 @@
           <a:p>
             <a:fld id="{F9ACF1CB-8064-4AFF-8DFB-49A00122A1FD}" type="datetimeFigureOut">
               <a:rPr lang="de-DE" smtClean="0"/>
-              <a:t>02.07.2025</a:t>
+              <a:t>02.07.25</a:t>
             </a:fld>
             <a:endParaRPr lang="de-DE"/>
           </a:p>
@@ -1610,7 +1719,7 @@
           <a:p>
             <a:fld id="{F9ACF1CB-8064-4AFF-8DFB-49A00122A1FD}" type="datetimeFigureOut">
               <a:rPr lang="de-DE" smtClean="0"/>
-              <a:t>02.07.2025</a:t>
+              <a:t>02.07.25</a:t>
             </a:fld>
             <a:endParaRPr lang="de-DE"/>
           </a:p>
@@ -1842,7 +1951,7 @@
           <a:p>
             <a:fld id="{F9ACF1CB-8064-4AFF-8DFB-49A00122A1FD}" type="datetimeFigureOut">
               <a:rPr lang="de-DE" smtClean="0"/>
-              <a:t>02.07.2025</a:t>
+              <a:t>02.07.25</a:t>
             </a:fld>
             <a:endParaRPr lang="de-DE"/>
           </a:p>
@@ -2209,7 +2318,7 @@
           <a:p>
             <a:fld id="{F9ACF1CB-8064-4AFF-8DFB-49A00122A1FD}" type="datetimeFigureOut">
               <a:rPr lang="de-DE" smtClean="0"/>
-              <a:t>02.07.2025</a:t>
+              <a:t>02.07.25</a:t>
             </a:fld>
             <a:endParaRPr lang="de-DE"/>
           </a:p>
@@ -2327,7 +2436,7 @@
           <a:p>
             <a:fld id="{F9ACF1CB-8064-4AFF-8DFB-49A00122A1FD}" type="datetimeFigureOut">
               <a:rPr lang="de-DE" smtClean="0"/>
-              <a:t>02.07.2025</a:t>
+              <a:t>02.07.25</a:t>
             </a:fld>
             <a:endParaRPr lang="de-DE"/>
           </a:p>
@@ -2422,7 +2531,7 @@
           <a:p>
             <a:fld id="{F9ACF1CB-8064-4AFF-8DFB-49A00122A1FD}" type="datetimeFigureOut">
               <a:rPr lang="de-DE" smtClean="0"/>
-              <a:t>02.07.2025</a:t>
+              <a:t>02.07.25</a:t>
             </a:fld>
             <a:endParaRPr lang="de-DE"/>
           </a:p>
@@ -2699,7 +2808,7 @@
           <a:p>
             <a:fld id="{F9ACF1CB-8064-4AFF-8DFB-49A00122A1FD}" type="datetimeFigureOut">
               <a:rPr lang="de-DE" smtClean="0"/>
-              <a:t>02.07.2025</a:t>
+              <a:t>02.07.25</a:t>
             </a:fld>
             <a:endParaRPr lang="de-DE"/>
           </a:p>
@@ -2956,7 +3065,7 @@
           <a:p>
             <a:fld id="{F9ACF1CB-8064-4AFF-8DFB-49A00122A1FD}" type="datetimeFigureOut">
               <a:rPr lang="de-DE" smtClean="0"/>
-              <a:t>02.07.2025</a:t>
+              <a:t>02.07.25</a:t>
             </a:fld>
             <a:endParaRPr lang="de-DE"/>
           </a:p>
@@ -3169,7 +3278,7 @@
           <a:p>
             <a:fld id="{F9ACF1CB-8064-4AFF-8DFB-49A00122A1FD}" type="datetimeFigureOut">
               <a:rPr lang="de-DE" smtClean="0"/>
-              <a:t>02.07.2025</a:t>
+              <a:t>02.07.25</a:t>
             </a:fld>
             <a:endParaRPr lang="de-DE"/>
           </a:p>
@@ -4353,6 +4462,1503 @@
     <a:masterClrMapping/>
   </p:clrMapOvr>
 </p:sld>
+</file>
+
+<file path=ppt/slides/slide2.xml><?xml version="1.0" encoding="utf-8"?>
+<p:sld xmlns:a="http://schemas.openxmlformats.org/drawingml/2006/main" xmlns:r="http://schemas.openxmlformats.org/officeDocument/2006/relationships" xmlns:p="http://schemas.openxmlformats.org/presentationml/2006/main">
+  <p:cSld>
+    <p:spTree>
+      <p:nvGrpSpPr>
+        <p:cNvPr id="1" name="">
+          <a:extLst>
+            <a:ext uri="{FF2B5EF4-FFF2-40B4-BE49-F238E27FC236}">
+              <a16:creationId xmlns:a16="http://schemas.microsoft.com/office/drawing/2014/main" id="{C5F70426-36F0-649D-3E84-FE94DCF81345}"/>
+            </a:ext>
+          </a:extLst>
+        </p:cNvPr>
+        <p:cNvGrpSpPr/>
+        <p:nvPr/>
+      </p:nvGrpSpPr>
+      <p:grpSpPr>
+        <a:xfrm>
+          <a:off x="0" y="0"/>
+          <a:ext cx="0" cy="0"/>
+          <a:chOff x="0" y="0"/>
+          <a:chExt cx="0" cy="0"/>
+        </a:xfrm>
+      </p:grpSpPr>
+      <p:graphicFrame>
+        <p:nvGraphicFramePr>
+          <p:cNvPr id="24" name="think-cell data - do not delete" hidden="1">
+            <a:extLst>
+              <a:ext uri="{FF2B5EF4-FFF2-40B4-BE49-F238E27FC236}">
+                <a16:creationId xmlns:a16="http://schemas.microsoft.com/office/drawing/2014/main" id="{F0290397-A9EA-2BBB-16A4-918D0755E57B}"/>
+              </a:ext>
+            </a:extLst>
+          </p:cNvPr>
+          <p:cNvGraphicFramePr>
+            <a:graphicFrameLocks noChangeAspect="1"/>
+          </p:cNvGraphicFramePr>
+          <p:nvPr>
+            <p:custDataLst>
+              <p:tags r:id="rId1"/>
+            </p:custDataLst>
+          </p:nvPr>
+        </p:nvGraphicFramePr>
+        <p:xfrm>
+          <a:off x="1588" y="1588"/>
+          <a:ext cx="1227" cy="1588"/>
+        </p:xfrm>
+        <a:graphic>
+          <a:graphicData uri="http://schemas.openxmlformats.org/presentationml/2006/ole">
+            <mc:AlternateContent xmlns:mc="http://schemas.openxmlformats.org/markup-compatibility/2006">
+              <mc:Choice xmlns:v="urn:schemas-microsoft-com:vml" Requires="v">
+                <p:oleObj name="think-cell Folie" r:id="rId4" imgW="7772400" imgH="10058400" progId="TCLayout.ActiveDocument.1">
+                  <p:embed/>
+                </p:oleObj>
+              </mc:Choice>
+              <mc:Fallback>
+                <p:oleObj name="think-cell Folie" r:id="rId4" imgW="7772400" imgH="10058400" progId="TCLayout.ActiveDocument.1">
+                  <p:embed/>
+                  <p:pic>
+                    <p:nvPicPr>
+                      <p:cNvPr id="24" name="think-cell data - do not delete" hidden="1">
+                        <a:extLst>
+                          <a:ext uri="{FF2B5EF4-FFF2-40B4-BE49-F238E27FC236}">
+                            <a16:creationId xmlns:a16="http://schemas.microsoft.com/office/drawing/2014/main" id="{F0290397-A9EA-2BBB-16A4-918D0755E57B}"/>
+                          </a:ext>
+                        </a:extLst>
+                      </p:cNvPr>
+                      <p:cNvPicPr/>
+                      <p:nvPr/>
+                    </p:nvPicPr>
+                    <p:blipFill>
+                      <a:blip r:embed="rId5"/>
+                      <a:stretch>
+                        <a:fillRect/>
+                      </a:stretch>
+                    </p:blipFill>
+                    <p:spPr>
+                      <a:xfrm>
+                        <a:off x="1588" y="1588"/>
+                        <a:ext cx="1227" cy="1588"/>
+                      </a:xfrm>
+                      <a:prstGeom prst="rect">
+                        <a:avLst/>
+                      </a:prstGeom>
+                    </p:spPr>
+                  </p:pic>
+                </p:oleObj>
+              </mc:Fallback>
+            </mc:AlternateContent>
+          </a:graphicData>
+        </a:graphic>
+      </p:graphicFrame>
+      <p:sp>
+        <p:nvSpPr>
+          <p:cNvPr id="27" name="Rechteck 26">
+            <a:extLst>
+              <a:ext uri="{FF2B5EF4-FFF2-40B4-BE49-F238E27FC236}">
+                <a16:creationId xmlns:a16="http://schemas.microsoft.com/office/drawing/2014/main" id="{F95F02E3-5345-2DE3-48A9-B2E132080F51}"/>
+              </a:ext>
+            </a:extLst>
+          </p:cNvPr>
+          <p:cNvSpPr/>
+          <p:nvPr/>
+        </p:nvSpPr>
+        <p:spPr>
+          <a:xfrm>
+            <a:off x="-5" y="-1"/>
+            <a:ext cx="19751040" cy="3207375"/>
+          </a:xfrm>
+          <a:prstGeom prst="rect">
+            <a:avLst/>
+          </a:prstGeom>
+          <a:solidFill>
+            <a:srgbClr val="E49596"/>
+          </a:solidFill>
+          <a:ln>
+            <a:noFill/>
+          </a:ln>
+        </p:spPr>
+        <p:style>
+          <a:lnRef idx="2">
+            <a:schemeClr val="accent1">
+              <a:shade val="15000"/>
+            </a:schemeClr>
+          </a:lnRef>
+          <a:fillRef idx="1">
+            <a:schemeClr val="accent1"/>
+          </a:fillRef>
+          <a:effectRef idx="0">
+            <a:schemeClr val="accent1"/>
+          </a:effectRef>
+          <a:fontRef idx="minor">
+            <a:schemeClr val="lt1"/>
+          </a:fontRef>
+        </p:style>
+        <p:txBody>
+          <a:bodyPr rtlCol="0" anchor="t"/>
+          <a:lstStyle/>
+          <a:p>
+            <a:pPr algn="r"/>
+            <a:endParaRPr lang="en-US" sz="3600" dirty="0">
+              <a:solidFill>
+                <a:schemeClr val="tx1"/>
+              </a:solidFill>
+            </a:endParaRPr>
+          </a:p>
+        </p:txBody>
+      </p:sp>
+      <p:sp>
+        <p:nvSpPr>
+          <p:cNvPr id="10" name="Abgerundetes Rechteck 9">
+            <a:extLst>
+              <a:ext uri="{FF2B5EF4-FFF2-40B4-BE49-F238E27FC236}">
+                <a16:creationId xmlns:a16="http://schemas.microsoft.com/office/drawing/2014/main" id="{E81C1AF9-B932-00D1-B316-FD13BCD22722}"/>
+              </a:ext>
+            </a:extLst>
+          </p:cNvPr>
+          <p:cNvSpPr/>
+          <p:nvPr/>
+        </p:nvSpPr>
+        <p:spPr>
+          <a:xfrm>
+            <a:off x="609598" y="6537760"/>
+            <a:ext cx="14295120" cy="6208656"/>
+          </a:xfrm>
+          <a:prstGeom prst="roundRect">
+            <a:avLst>
+              <a:gd name="adj" fmla="val 8698"/>
+            </a:avLst>
+          </a:prstGeom>
+          <a:solidFill>
+            <a:srgbClr val="E49596">
+              <a:alpha val="12907"/>
+            </a:srgbClr>
+          </a:solidFill>
+          <a:ln w="63500">
+            <a:solidFill>
+              <a:srgbClr val="B22F28"/>
+            </a:solidFill>
+          </a:ln>
+        </p:spPr>
+        <p:style>
+          <a:lnRef idx="2">
+            <a:schemeClr val="accent1">
+              <a:shade val="15000"/>
+            </a:schemeClr>
+          </a:lnRef>
+          <a:fillRef idx="1">
+            <a:schemeClr val="accent1"/>
+          </a:fillRef>
+          <a:effectRef idx="0">
+            <a:schemeClr val="accent1"/>
+          </a:effectRef>
+          <a:fontRef idx="minor">
+            <a:schemeClr val="lt1"/>
+          </a:fontRef>
+        </p:style>
+        <p:txBody>
+          <a:bodyPr rtlCol="0" anchor="t"/>
+          <a:lstStyle/>
+          <a:p>
+            <a:pPr algn="r"/>
+            <a:endParaRPr lang="en-US" sz="3600" dirty="0">
+              <a:solidFill>
+                <a:schemeClr val="tx1"/>
+              </a:solidFill>
+            </a:endParaRPr>
+          </a:p>
+        </p:txBody>
+      </p:sp>
+      <p:sp>
+        <p:nvSpPr>
+          <p:cNvPr id="13" name="Abgerundetes Rechteck 12">
+            <a:extLst>
+              <a:ext uri="{FF2B5EF4-FFF2-40B4-BE49-F238E27FC236}">
+                <a16:creationId xmlns:a16="http://schemas.microsoft.com/office/drawing/2014/main" id="{E675C58A-82F4-3A2A-3752-68174F9BCEBA}"/>
+              </a:ext>
+            </a:extLst>
+          </p:cNvPr>
+          <p:cNvSpPr/>
+          <p:nvPr/>
+        </p:nvSpPr>
+        <p:spPr>
+          <a:xfrm>
+            <a:off x="609595" y="13187235"/>
+            <a:ext cx="14295120" cy="14480172"/>
+          </a:xfrm>
+          <a:prstGeom prst="roundRect">
+            <a:avLst>
+              <a:gd name="adj" fmla="val 3729"/>
+            </a:avLst>
+          </a:prstGeom>
+          <a:solidFill>
+            <a:srgbClr val="E49596">
+              <a:alpha val="33168"/>
+            </a:srgbClr>
+          </a:solidFill>
+          <a:ln w="63500">
+            <a:solidFill>
+              <a:srgbClr val="B22F28"/>
+            </a:solidFill>
+          </a:ln>
+        </p:spPr>
+        <p:style>
+          <a:lnRef idx="2">
+            <a:schemeClr val="accent1">
+              <a:shade val="15000"/>
+            </a:schemeClr>
+          </a:lnRef>
+          <a:fillRef idx="1">
+            <a:schemeClr val="accent1"/>
+          </a:fillRef>
+          <a:effectRef idx="0">
+            <a:schemeClr val="accent1"/>
+          </a:effectRef>
+          <a:fontRef idx="minor">
+            <a:schemeClr val="lt1"/>
+          </a:fontRef>
+        </p:style>
+        <p:txBody>
+          <a:bodyPr rtlCol="0" anchor="t"/>
+          <a:lstStyle/>
+          <a:p>
+            <a:pPr algn="r"/>
+            <a:endParaRPr lang="en-US" sz="3600" dirty="0">
+              <a:solidFill>
+                <a:schemeClr val="tx1"/>
+              </a:solidFill>
+            </a:endParaRPr>
+          </a:p>
+        </p:txBody>
+      </p:sp>
+      <p:sp>
+        <p:nvSpPr>
+          <p:cNvPr id="19" name="Abgerundetes Rechteck 18">
+            <a:extLst>
+              <a:ext uri="{FF2B5EF4-FFF2-40B4-BE49-F238E27FC236}">
+                <a16:creationId xmlns:a16="http://schemas.microsoft.com/office/drawing/2014/main" id="{A79DB282-97A5-4F70-6071-974EECF280C5}"/>
+              </a:ext>
+            </a:extLst>
+          </p:cNvPr>
+          <p:cNvSpPr/>
+          <p:nvPr/>
+        </p:nvSpPr>
+        <p:spPr>
+          <a:xfrm>
+            <a:off x="15370492" y="9063601"/>
+            <a:ext cx="14295120" cy="7288578"/>
+          </a:xfrm>
+          <a:prstGeom prst="roundRect">
+            <a:avLst>
+              <a:gd name="adj" fmla="val 9636"/>
+            </a:avLst>
+          </a:prstGeom>
+          <a:solidFill>
+            <a:srgbClr val="E49596">
+              <a:alpha val="33168"/>
+            </a:srgbClr>
+          </a:solidFill>
+          <a:ln w="63500">
+            <a:solidFill>
+              <a:srgbClr val="B22F28"/>
+            </a:solidFill>
+          </a:ln>
+        </p:spPr>
+        <p:style>
+          <a:lnRef idx="2">
+            <a:schemeClr val="accent1">
+              <a:shade val="15000"/>
+            </a:schemeClr>
+          </a:lnRef>
+          <a:fillRef idx="1">
+            <a:schemeClr val="accent1"/>
+          </a:fillRef>
+          <a:effectRef idx="0">
+            <a:schemeClr val="accent1"/>
+          </a:effectRef>
+          <a:fontRef idx="minor">
+            <a:schemeClr val="lt1"/>
+          </a:fontRef>
+        </p:style>
+        <p:txBody>
+          <a:bodyPr rtlCol="0" anchor="t"/>
+          <a:lstStyle/>
+          <a:p>
+            <a:pPr algn="r"/>
+            <a:endParaRPr lang="en-US" sz="3600" dirty="0">
+              <a:solidFill>
+                <a:schemeClr val="tx1"/>
+              </a:solidFill>
+            </a:endParaRPr>
+          </a:p>
+        </p:txBody>
+      </p:sp>
+      <p:sp>
+        <p:nvSpPr>
+          <p:cNvPr id="21" name="Abgerundetes Rechteck 20">
+            <a:extLst>
+              <a:ext uri="{FF2B5EF4-FFF2-40B4-BE49-F238E27FC236}">
+                <a16:creationId xmlns:a16="http://schemas.microsoft.com/office/drawing/2014/main" id="{A0CD15E0-7BFA-5A9D-1A3C-5F6A9AC9CC1F}"/>
+              </a:ext>
+            </a:extLst>
+          </p:cNvPr>
+          <p:cNvSpPr/>
+          <p:nvPr/>
+        </p:nvSpPr>
+        <p:spPr>
+          <a:xfrm>
+            <a:off x="15370492" y="16768694"/>
+            <a:ext cx="14295120" cy="10898714"/>
+          </a:xfrm>
+          <a:prstGeom prst="roundRect">
+            <a:avLst>
+              <a:gd name="adj" fmla="val 3778"/>
+            </a:avLst>
+          </a:prstGeom>
+          <a:solidFill>
+            <a:srgbClr val="E49596">
+              <a:alpha val="33168"/>
+            </a:srgbClr>
+          </a:solidFill>
+          <a:ln w="63500">
+            <a:solidFill>
+              <a:srgbClr val="B22F28"/>
+            </a:solidFill>
+          </a:ln>
+        </p:spPr>
+        <p:style>
+          <a:lnRef idx="2">
+            <a:schemeClr val="accent1">
+              <a:shade val="15000"/>
+            </a:schemeClr>
+          </a:lnRef>
+          <a:fillRef idx="1">
+            <a:schemeClr val="accent1"/>
+          </a:fillRef>
+          <a:effectRef idx="0">
+            <a:schemeClr val="accent1"/>
+          </a:effectRef>
+          <a:fontRef idx="minor">
+            <a:schemeClr val="lt1"/>
+          </a:fontRef>
+        </p:style>
+        <p:txBody>
+          <a:bodyPr rtlCol="0" anchor="t"/>
+          <a:lstStyle/>
+          <a:p>
+            <a:pPr algn="r"/>
+            <a:endParaRPr lang="en-US" sz="3600" dirty="0">
+              <a:solidFill>
+                <a:schemeClr val="tx1"/>
+              </a:solidFill>
+            </a:endParaRPr>
+          </a:p>
+        </p:txBody>
+      </p:sp>
+      <p:sp>
+        <p:nvSpPr>
+          <p:cNvPr id="22" name="Abgerundetes Rechteck 21">
+            <a:extLst>
+              <a:ext uri="{FF2B5EF4-FFF2-40B4-BE49-F238E27FC236}">
+                <a16:creationId xmlns:a16="http://schemas.microsoft.com/office/drawing/2014/main" id="{CADA5048-84E9-7610-1363-103CE5D313B8}"/>
+              </a:ext>
+            </a:extLst>
+          </p:cNvPr>
+          <p:cNvSpPr/>
+          <p:nvPr/>
+        </p:nvSpPr>
+        <p:spPr>
+          <a:xfrm>
+            <a:off x="609595" y="28108222"/>
+            <a:ext cx="14295120" cy="10195805"/>
+          </a:xfrm>
+          <a:prstGeom prst="roundRect">
+            <a:avLst>
+              <a:gd name="adj" fmla="val 5015"/>
+            </a:avLst>
+          </a:prstGeom>
+          <a:solidFill>
+            <a:srgbClr val="E49596">
+              <a:alpha val="33168"/>
+            </a:srgbClr>
+          </a:solidFill>
+          <a:ln w="63500">
+            <a:solidFill>
+              <a:srgbClr val="B22F28"/>
+            </a:solidFill>
+          </a:ln>
+        </p:spPr>
+        <p:style>
+          <a:lnRef idx="2">
+            <a:schemeClr val="accent1">
+              <a:shade val="15000"/>
+            </a:schemeClr>
+          </a:lnRef>
+          <a:fillRef idx="1">
+            <a:schemeClr val="accent1"/>
+          </a:fillRef>
+          <a:effectRef idx="0">
+            <a:schemeClr val="accent1"/>
+          </a:effectRef>
+          <a:fontRef idx="minor">
+            <a:schemeClr val="lt1"/>
+          </a:fontRef>
+        </p:style>
+        <p:txBody>
+          <a:bodyPr rtlCol="0" anchor="t"/>
+          <a:lstStyle/>
+          <a:p>
+            <a:pPr algn="r"/>
+            <a:endParaRPr lang="en-US" sz="3600" dirty="0">
+              <a:solidFill>
+                <a:schemeClr val="tx1"/>
+              </a:solidFill>
+            </a:endParaRPr>
+          </a:p>
+        </p:txBody>
+      </p:sp>
+      <p:sp>
+        <p:nvSpPr>
+          <p:cNvPr id="23" name="Abgerundetes Rechteck 22">
+            <a:extLst>
+              <a:ext uri="{FF2B5EF4-FFF2-40B4-BE49-F238E27FC236}">
+                <a16:creationId xmlns:a16="http://schemas.microsoft.com/office/drawing/2014/main" id="{05D3A7DB-93DD-7817-A586-701FA44BDDE8}"/>
+              </a:ext>
+            </a:extLst>
+          </p:cNvPr>
+          <p:cNvSpPr/>
+          <p:nvPr/>
+        </p:nvSpPr>
+        <p:spPr>
+          <a:xfrm>
+            <a:off x="15370492" y="28259607"/>
+            <a:ext cx="14295120" cy="10003290"/>
+          </a:xfrm>
+          <a:prstGeom prst="roundRect">
+            <a:avLst>
+              <a:gd name="adj" fmla="val 5966"/>
+            </a:avLst>
+          </a:prstGeom>
+          <a:solidFill>
+            <a:srgbClr val="E49596">
+              <a:alpha val="12907"/>
+            </a:srgbClr>
+          </a:solidFill>
+          <a:ln w="63500">
+            <a:solidFill>
+              <a:srgbClr val="B22F28"/>
+            </a:solidFill>
+          </a:ln>
+        </p:spPr>
+        <p:style>
+          <a:lnRef idx="2">
+            <a:schemeClr val="accent1">
+              <a:shade val="15000"/>
+            </a:schemeClr>
+          </a:lnRef>
+          <a:fillRef idx="1">
+            <a:schemeClr val="accent1"/>
+          </a:fillRef>
+          <a:effectRef idx="0">
+            <a:schemeClr val="accent1"/>
+          </a:effectRef>
+          <a:fontRef idx="minor">
+            <a:schemeClr val="lt1"/>
+          </a:fontRef>
+        </p:style>
+        <p:txBody>
+          <a:bodyPr rtlCol="0" anchor="t"/>
+          <a:lstStyle/>
+          <a:p>
+            <a:pPr algn="r"/>
+            <a:endParaRPr lang="en-US" sz="3600" dirty="0">
+              <a:solidFill>
+                <a:schemeClr val="tx1"/>
+              </a:solidFill>
+            </a:endParaRPr>
+          </a:p>
+        </p:txBody>
+      </p:sp>
+      <p:sp>
+        <p:nvSpPr>
+          <p:cNvPr id="4" name="Rechteck 3">
+            <a:extLst>
+              <a:ext uri="{FF2B5EF4-FFF2-40B4-BE49-F238E27FC236}">
+                <a16:creationId xmlns:a16="http://schemas.microsoft.com/office/drawing/2014/main" id="{2CB6CC7F-AE4C-242E-FA00-316CAF6CB655}"/>
+              </a:ext>
+            </a:extLst>
+          </p:cNvPr>
+          <p:cNvSpPr/>
+          <p:nvPr/>
+        </p:nvSpPr>
+        <p:spPr>
+          <a:xfrm>
+            <a:off x="273917" y="796492"/>
+            <a:ext cx="19111363" cy="1186777"/>
+          </a:xfrm>
+          <a:prstGeom prst="rect">
+            <a:avLst/>
+          </a:prstGeom>
+          <a:noFill/>
+          <a:ln>
+            <a:noFill/>
+          </a:ln>
+        </p:spPr>
+        <p:style>
+          <a:lnRef idx="2">
+            <a:schemeClr val="accent1">
+              <a:shade val="15000"/>
+            </a:schemeClr>
+          </a:lnRef>
+          <a:fillRef idx="1">
+            <a:schemeClr val="accent1"/>
+          </a:fillRef>
+          <a:effectRef idx="0">
+            <a:schemeClr val="accent1"/>
+          </a:effectRef>
+          <a:fontRef idx="minor">
+            <a:schemeClr val="lt1"/>
+          </a:fontRef>
+        </p:style>
+        <p:txBody>
+          <a:bodyPr rtlCol="0" anchor="ctr"/>
+          <a:lstStyle/>
+          <a:p>
+            <a:r>
+              <a:rPr lang="en-US" sz="8000" noProof="0" dirty="0" err="1">
+                <a:latin typeface="Source Sans Pro" panose="020B0503030403020204" pitchFamily="34" charset="0"/>
+                <a:ea typeface="Source Sans Pro" panose="020B0503030403020204" pitchFamily="34" charset="0"/>
+              </a:rPr>
+              <a:t>RiboSix</a:t>
+            </a:r>
+            <a:r>
+              <a:rPr lang="en-US" sz="8000" noProof="0" dirty="0">
+                <a:latin typeface="Source Sans Pro" panose="020B0503030403020204" pitchFamily="34" charset="0"/>
+                <a:ea typeface="Source Sans Pro" panose="020B0503030403020204" pitchFamily="34" charset="0"/>
+              </a:rPr>
+              <a:t> </a:t>
+            </a:r>
+            <a:r>
+              <a:rPr lang="en-US" sz="8000" dirty="0">
+                <a:latin typeface="Source Sans Pro" panose="020B0503030403020204" pitchFamily="34" charset="0"/>
+                <a:ea typeface="Source Sans Pro" panose="020B0503030403020204" pitchFamily="34" charset="0"/>
+              </a:rPr>
+              <a:t>–Story of an RNA-Binding Protein </a:t>
+            </a:r>
+            <a:endParaRPr lang="en-US" sz="8000" noProof="0" dirty="0">
+              <a:latin typeface="Source Sans Pro" panose="020B0503030403020204" pitchFamily="34" charset="0"/>
+              <a:ea typeface="Source Sans Pro" panose="020B0503030403020204" pitchFamily="34" charset="0"/>
+            </a:endParaRPr>
+          </a:p>
+        </p:txBody>
+      </p:sp>
+      <p:sp>
+        <p:nvSpPr>
+          <p:cNvPr id="5" name="Rechteck 4">
+            <a:extLst>
+              <a:ext uri="{FF2B5EF4-FFF2-40B4-BE49-F238E27FC236}">
+                <a16:creationId xmlns:a16="http://schemas.microsoft.com/office/drawing/2014/main" id="{D04637A8-2720-C09A-253F-D30767B31FFF}"/>
+              </a:ext>
+            </a:extLst>
+          </p:cNvPr>
+          <p:cNvSpPr/>
+          <p:nvPr/>
+        </p:nvSpPr>
+        <p:spPr>
+          <a:xfrm>
+            <a:off x="854627" y="6925033"/>
+            <a:ext cx="14050091" cy="4796366"/>
+          </a:xfrm>
+          <a:prstGeom prst="rect">
+            <a:avLst/>
+          </a:prstGeom>
+          <a:noFill/>
+          <a:ln w="44450">
+            <a:noFill/>
+          </a:ln>
+        </p:spPr>
+        <p:style>
+          <a:lnRef idx="2">
+            <a:schemeClr val="accent1">
+              <a:shade val="15000"/>
+            </a:schemeClr>
+          </a:lnRef>
+          <a:fillRef idx="1">
+            <a:schemeClr val="accent1"/>
+          </a:fillRef>
+          <a:effectRef idx="0">
+            <a:schemeClr val="accent1"/>
+          </a:effectRef>
+          <a:fontRef idx="minor">
+            <a:schemeClr val="lt1"/>
+          </a:fontRef>
+        </p:style>
+        <p:txBody>
+          <a:bodyPr rtlCol="0" anchor="t"/>
+          <a:lstStyle/>
+          <a:p>
+            <a:r>
+              <a:rPr lang="en-US" sz="4000" noProof="0" dirty="0">
+                <a:solidFill>
+                  <a:schemeClr val="tx1"/>
+                </a:solidFill>
+                <a:latin typeface="Source Sans Pro" panose="020B0503030403020204" pitchFamily="34" charset="0"/>
+                <a:ea typeface="Source Sans Pro" panose="020B0503030403020204" pitchFamily="34" charset="0"/>
+              </a:rPr>
+              <a:t>Reproducibility Analysis: Am I real? </a:t>
+            </a:r>
+          </a:p>
+        </p:txBody>
+      </p:sp>
+      <p:sp>
+        <p:nvSpPr>
+          <p:cNvPr id="6" name="Rechteck 5">
+            <a:extLst>
+              <a:ext uri="{FF2B5EF4-FFF2-40B4-BE49-F238E27FC236}">
+                <a16:creationId xmlns:a16="http://schemas.microsoft.com/office/drawing/2014/main" id="{E69F82B7-9325-55F2-F381-69F57FF389B3}"/>
+              </a:ext>
+            </a:extLst>
+          </p:cNvPr>
+          <p:cNvSpPr/>
+          <p:nvPr/>
+        </p:nvSpPr>
+        <p:spPr>
+          <a:xfrm>
+            <a:off x="15848412" y="9507867"/>
+            <a:ext cx="13572174" cy="3963964"/>
+          </a:xfrm>
+          <a:prstGeom prst="rect">
+            <a:avLst/>
+          </a:prstGeom>
+          <a:noFill/>
+          <a:ln w="44450">
+            <a:noFill/>
+          </a:ln>
+        </p:spPr>
+        <p:style>
+          <a:lnRef idx="2">
+            <a:schemeClr val="accent1">
+              <a:shade val="15000"/>
+            </a:schemeClr>
+          </a:lnRef>
+          <a:fillRef idx="1">
+            <a:schemeClr val="accent1"/>
+          </a:fillRef>
+          <a:effectRef idx="0">
+            <a:schemeClr val="accent1"/>
+          </a:effectRef>
+          <a:fontRef idx="minor">
+            <a:schemeClr val="lt1"/>
+          </a:fontRef>
+        </p:style>
+        <p:txBody>
+          <a:bodyPr rtlCol="0" anchor="t"/>
+          <a:lstStyle/>
+          <a:p>
+            <a:r>
+              <a:rPr lang="en-US" sz="4000" noProof="0" dirty="0">
+                <a:solidFill>
+                  <a:schemeClr val="tx1"/>
+                </a:solidFill>
+                <a:latin typeface="Source Sans Pro" panose="020B0503030403020204" pitchFamily="34" charset="0"/>
+                <a:ea typeface="Source Sans Pro" panose="020B0503030403020204" pitchFamily="34" charset="0"/>
+              </a:rPr>
+              <a:t>Normalization: Finding the right fit for the day </a:t>
+            </a:r>
+          </a:p>
+          <a:p>
+            <a:endParaRPr lang="en-US" sz="4000" noProof="0" dirty="0">
+              <a:solidFill>
+                <a:schemeClr val="tx1"/>
+              </a:solidFill>
+              <a:latin typeface="Source Sans Pro" panose="020B0503030403020204" pitchFamily="34" charset="0"/>
+              <a:ea typeface="Source Sans Pro" panose="020B0503030403020204" pitchFamily="34" charset="0"/>
+            </a:endParaRPr>
+          </a:p>
+          <a:p>
+            <a:r>
+              <a:rPr lang="en-US" sz="4000" noProof="0" dirty="0">
+                <a:solidFill>
+                  <a:schemeClr val="tx1"/>
+                </a:solidFill>
+                <a:latin typeface="Source Sans Pro" panose="020B0503030403020204" pitchFamily="34" charset="0"/>
+                <a:ea typeface="Source Sans Pro" panose="020B0503030403020204" pitchFamily="34" charset="0"/>
+              </a:rPr>
+              <a:t>- SD + Mean</a:t>
+            </a:r>
+          </a:p>
+        </p:txBody>
+      </p:sp>
+      <p:sp>
+        <p:nvSpPr>
+          <p:cNvPr id="11" name="Rechteck 10">
+            <a:extLst>
+              <a:ext uri="{FF2B5EF4-FFF2-40B4-BE49-F238E27FC236}">
+                <a16:creationId xmlns:a16="http://schemas.microsoft.com/office/drawing/2014/main" id="{021CF195-2D3D-9BF1-3771-664A809C04FB}"/>
+              </a:ext>
+            </a:extLst>
+          </p:cNvPr>
+          <p:cNvSpPr/>
+          <p:nvPr/>
+        </p:nvSpPr>
+        <p:spPr>
+          <a:xfrm>
+            <a:off x="-2" y="39329046"/>
+            <a:ext cx="30275213" cy="3474718"/>
+          </a:xfrm>
+          <a:prstGeom prst="rect">
+            <a:avLst/>
+          </a:prstGeom>
+          <a:solidFill>
+            <a:schemeClr val="bg1"/>
+          </a:solidFill>
+          <a:ln>
+            <a:noFill/>
+          </a:ln>
+        </p:spPr>
+        <p:style>
+          <a:lnRef idx="2">
+            <a:schemeClr val="accent1">
+              <a:shade val="15000"/>
+            </a:schemeClr>
+          </a:lnRef>
+          <a:fillRef idx="1">
+            <a:schemeClr val="accent1"/>
+          </a:fillRef>
+          <a:effectRef idx="0">
+            <a:schemeClr val="accent1"/>
+          </a:effectRef>
+          <a:fontRef idx="minor">
+            <a:schemeClr val="lt1"/>
+          </a:fontRef>
+        </p:style>
+        <p:txBody>
+          <a:bodyPr rtlCol="0" anchor="ctr"/>
+          <a:lstStyle/>
+          <a:p>
+            <a:pPr algn="ctr"/>
+            <a:endParaRPr lang="en-US" noProof="0" dirty="0"/>
+          </a:p>
+        </p:txBody>
+      </p:sp>
+      <p:sp>
+        <p:nvSpPr>
+          <p:cNvPr id="14" name="Rechteck 13">
+            <a:extLst>
+              <a:ext uri="{FF2B5EF4-FFF2-40B4-BE49-F238E27FC236}">
+                <a16:creationId xmlns:a16="http://schemas.microsoft.com/office/drawing/2014/main" id="{F5EFCC97-9DD6-9B66-B741-8353BC492A78}"/>
+              </a:ext>
+            </a:extLst>
+          </p:cNvPr>
+          <p:cNvSpPr/>
+          <p:nvPr/>
+        </p:nvSpPr>
+        <p:spPr>
+          <a:xfrm>
+            <a:off x="854627" y="13579439"/>
+            <a:ext cx="14050091" cy="10506589"/>
+          </a:xfrm>
+          <a:prstGeom prst="rect">
+            <a:avLst/>
+          </a:prstGeom>
+          <a:noFill/>
+          <a:ln w="44450">
+            <a:noFill/>
+          </a:ln>
+        </p:spPr>
+        <p:style>
+          <a:lnRef idx="2">
+            <a:schemeClr val="accent1">
+              <a:shade val="15000"/>
+            </a:schemeClr>
+          </a:lnRef>
+          <a:fillRef idx="1">
+            <a:schemeClr val="accent1"/>
+          </a:fillRef>
+          <a:effectRef idx="0">
+            <a:schemeClr val="accent1"/>
+          </a:effectRef>
+          <a:fontRef idx="minor">
+            <a:schemeClr val="lt1"/>
+          </a:fontRef>
+        </p:style>
+        <p:txBody>
+          <a:bodyPr rtlCol="0" anchor="t"/>
+          <a:lstStyle/>
+          <a:p>
+            <a:r>
+              <a:rPr lang="en-US" sz="4000" noProof="0" dirty="0">
+                <a:solidFill>
+                  <a:schemeClr val="tx1"/>
+                </a:solidFill>
+                <a:latin typeface="Source Sans Pro" panose="020B0503030403020204" pitchFamily="34" charset="0"/>
+                <a:ea typeface="Source Sans Pro" panose="020B0503030403020204" pitchFamily="34" charset="0"/>
+              </a:rPr>
+              <a:t>Shift Analysis: Finding my species </a:t>
+            </a:r>
+          </a:p>
+        </p:txBody>
+      </p:sp>
+      <p:sp>
+        <p:nvSpPr>
+          <p:cNvPr id="15" name="Rechteck 14">
+            <a:extLst>
+              <a:ext uri="{FF2B5EF4-FFF2-40B4-BE49-F238E27FC236}">
+                <a16:creationId xmlns:a16="http://schemas.microsoft.com/office/drawing/2014/main" id="{318D8B86-DFF0-9641-CEC3-3D48CFA515DB}"/>
+              </a:ext>
+            </a:extLst>
+          </p:cNvPr>
+          <p:cNvSpPr/>
+          <p:nvPr/>
+        </p:nvSpPr>
+        <p:spPr>
+          <a:xfrm>
+            <a:off x="15848412" y="17300030"/>
+            <a:ext cx="16684555" cy="9893430"/>
+          </a:xfrm>
+          <a:prstGeom prst="rect">
+            <a:avLst/>
+          </a:prstGeom>
+          <a:noFill/>
+          <a:ln w="44450">
+            <a:noFill/>
+          </a:ln>
+        </p:spPr>
+        <p:style>
+          <a:lnRef idx="2">
+            <a:schemeClr val="accent1">
+              <a:shade val="15000"/>
+            </a:schemeClr>
+          </a:lnRef>
+          <a:fillRef idx="1">
+            <a:schemeClr val="accent1"/>
+          </a:fillRef>
+          <a:effectRef idx="0">
+            <a:schemeClr val="accent1"/>
+          </a:effectRef>
+          <a:fontRef idx="minor">
+            <a:schemeClr val="lt1"/>
+          </a:fontRef>
+        </p:style>
+        <p:txBody>
+          <a:bodyPr rtlCol="0" anchor="t"/>
+          <a:lstStyle/>
+          <a:p>
+            <a:r>
+              <a:rPr lang="en-US" sz="4000" noProof="0" dirty="0">
+                <a:solidFill>
+                  <a:schemeClr val="tx1"/>
+                </a:solidFill>
+                <a:latin typeface="Source Sans Pro" panose="020B0503030403020204" pitchFamily="34" charset="0"/>
+                <a:ea typeface="Source Sans Pro" panose="020B0503030403020204" pitchFamily="34" charset="0"/>
+              </a:rPr>
+              <a:t>Mitosis: Finding my home</a:t>
+            </a:r>
+          </a:p>
+        </p:txBody>
+      </p:sp>
+      <p:sp>
+        <p:nvSpPr>
+          <p:cNvPr id="16" name="Rechteck 15">
+            <a:extLst>
+              <a:ext uri="{FF2B5EF4-FFF2-40B4-BE49-F238E27FC236}">
+                <a16:creationId xmlns:a16="http://schemas.microsoft.com/office/drawing/2014/main" id="{0FCE50A5-8321-3A15-8F2E-E7A4119AE242}"/>
+              </a:ext>
+            </a:extLst>
+          </p:cNvPr>
+          <p:cNvSpPr/>
+          <p:nvPr/>
+        </p:nvSpPr>
+        <p:spPr>
+          <a:xfrm>
+            <a:off x="1087514" y="28500430"/>
+            <a:ext cx="14050090" cy="9995591"/>
+          </a:xfrm>
+          <a:prstGeom prst="rect">
+            <a:avLst/>
+          </a:prstGeom>
+          <a:noFill/>
+          <a:ln w="44450">
+            <a:noFill/>
+          </a:ln>
+        </p:spPr>
+        <p:style>
+          <a:lnRef idx="2">
+            <a:schemeClr val="accent1">
+              <a:shade val="15000"/>
+            </a:schemeClr>
+          </a:lnRef>
+          <a:fillRef idx="1">
+            <a:schemeClr val="accent1"/>
+          </a:fillRef>
+          <a:effectRef idx="0">
+            <a:schemeClr val="accent1"/>
+          </a:effectRef>
+          <a:fontRef idx="minor">
+            <a:schemeClr val="lt1"/>
+          </a:fontRef>
+        </p:style>
+        <p:txBody>
+          <a:bodyPr rtlCol="0" anchor="t"/>
+          <a:lstStyle/>
+          <a:p>
+            <a:r>
+              <a:rPr lang="en-US" sz="4000" noProof="0" dirty="0" err="1">
+                <a:solidFill>
+                  <a:schemeClr val="tx1"/>
+                </a:solidFill>
+                <a:latin typeface="Source Sans Pro" panose="020B0503030403020204" pitchFamily="34" charset="0"/>
+                <a:ea typeface="Source Sans Pro" panose="020B0503030403020204" pitchFamily="34" charset="0"/>
+              </a:rPr>
+              <a:t>Complexe</a:t>
+            </a:r>
+            <a:r>
+              <a:rPr lang="en-US" sz="4000" noProof="0" dirty="0">
+                <a:solidFill>
+                  <a:schemeClr val="tx1"/>
+                </a:solidFill>
+                <a:latin typeface="Source Sans Pro" panose="020B0503030403020204" pitchFamily="34" charset="0"/>
+                <a:ea typeface="Source Sans Pro" panose="020B0503030403020204" pitchFamily="34" charset="0"/>
+              </a:rPr>
+              <a:t> Analysis: Finding Friends</a:t>
+            </a:r>
+          </a:p>
+          <a:p>
+            <a:endParaRPr lang="en-US" sz="4000" noProof="0" dirty="0">
+              <a:solidFill>
+                <a:schemeClr val="tx1"/>
+              </a:solidFill>
+              <a:latin typeface="Source Sans Pro" panose="020B0503030403020204" pitchFamily="34" charset="0"/>
+              <a:ea typeface="Source Sans Pro" panose="020B0503030403020204" pitchFamily="34" charset="0"/>
+            </a:endParaRPr>
+          </a:p>
+        </p:txBody>
+      </p:sp>
+      <p:sp>
+        <p:nvSpPr>
+          <p:cNvPr id="17" name="Rechteck 16">
+            <a:extLst>
+              <a:ext uri="{FF2B5EF4-FFF2-40B4-BE49-F238E27FC236}">
+                <a16:creationId xmlns:a16="http://schemas.microsoft.com/office/drawing/2014/main" id="{78BA0288-07D1-398D-6200-42A4A63DE015}"/>
+              </a:ext>
+            </a:extLst>
+          </p:cNvPr>
+          <p:cNvSpPr/>
+          <p:nvPr/>
+        </p:nvSpPr>
+        <p:spPr>
+          <a:xfrm>
+            <a:off x="15731965" y="28610869"/>
+            <a:ext cx="13572174" cy="7837827"/>
+          </a:xfrm>
+          <a:prstGeom prst="rect">
+            <a:avLst/>
+          </a:prstGeom>
+          <a:noFill/>
+          <a:ln w="44450">
+            <a:noFill/>
+          </a:ln>
+        </p:spPr>
+        <p:style>
+          <a:lnRef idx="2">
+            <a:schemeClr val="accent1">
+              <a:shade val="15000"/>
+            </a:schemeClr>
+          </a:lnRef>
+          <a:fillRef idx="1">
+            <a:schemeClr val="accent1"/>
+          </a:fillRef>
+          <a:effectRef idx="0">
+            <a:schemeClr val="accent1"/>
+          </a:effectRef>
+          <a:fontRef idx="minor">
+            <a:schemeClr val="lt1"/>
+          </a:fontRef>
+        </p:style>
+        <p:txBody>
+          <a:bodyPr rtlCol="0" anchor="t"/>
+          <a:lstStyle/>
+          <a:p>
+            <a:r>
+              <a:rPr lang="en-US" sz="4000" noProof="0" dirty="0">
+                <a:solidFill>
+                  <a:schemeClr val="tx1"/>
+                </a:solidFill>
+                <a:latin typeface="Source Sans Pro" panose="020B0503030403020204" pitchFamily="34" charset="0"/>
+                <a:ea typeface="Source Sans Pro" panose="020B0503030403020204" pitchFamily="34" charset="0"/>
+              </a:rPr>
+              <a:t>Linear Regression: Determining my weight</a:t>
+            </a:r>
+          </a:p>
+        </p:txBody>
+      </p:sp>
+      <p:pic>
+        <p:nvPicPr>
+          <p:cNvPr id="18" name="Picture 8">
+            <a:extLst>
+              <a:ext uri="{FF2B5EF4-FFF2-40B4-BE49-F238E27FC236}">
+                <a16:creationId xmlns:a16="http://schemas.microsoft.com/office/drawing/2014/main" id="{2A14FE35-F43E-91B4-563F-CB2AE1E18D6A}"/>
+              </a:ext>
+            </a:extLst>
+          </p:cNvPr>
+          <p:cNvPicPr>
+            <a:picLocks noChangeAspect="1"/>
+          </p:cNvPicPr>
+          <p:nvPr/>
+        </p:nvPicPr>
+        <p:blipFill>
+          <a:blip r:embed="rId6"/>
+          <a:stretch>
+            <a:fillRect/>
+          </a:stretch>
+        </p:blipFill>
+        <p:spPr>
+          <a:xfrm>
+            <a:off x="19967883" y="162770"/>
+            <a:ext cx="5171371" cy="2907747"/>
+          </a:xfrm>
+          <a:prstGeom prst="rect">
+            <a:avLst/>
+          </a:prstGeom>
+        </p:spPr>
+      </p:pic>
+      <p:pic>
+        <p:nvPicPr>
+          <p:cNvPr id="20" name="Picture 10">
+            <a:extLst>
+              <a:ext uri="{FF2B5EF4-FFF2-40B4-BE49-F238E27FC236}">
+                <a16:creationId xmlns:a16="http://schemas.microsoft.com/office/drawing/2014/main" id="{0CDA31E9-6230-2F71-306C-1B77A1842A3F}"/>
+              </a:ext>
+            </a:extLst>
+          </p:cNvPr>
+          <p:cNvPicPr>
+            <a:picLocks noChangeAspect="1"/>
+          </p:cNvPicPr>
+          <p:nvPr/>
+        </p:nvPicPr>
+        <p:blipFill>
+          <a:blip r:embed="rId7"/>
+          <a:stretch>
+            <a:fillRect/>
+          </a:stretch>
+        </p:blipFill>
+        <p:spPr>
+          <a:xfrm>
+            <a:off x="25270536" y="349496"/>
+            <a:ext cx="4730760" cy="2661052"/>
+          </a:xfrm>
+          <a:prstGeom prst="rect">
+            <a:avLst/>
+          </a:prstGeom>
+        </p:spPr>
+      </p:pic>
+      <p:sp>
+        <p:nvSpPr>
+          <p:cNvPr id="3" name="Textfeld 2">
+            <a:extLst>
+              <a:ext uri="{FF2B5EF4-FFF2-40B4-BE49-F238E27FC236}">
+                <a16:creationId xmlns:a16="http://schemas.microsoft.com/office/drawing/2014/main" id="{0D810A4A-92B1-68EC-1B3D-A5167555FDE6}"/>
+              </a:ext>
+            </a:extLst>
+          </p:cNvPr>
+          <p:cNvSpPr txBox="1"/>
+          <p:nvPr/>
+        </p:nvSpPr>
+        <p:spPr>
+          <a:xfrm>
+            <a:off x="854627" y="3513522"/>
+            <a:ext cx="14528007" cy="3170099"/>
+          </a:xfrm>
+          <a:prstGeom prst="rect">
+            <a:avLst/>
+          </a:prstGeom>
+          <a:noFill/>
+        </p:spPr>
+        <p:txBody>
+          <a:bodyPr wrap="square" rtlCol="0">
+            <a:spAutoFit/>
+          </a:bodyPr>
+          <a:lstStyle/>
+          <a:p>
+            <a:r>
+              <a:rPr lang="en-US" sz="4000" noProof="0" dirty="0">
+                <a:latin typeface="Source Sans Pro" panose="020B0503030403020204" pitchFamily="34" charset="0"/>
+                <a:ea typeface="Source Sans Pro" panose="020B0503030403020204" pitchFamily="34" charset="0"/>
+              </a:rPr>
+              <a:t>The world of RBPs</a:t>
+            </a:r>
+          </a:p>
+          <a:p>
+            <a:r>
+              <a:rPr lang="en-US" sz="2400" noProof="0" dirty="0">
+                <a:latin typeface="Source Sans Pro" panose="020B0503030403020204" pitchFamily="34" charset="0"/>
+                <a:ea typeface="Source Sans Pro" panose="020B0503030403020204" pitchFamily="34" charset="0"/>
+              </a:rPr>
+              <a:t>In a small space called HeLa, there are many small molecules working together creating one unit. They are going through many seasons giving their all to make it work, but not necessarily everyone is working during every season. This is what makes living there for them so beautiful, after a lot of hard work many of them can gather their energy. One season is called mitosis and this is the season of our little protein </a:t>
+            </a:r>
+            <a:r>
+              <a:rPr lang="en-US" sz="2400" noProof="0" dirty="0" err="1">
+                <a:latin typeface="Source Sans Pro" panose="020B0503030403020204" pitchFamily="34" charset="0"/>
+                <a:ea typeface="Source Sans Pro" panose="020B0503030403020204" pitchFamily="34" charset="0"/>
+              </a:rPr>
+              <a:t>RiboSix</a:t>
+            </a:r>
+            <a:r>
+              <a:rPr lang="en-US" sz="2400" noProof="0" dirty="0">
+                <a:latin typeface="Source Sans Pro" panose="020B0503030403020204" pitchFamily="34" charset="0"/>
+                <a:ea typeface="Source Sans Pro" panose="020B0503030403020204" pitchFamily="34" charset="0"/>
+              </a:rPr>
+              <a:t>. </a:t>
+            </a:r>
+          </a:p>
+          <a:p>
+            <a:r>
+              <a:rPr lang="en-US" sz="2400" noProof="0" dirty="0">
+                <a:latin typeface="Source Sans Pro" panose="020B0503030403020204" pitchFamily="34" charset="0"/>
+                <a:ea typeface="Source Sans Pro" panose="020B0503030403020204" pitchFamily="34" charset="0"/>
+              </a:rPr>
+              <a:t>So, jo</a:t>
+            </a:r>
+            <a:r>
+              <a:rPr lang="en-US" sz="2400" dirty="0">
+                <a:latin typeface="Source Sans Pro" panose="020B0503030403020204" pitchFamily="34" charset="0"/>
+                <a:ea typeface="Source Sans Pro" panose="020B0503030403020204" pitchFamily="34" charset="0"/>
+              </a:rPr>
+              <a:t>i</a:t>
+            </a:r>
+            <a:r>
+              <a:rPr lang="en-US" sz="2400" noProof="0" dirty="0">
+                <a:latin typeface="Source Sans Pro" panose="020B0503030403020204" pitchFamily="34" charset="0"/>
+                <a:ea typeface="Source Sans Pro" panose="020B0503030403020204" pitchFamily="34" charset="0"/>
+              </a:rPr>
+              <a:t>n us on his journey to discover the village of HeLa. </a:t>
+            </a:r>
+            <a:endParaRPr lang="en-US" sz="3600" noProof="0" dirty="0">
+              <a:latin typeface="Source Sans Pro" panose="020B0503030403020204" pitchFamily="34" charset="0"/>
+              <a:ea typeface="Source Sans Pro" panose="020B0503030403020204" pitchFamily="34" charset="0"/>
+            </a:endParaRPr>
+          </a:p>
+          <a:p>
+            <a:endParaRPr lang="en-US" sz="4000" noProof="0" dirty="0">
+              <a:latin typeface="Source Sans Pro" panose="020B0503030403020204" pitchFamily="34" charset="0"/>
+              <a:ea typeface="Source Sans Pro" panose="020B0503030403020204" pitchFamily="34" charset="0"/>
+            </a:endParaRPr>
+          </a:p>
+        </p:txBody>
+      </p:sp>
+      <p:sp>
+        <p:nvSpPr>
+          <p:cNvPr id="7" name="Textfeld 6">
+            <a:extLst>
+              <a:ext uri="{FF2B5EF4-FFF2-40B4-BE49-F238E27FC236}">
+                <a16:creationId xmlns:a16="http://schemas.microsoft.com/office/drawing/2014/main" id="{04DB3D5B-799E-DEB3-55A1-77E0B672A6B4}"/>
+              </a:ext>
+            </a:extLst>
+          </p:cNvPr>
+          <p:cNvSpPr txBox="1"/>
+          <p:nvPr/>
+        </p:nvSpPr>
+        <p:spPr>
+          <a:xfrm>
+            <a:off x="15731965" y="4070931"/>
+            <a:ext cx="13106400" cy="4770537"/>
+          </a:xfrm>
+          <a:prstGeom prst="rect">
+            <a:avLst/>
+          </a:prstGeom>
+          <a:noFill/>
+        </p:spPr>
+        <p:txBody>
+          <a:bodyPr wrap="square" rtlCol="0">
+            <a:spAutoFit/>
+          </a:bodyPr>
+          <a:lstStyle/>
+          <a:p>
+            <a:r>
+              <a:rPr lang="en-US" sz="4000" noProof="0" dirty="0"/>
+              <a:t>Our Goal: </a:t>
+            </a:r>
+            <a:r>
+              <a:rPr lang="en-US" sz="4000" dirty="0"/>
+              <a:t>Hunting RNA-Binding Proteins in the Deep</a:t>
+            </a:r>
+          </a:p>
+          <a:p>
+            <a:r>
+              <a:rPr lang="en-US" sz="2400" noProof="0" dirty="0"/>
+              <a:t>During our </a:t>
+            </a:r>
+            <a:r>
+              <a:rPr lang="en-US" sz="2400" noProof="0" dirty="0">
+                <a:latin typeface="Source Sans Pro" panose="020B0503030403020204" pitchFamily="34" charset="0"/>
+                <a:ea typeface="Source Sans Pro" panose="020B0503030403020204" pitchFamily="34" charset="0"/>
+              </a:rPr>
+              <a:t>project</a:t>
+            </a:r>
+            <a:r>
+              <a:rPr lang="en-US" sz="2400" noProof="0" dirty="0"/>
+              <a:t>, our main goal was to identify all the RBPs </a:t>
+            </a:r>
+            <a:r>
+              <a:rPr lang="en-US" sz="2400" dirty="0"/>
+              <a:t>in mitotic HeLa cells. For this, all proteins were fractioned once with RNase treatment and once without. The intensity of each proteins in 25 fraction was then analyzed by mass spectrometry in triplicates. </a:t>
+            </a:r>
+          </a:p>
+          <a:p>
+            <a:r>
+              <a:rPr lang="en-US" sz="2400" noProof="0" dirty="0"/>
+              <a:t>The gathered data was </a:t>
+            </a:r>
+            <a:r>
+              <a:rPr lang="en-US" sz="2400" dirty="0"/>
+              <a:t>tested for reproducibility, cleaned up and characterized by their peak pattern. What was now the criteria we used to characterize a protein as an RBP? </a:t>
+            </a:r>
+          </a:p>
+          <a:p>
+            <a:r>
+              <a:rPr lang="en-US" sz="2400" noProof="0" dirty="0"/>
+              <a:t>We used a function used Centre of Mass (</a:t>
+            </a:r>
+            <a:r>
+              <a:rPr lang="en-US" sz="2400" noProof="0" dirty="0" err="1"/>
+              <a:t>CoM</a:t>
+            </a:r>
+            <a:r>
+              <a:rPr lang="en-US" sz="2400" noProof="0" dirty="0"/>
+              <a:t>) to have one specific value for every protein for both treatments. When the </a:t>
+            </a:r>
+            <a:r>
+              <a:rPr lang="en-US" sz="2400" noProof="0" dirty="0" err="1"/>
+              <a:t>CoM</a:t>
+            </a:r>
+            <a:r>
+              <a:rPr lang="en-US" sz="2400" noProof="0" dirty="0"/>
+              <a:t> showed a significant left shift from Ctrl to RNase, the protein was defined as an RBP. </a:t>
+            </a:r>
+          </a:p>
+          <a:p>
+            <a:r>
+              <a:rPr lang="en-US" sz="2400" dirty="0"/>
+              <a:t>Additionally, the identified RBPs were compared to RBPs of non-synchronized cells to identify the RBPs only active in mitosis. Furthermore, complexes of these RBPs were determined by clustering and a linear regression analysis was performed to predict molecular weight of the RBPs. </a:t>
+            </a:r>
+            <a:endParaRPr lang="en-US" sz="2400" noProof="0" dirty="0"/>
+          </a:p>
+        </p:txBody>
+      </p:sp>
+      <p:cxnSp>
+        <p:nvCxnSpPr>
+          <p:cNvPr id="9" name="Gerade Verbindung 8">
+            <a:extLst>
+              <a:ext uri="{FF2B5EF4-FFF2-40B4-BE49-F238E27FC236}">
+                <a16:creationId xmlns:a16="http://schemas.microsoft.com/office/drawing/2014/main" id="{9D3B4A85-17C2-E126-55D1-7B67DB9BB80E}"/>
+              </a:ext>
+            </a:extLst>
+          </p:cNvPr>
+          <p:cNvCxnSpPr/>
+          <p:nvPr/>
+        </p:nvCxnSpPr>
+        <p:spPr>
+          <a:xfrm>
+            <a:off x="19882320" y="0"/>
+            <a:ext cx="0" cy="3242540"/>
+          </a:xfrm>
+          <a:prstGeom prst="line">
+            <a:avLst/>
+          </a:prstGeom>
+          <a:ln w="63500">
+            <a:solidFill>
+              <a:srgbClr val="B22F28"/>
+            </a:solidFill>
+          </a:ln>
+        </p:spPr>
+        <p:style>
+          <a:lnRef idx="2">
+            <a:schemeClr val="accent1"/>
+          </a:lnRef>
+          <a:fillRef idx="0">
+            <a:schemeClr val="accent1"/>
+          </a:fillRef>
+          <a:effectRef idx="1">
+            <a:schemeClr val="accent1"/>
+          </a:effectRef>
+          <a:fontRef idx="minor">
+            <a:schemeClr val="tx1"/>
+          </a:fontRef>
+        </p:style>
+      </p:cxnSp>
+      <p:sp>
+        <p:nvSpPr>
+          <p:cNvPr id="25" name="Rechteck 24">
+            <a:extLst>
+              <a:ext uri="{FF2B5EF4-FFF2-40B4-BE49-F238E27FC236}">
+                <a16:creationId xmlns:a16="http://schemas.microsoft.com/office/drawing/2014/main" id="{280DABE5-7ADA-CB97-5BDB-B61F91ED8A46}"/>
+              </a:ext>
+            </a:extLst>
+          </p:cNvPr>
+          <p:cNvSpPr/>
+          <p:nvPr/>
+        </p:nvSpPr>
+        <p:spPr>
+          <a:xfrm>
+            <a:off x="-4" y="38655105"/>
+            <a:ext cx="30275215" cy="4181278"/>
+          </a:xfrm>
+          <a:prstGeom prst="rect">
+            <a:avLst/>
+          </a:prstGeom>
+          <a:solidFill>
+            <a:srgbClr val="E49596"/>
+          </a:solidFill>
+          <a:ln>
+            <a:noFill/>
+          </a:ln>
+        </p:spPr>
+        <p:style>
+          <a:lnRef idx="2">
+            <a:schemeClr val="accent1">
+              <a:shade val="15000"/>
+            </a:schemeClr>
+          </a:lnRef>
+          <a:fillRef idx="1">
+            <a:schemeClr val="accent1"/>
+          </a:fillRef>
+          <a:effectRef idx="0">
+            <a:schemeClr val="accent1"/>
+          </a:effectRef>
+          <a:fontRef idx="minor">
+            <a:schemeClr val="lt1"/>
+          </a:fontRef>
+        </p:style>
+        <p:txBody>
+          <a:bodyPr rtlCol="0" anchor="t"/>
+          <a:lstStyle/>
+          <a:p>
+            <a:pPr algn="r"/>
+            <a:endParaRPr lang="en-US" sz="3600" dirty="0">
+              <a:solidFill>
+                <a:schemeClr val="tx1"/>
+              </a:solidFill>
+            </a:endParaRPr>
+          </a:p>
+        </p:txBody>
+      </p:sp>
+      <p:sp>
+        <p:nvSpPr>
+          <p:cNvPr id="28" name="Textfeld 27">
+            <a:extLst>
+              <a:ext uri="{FF2B5EF4-FFF2-40B4-BE49-F238E27FC236}">
+                <a16:creationId xmlns:a16="http://schemas.microsoft.com/office/drawing/2014/main" id="{723992D3-EA95-7C1B-4D4F-818583FBA106}"/>
+              </a:ext>
+            </a:extLst>
+          </p:cNvPr>
+          <p:cNvSpPr txBox="1"/>
+          <p:nvPr/>
+        </p:nvSpPr>
+        <p:spPr>
+          <a:xfrm>
+            <a:off x="273917" y="2111430"/>
+            <a:ext cx="19751037" cy="707886"/>
+          </a:xfrm>
+          <a:prstGeom prst="rect">
+            <a:avLst/>
+          </a:prstGeom>
+          <a:noFill/>
+        </p:spPr>
+        <p:txBody>
+          <a:bodyPr wrap="square" rtlCol="0">
+            <a:spAutoFit/>
+          </a:bodyPr>
+          <a:lstStyle/>
+          <a:p>
+            <a:r>
+              <a:rPr lang="en-US" sz="4000" dirty="0">
+                <a:solidFill>
+                  <a:schemeClr val="bg1"/>
+                </a:solidFill>
+              </a:rPr>
+              <a:t>Proteome-wide screen for RNA-dependent proteins particularly relevant in mitosis</a:t>
+            </a:r>
+          </a:p>
+        </p:txBody>
+      </p:sp>
+      <p:sp>
+        <p:nvSpPr>
+          <p:cNvPr id="30" name="Textfeld 29">
+            <a:extLst>
+              <a:ext uri="{FF2B5EF4-FFF2-40B4-BE49-F238E27FC236}">
+                <a16:creationId xmlns:a16="http://schemas.microsoft.com/office/drawing/2014/main" id="{76D1F7F8-F76E-FDF6-3225-E832F5FABEA8}"/>
+              </a:ext>
+            </a:extLst>
+          </p:cNvPr>
+          <p:cNvSpPr txBox="1"/>
+          <p:nvPr/>
+        </p:nvSpPr>
+        <p:spPr>
+          <a:xfrm>
+            <a:off x="854627" y="39095920"/>
+            <a:ext cx="28694544" cy="707886"/>
+          </a:xfrm>
+          <a:prstGeom prst="rect">
+            <a:avLst/>
+          </a:prstGeom>
+          <a:noFill/>
+        </p:spPr>
+        <p:txBody>
+          <a:bodyPr wrap="square" rtlCol="0">
+            <a:spAutoFit/>
+          </a:bodyPr>
+          <a:lstStyle/>
+          <a:p>
+            <a:r>
+              <a:rPr lang="en-US" sz="4000" dirty="0">
+                <a:solidFill>
+                  <a:schemeClr val="bg1"/>
+                </a:solidFill>
+                <a:latin typeface="Source Sans Pro" panose="020B0503030403020204" pitchFamily="34" charset="0"/>
+                <a:ea typeface="Source Sans Pro" panose="020B0503030403020204" pitchFamily="34" charset="0"/>
+              </a:rPr>
+              <a:t>Main </a:t>
+            </a:r>
+            <a:r>
+              <a:rPr lang="en-US" sz="4000" dirty="0" err="1">
+                <a:solidFill>
+                  <a:schemeClr val="bg1"/>
+                </a:solidFill>
+                <a:latin typeface="Source Sans Pro" panose="020B0503030403020204" pitchFamily="34" charset="0"/>
+                <a:ea typeface="Source Sans Pro" panose="020B0503030403020204" pitchFamily="34" charset="0"/>
+              </a:rPr>
+              <a:t>FIndings</a:t>
+            </a:r>
+            <a:endParaRPr lang="en-US" sz="4000" dirty="0">
+              <a:solidFill>
+                <a:schemeClr val="bg1"/>
+              </a:solidFill>
+              <a:latin typeface="Source Sans Pro" panose="020B0503030403020204" pitchFamily="34" charset="0"/>
+              <a:ea typeface="Source Sans Pro" panose="020B0503030403020204" pitchFamily="34" charset="0"/>
+            </a:endParaRPr>
+          </a:p>
+        </p:txBody>
+      </p:sp>
+    </p:spTree>
+    <p:extLst>
+      <p:ext uri="{BB962C8B-B14F-4D97-AF65-F5344CB8AC3E}">
+        <p14:creationId xmlns:p14="http://schemas.microsoft.com/office/powerpoint/2010/main" val="3613911005"/>
+      </p:ext>
+    </p:extLst>
+  </p:cSld>
+  <p:clrMapOvr>
+    <a:masterClrMapping/>
+  </p:clrMapOvr>
+</p:sld>
+</file>
+
+<file path=ppt/tags/tag1.xml><?xml version="1.0" encoding="utf-8"?>
+<p:tagLst xmlns:a="http://schemas.openxmlformats.org/drawingml/2006/main" xmlns:r="http://schemas.openxmlformats.org/officeDocument/2006/relationships" xmlns:p="http://schemas.openxmlformats.org/presentationml/2006/main">
+  <p:tag name="THINKCELLSHAPEDONOTDELETE" val="thinkcellActiveDocDoNotDelete"/>
+</p:tagLst>
 </file>
 
 <file path=ppt/theme/theme1.xml><?xml version="1.0" encoding="utf-8"?>

--- a/RiboZwo.pptx
+++ b/RiboZwo.pptx
@@ -363,7 +363,7 @@
           <a:p>
             <a:fld id="{12610477-6C94-4391-BBDC-B8E9BB33E658}" type="datetimeFigureOut">
               <a:rPr lang="de-DE" smtClean="0"/>
-              <a:t>02.07.25</a:t>
+              <a:t>02.07.2025</a:t>
             </a:fld>
             <a:endParaRPr lang="de-DE"/>
           </a:p>
@@ -521,7 +521,7 @@
           <a:p>
             <a:fld id="{B23F8280-8283-495D-A659-9194DB8B63EA}" type="slidenum">
               <a:rPr lang="de-DE" smtClean="0"/>
-              <a:t>‹Nr.›</a:t>
+              <a:t>‹#›</a:t>
             </a:fld>
             <a:endParaRPr lang="de-DE"/>
           </a:p>
@@ -953,7 +953,7 @@
           <a:p>
             <a:fld id="{F9ACF1CB-8064-4AFF-8DFB-49A00122A1FD}" type="datetimeFigureOut">
               <a:rPr lang="de-DE" smtClean="0"/>
-              <a:t>02.07.25</a:t>
+              <a:t>02.07.2025</a:t>
             </a:fld>
             <a:endParaRPr lang="de-DE"/>
           </a:p>
@@ -995,7 +995,7 @@
           <a:p>
             <a:fld id="{79580C82-F813-4CCE-B4AC-52ACFAE55A43}" type="slidenum">
               <a:rPr lang="de-DE" smtClean="0"/>
-              <a:t>‹Nr.›</a:t>
+              <a:t>‹#›</a:t>
             </a:fld>
             <a:endParaRPr lang="de-DE"/>
           </a:p>
@@ -1123,7 +1123,7 @@
           <a:p>
             <a:fld id="{F9ACF1CB-8064-4AFF-8DFB-49A00122A1FD}" type="datetimeFigureOut">
               <a:rPr lang="de-DE" smtClean="0"/>
-              <a:t>02.07.25</a:t>
+              <a:t>02.07.2025</a:t>
             </a:fld>
             <a:endParaRPr lang="de-DE"/>
           </a:p>
@@ -1165,7 +1165,7 @@
           <a:p>
             <a:fld id="{79580C82-F813-4CCE-B4AC-52ACFAE55A43}" type="slidenum">
               <a:rPr lang="de-DE" smtClean="0"/>
-              <a:t>‹Nr.›</a:t>
+              <a:t>‹#›</a:t>
             </a:fld>
             <a:endParaRPr lang="de-DE"/>
           </a:p>
@@ -1303,7 +1303,7 @@
           <a:p>
             <a:fld id="{F9ACF1CB-8064-4AFF-8DFB-49A00122A1FD}" type="datetimeFigureOut">
               <a:rPr lang="de-DE" smtClean="0"/>
-              <a:t>02.07.25</a:t>
+              <a:t>02.07.2025</a:t>
             </a:fld>
             <a:endParaRPr lang="de-DE"/>
           </a:p>
@@ -1345,7 +1345,7 @@
           <a:p>
             <a:fld id="{79580C82-F813-4CCE-B4AC-52ACFAE55A43}" type="slidenum">
               <a:rPr lang="de-DE" smtClean="0"/>
-              <a:t>‹Nr.›</a:t>
+              <a:t>‹#›</a:t>
             </a:fld>
             <a:endParaRPr lang="de-DE"/>
           </a:p>
@@ -1473,7 +1473,7 @@
           <a:p>
             <a:fld id="{F9ACF1CB-8064-4AFF-8DFB-49A00122A1FD}" type="datetimeFigureOut">
               <a:rPr lang="de-DE" smtClean="0"/>
-              <a:t>02.07.25</a:t>
+              <a:t>02.07.2025</a:t>
             </a:fld>
             <a:endParaRPr lang="de-DE"/>
           </a:p>
@@ -1515,7 +1515,7 @@
           <a:p>
             <a:fld id="{79580C82-F813-4CCE-B4AC-52ACFAE55A43}" type="slidenum">
               <a:rPr lang="de-DE" smtClean="0"/>
-              <a:t>‹Nr.›</a:t>
+              <a:t>‹#›</a:t>
             </a:fld>
             <a:endParaRPr lang="de-DE"/>
           </a:p>
@@ -1719,7 +1719,7 @@
           <a:p>
             <a:fld id="{F9ACF1CB-8064-4AFF-8DFB-49A00122A1FD}" type="datetimeFigureOut">
               <a:rPr lang="de-DE" smtClean="0"/>
-              <a:t>02.07.25</a:t>
+              <a:t>02.07.2025</a:t>
             </a:fld>
             <a:endParaRPr lang="de-DE"/>
           </a:p>
@@ -1761,7 +1761,7 @@
           <a:p>
             <a:fld id="{79580C82-F813-4CCE-B4AC-52ACFAE55A43}" type="slidenum">
               <a:rPr lang="de-DE" smtClean="0"/>
-              <a:t>‹Nr.›</a:t>
+              <a:t>‹#›</a:t>
             </a:fld>
             <a:endParaRPr lang="de-DE"/>
           </a:p>
@@ -1951,7 +1951,7 @@
           <a:p>
             <a:fld id="{F9ACF1CB-8064-4AFF-8DFB-49A00122A1FD}" type="datetimeFigureOut">
               <a:rPr lang="de-DE" smtClean="0"/>
-              <a:t>02.07.25</a:t>
+              <a:t>02.07.2025</a:t>
             </a:fld>
             <a:endParaRPr lang="de-DE"/>
           </a:p>
@@ -1993,7 +1993,7 @@
           <a:p>
             <a:fld id="{79580C82-F813-4CCE-B4AC-52ACFAE55A43}" type="slidenum">
               <a:rPr lang="de-DE" smtClean="0"/>
-              <a:t>‹Nr.›</a:t>
+              <a:t>‹#›</a:t>
             </a:fld>
             <a:endParaRPr lang="de-DE"/>
           </a:p>
@@ -2318,7 +2318,7 @@
           <a:p>
             <a:fld id="{F9ACF1CB-8064-4AFF-8DFB-49A00122A1FD}" type="datetimeFigureOut">
               <a:rPr lang="de-DE" smtClean="0"/>
-              <a:t>02.07.25</a:t>
+              <a:t>02.07.2025</a:t>
             </a:fld>
             <a:endParaRPr lang="de-DE"/>
           </a:p>
@@ -2360,7 +2360,7 @@
           <a:p>
             <a:fld id="{79580C82-F813-4CCE-B4AC-52ACFAE55A43}" type="slidenum">
               <a:rPr lang="de-DE" smtClean="0"/>
-              <a:t>‹Nr.›</a:t>
+              <a:t>‹#›</a:t>
             </a:fld>
             <a:endParaRPr lang="de-DE"/>
           </a:p>
@@ -2436,7 +2436,7 @@
           <a:p>
             <a:fld id="{F9ACF1CB-8064-4AFF-8DFB-49A00122A1FD}" type="datetimeFigureOut">
               <a:rPr lang="de-DE" smtClean="0"/>
-              <a:t>02.07.25</a:t>
+              <a:t>02.07.2025</a:t>
             </a:fld>
             <a:endParaRPr lang="de-DE"/>
           </a:p>
@@ -2478,7 +2478,7 @@
           <a:p>
             <a:fld id="{79580C82-F813-4CCE-B4AC-52ACFAE55A43}" type="slidenum">
               <a:rPr lang="de-DE" smtClean="0"/>
-              <a:t>‹Nr.›</a:t>
+              <a:t>‹#›</a:t>
             </a:fld>
             <a:endParaRPr lang="de-DE"/>
           </a:p>
@@ -2531,7 +2531,7 @@
           <a:p>
             <a:fld id="{F9ACF1CB-8064-4AFF-8DFB-49A00122A1FD}" type="datetimeFigureOut">
               <a:rPr lang="de-DE" smtClean="0"/>
-              <a:t>02.07.25</a:t>
+              <a:t>02.07.2025</a:t>
             </a:fld>
             <a:endParaRPr lang="de-DE"/>
           </a:p>
@@ -2573,7 +2573,7 @@
           <a:p>
             <a:fld id="{79580C82-F813-4CCE-B4AC-52ACFAE55A43}" type="slidenum">
               <a:rPr lang="de-DE" smtClean="0"/>
-              <a:t>‹Nr.›</a:t>
+              <a:t>‹#›</a:t>
             </a:fld>
             <a:endParaRPr lang="de-DE"/>
           </a:p>
@@ -2808,7 +2808,7 @@
           <a:p>
             <a:fld id="{F9ACF1CB-8064-4AFF-8DFB-49A00122A1FD}" type="datetimeFigureOut">
               <a:rPr lang="de-DE" smtClean="0"/>
-              <a:t>02.07.25</a:t>
+              <a:t>02.07.2025</a:t>
             </a:fld>
             <a:endParaRPr lang="de-DE"/>
           </a:p>
@@ -2850,7 +2850,7 @@
           <a:p>
             <a:fld id="{79580C82-F813-4CCE-B4AC-52ACFAE55A43}" type="slidenum">
               <a:rPr lang="de-DE" smtClean="0"/>
-              <a:t>‹Nr.›</a:t>
+              <a:t>‹#›</a:t>
             </a:fld>
             <a:endParaRPr lang="de-DE"/>
           </a:p>
@@ -3065,7 +3065,7 @@
           <a:p>
             <a:fld id="{F9ACF1CB-8064-4AFF-8DFB-49A00122A1FD}" type="datetimeFigureOut">
               <a:rPr lang="de-DE" smtClean="0"/>
-              <a:t>02.07.25</a:t>
+              <a:t>02.07.2025</a:t>
             </a:fld>
             <a:endParaRPr lang="de-DE"/>
           </a:p>
@@ -3107,7 +3107,7 @@
           <a:p>
             <a:fld id="{79580C82-F813-4CCE-B4AC-52ACFAE55A43}" type="slidenum">
               <a:rPr lang="de-DE" smtClean="0"/>
-              <a:t>‹Nr.›</a:t>
+              <a:t>‹#›</a:t>
             </a:fld>
             <a:endParaRPr lang="de-DE"/>
           </a:p>
@@ -3278,7 +3278,7 @@
           <a:p>
             <a:fld id="{F9ACF1CB-8064-4AFF-8DFB-49A00122A1FD}" type="datetimeFigureOut">
               <a:rPr lang="de-DE" smtClean="0"/>
-              <a:t>02.07.25</a:t>
+              <a:t>02.07.2025</a:t>
             </a:fld>
             <a:endParaRPr lang="de-DE"/>
           </a:p>
@@ -3356,7 +3356,7 @@
           <a:p>
             <a:fld id="{79580C82-F813-4CCE-B4AC-52ACFAE55A43}" type="slidenum">
               <a:rPr lang="de-DE" smtClean="0"/>
-              <a:t>‹Nr.›</a:t>
+              <a:t>‹#›</a:t>
             </a:fld>
             <a:endParaRPr lang="de-DE"/>
           </a:p>
@@ -5128,7 +5128,7 @@
         <p:spPr>
           <a:xfrm>
             <a:off x="15848412" y="9507867"/>
-            <a:ext cx="13572174" cy="3963964"/>
+            <a:ext cx="12574188" cy="2197105"/>
           </a:xfrm>
           <a:prstGeom prst="rect">
             <a:avLst/>
@@ -5179,6 +5179,10 @@
             </a:endParaRPr>
           </a:p>
           <a:p>
+            <a:pPr marL="571500" indent="-571500">
+              <a:buFontTx/>
+              <a:buChar char="-"/>
+            </a:pPr>
             <a:r>
               <a:rPr lang="en-US" sz="4000" noProof="0" dirty="0">
                 <a:solidFill>
@@ -5187,8 +5191,21 @@
                 <a:latin typeface="Source Sans Pro" panose="020B0503030403020204" pitchFamily="34" charset="0"/>
                 <a:ea typeface="Source Sans Pro" panose="020B0503030403020204" pitchFamily="34" charset="0"/>
               </a:rPr>
-              <a:t>- SD + Mean</a:t>
-            </a:r>
+              <a:t>SD + Mean</a:t>
+            </a:r>
+          </a:p>
+          <a:p>
+            <a:pPr marL="571500" indent="-571500">
+              <a:buFontTx/>
+              <a:buChar char="-"/>
+            </a:pPr>
+            <a:endParaRPr lang="en-US" sz="4000" noProof="0" dirty="0">
+              <a:solidFill>
+                <a:schemeClr val="tx1"/>
+              </a:solidFill>
+              <a:latin typeface="Source Sans Pro" panose="020B0503030403020204" pitchFamily="34" charset="0"/>
+              <a:ea typeface="Source Sans Pro" panose="020B0503030403020204" pitchFamily="34" charset="0"/>
+            </a:endParaRPr>
           </a:p>
         </p:txBody>
       </p:sp>
@@ -5942,6 +5959,98 @@
           </a:p>
         </p:txBody>
       </p:sp>
+      <p:sp>
+        <p:nvSpPr>
+          <p:cNvPr id="12" name="Rectangle 11">
+            <a:extLst>
+              <a:ext uri="{FF2B5EF4-FFF2-40B4-BE49-F238E27FC236}">
+                <a16:creationId xmlns:a16="http://schemas.microsoft.com/office/drawing/2014/main" id="{B9A6FAFB-7C49-7213-7BD8-8E66DBEDBBBF}"/>
+              </a:ext>
+            </a:extLst>
+          </p:cNvPr>
+          <p:cNvSpPr/>
+          <p:nvPr/>
+        </p:nvSpPr>
+        <p:spPr>
+          <a:xfrm>
+            <a:off x="15848412" y="11927105"/>
+            <a:ext cx="5359001" cy="3924705"/>
+          </a:xfrm>
+          <a:prstGeom prst="rect">
+            <a:avLst/>
+          </a:prstGeom>
+          <a:solidFill>
+            <a:schemeClr val="bg1"/>
+          </a:solidFill>
+          <a:ln>
+            <a:noFill/>
+          </a:ln>
+        </p:spPr>
+        <p:style>
+          <a:lnRef idx="2">
+            <a:schemeClr val="accent1">
+              <a:shade val="15000"/>
+            </a:schemeClr>
+          </a:lnRef>
+          <a:fillRef idx="1">
+            <a:schemeClr val="accent1"/>
+          </a:fillRef>
+          <a:effectRef idx="0">
+            <a:schemeClr val="accent1"/>
+          </a:effectRef>
+          <a:fontRef idx="minor">
+            <a:schemeClr val="lt1"/>
+          </a:fontRef>
+        </p:style>
+        <p:txBody>
+          <a:bodyPr rtlCol="0" anchor="t"/>
+          <a:lstStyle/>
+          <a:p>
+            <a:pPr algn="r"/>
+            <a:endParaRPr lang="en-GB" sz="3600" dirty="0">
+              <a:solidFill>
+                <a:schemeClr val="tx1"/>
+              </a:solidFill>
+            </a:endParaRPr>
+          </a:p>
+        </p:txBody>
+      </p:sp>
+      <p:pic>
+        <p:nvPicPr>
+          <p:cNvPr id="8" name="Picture 7" descr="A graph with red dots&#10;&#10;AI-generated content may be incorrect.">
+            <a:extLst>
+              <a:ext uri="{FF2B5EF4-FFF2-40B4-BE49-F238E27FC236}">
+                <a16:creationId xmlns:a16="http://schemas.microsoft.com/office/drawing/2014/main" id="{58FC2CD0-6EDD-4966-192D-536096C3635D}"/>
+              </a:ext>
+            </a:extLst>
+          </p:cNvPr>
+          <p:cNvPicPr>
+            <a:picLocks noChangeAspect="1"/>
+          </p:cNvPicPr>
+          <p:nvPr/>
+        </p:nvPicPr>
+        <p:blipFill>
+          <a:blip r:embed="rId8">
+            <a:extLst>
+              <a:ext uri="{28A0092B-C50C-407E-A947-70E740481C1C}">
+                <a14:useLocalDpi xmlns:a14="http://schemas.microsoft.com/office/drawing/2010/main" val="0"/>
+              </a:ext>
+            </a:extLst>
+          </a:blip>
+          <a:stretch>
+            <a:fillRect/>
+          </a:stretch>
+        </p:blipFill>
+        <p:spPr>
+          <a:xfrm>
+            <a:off x="15902479" y="11965102"/>
+            <a:ext cx="5232939" cy="3924704"/>
+          </a:xfrm>
+          <a:prstGeom prst="rect">
+            <a:avLst/>
+          </a:prstGeom>
+        </p:spPr>
+      </p:pic>
     </p:spTree>
     <p:extLst>
       <p:ext uri="{BB962C8B-B14F-4D97-AF65-F5344CB8AC3E}">

--- a/RiboZwo.pptx
+++ b/RiboZwo.pptx
@@ -363,7 +363,7 @@
           <a:p>
             <a:fld id="{12610477-6C94-4391-BBDC-B8E9BB33E658}" type="datetimeFigureOut">
               <a:rPr lang="de-DE" smtClean="0"/>
-              <a:t>02.07.2025</a:t>
+              <a:t>03.07.25</a:t>
             </a:fld>
             <a:endParaRPr lang="de-DE"/>
           </a:p>
@@ -521,7 +521,7 @@
           <a:p>
             <a:fld id="{B23F8280-8283-495D-A659-9194DB8B63EA}" type="slidenum">
               <a:rPr lang="de-DE" smtClean="0"/>
-              <a:t>‹#›</a:t>
+              <a:t>‹Nr.›</a:t>
             </a:fld>
             <a:endParaRPr lang="de-DE"/>
           </a:p>
@@ -953,7 +953,7 @@
           <a:p>
             <a:fld id="{F9ACF1CB-8064-4AFF-8DFB-49A00122A1FD}" type="datetimeFigureOut">
               <a:rPr lang="de-DE" smtClean="0"/>
-              <a:t>02.07.2025</a:t>
+              <a:t>03.07.25</a:t>
             </a:fld>
             <a:endParaRPr lang="de-DE"/>
           </a:p>
@@ -995,7 +995,7 @@
           <a:p>
             <a:fld id="{79580C82-F813-4CCE-B4AC-52ACFAE55A43}" type="slidenum">
               <a:rPr lang="de-DE" smtClean="0"/>
-              <a:t>‹#›</a:t>
+              <a:t>‹Nr.›</a:t>
             </a:fld>
             <a:endParaRPr lang="de-DE"/>
           </a:p>
@@ -1123,7 +1123,7 @@
           <a:p>
             <a:fld id="{F9ACF1CB-8064-4AFF-8DFB-49A00122A1FD}" type="datetimeFigureOut">
               <a:rPr lang="de-DE" smtClean="0"/>
-              <a:t>02.07.2025</a:t>
+              <a:t>03.07.25</a:t>
             </a:fld>
             <a:endParaRPr lang="de-DE"/>
           </a:p>
@@ -1165,7 +1165,7 @@
           <a:p>
             <a:fld id="{79580C82-F813-4CCE-B4AC-52ACFAE55A43}" type="slidenum">
               <a:rPr lang="de-DE" smtClean="0"/>
-              <a:t>‹#›</a:t>
+              <a:t>‹Nr.›</a:t>
             </a:fld>
             <a:endParaRPr lang="de-DE"/>
           </a:p>
@@ -1303,7 +1303,7 @@
           <a:p>
             <a:fld id="{F9ACF1CB-8064-4AFF-8DFB-49A00122A1FD}" type="datetimeFigureOut">
               <a:rPr lang="de-DE" smtClean="0"/>
-              <a:t>02.07.2025</a:t>
+              <a:t>03.07.25</a:t>
             </a:fld>
             <a:endParaRPr lang="de-DE"/>
           </a:p>
@@ -1345,7 +1345,7 @@
           <a:p>
             <a:fld id="{79580C82-F813-4CCE-B4AC-52ACFAE55A43}" type="slidenum">
               <a:rPr lang="de-DE" smtClean="0"/>
-              <a:t>‹#›</a:t>
+              <a:t>‹Nr.›</a:t>
             </a:fld>
             <a:endParaRPr lang="de-DE"/>
           </a:p>
@@ -1473,7 +1473,7 @@
           <a:p>
             <a:fld id="{F9ACF1CB-8064-4AFF-8DFB-49A00122A1FD}" type="datetimeFigureOut">
               <a:rPr lang="de-DE" smtClean="0"/>
-              <a:t>02.07.2025</a:t>
+              <a:t>03.07.25</a:t>
             </a:fld>
             <a:endParaRPr lang="de-DE"/>
           </a:p>
@@ -1515,7 +1515,7 @@
           <a:p>
             <a:fld id="{79580C82-F813-4CCE-B4AC-52ACFAE55A43}" type="slidenum">
               <a:rPr lang="de-DE" smtClean="0"/>
-              <a:t>‹#›</a:t>
+              <a:t>‹Nr.›</a:t>
             </a:fld>
             <a:endParaRPr lang="de-DE"/>
           </a:p>
@@ -1719,7 +1719,7 @@
           <a:p>
             <a:fld id="{F9ACF1CB-8064-4AFF-8DFB-49A00122A1FD}" type="datetimeFigureOut">
               <a:rPr lang="de-DE" smtClean="0"/>
-              <a:t>02.07.2025</a:t>
+              <a:t>03.07.25</a:t>
             </a:fld>
             <a:endParaRPr lang="de-DE"/>
           </a:p>
@@ -1761,7 +1761,7 @@
           <a:p>
             <a:fld id="{79580C82-F813-4CCE-B4AC-52ACFAE55A43}" type="slidenum">
               <a:rPr lang="de-DE" smtClean="0"/>
-              <a:t>‹#›</a:t>
+              <a:t>‹Nr.›</a:t>
             </a:fld>
             <a:endParaRPr lang="de-DE"/>
           </a:p>
@@ -1951,7 +1951,7 @@
           <a:p>
             <a:fld id="{F9ACF1CB-8064-4AFF-8DFB-49A00122A1FD}" type="datetimeFigureOut">
               <a:rPr lang="de-DE" smtClean="0"/>
-              <a:t>02.07.2025</a:t>
+              <a:t>03.07.25</a:t>
             </a:fld>
             <a:endParaRPr lang="de-DE"/>
           </a:p>
@@ -1993,7 +1993,7 @@
           <a:p>
             <a:fld id="{79580C82-F813-4CCE-B4AC-52ACFAE55A43}" type="slidenum">
               <a:rPr lang="de-DE" smtClean="0"/>
-              <a:t>‹#›</a:t>
+              <a:t>‹Nr.›</a:t>
             </a:fld>
             <a:endParaRPr lang="de-DE"/>
           </a:p>
@@ -2318,7 +2318,7 @@
           <a:p>
             <a:fld id="{F9ACF1CB-8064-4AFF-8DFB-49A00122A1FD}" type="datetimeFigureOut">
               <a:rPr lang="de-DE" smtClean="0"/>
-              <a:t>02.07.2025</a:t>
+              <a:t>03.07.25</a:t>
             </a:fld>
             <a:endParaRPr lang="de-DE"/>
           </a:p>
@@ -2360,7 +2360,7 @@
           <a:p>
             <a:fld id="{79580C82-F813-4CCE-B4AC-52ACFAE55A43}" type="slidenum">
               <a:rPr lang="de-DE" smtClean="0"/>
-              <a:t>‹#›</a:t>
+              <a:t>‹Nr.›</a:t>
             </a:fld>
             <a:endParaRPr lang="de-DE"/>
           </a:p>
@@ -2436,7 +2436,7 @@
           <a:p>
             <a:fld id="{F9ACF1CB-8064-4AFF-8DFB-49A00122A1FD}" type="datetimeFigureOut">
               <a:rPr lang="de-DE" smtClean="0"/>
-              <a:t>02.07.2025</a:t>
+              <a:t>03.07.25</a:t>
             </a:fld>
             <a:endParaRPr lang="de-DE"/>
           </a:p>
@@ -2478,7 +2478,7 @@
           <a:p>
             <a:fld id="{79580C82-F813-4CCE-B4AC-52ACFAE55A43}" type="slidenum">
               <a:rPr lang="de-DE" smtClean="0"/>
-              <a:t>‹#›</a:t>
+              <a:t>‹Nr.›</a:t>
             </a:fld>
             <a:endParaRPr lang="de-DE"/>
           </a:p>
@@ -2531,7 +2531,7 @@
           <a:p>
             <a:fld id="{F9ACF1CB-8064-4AFF-8DFB-49A00122A1FD}" type="datetimeFigureOut">
               <a:rPr lang="de-DE" smtClean="0"/>
-              <a:t>02.07.2025</a:t>
+              <a:t>03.07.25</a:t>
             </a:fld>
             <a:endParaRPr lang="de-DE"/>
           </a:p>
@@ -2573,7 +2573,7 @@
           <a:p>
             <a:fld id="{79580C82-F813-4CCE-B4AC-52ACFAE55A43}" type="slidenum">
               <a:rPr lang="de-DE" smtClean="0"/>
-              <a:t>‹#›</a:t>
+              <a:t>‹Nr.›</a:t>
             </a:fld>
             <a:endParaRPr lang="de-DE"/>
           </a:p>
@@ -2808,7 +2808,7 @@
           <a:p>
             <a:fld id="{F9ACF1CB-8064-4AFF-8DFB-49A00122A1FD}" type="datetimeFigureOut">
               <a:rPr lang="de-DE" smtClean="0"/>
-              <a:t>02.07.2025</a:t>
+              <a:t>03.07.25</a:t>
             </a:fld>
             <a:endParaRPr lang="de-DE"/>
           </a:p>
@@ -2850,7 +2850,7 @@
           <a:p>
             <a:fld id="{79580C82-F813-4CCE-B4AC-52ACFAE55A43}" type="slidenum">
               <a:rPr lang="de-DE" smtClean="0"/>
-              <a:t>‹#›</a:t>
+              <a:t>‹Nr.›</a:t>
             </a:fld>
             <a:endParaRPr lang="de-DE"/>
           </a:p>
@@ -3065,7 +3065,7 @@
           <a:p>
             <a:fld id="{F9ACF1CB-8064-4AFF-8DFB-49A00122A1FD}" type="datetimeFigureOut">
               <a:rPr lang="de-DE" smtClean="0"/>
-              <a:t>02.07.2025</a:t>
+              <a:t>03.07.25</a:t>
             </a:fld>
             <a:endParaRPr lang="de-DE"/>
           </a:p>
@@ -3107,7 +3107,7 @@
           <a:p>
             <a:fld id="{79580C82-F813-4CCE-B4AC-52ACFAE55A43}" type="slidenum">
               <a:rPr lang="de-DE" smtClean="0"/>
-              <a:t>‹#›</a:t>
+              <a:t>‹Nr.›</a:t>
             </a:fld>
             <a:endParaRPr lang="de-DE"/>
           </a:p>
@@ -3148,6 +3148,72 @@
           <a:chExt cx="0" cy="0"/>
         </a:xfrm>
       </p:grpSpPr>
+      <p:graphicFrame>
+        <p:nvGraphicFramePr>
+          <p:cNvPr id="10" name="think-cell data - do not delete" hidden="1">
+            <a:extLst>
+              <a:ext uri="{FF2B5EF4-FFF2-40B4-BE49-F238E27FC236}">
+                <a16:creationId xmlns:a16="http://schemas.microsoft.com/office/drawing/2014/main" id="{0FF58641-B676-E7BF-E159-1466E7EADC17}"/>
+              </a:ext>
+            </a:extLst>
+          </p:cNvPr>
+          <p:cNvGraphicFramePr>
+            <a:graphicFrameLocks noChangeAspect="1"/>
+          </p:cNvGraphicFramePr>
+          <p:nvPr userDrawn="1">
+            <p:custDataLst>
+              <p:tags r:id="rId13"/>
+            </p:custDataLst>
+            <p:extLst>
+              <p:ext uri="{D42A27DB-BD31-4B8C-83A1-F6EECF244321}">
+                <p14:modId xmlns:p14="http://schemas.microsoft.com/office/powerpoint/2010/main" val="2110965342"/>
+              </p:ext>
+            </p:extLst>
+          </p:nvPr>
+        </p:nvGraphicFramePr>
+        <p:xfrm>
+          <a:off x="1588" y="1588"/>
+          <a:ext cx="1227" cy="1588"/>
+        </p:xfrm>
+        <a:graphic>
+          <a:graphicData uri="http://schemas.openxmlformats.org/presentationml/2006/ole">
+            <mc:AlternateContent xmlns:mc="http://schemas.openxmlformats.org/markup-compatibility/2006">
+              <mc:Choice xmlns:v="urn:schemas-microsoft-com:vml" Requires="v">
+                <p:oleObj name="think-cell Folie" r:id="rId14" imgW="7772400" imgH="10058400" progId="TCLayout.ActiveDocument.1">
+                  <p:embed/>
+                </p:oleObj>
+              </mc:Choice>
+              <mc:Fallback>
+                <p:oleObj name="think-cell Folie" r:id="rId14" imgW="7772400" imgH="10058400" progId="TCLayout.ActiveDocument.1">
+                  <p:embed/>
+                  <p:pic>
+                    <p:nvPicPr>
+                      <p:cNvPr id="0" name=""/>
+                      <p:cNvPicPr/>
+                      <p:nvPr/>
+                    </p:nvPicPr>
+                    <p:blipFill>
+                      <a:blip r:embed="rId15"/>
+                      <a:stretch>
+                        <a:fillRect/>
+                      </a:stretch>
+                    </p:blipFill>
+                    <p:spPr>
+                      <a:xfrm>
+                        <a:off x="1588" y="1588"/>
+                        <a:ext cx="1227" cy="1588"/>
+                      </a:xfrm>
+                      <a:prstGeom prst="rect">
+                        <a:avLst/>
+                      </a:prstGeom>
+                    </p:spPr>
+                  </p:pic>
+                </p:oleObj>
+              </mc:Fallback>
+            </mc:AlternateContent>
+          </a:graphicData>
+        </a:graphic>
+      </p:graphicFrame>
       <p:sp>
         <p:nvSpPr>
           <p:cNvPr id="2" name="Title Placeholder 1"/>
@@ -3278,7 +3344,7 @@
           <a:p>
             <a:fld id="{F9ACF1CB-8064-4AFF-8DFB-49A00122A1FD}" type="datetimeFigureOut">
               <a:rPr lang="de-DE" smtClean="0"/>
-              <a:t>02.07.2025</a:t>
+              <a:t>03.07.25</a:t>
             </a:fld>
             <a:endParaRPr lang="de-DE"/>
           </a:p>
@@ -3356,7 +3422,7 @@
           <a:p>
             <a:fld id="{79580C82-F813-4CCE-B4AC-52ACFAE55A43}" type="slidenum">
               <a:rPr lang="de-DE" smtClean="0"/>
-              <a:t>‹#›</a:t>
+              <a:t>‹Nr.›</a:t>
             </a:fld>
             <a:endParaRPr lang="de-DE"/>
           </a:p>
@@ -4503,6 +4569,11 @@
             <p:custDataLst>
               <p:tags r:id="rId1"/>
             </p:custDataLst>
+            <p:extLst>
+              <p:ext uri="{D42A27DB-BD31-4B8C-83A1-F6EECF244321}">
+                <p14:modId xmlns:p14="http://schemas.microsoft.com/office/powerpoint/2010/main" val="3162330033"/>
+              </p:ext>
+            </p:extLst>
           </p:nvPr>
         </p:nvGraphicFramePr>
         <p:xfrm>
@@ -6051,6 +6122,1040 @@
           </a:prstGeom>
         </p:spPr>
       </p:pic>
+      <p:pic>
+        <p:nvPicPr>
+          <p:cNvPr id="38" name="Grafik 37">
+            <a:extLst>
+              <a:ext uri="{FF2B5EF4-FFF2-40B4-BE49-F238E27FC236}">
+                <a16:creationId xmlns:a16="http://schemas.microsoft.com/office/drawing/2014/main" id="{E5FDED8C-E7AC-C058-2B47-E49642388937}"/>
+              </a:ext>
+            </a:extLst>
+          </p:cNvPr>
+          <p:cNvPicPr>
+            <a:picLocks noChangeAspect="1"/>
+          </p:cNvPicPr>
+          <p:nvPr/>
+        </p:nvPicPr>
+        <p:blipFill>
+          <a:blip r:embed="rId9"/>
+          <a:stretch>
+            <a:fillRect/>
+          </a:stretch>
+        </p:blipFill>
+        <p:spPr>
+          <a:xfrm>
+            <a:off x="22737947" y="33472771"/>
+            <a:ext cx="6449752" cy="4364752"/>
+          </a:xfrm>
+          <a:prstGeom prst="rect">
+            <a:avLst/>
+          </a:prstGeom>
+        </p:spPr>
+      </p:pic>
+      <p:grpSp>
+        <p:nvGrpSpPr>
+          <p:cNvPr id="44" name="Gruppieren 43">
+            <a:extLst>
+              <a:ext uri="{FF2B5EF4-FFF2-40B4-BE49-F238E27FC236}">
+                <a16:creationId xmlns:a16="http://schemas.microsoft.com/office/drawing/2014/main" id="{40211F4B-E423-2BFB-9135-28A3C8361C2A}"/>
+              </a:ext>
+            </a:extLst>
+          </p:cNvPr>
+          <p:cNvGrpSpPr/>
+          <p:nvPr/>
+        </p:nvGrpSpPr>
+        <p:grpSpPr>
+          <a:xfrm>
+            <a:off x="21135418" y="18366104"/>
+            <a:ext cx="7566660" cy="4468487"/>
+            <a:chOff x="5911353" y="14534450"/>
+            <a:chExt cx="7566660" cy="4468487"/>
+          </a:xfrm>
+        </p:grpSpPr>
+        <p:sp>
+          <p:nvSpPr>
+            <p:cNvPr id="43" name="Rechteck 42">
+              <a:extLst>
+                <a:ext uri="{FF2B5EF4-FFF2-40B4-BE49-F238E27FC236}">
+                  <a16:creationId xmlns:a16="http://schemas.microsoft.com/office/drawing/2014/main" id="{F0D2B77F-1F24-7BF1-B45B-793688293E0D}"/>
+                </a:ext>
+              </a:extLst>
+            </p:cNvPr>
+            <p:cNvSpPr/>
+            <p:nvPr/>
+          </p:nvSpPr>
+          <p:spPr>
+            <a:xfrm>
+              <a:off x="5911353" y="14534450"/>
+              <a:ext cx="7566660" cy="4468487"/>
+            </a:xfrm>
+            <a:prstGeom prst="rect">
+              <a:avLst/>
+            </a:prstGeom>
+            <a:solidFill>
+              <a:schemeClr val="bg1"/>
+            </a:solidFill>
+            <a:ln>
+              <a:noFill/>
+            </a:ln>
+          </p:spPr>
+          <p:style>
+            <a:lnRef idx="2">
+              <a:schemeClr val="accent1">
+                <a:shade val="15000"/>
+              </a:schemeClr>
+            </a:lnRef>
+            <a:fillRef idx="1">
+              <a:schemeClr val="accent1"/>
+            </a:fillRef>
+            <a:effectRef idx="0">
+              <a:schemeClr val="accent1"/>
+            </a:effectRef>
+            <a:fontRef idx="minor">
+              <a:schemeClr val="lt1"/>
+            </a:fontRef>
+          </p:style>
+          <p:txBody>
+            <a:bodyPr rtlCol="0" anchor="t"/>
+            <a:lstStyle/>
+            <a:p>
+              <a:pPr algn="r"/>
+              <a:endParaRPr lang="en-US" sz="3600" dirty="0">
+                <a:solidFill>
+                  <a:schemeClr val="tx1"/>
+                </a:solidFill>
+              </a:endParaRPr>
+            </a:p>
+          </p:txBody>
+        </p:sp>
+        <p:pic>
+          <p:nvPicPr>
+            <p:cNvPr id="36" name="Grafik 35">
+              <a:extLst>
+                <a:ext uri="{FF2B5EF4-FFF2-40B4-BE49-F238E27FC236}">
+                  <a16:creationId xmlns:a16="http://schemas.microsoft.com/office/drawing/2014/main" id="{F98D1A39-2789-FD8C-4BAB-763868E6D59D}"/>
+                </a:ext>
+              </a:extLst>
+            </p:cNvPr>
+            <p:cNvPicPr>
+              <a:picLocks noChangeAspect="1"/>
+            </p:cNvPicPr>
+            <p:nvPr/>
+          </p:nvPicPr>
+          <p:blipFill>
+            <a:blip r:embed="rId10"/>
+            <a:stretch>
+              <a:fillRect/>
+            </a:stretch>
+          </p:blipFill>
+          <p:spPr>
+            <a:xfrm>
+              <a:off x="6017283" y="14741638"/>
+              <a:ext cx="7354800" cy="4054109"/>
+            </a:xfrm>
+            <a:prstGeom prst="rect">
+              <a:avLst/>
+            </a:prstGeom>
+          </p:spPr>
+        </p:pic>
+      </p:grpSp>
+      <p:pic>
+        <p:nvPicPr>
+          <p:cNvPr id="46" name="Grafik 45" descr="Ein Bild, das Text, Diagramm, Reihe, Schrift enthält.&#10;&#10;KI-generierte Inhalte können fehlerhaft sein.">
+            <a:extLst>
+              <a:ext uri="{FF2B5EF4-FFF2-40B4-BE49-F238E27FC236}">
+                <a16:creationId xmlns:a16="http://schemas.microsoft.com/office/drawing/2014/main" id="{406A842B-F523-0938-CEBF-BD76BCE557A7}"/>
+              </a:ext>
+            </a:extLst>
+          </p:cNvPr>
+          <p:cNvPicPr>
+            <a:picLocks noChangeAspect="1"/>
+          </p:cNvPicPr>
+          <p:nvPr/>
+        </p:nvPicPr>
+        <p:blipFill>
+          <a:blip r:embed="rId11">
+            <a:extLst>
+              <a:ext uri="{28A0092B-C50C-407E-A947-70E740481C1C}">
+                <a14:useLocalDpi xmlns:a14="http://schemas.microsoft.com/office/drawing/2010/main" val="0"/>
+              </a:ext>
+            </a:extLst>
+          </a:blip>
+          <a:stretch>
+            <a:fillRect/>
+          </a:stretch>
+        </p:blipFill>
+        <p:spPr>
+          <a:xfrm>
+            <a:off x="7587058" y="19446251"/>
+            <a:ext cx="6819900" cy="3807861"/>
+          </a:xfrm>
+          <a:prstGeom prst="rect">
+            <a:avLst/>
+          </a:prstGeom>
+        </p:spPr>
+      </p:pic>
+      <p:pic>
+        <p:nvPicPr>
+          <p:cNvPr id="56" name="Grafik 55" descr="Ein Bild, das Reihe, Diagramm, Text, Screenshot enthält.&#10;&#10;KI-generierte Inhalte können fehlerhaft sein.">
+            <a:extLst>
+              <a:ext uri="{FF2B5EF4-FFF2-40B4-BE49-F238E27FC236}">
+                <a16:creationId xmlns:a16="http://schemas.microsoft.com/office/drawing/2014/main" id="{DA4C6E8B-9F5A-60C3-98B7-11870A98BF0A}"/>
+              </a:ext>
+            </a:extLst>
+          </p:cNvPr>
+          <p:cNvPicPr>
+            <a:picLocks noChangeAspect="1"/>
+          </p:cNvPicPr>
+          <p:nvPr/>
+        </p:nvPicPr>
+        <p:blipFill>
+          <a:blip r:embed="rId12">
+            <a:extLst>
+              <a:ext uri="{28A0092B-C50C-407E-A947-70E740481C1C}">
+                <a14:useLocalDpi xmlns:a14="http://schemas.microsoft.com/office/drawing/2010/main" val="0"/>
+              </a:ext>
+            </a:extLst>
+          </a:blip>
+          <a:stretch>
+            <a:fillRect/>
+          </a:stretch>
+        </p:blipFill>
+        <p:spPr>
+          <a:xfrm>
+            <a:off x="1696895" y="19742197"/>
+            <a:ext cx="5891087" cy="4077210"/>
+          </a:xfrm>
+          <a:prstGeom prst="rect">
+            <a:avLst/>
+          </a:prstGeom>
+        </p:spPr>
+      </p:pic>
+      <p:pic>
+        <p:nvPicPr>
+          <p:cNvPr id="58" name="Grafik 57" descr="Ein Bild, das Text, Diagramm, Reihe, Screenshot enthält.&#10;&#10;KI-generierte Inhalte können fehlerhaft sein.">
+            <a:extLst>
+              <a:ext uri="{FF2B5EF4-FFF2-40B4-BE49-F238E27FC236}">
+                <a16:creationId xmlns:a16="http://schemas.microsoft.com/office/drawing/2014/main" id="{5D424CCF-CD28-2192-A09F-98AF6F6FCCE4}"/>
+              </a:ext>
+            </a:extLst>
+          </p:cNvPr>
+          <p:cNvPicPr>
+            <a:picLocks noChangeAspect="1"/>
+          </p:cNvPicPr>
+          <p:nvPr/>
+        </p:nvPicPr>
+        <p:blipFill>
+          <a:blip r:embed="rId13">
+            <a:extLst>
+              <a:ext uri="{28A0092B-C50C-407E-A947-70E740481C1C}">
+                <a14:useLocalDpi xmlns:a14="http://schemas.microsoft.com/office/drawing/2010/main" val="0"/>
+              </a:ext>
+            </a:extLst>
+          </a:blip>
+          <a:stretch>
+            <a:fillRect/>
+          </a:stretch>
+        </p:blipFill>
+        <p:spPr>
+          <a:xfrm>
+            <a:off x="1696896" y="21701260"/>
+            <a:ext cx="5891087" cy="4077210"/>
+          </a:xfrm>
+          <a:prstGeom prst="rect">
+            <a:avLst/>
+          </a:prstGeom>
+        </p:spPr>
+      </p:pic>
+      <p:grpSp>
+        <p:nvGrpSpPr>
+          <p:cNvPr id="62" name="Gruppieren 61">
+            <a:extLst>
+              <a:ext uri="{FF2B5EF4-FFF2-40B4-BE49-F238E27FC236}">
+                <a16:creationId xmlns:a16="http://schemas.microsoft.com/office/drawing/2014/main" id="{6029E240-7456-6626-40CC-2763E5A52C67}"/>
+              </a:ext>
+            </a:extLst>
+          </p:cNvPr>
+          <p:cNvGrpSpPr/>
+          <p:nvPr/>
+        </p:nvGrpSpPr>
+        <p:grpSpPr>
+          <a:xfrm>
+            <a:off x="7209271" y="23961010"/>
+            <a:ext cx="7695445" cy="3256193"/>
+            <a:chOff x="5781935" y="15382625"/>
+            <a:chExt cx="9102943" cy="4004262"/>
+          </a:xfrm>
+        </p:grpSpPr>
+        <p:pic>
+          <p:nvPicPr>
+            <p:cNvPr id="54" name="Grafik 53">
+              <a:extLst>
+                <a:ext uri="{FF2B5EF4-FFF2-40B4-BE49-F238E27FC236}">
+                  <a16:creationId xmlns:a16="http://schemas.microsoft.com/office/drawing/2014/main" id="{5E794027-8938-F300-97CB-56DE99E6CF26}"/>
+                </a:ext>
+              </a:extLst>
+            </p:cNvPr>
+            <p:cNvPicPr>
+              <a:picLocks noChangeAspect="1"/>
+            </p:cNvPicPr>
+            <p:nvPr/>
+          </p:nvPicPr>
+          <p:blipFill>
+            <a:blip r:embed="rId14"/>
+            <a:stretch>
+              <a:fillRect/>
+            </a:stretch>
+          </p:blipFill>
+          <p:spPr>
+            <a:xfrm>
+              <a:off x="7259397" y="15382625"/>
+              <a:ext cx="5643803" cy="4004262"/>
+            </a:xfrm>
+            <a:prstGeom prst="rect">
+              <a:avLst/>
+            </a:prstGeom>
+          </p:spPr>
+        </p:pic>
+        <p:sp>
+          <p:nvSpPr>
+            <p:cNvPr id="59" name="Textfeld 58">
+              <a:extLst>
+                <a:ext uri="{FF2B5EF4-FFF2-40B4-BE49-F238E27FC236}">
+                  <a16:creationId xmlns:a16="http://schemas.microsoft.com/office/drawing/2014/main" id="{15CD9F8C-B815-F069-3D0D-9C9F93EC66FB}"/>
+                </a:ext>
+              </a:extLst>
+            </p:cNvPr>
+            <p:cNvSpPr txBox="1"/>
+            <p:nvPr/>
+          </p:nvSpPr>
+          <p:spPr>
+            <a:xfrm>
+              <a:off x="5781935" y="15436311"/>
+              <a:ext cx="2810933" cy="830997"/>
+            </a:xfrm>
+            <a:prstGeom prst="rect">
+              <a:avLst/>
+            </a:prstGeom>
+            <a:noFill/>
+          </p:spPr>
+          <p:txBody>
+            <a:bodyPr wrap="square" rtlCol="0">
+              <a:spAutoFit/>
+            </a:bodyPr>
+            <a:lstStyle/>
+            <a:p>
+              <a:pPr algn="ctr"/>
+              <a:r>
+                <a:rPr lang="en-US" sz="2400" dirty="0"/>
+                <a:t>Identified </a:t>
+              </a:r>
+            </a:p>
+            <a:p>
+              <a:pPr algn="ctr"/>
+              <a:r>
+                <a:rPr lang="en-US" sz="2400" dirty="0"/>
+                <a:t>RBPs</a:t>
+              </a:r>
+            </a:p>
+          </p:txBody>
+        </p:sp>
+        <p:sp>
+          <p:nvSpPr>
+            <p:cNvPr id="61" name="Textfeld 60">
+              <a:extLst>
+                <a:ext uri="{FF2B5EF4-FFF2-40B4-BE49-F238E27FC236}">
+                  <a16:creationId xmlns:a16="http://schemas.microsoft.com/office/drawing/2014/main" id="{2BC8B010-5FA4-7F25-A74D-8E773E45932E}"/>
+                </a:ext>
+              </a:extLst>
+            </p:cNvPr>
+            <p:cNvSpPr txBox="1"/>
+            <p:nvPr/>
+          </p:nvSpPr>
+          <p:spPr>
+            <a:xfrm>
+              <a:off x="11603557" y="18236389"/>
+              <a:ext cx="3281321" cy="830997"/>
+            </a:xfrm>
+            <a:prstGeom prst="rect">
+              <a:avLst/>
+            </a:prstGeom>
+            <a:noFill/>
+          </p:spPr>
+          <p:txBody>
+            <a:bodyPr wrap="square" rtlCol="0">
+              <a:spAutoFit/>
+            </a:bodyPr>
+            <a:lstStyle/>
+            <a:p>
+              <a:pPr algn="ctr"/>
+              <a:r>
+                <a:rPr lang="en-US" sz="2400" dirty="0" err="1"/>
+                <a:t>Analysed</a:t>
+              </a:r>
+              <a:r>
+                <a:rPr lang="en-US" sz="2400" dirty="0"/>
+                <a:t> </a:t>
+              </a:r>
+            </a:p>
+            <a:p>
+              <a:pPr algn="ctr"/>
+              <a:r>
+                <a:rPr lang="en-US" sz="2400" dirty="0" err="1"/>
+                <a:t>UniProt</a:t>
+              </a:r>
+              <a:r>
+                <a:rPr lang="en-US" sz="2400" dirty="0"/>
+                <a:t> RBPs</a:t>
+              </a:r>
+            </a:p>
+          </p:txBody>
+        </p:sp>
+      </p:grpSp>
+      <p:sp>
+        <p:nvSpPr>
+          <p:cNvPr id="63" name="Textfeld 62">
+            <a:extLst>
+              <a:ext uri="{FF2B5EF4-FFF2-40B4-BE49-F238E27FC236}">
+                <a16:creationId xmlns:a16="http://schemas.microsoft.com/office/drawing/2014/main" id="{234F0CF6-681D-433D-010C-3AD719DCD3D7}"/>
+              </a:ext>
+            </a:extLst>
+          </p:cNvPr>
+          <p:cNvSpPr txBox="1"/>
+          <p:nvPr/>
+        </p:nvSpPr>
+        <p:spPr>
+          <a:xfrm>
+            <a:off x="854627" y="14447949"/>
+            <a:ext cx="10674216" cy="3693319"/>
+          </a:xfrm>
+          <a:prstGeom prst="rect">
+            <a:avLst/>
+          </a:prstGeom>
+          <a:noFill/>
+        </p:spPr>
+        <p:txBody>
+          <a:bodyPr wrap="square" rtlCol="0">
+            <a:spAutoFit/>
+          </a:bodyPr>
+          <a:lstStyle/>
+          <a:p>
+            <a:r>
+              <a:rPr lang="de-DE" b="1" dirty="0" err="1"/>
+              <a:t>Descriptive</a:t>
+            </a:r>
+            <a:r>
+              <a:rPr lang="de-DE" b="1" dirty="0"/>
+              <a:t> </a:t>
+            </a:r>
+            <a:r>
+              <a:rPr lang="de-DE" b="1" dirty="0" err="1"/>
+              <a:t>Analyses</a:t>
+            </a:r>
+            <a:endParaRPr lang="de-DE" dirty="0"/>
+          </a:p>
+          <a:p>
+            <a:r>
+              <a:rPr lang="de-DE" b="1" dirty="0"/>
+              <a:t>Peak Analysis</a:t>
+            </a:r>
+            <a:endParaRPr lang="de-DE" dirty="0"/>
+          </a:p>
+          <a:p>
+            <a:pPr lvl="1"/>
+            <a:r>
+              <a:rPr lang="de-DE" dirty="0" err="1"/>
+              <a:t>For</a:t>
+            </a:r>
+            <a:r>
+              <a:rPr lang="de-DE" dirty="0"/>
+              <a:t> </a:t>
+            </a:r>
+            <a:r>
+              <a:rPr lang="de-DE" dirty="0" err="1"/>
+              <a:t>each</a:t>
+            </a:r>
+            <a:r>
+              <a:rPr lang="de-DE" dirty="0"/>
+              <a:t> </a:t>
+            </a:r>
+            <a:r>
+              <a:rPr lang="de-DE" dirty="0" err="1"/>
+              <a:t>protein</a:t>
+            </a:r>
+            <a:r>
+              <a:rPr lang="de-DE" dirty="0"/>
+              <a:t> </a:t>
+            </a:r>
+            <a:r>
+              <a:rPr lang="de-DE" dirty="0" err="1"/>
+              <a:t>profile</a:t>
+            </a:r>
+            <a:r>
+              <a:rPr lang="de-DE" dirty="0"/>
+              <a:t>, </a:t>
+            </a:r>
+            <a:r>
+              <a:rPr lang="de-DE" dirty="0" err="1"/>
+              <a:t>up</a:t>
+            </a:r>
+            <a:r>
+              <a:rPr lang="de-DE" dirty="0"/>
+              <a:t> </a:t>
+            </a:r>
+            <a:r>
+              <a:rPr lang="de-DE" dirty="0" err="1"/>
+              <a:t>to</a:t>
+            </a:r>
+            <a:r>
+              <a:rPr lang="de-DE" dirty="0"/>
+              <a:t> 6 </a:t>
+            </a:r>
+            <a:r>
+              <a:rPr lang="de-DE" dirty="0" err="1"/>
+              <a:t>peaks</a:t>
+            </a:r>
+            <a:r>
+              <a:rPr lang="de-DE" dirty="0"/>
+              <a:t> </a:t>
+            </a:r>
+            <a:r>
+              <a:rPr lang="de-DE" dirty="0" err="1"/>
+              <a:t>were</a:t>
+            </a:r>
+            <a:r>
+              <a:rPr lang="de-DE" dirty="0"/>
+              <a:t> </a:t>
+            </a:r>
+            <a:r>
+              <a:rPr lang="de-DE" dirty="0" err="1"/>
+              <a:t>identified</a:t>
+            </a:r>
+            <a:r>
+              <a:rPr lang="de-DE" dirty="0"/>
+              <a:t> </a:t>
+            </a:r>
+            <a:r>
+              <a:rPr lang="de-DE" dirty="0" err="1"/>
+              <a:t>using</a:t>
+            </a:r>
+            <a:r>
+              <a:rPr lang="de-DE" dirty="0"/>
+              <a:t> a </a:t>
+            </a:r>
+            <a:r>
+              <a:rPr lang="de-DE" dirty="0" err="1"/>
+              <a:t>slope-based</a:t>
+            </a:r>
+            <a:r>
+              <a:rPr lang="de-DE" dirty="0"/>
+              <a:t> </a:t>
+            </a:r>
+            <a:r>
+              <a:rPr lang="de-DE" dirty="0" err="1"/>
+              <a:t>findPeaks</a:t>
+            </a:r>
+            <a:r>
+              <a:rPr lang="de-DE" dirty="0"/>
+              <a:t> </a:t>
+            </a:r>
+            <a:r>
+              <a:rPr lang="de-DE" dirty="0" err="1"/>
+              <a:t>function</a:t>
+            </a:r>
+            <a:r>
+              <a:rPr lang="de-DE" dirty="0"/>
+              <a:t>.</a:t>
+            </a:r>
+          </a:p>
+          <a:p>
+            <a:pPr lvl="1"/>
+            <a:r>
+              <a:rPr lang="de-DE" dirty="0"/>
+              <a:t>Peaks </a:t>
+            </a:r>
+            <a:r>
+              <a:rPr lang="de-DE" dirty="0" err="1"/>
+              <a:t>were</a:t>
+            </a:r>
+            <a:r>
+              <a:rPr lang="de-DE" dirty="0"/>
+              <a:t> </a:t>
+            </a:r>
+            <a:r>
+              <a:rPr lang="de-DE" dirty="0" err="1"/>
+              <a:t>accepted</a:t>
+            </a:r>
+            <a:r>
+              <a:rPr lang="de-DE" dirty="0"/>
+              <a:t> </a:t>
+            </a:r>
+            <a:r>
+              <a:rPr lang="de-DE" dirty="0" err="1"/>
+              <a:t>if</a:t>
+            </a:r>
+            <a:r>
+              <a:rPr lang="de-DE" dirty="0"/>
+              <a:t> </a:t>
+            </a:r>
+            <a:r>
+              <a:rPr lang="de-DE" dirty="0" err="1"/>
+              <a:t>their</a:t>
+            </a:r>
+            <a:r>
+              <a:rPr lang="de-DE" dirty="0"/>
+              <a:t> </a:t>
+            </a:r>
+            <a:r>
+              <a:rPr lang="de-DE" dirty="0" err="1"/>
+              <a:t>intensity</a:t>
+            </a:r>
+            <a:r>
+              <a:rPr lang="de-DE" dirty="0"/>
+              <a:t> </a:t>
+            </a:r>
+            <a:r>
+              <a:rPr lang="de-DE" dirty="0" err="1"/>
+              <a:t>exceeded</a:t>
+            </a:r>
+            <a:r>
+              <a:rPr lang="de-DE" dirty="0"/>
+              <a:t> 3% </a:t>
+            </a:r>
+            <a:r>
+              <a:rPr lang="de-DE" dirty="0" err="1"/>
+              <a:t>of</a:t>
+            </a:r>
+            <a:r>
+              <a:rPr lang="de-DE" dirty="0"/>
+              <a:t> total </a:t>
+            </a:r>
+            <a:r>
+              <a:rPr lang="de-DE" dirty="0" err="1"/>
+              <a:t>signal</a:t>
+            </a:r>
+            <a:r>
+              <a:rPr lang="de-DE" dirty="0"/>
+              <a:t>.</a:t>
+            </a:r>
+          </a:p>
+          <a:p>
+            <a:pPr lvl="1"/>
+            <a:r>
+              <a:rPr lang="de-DE" dirty="0"/>
+              <a:t>Applied </a:t>
+            </a:r>
+            <a:r>
+              <a:rPr lang="de-DE" dirty="0" err="1"/>
+              <a:t>to</a:t>
+            </a:r>
+            <a:r>
+              <a:rPr lang="de-DE" dirty="0"/>
+              <a:t> </a:t>
+            </a:r>
+            <a:r>
+              <a:rPr lang="de-DE" dirty="0" err="1"/>
+              <a:t>control</a:t>
+            </a:r>
+            <a:r>
+              <a:rPr lang="de-DE" dirty="0"/>
+              <a:t> and </a:t>
+            </a:r>
+            <a:r>
+              <a:rPr lang="de-DE" dirty="0" err="1"/>
+              <a:t>RNase-treated</a:t>
+            </a:r>
+            <a:r>
+              <a:rPr lang="de-DE" dirty="0"/>
+              <a:t> </a:t>
+            </a:r>
+            <a:r>
+              <a:rPr lang="de-DE" dirty="0" err="1"/>
+              <a:t>samples</a:t>
+            </a:r>
+            <a:r>
+              <a:rPr lang="de-DE" dirty="0"/>
+              <a:t> (</a:t>
+            </a:r>
+            <a:r>
+              <a:rPr lang="de-DE" dirty="0" err="1"/>
+              <a:t>triplicates</a:t>
+            </a:r>
+            <a:r>
+              <a:rPr lang="de-DE" dirty="0"/>
+              <a:t>).</a:t>
+            </a:r>
+          </a:p>
+          <a:p>
+            <a:r>
+              <a:rPr lang="de-DE" b="1" dirty="0"/>
+              <a:t>Shift </a:t>
+            </a:r>
+            <a:r>
+              <a:rPr lang="de-DE" b="1" dirty="0" err="1"/>
+              <a:t>Characterization</a:t>
+            </a:r>
+            <a:endParaRPr lang="de-DE" dirty="0"/>
+          </a:p>
+          <a:p>
+            <a:pPr lvl="1"/>
+            <a:r>
+              <a:rPr lang="de-DE" dirty="0"/>
+              <a:t>Center </a:t>
+            </a:r>
+            <a:r>
+              <a:rPr lang="de-DE" dirty="0" err="1"/>
+              <a:t>of</a:t>
+            </a:r>
+            <a:r>
+              <a:rPr lang="de-DE" dirty="0"/>
+              <a:t> </a:t>
+            </a:r>
+            <a:r>
+              <a:rPr lang="de-DE" dirty="0" err="1"/>
+              <a:t>mass</a:t>
+            </a:r>
+            <a:r>
+              <a:rPr lang="de-DE" dirty="0"/>
+              <a:t> (COM) was </a:t>
+            </a:r>
+            <a:r>
+              <a:rPr lang="de-DE" dirty="0" err="1"/>
+              <a:t>computed</a:t>
+            </a:r>
+            <a:r>
+              <a:rPr lang="de-DE" dirty="0"/>
+              <a:t> </a:t>
+            </a:r>
+            <a:r>
+              <a:rPr lang="de-DE" dirty="0" err="1"/>
+              <a:t>across</a:t>
+            </a:r>
+            <a:r>
+              <a:rPr lang="de-DE" dirty="0"/>
+              <a:t> 25 </a:t>
+            </a:r>
+            <a:r>
+              <a:rPr lang="de-DE" dirty="0" err="1"/>
+              <a:t>fractions</a:t>
+            </a:r>
+            <a:r>
+              <a:rPr lang="de-DE" dirty="0"/>
+              <a:t> </a:t>
+            </a:r>
+            <a:r>
+              <a:rPr lang="de-DE" dirty="0" err="1"/>
+              <a:t>for</a:t>
+            </a:r>
+            <a:r>
+              <a:rPr lang="de-DE" dirty="0"/>
+              <a:t> </a:t>
+            </a:r>
+            <a:r>
+              <a:rPr lang="de-DE" dirty="0" err="1"/>
+              <a:t>each</a:t>
+            </a:r>
+            <a:r>
+              <a:rPr lang="de-DE" dirty="0"/>
+              <a:t> </a:t>
+            </a:r>
+            <a:r>
+              <a:rPr lang="de-DE" dirty="0" err="1"/>
+              <a:t>protein</a:t>
+            </a:r>
+            <a:r>
+              <a:rPr lang="de-DE" dirty="0"/>
+              <a:t>.</a:t>
+            </a:r>
+          </a:p>
+          <a:p>
+            <a:pPr lvl="1"/>
+            <a:r>
+              <a:rPr lang="de-DE" dirty="0"/>
+              <a:t>Shift </a:t>
+            </a:r>
+            <a:r>
+              <a:rPr lang="de-DE" dirty="0" err="1"/>
+              <a:t>distance</a:t>
+            </a:r>
+            <a:r>
+              <a:rPr lang="de-DE" dirty="0"/>
+              <a:t> = COM&lt;</a:t>
+            </a:r>
+            <a:r>
+              <a:rPr lang="de-DE" dirty="0" err="1"/>
+              <a:t>sub</a:t>
+            </a:r>
+            <a:r>
+              <a:rPr lang="de-DE" dirty="0"/>
+              <a:t>&gt;</a:t>
+            </a:r>
+            <a:r>
+              <a:rPr lang="de-DE" dirty="0" err="1"/>
+              <a:t>Ctrl</a:t>
+            </a:r>
+            <a:r>
+              <a:rPr lang="de-DE" dirty="0"/>
+              <a:t>&lt;/</a:t>
+            </a:r>
+            <a:r>
+              <a:rPr lang="de-DE" dirty="0" err="1"/>
+              <a:t>sub</a:t>
+            </a:r>
+            <a:r>
+              <a:rPr lang="de-DE" dirty="0"/>
+              <a:t>&gt; − COM&lt;</a:t>
+            </a:r>
+            <a:r>
+              <a:rPr lang="de-DE" dirty="0" err="1"/>
+              <a:t>sub</a:t>
+            </a:r>
+            <a:r>
+              <a:rPr lang="de-DE" dirty="0"/>
+              <a:t>&gt;</a:t>
+            </a:r>
+            <a:r>
+              <a:rPr lang="de-DE" dirty="0" err="1"/>
+              <a:t>RNase</a:t>
+            </a:r>
+            <a:r>
+              <a:rPr lang="de-DE" dirty="0"/>
+              <a:t>&lt;/</a:t>
+            </a:r>
+            <a:r>
+              <a:rPr lang="de-DE" dirty="0" err="1"/>
+              <a:t>sub</a:t>
+            </a:r>
+            <a:r>
+              <a:rPr lang="de-DE" dirty="0"/>
+              <a:t>&gt;.</a:t>
+            </a:r>
+          </a:p>
+          <a:p>
+            <a:pPr lvl="1"/>
+            <a:r>
+              <a:rPr lang="de-DE" dirty="0"/>
+              <a:t>Positive = </a:t>
+            </a:r>
+            <a:r>
+              <a:rPr lang="de-DE" dirty="0" err="1"/>
+              <a:t>left</a:t>
+            </a:r>
+            <a:r>
+              <a:rPr lang="de-DE" dirty="0"/>
+              <a:t> shift; negative = </a:t>
+            </a:r>
+            <a:r>
+              <a:rPr lang="de-DE" dirty="0" err="1"/>
+              <a:t>right</a:t>
+            </a:r>
+            <a:r>
+              <a:rPr lang="de-DE" dirty="0"/>
+              <a:t> shift; </a:t>
+            </a:r>
+            <a:r>
+              <a:rPr lang="de-DE" dirty="0" err="1"/>
+              <a:t>near</a:t>
+            </a:r>
+            <a:r>
+              <a:rPr lang="de-DE" dirty="0"/>
+              <a:t> 0 = </a:t>
+            </a:r>
+            <a:r>
+              <a:rPr lang="de-DE" dirty="0" err="1"/>
+              <a:t>no</a:t>
+            </a:r>
+            <a:r>
+              <a:rPr lang="de-DE" dirty="0"/>
+              <a:t> shift.</a:t>
+            </a:r>
+          </a:p>
+          <a:p>
+            <a:r>
+              <a:rPr lang="de-DE" b="1" dirty="0"/>
+              <a:t>Statistical Analysis</a:t>
+            </a:r>
+            <a:endParaRPr lang="de-DE" dirty="0"/>
+          </a:p>
+          <a:p>
+            <a:r>
+              <a:rPr lang="de-DE" b="1" dirty="0" err="1"/>
+              <a:t>Left</a:t>
+            </a:r>
+            <a:r>
+              <a:rPr lang="de-DE" b="1" dirty="0"/>
+              <a:t>-Shift </a:t>
+            </a:r>
+            <a:r>
+              <a:rPr lang="de-DE" b="1" dirty="0" err="1"/>
+              <a:t>Significance</a:t>
+            </a:r>
+            <a:r>
+              <a:rPr lang="de-DE" b="1" dirty="0"/>
+              <a:t> Test</a:t>
+            </a:r>
+            <a:endParaRPr lang="de-DE" dirty="0"/>
+          </a:p>
+          <a:p>
+            <a:pPr lvl="1"/>
+            <a:r>
+              <a:rPr lang="de-DE" dirty="0" err="1"/>
+              <a:t>For</a:t>
+            </a:r>
+            <a:r>
+              <a:rPr lang="de-DE" dirty="0"/>
+              <a:t> </a:t>
+            </a:r>
+            <a:r>
+              <a:rPr lang="de-DE" dirty="0" err="1"/>
+              <a:t>each</a:t>
+            </a:r>
+            <a:r>
+              <a:rPr lang="de-DE" dirty="0"/>
+              <a:t> </a:t>
+            </a:r>
+            <a:r>
+              <a:rPr lang="de-DE" dirty="0" err="1"/>
+              <a:t>protein</a:t>
+            </a:r>
+            <a:r>
+              <a:rPr lang="de-DE" dirty="0"/>
+              <a:t>, shift </a:t>
+            </a:r>
+            <a:r>
+              <a:rPr lang="de-DE" dirty="0" err="1"/>
+              <a:t>distances</a:t>
+            </a:r>
+            <a:r>
+              <a:rPr lang="de-DE" dirty="0"/>
+              <a:t> </a:t>
+            </a:r>
+            <a:r>
+              <a:rPr lang="de-DE" dirty="0" err="1"/>
+              <a:t>from</a:t>
+            </a:r>
+            <a:r>
+              <a:rPr lang="de-DE" dirty="0"/>
+              <a:t> </a:t>
+            </a:r>
+            <a:r>
+              <a:rPr lang="de-DE" dirty="0" err="1"/>
+              <a:t>triplicates</a:t>
+            </a:r>
+            <a:r>
+              <a:rPr lang="de-DE" dirty="0"/>
+              <a:t> </a:t>
+            </a:r>
+            <a:r>
+              <a:rPr lang="de-DE" dirty="0" err="1"/>
+              <a:t>were</a:t>
+            </a:r>
+            <a:r>
+              <a:rPr lang="de-DE" dirty="0"/>
+              <a:t> </a:t>
+            </a:r>
+            <a:r>
+              <a:rPr lang="de-DE" dirty="0" err="1"/>
+              <a:t>tested</a:t>
+            </a:r>
+            <a:r>
+              <a:rPr lang="de-DE" dirty="0"/>
+              <a:t> </a:t>
+            </a:r>
+            <a:r>
+              <a:rPr lang="de-DE" dirty="0" err="1"/>
+              <a:t>using</a:t>
+            </a:r>
+            <a:r>
+              <a:rPr lang="de-DE" dirty="0"/>
+              <a:t> </a:t>
+            </a:r>
+            <a:r>
+              <a:rPr lang="de-DE" dirty="0" err="1"/>
+              <a:t>one-sided</a:t>
+            </a:r>
+            <a:r>
+              <a:rPr lang="de-DE" dirty="0"/>
+              <a:t> t-tests.</a:t>
+            </a:r>
+          </a:p>
+          <a:p>
+            <a:pPr lvl="1"/>
+            <a:r>
+              <a:rPr lang="de-DE" dirty="0"/>
+              <a:t>Proteins </a:t>
+            </a:r>
+            <a:r>
+              <a:rPr lang="de-DE" dirty="0" err="1"/>
+              <a:t>with</a:t>
+            </a:r>
+            <a:r>
+              <a:rPr lang="de-DE" dirty="0"/>
+              <a:t> a </a:t>
+            </a:r>
+            <a:r>
+              <a:rPr lang="de-DE" b="1" dirty="0" err="1"/>
+              <a:t>significant</a:t>
+            </a:r>
+            <a:r>
+              <a:rPr lang="de-DE" b="1" dirty="0"/>
+              <a:t> </a:t>
+            </a:r>
+            <a:r>
+              <a:rPr lang="de-DE" b="1" dirty="0" err="1"/>
+              <a:t>left</a:t>
+            </a:r>
+            <a:r>
+              <a:rPr lang="de-DE" b="1" dirty="0"/>
+              <a:t> shift &gt;1 </a:t>
+            </a:r>
+            <a:r>
+              <a:rPr lang="de-DE" b="1" dirty="0" err="1"/>
+              <a:t>fraction</a:t>
+            </a:r>
+            <a:r>
+              <a:rPr lang="de-DE" dirty="0"/>
+              <a:t> </a:t>
+            </a:r>
+            <a:r>
+              <a:rPr lang="de-DE" dirty="0" err="1"/>
+              <a:t>were</a:t>
+            </a:r>
+            <a:r>
+              <a:rPr lang="de-DE" dirty="0"/>
+              <a:t> </a:t>
+            </a:r>
+            <a:r>
+              <a:rPr lang="de-DE" dirty="0" err="1"/>
+              <a:t>classified</a:t>
+            </a:r>
+            <a:r>
+              <a:rPr lang="de-DE" dirty="0"/>
+              <a:t> </a:t>
+            </a:r>
+            <a:r>
+              <a:rPr lang="de-DE" dirty="0" err="1"/>
+              <a:t>as</a:t>
+            </a:r>
+            <a:r>
+              <a:rPr lang="de-DE" dirty="0"/>
+              <a:t> </a:t>
+            </a:r>
+            <a:r>
+              <a:rPr lang="de-DE" b="1" dirty="0"/>
+              <a:t>RNA-</a:t>
+            </a:r>
+            <a:r>
+              <a:rPr lang="de-DE" b="1" dirty="0" err="1"/>
+              <a:t>dependent</a:t>
+            </a:r>
+            <a:r>
+              <a:rPr lang="de-DE"/>
+              <a:t>.</a:t>
+            </a:r>
+          </a:p>
+        </p:txBody>
+      </p:sp>
     </p:spTree>
     <p:extLst>
       <p:ext uri="{BB962C8B-B14F-4D97-AF65-F5344CB8AC3E}">
@@ -6065,6 +7170,12 @@
 </file>
 
 <file path=ppt/tags/tag1.xml><?xml version="1.0" encoding="utf-8"?>
+<p:tagLst xmlns:a="http://schemas.openxmlformats.org/drawingml/2006/main" xmlns:r="http://schemas.openxmlformats.org/officeDocument/2006/relationships" xmlns:p="http://schemas.openxmlformats.org/presentationml/2006/main">
+  <p:tag name="THINKCELLSHAPEDONOTDELETE" val="thinkcellActiveDocDoNotDelete"/>
+</p:tagLst>
+</file>
+
+<file path=ppt/tags/tag2.xml><?xml version="1.0" encoding="utf-8"?>
 <p:tagLst xmlns:a="http://schemas.openxmlformats.org/drawingml/2006/main" xmlns:r="http://schemas.openxmlformats.org/officeDocument/2006/relationships" xmlns:p="http://schemas.openxmlformats.org/presentationml/2006/main">
   <p:tag name="THINKCELLSHAPEDONOTDELETE" val="thinkcellActiveDocDoNotDelete"/>
 </p:tagLst>

--- a/RiboZwo.pptx
+++ b/RiboZwo.pptx
@@ -279,6 +279,1025 @@
     </pc:docChg>
   </pc:docChgLst>
 </pc:chgInfo>
+</file>
+
+<file path=ppt/charts/chart1.xml><?xml version="1.0" encoding="utf-8"?>
+<c:chartSpace xmlns:c="http://schemas.openxmlformats.org/drawingml/2006/chart" xmlns:a="http://schemas.openxmlformats.org/drawingml/2006/main" xmlns:r="http://schemas.openxmlformats.org/officeDocument/2006/relationships" xmlns:c16r2="http://schemas.microsoft.com/office/drawing/2015/06/chart">
+  <c:date1904 val="0"/>
+  <c:lang val="de-DE"/>
+  <c:roundedCorners val="0"/>
+  <mc:AlternateContent xmlns:mc="http://schemas.openxmlformats.org/markup-compatibility/2006">
+    <mc:Choice xmlns:c14="http://schemas.microsoft.com/office/drawing/2007/8/2/chart" Requires="c14">
+      <c14:style val="102"/>
+    </mc:Choice>
+    <mc:Fallback>
+      <c:style val="2"/>
+    </mc:Fallback>
+  </mc:AlternateContent>
+  <c:chart>
+    <c:title>
+      <c:tx>
+        <c:rich>
+          <a:bodyPr rot="0" spcFirstLastPara="1" vertOverflow="ellipsis" vert="horz" wrap="square" anchor="ctr" anchorCtr="1"/>
+          <a:lstStyle/>
+          <a:p>
+            <a:pPr>
+              <a:defRPr sz="1200" b="0" i="0" u="none" strike="noStrike" kern="1200" spc="0" baseline="0">
+                <a:solidFill>
+                  <a:schemeClr val="tx1">
+                    <a:lumMod val="65000"/>
+                    <a:lumOff val="35000"/>
+                  </a:schemeClr>
+                </a:solidFill>
+                <a:latin typeface="Source Sans Pro" panose="020B0503030403020204" pitchFamily="34" charset="0"/>
+                <a:ea typeface="Source Sans Pro" panose="020B0503030403020204" pitchFamily="34" charset="0"/>
+                <a:cs typeface="+mn-cs"/>
+              </a:defRPr>
+            </a:pPr>
+            <a:r>
+              <a:rPr lang="de-DE" sz="1200" b="0" i="0" u="none" strike="noStrike" baseline="0" dirty="0" err="1">
+                <a:solidFill>
+                  <a:schemeClr val="tx1"/>
+                </a:solidFill>
+                <a:effectLst/>
+                <a:latin typeface="Source Sans Pro" panose="020B0503030403020204" pitchFamily="34" charset="0"/>
+                <a:ea typeface="Source Sans Pro" panose="020B0503030403020204" pitchFamily="34" charset="0"/>
+              </a:rPr>
+              <a:t>Results</a:t>
+            </a:r>
+            <a:r>
+              <a:rPr lang="de-DE" sz="1200" b="0" i="0" u="none" strike="noStrike" baseline="0" dirty="0">
+                <a:solidFill>
+                  <a:schemeClr val="tx1"/>
+                </a:solidFill>
+                <a:effectLst/>
+                <a:latin typeface="Source Sans Pro" panose="020B0503030403020204" pitchFamily="34" charset="0"/>
+                <a:ea typeface="Source Sans Pro" panose="020B0503030403020204" pitchFamily="34" charset="0"/>
+              </a:rPr>
+              <a:t> and </a:t>
+            </a:r>
+            <a:r>
+              <a:rPr lang="de-DE" sz="1200" b="0" i="0" u="none" strike="noStrike" baseline="0" dirty="0" err="1">
+                <a:solidFill>
+                  <a:schemeClr val="tx1"/>
+                </a:solidFill>
+                <a:effectLst/>
+                <a:latin typeface="Source Sans Pro" panose="020B0503030403020204" pitchFamily="34" charset="0"/>
+                <a:ea typeface="Source Sans Pro" panose="020B0503030403020204" pitchFamily="34" charset="0"/>
+              </a:rPr>
+              <a:t>Limitations</a:t>
+            </a:r>
+            <a:r>
+              <a:rPr lang="de-DE" sz="1200" b="0" i="0" u="none" strike="noStrike" baseline="0" dirty="0">
+                <a:solidFill>
+                  <a:schemeClr val="tx1"/>
+                </a:solidFill>
+                <a:effectLst/>
+                <a:latin typeface="Source Sans Pro" panose="020B0503030403020204" pitchFamily="34" charset="0"/>
+                <a:ea typeface="Source Sans Pro" panose="020B0503030403020204" pitchFamily="34" charset="0"/>
+              </a:rPr>
+              <a:t> </a:t>
+            </a:r>
+            <a:r>
+              <a:rPr lang="de-DE" sz="1200" b="0" i="0" u="none" strike="noStrike" baseline="0" dirty="0" err="1">
+                <a:solidFill>
+                  <a:schemeClr val="tx1"/>
+                </a:solidFill>
+                <a:effectLst/>
+                <a:latin typeface="Source Sans Pro" panose="020B0503030403020204" pitchFamily="34" charset="0"/>
+                <a:ea typeface="Source Sans Pro" panose="020B0503030403020204" pitchFamily="34" charset="0"/>
+              </a:rPr>
+              <a:t>of</a:t>
+            </a:r>
+            <a:r>
+              <a:rPr lang="de-DE" sz="1200" b="0" i="0" u="none" strike="noStrike" baseline="0" dirty="0">
+                <a:solidFill>
+                  <a:schemeClr val="tx1"/>
+                </a:solidFill>
+                <a:effectLst/>
+                <a:latin typeface="Source Sans Pro" panose="020B0503030403020204" pitchFamily="34" charset="0"/>
+                <a:ea typeface="Source Sans Pro" panose="020B0503030403020204" pitchFamily="34" charset="0"/>
+              </a:rPr>
+              <a:t> Shift </a:t>
+            </a:r>
+            <a:r>
+              <a:rPr lang="de-DE" sz="1200" b="0" i="0" u="none" strike="noStrike" baseline="0" dirty="0" err="1">
+                <a:solidFill>
+                  <a:schemeClr val="tx1"/>
+                </a:solidFill>
+                <a:effectLst/>
+                <a:latin typeface="Source Sans Pro" panose="020B0503030403020204" pitchFamily="34" charset="0"/>
+                <a:ea typeface="Source Sans Pro" panose="020B0503030403020204" pitchFamily="34" charset="0"/>
+              </a:rPr>
+              <a:t>Significance</a:t>
+            </a:r>
+            <a:r>
+              <a:rPr lang="de-DE" sz="1200" b="0" i="0" u="none" strike="noStrike" baseline="0" dirty="0">
+                <a:solidFill>
+                  <a:schemeClr val="tx1"/>
+                </a:solidFill>
+                <a:effectLst/>
+                <a:latin typeface="Source Sans Pro" panose="020B0503030403020204" pitchFamily="34" charset="0"/>
+                <a:ea typeface="Source Sans Pro" panose="020B0503030403020204" pitchFamily="34" charset="0"/>
+              </a:rPr>
+              <a:t> </a:t>
+            </a:r>
+            <a:r>
+              <a:rPr lang="de-DE" sz="1200" b="0" i="0" u="none" strike="noStrike" baseline="0" dirty="0" err="1">
+                <a:solidFill>
+                  <a:schemeClr val="tx1"/>
+                </a:solidFill>
+                <a:effectLst/>
+                <a:latin typeface="Source Sans Pro" panose="020B0503030403020204" pitchFamily="34" charset="0"/>
+                <a:ea typeface="Source Sans Pro" panose="020B0503030403020204" pitchFamily="34" charset="0"/>
+              </a:rPr>
+              <a:t>Testing</a:t>
+            </a:r>
+            <a:endParaRPr lang="en-US" sz="1200" dirty="0">
+              <a:solidFill>
+                <a:schemeClr val="tx1"/>
+              </a:solidFill>
+              <a:latin typeface="Source Sans Pro" panose="020B0503030403020204" pitchFamily="34" charset="0"/>
+              <a:ea typeface="Source Sans Pro" panose="020B0503030403020204" pitchFamily="34" charset="0"/>
+            </a:endParaRPr>
+          </a:p>
+        </c:rich>
+      </c:tx>
+      <c:layout>
+        <c:manualLayout>
+          <c:xMode val="edge"/>
+          <c:yMode val="edge"/>
+          <c:x val="2.5979546149142486E-2"/>
+          <c:y val="3.0170725922711469E-2"/>
+        </c:manualLayout>
+      </c:layout>
+      <c:overlay val="0"/>
+      <c:spPr>
+        <a:noFill/>
+        <a:ln>
+          <a:noFill/>
+        </a:ln>
+        <a:effectLst/>
+      </c:spPr>
+      <c:txPr>
+        <a:bodyPr rot="0" spcFirstLastPara="1" vertOverflow="ellipsis" vert="horz" wrap="square" anchor="ctr" anchorCtr="1"/>
+        <a:lstStyle/>
+        <a:p>
+          <a:pPr>
+            <a:defRPr sz="1200" b="0" i="0" u="none" strike="noStrike" kern="1200" spc="0" baseline="0">
+              <a:solidFill>
+                <a:schemeClr val="tx1">
+                  <a:lumMod val="65000"/>
+                  <a:lumOff val="35000"/>
+                </a:schemeClr>
+              </a:solidFill>
+              <a:latin typeface="Source Sans Pro" panose="020B0503030403020204" pitchFamily="34" charset="0"/>
+              <a:ea typeface="Source Sans Pro" panose="020B0503030403020204" pitchFamily="34" charset="0"/>
+              <a:cs typeface="+mn-cs"/>
+            </a:defRPr>
+          </a:pPr>
+          <a:endParaRPr lang="en-US"/>
+        </a:p>
+      </c:txPr>
+    </c:title>
+    <c:autoTitleDeleted val="0"/>
+    <c:plotArea>
+      <c:layout/>
+      <c:pieChart>
+        <c:varyColors val="1"/>
+        <c:ser>
+          <c:idx val="0"/>
+          <c:order val="0"/>
+          <c:tx>
+            <c:strRef>
+              <c:f>Tabelle1!$B$1</c:f>
+              <c:strCache>
+                <c:ptCount val="1"/>
+                <c:pt idx="0">
+                  <c:v>Verkauf</c:v>
+                </c:pt>
+              </c:strCache>
+            </c:strRef>
+          </c:tx>
+          <c:dPt>
+            <c:idx val="0"/>
+            <c:bubble3D val="0"/>
+            <c:spPr>
+              <a:solidFill>
+                <a:srgbClr val="FF5041"/>
+              </a:solidFill>
+              <a:ln w="19050">
+                <a:solidFill>
+                  <a:schemeClr val="lt1"/>
+                </a:solidFill>
+              </a:ln>
+              <a:effectLst/>
+            </c:spPr>
+            <c:extLst>
+              <c:ext xmlns:c16="http://schemas.microsoft.com/office/drawing/2014/chart" uri="{C3380CC4-5D6E-409C-BE32-E72D297353CC}">
+                <c16:uniqueId val="{00000001-79C9-6C4D-AD61-958EFD168548}"/>
+              </c:ext>
+            </c:extLst>
+          </c:dPt>
+          <c:dPt>
+            <c:idx val="1"/>
+            <c:bubble3D val="0"/>
+            <c:spPr>
+              <a:solidFill>
+                <a:srgbClr val="FFC000"/>
+              </a:solidFill>
+              <a:ln w="19050">
+                <a:solidFill>
+                  <a:schemeClr val="lt1"/>
+                </a:solidFill>
+              </a:ln>
+              <a:effectLst/>
+            </c:spPr>
+            <c:extLst>
+              <c:ext xmlns:c16="http://schemas.microsoft.com/office/drawing/2014/chart" uri="{C3380CC4-5D6E-409C-BE32-E72D297353CC}">
+                <c16:uniqueId val="{00000003-79C9-6C4D-AD61-958EFD168548}"/>
+              </c:ext>
+            </c:extLst>
+          </c:dPt>
+          <c:dPt>
+            <c:idx val="2"/>
+            <c:bubble3D val="0"/>
+            <c:spPr>
+              <a:solidFill>
+                <a:srgbClr val="F08080"/>
+              </a:solidFill>
+              <a:ln w="19050">
+                <a:solidFill>
+                  <a:schemeClr val="lt1"/>
+                </a:solidFill>
+              </a:ln>
+              <a:effectLst/>
+            </c:spPr>
+            <c:extLst>
+              <c:ext xmlns:c16="http://schemas.microsoft.com/office/drawing/2014/chart" uri="{C3380CC4-5D6E-409C-BE32-E72D297353CC}">
+                <c16:uniqueId val="{00000005-79C9-6C4D-AD61-958EFD168548}"/>
+              </c:ext>
+            </c:extLst>
+          </c:dPt>
+          <c:dPt>
+            <c:idx val="3"/>
+            <c:bubble3D val="0"/>
+            <c:spPr>
+              <a:solidFill>
+                <a:schemeClr val="bg1">
+                  <a:lumMod val="75000"/>
+                </a:schemeClr>
+              </a:solidFill>
+              <a:ln w="19050">
+                <a:solidFill>
+                  <a:schemeClr val="lt1"/>
+                </a:solidFill>
+              </a:ln>
+              <a:effectLst/>
+            </c:spPr>
+            <c:extLst>
+              <c:ext xmlns:c16="http://schemas.microsoft.com/office/drawing/2014/chart" uri="{C3380CC4-5D6E-409C-BE32-E72D297353CC}">
+                <c16:uniqueId val="{00000007-79C9-6C4D-AD61-958EFD168548}"/>
+              </c:ext>
+            </c:extLst>
+          </c:dPt>
+          <c:dLbls>
+            <c:spPr>
+              <a:noFill/>
+              <a:ln>
+                <a:noFill/>
+              </a:ln>
+              <a:effectLst/>
+            </c:spPr>
+            <c:txPr>
+              <a:bodyPr rot="0" spcFirstLastPara="1" vertOverflow="ellipsis" vert="horz" wrap="square" lIns="38100" tIns="19050" rIns="38100" bIns="19050" anchor="ctr" anchorCtr="1">
+                <a:spAutoFit/>
+              </a:bodyPr>
+              <a:lstStyle/>
+              <a:p>
+                <a:pPr>
+                  <a:defRPr sz="1200" b="0" i="0" u="none" strike="noStrike" kern="1200" baseline="0">
+                    <a:solidFill>
+                      <a:schemeClr val="tx1"/>
+                    </a:solidFill>
+                    <a:latin typeface="Source Sans Pro" panose="020B0503030403020204" pitchFamily="34" charset="0"/>
+                    <a:ea typeface="Source Sans Pro" panose="020B0503030403020204" pitchFamily="34" charset="0"/>
+                    <a:cs typeface="+mn-cs"/>
+                  </a:defRPr>
+                </a:pPr>
+                <a:endParaRPr lang="de-DE"/>
+              </a:p>
+            </c:txPr>
+            <c:dLblPos val="inEnd"/>
+            <c:showLegendKey val="0"/>
+            <c:showVal val="1"/>
+            <c:showCatName val="0"/>
+            <c:showSerName val="0"/>
+            <c:showPercent val="0"/>
+            <c:showBubbleSize val="0"/>
+            <c:showLeaderLines val="0"/>
+            <c:extLst>
+              <c:ext xmlns:c15="http://schemas.microsoft.com/office/drawing/2012/chart" uri="{CE6537A1-D6FC-4f65-9D91-7224C49458BB}"/>
+            </c:extLst>
+          </c:dLbls>
+          <c:cat>
+            <c:strRef>
+              <c:f>Tabelle1!$A$2:$A$5</c:f>
+              <c:strCache>
+                <c:ptCount val="4"/>
+                <c:pt idx="0">
+                  <c:v>Faild Shapiro</c:v>
+                </c:pt>
+                <c:pt idx="1">
+                  <c:v>Faild Normality</c:v>
+                </c:pt>
+                <c:pt idx="2">
+                  <c:v>Identified as RBP</c:v>
+                </c:pt>
+                <c:pt idx="3">
+                  <c:v>No Significant Shift</c:v>
+                </c:pt>
+              </c:strCache>
+            </c:strRef>
+          </c:cat>
+          <c:val>
+            <c:numRef>
+              <c:f>Tabelle1!$B$2:$B$5</c:f>
+              <c:numCache>
+                <c:formatCode>General</c:formatCode>
+                <c:ptCount val="4"/>
+                <c:pt idx="0">
+                  <c:v>1213</c:v>
+                </c:pt>
+                <c:pt idx="1">
+                  <c:v>311</c:v>
+                </c:pt>
+                <c:pt idx="2">
+                  <c:v>794</c:v>
+                </c:pt>
+                <c:pt idx="3">
+                  <c:v>4841</c:v>
+                </c:pt>
+              </c:numCache>
+            </c:numRef>
+          </c:val>
+          <c:extLst>
+            <c:ext xmlns:c16="http://schemas.microsoft.com/office/drawing/2014/chart" uri="{C3380CC4-5D6E-409C-BE32-E72D297353CC}">
+              <c16:uniqueId val="{00000008-79C9-6C4D-AD61-958EFD168548}"/>
+            </c:ext>
+          </c:extLst>
+        </c:ser>
+        <c:dLbls>
+          <c:dLblPos val="inEnd"/>
+          <c:showLegendKey val="0"/>
+          <c:showVal val="1"/>
+          <c:showCatName val="0"/>
+          <c:showSerName val="0"/>
+          <c:showPercent val="0"/>
+          <c:showBubbleSize val="0"/>
+          <c:showLeaderLines val="0"/>
+        </c:dLbls>
+        <c:firstSliceAng val="0"/>
+      </c:pieChart>
+      <c:spPr>
+        <a:noFill/>
+        <a:ln>
+          <a:noFill/>
+        </a:ln>
+        <a:effectLst/>
+      </c:spPr>
+    </c:plotArea>
+    <c:legend>
+      <c:legendPos val="r"/>
+      <c:layout>
+        <c:manualLayout>
+          <c:xMode val="edge"/>
+          <c:yMode val="edge"/>
+          <c:x val="0.56859011838432549"/>
+          <c:y val="0.21809119082113076"/>
+          <c:w val="0.40919321383632251"/>
+          <c:h val="0.62602672524486003"/>
+        </c:manualLayout>
+      </c:layout>
+      <c:overlay val="0"/>
+      <c:spPr>
+        <a:noFill/>
+        <a:ln>
+          <a:noFill/>
+        </a:ln>
+        <a:effectLst/>
+      </c:spPr>
+      <c:txPr>
+        <a:bodyPr rot="0" spcFirstLastPara="1" vertOverflow="ellipsis" vert="horz" wrap="square" anchor="ctr" anchorCtr="1"/>
+        <a:lstStyle/>
+        <a:p>
+          <a:pPr>
+            <a:defRPr sz="1197" b="0" i="0" u="none" strike="noStrike" kern="1200" baseline="0">
+              <a:solidFill>
+                <a:schemeClr val="tx1"/>
+              </a:solidFill>
+              <a:latin typeface="Source Sans Pro" panose="020B0503030403020204" pitchFamily="34" charset="0"/>
+              <a:ea typeface="Source Sans Pro" panose="020B0503030403020204" pitchFamily="34" charset="0"/>
+              <a:cs typeface="+mn-cs"/>
+            </a:defRPr>
+          </a:pPr>
+          <a:endParaRPr lang="de-DE"/>
+        </a:p>
+      </c:txPr>
+    </c:legend>
+    <c:plotVisOnly val="1"/>
+    <c:dispBlanksAs val="gap"/>
+    <c:extLst>
+      <c:ext xmlns:c16r3="http://schemas.microsoft.com/office/drawing/2017/03/chart" uri="{56B9EC1D-385E-4148-901F-78D8002777C0}">
+        <c16r3:dataDisplayOptions16>
+          <c16r3:dispNaAsBlank val="1"/>
+        </c16r3:dataDisplayOptions16>
+      </c:ext>
+    </c:extLst>
+    <c:showDLblsOverMax val="0"/>
+  </c:chart>
+  <c:spPr>
+    <a:solidFill>
+      <a:schemeClr val="bg1"/>
+    </a:solidFill>
+    <a:ln>
+      <a:noFill/>
+    </a:ln>
+    <a:effectLst/>
+  </c:spPr>
+  <c:txPr>
+    <a:bodyPr/>
+    <a:lstStyle/>
+    <a:p>
+      <a:pPr>
+        <a:defRPr/>
+      </a:pPr>
+      <a:endParaRPr lang="de-DE"/>
+    </a:p>
+  </c:txPr>
+  <c:externalData r:id="rId3">
+    <c:autoUpdate val="0"/>
+  </c:externalData>
+</c:chartSpace>
+</file>
+
+<file path=ppt/charts/colors1.xml><?xml version="1.0" encoding="utf-8"?>
+<cs:colorStyle xmlns:cs="http://schemas.microsoft.com/office/drawing/2012/chartStyle" xmlns:a="http://schemas.openxmlformats.org/drawingml/2006/main" meth="cycle" id="10">
+  <a:schemeClr val="accent1"/>
+  <a:schemeClr val="accent2"/>
+  <a:schemeClr val="accent3"/>
+  <a:schemeClr val="accent4"/>
+  <a:schemeClr val="accent5"/>
+  <a:schemeClr val="accent6"/>
+  <cs:variation/>
+  <cs:variation>
+    <a:lumMod val="60000"/>
+  </cs:variation>
+  <cs:variation>
+    <a:lumMod val="80000"/>
+    <a:lumOff val="20000"/>
+  </cs:variation>
+  <cs:variation>
+    <a:lumMod val="80000"/>
+  </cs:variation>
+  <cs:variation>
+    <a:lumMod val="60000"/>
+    <a:lumOff val="40000"/>
+  </cs:variation>
+  <cs:variation>
+    <a:lumMod val="50000"/>
+  </cs:variation>
+  <cs:variation>
+    <a:lumMod val="70000"/>
+    <a:lumOff val="30000"/>
+  </cs:variation>
+  <cs:variation>
+    <a:lumMod val="70000"/>
+  </cs:variation>
+  <cs:variation>
+    <a:lumMod val="50000"/>
+    <a:lumOff val="50000"/>
+  </cs:variation>
+</cs:colorStyle>
+</file>
+
+<file path=ppt/charts/style1.xml><?xml version="1.0" encoding="utf-8"?>
+<cs:chartStyle xmlns:cs="http://schemas.microsoft.com/office/drawing/2012/chartStyle" xmlns:a="http://schemas.openxmlformats.org/drawingml/2006/main" id="251">
+  <cs:axisTitle>
+    <cs:lnRef idx="0"/>
+    <cs:fillRef idx="0"/>
+    <cs:effectRef idx="0"/>
+    <cs:fontRef idx="minor">
+      <a:schemeClr val="tx1">
+        <a:lumMod val="65000"/>
+        <a:lumOff val="35000"/>
+      </a:schemeClr>
+    </cs:fontRef>
+    <cs:defRPr sz="1330" kern="1200"/>
+  </cs:axisTitle>
+  <cs:categoryAxis>
+    <cs:lnRef idx="0"/>
+    <cs:fillRef idx="0"/>
+    <cs:effectRef idx="0"/>
+    <cs:fontRef idx="minor">
+      <a:schemeClr val="tx1">
+        <a:lumMod val="65000"/>
+        <a:lumOff val="35000"/>
+      </a:schemeClr>
+    </cs:fontRef>
+    <cs:spPr>
+      <a:ln w="9525" cap="flat" cmpd="sng" algn="ctr">
+        <a:solidFill>
+          <a:schemeClr val="tx1">
+            <a:lumMod val="15000"/>
+            <a:lumOff val="85000"/>
+          </a:schemeClr>
+        </a:solidFill>
+        <a:round/>
+      </a:ln>
+    </cs:spPr>
+    <cs:defRPr sz="1197" kern="1200"/>
+  </cs:categoryAxis>
+  <cs:chartArea mods="allowNoFillOverride allowNoLineOverride">
+    <cs:lnRef idx="0"/>
+    <cs:fillRef idx="0"/>
+    <cs:effectRef idx="0"/>
+    <cs:fontRef idx="minor">
+      <a:schemeClr val="tx1"/>
+    </cs:fontRef>
+    <cs:spPr>
+      <a:solidFill>
+        <a:schemeClr val="bg1"/>
+      </a:solidFill>
+      <a:ln w="9525" cap="flat" cmpd="sng" algn="ctr">
+        <a:solidFill>
+          <a:schemeClr val="tx1">
+            <a:lumMod val="15000"/>
+            <a:lumOff val="85000"/>
+          </a:schemeClr>
+        </a:solidFill>
+        <a:round/>
+      </a:ln>
+    </cs:spPr>
+    <cs:defRPr sz="1197" kern="1200"/>
+  </cs:chartArea>
+  <cs:dataLabel>
+    <cs:lnRef idx="0"/>
+    <cs:fillRef idx="0"/>
+    <cs:effectRef idx="0"/>
+    <cs:fontRef idx="minor">
+      <a:schemeClr val="tx1">
+        <a:lumMod val="75000"/>
+        <a:lumOff val="25000"/>
+      </a:schemeClr>
+    </cs:fontRef>
+    <cs:defRPr sz="1197" kern="1200"/>
+  </cs:dataLabel>
+  <cs:dataLabelCallout>
+    <cs:lnRef idx="0"/>
+    <cs:fillRef idx="0"/>
+    <cs:effectRef idx="0"/>
+    <cs:fontRef idx="minor">
+      <a:schemeClr val="dk1">
+        <a:lumMod val="65000"/>
+        <a:lumOff val="35000"/>
+      </a:schemeClr>
+    </cs:fontRef>
+    <cs:spPr>
+      <a:solidFill>
+        <a:schemeClr val="lt1"/>
+      </a:solidFill>
+      <a:ln>
+        <a:solidFill>
+          <a:schemeClr val="dk1">
+            <a:lumMod val="25000"/>
+            <a:lumOff val="75000"/>
+          </a:schemeClr>
+        </a:solidFill>
+      </a:ln>
+    </cs:spPr>
+    <cs:defRPr sz="1197" kern="1200"/>
+    <cs:bodyPr rot="0" spcFirstLastPara="1" vertOverflow="clip" horzOverflow="clip" vert="horz" wrap="square" lIns="36576" tIns="18288" rIns="36576" bIns="18288" anchor="ctr" anchorCtr="1">
+      <a:spAutoFit/>
+    </cs:bodyPr>
+  </cs:dataLabelCallout>
+  <cs:dataPoint>
+    <cs:lnRef idx="0"/>
+    <cs:fillRef idx="1">
+      <cs:styleClr val="auto"/>
+    </cs:fillRef>
+    <cs:effectRef idx="0"/>
+    <cs:fontRef idx="minor">
+      <a:schemeClr val="tx1"/>
+    </cs:fontRef>
+    <cs:spPr>
+      <a:ln w="19050">
+        <a:solidFill>
+          <a:schemeClr val="lt1"/>
+        </a:solidFill>
+      </a:ln>
+    </cs:spPr>
+  </cs:dataPoint>
+  <cs:dataPoint3D>
+    <cs:lnRef idx="0"/>
+    <cs:fillRef idx="1">
+      <cs:styleClr val="auto"/>
+    </cs:fillRef>
+    <cs:effectRef idx="0"/>
+    <cs:fontRef idx="minor">
+      <a:schemeClr val="tx1"/>
+    </cs:fontRef>
+    <cs:spPr>
+      <a:ln w="25400">
+        <a:solidFill>
+          <a:schemeClr val="lt1"/>
+        </a:solidFill>
+      </a:ln>
+    </cs:spPr>
+  </cs:dataPoint3D>
+  <cs:dataPointLine>
+    <cs:lnRef idx="0">
+      <cs:styleClr val="auto"/>
+    </cs:lnRef>
+    <cs:fillRef idx="0"/>
+    <cs:effectRef idx="0"/>
+    <cs:fontRef idx="minor">
+      <a:schemeClr val="tx1"/>
+    </cs:fontRef>
+    <cs:spPr>
+      <a:ln w="28575" cap="rnd">
+        <a:solidFill>
+          <a:schemeClr val="phClr"/>
+        </a:solidFill>
+        <a:round/>
+      </a:ln>
+    </cs:spPr>
+  </cs:dataPointLine>
+  <cs:dataPointMarker>
+    <cs:lnRef idx="0">
+      <cs:styleClr val="auto"/>
+    </cs:lnRef>
+    <cs:fillRef idx="1">
+      <cs:styleClr val="auto"/>
+    </cs:fillRef>
+    <cs:effectRef idx="0"/>
+    <cs:fontRef idx="minor">
+      <a:schemeClr val="tx1"/>
+    </cs:fontRef>
+    <cs:spPr>
+      <a:ln w="9525">
+        <a:solidFill>
+          <a:schemeClr val="phClr"/>
+        </a:solidFill>
+      </a:ln>
+    </cs:spPr>
+  </cs:dataPointMarker>
+  <cs:dataPointMarkerLayout symbol="circle" size="5"/>
+  <cs:dataPointWireframe>
+    <cs:lnRef idx="0">
+      <cs:styleClr val="auto"/>
+    </cs:lnRef>
+    <cs:fillRef idx="0"/>
+    <cs:effectRef idx="0"/>
+    <cs:fontRef idx="minor">
+      <a:schemeClr val="tx1"/>
+    </cs:fontRef>
+    <cs:spPr>
+      <a:ln w="9525" cap="rnd">
+        <a:solidFill>
+          <a:schemeClr val="phClr"/>
+        </a:solidFill>
+        <a:round/>
+      </a:ln>
+    </cs:spPr>
+  </cs:dataPointWireframe>
+  <cs:dataTable>
+    <cs:lnRef idx="0"/>
+    <cs:fillRef idx="0"/>
+    <cs:effectRef idx="0"/>
+    <cs:fontRef idx="minor">
+      <a:schemeClr val="tx1">
+        <a:lumMod val="65000"/>
+        <a:lumOff val="35000"/>
+      </a:schemeClr>
+    </cs:fontRef>
+    <cs:spPr>
+      <a:noFill/>
+      <a:ln w="9525" cap="flat" cmpd="sng" algn="ctr">
+        <a:solidFill>
+          <a:schemeClr val="tx1">
+            <a:lumMod val="15000"/>
+            <a:lumOff val="85000"/>
+          </a:schemeClr>
+        </a:solidFill>
+        <a:round/>
+      </a:ln>
+    </cs:spPr>
+    <cs:defRPr sz="1197" kern="1200"/>
+  </cs:dataTable>
+  <cs:downBar>
+    <cs:lnRef idx="0"/>
+    <cs:fillRef idx="0"/>
+    <cs:effectRef idx="0"/>
+    <cs:fontRef idx="minor">
+      <a:schemeClr val="tx1"/>
+    </cs:fontRef>
+    <cs:spPr>
+      <a:solidFill>
+        <a:schemeClr val="dk1">
+          <a:lumMod val="75000"/>
+          <a:lumOff val="25000"/>
+        </a:schemeClr>
+      </a:solidFill>
+      <a:ln w="9525" cap="flat" cmpd="sng" algn="ctr">
+        <a:solidFill>
+          <a:schemeClr val="tx1">
+            <a:lumMod val="65000"/>
+            <a:lumOff val="35000"/>
+          </a:schemeClr>
+        </a:solidFill>
+        <a:round/>
+      </a:ln>
+    </cs:spPr>
+  </cs:downBar>
+  <cs:dropLine>
+    <cs:lnRef idx="0"/>
+    <cs:fillRef idx="0"/>
+    <cs:effectRef idx="0"/>
+    <cs:fontRef idx="minor">
+      <a:schemeClr val="tx1"/>
+    </cs:fontRef>
+    <cs:spPr>
+      <a:ln w="9525" cap="flat" cmpd="sng" algn="ctr">
+        <a:solidFill>
+          <a:schemeClr val="tx1">
+            <a:lumMod val="35000"/>
+            <a:lumOff val="65000"/>
+          </a:schemeClr>
+        </a:solidFill>
+        <a:round/>
+      </a:ln>
+    </cs:spPr>
+  </cs:dropLine>
+  <cs:errorBar>
+    <cs:lnRef idx="0"/>
+    <cs:fillRef idx="0"/>
+    <cs:effectRef idx="0"/>
+    <cs:fontRef idx="minor">
+      <a:schemeClr val="tx1"/>
+    </cs:fontRef>
+    <cs:spPr>
+      <a:ln w="9525" cap="flat" cmpd="sng" algn="ctr">
+        <a:solidFill>
+          <a:schemeClr val="tx1">
+            <a:lumMod val="65000"/>
+            <a:lumOff val="35000"/>
+          </a:schemeClr>
+        </a:solidFill>
+        <a:round/>
+      </a:ln>
+    </cs:spPr>
+  </cs:errorBar>
+  <cs:floor>
+    <cs:lnRef idx="0"/>
+    <cs:fillRef idx="0"/>
+    <cs:effectRef idx="0"/>
+    <cs:fontRef idx="minor">
+      <a:schemeClr val="tx1"/>
+    </cs:fontRef>
+    <cs:spPr>
+      <a:noFill/>
+      <a:ln>
+        <a:noFill/>
+      </a:ln>
+    </cs:spPr>
+  </cs:floor>
+  <cs:gridlineMajor>
+    <cs:lnRef idx="0"/>
+    <cs:fillRef idx="0"/>
+    <cs:effectRef idx="0"/>
+    <cs:fontRef idx="minor">
+      <a:schemeClr val="tx1"/>
+    </cs:fontRef>
+    <cs:spPr>
+      <a:ln w="9525" cap="flat" cmpd="sng" algn="ctr">
+        <a:solidFill>
+          <a:schemeClr val="tx1">
+            <a:lumMod val="15000"/>
+            <a:lumOff val="85000"/>
+          </a:schemeClr>
+        </a:solidFill>
+        <a:round/>
+      </a:ln>
+    </cs:spPr>
+  </cs:gridlineMajor>
+  <cs:gridlineMinor>
+    <cs:lnRef idx="0"/>
+    <cs:fillRef idx="0"/>
+    <cs:effectRef idx="0"/>
+    <cs:fontRef idx="minor">
+      <a:schemeClr val="tx1"/>
+    </cs:fontRef>
+    <cs:spPr>
+      <a:ln w="9525" cap="flat" cmpd="sng" algn="ctr">
+        <a:solidFill>
+          <a:schemeClr val="tx1">
+            <a:lumMod val="5000"/>
+            <a:lumOff val="95000"/>
+          </a:schemeClr>
+        </a:solidFill>
+        <a:round/>
+      </a:ln>
+    </cs:spPr>
+  </cs:gridlineMinor>
+  <cs:hiLoLine>
+    <cs:lnRef idx="0"/>
+    <cs:fillRef idx="0"/>
+    <cs:effectRef idx="0"/>
+    <cs:fontRef idx="minor">
+      <a:schemeClr val="tx1"/>
+    </cs:fontRef>
+    <cs:spPr>
+      <a:ln w="9525" cap="flat" cmpd="sng" algn="ctr">
+        <a:solidFill>
+          <a:schemeClr val="tx1">
+            <a:lumMod val="50000"/>
+            <a:lumOff val="50000"/>
+          </a:schemeClr>
+        </a:solidFill>
+        <a:round/>
+      </a:ln>
+    </cs:spPr>
+  </cs:hiLoLine>
+  <cs:leaderLine>
+    <cs:lnRef idx="0"/>
+    <cs:fillRef idx="0"/>
+    <cs:effectRef idx="0"/>
+    <cs:fontRef idx="minor">
+      <a:schemeClr val="tx1"/>
+    </cs:fontRef>
+    <cs:spPr>
+      <a:ln w="9525" cap="flat" cmpd="sng" algn="ctr">
+        <a:solidFill>
+          <a:schemeClr val="tx1">
+            <a:lumMod val="35000"/>
+            <a:lumOff val="65000"/>
+          </a:schemeClr>
+        </a:solidFill>
+        <a:round/>
+      </a:ln>
+    </cs:spPr>
+  </cs:leaderLine>
+  <cs:legend>
+    <cs:lnRef idx="0"/>
+    <cs:fillRef idx="0"/>
+    <cs:effectRef idx="0"/>
+    <cs:fontRef idx="minor">
+      <a:schemeClr val="tx1">
+        <a:lumMod val="65000"/>
+        <a:lumOff val="35000"/>
+      </a:schemeClr>
+    </cs:fontRef>
+    <cs:defRPr sz="1197" kern="1200"/>
+  </cs:legend>
+  <cs:plotArea mods="allowNoFillOverride allowNoLineOverride">
+    <cs:lnRef idx="0"/>
+    <cs:fillRef idx="0"/>
+    <cs:effectRef idx="0"/>
+    <cs:fontRef idx="minor">
+      <a:schemeClr val="tx1"/>
+    </cs:fontRef>
+  </cs:plotArea>
+  <cs:plotArea3D mods="allowNoFillOverride allowNoLineOverride">
+    <cs:lnRef idx="0"/>
+    <cs:fillRef idx="0"/>
+    <cs:effectRef idx="0"/>
+    <cs:fontRef idx="minor">
+      <a:schemeClr val="tx1"/>
+    </cs:fontRef>
+  </cs:plotArea3D>
+  <cs:seriesAxis>
+    <cs:lnRef idx="0"/>
+    <cs:fillRef idx="0"/>
+    <cs:effectRef idx="0"/>
+    <cs:fontRef idx="minor">
+      <a:schemeClr val="tx1">
+        <a:lumMod val="65000"/>
+        <a:lumOff val="35000"/>
+      </a:schemeClr>
+    </cs:fontRef>
+    <cs:defRPr sz="1197" kern="1200"/>
+  </cs:seriesAxis>
+  <cs:seriesLine>
+    <cs:lnRef idx="0"/>
+    <cs:fillRef idx="0"/>
+    <cs:effectRef idx="0"/>
+    <cs:fontRef idx="minor">
+      <a:schemeClr val="tx1"/>
+    </cs:fontRef>
+    <cs:spPr>
+      <a:ln w="9525" cap="flat" cmpd="sng" algn="ctr">
+        <a:solidFill>
+          <a:schemeClr val="tx1">
+            <a:lumMod val="35000"/>
+            <a:lumOff val="65000"/>
+          </a:schemeClr>
+        </a:solidFill>
+        <a:round/>
+      </a:ln>
+    </cs:spPr>
+  </cs:seriesLine>
+  <cs:title>
+    <cs:lnRef idx="0"/>
+    <cs:fillRef idx="0"/>
+    <cs:effectRef idx="0"/>
+    <cs:fontRef idx="minor">
+      <a:schemeClr val="tx1">
+        <a:lumMod val="65000"/>
+        <a:lumOff val="35000"/>
+      </a:schemeClr>
+    </cs:fontRef>
+    <cs:defRPr sz="1862" b="0" kern="1200" spc="0" baseline="0"/>
+  </cs:title>
+  <cs:trendline>
+    <cs:lnRef idx="0">
+      <cs:styleClr val="auto"/>
+    </cs:lnRef>
+    <cs:fillRef idx="0"/>
+    <cs:effectRef idx="0"/>
+    <cs:fontRef idx="minor">
+      <a:schemeClr val="tx1"/>
+    </cs:fontRef>
+    <cs:spPr>
+      <a:ln w="19050" cap="rnd">
+        <a:solidFill>
+          <a:schemeClr val="phClr"/>
+        </a:solidFill>
+        <a:prstDash val="sysDot"/>
+      </a:ln>
+    </cs:spPr>
+  </cs:trendline>
+  <cs:trendlineLabel>
+    <cs:lnRef idx="0"/>
+    <cs:fillRef idx="0"/>
+    <cs:effectRef idx="0"/>
+    <cs:fontRef idx="minor">
+      <a:schemeClr val="tx1">
+        <a:lumMod val="65000"/>
+        <a:lumOff val="35000"/>
+      </a:schemeClr>
+    </cs:fontRef>
+    <cs:defRPr sz="1197" kern="1200"/>
+  </cs:trendlineLabel>
+  <cs:upBar>
+    <cs:lnRef idx="0"/>
+    <cs:fillRef idx="0"/>
+    <cs:effectRef idx="0"/>
+    <cs:fontRef idx="minor">
+      <a:schemeClr val="tx1"/>
+    </cs:fontRef>
+    <cs:spPr>
+      <a:solidFill>
+        <a:schemeClr val="lt1"/>
+      </a:solidFill>
+      <a:ln w="9525" cap="flat" cmpd="sng" algn="ctr">
+        <a:solidFill>
+          <a:schemeClr val="tx1">
+            <a:lumMod val="65000"/>
+            <a:lumOff val="35000"/>
+          </a:schemeClr>
+        </a:solidFill>
+        <a:round/>
+      </a:ln>
+    </cs:spPr>
+  </cs:upBar>
+  <cs:valueAxis>
+    <cs:lnRef idx="0"/>
+    <cs:fillRef idx="0"/>
+    <cs:effectRef idx="0"/>
+    <cs:fontRef idx="minor">
+      <a:schemeClr val="tx1">
+        <a:lumMod val="65000"/>
+        <a:lumOff val="35000"/>
+      </a:schemeClr>
+    </cs:fontRef>
+    <cs:defRPr sz="1197" kern="1200"/>
+  </cs:valueAxis>
+  <cs:wall>
+    <cs:lnRef idx="0"/>
+    <cs:fillRef idx="0"/>
+    <cs:effectRef idx="0"/>
+    <cs:fontRef idx="minor">
+      <a:schemeClr val="tx1"/>
+    </cs:fontRef>
+    <cs:spPr>
+      <a:noFill/>
+      <a:ln>
+        <a:noFill/>
+      </a:ln>
+    </cs:spPr>
+  </cs:wall>
+</cs:chartStyle>
 </file>
 
 <file path=ppt/notesMasters/notesMaster1.xml><?xml version="1.0" encoding="utf-8"?>
@@ -4745,68 +5764,6 @@
       </p:sp>
       <p:sp>
         <p:nvSpPr>
-          <p:cNvPr id="13" name="Abgerundetes Rechteck 12">
-            <a:extLst>
-              <a:ext uri="{FF2B5EF4-FFF2-40B4-BE49-F238E27FC236}">
-                <a16:creationId xmlns:a16="http://schemas.microsoft.com/office/drawing/2014/main" id="{E675C58A-82F4-3A2A-3752-68174F9BCEBA}"/>
-              </a:ext>
-            </a:extLst>
-          </p:cNvPr>
-          <p:cNvSpPr/>
-          <p:nvPr/>
-        </p:nvSpPr>
-        <p:spPr>
-          <a:xfrm>
-            <a:off x="609595" y="13187235"/>
-            <a:ext cx="14295120" cy="14480172"/>
-          </a:xfrm>
-          <a:prstGeom prst="roundRect">
-            <a:avLst>
-              <a:gd name="adj" fmla="val 3729"/>
-            </a:avLst>
-          </a:prstGeom>
-          <a:solidFill>
-            <a:srgbClr val="E49596">
-              <a:alpha val="33168"/>
-            </a:srgbClr>
-          </a:solidFill>
-          <a:ln w="63500">
-            <a:solidFill>
-              <a:srgbClr val="B22F28"/>
-            </a:solidFill>
-          </a:ln>
-        </p:spPr>
-        <p:style>
-          <a:lnRef idx="2">
-            <a:schemeClr val="accent1">
-              <a:shade val="15000"/>
-            </a:schemeClr>
-          </a:lnRef>
-          <a:fillRef idx="1">
-            <a:schemeClr val="accent1"/>
-          </a:fillRef>
-          <a:effectRef idx="0">
-            <a:schemeClr val="accent1"/>
-          </a:effectRef>
-          <a:fontRef idx="minor">
-            <a:schemeClr val="lt1"/>
-          </a:fontRef>
-        </p:style>
-        <p:txBody>
-          <a:bodyPr rtlCol="0" anchor="t"/>
-          <a:lstStyle/>
-          <a:p>
-            <a:pPr algn="r"/>
-            <a:endParaRPr lang="en-US" sz="3600" dirty="0">
-              <a:solidFill>
-                <a:schemeClr val="tx1"/>
-              </a:solidFill>
-            </a:endParaRPr>
-          </a:p>
-        </p:txBody>
-      </p:sp>
-      <p:sp>
-        <p:nvSpPr>
           <p:cNvPr id="19" name="Abgerundetes Rechteck 18">
             <a:extLst>
               <a:ext uri="{FF2B5EF4-FFF2-40B4-BE49-F238E27FC236}">
@@ -5329,64 +6286,6 @@
           <a:p>
             <a:pPr algn="ctr"/>
             <a:endParaRPr lang="en-US" noProof="0" dirty="0"/>
-          </a:p>
-        </p:txBody>
-      </p:sp>
-      <p:sp>
-        <p:nvSpPr>
-          <p:cNvPr id="14" name="Rechteck 13">
-            <a:extLst>
-              <a:ext uri="{FF2B5EF4-FFF2-40B4-BE49-F238E27FC236}">
-                <a16:creationId xmlns:a16="http://schemas.microsoft.com/office/drawing/2014/main" id="{F5EFCC97-9DD6-9B66-B741-8353BC492A78}"/>
-              </a:ext>
-            </a:extLst>
-          </p:cNvPr>
-          <p:cNvSpPr/>
-          <p:nvPr/>
-        </p:nvSpPr>
-        <p:spPr>
-          <a:xfrm>
-            <a:off x="854627" y="13579439"/>
-            <a:ext cx="14050091" cy="10506589"/>
-          </a:xfrm>
-          <a:prstGeom prst="rect">
-            <a:avLst/>
-          </a:prstGeom>
-          <a:noFill/>
-          <a:ln w="44450">
-            <a:noFill/>
-          </a:ln>
-        </p:spPr>
-        <p:style>
-          <a:lnRef idx="2">
-            <a:schemeClr val="accent1">
-              <a:shade val="15000"/>
-            </a:schemeClr>
-          </a:lnRef>
-          <a:fillRef idx="1">
-            <a:schemeClr val="accent1"/>
-          </a:fillRef>
-          <a:effectRef idx="0">
-            <a:schemeClr val="accent1"/>
-          </a:effectRef>
-          <a:fontRef idx="minor">
-            <a:schemeClr val="lt1"/>
-          </a:fontRef>
-        </p:style>
-        <p:txBody>
-          <a:bodyPr rtlCol="0" anchor="t"/>
-          <a:lstStyle/>
-          <a:p>
-            <a:r>
-              <a:rPr lang="en-US" sz="4000" noProof="0" dirty="0">
-                <a:solidFill>
-                  <a:schemeClr val="tx1"/>
-                </a:solidFill>
-                <a:latin typeface="Source Sans Pro" panose="020B0503030403020204" pitchFamily="34" charset="0"/>
-                <a:ea typeface="Source Sans Pro" panose="020B0503030403020204" pitchFamily="34" charset="0"/>
-              </a:rPr>
-              <a:t>Shift Analysis: Finding my species </a:t>
-            </a:r>
           </a:p>
         </p:txBody>
       </p:sp>
@@ -6259,12 +7158,132 @@
           </p:spPr>
         </p:pic>
       </p:grpSp>
+      <p:sp>
+        <p:nvSpPr>
+          <p:cNvPr id="2" name="Abgerundetes Rechteck 1">
+            <a:extLst>
+              <a:ext uri="{FF2B5EF4-FFF2-40B4-BE49-F238E27FC236}">
+                <a16:creationId xmlns:a16="http://schemas.microsoft.com/office/drawing/2014/main" id="{49A02D2B-FEBA-8240-4F80-1023D79A7ABD}"/>
+              </a:ext>
+            </a:extLst>
+          </p:cNvPr>
+          <p:cNvSpPr/>
+          <p:nvPr/>
+        </p:nvSpPr>
+        <p:spPr>
+          <a:xfrm>
+            <a:off x="589400" y="11894744"/>
+            <a:ext cx="14295120" cy="15704596"/>
+          </a:xfrm>
+          <a:prstGeom prst="roundRect">
+            <a:avLst>
+              <a:gd name="adj" fmla="val 3729"/>
+            </a:avLst>
+          </a:prstGeom>
+          <a:solidFill>
+            <a:srgbClr val="E49596">
+              <a:alpha val="33168"/>
+            </a:srgbClr>
+          </a:solidFill>
+          <a:ln w="63500">
+            <a:solidFill>
+              <a:srgbClr val="B22F28"/>
+            </a:solidFill>
+          </a:ln>
+        </p:spPr>
+        <p:style>
+          <a:lnRef idx="2">
+            <a:schemeClr val="accent1">
+              <a:shade val="15000"/>
+            </a:schemeClr>
+          </a:lnRef>
+          <a:fillRef idx="1">
+            <a:schemeClr val="accent1"/>
+          </a:fillRef>
+          <a:effectRef idx="0">
+            <a:schemeClr val="accent1"/>
+          </a:effectRef>
+          <a:fontRef idx="minor">
+            <a:schemeClr val="lt1"/>
+          </a:fontRef>
+        </p:style>
+        <p:txBody>
+          <a:bodyPr rtlCol="0" anchor="t"/>
+          <a:lstStyle/>
+          <a:p>
+            <a:pPr algn="r"/>
+            <a:endParaRPr lang="en-US" sz="3600" dirty="0">
+              <a:solidFill>
+                <a:schemeClr val="tx1"/>
+              </a:solidFill>
+            </a:endParaRPr>
+          </a:p>
+        </p:txBody>
+      </p:sp>
+      <p:sp>
+        <p:nvSpPr>
+          <p:cNvPr id="26" name="Rechteck 25">
+            <a:extLst>
+              <a:ext uri="{FF2B5EF4-FFF2-40B4-BE49-F238E27FC236}">
+                <a16:creationId xmlns:a16="http://schemas.microsoft.com/office/drawing/2014/main" id="{BE290EAF-1A4B-D335-43DA-78DE46D94BC7}"/>
+              </a:ext>
+            </a:extLst>
+          </p:cNvPr>
+          <p:cNvSpPr/>
+          <p:nvPr/>
+        </p:nvSpPr>
+        <p:spPr>
+          <a:xfrm>
+            <a:off x="854627" y="12451776"/>
+            <a:ext cx="14050091" cy="10506589"/>
+          </a:xfrm>
+          <a:prstGeom prst="rect">
+            <a:avLst/>
+          </a:prstGeom>
+          <a:noFill/>
+          <a:ln w="44450">
+            <a:noFill/>
+          </a:ln>
+        </p:spPr>
+        <p:style>
+          <a:lnRef idx="2">
+            <a:schemeClr val="accent1">
+              <a:shade val="15000"/>
+            </a:schemeClr>
+          </a:lnRef>
+          <a:fillRef idx="1">
+            <a:schemeClr val="accent1"/>
+          </a:fillRef>
+          <a:effectRef idx="0">
+            <a:schemeClr val="accent1"/>
+          </a:effectRef>
+          <a:fontRef idx="minor">
+            <a:schemeClr val="lt1"/>
+          </a:fontRef>
+        </p:style>
+        <p:txBody>
+          <a:bodyPr rtlCol="0" anchor="t"/>
+          <a:lstStyle/>
+          <a:p>
+            <a:r>
+              <a:rPr lang="en-US" sz="4000" noProof="0" dirty="0">
+                <a:solidFill>
+                  <a:schemeClr val="tx1"/>
+                </a:solidFill>
+                <a:latin typeface="Source Sans Pro" panose="020B0503030403020204" pitchFamily="34" charset="0"/>
+                <a:ea typeface="Source Sans Pro" panose="020B0503030403020204" pitchFamily="34" charset="0"/>
+              </a:rPr>
+              <a:t>Shift Analysis: Finding my species </a:t>
+            </a:r>
+          </a:p>
+        </p:txBody>
+      </p:sp>
       <p:pic>
         <p:nvPicPr>
-          <p:cNvPr id="46" name="Grafik 45" descr="Ein Bild, das Text, Diagramm, Reihe, Schrift enthält.&#10;&#10;KI-generierte Inhalte können fehlerhaft sein.">
+          <p:cNvPr id="29" name="Grafik 28" descr="Ein Bild, das Reihe, Diagramm, Text, Screenshot enthält.&#10;&#10;KI-generierte Inhalte können fehlerhaft sein.">
             <a:extLst>
               <a:ext uri="{FF2B5EF4-FFF2-40B4-BE49-F238E27FC236}">
-                <a16:creationId xmlns:a16="http://schemas.microsoft.com/office/drawing/2014/main" id="{406A842B-F523-0938-CEBF-BD76BCE557A7}"/>
+                <a16:creationId xmlns:a16="http://schemas.microsoft.com/office/drawing/2014/main" id="{ACBF7A39-3336-9D05-9D48-508D000FD43F}"/>
               </a:ext>
             </a:extLst>
           </p:cNvPr>
@@ -6287,8 +7306,8 @@
         </p:blipFill>
         <p:spPr>
           <a:xfrm>
-            <a:off x="7587058" y="19446251"/>
-            <a:ext cx="6819900" cy="3807861"/>
+            <a:off x="8408304" y="22912881"/>
+            <a:ext cx="5792098" cy="4008700"/>
           </a:xfrm>
           <a:prstGeom prst="rect">
             <a:avLst/>
@@ -6297,10 +7316,10 @@
       </p:pic>
       <p:pic>
         <p:nvPicPr>
-          <p:cNvPr id="56" name="Grafik 55" descr="Ein Bild, das Reihe, Diagramm, Text, Screenshot enthält.&#10;&#10;KI-generierte Inhalte können fehlerhaft sein.">
+          <p:cNvPr id="31" name="Grafik 30" descr="Ein Bild, das Text, Diagramm, Reihe, Screenshot enthält.&#10;&#10;KI-generierte Inhalte können fehlerhaft sein.">
             <a:extLst>
               <a:ext uri="{FF2B5EF4-FFF2-40B4-BE49-F238E27FC236}">
-                <a16:creationId xmlns:a16="http://schemas.microsoft.com/office/drawing/2014/main" id="{DA4C6E8B-9F5A-60C3-98B7-11870A98BF0A}"/>
+                <a16:creationId xmlns:a16="http://schemas.microsoft.com/office/drawing/2014/main" id="{A0E5FA54-BA75-9B3C-0580-9B0ACD702D6B}"/>
               </a:ext>
             </a:extLst>
           </p:cNvPr>
@@ -6323,44 +7342,8 @@
         </p:blipFill>
         <p:spPr>
           <a:xfrm>
-            <a:off x="1696895" y="19742197"/>
-            <a:ext cx="5891087" cy="4077210"/>
-          </a:xfrm>
-          <a:prstGeom prst="rect">
-            <a:avLst/>
-          </a:prstGeom>
-        </p:spPr>
-      </p:pic>
-      <p:pic>
-        <p:nvPicPr>
-          <p:cNvPr id="58" name="Grafik 57" descr="Ein Bild, das Text, Diagramm, Reihe, Screenshot enthält.&#10;&#10;KI-generierte Inhalte können fehlerhaft sein.">
-            <a:extLst>
-              <a:ext uri="{FF2B5EF4-FFF2-40B4-BE49-F238E27FC236}">
-                <a16:creationId xmlns:a16="http://schemas.microsoft.com/office/drawing/2014/main" id="{5D424CCF-CD28-2192-A09F-98AF6F6FCCE4}"/>
-              </a:ext>
-            </a:extLst>
-          </p:cNvPr>
-          <p:cNvPicPr>
-            <a:picLocks noChangeAspect="1"/>
-          </p:cNvPicPr>
-          <p:nvPr/>
-        </p:nvPicPr>
-        <p:blipFill>
-          <a:blip r:embed="rId13">
-            <a:extLst>
-              <a:ext uri="{28A0092B-C50C-407E-A947-70E740481C1C}">
-                <a14:useLocalDpi xmlns:a14="http://schemas.microsoft.com/office/drawing/2010/main" val="0"/>
-              </a:ext>
-            </a:extLst>
-          </a:blip>
-          <a:stretch>
-            <a:fillRect/>
-          </a:stretch>
-        </p:blipFill>
-        <p:spPr>
-          <a:xfrm>
-            <a:off x="1696896" y="21701260"/>
-            <a:ext cx="5891087" cy="4077210"/>
+            <a:off x="893345" y="21160075"/>
+            <a:ext cx="5033382" cy="3483594"/>
           </a:xfrm>
           <a:prstGeom prst="rect">
             <a:avLst/>
@@ -6369,10 +7352,10 @@
       </p:pic>
       <p:grpSp>
         <p:nvGrpSpPr>
-          <p:cNvPr id="62" name="Gruppieren 61">
+          <p:cNvPr id="32" name="Gruppieren 31">
             <a:extLst>
               <a:ext uri="{FF2B5EF4-FFF2-40B4-BE49-F238E27FC236}">
-                <a16:creationId xmlns:a16="http://schemas.microsoft.com/office/drawing/2014/main" id="{6029E240-7456-6626-40CC-2763E5A52C67}"/>
+                <a16:creationId xmlns:a16="http://schemas.microsoft.com/office/drawing/2014/main" id="{89CCBC6A-B864-9CD5-EAE0-99DF0B68B3EE}"/>
               </a:ext>
             </a:extLst>
           </p:cNvPr>
@@ -6381,18 +7364,18 @@
         </p:nvGrpSpPr>
         <p:grpSpPr>
           <a:xfrm>
-            <a:off x="7209271" y="23961010"/>
-            <a:ext cx="7695445" cy="3256193"/>
+            <a:off x="7361509" y="22683687"/>
+            <a:ext cx="6445233" cy="2826613"/>
             <a:chOff x="5781935" y="15382625"/>
             <a:chExt cx="9102943" cy="4004262"/>
           </a:xfrm>
         </p:grpSpPr>
         <p:pic>
           <p:nvPicPr>
-            <p:cNvPr id="54" name="Grafik 53">
+            <p:cNvPr id="33" name="Grafik 32">
               <a:extLst>
                 <a:ext uri="{FF2B5EF4-FFF2-40B4-BE49-F238E27FC236}">
-                  <a16:creationId xmlns:a16="http://schemas.microsoft.com/office/drawing/2014/main" id="{5E794027-8938-F300-97CB-56DE99E6CF26}"/>
+                  <a16:creationId xmlns:a16="http://schemas.microsoft.com/office/drawing/2014/main" id="{EBD00EA7-4C39-028D-529E-493655AA75AB}"/>
                 </a:ext>
               </a:extLst>
             </p:cNvPr>
@@ -6402,7 +7385,7 @@
             <p:nvPr/>
           </p:nvPicPr>
           <p:blipFill>
-            <a:blip r:embed="rId14"/>
+            <a:blip r:embed="rId13"/>
             <a:stretch>
               <a:fillRect/>
             </a:stretch>
@@ -6419,10 +7402,10 @@
         </p:pic>
         <p:sp>
           <p:nvSpPr>
-            <p:cNvPr id="59" name="Textfeld 58">
+            <p:cNvPr id="34" name="Textfeld 33">
               <a:extLst>
                 <a:ext uri="{FF2B5EF4-FFF2-40B4-BE49-F238E27FC236}">
-                  <a16:creationId xmlns:a16="http://schemas.microsoft.com/office/drawing/2014/main" id="{15CD9F8C-B815-F069-3D0D-9C9F93EC66FB}"/>
+                  <a16:creationId xmlns:a16="http://schemas.microsoft.com/office/drawing/2014/main" id="{7ED38EB0-8928-F487-679D-DC08BBE8EFFC}"/>
                 </a:ext>
               </a:extLst>
             </p:cNvPr>
@@ -6462,10 +7445,10 @@
         </p:sp>
         <p:sp>
           <p:nvSpPr>
-            <p:cNvPr id="61" name="Textfeld 60">
+            <p:cNvPr id="35" name="Textfeld 34">
               <a:extLst>
                 <a:ext uri="{FF2B5EF4-FFF2-40B4-BE49-F238E27FC236}">
-                  <a16:creationId xmlns:a16="http://schemas.microsoft.com/office/drawing/2014/main" id="{2BC8B010-5FA4-7F25-A74D-8E773E45932E}"/>
+                  <a16:creationId xmlns:a16="http://schemas.microsoft.com/office/drawing/2014/main" id="{F03FDA52-46F0-5D59-8ACF-A557623994B9}"/>
                 </a:ext>
               </a:extLst>
             </p:cNvPr>
@@ -6514,10 +7497,10 @@
       </p:grpSp>
       <p:sp>
         <p:nvSpPr>
-          <p:cNvPr id="63" name="Textfeld 62">
+          <p:cNvPr id="37" name="Textfeld 36">
             <a:extLst>
               <a:ext uri="{FF2B5EF4-FFF2-40B4-BE49-F238E27FC236}">
-                <a16:creationId xmlns:a16="http://schemas.microsoft.com/office/drawing/2014/main" id="{234F0CF6-681D-433D-010C-3AD719DCD3D7}"/>
+                <a16:creationId xmlns:a16="http://schemas.microsoft.com/office/drawing/2014/main" id="{F88925D1-CFC4-5D93-A097-3F0428360137}"/>
               </a:ext>
             </a:extLst>
           </p:cNvPr>
@@ -6526,8 +7509,8 @@
         </p:nvSpPr>
         <p:spPr>
           <a:xfrm>
-            <a:off x="854627" y="14447949"/>
-            <a:ext cx="10674216" cy="3693319"/>
+            <a:off x="854627" y="13317948"/>
+            <a:ext cx="6369004" cy="2677656"/>
           </a:xfrm>
           <a:prstGeom prst="rect">
             <a:avLst/>
@@ -6540,619 +7523,2412 @@
           </a:bodyPr>
           <a:lstStyle/>
           <a:p>
-            <a:r>
-              <a:rPr lang="de-DE" b="1" dirty="0" err="1"/>
+            <a:pPr algn="just"/>
+            <a:endParaRPr lang="de-DE" sz="2400" b="1" dirty="0"/>
+          </a:p>
+          <a:p>
+            <a:pPr algn="just"/>
+            <a:endParaRPr lang="de-DE" sz="2400" b="1" dirty="0"/>
+          </a:p>
+          <a:p>
+            <a:pPr algn="just"/>
+            <a:endParaRPr lang="de-DE" sz="2400" b="1" dirty="0"/>
+          </a:p>
+          <a:p>
+            <a:pPr algn="just"/>
+            <a:endParaRPr lang="de-DE" sz="2400" b="1" dirty="0"/>
+          </a:p>
+          <a:p>
+            <a:pPr algn="just"/>
+            <a:endParaRPr lang="de-DE" sz="2400" b="1" dirty="0"/>
+          </a:p>
+          <a:p>
+            <a:pPr algn="just"/>
+            <a:endParaRPr lang="de-DE" sz="2400" b="1" dirty="0"/>
+          </a:p>
+          <a:p>
+            <a:pPr algn="just"/>
+            <a:endParaRPr lang="de-DE" sz="2400" b="1" dirty="0"/>
+          </a:p>
+        </p:txBody>
+      </p:sp>
+      <p:sp>
+        <p:nvSpPr>
+          <p:cNvPr id="39" name="Textfeld 38">
+            <a:extLst>
+              <a:ext uri="{FF2B5EF4-FFF2-40B4-BE49-F238E27FC236}">
+                <a16:creationId xmlns:a16="http://schemas.microsoft.com/office/drawing/2014/main" id="{E6EF7BF0-8EEC-4498-FCA6-9E2123BFB423}"/>
+              </a:ext>
+            </a:extLst>
+          </p:cNvPr>
+          <p:cNvSpPr txBox="1"/>
+          <p:nvPr/>
+        </p:nvSpPr>
+        <p:spPr>
+          <a:xfrm>
+            <a:off x="829098" y="13304483"/>
+            <a:ext cx="7385975" cy="2739211"/>
+          </a:xfrm>
+          <a:prstGeom prst="rect">
+            <a:avLst/>
+          </a:prstGeom>
+          <a:noFill/>
+        </p:spPr>
+        <p:txBody>
+          <a:bodyPr wrap="square" rtlCol="0">
+            <a:spAutoFit/>
+          </a:bodyPr>
+          <a:lstStyle/>
+          <a:p>
+            <a:pPr algn="just"/>
+            <a:r>
+              <a:rPr lang="de-DE" sz="2400" b="1" dirty="0" err="1">
+                <a:latin typeface="Source Sans Pro" panose="020B0503030403020204" pitchFamily="34" charset="0"/>
+                <a:ea typeface="Source Sans Pro" panose="020B0503030403020204" pitchFamily="34" charset="0"/>
+              </a:rPr>
               <a:t>Descriptive</a:t>
             </a:r>
             <a:r>
-              <a:rPr lang="de-DE" b="1" dirty="0"/>
+              <a:rPr lang="de-DE" sz="2400" b="1" dirty="0">
+                <a:latin typeface="Source Sans Pro" panose="020B0503030403020204" pitchFamily="34" charset="0"/>
+                <a:ea typeface="Source Sans Pro" panose="020B0503030403020204" pitchFamily="34" charset="0"/>
+              </a:rPr>
               <a:t> </a:t>
             </a:r>
             <a:r>
-              <a:rPr lang="de-DE" b="1" dirty="0" err="1"/>
+              <a:rPr lang="de-DE" sz="2400" b="1" dirty="0" err="1">
+                <a:latin typeface="Source Sans Pro" panose="020B0503030403020204" pitchFamily="34" charset="0"/>
+                <a:ea typeface="Source Sans Pro" panose="020B0503030403020204" pitchFamily="34" charset="0"/>
+              </a:rPr>
               <a:t>Analyses</a:t>
             </a:r>
-            <a:endParaRPr lang="de-DE" dirty="0"/>
-          </a:p>
-          <a:p>
-            <a:r>
-              <a:rPr lang="de-DE" b="1" dirty="0"/>
-              <a:t>Peak Analysis</a:t>
-            </a:r>
-            <a:endParaRPr lang="de-DE" dirty="0"/>
-          </a:p>
-          <a:p>
-            <a:pPr lvl="1"/>
-            <a:r>
-              <a:rPr lang="de-DE" dirty="0" err="1"/>
+            <a:endParaRPr lang="de-DE" sz="2400" b="1" dirty="0">
+              <a:latin typeface="Source Sans Pro" panose="020B0503030403020204" pitchFamily="34" charset="0"/>
+              <a:ea typeface="Source Sans Pro" panose="020B0503030403020204" pitchFamily="34" charset="0"/>
+            </a:endParaRPr>
+          </a:p>
+          <a:p>
+            <a:pPr algn="just"/>
+            <a:endParaRPr lang="de-DE" sz="1000" dirty="0"/>
+          </a:p>
+          <a:p>
+            <a:pPr algn="just"/>
+            <a:r>
+              <a:rPr lang="de-DE" sz="2400" b="1" dirty="0"/>
+              <a:t>Peak Analysis: </a:t>
+            </a:r>
+            <a:r>
+              <a:rPr lang="de-DE" sz="2400" dirty="0" err="1"/>
               <a:t>For</a:t>
             </a:r>
             <a:r>
-              <a:rPr lang="de-DE" dirty="0"/>
+              <a:rPr lang="de-DE" sz="2400" dirty="0"/>
               <a:t> </a:t>
             </a:r>
             <a:r>
-              <a:rPr lang="de-DE" dirty="0" err="1"/>
+              <a:rPr lang="de-DE" sz="2400" dirty="0" err="1"/>
               <a:t>each</a:t>
             </a:r>
             <a:r>
-              <a:rPr lang="de-DE" dirty="0"/>
+              <a:rPr lang="de-DE" sz="2400" dirty="0"/>
               <a:t> </a:t>
             </a:r>
             <a:r>
-              <a:rPr lang="de-DE" dirty="0" err="1"/>
+              <a:rPr lang="de-DE" sz="2400" dirty="0" err="1"/>
               <a:t>protein</a:t>
             </a:r>
             <a:r>
-              <a:rPr lang="de-DE" dirty="0"/>
+              <a:rPr lang="de-DE" sz="2400" dirty="0"/>
               <a:t> </a:t>
             </a:r>
             <a:r>
-              <a:rPr lang="de-DE" dirty="0" err="1"/>
+              <a:rPr lang="de-DE" sz="2400" dirty="0" err="1"/>
               <a:t>profile</a:t>
             </a:r>
             <a:r>
-              <a:rPr lang="de-DE" dirty="0"/>
+              <a:rPr lang="de-DE" sz="2400" dirty="0"/>
               <a:t>, </a:t>
             </a:r>
             <a:r>
-              <a:rPr lang="de-DE" dirty="0" err="1"/>
+              <a:rPr lang="de-DE" sz="2400" dirty="0" err="1"/>
               <a:t>up</a:t>
             </a:r>
             <a:r>
-              <a:rPr lang="de-DE" dirty="0"/>
+              <a:rPr lang="de-DE" sz="2400" dirty="0"/>
               <a:t> </a:t>
             </a:r>
             <a:r>
-              <a:rPr lang="de-DE" dirty="0" err="1"/>
+              <a:rPr lang="de-DE" sz="2400" dirty="0" err="1"/>
               <a:t>to</a:t>
             </a:r>
             <a:r>
-              <a:rPr lang="de-DE" dirty="0"/>
+              <a:rPr lang="de-DE" sz="2400" dirty="0"/>
               <a:t> 6 </a:t>
             </a:r>
             <a:r>
-              <a:rPr lang="de-DE" dirty="0" err="1"/>
+              <a:rPr lang="de-DE" sz="2400" dirty="0" err="1"/>
               <a:t>peaks</a:t>
             </a:r>
             <a:r>
-              <a:rPr lang="de-DE" dirty="0"/>
+              <a:rPr lang="de-DE" sz="2400" dirty="0"/>
               <a:t> </a:t>
             </a:r>
             <a:r>
-              <a:rPr lang="de-DE" dirty="0" err="1"/>
+              <a:rPr lang="de-DE" sz="2400" dirty="0" err="1"/>
               <a:t>were</a:t>
             </a:r>
             <a:r>
-              <a:rPr lang="de-DE" dirty="0"/>
+              <a:rPr lang="de-DE" sz="2400" dirty="0"/>
               <a:t> </a:t>
             </a:r>
             <a:r>
-              <a:rPr lang="de-DE" dirty="0" err="1"/>
+              <a:rPr lang="de-DE" sz="2400" dirty="0" err="1"/>
               <a:t>identified</a:t>
             </a:r>
             <a:r>
-              <a:rPr lang="de-DE" dirty="0"/>
+              <a:rPr lang="de-DE" sz="2400" dirty="0"/>
               <a:t> </a:t>
             </a:r>
             <a:r>
-              <a:rPr lang="de-DE" dirty="0" err="1"/>
+              <a:rPr lang="de-DE" sz="2400" dirty="0" err="1"/>
               <a:t>using</a:t>
             </a:r>
             <a:r>
-              <a:rPr lang="de-DE" dirty="0"/>
+              <a:rPr lang="de-DE" sz="2400" dirty="0"/>
               <a:t> a </a:t>
             </a:r>
             <a:r>
-              <a:rPr lang="de-DE" dirty="0" err="1"/>
+              <a:rPr lang="de-DE" sz="2400" dirty="0" err="1"/>
               <a:t>slope-based</a:t>
             </a:r>
             <a:r>
-              <a:rPr lang="de-DE" dirty="0"/>
+              <a:rPr lang="de-DE" sz="2400" dirty="0"/>
               <a:t> </a:t>
             </a:r>
             <a:r>
-              <a:rPr lang="de-DE" dirty="0" err="1"/>
-              <a:t>findPeaks</a:t>
-            </a:r>
-            <a:r>
-              <a:rPr lang="de-DE" dirty="0"/>
-              <a:t> </a:t>
-            </a:r>
-            <a:r>
-              <a:rPr lang="de-DE" dirty="0" err="1"/>
+              <a:rPr lang="de-DE" sz="2400" dirty="0" err="1"/>
               <a:t>function</a:t>
             </a:r>
             <a:r>
-              <a:rPr lang="de-DE" dirty="0"/>
+              <a:rPr lang="de-DE" sz="2400" dirty="0"/>
+              <a:t>. </a:t>
+            </a:r>
+            <a:r>
+              <a:rPr lang="de-DE" sz="2400" dirty="0" err="1"/>
+              <a:t>Treshold</a:t>
+            </a:r>
+            <a:r>
+              <a:rPr lang="de-DE" sz="2400" dirty="0"/>
+              <a:t> </a:t>
+            </a:r>
+            <a:r>
+              <a:rPr lang="de-DE" sz="2400" dirty="0" err="1"/>
+              <a:t>for</a:t>
+            </a:r>
+            <a:r>
+              <a:rPr lang="de-DE" sz="2400" dirty="0"/>
+              <a:t> </a:t>
+            </a:r>
+            <a:r>
+              <a:rPr lang="de-DE" sz="2400" dirty="0" err="1"/>
+              <a:t>peak</a:t>
+            </a:r>
+            <a:r>
+              <a:rPr lang="de-DE" sz="2400" dirty="0"/>
+              <a:t> </a:t>
+            </a:r>
+            <a:r>
+              <a:rPr lang="de-DE" sz="2400" dirty="0" err="1"/>
+              <a:t>detection</a:t>
+            </a:r>
+            <a:r>
+              <a:rPr lang="de-DE" sz="2400" dirty="0"/>
+              <a:t> was </a:t>
+            </a:r>
+            <a:r>
+              <a:rPr lang="de-DE" sz="2400" dirty="0" err="1"/>
+              <a:t>set</a:t>
+            </a:r>
+            <a:r>
+              <a:rPr lang="de-DE" sz="2400" dirty="0"/>
+              <a:t> at 3% </a:t>
+            </a:r>
+            <a:r>
+              <a:rPr lang="de-DE" sz="2400" dirty="0" err="1"/>
+              <a:t>of</a:t>
+            </a:r>
+            <a:r>
+              <a:rPr lang="de-DE" sz="2400" dirty="0"/>
+              <a:t> maximal </a:t>
+            </a:r>
+            <a:r>
+              <a:rPr lang="de-DE" sz="2400" dirty="0" err="1"/>
+              <a:t>signal</a:t>
+            </a:r>
+            <a:r>
+              <a:rPr lang="de-DE" sz="2400" dirty="0"/>
+              <a:t> </a:t>
+            </a:r>
+            <a:r>
+              <a:rPr lang="de-DE" sz="2400" dirty="0" err="1"/>
+              <a:t>intensity</a:t>
+            </a:r>
+            <a:r>
+              <a:rPr lang="de-DE" sz="2400" dirty="0"/>
+              <a:t>. Applied </a:t>
+            </a:r>
+            <a:r>
+              <a:rPr lang="de-DE" sz="2400" dirty="0" err="1"/>
+              <a:t>to</a:t>
+            </a:r>
+            <a:r>
+              <a:rPr lang="de-DE" sz="2400" dirty="0"/>
+              <a:t> </a:t>
+            </a:r>
+            <a:r>
+              <a:rPr lang="de-DE" sz="2400" dirty="0" err="1"/>
+              <a:t>normalized</a:t>
+            </a:r>
+            <a:r>
+              <a:rPr lang="de-DE" sz="2400" dirty="0"/>
+              <a:t> </a:t>
+            </a:r>
+            <a:r>
+              <a:rPr lang="de-DE" sz="2400" dirty="0" err="1"/>
+              <a:t>values</a:t>
+            </a:r>
+            <a:r>
+              <a:rPr lang="de-DE" sz="2400" dirty="0"/>
+              <a:t> </a:t>
+            </a:r>
+            <a:r>
+              <a:rPr lang="de-DE" sz="2400" dirty="0" err="1"/>
+              <a:t>for</a:t>
+            </a:r>
+            <a:r>
+              <a:rPr lang="de-DE" sz="2400" dirty="0"/>
+              <a:t> </a:t>
+            </a:r>
+            <a:r>
+              <a:rPr lang="de-DE" sz="2400" dirty="0" err="1"/>
+              <a:t>control</a:t>
+            </a:r>
+            <a:r>
+              <a:rPr lang="de-DE" sz="2400" dirty="0"/>
+              <a:t> and </a:t>
+            </a:r>
+            <a:r>
+              <a:rPr lang="de-DE" sz="2400" dirty="0" err="1"/>
+              <a:t>RNase-treated</a:t>
+            </a:r>
+            <a:r>
+              <a:rPr lang="de-DE" sz="2400" dirty="0"/>
+              <a:t> sample. </a:t>
+            </a:r>
+          </a:p>
+          <a:p>
+            <a:endParaRPr lang="en-US" dirty="0"/>
+          </a:p>
+        </p:txBody>
+      </p:sp>
+      <p:sp>
+        <p:nvSpPr>
+          <p:cNvPr id="40" name="Textfeld 39">
+            <a:extLst>
+              <a:ext uri="{FF2B5EF4-FFF2-40B4-BE49-F238E27FC236}">
+                <a16:creationId xmlns:a16="http://schemas.microsoft.com/office/drawing/2014/main" id="{9E00ACD3-20DA-AFDB-EE91-F0B099D4597C}"/>
+              </a:ext>
+            </a:extLst>
+          </p:cNvPr>
+          <p:cNvSpPr txBox="1"/>
+          <p:nvPr/>
+        </p:nvSpPr>
+        <p:spPr>
+          <a:xfrm>
+            <a:off x="782631" y="15813023"/>
+            <a:ext cx="13908659" cy="1938992"/>
+          </a:xfrm>
+          <a:prstGeom prst="rect">
+            <a:avLst/>
+          </a:prstGeom>
+          <a:noFill/>
+        </p:spPr>
+        <p:txBody>
+          <a:bodyPr wrap="square" rtlCol="0">
+            <a:spAutoFit/>
+          </a:bodyPr>
+          <a:lstStyle/>
+          <a:p>
+            <a:pPr algn="just"/>
+            <a:r>
+              <a:rPr lang="de-DE" sz="2400" b="1" dirty="0"/>
+              <a:t>Shift </a:t>
+            </a:r>
+            <a:r>
+              <a:rPr lang="de-DE" sz="2400" b="1" dirty="0" err="1"/>
+              <a:t>Characteristics</a:t>
+            </a:r>
+            <a:r>
+              <a:rPr lang="de-DE" sz="2400" b="1" dirty="0"/>
+              <a:t> </a:t>
+            </a:r>
+            <a:r>
+              <a:rPr lang="de-DE" sz="2400" dirty="0">
+                <a:latin typeface="Source Sans Pro" panose="020B0503030403020204" pitchFamily="34" charset="0"/>
+                <a:ea typeface="Source Sans Pro" panose="020B0503030403020204" pitchFamily="34" charset="0"/>
+              </a:rPr>
+              <a:t>Protein </a:t>
+            </a:r>
+            <a:r>
+              <a:rPr lang="de-DE" sz="2400" dirty="0" err="1">
+                <a:latin typeface="Source Sans Pro" panose="020B0503030403020204" pitchFamily="34" charset="0"/>
+                <a:ea typeface="Source Sans Pro" panose="020B0503030403020204" pitchFamily="34" charset="0"/>
+              </a:rPr>
+              <a:t>distributions</a:t>
+            </a:r>
+            <a:r>
+              <a:rPr lang="de-DE" sz="2400" dirty="0">
+                <a:latin typeface="Source Sans Pro" panose="020B0503030403020204" pitchFamily="34" charset="0"/>
+                <a:ea typeface="Source Sans Pro" panose="020B0503030403020204" pitchFamily="34" charset="0"/>
+              </a:rPr>
+              <a:t> </a:t>
+            </a:r>
+            <a:r>
+              <a:rPr lang="de-DE" sz="2400" dirty="0" err="1">
+                <a:latin typeface="Source Sans Pro" panose="020B0503030403020204" pitchFamily="34" charset="0"/>
+                <a:ea typeface="Source Sans Pro" panose="020B0503030403020204" pitchFamily="34" charset="0"/>
+              </a:rPr>
+              <a:t>were</a:t>
+            </a:r>
+            <a:r>
+              <a:rPr lang="de-DE" sz="2400" dirty="0">
+                <a:latin typeface="Source Sans Pro" panose="020B0503030403020204" pitchFamily="34" charset="0"/>
+                <a:ea typeface="Source Sans Pro" panose="020B0503030403020204" pitchFamily="34" charset="0"/>
+              </a:rPr>
+              <a:t> </a:t>
+            </a:r>
+          </a:p>
+          <a:p>
+            <a:pPr algn="just"/>
+            <a:r>
+              <a:rPr lang="de-DE" sz="2400" dirty="0" err="1">
+                <a:latin typeface="Source Sans Pro" panose="020B0503030403020204" pitchFamily="34" charset="0"/>
+                <a:ea typeface="Source Sans Pro" panose="020B0503030403020204" pitchFamily="34" charset="0"/>
+              </a:rPr>
+              <a:t>summarized</a:t>
+            </a:r>
+            <a:r>
+              <a:rPr lang="de-DE" sz="2400" dirty="0">
+                <a:latin typeface="Source Sans Pro" panose="020B0503030403020204" pitchFamily="34" charset="0"/>
+                <a:ea typeface="Source Sans Pro" panose="020B0503030403020204" pitchFamily="34" charset="0"/>
+              </a:rPr>
+              <a:t> </a:t>
+            </a:r>
+            <a:r>
+              <a:rPr lang="de-DE" sz="2400" dirty="0" err="1">
+                <a:latin typeface="Source Sans Pro" panose="020B0503030403020204" pitchFamily="34" charset="0"/>
+                <a:ea typeface="Source Sans Pro" panose="020B0503030403020204" pitchFamily="34" charset="0"/>
+              </a:rPr>
+              <a:t>using</a:t>
+            </a:r>
+            <a:r>
+              <a:rPr lang="de-DE" sz="2400" dirty="0">
+                <a:latin typeface="Source Sans Pro" panose="020B0503030403020204" pitchFamily="34" charset="0"/>
+                <a:ea typeface="Source Sans Pro" panose="020B0503030403020204" pitchFamily="34" charset="0"/>
+              </a:rPr>
+              <a:t> </a:t>
+            </a:r>
+            <a:r>
+              <a:rPr lang="de-DE" sz="2400" dirty="0" err="1">
+                <a:latin typeface="Source Sans Pro" panose="020B0503030403020204" pitchFamily="34" charset="0"/>
+                <a:ea typeface="Source Sans Pro" panose="020B0503030403020204" pitchFamily="34" charset="0"/>
+              </a:rPr>
+              <a:t>the</a:t>
+            </a:r>
+            <a:r>
+              <a:rPr lang="de-DE" sz="2400" dirty="0">
+                <a:latin typeface="Source Sans Pro" panose="020B0503030403020204" pitchFamily="34" charset="0"/>
+                <a:ea typeface="Source Sans Pro" panose="020B0503030403020204" pitchFamily="34" charset="0"/>
+              </a:rPr>
+              <a:t> Center </a:t>
+            </a:r>
+            <a:r>
+              <a:rPr lang="de-DE" sz="2400" dirty="0" err="1">
+                <a:latin typeface="Source Sans Pro" panose="020B0503030403020204" pitchFamily="34" charset="0"/>
+                <a:ea typeface="Source Sans Pro" panose="020B0503030403020204" pitchFamily="34" charset="0"/>
+              </a:rPr>
+              <a:t>of</a:t>
+            </a:r>
+            <a:r>
+              <a:rPr lang="de-DE" sz="2400" dirty="0">
+                <a:latin typeface="Source Sans Pro" panose="020B0503030403020204" pitchFamily="34" charset="0"/>
+                <a:ea typeface="Source Sans Pro" panose="020B0503030403020204" pitchFamily="34" charset="0"/>
+              </a:rPr>
+              <a:t> </a:t>
+            </a:r>
+            <a:r>
+              <a:rPr lang="de-DE" sz="2400" dirty="0" err="1">
+                <a:latin typeface="Source Sans Pro" panose="020B0503030403020204" pitchFamily="34" charset="0"/>
+                <a:ea typeface="Source Sans Pro" panose="020B0503030403020204" pitchFamily="34" charset="0"/>
+              </a:rPr>
+              <a:t>Mass</a:t>
+            </a:r>
+            <a:r>
+              <a:rPr lang="de-DE" sz="2400" dirty="0">
+                <a:latin typeface="Source Sans Pro" panose="020B0503030403020204" pitchFamily="34" charset="0"/>
+                <a:ea typeface="Source Sans Pro" panose="020B0503030403020204" pitchFamily="34" charset="0"/>
+              </a:rPr>
+              <a:t> (</a:t>
+            </a:r>
+            <a:r>
+              <a:rPr lang="de-DE" sz="2400" dirty="0" err="1">
+                <a:latin typeface="Source Sans Pro" panose="020B0503030403020204" pitchFamily="34" charset="0"/>
+                <a:ea typeface="Source Sans Pro" panose="020B0503030403020204" pitchFamily="34" charset="0"/>
+              </a:rPr>
+              <a:t>CoM</a:t>
+            </a:r>
+            <a:r>
+              <a:rPr lang="de-DE" sz="2400" dirty="0">
+                <a:latin typeface="Source Sans Pro" panose="020B0503030403020204" pitchFamily="34" charset="0"/>
+                <a:ea typeface="Source Sans Pro" panose="020B0503030403020204" pitchFamily="34" charset="0"/>
+              </a:rPr>
+              <a:t>), </a:t>
+            </a:r>
+            <a:r>
+              <a:rPr lang="de-DE" sz="2400" dirty="0" err="1">
+                <a:latin typeface="Source Sans Pro" panose="020B0503030403020204" pitchFamily="34" charset="0"/>
+                <a:ea typeface="Source Sans Pro" panose="020B0503030403020204" pitchFamily="34" charset="0"/>
+              </a:rPr>
+              <a:t>calculated</a:t>
+            </a:r>
+            <a:endParaRPr lang="de-DE" sz="2400" dirty="0">
+              <a:latin typeface="Source Sans Pro" panose="020B0503030403020204" pitchFamily="34" charset="0"/>
+              <a:ea typeface="Source Sans Pro" panose="020B0503030403020204" pitchFamily="34" charset="0"/>
+            </a:endParaRPr>
+          </a:p>
+          <a:p>
+            <a:pPr algn="just"/>
+            <a:r>
+              <a:rPr lang="de-DE" sz="2400" dirty="0">
+                <a:latin typeface="Source Sans Pro" panose="020B0503030403020204" pitchFamily="34" charset="0"/>
+                <a:ea typeface="Source Sans Pro" panose="020B0503030403020204" pitchFamily="34" charset="0"/>
+              </a:rPr>
+              <a:t> </a:t>
+            </a:r>
+            <a:r>
+              <a:rPr lang="de-DE" sz="2400" dirty="0" err="1">
+                <a:latin typeface="Source Sans Pro" panose="020B0503030403020204" pitchFamily="34" charset="0"/>
+                <a:ea typeface="Source Sans Pro" panose="020B0503030403020204" pitchFamily="34" charset="0"/>
+              </a:rPr>
+              <a:t>as</a:t>
+            </a:r>
+            <a:r>
+              <a:rPr lang="de-DE" sz="2400" dirty="0">
+                <a:latin typeface="Source Sans Pro" panose="020B0503030403020204" pitchFamily="34" charset="0"/>
+                <a:ea typeface="Source Sans Pro" panose="020B0503030403020204" pitchFamily="34" charset="0"/>
+              </a:rPr>
+              <a:t> </a:t>
+            </a:r>
+            <a:r>
+              <a:rPr lang="de-DE" sz="2400" dirty="0" err="1">
+                <a:latin typeface="Source Sans Pro" panose="020B0503030403020204" pitchFamily="34" charset="0"/>
+                <a:ea typeface="Source Sans Pro" panose="020B0503030403020204" pitchFamily="34" charset="0"/>
+              </a:rPr>
+              <a:t>the</a:t>
+            </a:r>
+            <a:r>
+              <a:rPr lang="de-DE" sz="2400" dirty="0">
+                <a:latin typeface="Source Sans Pro" panose="020B0503030403020204" pitchFamily="34" charset="0"/>
+                <a:ea typeface="Source Sans Pro" panose="020B0503030403020204" pitchFamily="34" charset="0"/>
+              </a:rPr>
+              <a:t> </a:t>
+            </a:r>
+            <a:r>
+              <a:rPr lang="de-DE" sz="2400" dirty="0" err="1">
+                <a:latin typeface="Source Sans Pro" panose="020B0503030403020204" pitchFamily="34" charset="0"/>
+                <a:ea typeface="Source Sans Pro" panose="020B0503030403020204" pitchFamily="34" charset="0"/>
+              </a:rPr>
+              <a:t>weighted</a:t>
+            </a:r>
+            <a:r>
+              <a:rPr lang="de-DE" sz="2400" dirty="0">
+                <a:latin typeface="Source Sans Pro" panose="020B0503030403020204" pitchFamily="34" charset="0"/>
+                <a:ea typeface="Source Sans Pro" panose="020B0503030403020204" pitchFamily="34" charset="0"/>
+              </a:rPr>
+              <a:t> </a:t>
+            </a:r>
+            <a:r>
+              <a:rPr lang="de-DE" sz="2400" dirty="0" err="1">
+                <a:latin typeface="Source Sans Pro" panose="020B0503030403020204" pitchFamily="34" charset="0"/>
+                <a:ea typeface="Source Sans Pro" panose="020B0503030403020204" pitchFamily="34" charset="0"/>
+              </a:rPr>
+              <a:t>average</a:t>
+            </a:r>
+            <a:r>
+              <a:rPr lang="de-DE" sz="2400" dirty="0">
+                <a:latin typeface="Source Sans Pro" panose="020B0503030403020204" pitchFamily="34" charset="0"/>
+                <a:ea typeface="Source Sans Pro" panose="020B0503030403020204" pitchFamily="34" charset="0"/>
+              </a:rPr>
+              <a:t> </a:t>
+            </a:r>
+            <a:r>
+              <a:rPr lang="de-DE" sz="2400" dirty="0" err="1">
+                <a:latin typeface="Source Sans Pro" panose="020B0503030403020204" pitchFamily="34" charset="0"/>
+                <a:ea typeface="Source Sans Pro" panose="020B0503030403020204" pitchFamily="34" charset="0"/>
+              </a:rPr>
+              <a:t>across</a:t>
+            </a:r>
+            <a:r>
+              <a:rPr lang="de-DE" sz="2400" dirty="0">
+                <a:latin typeface="Source Sans Pro" panose="020B0503030403020204" pitchFamily="34" charset="0"/>
+                <a:ea typeface="Source Sans Pro" panose="020B0503030403020204" pitchFamily="34" charset="0"/>
+              </a:rPr>
+              <a:t> all </a:t>
+            </a:r>
+            <a:r>
+              <a:rPr lang="de-DE" sz="2400" dirty="0" err="1">
+                <a:latin typeface="Source Sans Pro" panose="020B0503030403020204" pitchFamily="34" charset="0"/>
+                <a:ea typeface="Source Sans Pro" panose="020B0503030403020204" pitchFamily="34" charset="0"/>
+              </a:rPr>
+              <a:t>fractions</a:t>
+            </a:r>
+            <a:r>
+              <a:rPr lang="de-DE" sz="2400" dirty="0">
+                <a:latin typeface="Source Sans Pro" panose="020B0503030403020204" pitchFamily="34" charset="0"/>
+                <a:ea typeface="Source Sans Pro" panose="020B0503030403020204" pitchFamily="34" charset="0"/>
+              </a:rPr>
+              <a:t>. </a:t>
+            </a:r>
+            <a:r>
+              <a:rPr lang="de-DE" sz="2400" dirty="0" err="1">
+                <a:latin typeface="Source Sans Pro" panose="020B0503030403020204" pitchFamily="34" charset="0"/>
+                <a:ea typeface="Source Sans Pro" panose="020B0503030403020204" pitchFamily="34" charset="0"/>
+              </a:rPr>
+              <a:t>Shifts</a:t>
+            </a:r>
+            <a:r>
+              <a:rPr lang="de-DE" sz="2400" dirty="0">
+                <a:latin typeface="Source Sans Pro" panose="020B0503030403020204" pitchFamily="34" charset="0"/>
+                <a:ea typeface="Source Sans Pro" panose="020B0503030403020204" pitchFamily="34" charset="0"/>
+              </a:rPr>
+              <a:t> </a:t>
+            </a:r>
+            <a:r>
+              <a:rPr lang="de-DE" sz="2400" dirty="0" err="1">
+                <a:latin typeface="Source Sans Pro" panose="020B0503030403020204" pitchFamily="34" charset="0"/>
+                <a:ea typeface="Source Sans Pro" panose="020B0503030403020204" pitchFamily="34" charset="0"/>
+              </a:rPr>
+              <a:t>were</a:t>
+            </a:r>
+            <a:r>
+              <a:rPr lang="de-DE" sz="2400" dirty="0">
+                <a:latin typeface="Source Sans Pro" panose="020B0503030403020204" pitchFamily="34" charset="0"/>
+                <a:ea typeface="Source Sans Pro" panose="020B0503030403020204" pitchFamily="34" charset="0"/>
+              </a:rPr>
+              <a:t> </a:t>
+            </a:r>
+            <a:r>
+              <a:rPr lang="de-DE" sz="2400" dirty="0" err="1">
+                <a:latin typeface="Source Sans Pro" panose="020B0503030403020204" pitchFamily="34" charset="0"/>
+                <a:ea typeface="Source Sans Pro" panose="020B0503030403020204" pitchFamily="34" charset="0"/>
+              </a:rPr>
+              <a:t>defined</a:t>
+            </a:r>
+            <a:r>
+              <a:rPr lang="de-DE" sz="2400" dirty="0">
+                <a:latin typeface="Source Sans Pro" panose="020B0503030403020204" pitchFamily="34" charset="0"/>
+                <a:ea typeface="Source Sans Pro" panose="020B0503030403020204" pitchFamily="34" charset="0"/>
+              </a:rPr>
+              <a:t> </a:t>
+            </a:r>
+            <a:r>
+              <a:rPr lang="de-DE" sz="2400" dirty="0" err="1">
+                <a:latin typeface="Source Sans Pro" panose="020B0503030403020204" pitchFamily="34" charset="0"/>
+                <a:ea typeface="Source Sans Pro" panose="020B0503030403020204" pitchFamily="34" charset="0"/>
+              </a:rPr>
+              <a:t>as</a:t>
+            </a:r>
+            <a:r>
+              <a:rPr lang="de-DE" sz="2400" dirty="0">
+                <a:latin typeface="Source Sans Pro" panose="020B0503030403020204" pitchFamily="34" charset="0"/>
+                <a:ea typeface="Source Sans Pro" panose="020B0503030403020204" pitchFamily="34" charset="0"/>
+              </a:rPr>
+              <a:t> </a:t>
+            </a:r>
+            <a:r>
+              <a:rPr lang="de-DE" sz="2400" dirty="0" err="1">
+                <a:latin typeface="Source Sans Pro" panose="020B0503030403020204" pitchFamily="34" charset="0"/>
+                <a:ea typeface="Source Sans Pro" panose="020B0503030403020204" pitchFamily="34" charset="0"/>
+              </a:rPr>
+              <a:t>CoM_Ctrl</a:t>
+            </a:r>
+            <a:r>
+              <a:rPr lang="de-DE" sz="2400" dirty="0">
+                <a:latin typeface="Source Sans Pro" panose="020B0503030403020204" pitchFamily="34" charset="0"/>
+                <a:ea typeface="Source Sans Pro" panose="020B0503030403020204" pitchFamily="34" charset="0"/>
+              </a:rPr>
+              <a:t> – </a:t>
+            </a:r>
+            <a:r>
+              <a:rPr lang="de-DE" sz="2400" dirty="0" err="1">
+                <a:latin typeface="Source Sans Pro" panose="020B0503030403020204" pitchFamily="34" charset="0"/>
+                <a:ea typeface="Source Sans Pro" panose="020B0503030403020204" pitchFamily="34" charset="0"/>
+              </a:rPr>
+              <a:t>CoM_RNase</a:t>
+            </a:r>
+            <a:r>
+              <a:rPr lang="de-DE" sz="2400" dirty="0">
+                <a:latin typeface="Source Sans Pro" panose="020B0503030403020204" pitchFamily="34" charset="0"/>
+                <a:ea typeface="Source Sans Pro" panose="020B0503030403020204" pitchFamily="34" charset="0"/>
+              </a:rPr>
+              <a:t>: positive </a:t>
+            </a:r>
+            <a:r>
+              <a:rPr lang="de-DE" sz="2400" dirty="0" err="1">
+                <a:latin typeface="Source Sans Pro" panose="020B0503030403020204" pitchFamily="34" charset="0"/>
+                <a:ea typeface="Source Sans Pro" panose="020B0503030403020204" pitchFamily="34" charset="0"/>
+              </a:rPr>
+              <a:t>values</a:t>
+            </a:r>
+            <a:r>
+              <a:rPr lang="de-DE" sz="2400" dirty="0">
+                <a:latin typeface="Source Sans Pro" panose="020B0503030403020204" pitchFamily="34" charset="0"/>
+                <a:ea typeface="Source Sans Pro" panose="020B0503030403020204" pitchFamily="34" charset="0"/>
+              </a:rPr>
+              <a:t> </a:t>
+            </a:r>
+            <a:r>
+              <a:rPr lang="de-DE" sz="2400" dirty="0" err="1">
+                <a:latin typeface="Source Sans Pro" panose="020B0503030403020204" pitchFamily="34" charset="0"/>
+                <a:ea typeface="Source Sans Pro" panose="020B0503030403020204" pitchFamily="34" charset="0"/>
+              </a:rPr>
+              <a:t>indicated</a:t>
+            </a:r>
+            <a:r>
+              <a:rPr lang="de-DE" sz="2400" dirty="0">
+                <a:latin typeface="Source Sans Pro" panose="020B0503030403020204" pitchFamily="34" charset="0"/>
+                <a:ea typeface="Source Sans Pro" panose="020B0503030403020204" pitchFamily="34" charset="0"/>
+              </a:rPr>
+              <a:t> a </a:t>
+            </a:r>
+            <a:r>
+              <a:rPr lang="de-DE" sz="2400" dirty="0" err="1">
+                <a:latin typeface="Source Sans Pro" panose="020B0503030403020204" pitchFamily="34" charset="0"/>
+                <a:ea typeface="Source Sans Pro" panose="020B0503030403020204" pitchFamily="34" charset="0"/>
+              </a:rPr>
+              <a:t>leftward</a:t>
+            </a:r>
+            <a:r>
+              <a:rPr lang="de-DE" sz="2400" dirty="0">
+                <a:latin typeface="Source Sans Pro" panose="020B0503030403020204" pitchFamily="34" charset="0"/>
+                <a:ea typeface="Source Sans Pro" panose="020B0503030403020204" pitchFamily="34" charset="0"/>
+              </a:rPr>
+              <a:t> shift, negative </a:t>
+            </a:r>
+            <a:r>
+              <a:rPr lang="de-DE" sz="2400" dirty="0" err="1">
+                <a:latin typeface="Source Sans Pro" panose="020B0503030403020204" pitchFamily="34" charset="0"/>
+                <a:ea typeface="Source Sans Pro" panose="020B0503030403020204" pitchFamily="34" charset="0"/>
+              </a:rPr>
+              <a:t>values</a:t>
+            </a:r>
+            <a:r>
+              <a:rPr lang="de-DE" sz="2400" dirty="0">
+                <a:latin typeface="Source Sans Pro" panose="020B0503030403020204" pitchFamily="34" charset="0"/>
+                <a:ea typeface="Source Sans Pro" panose="020B0503030403020204" pitchFamily="34" charset="0"/>
+              </a:rPr>
+              <a:t> a </a:t>
+            </a:r>
+            <a:r>
+              <a:rPr lang="de-DE" sz="2400" dirty="0" err="1">
+                <a:latin typeface="Source Sans Pro" panose="020B0503030403020204" pitchFamily="34" charset="0"/>
+                <a:ea typeface="Source Sans Pro" panose="020B0503030403020204" pitchFamily="34" charset="0"/>
+              </a:rPr>
+              <a:t>rightward</a:t>
+            </a:r>
+            <a:r>
+              <a:rPr lang="de-DE" sz="2400" dirty="0">
+                <a:latin typeface="Source Sans Pro" panose="020B0503030403020204" pitchFamily="34" charset="0"/>
+                <a:ea typeface="Source Sans Pro" panose="020B0503030403020204" pitchFamily="34" charset="0"/>
+              </a:rPr>
+              <a:t> shift, and </a:t>
+            </a:r>
+            <a:r>
+              <a:rPr lang="de-DE" sz="2400" dirty="0" err="1">
+                <a:latin typeface="Source Sans Pro" panose="020B0503030403020204" pitchFamily="34" charset="0"/>
+                <a:ea typeface="Source Sans Pro" panose="020B0503030403020204" pitchFamily="34" charset="0"/>
+              </a:rPr>
+              <a:t>values</a:t>
+            </a:r>
+            <a:r>
+              <a:rPr lang="de-DE" sz="2400" dirty="0">
+                <a:latin typeface="Source Sans Pro" panose="020B0503030403020204" pitchFamily="34" charset="0"/>
+                <a:ea typeface="Source Sans Pro" panose="020B0503030403020204" pitchFamily="34" charset="0"/>
+              </a:rPr>
+              <a:t> </a:t>
+            </a:r>
+            <a:r>
+              <a:rPr lang="de-DE" sz="2400" dirty="0" err="1">
+                <a:latin typeface="Source Sans Pro" panose="020B0503030403020204" pitchFamily="34" charset="0"/>
+                <a:ea typeface="Source Sans Pro" panose="020B0503030403020204" pitchFamily="34" charset="0"/>
+              </a:rPr>
+              <a:t>near</a:t>
+            </a:r>
+            <a:r>
+              <a:rPr lang="de-DE" sz="2400" dirty="0">
+                <a:latin typeface="Source Sans Pro" panose="020B0503030403020204" pitchFamily="34" charset="0"/>
+                <a:ea typeface="Source Sans Pro" panose="020B0503030403020204" pitchFamily="34" charset="0"/>
+              </a:rPr>
+              <a:t> </a:t>
+            </a:r>
+            <a:r>
+              <a:rPr lang="de-DE" sz="2400" dirty="0" err="1">
+                <a:latin typeface="Source Sans Pro" panose="020B0503030403020204" pitchFamily="34" charset="0"/>
+                <a:ea typeface="Source Sans Pro" panose="020B0503030403020204" pitchFamily="34" charset="0"/>
+              </a:rPr>
+              <a:t>zero</a:t>
+            </a:r>
+            <a:r>
+              <a:rPr lang="de-DE" sz="2400" dirty="0">
+                <a:latin typeface="Source Sans Pro" panose="020B0503030403020204" pitchFamily="34" charset="0"/>
+                <a:ea typeface="Source Sans Pro" panose="020B0503030403020204" pitchFamily="34" charset="0"/>
+              </a:rPr>
+              <a:t> </a:t>
+            </a:r>
+            <a:r>
+              <a:rPr lang="de-DE" sz="2400" dirty="0" err="1">
+                <a:latin typeface="Source Sans Pro" panose="020B0503030403020204" pitchFamily="34" charset="0"/>
+                <a:ea typeface="Source Sans Pro" panose="020B0503030403020204" pitchFamily="34" charset="0"/>
+              </a:rPr>
+              <a:t>no</a:t>
+            </a:r>
+            <a:r>
+              <a:rPr lang="de-DE" sz="2400" dirty="0">
+                <a:latin typeface="Source Sans Pro" panose="020B0503030403020204" pitchFamily="34" charset="0"/>
+                <a:ea typeface="Source Sans Pro" panose="020B0503030403020204" pitchFamily="34" charset="0"/>
+              </a:rPr>
+              <a:t> </a:t>
+            </a:r>
+            <a:r>
+              <a:rPr lang="de-DE" sz="2400" dirty="0" err="1">
+                <a:latin typeface="Source Sans Pro" panose="020B0503030403020204" pitchFamily="34" charset="0"/>
+                <a:ea typeface="Source Sans Pro" panose="020B0503030403020204" pitchFamily="34" charset="0"/>
+              </a:rPr>
+              <a:t>change</a:t>
+            </a:r>
+            <a:r>
+              <a:rPr lang="de-DE" sz="2400" dirty="0">
+                <a:latin typeface="Source Sans Pro" panose="020B0503030403020204" pitchFamily="34" charset="0"/>
+                <a:ea typeface="Source Sans Pro" panose="020B0503030403020204" pitchFamily="34" charset="0"/>
+              </a:rPr>
+              <a:t> in </a:t>
+            </a:r>
+            <a:r>
+              <a:rPr lang="de-DE" sz="2400" dirty="0" err="1">
+                <a:latin typeface="Source Sans Pro" panose="020B0503030403020204" pitchFamily="34" charset="0"/>
+                <a:ea typeface="Source Sans Pro" panose="020B0503030403020204" pitchFamily="34" charset="0"/>
+              </a:rPr>
+              <a:t>distribution</a:t>
+            </a:r>
+            <a:r>
+              <a:rPr lang="de-DE" sz="2400" dirty="0">
+                <a:latin typeface="Source Sans Pro" panose="020B0503030403020204" pitchFamily="34" charset="0"/>
+                <a:ea typeface="Source Sans Pro" panose="020B0503030403020204" pitchFamily="34" charset="0"/>
+              </a:rPr>
               <a:t>.</a:t>
             </a:r>
           </a:p>
           <a:p>
-            <a:pPr lvl="1"/>
-            <a:r>
-              <a:rPr lang="de-DE" dirty="0"/>
-              <a:t>Peaks </a:t>
-            </a:r>
-            <a:r>
-              <a:rPr lang="de-DE" dirty="0" err="1"/>
-              <a:t>were</a:t>
-            </a:r>
-            <a:r>
-              <a:rPr lang="de-DE" dirty="0"/>
+            <a:pPr algn="just"/>
+            <a:endParaRPr lang="en-US" sz="2400" dirty="0">
+              <a:latin typeface="Source Sans Pro" panose="020B0503030403020204" pitchFamily="34" charset="0"/>
+              <a:ea typeface="Source Sans Pro" panose="020B0503030403020204" pitchFamily="34" charset="0"/>
+            </a:endParaRPr>
+          </a:p>
+        </p:txBody>
+      </p:sp>
+      <p:pic>
+        <p:nvPicPr>
+          <p:cNvPr id="41" name="Grafik 40">
+            <a:extLst>
+              <a:ext uri="{FF2B5EF4-FFF2-40B4-BE49-F238E27FC236}">
+                <a16:creationId xmlns:a16="http://schemas.microsoft.com/office/drawing/2014/main" id="{085B1AAD-70BC-D43F-DE61-2739306A23EC}"/>
+              </a:ext>
+            </a:extLst>
+          </p:cNvPr>
+          <p:cNvPicPr>
+            <a:picLocks noChangeAspect="1"/>
+          </p:cNvPicPr>
+          <p:nvPr/>
+        </p:nvPicPr>
+        <p:blipFill>
+          <a:blip r:embed="rId14"/>
+          <a:stretch>
+            <a:fillRect/>
+          </a:stretch>
+        </p:blipFill>
+        <p:spPr>
+          <a:xfrm>
+            <a:off x="8454772" y="12292692"/>
+            <a:ext cx="6236519" cy="3421957"/>
+          </a:xfrm>
+          <a:prstGeom prst="rect">
+            <a:avLst/>
+          </a:prstGeom>
+        </p:spPr>
+      </p:pic>
+      <p:grpSp>
+        <p:nvGrpSpPr>
+          <p:cNvPr id="42" name="Gruppieren 41">
+            <a:extLst>
+              <a:ext uri="{FF2B5EF4-FFF2-40B4-BE49-F238E27FC236}">
+                <a16:creationId xmlns:a16="http://schemas.microsoft.com/office/drawing/2014/main" id="{AF808B17-6572-A307-B9E8-253821F89EE7}"/>
+              </a:ext>
+            </a:extLst>
+          </p:cNvPr>
+          <p:cNvGrpSpPr/>
+          <p:nvPr/>
+        </p:nvGrpSpPr>
+        <p:grpSpPr>
+          <a:xfrm>
+            <a:off x="3823405" y="17284807"/>
+            <a:ext cx="4328867" cy="860116"/>
+            <a:chOff x="8711954" y="13579284"/>
+            <a:chExt cx="4328867" cy="860116"/>
+          </a:xfrm>
+        </p:grpSpPr>
+        <p:sp>
+          <p:nvSpPr>
+            <p:cNvPr id="45" name="Abgerundetes Rechteck 44">
+              <a:extLst>
+                <a:ext uri="{FF2B5EF4-FFF2-40B4-BE49-F238E27FC236}">
+                  <a16:creationId xmlns:a16="http://schemas.microsoft.com/office/drawing/2014/main" id="{383CE23E-E30E-605A-7CAB-C3F82B7FB91A}"/>
+                </a:ext>
+              </a:extLst>
+            </p:cNvPr>
+            <p:cNvSpPr/>
+            <p:nvPr/>
+          </p:nvSpPr>
+          <p:spPr>
+            <a:xfrm>
+              <a:off x="8711954" y="13579284"/>
+              <a:ext cx="4328867" cy="860116"/>
+            </a:xfrm>
+            <a:prstGeom prst="roundRect">
+              <a:avLst/>
+            </a:prstGeom>
+            <a:solidFill>
+              <a:srgbClr val="FCF2F1"/>
+            </a:solidFill>
+            <a:ln w="25400">
+              <a:solidFill>
+                <a:srgbClr val="B22F27"/>
+              </a:solidFill>
+            </a:ln>
+          </p:spPr>
+          <p:style>
+            <a:lnRef idx="2">
+              <a:schemeClr val="accent1">
+                <a:shade val="15000"/>
+              </a:schemeClr>
+            </a:lnRef>
+            <a:fillRef idx="1">
+              <a:schemeClr val="accent1"/>
+            </a:fillRef>
+            <a:effectRef idx="0">
+              <a:schemeClr val="accent1"/>
+            </a:effectRef>
+            <a:fontRef idx="minor">
+              <a:schemeClr val="lt1"/>
+            </a:fontRef>
+          </p:style>
+          <p:txBody>
+            <a:bodyPr rtlCol="0" anchor="t"/>
+            <a:lstStyle/>
+            <a:p>
+              <a:pPr algn="r"/>
+              <a:endParaRPr lang="en-US" sz="3600" dirty="0">
+                <a:solidFill>
+                  <a:schemeClr val="tx1"/>
+                </a:solidFill>
+              </a:endParaRPr>
+            </a:p>
+          </p:txBody>
+        </p:sp>
+        <mc:AlternateContent xmlns:mc="http://schemas.openxmlformats.org/markup-compatibility/2006" xmlns:a14="http://schemas.microsoft.com/office/drawing/2010/main">
+          <mc:Choice Requires="a14">
+            <p:sp>
+              <p:nvSpPr>
+                <p:cNvPr id="47" name="Textfeld 46">
+                  <a:extLst>
+                    <a:ext uri="{FF2B5EF4-FFF2-40B4-BE49-F238E27FC236}">
+                      <a16:creationId xmlns:a16="http://schemas.microsoft.com/office/drawing/2014/main" id="{C8697122-1F57-2A95-C751-74F7E5823F08}"/>
+                    </a:ext>
+                  </a:extLst>
+                </p:cNvPr>
+                <p:cNvSpPr txBox="1"/>
+                <p:nvPr/>
+              </p:nvSpPr>
+              <p:spPr>
+                <a:xfrm>
+                  <a:off x="8827773" y="13663964"/>
+                  <a:ext cx="3990516" cy="721480"/>
+                </a:xfrm>
+                <a:prstGeom prst="rect">
+                  <a:avLst/>
+                </a:prstGeom>
+                <a:noFill/>
+              </p:spPr>
+              <p:txBody>
+                <a:bodyPr wrap="none" lIns="0" tIns="0" rIns="0" bIns="0" rtlCol="0">
+                  <a:spAutoFit/>
+                </a:bodyPr>
+                <a:lstStyle/>
+                <a:p>
+                  <a:pPr/>
+                  <a14:m>
+                    <m:oMathPara xmlns:m="http://schemas.openxmlformats.org/officeDocument/2006/math">
+                      <m:oMathParaPr>
+                        <m:jc m:val="centerGroup"/>
+                      </m:oMathParaPr>
+                      <m:oMath xmlns:m="http://schemas.openxmlformats.org/officeDocument/2006/math">
+                        <m:r>
+                          <a:rPr lang="de-DE" sz="2000" b="0" i="1" smtClean="0">
+                            <a:latin typeface="Cambria Math" panose="02040503050406030204" pitchFamily="18" charset="0"/>
+                          </a:rPr>
+                          <m:t>𝐶𝑜𝑀</m:t>
+                        </m:r>
+                        <m:r>
+                          <a:rPr lang="de-DE" sz="2000" b="0" i="1" smtClean="0">
+                            <a:latin typeface="Cambria Math" panose="02040503050406030204" pitchFamily="18" charset="0"/>
+                          </a:rPr>
+                          <m:t>= </m:t>
+                        </m:r>
+                        <m:f>
+                          <m:fPr>
+                            <m:ctrlPr>
+                              <a:rPr lang="de-DE" sz="2000" b="0" i="1" smtClean="0">
+                                <a:latin typeface="Cambria Math" panose="02040503050406030204" pitchFamily="18" charset="0"/>
+                              </a:rPr>
+                            </m:ctrlPr>
+                          </m:fPr>
+                          <m:num>
+                            <m:nary>
+                              <m:naryPr>
+                                <m:chr m:val="∑"/>
+                                <m:limLoc m:val="subSup"/>
+                                <m:ctrlPr>
+                                  <a:rPr lang="de-DE" sz="2000" b="0" i="1" smtClean="0">
+                                    <a:latin typeface="Cambria Math" panose="02040503050406030204" pitchFamily="18" charset="0"/>
+                                  </a:rPr>
+                                </m:ctrlPr>
+                              </m:naryPr>
+                              <m:sub>
+                                <m:r>
+                                  <m:rPr>
+                                    <m:brk m:alnAt="25"/>
+                                  </m:rPr>
+                                  <a:rPr lang="de-DE" sz="2000" b="0" i="1" smtClean="0">
+                                    <a:latin typeface="Cambria Math" panose="02040503050406030204" pitchFamily="18" charset="0"/>
+                                  </a:rPr>
+                                  <m:t>𝑖</m:t>
+                                </m:r>
+                                <m:r>
+                                  <a:rPr lang="de-DE" sz="2000" b="0" i="1" smtClean="0">
+                                    <a:latin typeface="Cambria Math" panose="02040503050406030204" pitchFamily="18" charset="0"/>
+                                  </a:rPr>
+                                  <m:t>=1</m:t>
+                                </m:r>
+                              </m:sub>
+                              <m:sup>
+                                <m:r>
+                                  <a:rPr lang="de-DE" sz="2000" b="0" i="1" smtClean="0">
+                                    <a:latin typeface="Cambria Math" panose="02040503050406030204" pitchFamily="18" charset="0"/>
+                                  </a:rPr>
+                                  <m:t>25</m:t>
+                                </m:r>
+                              </m:sup>
+                              <m:e>
+                                <m:sSub>
+                                  <m:sSubPr>
+                                    <m:ctrlPr>
+                                      <a:rPr lang="de-DE" sz="2000" b="0" i="1" smtClean="0">
+                                        <a:latin typeface="Cambria Math" panose="02040503050406030204" pitchFamily="18" charset="0"/>
+                                      </a:rPr>
+                                    </m:ctrlPr>
+                                  </m:sSubPr>
+                                  <m:e>
+                                    <m:r>
+                                      <a:rPr lang="de-DE" sz="2000" b="0" i="1" smtClean="0">
+                                        <a:latin typeface="Cambria Math" panose="02040503050406030204" pitchFamily="18" charset="0"/>
+                                      </a:rPr>
+                                      <m:t>𝑓𝑟𝑎𝑐𝑡𝑖𝑜𝑛</m:t>
+                                    </m:r>
+                                  </m:e>
+                                  <m:sub>
+                                    <m:r>
+                                      <a:rPr lang="de-DE" sz="2000" b="0" i="1" smtClean="0">
+                                        <a:latin typeface="Cambria Math" panose="02040503050406030204" pitchFamily="18" charset="0"/>
+                                      </a:rPr>
+                                      <m:t>𝑖</m:t>
+                                    </m:r>
+                                  </m:sub>
+                                </m:sSub>
+                                <m:r>
+                                  <a:rPr lang="de-DE" sz="2000" b="0" i="1" smtClean="0">
+                                    <a:latin typeface="Cambria Math" panose="02040503050406030204" pitchFamily="18" charset="0"/>
+                                  </a:rPr>
+                                  <m:t>∗ </m:t>
+                                </m:r>
+                                <m:sSub>
+                                  <m:sSubPr>
+                                    <m:ctrlPr>
+                                      <a:rPr lang="de-DE" sz="2000" b="0" i="1" smtClean="0">
+                                        <a:latin typeface="Cambria Math" panose="02040503050406030204" pitchFamily="18" charset="0"/>
+                                      </a:rPr>
+                                    </m:ctrlPr>
+                                  </m:sSubPr>
+                                  <m:e>
+                                    <m:r>
+                                      <a:rPr lang="de-DE" sz="2000" b="0" i="1" smtClean="0">
+                                        <a:latin typeface="Cambria Math" panose="02040503050406030204" pitchFamily="18" charset="0"/>
+                                      </a:rPr>
+                                      <m:t>𝑖𝑛𝑡𝑒𝑛𝑠𝑖𝑡𝑦</m:t>
+                                    </m:r>
+                                  </m:e>
+                                  <m:sub>
+                                    <m:r>
+                                      <a:rPr lang="de-DE" sz="2000" b="0" i="1" smtClean="0">
+                                        <a:latin typeface="Cambria Math" panose="02040503050406030204" pitchFamily="18" charset="0"/>
+                                      </a:rPr>
+                                      <m:t>𝑖</m:t>
+                                    </m:r>
+                                  </m:sub>
+                                </m:sSub>
+                              </m:e>
+                            </m:nary>
+                          </m:num>
+                          <m:den>
+                            <m:nary>
+                              <m:naryPr>
+                                <m:chr m:val="∑"/>
+                                <m:limLoc m:val="subSup"/>
+                                <m:ctrlPr>
+                                  <a:rPr lang="de-DE" sz="2000" b="0" i="1" smtClean="0">
+                                    <a:latin typeface="Cambria Math" panose="02040503050406030204" pitchFamily="18" charset="0"/>
+                                  </a:rPr>
+                                </m:ctrlPr>
+                              </m:naryPr>
+                              <m:sub>
+                                <m:r>
+                                  <m:rPr>
+                                    <m:brk m:alnAt="25"/>
+                                  </m:rPr>
+                                  <a:rPr lang="de-DE" sz="2000" b="0" i="1" smtClean="0">
+                                    <a:latin typeface="Cambria Math" panose="02040503050406030204" pitchFamily="18" charset="0"/>
+                                  </a:rPr>
+                                  <m:t>𝑖</m:t>
+                                </m:r>
+                                <m:r>
+                                  <a:rPr lang="de-DE" sz="2000" b="0" i="1" smtClean="0">
+                                    <a:latin typeface="Cambria Math" panose="02040503050406030204" pitchFamily="18" charset="0"/>
+                                  </a:rPr>
+                                  <m:t>=1</m:t>
+                                </m:r>
+                              </m:sub>
+                              <m:sup>
+                                <m:r>
+                                  <a:rPr lang="de-DE" sz="2000" b="0" i="1" smtClean="0">
+                                    <a:latin typeface="Cambria Math" panose="02040503050406030204" pitchFamily="18" charset="0"/>
+                                  </a:rPr>
+                                  <m:t>25</m:t>
+                                </m:r>
+                              </m:sup>
+                              <m:e>
+                                <m:sSub>
+                                  <m:sSubPr>
+                                    <m:ctrlPr>
+                                      <a:rPr lang="de-DE" sz="2000" b="0" i="1" smtClean="0">
+                                        <a:latin typeface="Cambria Math" panose="02040503050406030204" pitchFamily="18" charset="0"/>
+                                      </a:rPr>
+                                    </m:ctrlPr>
+                                  </m:sSubPr>
+                                  <m:e>
+                                    <m:r>
+                                      <a:rPr lang="de-DE" sz="2000" b="0" i="1" smtClean="0">
+                                        <a:latin typeface="Cambria Math" panose="02040503050406030204" pitchFamily="18" charset="0"/>
+                                      </a:rPr>
+                                      <m:t>𝑖𝑛𝑡𝑒𝑛𝑠𝑖𝑡𝑦</m:t>
+                                    </m:r>
+                                  </m:e>
+                                  <m:sub>
+                                    <m:r>
+                                      <a:rPr lang="de-DE" sz="2000" b="0" i="1" smtClean="0">
+                                        <a:latin typeface="Cambria Math" panose="02040503050406030204" pitchFamily="18" charset="0"/>
+                                      </a:rPr>
+                                      <m:t>𝑖</m:t>
+                                    </m:r>
+                                  </m:sub>
+                                </m:sSub>
+                              </m:e>
+                            </m:nary>
+                          </m:den>
+                        </m:f>
+                      </m:oMath>
+                    </m:oMathPara>
+                  </a14:m>
+                  <a:endParaRPr lang="en-US" sz="2000" dirty="0"/>
+                </a:p>
+              </p:txBody>
+            </p:sp>
+          </mc:Choice>
+          <mc:Fallback xmlns="">
+            <p:sp>
+              <p:nvSpPr>
+                <p:cNvPr id="67" name="Textfeld 66">
+                  <a:extLst>
+                    <a:ext uri="{FF2B5EF4-FFF2-40B4-BE49-F238E27FC236}">
+                      <a16:creationId xmlns:a16="http://schemas.microsoft.com/office/drawing/2014/main" id="{9303BE98-8E93-1F5E-26C1-7C6E72A7E9EF}"/>
+                    </a:ext>
+                  </a:extLst>
+                </p:cNvPr>
+                <p:cNvSpPr txBox="1">
+                  <a:spLocks noRot="1" noChangeAspect="1" noMove="1" noResize="1" noEditPoints="1" noAdjustHandles="1" noChangeArrowheads="1" noChangeShapeType="1" noTextEdit="1"/>
+                </p:cNvSpPr>
+                <p:nvPr/>
+              </p:nvSpPr>
+              <p:spPr>
+                <a:xfrm>
+                  <a:off x="8827773" y="13663964"/>
+                  <a:ext cx="3990516" cy="721480"/>
+                </a:xfrm>
+                <a:prstGeom prst="rect">
+                  <a:avLst/>
+                </a:prstGeom>
+                <a:blipFill>
+                  <a:blip r:embed="rId15"/>
+                  <a:stretch>
+                    <a:fillRect l="-952" t="-67241" b="-103448"/>
+                  </a:stretch>
+                </a:blipFill>
+              </p:spPr>
+              <p:txBody>
+                <a:bodyPr/>
+                <a:lstStyle/>
+                <a:p>
+                  <a:r>
+                    <a:rPr lang="en-US">
+                      <a:noFill/>
+                    </a:rPr>
+                    <a:t> </a:t>
+                  </a:r>
+                </a:p>
+              </p:txBody>
+            </p:sp>
+          </mc:Fallback>
+        </mc:AlternateContent>
+      </p:grpSp>
+      <p:graphicFrame>
+        <p:nvGraphicFramePr>
+          <p:cNvPr id="48" name="Diagramm 47">
+            <a:extLst>
+              <a:ext uri="{FF2B5EF4-FFF2-40B4-BE49-F238E27FC236}">
+                <a16:creationId xmlns:a16="http://schemas.microsoft.com/office/drawing/2014/main" id="{B4582048-10B5-61D2-9583-8E75A86FF2D5}"/>
+              </a:ext>
+            </a:extLst>
+          </p:cNvPr>
+          <p:cNvGraphicFramePr/>
+          <p:nvPr>
+            <p:extLst>
+              <p:ext uri="{D42A27DB-BD31-4B8C-83A1-F6EECF244321}">
+                <p14:modId xmlns:p14="http://schemas.microsoft.com/office/powerpoint/2010/main" val="4140878414"/>
+              </p:ext>
+            </p:extLst>
+          </p:nvPr>
+        </p:nvGraphicFramePr>
+        <p:xfrm>
+          <a:off x="10263008" y="17649999"/>
+          <a:ext cx="4328867" cy="2525627"/>
+        </p:xfrm>
+        <a:graphic>
+          <a:graphicData uri="http://schemas.openxmlformats.org/drawingml/2006/chart">
+            <c:chart xmlns:c="http://schemas.openxmlformats.org/drawingml/2006/chart" xmlns:r="http://schemas.openxmlformats.org/officeDocument/2006/relationships" r:id="rId16"/>
+          </a:graphicData>
+        </a:graphic>
+      </p:graphicFrame>
+      <p:sp>
+        <p:nvSpPr>
+          <p:cNvPr id="49" name="Textfeld 48">
+            <a:extLst>
+              <a:ext uri="{FF2B5EF4-FFF2-40B4-BE49-F238E27FC236}">
+                <a16:creationId xmlns:a16="http://schemas.microsoft.com/office/drawing/2014/main" id="{06A51717-529C-69ED-4034-81B1351AD584}"/>
+              </a:ext>
+            </a:extLst>
+          </p:cNvPr>
+          <p:cNvSpPr txBox="1"/>
+          <p:nvPr/>
+        </p:nvSpPr>
+        <p:spPr>
+          <a:xfrm>
+            <a:off x="829098" y="17798789"/>
+            <a:ext cx="9214407" cy="3631763"/>
+          </a:xfrm>
+          <a:prstGeom prst="rect">
+            <a:avLst/>
+          </a:prstGeom>
+          <a:noFill/>
+        </p:spPr>
+        <p:txBody>
+          <a:bodyPr wrap="square" rtlCol="0">
+            <a:spAutoFit/>
+          </a:bodyPr>
+          <a:lstStyle/>
+          <a:p>
+            <a:pPr algn="just"/>
+            <a:r>
+              <a:rPr lang="de-DE" sz="2400" b="1" dirty="0">
+                <a:latin typeface="Source Sans Pro" panose="020B0503030403020204" pitchFamily="34" charset="0"/>
+                <a:ea typeface="Source Sans Pro" panose="020B0503030403020204" pitchFamily="34" charset="0"/>
+              </a:rPr>
+              <a:t>Statistical Analysis</a:t>
+            </a:r>
+          </a:p>
+          <a:p>
+            <a:pPr algn="just"/>
+            <a:endParaRPr lang="de-DE" sz="1000" dirty="0">
+              <a:latin typeface="Source Sans Pro" panose="020B0503030403020204" pitchFamily="34" charset="0"/>
+              <a:ea typeface="Source Sans Pro" panose="020B0503030403020204" pitchFamily="34" charset="0"/>
+            </a:endParaRPr>
+          </a:p>
+          <a:p>
+            <a:pPr algn="just"/>
+            <a:r>
+              <a:rPr lang="de-DE" sz="2400" b="1" dirty="0">
+                <a:latin typeface="Source Sans Pro" panose="020B0503030403020204" pitchFamily="34" charset="0"/>
+                <a:ea typeface="Source Sans Pro" panose="020B0503030403020204" pitchFamily="34" charset="0"/>
+              </a:rPr>
+              <a:t>T-Test: </a:t>
+            </a:r>
+            <a:r>
+              <a:rPr lang="de-DE" sz="2400" dirty="0" err="1">
+                <a:latin typeface="Source Sans Pro" panose="020B0503030403020204" pitchFamily="34" charset="0"/>
+                <a:ea typeface="Source Sans Pro" panose="020B0503030403020204" pitchFamily="34" charset="0"/>
+              </a:rPr>
+              <a:t>To</a:t>
+            </a:r>
+            <a:r>
+              <a:rPr lang="de-DE" sz="2400" dirty="0">
+                <a:latin typeface="Source Sans Pro" panose="020B0503030403020204" pitchFamily="34" charset="0"/>
+                <a:ea typeface="Source Sans Pro" panose="020B0503030403020204" pitchFamily="34" charset="0"/>
+              </a:rPr>
               <a:t> </a:t>
             </a:r>
             <a:r>
-              <a:rPr lang="de-DE" dirty="0" err="1"/>
-              <a:t>accepted</a:t>
-            </a:r>
-            <a:r>
-              <a:rPr lang="de-DE" dirty="0"/>
+              <a:rPr lang="de-DE" sz="2400" dirty="0" err="1">
+                <a:latin typeface="Source Sans Pro" panose="020B0503030403020204" pitchFamily="34" charset="0"/>
+                <a:ea typeface="Source Sans Pro" panose="020B0503030403020204" pitchFamily="34" charset="0"/>
+              </a:rPr>
+              <a:t>statistically</a:t>
+            </a:r>
+            <a:r>
+              <a:rPr lang="de-DE" sz="2400" dirty="0">
+                <a:latin typeface="Source Sans Pro" panose="020B0503030403020204" pitchFamily="34" charset="0"/>
+                <a:ea typeface="Source Sans Pro" panose="020B0503030403020204" pitchFamily="34" charset="0"/>
+              </a:rPr>
               <a:t> </a:t>
             </a:r>
             <a:r>
-              <a:rPr lang="de-DE" dirty="0" err="1"/>
-              <a:t>if</a:t>
-            </a:r>
-            <a:r>
-              <a:rPr lang="de-DE" dirty="0"/>
+              <a:rPr lang="de-DE" sz="2400" dirty="0" err="1">
+                <a:latin typeface="Source Sans Pro" panose="020B0503030403020204" pitchFamily="34" charset="0"/>
+                <a:ea typeface="Source Sans Pro" panose="020B0503030403020204" pitchFamily="34" charset="0"/>
+              </a:rPr>
+              <a:t>assess</a:t>
+            </a:r>
+            <a:r>
+              <a:rPr lang="de-DE" sz="2400" dirty="0">
+                <a:latin typeface="Source Sans Pro" panose="020B0503030403020204" pitchFamily="34" charset="0"/>
+                <a:ea typeface="Source Sans Pro" panose="020B0503030403020204" pitchFamily="34" charset="0"/>
+              </a:rPr>
+              <a:t> RNA </a:t>
+            </a:r>
+            <a:r>
+              <a:rPr lang="de-DE" sz="2400" dirty="0" err="1">
+                <a:latin typeface="Source Sans Pro" panose="020B0503030403020204" pitchFamily="34" charset="0"/>
+                <a:ea typeface="Source Sans Pro" panose="020B0503030403020204" pitchFamily="34" charset="0"/>
+              </a:rPr>
+              <a:t>dependence</a:t>
+            </a:r>
+            <a:r>
+              <a:rPr lang="de-DE" sz="2400" dirty="0">
+                <a:latin typeface="Source Sans Pro" panose="020B0503030403020204" pitchFamily="34" charset="0"/>
+                <a:ea typeface="Source Sans Pro" panose="020B0503030403020204" pitchFamily="34" charset="0"/>
+              </a:rPr>
+              <a:t>, </a:t>
+            </a:r>
+            <a:r>
+              <a:rPr lang="de-DE" sz="2400" dirty="0" err="1">
+                <a:latin typeface="Source Sans Pro" panose="020B0503030403020204" pitchFamily="34" charset="0"/>
+                <a:ea typeface="Source Sans Pro" panose="020B0503030403020204" pitchFamily="34" charset="0"/>
+              </a:rPr>
+              <a:t>we</a:t>
+            </a:r>
+            <a:r>
+              <a:rPr lang="de-DE" sz="2400" dirty="0">
+                <a:latin typeface="Source Sans Pro" panose="020B0503030403020204" pitchFamily="34" charset="0"/>
+                <a:ea typeface="Source Sans Pro" panose="020B0503030403020204" pitchFamily="34" charset="0"/>
+              </a:rPr>
               <a:t> </a:t>
             </a:r>
             <a:r>
-              <a:rPr lang="de-DE" dirty="0" err="1"/>
-              <a:t>their</a:t>
-            </a:r>
-            <a:r>
-              <a:rPr lang="de-DE" dirty="0"/>
+              <a:rPr lang="de-DE" sz="2400" dirty="0" err="1">
+                <a:latin typeface="Source Sans Pro" panose="020B0503030403020204" pitchFamily="34" charset="0"/>
+                <a:ea typeface="Source Sans Pro" panose="020B0503030403020204" pitchFamily="34" charset="0"/>
+              </a:rPr>
+              <a:t>computed</a:t>
+            </a:r>
+            <a:r>
+              <a:rPr lang="de-DE" sz="2400" dirty="0">
+                <a:latin typeface="Source Sans Pro" panose="020B0503030403020204" pitchFamily="34" charset="0"/>
+                <a:ea typeface="Source Sans Pro" panose="020B0503030403020204" pitchFamily="34" charset="0"/>
+              </a:rPr>
+              <a:t> shift </a:t>
+            </a:r>
+            <a:r>
+              <a:rPr lang="de-DE" sz="2400" dirty="0" err="1">
+                <a:latin typeface="Source Sans Pro" panose="020B0503030403020204" pitchFamily="34" charset="0"/>
+                <a:ea typeface="Source Sans Pro" panose="020B0503030403020204" pitchFamily="34" charset="0"/>
+              </a:rPr>
+              <a:t>distances</a:t>
+            </a:r>
+            <a:r>
+              <a:rPr lang="de-DE" sz="2400" dirty="0">
+                <a:latin typeface="Source Sans Pro" panose="020B0503030403020204" pitchFamily="34" charset="0"/>
+                <a:ea typeface="Source Sans Pro" panose="020B0503030403020204" pitchFamily="34" charset="0"/>
+              </a:rPr>
               <a:t> </a:t>
             </a:r>
             <a:r>
-              <a:rPr lang="de-DE" dirty="0" err="1"/>
-              <a:t>intensity</a:t>
-            </a:r>
-            <a:r>
-              <a:rPr lang="de-DE" dirty="0"/>
+              <a:rPr lang="de-DE" sz="2400" dirty="0" err="1">
+                <a:latin typeface="Source Sans Pro" panose="020B0503030403020204" pitchFamily="34" charset="0"/>
+                <a:ea typeface="Source Sans Pro" panose="020B0503030403020204" pitchFamily="34" charset="0"/>
+              </a:rPr>
+              <a:t>from</a:t>
+            </a:r>
+            <a:r>
+              <a:rPr lang="de-DE" sz="2400" dirty="0">
+                <a:latin typeface="Source Sans Pro" panose="020B0503030403020204" pitchFamily="34" charset="0"/>
+                <a:ea typeface="Source Sans Pro" panose="020B0503030403020204" pitchFamily="34" charset="0"/>
+              </a:rPr>
               <a:t> </a:t>
             </a:r>
             <a:r>
-              <a:rPr lang="de-DE" dirty="0" err="1"/>
+              <a:rPr lang="de-DE" sz="2400" dirty="0" err="1">
+                <a:latin typeface="Source Sans Pro" panose="020B0503030403020204" pitchFamily="34" charset="0"/>
+                <a:ea typeface="Source Sans Pro" panose="020B0503030403020204" pitchFamily="34" charset="0"/>
+              </a:rPr>
+              <a:t>CoM</a:t>
+            </a:r>
+            <a:r>
+              <a:rPr lang="de-DE" sz="2400" dirty="0">
+                <a:latin typeface="Source Sans Pro" panose="020B0503030403020204" pitchFamily="34" charset="0"/>
+                <a:ea typeface="Source Sans Pro" panose="020B0503030403020204" pitchFamily="34" charset="0"/>
+              </a:rPr>
+              <a:t> </a:t>
+            </a:r>
+            <a:r>
+              <a:rPr lang="de-DE" sz="2400" dirty="0" err="1">
+                <a:latin typeface="Source Sans Pro" panose="020B0503030403020204" pitchFamily="34" charset="0"/>
+                <a:ea typeface="Source Sans Pro" panose="020B0503030403020204" pitchFamily="34" charset="0"/>
+              </a:rPr>
+              <a:t>values</a:t>
+            </a:r>
+            <a:r>
+              <a:rPr lang="de-DE" sz="2400" dirty="0">
+                <a:latin typeface="Source Sans Pro" panose="020B0503030403020204" pitchFamily="34" charset="0"/>
+                <a:ea typeface="Source Sans Pro" panose="020B0503030403020204" pitchFamily="34" charset="0"/>
+              </a:rPr>
+              <a:t> </a:t>
+            </a:r>
+            <a:r>
+              <a:rPr lang="de-DE" sz="2400" dirty="0" err="1">
+                <a:latin typeface="Source Sans Pro" panose="020B0503030403020204" pitchFamily="34" charset="0"/>
+                <a:ea typeface="Source Sans Pro" panose="020B0503030403020204" pitchFamily="34" charset="0"/>
+              </a:rPr>
+              <a:t>across</a:t>
+            </a:r>
+            <a:r>
+              <a:rPr lang="de-DE" sz="2400" dirty="0">
+                <a:latin typeface="Source Sans Pro" panose="020B0503030403020204" pitchFamily="34" charset="0"/>
+                <a:ea typeface="Source Sans Pro" panose="020B0503030403020204" pitchFamily="34" charset="0"/>
+              </a:rPr>
+              <a:t> all </a:t>
+            </a:r>
+            <a:r>
+              <a:rPr lang="de-DE" sz="2400" dirty="0" err="1">
+                <a:latin typeface="Source Sans Pro" panose="020B0503030403020204" pitchFamily="34" charset="0"/>
+                <a:ea typeface="Source Sans Pro" panose="020B0503030403020204" pitchFamily="34" charset="0"/>
+              </a:rPr>
+              <a:t>replicates</a:t>
+            </a:r>
+            <a:r>
+              <a:rPr lang="de-DE" sz="2400" dirty="0">
+                <a:latin typeface="Source Sans Pro" panose="020B0503030403020204" pitchFamily="34" charset="0"/>
+                <a:ea typeface="Source Sans Pro" panose="020B0503030403020204" pitchFamily="34" charset="0"/>
+              </a:rPr>
+              <a:t>. A Shapiro-Wilk </a:t>
+            </a:r>
+            <a:r>
+              <a:rPr lang="de-DE" sz="2400" dirty="0" err="1">
+                <a:latin typeface="Source Sans Pro" panose="020B0503030403020204" pitchFamily="34" charset="0"/>
+                <a:ea typeface="Source Sans Pro" panose="020B0503030403020204" pitchFamily="34" charset="0"/>
+              </a:rPr>
+              <a:t>test</a:t>
+            </a:r>
+            <a:r>
+              <a:rPr lang="de-DE" sz="2400" dirty="0">
+                <a:latin typeface="Source Sans Pro" panose="020B0503030403020204" pitchFamily="34" charset="0"/>
+                <a:ea typeface="Source Sans Pro" panose="020B0503030403020204" pitchFamily="34" charset="0"/>
+              </a:rPr>
+              <a:t> was </a:t>
+            </a:r>
+            <a:r>
+              <a:rPr lang="de-DE" sz="2400" dirty="0" err="1">
+                <a:latin typeface="Source Sans Pro" panose="020B0503030403020204" pitchFamily="34" charset="0"/>
+                <a:ea typeface="Source Sans Pro" panose="020B0503030403020204" pitchFamily="34" charset="0"/>
+              </a:rPr>
+              <a:t>performed</a:t>
+            </a:r>
+            <a:r>
+              <a:rPr lang="de-DE" sz="2400" dirty="0">
+                <a:latin typeface="Source Sans Pro" panose="020B0503030403020204" pitchFamily="34" charset="0"/>
+                <a:ea typeface="Source Sans Pro" panose="020B0503030403020204" pitchFamily="34" charset="0"/>
+              </a:rPr>
+              <a:t> </a:t>
+            </a:r>
+            <a:r>
+              <a:rPr lang="de-DE" sz="2400" dirty="0" err="1">
+                <a:latin typeface="Source Sans Pro" panose="020B0503030403020204" pitchFamily="34" charset="0"/>
+                <a:ea typeface="Source Sans Pro" panose="020B0503030403020204" pitchFamily="34" charset="0"/>
+              </a:rPr>
+              <a:t>to</a:t>
+            </a:r>
+            <a:r>
+              <a:rPr lang="de-DE" sz="2400" dirty="0">
+                <a:latin typeface="Source Sans Pro" panose="020B0503030403020204" pitchFamily="34" charset="0"/>
+                <a:ea typeface="Source Sans Pro" panose="020B0503030403020204" pitchFamily="34" charset="0"/>
+              </a:rPr>
+              <a:t> </a:t>
+            </a:r>
+            <a:r>
+              <a:rPr lang="de-DE" sz="2400" dirty="0" err="1">
+                <a:latin typeface="Source Sans Pro" panose="020B0503030403020204" pitchFamily="34" charset="0"/>
+                <a:ea typeface="Source Sans Pro" panose="020B0503030403020204" pitchFamily="34" charset="0"/>
+              </a:rPr>
+              <a:t>confirm</a:t>
+            </a:r>
+            <a:r>
+              <a:rPr lang="de-DE" sz="2400" dirty="0">
+                <a:latin typeface="Source Sans Pro" panose="020B0503030403020204" pitchFamily="34" charset="0"/>
+                <a:ea typeface="Source Sans Pro" panose="020B0503030403020204" pitchFamily="34" charset="0"/>
+              </a:rPr>
+              <a:t> </a:t>
+            </a:r>
+            <a:r>
+              <a:rPr lang="de-DE" sz="2400" dirty="0" err="1">
+                <a:latin typeface="Source Sans Pro" panose="020B0503030403020204" pitchFamily="34" charset="0"/>
+                <a:ea typeface="Source Sans Pro" panose="020B0503030403020204" pitchFamily="34" charset="0"/>
+              </a:rPr>
+              <a:t>normality</a:t>
+            </a:r>
+            <a:r>
+              <a:rPr lang="de-DE" sz="2400" dirty="0">
+                <a:latin typeface="Source Sans Pro" panose="020B0503030403020204" pitchFamily="34" charset="0"/>
+                <a:ea typeface="Source Sans Pro" panose="020B0503030403020204" pitchFamily="34" charset="0"/>
+              </a:rPr>
+              <a:t>. </a:t>
+            </a:r>
+            <a:r>
+              <a:rPr lang="de-DE" sz="2400" dirty="0" err="1">
+                <a:latin typeface="Source Sans Pro" panose="020B0503030403020204" pitchFamily="34" charset="0"/>
+                <a:ea typeface="Source Sans Pro" panose="020B0503030403020204" pitchFamily="34" charset="0"/>
+              </a:rPr>
+              <a:t>If</a:t>
+            </a:r>
+            <a:r>
+              <a:rPr lang="de-DE" sz="2400" dirty="0">
+                <a:latin typeface="Source Sans Pro" panose="020B0503030403020204" pitchFamily="34" charset="0"/>
+                <a:ea typeface="Source Sans Pro" panose="020B0503030403020204" pitchFamily="34" charset="0"/>
+              </a:rPr>
+              <a:t> </a:t>
+            </a:r>
+            <a:r>
+              <a:rPr lang="de-DE" sz="2400" dirty="0" err="1">
+                <a:latin typeface="Source Sans Pro" panose="020B0503030403020204" pitchFamily="34" charset="0"/>
+                <a:ea typeface="Source Sans Pro" panose="020B0503030403020204" pitchFamily="34" charset="0"/>
+              </a:rPr>
+              <a:t>normally</a:t>
+            </a:r>
+            <a:r>
+              <a:rPr lang="de-DE" sz="2400" dirty="0">
+                <a:latin typeface="Source Sans Pro" panose="020B0503030403020204" pitchFamily="34" charset="0"/>
+                <a:ea typeface="Source Sans Pro" panose="020B0503030403020204" pitchFamily="34" charset="0"/>
+              </a:rPr>
+              <a:t> </a:t>
+            </a:r>
+            <a:r>
+              <a:rPr lang="de-DE" sz="2400" dirty="0" err="1">
+                <a:latin typeface="Source Sans Pro" panose="020B0503030403020204" pitchFamily="34" charset="0"/>
+                <a:ea typeface="Source Sans Pro" panose="020B0503030403020204" pitchFamily="34" charset="0"/>
+              </a:rPr>
+              <a:t>distributed</a:t>
+            </a:r>
+            <a:r>
+              <a:rPr lang="de-DE" sz="2400" dirty="0">
+                <a:latin typeface="Source Sans Pro" panose="020B0503030403020204" pitchFamily="34" charset="0"/>
+                <a:ea typeface="Source Sans Pro" panose="020B0503030403020204" pitchFamily="34" charset="0"/>
+              </a:rPr>
+              <a:t>, a </a:t>
+            </a:r>
+            <a:r>
+              <a:rPr lang="de-DE" sz="2400" dirty="0" err="1">
+                <a:latin typeface="Source Sans Pro" panose="020B0503030403020204" pitchFamily="34" charset="0"/>
+                <a:ea typeface="Source Sans Pro" panose="020B0503030403020204" pitchFamily="34" charset="0"/>
+              </a:rPr>
+              <a:t>one-sided</a:t>
+            </a:r>
+            <a:r>
+              <a:rPr lang="de-DE" sz="2400" dirty="0">
+                <a:latin typeface="Source Sans Pro" panose="020B0503030403020204" pitchFamily="34" charset="0"/>
+                <a:ea typeface="Source Sans Pro" panose="020B0503030403020204" pitchFamily="34" charset="0"/>
+              </a:rPr>
+              <a:t> t-test was </a:t>
+            </a:r>
+            <a:r>
+              <a:rPr lang="de-DE" sz="2400" dirty="0" err="1">
+                <a:latin typeface="Source Sans Pro" panose="020B0503030403020204" pitchFamily="34" charset="0"/>
+                <a:ea typeface="Source Sans Pro" panose="020B0503030403020204" pitchFamily="34" charset="0"/>
+              </a:rPr>
+              <a:t>used</a:t>
+            </a:r>
+            <a:r>
+              <a:rPr lang="de-DE" sz="2400" dirty="0">
+                <a:latin typeface="Source Sans Pro" panose="020B0503030403020204" pitchFamily="34" charset="0"/>
+                <a:ea typeface="Source Sans Pro" panose="020B0503030403020204" pitchFamily="34" charset="0"/>
+              </a:rPr>
+              <a:t> </a:t>
+            </a:r>
+            <a:r>
+              <a:rPr lang="de-DE" sz="2400" dirty="0" err="1">
+                <a:latin typeface="Source Sans Pro" panose="020B0503030403020204" pitchFamily="34" charset="0"/>
+                <a:ea typeface="Source Sans Pro" panose="020B0503030403020204" pitchFamily="34" charset="0"/>
+              </a:rPr>
+              <a:t>to</a:t>
+            </a:r>
+            <a:r>
+              <a:rPr lang="de-DE" sz="2400" dirty="0">
+                <a:latin typeface="Source Sans Pro" panose="020B0503030403020204" pitchFamily="34" charset="0"/>
+                <a:ea typeface="Source Sans Pro" panose="020B0503030403020204" pitchFamily="34" charset="0"/>
+              </a:rPr>
+              <a:t> </a:t>
+            </a:r>
+            <a:r>
+              <a:rPr lang="de-DE" sz="2400" dirty="0" err="1">
+                <a:latin typeface="Source Sans Pro" panose="020B0503030403020204" pitchFamily="34" charset="0"/>
+                <a:ea typeface="Source Sans Pro" panose="020B0503030403020204" pitchFamily="34" charset="0"/>
+              </a:rPr>
+              <a:t>assess</a:t>
+            </a:r>
+            <a:r>
+              <a:rPr lang="de-DE" sz="2400" dirty="0">
+                <a:latin typeface="Source Sans Pro" panose="020B0503030403020204" pitchFamily="34" charset="0"/>
+                <a:ea typeface="Source Sans Pro" panose="020B0503030403020204" pitchFamily="34" charset="0"/>
+              </a:rPr>
+              <a:t> </a:t>
+            </a:r>
+            <a:r>
+              <a:rPr lang="de-DE" sz="2400" dirty="0" err="1">
+                <a:latin typeface="Source Sans Pro" panose="020B0503030403020204" pitchFamily="34" charset="0"/>
+                <a:ea typeface="Source Sans Pro" panose="020B0503030403020204" pitchFamily="34" charset="0"/>
+              </a:rPr>
+              <a:t>whether</a:t>
+            </a:r>
+            <a:r>
+              <a:rPr lang="de-DE" sz="2400" dirty="0">
+                <a:latin typeface="Source Sans Pro" panose="020B0503030403020204" pitchFamily="34" charset="0"/>
+                <a:ea typeface="Source Sans Pro" panose="020B0503030403020204" pitchFamily="34" charset="0"/>
+              </a:rPr>
+              <a:t> </a:t>
+            </a:r>
+            <a:r>
+              <a:rPr lang="de-DE" sz="2400" dirty="0" err="1">
+                <a:latin typeface="Source Sans Pro" panose="020B0503030403020204" pitchFamily="34" charset="0"/>
+                <a:ea typeface="Source Sans Pro" panose="020B0503030403020204" pitchFamily="34" charset="0"/>
+              </a:rPr>
+              <a:t>the</a:t>
+            </a:r>
+            <a:r>
+              <a:rPr lang="de-DE" sz="2400" dirty="0">
+                <a:latin typeface="Source Sans Pro" panose="020B0503030403020204" pitchFamily="34" charset="0"/>
+                <a:ea typeface="Source Sans Pro" panose="020B0503030403020204" pitchFamily="34" charset="0"/>
+              </a:rPr>
+              <a:t> </a:t>
+            </a:r>
+            <a:r>
+              <a:rPr lang="de-DE" sz="2400" dirty="0" err="1">
+                <a:latin typeface="Source Sans Pro" panose="020B0503030403020204" pitchFamily="34" charset="0"/>
+                <a:ea typeface="Source Sans Pro" panose="020B0503030403020204" pitchFamily="34" charset="0"/>
+              </a:rPr>
+              <a:t>mean</a:t>
+            </a:r>
+            <a:r>
+              <a:rPr lang="de-DE" sz="2400" dirty="0">
+                <a:latin typeface="Source Sans Pro" panose="020B0503030403020204" pitchFamily="34" charset="0"/>
+                <a:ea typeface="Source Sans Pro" panose="020B0503030403020204" pitchFamily="34" charset="0"/>
+              </a:rPr>
+              <a:t> shift </a:t>
+            </a:r>
+            <a:r>
+              <a:rPr lang="de-DE" sz="2400" dirty="0" err="1">
+                <a:latin typeface="Source Sans Pro" panose="020B0503030403020204" pitchFamily="34" charset="0"/>
+                <a:ea typeface="Source Sans Pro" panose="020B0503030403020204" pitchFamily="34" charset="0"/>
+              </a:rPr>
               <a:t>exceeded</a:t>
             </a:r>
             <a:r>
-              <a:rPr lang="de-DE" dirty="0"/>
-              <a:t> 3% </a:t>
-            </a:r>
-            <a:r>
-              <a:rPr lang="de-DE" dirty="0" err="1"/>
+              <a:rPr lang="de-DE" sz="2400" dirty="0">
+                <a:latin typeface="Source Sans Pro" panose="020B0503030403020204" pitchFamily="34" charset="0"/>
+                <a:ea typeface="Source Sans Pro" panose="020B0503030403020204" pitchFamily="34" charset="0"/>
+              </a:rPr>
+              <a:t> 1. </a:t>
+            </a:r>
+          </a:p>
+          <a:p>
+            <a:pPr algn="just"/>
+            <a:endParaRPr lang="de-DE" sz="1000" dirty="0">
+              <a:latin typeface="Source Sans Pro" panose="020B0503030403020204" pitchFamily="34" charset="0"/>
+              <a:ea typeface="Source Sans Pro" panose="020B0503030403020204" pitchFamily="34" charset="0"/>
+            </a:endParaRPr>
+          </a:p>
+          <a:p>
+            <a:pPr algn="just"/>
+            <a:r>
+              <a:rPr lang="de-DE" sz="2400" dirty="0">
+                <a:latin typeface="Source Sans Pro" panose="020B0503030403020204" pitchFamily="34" charset="0"/>
+                <a:ea typeface="Source Sans Pro" panose="020B0503030403020204" pitchFamily="34" charset="0"/>
+              </a:rPr>
+              <a:t>Out </a:t>
+            </a:r>
+            <a:r>
+              <a:rPr lang="de-DE" sz="2400" dirty="0" err="1">
+                <a:latin typeface="Source Sans Pro" panose="020B0503030403020204" pitchFamily="34" charset="0"/>
+                <a:ea typeface="Source Sans Pro" panose="020B0503030403020204" pitchFamily="34" charset="0"/>
+              </a:rPr>
               <a:t>of</a:t>
             </a:r>
             <a:r>
-              <a:rPr lang="de-DE" dirty="0"/>
-              <a:t> total </a:t>
-            </a:r>
-            <a:r>
-              <a:rPr lang="de-DE" dirty="0" err="1"/>
+              <a:rPr lang="de-DE" sz="2400" dirty="0">
+                <a:latin typeface="Source Sans Pro" panose="020B0503030403020204" pitchFamily="34" charset="0"/>
+                <a:ea typeface="Source Sans Pro" panose="020B0503030403020204" pitchFamily="34" charset="0"/>
+              </a:rPr>
+              <a:t> 7159 </a:t>
+            </a:r>
+            <a:r>
+              <a:rPr lang="de-DE" sz="2400" dirty="0" err="1">
+                <a:latin typeface="Source Sans Pro" panose="020B0503030403020204" pitchFamily="34" charset="0"/>
+                <a:ea typeface="Source Sans Pro" panose="020B0503030403020204" pitchFamily="34" charset="0"/>
+              </a:rPr>
+              <a:t>analysed</a:t>
+            </a:r>
+            <a:r>
+              <a:rPr lang="de-DE" sz="2400" dirty="0">
+                <a:latin typeface="Source Sans Pro" panose="020B0503030403020204" pitchFamily="34" charset="0"/>
+                <a:ea typeface="Source Sans Pro" panose="020B0503030403020204" pitchFamily="34" charset="0"/>
+              </a:rPr>
+              <a:t> Proteins, </a:t>
+            </a:r>
+            <a:r>
+              <a:rPr lang="de-DE" sz="2400" b="1" dirty="0">
+                <a:latin typeface="Source Sans Pro" panose="020B0503030403020204" pitchFamily="34" charset="0"/>
+                <a:ea typeface="Source Sans Pro" panose="020B0503030403020204" pitchFamily="34" charset="0"/>
+              </a:rPr>
+              <a:t>794 </a:t>
+            </a:r>
+            <a:r>
+              <a:rPr lang="de-DE" sz="2400" b="1" dirty="0" err="1">
+                <a:latin typeface="Source Sans Pro" panose="020B0503030403020204" pitchFamily="34" charset="0"/>
+                <a:ea typeface="Source Sans Pro" panose="020B0503030403020204" pitchFamily="34" charset="0"/>
+              </a:rPr>
+              <a:t>exihibited</a:t>
+            </a:r>
+            <a:r>
+              <a:rPr lang="de-DE" sz="2400" b="1" dirty="0">
+                <a:latin typeface="Source Sans Pro" panose="020B0503030403020204" pitchFamily="34" charset="0"/>
+                <a:ea typeface="Source Sans Pro" panose="020B0503030403020204" pitchFamily="34" charset="0"/>
+              </a:rPr>
+              <a:t> a </a:t>
+            </a:r>
+            <a:r>
+              <a:rPr lang="de-DE" sz="2400" b="1" dirty="0" err="1">
+                <a:latin typeface="Source Sans Pro" panose="020B0503030403020204" pitchFamily="34" charset="0"/>
+                <a:ea typeface="Source Sans Pro" panose="020B0503030403020204" pitchFamily="34" charset="0"/>
+              </a:rPr>
+              <a:t>significant</a:t>
+            </a:r>
+            <a:r>
+              <a:rPr lang="de-DE" sz="2400" b="1" dirty="0">
+                <a:latin typeface="Source Sans Pro" panose="020B0503030403020204" pitchFamily="34" charset="0"/>
+                <a:ea typeface="Source Sans Pro" panose="020B0503030403020204" pitchFamily="34" charset="0"/>
+              </a:rPr>
+              <a:t> shift  </a:t>
+            </a:r>
+            <a:r>
+              <a:rPr lang="de-DE" sz="2400" dirty="0">
+                <a:latin typeface="Source Sans Pro" panose="020B0503030403020204" pitchFamily="34" charset="0"/>
+                <a:ea typeface="Source Sans Pro" panose="020B0503030403020204" pitchFamily="34" charset="0"/>
+              </a:rPr>
+              <a:t>and </a:t>
+            </a:r>
+            <a:r>
+              <a:rPr lang="de-DE" sz="2400" dirty="0" err="1">
+                <a:latin typeface="Source Sans Pro" panose="020B0503030403020204" pitchFamily="34" charset="0"/>
+                <a:ea typeface="Source Sans Pro" panose="020B0503030403020204" pitchFamily="34" charset="0"/>
+              </a:rPr>
+              <a:t>where</a:t>
+            </a:r>
+            <a:r>
+              <a:rPr lang="de-DE" sz="2400" dirty="0">
+                <a:latin typeface="Source Sans Pro" panose="020B0503030403020204" pitchFamily="34" charset="0"/>
+                <a:ea typeface="Source Sans Pro" panose="020B0503030403020204" pitchFamily="34" charset="0"/>
+              </a:rPr>
+              <a:t> </a:t>
+            </a:r>
+            <a:r>
+              <a:rPr lang="de-DE" sz="2400" dirty="0" err="1">
+                <a:latin typeface="Source Sans Pro" panose="020B0503030403020204" pitchFamily="34" charset="0"/>
+                <a:ea typeface="Source Sans Pro" panose="020B0503030403020204" pitchFamily="34" charset="0"/>
+              </a:rPr>
+              <a:t>classified</a:t>
+            </a:r>
+            <a:r>
+              <a:rPr lang="de-DE" sz="2400" dirty="0">
+                <a:latin typeface="Source Sans Pro" panose="020B0503030403020204" pitchFamily="34" charset="0"/>
+                <a:ea typeface="Source Sans Pro" panose="020B0503030403020204" pitchFamily="34" charset="0"/>
+              </a:rPr>
+              <a:t> </a:t>
+            </a:r>
+            <a:r>
+              <a:rPr lang="de-DE" sz="2400" dirty="0" err="1">
+                <a:latin typeface="Source Sans Pro" panose="020B0503030403020204" pitchFamily="34" charset="0"/>
+                <a:ea typeface="Source Sans Pro" panose="020B0503030403020204" pitchFamily="34" charset="0"/>
+              </a:rPr>
+              <a:t>as</a:t>
+            </a:r>
+            <a:r>
+              <a:rPr lang="de-DE" sz="2400" dirty="0">
+                <a:latin typeface="Source Sans Pro" panose="020B0503030403020204" pitchFamily="34" charset="0"/>
+                <a:ea typeface="Source Sans Pro" panose="020B0503030403020204" pitchFamily="34" charset="0"/>
+              </a:rPr>
+              <a:t> RBPs. </a:t>
+            </a:r>
+          </a:p>
+          <a:p>
+            <a:pPr algn="just"/>
+            <a:endParaRPr lang="de-DE" sz="2400" dirty="0">
+              <a:latin typeface="Source Sans Pro" panose="020B0503030403020204" pitchFamily="34" charset="0"/>
+              <a:ea typeface="Source Sans Pro" panose="020B0503030403020204" pitchFamily="34" charset="0"/>
+            </a:endParaRPr>
+          </a:p>
+          <a:p>
+            <a:endParaRPr lang="en-US" dirty="0"/>
+          </a:p>
+        </p:txBody>
+      </p:sp>
+      <p:sp>
+        <p:nvSpPr>
+          <p:cNvPr id="50" name="Textfeld 49">
+            <a:extLst>
+              <a:ext uri="{FF2B5EF4-FFF2-40B4-BE49-F238E27FC236}">
+                <a16:creationId xmlns:a16="http://schemas.microsoft.com/office/drawing/2014/main" id="{71AC231F-D6F1-37AC-E477-4F200AD7EBA5}"/>
+              </a:ext>
+            </a:extLst>
+          </p:cNvPr>
+          <p:cNvSpPr txBox="1"/>
+          <p:nvPr/>
+        </p:nvSpPr>
+        <p:spPr>
+          <a:xfrm>
+            <a:off x="10202964" y="20184847"/>
+            <a:ext cx="4488326" cy="646331"/>
+          </a:xfrm>
+          <a:prstGeom prst="rect">
+            <a:avLst/>
+          </a:prstGeom>
+          <a:noFill/>
+        </p:spPr>
+        <p:txBody>
+          <a:bodyPr wrap="square" rtlCol="0">
+            <a:spAutoFit/>
+          </a:bodyPr>
+          <a:lstStyle/>
+          <a:p>
+            <a:pPr algn="just"/>
+            <a:r>
+              <a:rPr lang="de-DE" sz="1200" b="1" i="1" dirty="0">
+                <a:latin typeface="Source Sans Pro" panose="020B0503030403020204" pitchFamily="34" charset="0"/>
+                <a:ea typeface="Source Sans Pro" panose="020B0503030403020204" pitchFamily="34" charset="0"/>
+              </a:rPr>
+              <a:t>Abb. X </a:t>
+            </a:r>
+            <a:r>
+              <a:rPr lang="de-DE" sz="1200" b="1" i="1" dirty="0" err="1">
+                <a:latin typeface="Source Sans Pro" panose="020B0503030403020204" pitchFamily="34" charset="0"/>
+                <a:ea typeface="Source Sans Pro" panose="020B0503030403020204" pitchFamily="34" charset="0"/>
+              </a:rPr>
+              <a:t>Results</a:t>
+            </a:r>
+            <a:r>
+              <a:rPr lang="de-DE" sz="1200" b="1" i="1" dirty="0">
+                <a:latin typeface="Source Sans Pro" panose="020B0503030403020204" pitchFamily="34" charset="0"/>
+                <a:ea typeface="Source Sans Pro" panose="020B0503030403020204" pitchFamily="34" charset="0"/>
+              </a:rPr>
+              <a:t> and </a:t>
+            </a:r>
+            <a:r>
+              <a:rPr lang="de-DE" sz="1200" b="1" i="1" dirty="0" err="1">
+                <a:latin typeface="Source Sans Pro" panose="020B0503030403020204" pitchFamily="34" charset="0"/>
+                <a:ea typeface="Source Sans Pro" panose="020B0503030403020204" pitchFamily="34" charset="0"/>
+              </a:rPr>
+              <a:t>Limitations</a:t>
+            </a:r>
+            <a:r>
+              <a:rPr lang="de-DE" sz="1200" b="1" i="1" dirty="0">
+                <a:latin typeface="Source Sans Pro" panose="020B0503030403020204" pitchFamily="34" charset="0"/>
+                <a:ea typeface="Source Sans Pro" panose="020B0503030403020204" pitchFamily="34" charset="0"/>
+              </a:rPr>
+              <a:t> </a:t>
+            </a:r>
+            <a:r>
+              <a:rPr lang="de-DE" sz="1200" b="1" i="1" dirty="0" err="1">
+                <a:latin typeface="Source Sans Pro" panose="020B0503030403020204" pitchFamily="34" charset="0"/>
+                <a:ea typeface="Source Sans Pro" panose="020B0503030403020204" pitchFamily="34" charset="0"/>
+              </a:rPr>
+              <a:t>of</a:t>
+            </a:r>
+            <a:r>
+              <a:rPr lang="de-DE" sz="1200" b="1" i="1" dirty="0">
+                <a:latin typeface="Source Sans Pro" panose="020B0503030403020204" pitchFamily="34" charset="0"/>
+                <a:ea typeface="Source Sans Pro" panose="020B0503030403020204" pitchFamily="34" charset="0"/>
+              </a:rPr>
+              <a:t> Shift </a:t>
+            </a:r>
+            <a:r>
+              <a:rPr lang="de-DE" sz="1200" b="1" i="1" dirty="0" err="1">
+                <a:latin typeface="Source Sans Pro" panose="020B0503030403020204" pitchFamily="34" charset="0"/>
+                <a:ea typeface="Source Sans Pro" panose="020B0503030403020204" pitchFamily="34" charset="0"/>
+              </a:rPr>
+              <a:t>Sginificance</a:t>
+            </a:r>
+            <a:r>
+              <a:rPr lang="de-DE" sz="1200" b="1" i="1" dirty="0">
+                <a:latin typeface="Source Sans Pro" panose="020B0503030403020204" pitchFamily="34" charset="0"/>
+                <a:ea typeface="Source Sans Pro" panose="020B0503030403020204" pitchFamily="34" charset="0"/>
+              </a:rPr>
+              <a:t> </a:t>
+            </a:r>
+            <a:r>
+              <a:rPr lang="de-DE" sz="1200" b="1" i="1" dirty="0" err="1">
+                <a:latin typeface="Source Sans Pro" panose="020B0503030403020204" pitchFamily="34" charset="0"/>
+                <a:ea typeface="Source Sans Pro" panose="020B0503030403020204" pitchFamily="34" charset="0"/>
+              </a:rPr>
+              <a:t>Testing</a:t>
+            </a:r>
+            <a:r>
+              <a:rPr lang="de-DE" sz="1200" b="1" i="1" dirty="0">
+                <a:latin typeface="Source Sans Pro" panose="020B0503030403020204" pitchFamily="34" charset="0"/>
+                <a:ea typeface="Source Sans Pro" panose="020B0503030403020204" pitchFamily="34" charset="0"/>
+              </a:rPr>
+              <a:t>: </a:t>
+            </a:r>
+            <a:r>
+              <a:rPr lang="de-DE" sz="1200" i="1" dirty="0">
+                <a:latin typeface="Source Sans Pro" panose="020B0503030403020204" pitchFamily="34" charset="0"/>
+                <a:ea typeface="Source Sans Pro" panose="020B0503030403020204" pitchFamily="34" charset="0"/>
+              </a:rPr>
+              <a:t>Outcome </a:t>
+            </a:r>
+            <a:r>
+              <a:rPr lang="de-DE" sz="1200" i="1" dirty="0" err="1">
+                <a:latin typeface="Source Sans Pro" panose="020B0503030403020204" pitchFamily="34" charset="0"/>
+                <a:ea typeface="Source Sans Pro" panose="020B0503030403020204" pitchFamily="34" charset="0"/>
+              </a:rPr>
+              <a:t>of</a:t>
+            </a:r>
+            <a:r>
+              <a:rPr lang="de-DE" sz="1200" i="1" dirty="0">
+                <a:latin typeface="Source Sans Pro" panose="020B0503030403020204" pitchFamily="34" charset="0"/>
+                <a:ea typeface="Source Sans Pro" panose="020B0503030403020204" pitchFamily="34" charset="0"/>
+              </a:rPr>
+              <a:t> t-test and </a:t>
+            </a:r>
+            <a:r>
+              <a:rPr lang="de-DE" sz="1200" i="1" dirty="0" err="1">
+                <a:latin typeface="Source Sans Pro" panose="020B0503030403020204" pitchFamily="34" charset="0"/>
+                <a:ea typeface="Source Sans Pro" panose="020B0503030403020204" pitchFamily="34" charset="0"/>
+              </a:rPr>
+              <a:t>pipeline</a:t>
+            </a:r>
+            <a:r>
+              <a:rPr lang="de-DE" sz="1200" i="1" dirty="0">
+                <a:latin typeface="Source Sans Pro" panose="020B0503030403020204" pitchFamily="34" charset="0"/>
+                <a:ea typeface="Source Sans Pro" panose="020B0503030403020204" pitchFamily="34" charset="0"/>
+              </a:rPr>
+              <a:t> </a:t>
+            </a:r>
+            <a:r>
+              <a:rPr lang="de-DE" sz="1200" i="1" dirty="0" err="1">
+                <a:latin typeface="Source Sans Pro" panose="020B0503030403020204" pitchFamily="34" charset="0"/>
+                <a:ea typeface="Source Sans Pro" panose="020B0503030403020204" pitchFamily="34" charset="0"/>
+              </a:rPr>
+              <a:t>evaluation</a:t>
+            </a:r>
+            <a:r>
+              <a:rPr lang="de-DE" sz="1200" i="1" dirty="0">
+                <a:latin typeface="Source Sans Pro" panose="020B0503030403020204" pitchFamily="34" charset="0"/>
+                <a:ea typeface="Source Sans Pro" panose="020B0503030403020204" pitchFamily="34" charset="0"/>
+              </a:rPr>
+              <a:t> </a:t>
+            </a:r>
+            <a:r>
+              <a:rPr lang="de-DE" sz="1200" i="1" dirty="0" err="1">
+                <a:latin typeface="Source Sans Pro" panose="020B0503030403020204" pitchFamily="34" charset="0"/>
+                <a:ea typeface="Source Sans Pro" panose="020B0503030403020204" pitchFamily="34" charset="0"/>
+              </a:rPr>
+              <a:t>for</a:t>
+            </a:r>
+            <a:r>
+              <a:rPr lang="de-DE" sz="1200" i="1" dirty="0">
+                <a:latin typeface="Source Sans Pro" panose="020B0503030403020204" pitchFamily="34" charset="0"/>
+                <a:ea typeface="Source Sans Pro" panose="020B0503030403020204" pitchFamily="34" charset="0"/>
+              </a:rPr>
+              <a:t> all </a:t>
+            </a:r>
+            <a:r>
+              <a:rPr lang="de-DE" sz="1200" i="1" dirty="0" err="1">
+                <a:latin typeface="Source Sans Pro" panose="020B0503030403020204" pitchFamily="34" charset="0"/>
+                <a:ea typeface="Source Sans Pro" panose="020B0503030403020204" pitchFamily="34" charset="0"/>
+              </a:rPr>
+              <a:t>proteins</a:t>
+            </a:r>
+            <a:r>
+              <a:rPr lang="de-DE" sz="1200" i="1" dirty="0">
+                <a:latin typeface="Source Sans Pro" panose="020B0503030403020204" pitchFamily="34" charset="0"/>
+                <a:ea typeface="Source Sans Pro" panose="020B0503030403020204" pitchFamily="34" charset="0"/>
+              </a:rPr>
+              <a:t>, </a:t>
+            </a:r>
+            <a:r>
+              <a:rPr lang="de-DE" sz="1200" i="1" dirty="0" err="1">
+                <a:latin typeface="Source Sans Pro" panose="020B0503030403020204" pitchFamily="34" charset="0"/>
+                <a:ea typeface="Source Sans Pro" panose="020B0503030403020204" pitchFamily="34" charset="0"/>
+              </a:rPr>
+              <a:t>with</a:t>
+            </a:r>
+            <a:r>
+              <a:rPr lang="de-DE" sz="1200" i="1" dirty="0">
+                <a:latin typeface="Source Sans Pro" panose="020B0503030403020204" pitchFamily="34" charset="0"/>
+                <a:ea typeface="Source Sans Pro" panose="020B0503030403020204" pitchFamily="34" charset="0"/>
+              </a:rPr>
+              <a:t> </a:t>
+            </a:r>
+            <a:r>
+              <a:rPr lang="de-DE" sz="1200" i="1" dirty="0" err="1">
+                <a:latin typeface="Source Sans Pro" panose="020B0503030403020204" pitchFamily="34" charset="0"/>
+                <a:ea typeface="Source Sans Pro" panose="020B0503030403020204" pitchFamily="34" charset="0"/>
+              </a:rPr>
+              <a:t>representation</a:t>
+            </a:r>
+            <a:r>
+              <a:rPr lang="de-DE" sz="1200" i="1" dirty="0">
+                <a:latin typeface="Source Sans Pro" panose="020B0503030403020204" pitchFamily="34" charset="0"/>
+                <a:ea typeface="Source Sans Pro" panose="020B0503030403020204" pitchFamily="34" charset="0"/>
+              </a:rPr>
+              <a:t> </a:t>
+            </a:r>
+            <a:r>
+              <a:rPr lang="de-DE" sz="1200" i="1" dirty="0" err="1">
+                <a:latin typeface="Source Sans Pro" panose="020B0503030403020204" pitchFamily="34" charset="0"/>
+                <a:ea typeface="Source Sans Pro" panose="020B0503030403020204" pitchFamily="34" charset="0"/>
+              </a:rPr>
+              <a:t>of</a:t>
+            </a:r>
+            <a:r>
+              <a:rPr lang="de-DE" sz="1200" i="1" dirty="0">
+                <a:latin typeface="Source Sans Pro" panose="020B0503030403020204" pitchFamily="34" charset="0"/>
+                <a:ea typeface="Source Sans Pro" panose="020B0503030403020204" pitchFamily="34" charset="0"/>
+              </a:rPr>
+              <a:t> all </a:t>
+            </a:r>
+            <a:r>
+              <a:rPr lang="de-DE" sz="1200" i="1" dirty="0" err="1">
+                <a:latin typeface="Source Sans Pro" panose="020B0503030403020204" pitchFamily="34" charset="0"/>
+                <a:ea typeface="Source Sans Pro" panose="020B0503030403020204" pitchFamily="34" charset="0"/>
+              </a:rPr>
+              <a:t>excluded</a:t>
+            </a:r>
+            <a:r>
+              <a:rPr lang="de-DE" sz="1200" i="1" dirty="0">
+                <a:latin typeface="Source Sans Pro" panose="020B0503030403020204" pitchFamily="34" charset="0"/>
+                <a:ea typeface="Source Sans Pro" panose="020B0503030403020204" pitchFamily="34" charset="0"/>
+              </a:rPr>
+              <a:t> </a:t>
+            </a:r>
+            <a:r>
+              <a:rPr lang="de-DE" sz="1200" i="1" dirty="0" err="1">
+                <a:latin typeface="Source Sans Pro" panose="020B0503030403020204" pitchFamily="34" charset="0"/>
+                <a:ea typeface="Source Sans Pro" panose="020B0503030403020204" pitchFamily="34" charset="0"/>
+              </a:rPr>
+              <a:t>proteins</a:t>
+            </a:r>
+            <a:r>
+              <a:rPr lang="de-DE" sz="1200" i="1" dirty="0">
+                <a:latin typeface="Source Sans Pro" panose="020B0503030403020204" pitchFamily="34" charset="0"/>
+                <a:ea typeface="Source Sans Pro" panose="020B0503030403020204" pitchFamily="34" charset="0"/>
+              </a:rPr>
+              <a:t>. </a:t>
+            </a:r>
+            <a:endParaRPr lang="en-US" sz="1200" i="1" dirty="0">
+              <a:latin typeface="Source Sans Pro" panose="020B0503030403020204" pitchFamily="34" charset="0"/>
+              <a:ea typeface="Source Sans Pro" panose="020B0503030403020204" pitchFamily="34" charset="0"/>
+            </a:endParaRPr>
+          </a:p>
+        </p:txBody>
+      </p:sp>
+      <p:sp>
+        <p:nvSpPr>
+          <p:cNvPr id="51" name="Textfeld 50">
+            <a:extLst>
+              <a:ext uri="{FF2B5EF4-FFF2-40B4-BE49-F238E27FC236}">
+                <a16:creationId xmlns:a16="http://schemas.microsoft.com/office/drawing/2014/main" id="{1EFE5839-827F-4EE7-93B1-21F410F3AF68}"/>
+              </a:ext>
+            </a:extLst>
+          </p:cNvPr>
+          <p:cNvSpPr txBox="1"/>
+          <p:nvPr/>
+        </p:nvSpPr>
+        <p:spPr>
+          <a:xfrm>
+            <a:off x="8408304" y="15749398"/>
+            <a:ext cx="6282985" cy="461665"/>
+          </a:xfrm>
+          <a:prstGeom prst="rect">
+            <a:avLst/>
+          </a:prstGeom>
+          <a:noFill/>
+        </p:spPr>
+        <p:txBody>
+          <a:bodyPr wrap="square" rtlCol="0">
+            <a:spAutoFit/>
+          </a:bodyPr>
+          <a:lstStyle/>
+          <a:p>
+            <a:r>
+              <a:rPr lang="de-DE" sz="1200" b="1" i="1" dirty="0">
+                <a:latin typeface="Source Sans Pro" panose="020B0503030403020204" pitchFamily="34" charset="0"/>
+                <a:ea typeface="Source Sans Pro" panose="020B0503030403020204" pitchFamily="34" charset="0"/>
+              </a:rPr>
+              <a:t>Abb. X  </a:t>
+            </a:r>
+            <a:r>
+              <a:rPr lang="de-DE" sz="1200" b="1" i="1" dirty="0" err="1">
+                <a:latin typeface="Source Sans Pro" panose="020B0503030403020204" pitchFamily="34" charset="0"/>
+                <a:ea typeface="Source Sans Pro" panose="020B0503030403020204" pitchFamily="34" charset="0"/>
+              </a:rPr>
+              <a:t>Intensity</a:t>
+            </a:r>
+            <a:r>
+              <a:rPr lang="de-DE" sz="1200" b="1" i="1" dirty="0">
+                <a:latin typeface="Source Sans Pro" panose="020B0503030403020204" pitchFamily="34" charset="0"/>
+                <a:ea typeface="Source Sans Pro" panose="020B0503030403020204" pitchFamily="34" charset="0"/>
+              </a:rPr>
+              <a:t> </a:t>
+            </a:r>
+            <a:r>
+              <a:rPr lang="de-DE" sz="1200" b="1" i="1" dirty="0" err="1">
+                <a:latin typeface="Source Sans Pro" panose="020B0503030403020204" pitchFamily="34" charset="0"/>
+                <a:ea typeface="Source Sans Pro" panose="020B0503030403020204" pitchFamily="34" charset="0"/>
+              </a:rPr>
+              <a:t>profile</a:t>
+            </a:r>
+            <a:r>
+              <a:rPr lang="de-DE" sz="1200" b="1" i="1" dirty="0">
+                <a:latin typeface="Source Sans Pro" panose="020B0503030403020204" pitchFamily="34" charset="0"/>
+                <a:ea typeface="Source Sans Pro" panose="020B0503030403020204" pitchFamily="34" charset="0"/>
+              </a:rPr>
+              <a:t> </a:t>
+            </a:r>
+            <a:r>
+              <a:rPr lang="de-DE" sz="1200" b="1" i="1" dirty="0" err="1">
+                <a:latin typeface="Source Sans Pro" panose="020B0503030403020204" pitchFamily="34" charset="0"/>
+                <a:ea typeface="Source Sans Pro" panose="020B0503030403020204" pitchFamily="34" charset="0"/>
+              </a:rPr>
+              <a:t>of</a:t>
+            </a:r>
+            <a:r>
+              <a:rPr lang="de-DE" sz="1200" b="1" i="1" dirty="0">
+                <a:latin typeface="Source Sans Pro" panose="020B0503030403020204" pitchFamily="34" charset="0"/>
+                <a:ea typeface="Source Sans Pro" panose="020B0503030403020204" pitchFamily="34" charset="0"/>
+              </a:rPr>
+              <a:t> RS6 : </a:t>
+            </a:r>
+            <a:r>
+              <a:rPr lang="de-DE" sz="1200" i="1" dirty="0">
+                <a:latin typeface="Source Sans Pro" panose="020B0503030403020204" pitchFamily="34" charset="0"/>
+                <a:ea typeface="Source Sans Pro" panose="020B0503030403020204" pitchFamily="34" charset="0"/>
+              </a:rPr>
+              <a:t>Plot </a:t>
+            </a:r>
+            <a:r>
+              <a:rPr lang="de-DE" sz="1200" i="1" dirty="0" err="1">
+                <a:latin typeface="Source Sans Pro" panose="020B0503030403020204" pitchFamily="34" charset="0"/>
+                <a:ea typeface="Source Sans Pro" panose="020B0503030403020204" pitchFamily="34" charset="0"/>
+              </a:rPr>
+              <a:t>shows</a:t>
+            </a:r>
+            <a:r>
+              <a:rPr lang="de-DE" sz="1200" i="1" dirty="0">
+                <a:latin typeface="Source Sans Pro" panose="020B0503030403020204" pitchFamily="34" charset="0"/>
+                <a:ea typeface="Source Sans Pro" panose="020B0503030403020204" pitchFamily="34" charset="0"/>
+              </a:rPr>
+              <a:t> </a:t>
+            </a:r>
+            <a:r>
+              <a:rPr lang="de-DE" sz="1200" i="1" dirty="0" err="1">
+                <a:latin typeface="Source Sans Pro" panose="020B0503030403020204" pitchFamily="34" charset="0"/>
+                <a:ea typeface="Source Sans Pro" panose="020B0503030403020204" pitchFamily="34" charset="0"/>
+              </a:rPr>
+              <a:t>normalized</a:t>
+            </a:r>
+            <a:r>
+              <a:rPr lang="de-DE" sz="1200" i="1" dirty="0">
+                <a:latin typeface="Source Sans Pro" panose="020B0503030403020204" pitchFamily="34" charset="0"/>
+                <a:ea typeface="Source Sans Pro" panose="020B0503030403020204" pitchFamily="34" charset="0"/>
+              </a:rPr>
+              <a:t> </a:t>
+            </a:r>
+            <a:r>
+              <a:rPr lang="de-DE" sz="1200" i="1" dirty="0" err="1">
+                <a:latin typeface="Source Sans Pro" panose="020B0503030403020204" pitchFamily="34" charset="0"/>
+                <a:ea typeface="Source Sans Pro" panose="020B0503030403020204" pitchFamily="34" charset="0"/>
+              </a:rPr>
               <a:t>signal</a:t>
             </a:r>
             <a:r>
-              <a:rPr lang="de-DE" dirty="0"/>
-              <a:t>.</a:t>
-            </a:r>
-          </a:p>
-          <a:p>
-            <a:pPr lvl="1"/>
-            <a:r>
-              <a:rPr lang="de-DE" dirty="0"/>
-              <a:t>Applied </a:t>
-            </a:r>
-            <a:r>
-              <a:rPr lang="de-DE" dirty="0" err="1"/>
-              <a:t>to</a:t>
-            </a:r>
-            <a:r>
-              <a:rPr lang="de-DE" dirty="0"/>
+              <a:rPr lang="de-DE" sz="1200" i="1" dirty="0">
+                <a:latin typeface="Source Sans Pro" panose="020B0503030403020204" pitchFamily="34" charset="0"/>
+                <a:ea typeface="Source Sans Pro" panose="020B0503030403020204" pitchFamily="34" charset="0"/>
+              </a:rPr>
               <a:t> </a:t>
             </a:r>
             <a:r>
-              <a:rPr lang="de-DE" dirty="0" err="1"/>
-              <a:t>control</a:t>
-            </a:r>
-            <a:r>
-              <a:rPr lang="de-DE" dirty="0"/>
-              <a:t> and </a:t>
-            </a:r>
-            <a:r>
-              <a:rPr lang="de-DE" dirty="0" err="1"/>
-              <a:t>RNase-treated</a:t>
-            </a:r>
-            <a:r>
-              <a:rPr lang="de-DE" dirty="0"/>
+              <a:rPr lang="de-DE" sz="1200" i="1" dirty="0" err="1">
+                <a:latin typeface="Source Sans Pro" panose="020B0503030403020204" pitchFamily="34" charset="0"/>
+                <a:ea typeface="Source Sans Pro" panose="020B0503030403020204" pitchFamily="34" charset="0"/>
+              </a:rPr>
+              <a:t>distributions</a:t>
+            </a:r>
+            <a:r>
+              <a:rPr lang="de-DE" sz="1200" i="1" dirty="0">
+                <a:latin typeface="Source Sans Pro" panose="020B0503030403020204" pitchFamily="34" charset="0"/>
+                <a:ea typeface="Source Sans Pro" panose="020B0503030403020204" pitchFamily="34" charset="0"/>
+              </a:rPr>
               <a:t> </a:t>
             </a:r>
             <a:r>
-              <a:rPr lang="de-DE" dirty="0" err="1"/>
-              <a:t>samples</a:t>
-            </a:r>
-            <a:r>
-              <a:rPr lang="de-DE" dirty="0"/>
-              <a:t> (</a:t>
-            </a:r>
-            <a:r>
-              <a:rPr lang="de-DE" dirty="0" err="1"/>
-              <a:t>triplicates</a:t>
-            </a:r>
-            <a:r>
-              <a:rPr lang="de-DE" dirty="0"/>
-              <a:t>).</a:t>
-            </a:r>
-          </a:p>
-          <a:p>
-            <a:r>
-              <a:rPr lang="de-DE" b="1" dirty="0"/>
-              <a:t>Shift </a:t>
-            </a:r>
-            <a:r>
-              <a:rPr lang="de-DE" b="1" dirty="0" err="1"/>
-              <a:t>Characterization</a:t>
-            </a:r>
-            <a:endParaRPr lang="de-DE" dirty="0"/>
-          </a:p>
-          <a:p>
-            <a:pPr lvl="1"/>
-            <a:r>
-              <a:rPr lang="de-DE" dirty="0"/>
-              <a:t>Center </a:t>
-            </a:r>
-            <a:r>
-              <a:rPr lang="de-DE" dirty="0" err="1"/>
-              <a:t>of</a:t>
-            </a:r>
-            <a:r>
-              <a:rPr lang="de-DE" dirty="0"/>
+              <a:rPr lang="de-DE" sz="1200" i="1" dirty="0" err="1">
+                <a:latin typeface="Source Sans Pro" panose="020B0503030403020204" pitchFamily="34" charset="0"/>
+                <a:ea typeface="Source Sans Pro" panose="020B0503030403020204" pitchFamily="34" charset="0"/>
+              </a:rPr>
+              <a:t>as</a:t>
+            </a:r>
+            <a:r>
+              <a:rPr lang="de-DE" sz="1200" i="1" dirty="0">
+                <a:latin typeface="Source Sans Pro" panose="020B0503030403020204" pitchFamily="34" charset="0"/>
+                <a:ea typeface="Source Sans Pro" panose="020B0503030403020204" pitchFamily="34" charset="0"/>
+              </a:rPr>
               <a:t> </a:t>
             </a:r>
             <a:r>
-              <a:rPr lang="de-DE" dirty="0" err="1"/>
-              <a:t>mass</a:t>
-            </a:r>
-            <a:r>
-              <a:rPr lang="de-DE" dirty="0"/>
-              <a:t> (COM) was </a:t>
-            </a:r>
-            <a:r>
-              <a:rPr lang="de-DE" dirty="0" err="1"/>
-              <a:t>computed</a:t>
-            </a:r>
-            <a:r>
-              <a:rPr lang="de-DE" dirty="0"/>
+              <a:rPr lang="de-DE" sz="1200" i="1" dirty="0" err="1">
+                <a:latin typeface="Source Sans Pro" panose="020B0503030403020204" pitchFamily="34" charset="0"/>
+                <a:ea typeface="Source Sans Pro" panose="020B0503030403020204" pitchFamily="34" charset="0"/>
+              </a:rPr>
+              <a:t>well</a:t>
+            </a:r>
+            <a:r>
+              <a:rPr lang="de-DE" sz="1200" i="1" dirty="0">
+                <a:latin typeface="Source Sans Pro" panose="020B0503030403020204" pitchFamily="34" charset="0"/>
+                <a:ea typeface="Source Sans Pro" panose="020B0503030403020204" pitchFamily="34" charset="0"/>
+              </a:rPr>
               <a:t> </a:t>
             </a:r>
             <a:r>
-              <a:rPr lang="de-DE" dirty="0" err="1"/>
-              <a:t>across</a:t>
-            </a:r>
-            <a:r>
-              <a:rPr lang="de-DE" dirty="0"/>
-              <a:t> 25 </a:t>
-            </a:r>
-            <a:r>
-              <a:rPr lang="de-DE" dirty="0" err="1"/>
-              <a:t>fractions</a:t>
-            </a:r>
-            <a:r>
-              <a:rPr lang="de-DE" dirty="0"/>
+              <a:rPr lang="de-DE" sz="1200" i="1" dirty="0" err="1">
+                <a:latin typeface="Source Sans Pro" panose="020B0503030403020204" pitchFamily="34" charset="0"/>
+                <a:ea typeface="Source Sans Pro" panose="020B0503030403020204" pitchFamily="34" charset="0"/>
+              </a:rPr>
+              <a:t>as</a:t>
+            </a:r>
+            <a:r>
+              <a:rPr lang="de-DE" sz="1200" i="1" dirty="0">
+                <a:latin typeface="Source Sans Pro" panose="020B0503030403020204" pitchFamily="34" charset="0"/>
+                <a:ea typeface="Source Sans Pro" panose="020B0503030403020204" pitchFamily="34" charset="0"/>
+              </a:rPr>
               <a:t> </a:t>
             </a:r>
             <a:r>
-              <a:rPr lang="de-DE" dirty="0" err="1"/>
-              <a:t>for</a:t>
-            </a:r>
-            <a:r>
-              <a:rPr lang="de-DE" dirty="0"/>
+              <a:rPr lang="de-DE" sz="1200" i="1" dirty="0" err="1">
+                <a:latin typeface="Source Sans Pro" panose="020B0503030403020204" pitchFamily="34" charset="0"/>
+                <a:ea typeface="Source Sans Pro" panose="020B0503030403020204" pitchFamily="34" charset="0"/>
+              </a:rPr>
+              <a:t>extracted</a:t>
+            </a:r>
+            <a:r>
+              <a:rPr lang="de-DE" sz="1200" i="1" dirty="0">
+                <a:latin typeface="Source Sans Pro" panose="020B0503030403020204" pitchFamily="34" charset="0"/>
+                <a:ea typeface="Source Sans Pro" panose="020B0503030403020204" pitchFamily="34" charset="0"/>
+              </a:rPr>
               <a:t> </a:t>
             </a:r>
             <a:r>
-              <a:rPr lang="de-DE" dirty="0" err="1"/>
-              <a:t>each</a:t>
-            </a:r>
-            <a:r>
-              <a:rPr lang="de-DE" dirty="0"/>
+              <a:rPr lang="de-DE" sz="1200" i="1" dirty="0" err="1">
+                <a:latin typeface="Source Sans Pro" panose="020B0503030403020204" pitchFamily="34" charset="0"/>
+                <a:ea typeface="Source Sans Pro" panose="020B0503030403020204" pitchFamily="34" charset="0"/>
+              </a:rPr>
+              <a:t>descriptive</a:t>
+            </a:r>
+            <a:r>
+              <a:rPr lang="de-DE" sz="1200" i="1" dirty="0">
+                <a:latin typeface="Source Sans Pro" panose="020B0503030403020204" pitchFamily="34" charset="0"/>
+                <a:ea typeface="Source Sans Pro" panose="020B0503030403020204" pitchFamily="34" charset="0"/>
+              </a:rPr>
               <a:t> </a:t>
             </a:r>
             <a:r>
-              <a:rPr lang="de-DE" dirty="0" err="1"/>
-              <a:t>protein</a:t>
-            </a:r>
-            <a:r>
-              <a:rPr lang="de-DE" dirty="0"/>
-              <a:t>.</a:t>
-            </a:r>
-          </a:p>
-          <a:p>
-            <a:pPr lvl="1"/>
-            <a:r>
-              <a:rPr lang="de-DE" dirty="0"/>
-              <a:t>Shift </a:t>
-            </a:r>
-            <a:r>
-              <a:rPr lang="de-DE" dirty="0" err="1"/>
+              <a:rPr lang="de-DE" sz="1200" i="1" dirty="0" err="1">
+                <a:latin typeface="Source Sans Pro" panose="020B0503030403020204" pitchFamily="34" charset="0"/>
+                <a:ea typeface="Source Sans Pro" panose="020B0503030403020204" pitchFamily="34" charset="0"/>
+              </a:rPr>
+              <a:t>parameters</a:t>
+            </a:r>
+            <a:r>
+              <a:rPr lang="de-DE" sz="1200" i="1" dirty="0">
+                <a:latin typeface="Source Sans Pro" panose="020B0503030403020204" pitchFamily="34" charset="0"/>
+                <a:ea typeface="Source Sans Pro" panose="020B0503030403020204" pitchFamily="34" charset="0"/>
+              </a:rPr>
+              <a:t> such </a:t>
+            </a:r>
+            <a:r>
+              <a:rPr lang="de-DE" sz="1200" i="1" dirty="0" err="1">
+                <a:latin typeface="Source Sans Pro" panose="020B0503030403020204" pitchFamily="34" charset="0"/>
+                <a:ea typeface="Source Sans Pro" panose="020B0503030403020204" pitchFamily="34" charset="0"/>
+              </a:rPr>
+              <a:t>as</a:t>
+            </a:r>
+            <a:r>
+              <a:rPr lang="de-DE" sz="1200" i="1" dirty="0">
+                <a:latin typeface="Source Sans Pro" panose="020B0503030403020204" pitchFamily="34" charset="0"/>
+                <a:ea typeface="Source Sans Pro" panose="020B0503030403020204" pitchFamily="34" charset="0"/>
+              </a:rPr>
+              <a:t> </a:t>
+            </a:r>
+            <a:r>
+              <a:rPr lang="de-DE" sz="1200" i="1" dirty="0" err="1">
+                <a:latin typeface="Source Sans Pro" panose="020B0503030403020204" pitchFamily="34" charset="0"/>
+                <a:ea typeface="Source Sans Pro" panose="020B0503030403020204" pitchFamily="34" charset="0"/>
+              </a:rPr>
+              <a:t>peak</a:t>
+            </a:r>
+            <a:r>
+              <a:rPr lang="de-DE" sz="1200" i="1" dirty="0">
+                <a:latin typeface="Source Sans Pro" panose="020B0503030403020204" pitchFamily="34" charset="0"/>
+                <a:ea typeface="Source Sans Pro" panose="020B0503030403020204" pitchFamily="34" charset="0"/>
+              </a:rPr>
+              <a:t> </a:t>
+            </a:r>
+            <a:r>
+              <a:rPr lang="de-DE" sz="1200" i="1" dirty="0" err="1">
+                <a:latin typeface="Source Sans Pro" panose="020B0503030403020204" pitchFamily="34" charset="0"/>
+                <a:ea typeface="Source Sans Pro" panose="020B0503030403020204" pitchFamily="34" charset="0"/>
+              </a:rPr>
+              <a:t>positions</a:t>
+            </a:r>
+            <a:r>
+              <a:rPr lang="de-DE" sz="1200" i="1" dirty="0">
+                <a:latin typeface="Source Sans Pro" panose="020B0503030403020204" pitchFamily="34" charset="0"/>
+                <a:ea typeface="Source Sans Pro" panose="020B0503030403020204" pitchFamily="34" charset="0"/>
+              </a:rPr>
+              <a:t>, </a:t>
+            </a:r>
+            <a:r>
+              <a:rPr lang="de-DE" sz="1200" i="1" dirty="0" err="1">
+                <a:latin typeface="Source Sans Pro" panose="020B0503030403020204" pitchFamily="34" charset="0"/>
+                <a:ea typeface="Source Sans Pro" panose="020B0503030403020204" pitchFamily="34" charset="0"/>
+              </a:rPr>
+              <a:t>peak</a:t>
+            </a:r>
+            <a:r>
+              <a:rPr lang="de-DE" sz="1200" i="1" dirty="0">
+                <a:latin typeface="Source Sans Pro" panose="020B0503030403020204" pitchFamily="34" charset="0"/>
+                <a:ea typeface="Source Sans Pro" panose="020B0503030403020204" pitchFamily="34" charset="0"/>
+              </a:rPr>
+              <a:t> </a:t>
+            </a:r>
+            <a:r>
+              <a:rPr lang="de-DE" sz="1200" i="1" dirty="0" err="1">
+                <a:latin typeface="Source Sans Pro" panose="020B0503030403020204" pitchFamily="34" charset="0"/>
+                <a:ea typeface="Source Sans Pro" panose="020B0503030403020204" pitchFamily="34" charset="0"/>
+              </a:rPr>
+              <a:t>heights</a:t>
+            </a:r>
+            <a:r>
+              <a:rPr lang="de-DE" sz="1200" i="1" dirty="0">
+                <a:latin typeface="Source Sans Pro" panose="020B0503030403020204" pitchFamily="34" charset="0"/>
+                <a:ea typeface="Source Sans Pro" panose="020B0503030403020204" pitchFamily="34" charset="0"/>
+              </a:rPr>
+              <a:t>, and shift </a:t>
+            </a:r>
+            <a:r>
+              <a:rPr lang="de-DE" sz="1200" i="1" dirty="0" err="1">
+                <a:latin typeface="Source Sans Pro" panose="020B0503030403020204" pitchFamily="34" charset="0"/>
+                <a:ea typeface="Source Sans Pro" panose="020B0503030403020204" pitchFamily="34" charset="0"/>
+              </a:rPr>
               <a:t>distance</a:t>
             </a:r>
             <a:r>
-              <a:rPr lang="de-DE" dirty="0"/>
-              <a:t> = COM&lt;</a:t>
-            </a:r>
-            <a:r>
-              <a:rPr lang="de-DE" dirty="0" err="1"/>
-              <a:t>sub</a:t>
-            </a:r>
-            <a:r>
-              <a:rPr lang="de-DE" dirty="0"/>
-              <a:t>&gt;</a:t>
-            </a:r>
-            <a:r>
-              <a:rPr lang="de-DE" dirty="0" err="1"/>
-              <a:t>Ctrl</a:t>
-            </a:r>
-            <a:r>
-              <a:rPr lang="de-DE" dirty="0"/>
-              <a:t>&lt;/</a:t>
-            </a:r>
-            <a:r>
-              <a:rPr lang="de-DE" dirty="0" err="1"/>
-              <a:t>sub</a:t>
-            </a:r>
-            <a:r>
-              <a:rPr lang="de-DE" dirty="0"/>
-              <a:t>&gt; − COM&lt;</a:t>
-            </a:r>
-            <a:r>
-              <a:rPr lang="de-DE" dirty="0" err="1"/>
-              <a:t>sub</a:t>
-            </a:r>
-            <a:r>
-              <a:rPr lang="de-DE" dirty="0"/>
-              <a:t>&gt;</a:t>
-            </a:r>
-            <a:r>
-              <a:rPr lang="de-DE" dirty="0" err="1"/>
-              <a:t>RNase</a:t>
-            </a:r>
-            <a:r>
-              <a:rPr lang="de-DE" dirty="0"/>
-              <a:t>&lt;/</a:t>
-            </a:r>
-            <a:r>
-              <a:rPr lang="de-DE" dirty="0" err="1"/>
-              <a:t>sub</a:t>
-            </a:r>
-            <a:r>
-              <a:rPr lang="de-DE" dirty="0"/>
-              <a:t>&gt;.</a:t>
-            </a:r>
-          </a:p>
-          <a:p>
-            <a:pPr lvl="1"/>
-            <a:r>
-              <a:rPr lang="de-DE" dirty="0"/>
-              <a:t>Positive = </a:t>
-            </a:r>
-            <a:r>
-              <a:rPr lang="de-DE" dirty="0" err="1"/>
-              <a:t>left</a:t>
-            </a:r>
-            <a:r>
-              <a:rPr lang="de-DE" dirty="0"/>
-              <a:t> shift; negative = </a:t>
-            </a:r>
-            <a:r>
-              <a:rPr lang="de-DE" dirty="0" err="1"/>
-              <a:t>right</a:t>
-            </a:r>
-            <a:r>
-              <a:rPr lang="de-DE" dirty="0"/>
-              <a:t> shift; </a:t>
-            </a:r>
-            <a:r>
-              <a:rPr lang="de-DE" dirty="0" err="1"/>
-              <a:t>near</a:t>
-            </a:r>
-            <a:r>
-              <a:rPr lang="de-DE" dirty="0"/>
-              <a:t> 0 = </a:t>
-            </a:r>
-            <a:r>
-              <a:rPr lang="de-DE" dirty="0" err="1"/>
-              <a:t>no</a:t>
-            </a:r>
-            <a:r>
-              <a:rPr lang="de-DE" dirty="0"/>
-              <a:t> shift.</a:t>
-            </a:r>
-          </a:p>
-          <a:p>
-            <a:r>
-              <a:rPr lang="de-DE" b="1" dirty="0"/>
-              <a:t>Statistical Analysis</a:t>
-            </a:r>
-            <a:endParaRPr lang="de-DE" dirty="0"/>
-          </a:p>
-          <a:p>
-            <a:r>
-              <a:rPr lang="de-DE" b="1" dirty="0" err="1"/>
-              <a:t>Left</a:t>
-            </a:r>
-            <a:r>
-              <a:rPr lang="de-DE" b="1" dirty="0"/>
-              <a:t>-Shift </a:t>
-            </a:r>
-            <a:r>
-              <a:rPr lang="de-DE" b="1" dirty="0" err="1"/>
-              <a:t>Significance</a:t>
-            </a:r>
-            <a:r>
-              <a:rPr lang="de-DE" b="1" dirty="0"/>
-              <a:t> Test</a:t>
-            </a:r>
-            <a:endParaRPr lang="de-DE" dirty="0"/>
-          </a:p>
-          <a:p>
-            <a:pPr lvl="1"/>
-            <a:r>
-              <a:rPr lang="de-DE" dirty="0" err="1"/>
-              <a:t>For</a:t>
-            </a:r>
-            <a:r>
-              <a:rPr lang="de-DE" dirty="0"/>
-              <a:t> </a:t>
-            </a:r>
-            <a:r>
-              <a:rPr lang="de-DE" dirty="0" err="1"/>
-              <a:t>each</a:t>
-            </a:r>
-            <a:r>
-              <a:rPr lang="de-DE" dirty="0"/>
-              <a:t> </a:t>
-            </a:r>
-            <a:r>
-              <a:rPr lang="de-DE" dirty="0" err="1"/>
-              <a:t>protein</a:t>
-            </a:r>
-            <a:r>
-              <a:rPr lang="de-DE" dirty="0"/>
-              <a:t>, shift </a:t>
-            </a:r>
-            <a:r>
-              <a:rPr lang="de-DE" dirty="0" err="1"/>
-              <a:t>distances</a:t>
-            </a:r>
-            <a:r>
-              <a:rPr lang="de-DE" dirty="0"/>
-              <a:t> </a:t>
-            </a:r>
-            <a:r>
-              <a:rPr lang="de-DE" dirty="0" err="1"/>
-              <a:t>from</a:t>
-            </a:r>
-            <a:r>
-              <a:rPr lang="de-DE" dirty="0"/>
-              <a:t> </a:t>
-            </a:r>
-            <a:r>
-              <a:rPr lang="de-DE" dirty="0" err="1"/>
-              <a:t>triplicates</a:t>
-            </a:r>
-            <a:r>
-              <a:rPr lang="de-DE" dirty="0"/>
-              <a:t> </a:t>
-            </a:r>
-            <a:r>
-              <a:rPr lang="de-DE" dirty="0" err="1"/>
-              <a:t>were</a:t>
-            </a:r>
-            <a:r>
-              <a:rPr lang="de-DE" dirty="0"/>
-              <a:t> </a:t>
-            </a:r>
-            <a:r>
-              <a:rPr lang="de-DE" dirty="0" err="1"/>
-              <a:t>tested</a:t>
-            </a:r>
-            <a:r>
-              <a:rPr lang="de-DE" dirty="0"/>
-              <a:t> </a:t>
-            </a:r>
-            <a:r>
-              <a:rPr lang="de-DE" dirty="0" err="1"/>
-              <a:t>using</a:t>
-            </a:r>
-            <a:r>
-              <a:rPr lang="de-DE" dirty="0"/>
-              <a:t> </a:t>
-            </a:r>
-            <a:r>
-              <a:rPr lang="de-DE" dirty="0" err="1"/>
-              <a:t>one-sided</a:t>
-            </a:r>
-            <a:r>
-              <a:rPr lang="de-DE" dirty="0"/>
-              <a:t> t-tests.</a:t>
-            </a:r>
-          </a:p>
-          <a:p>
-            <a:pPr lvl="1"/>
-            <a:r>
-              <a:rPr lang="de-DE" dirty="0"/>
-              <a:t>Proteins </a:t>
-            </a:r>
-            <a:r>
-              <a:rPr lang="de-DE" dirty="0" err="1"/>
-              <a:t>with</a:t>
-            </a:r>
-            <a:r>
-              <a:rPr lang="de-DE" dirty="0"/>
-              <a:t> a </a:t>
-            </a:r>
-            <a:r>
-              <a:rPr lang="de-DE" b="1" dirty="0" err="1"/>
-              <a:t>significant</a:t>
-            </a:r>
-            <a:r>
-              <a:rPr lang="de-DE" b="1" dirty="0"/>
-              <a:t> </a:t>
-            </a:r>
-            <a:r>
-              <a:rPr lang="de-DE" b="1" dirty="0" err="1"/>
-              <a:t>left</a:t>
-            </a:r>
-            <a:r>
-              <a:rPr lang="de-DE" b="1" dirty="0"/>
-              <a:t> shift &gt;1 </a:t>
-            </a:r>
-            <a:r>
-              <a:rPr lang="de-DE" b="1" dirty="0" err="1"/>
-              <a:t>fraction</a:t>
-            </a:r>
-            <a:r>
-              <a:rPr lang="de-DE" dirty="0"/>
-              <a:t> </a:t>
-            </a:r>
-            <a:r>
-              <a:rPr lang="de-DE" dirty="0" err="1"/>
-              <a:t>were</a:t>
-            </a:r>
-            <a:r>
-              <a:rPr lang="de-DE" dirty="0"/>
-              <a:t> </a:t>
-            </a:r>
-            <a:r>
-              <a:rPr lang="de-DE" dirty="0" err="1"/>
-              <a:t>classified</a:t>
-            </a:r>
-            <a:r>
-              <a:rPr lang="de-DE" dirty="0"/>
-              <a:t> </a:t>
-            </a:r>
-            <a:r>
-              <a:rPr lang="de-DE" dirty="0" err="1"/>
-              <a:t>as</a:t>
-            </a:r>
-            <a:r>
-              <a:rPr lang="de-DE" dirty="0"/>
-              <a:t> </a:t>
-            </a:r>
-            <a:r>
-              <a:rPr lang="de-DE" b="1" dirty="0"/>
-              <a:t>RNA-</a:t>
-            </a:r>
-            <a:r>
-              <a:rPr lang="de-DE" b="1" dirty="0" err="1"/>
-              <a:t>dependent</a:t>
-            </a:r>
-            <a:r>
-              <a:rPr lang="de-DE"/>
-              <a:t>.</a:t>
-            </a:r>
+              <a:rPr lang="de-DE" sz="1200" i="1" dirty="0">
+                <a:latin typeface="Source Sans Pro" panose="020B0503030403020204" pitchFamily="34" charset="0"/>
+                <a:ea typeface="Source Sans Pro" panose="020B0503030403020204" pitchFamily="34" charset="0"/>
+              </a:rPr>
+              <a:t>, t-test </a:t>
+            </a:r>
+            <a:r>
+              <a:rPr lang="de-DE" sz="1200" i="1" dirty="0" err="1">
+                <a:latin typeface="Source Sans Pro" panose="020B0503030403020204" pitchFamily="34" charset="0"/>
+                <a:ea typeface="Source Sans Pro" panose="020B0503030403020204" pitchFamily="34" charset="0"/>
+              </a:rPr>
+              <a:t>rsults</a:t>
+            </a:r>
+            <a:r>
+              <a:rPr lang="de-DE" sz="1200" i="1" dirty="0">
+                <a:latin typeface="Source Sans Pro" panose="020B0503030403020204" pitchFamily="34" charset="0"/>
+                <a:ea typeface="Source Sans Pro" panose="020B0503030403020204" pitchFamily="34" charset="0"/>
+              </a:rPr>
+              <a:t>, etc. </a:t>
+            </a:r>
+            <a:endParaRPr lang="en-US" sz="1200" i="1" dirty="0">
+              <a:latin typeface="Source Sans Pro" panose="020B0503030403020204" pitchFamily="34" charset="0"/>
+              <a:ea typeface="Source Sans Pro" panose="020B0503030403020204" pitchFamily="34" charset="0"/>
+            </a:endParaRPr>
           </a:p>
         </p:txBody>
       </p:sp>

--- a/RiboZwo.pptx
+++ b/RiboZwo.pptx
@@ -119,7 +119,7 @@
 <file path=ppt/revisionInfo.xml><?xml version="1.0" encoding="utf-8"?>
 <p1510:revInfo xmlns:a="http://schemas.openxmlformats.org/drawingml/2006/main" xmlns:r="http://schemas.openxmlformats.org/officeDocument/2006/relationships" xmlns:p1510="http://schemas.microsoft.com/office/powerpoint/2015/10/main">
   <p1510:revLst>
-    <p1510:client id="{E5A86D5C-552E-4995-AB32-5E49D96B1D3A}" v="12" dt="2025-07-02T09:58:00.100"/>
+    <p1510:client id="{E5A86D5C-552E-4995-AB32-5E49D96B1D3A}" v="24" dt="2025-07-03T14:16:08.782"/>
   </p1510:revLst>
 </p1510:revInfo>
 </file>
@@ -128,19 +128,19 @@
 <pc:chgInfo xmlns:a="http://schemas.openxmlformats.org/drawingml/2006/main" xmlns:r="http://schemas.openxmlformats.org/officeDocument/2006/relationships" xmlns:ac="http://schemas.microsoft.com/office/drawing/2013/main/command" xmlns:pc="http://schemas.microsoft.com/office/powerpoint/2013/main/command">
   <pc:docChgLst>
     <pc:chgData name="Cihan Zeyrek" userId="dd9724baaf2e43d1" providerId="LiveId" clId="{E5A86D5C-552E-4995-AB32-5E49D96B1D3A}"/>
-    <pc:docChg chg="undo custSel modSld">
-      <pc:chgData name="Cihan Zeyrek" userId="dd9724baaf2e43d1" providerId="LiveId" clId="{E5A86D5C-552E-4995-AB32-5E49D96B1D3A}" dt="2025-07-02T09:58:49.653" v="2867" actId="20577"/>
+    <pc:docChg chg="undo redo custSel modSld">
+      <pc:chgData name="Cihan Zeyrek" userId="dd9724baaf2e43d1" providerId="LiveId" clId="{E5A86D5C-552E-4995-AB32-5E49D96B1D3A}" dt="2025-07-03T14:16:27.570" v="3691" actId="113"/>
       <pc:docMkLst>
         <pc:docMk/>
       </pc:docMkLst>
       <pc:sldChg chg="addSp delSp modSp mod">
-        <pc:chgData name="Cihan Zeyrek" userId="dd9724baaf2e43d1" providerId="LiveId" clId="{E5A86D5C-552E-4995-AB32-5E49D96B1D3A}" dt="2025-07-02T09:58:49.653" v="2867" actId="20577"/>
+        <pc:chgData name="Cihan Zeyrek" userId="dd9724baaf2e43d1" providerId="LiveId" clId="{E5A86D5C-552E-4995-AB32-5E49D96B1D3A}" dt="2025-07-03T13:41:54.663" v="2908" actId="790"/>
         <pc:sldMkLst>
           <pc:docMk/>
           <pc:sldMk cId="4168340417" sldId="256"/>
         </pc:sldMkLst>
         <pc:spChg chg="add mod">
-          <ac:chgData name="Cihan Zeyrek" userId="dd9724baaf2e43d1" providerId="LiveId" clId="{E5A86D5C-552E-4995-AB32-5E49D96B1D3A}" dt="2025-07-02T09:40:18.023" v="1545" actId="790"/>
+          <ac:chgData name="Cihan Zeyrek" userId="dd9724baaf2e43d1" providerId="LiveId" clId="{E5A86D5C-552E-4995-AB32-5E49D96B1D3A}" dt="2025-07-03T13:41:54.663" v="2908" actId="790"/>
           <ac:spMkLst>
             <pc:docMk/>
             <pc:sldMk cId="4168340417" sldId="256"/>
@@ -148,23 +148,15 @@
           </ac:spMkLst>
         </pc:spChg>
         <pc:spChg chg="add mod">
-          <ac:chgData name="Cihan Zeyrek" userId="dd9724baaf2e43d1" providerId="LiveId" clId="{E5A86D5C-552E-4995-AB32-5E49D96B1D3A}" dt="2025-07-02T09:58:49.653" v="2867" actId="20577"/>
+          <ac:chgData name="Cihan Zeyrek" userId="dd9724baaf2e43d1" providerId="LiveId" clId="{E5A86D5C-552E-4995-AB32-5E49D96B1D3A}" dt="2025-07-03T13:41:54.663" v="2908" actId="790"/>
           <ac:spMkLst>
             <pc:docMk/>
             <pc:sldMk cId="4168340417" sldId="256"/>
             <ac:spMk id="3" creationId="{04624BEE-2D85-D971-6B0E-6AFB63D073B6}"/>
           </ac:spMkLst>
         </pc:spChg>
-        <pc:spChg chg="add del mod">
-          <ac:chgData name="Cihan Zeyrek" userId="dd9724baaf2e43d1" providerId="LiveId" clId="{E5A86D5C-552E-4995-AB32-5E49D96B1D3A}" dt="2025-07-01T11:46:09.549" v="504" actId="478"/>
-          <ac:spMkLst>
-            <pc:docMk/>
-            <pc:sldMk cId="4168340417" sldId="256"/>
-            <ac:spMk id="3" creationId="{D6502805-559F-9867-BD20-68A8AC9C3C19}"/>
-          </ac:spMkLst>
-        </pc:spChg>
         <pc:spChg chg="mod">
-          <ac:chgData name="Cihan Zeyrek" userId="dd9724baaf2e43d1" providerId="LiveId" clId="{E5A86D5C-552E-4995-AB32-5E49D96B1D3A}" dt="2025-07-02T09:58:13.466" v="2863" actId="20577"/>
+          <ac:chgData name="Cihan Zeyrek" userId="dd9724baaf2e43d1" providerId="LiveId" clId="{E5A86D5C-552E-4995-AB32-5E49D96B1D3A}" dt="2025-07-03T13:41:54.663" v="2908" actId="790"/>
           <ac:spMkLst>
             <pc:docMk/>
             <pc:sldMk cId="4168340417" sldId="256"/>
@@ -172,7 +164,7 @@
           </ac:spMkLst>
         </pc:spChg>
         <pc:spChg chg="mod">
-          <ac:chgData name="Cihan Zeyrek" userId="dd9724baaf2e43d1" providerId="LiveId" clId="{E5A86D5C-552E-4995-AB32-5E49D96B1D3A}" dt="2025-07-02T09:40:18.023" v="1545" actId="790"/>
+          <ac:chgData name="Cihan Zeyrek" userId="dd9724baaf2e43d1" providerId="LiveId" clId="{E5A86D5C-552E-4995-AB32-5E49D96B1D3A}" dt="2025-07-03T13:41:54.663" v="2908" actId="790"/>
           <ac:spMkLst>
             <pc:docMk/>
             <pc:sldMk cId="4168340417" sldId="256"/>
@@ -180,39 +172,23 @@
           </ac:spMkLst>
         </pc:spChg>
         <pc:spChg chg="mod">
-          <ac:chgData name="Cihan Zeyrek" userId="dd9724baaf2e43d1" providerId="LiveId" clId="{E5A86D5C-552E-4995-AB32-5E49D96B1D3A}" dt="2025-07-02T09:40:18.023" v="1545" actId="790"/>
+          <ac:chgData name="Cihan Zeyrek" userId="dd9724baaf2e43d1" providerId="LiveId" clId="{E5A86D5C-552E-4995-AB32-5E49D96B1D3A}" dt="2025-07-03T13:41:54.663" v="2908" actId="790"/>
           <ac:spMkLst>
             <pc:docMk/>
             <pc:sldMk cId="4168340417" sldId="256"/>
             <ac:spMk id="6" creationId="{C4639C69-68ED-0C86-8FE4-B1B8B32B2740}"/>
           </ac:spMkLst>
         </pc:spChg>
-        <pc:spChg chg="add del mod">
-          <ac:chgData name="Cihan Zeyrek" userId="dd9724baaf2e43d1" providerId="LiveId" clId="{E5A86D5C-552E-4995-AB32-5E49D96B1D3A}" dt="2025-07-01T11:46:07.747" v="503" actId="478"/>
-          <ac:spMkLst>
-            <pc:docMk/>
-            <pc:sldMk cId="4168340417" sldId="256"/>
-            <ac:spMk id="7" creationId="{800E7A44-961E-9783-3047-2F1FDEE010A7}"/>
-          </ac:spMkLst>
-        </pc:spChg>
         <pc:spChg chg="add mod">
-          <ac:chgData name="Cihan Zeyrek" userId="dd9724baaf2e43d1" providerId="LiveId" clId="{E5A86D5C-552E-4995-AB32-5E49D96B1D3A}" dt="2025-07-02T09:58:03.949" v="2860" actId="20577"/>
+          <ac:chgData name="Cihan Zeyrek" userId="dd9724baaf2e43d1" providerId="LiveId" clId="{E5A86D5C-552E-4995-AB32-5E49D96B1D3A}" dt="2025-07-03T13:41:54.663" v="2908" actId="790"/>
           <ac:spMkLst>
             <pc:docMk/>
             <pc:sldMk cId="4168340417" sldId="256"/>
             <ac:spMk id="7" creationId="{E825588A-E12C-8099-3FB3-5077EFD79267}"/>
           </ac:spMkLst>
         </pc:spChg>
-        <pc:spChg chg="add del mod">
-          <ac:chgData name="Cihan Zeyrek" userId="dd9724baaf2e43d1" providerId="LiveId" clId="{E5A86D5C-552E-4995-AB32-5E49D96B1D3A}" dt="2025-07-01T11:52:51.314" v="535"/>
-          <ac:spMkLst>
-            <pc:docMk/>
-            <pc:sldMk cId="4168340417" sldId="256"/>
-            <ac:spMk id="10" creationId="{0228EA42-7125-79B2-7104-98BB3B7B232E}"/>
-          </ac:spMkLst>
-        </pc:spChg>
         <pc:spChg chg="mod">
-          <ac:chgData name="Cihan Zeyrek" userId="dd9724baaf2e43d1" providerId="LiveId" clId="{E5A86D5C-552E-4995-AB32-5E49D96B1D3A}" dt="2025-07-02T09:40:18.023" v="1545" actId="790"/>
+          <ac:chgData name="Cihan Zeyrek" userId="dd9724baaf2e43d1" providerId="LiveId" clId="{E5A86D5C-552E-4995-AB32-5E49D96B1D3A}" dt="2025-07-03T13:41:54.663" v="2908" actId="790"/>
           <ac:spMkLst>
             <pc:docMk/>
             <pc:sldMk cId="4168340417" sldId="256"/>
@@ -220,7 +196,7 @@
           </ac:spMkLst>
         </pc:spChg>
         <pc:spChg chg="mod">
-          <ac:chgData name="Cihan Zeyrek" userId="dd9724baaf2e43d1" providerId="LiveId" clId="{E5A86D5C-552E-4995-AB32-5E49D96B1D3A}" dt="2025-07-02T09:40:18.023" v="1545" actId="790"/>
+          <ac:chgData name="Cihan Zeyrek" userId="dd9724baaf2e43d1" providerId="LiveId" clId="{E5A86D5C-552E-4995-AB32-5E49D96B1D3A}" dt="2025-07-03T13:41:54.663" v="2908" actId="790"/>
           <ac:spMkLst>
             <pc:docMk/>
             <pc:sldMk cId="4168340417" sldId="256"/>
@@ -236,7 +212,7 @@
           </ac:spMkLst>
         </pc:spChg>
         <pc:spChg chg="mod">
-          <ac:chgData name="Cihan Zeyrek" userId="dd9724baaf2e43d1" providerId="LiveId" clId="{E5A86D5C-552E-4995-AB32-5E49D96B1D3A}" dt="2025-07-02T09:40:18.023" v="1545" actId="790"/>
+          <ac:chgData name="Cihan Zeyrek" userId="dd9724baaf2e43d1" providerId="LiveId" clId="{E5A86D5C-552E-4995-AB32-5E49D96B1D3A}" dt="2025-07-03T13:41:54.663" v="2908" actId="790"/>
           <ac:spMkLst>
             <pc:docMk/>
             <pc:sldMk cId="4168340417" sldId="256"/>
@@ -244,7 +220,7 @@
           </ac:spMkLst>
         </pc:spChg>
         <pc:spChg chg="mod">
-          <ac:chgData name="Cihan Zeyrek" userId="dd9724baaf2e43d1" providerId="LiveId" clId="{E5A86D5C-552E-4995-AB32-5E49D96B1D3A}" dt="2025-07-02T09:40:18.023" v="1545" actId="790"/>
+          <ac:chgData name="Cihan Zeyrek" userId="dd9724baaf2e43d1" providerId="LiveId" clId="{E5A86D5C-552E-4995-AB32-5E49D96B1D3A}" dt="2025-07-03T13:41:54.663" v="2908" actId="790"/>
           <ac:spMkLst>
             <pc:docMk/>
             <pc:sldMk cId="4168340417" sldId="256"/>
@@ -267,14 +243,221 @@
             <ac:picMk id="20" creationId="{109B983B-C86E-49D0-A0E7-DCBDB9FF69F8}"/>
           </ac:picMkLst>
         </pc:picChg>
-        <pc:cxnChg chg="add del">
-          <ac:chgData name="Cihan Zeyrek" userId="dd9724baaf2e43d1" providerId="LiveId" clId="{E5A86D5C-552E-4995-AB32-5E49D96B1D3A}" dt="2025-07-01T11:46:42.275" v="506" actId="11529"/>
-          <ac:cxnSpMkLst>
+      </pc:sldChg>
+      <pc:sldChg chg="addSp delSp modSp mod">
+        <pc:chgData name="Cihan Zeyrek" userId="dd9724baaf2e43d1" providerId="LiveId" clId="{E5A86D5C-552E-4995-AB32-5E49D96B1D3A}" dt="2025-07-03T14:16:27.570" v="3691" actId="113"/>
+        <pc:sldMkLst>
+          <pc:docMk/>
+          <pc:sldMk cId="3613911005" sldId="258"/>
+        </pc:sldMkLst>
+        <pc:spChg chg="mod">
+          <ac:chgData name="Cihan Zeyrek" userId="dd9724baaf2e43d1" providerId="LiveId" clId="{E5A86D5C-552E-4995-AB32-5E49D96B1D3A}" dt="2025-07-03T13:41:54.663" v="2908" actId="790"/>
+          <ac:spMkLst>
             <pc:docMk/>
-            <pc:sldMk cId="4168340417" sldId="256"/>
-            <ac:cxnSpMk id="9" creationId="{A499BE1F-D91A-2436-1D1E-1A1A8376156C}"/>
-          </ac:cxnSpMkLst>
-        </pc:cxnChg>
+            <pc:sldMk cId="3613911005" sldId="258"/>
+            <ac:spMk id="2" creationId="{49A02D2B-FEBA-8240-4F80-1023D79A7ABD}"/>
+          </ac:spMkLst>
+        </pc:spChg>
+        <pc:spChg chg="mod">
+          <ac:chgData name="Cihan Zeyrek" userId="dd9724baaf2e43d1" providerId="LiveId" clId="{E5A86D5C-552E-4995-AB32-5E49D96B1D3A}" dt="2025-07-03T13:41:54.663" v="2908" actId="790"/>
+          <ac:spMkLst>
+            <pc:docMk/>
+            <pc:sldMk cId="3613911005" sldId="258"/>
+            <ac:spMk id="3" creationId="{0D810A4A-92B1-68EC-1B3D-A5167555FDE6}"/>
+          </ac:spMkLst>
+        </pc:spChg>
+        <pc:spChg chg="mod">
+          <ac:chgData name="Cihan Zeyrek" userId="dd9724baaf2e43d1" providerId="LiveId" clId="{E5A86D5C-552E-4995-AB32-5E49D96B1D3A}" dt="2025-07-03T14:03:36.632" v="3496" actId="1076"/>
+          <ac:spMkLst>
+            <pc:docMk/>
+            <pc:sldMk cId="3613911005" sldId="258"/>
+            <ac:spMk id="5" creationId="{D04637A8-2720-C09A-253F-D30767B31FFF}"/>
+          </ac:spMkLst>
+        </pc:spChg>
+        <pc:spChg chg="mod">
+          <ac:chgData name="Cihan Zeyrek" userId="dd9724baaf2e43d1" providerId="LiveId" clId="{E5A86D5C-552E-4995-AB32-5E49D96B1D3A}" dt="2025-07-03T13:41:54.663" v="2908" actId="790"/>
+          <ac:spMkLst>
+            <pc:docMk/>
+            <pc:sldMk cId="3613911005" sldId="258"/>
+            <ac:spMk id="7" creationId="{04DB3D5B-799E-DEB3-55A1-77E0B672A6B4}"/>
+          </ac:spMkLst>
+        </pc:spChg>
+        <pc:spChg chg="mod">
+          <ac:chgData name="Cihan Zeyrek" userId="dd9724baaf2e43d1" providerId="LiveId" clId="{E5A86D5C-552E-4995-AB32-5E49D96B1D3A}" dt="2025-07-03T14:06:21.345" v="3514" actId="1076"/>
+          <ac:spMkLst>
+            <pc:docMk/>
+            <pc:sldMk cId="3613911005" sldId="258"/>
+            <ac:spMk id="10" creationId="{E81C1AF9-B932-00D1-B316-FD13BCD22722}"/>
+          </ac:spMkLst>
+        </pc:spChg>
+        <pc:spChg chg="mod">
+          <ac:chgData name="Cihan Zeyrek" userId="dd9724baaf2e43d1" providerId="LiveId" clId="{E5A86D5C-552E-4995-AB32-5E49D96B1D3A}" dt="2025-07-03T13:41:54.663" v="2908" actId="790"/>
+          <ac:spMkLst>
+            <pc:docMk/>
+            <pc:sldMk cId="3613911005" sldId="258"/>
+            <ac:spMk id="11" creationId="{021CF195-2D3D-9BF1-3771-664A809C04FB}"/>
+          </ac:spMkLst>
+        </pc:spChg>
+        <pc:spChg chg="add mod">
+          <ac:chgData name="Cihan Zeyrek" userId="dd9724baaf2e43d1" providerId="LiveId" clId="{E5A86D5C-552E-4995-AB32-5E49D96B1D3A}" dt="2025-07-03T14:15:26.543" v="3686" actId="20577"/>
+          <ac:spMkLst>
+            <pc:docMk/>
+            <pc:sldMk cId="3613911005" sldId="258"/>
+            <ac:spMk id="13" creationId="{B1FDECB6-1FBA-D64A-249B-C2A37669EFAA}"/>
+          </ac:spMkLst>
+        </pc:spChg>
+        <pc:spChg chg="mod">
+          <ac:chgData name="Cihan Zeyrek" userId="dd9724baaf2e43d1" providerId="LiveId" clId="{E5A86D5C-552E-4995-AB32-5E49D96B1D3A}" dt="2025-07-03T13:41:54.663" v="2908" actId="790"/>
+          <ac:spMkLst>
+            <pc:docMk/>
+            <pc:sldMk cId="3613911005" sldId="258"/>
+            <ac:spMk id="15" creationId="{318D8B86-DFF0-9641-CEC3-3D48CFA515DB}"/>
+          </ac:spMkLst>
+        </pc:spChg>
+        <pc:spChg chg="mod">
+          <ac:chgData name="Cihan Zeyrek" userId="dd9724baaf2e43d1" providerId="LiveId" clId="{E5A86D5C-552E-4995-AB32-5E49D96B1D3A}" dt="2025-07-03T13:41:54.663" v="2908" actId="790"/>
+          <ac:spMkLst>
+            <pc:docMk/>
+            <pc:sldMk cId="3613911005" sldId="258"/>
+            <ac:spMk id="16" creationId="{0FCE50A5-8321-3A15-8F2E-E7A4119AE242}"/>
+          </ac:spMkLst>
+        </pc:spChg>
+        <pc:spChg chg="mod">
+          <ac:chgData name="Cihan Zeyrek" userId="dd9724baaf2e43d1" providerId="LiveId" clId="{E5A86D5C-552E-4995-AB32-5E49D96B1D3A}" dt="2025-07-03T13:41:54.663" v="2908" actId="790"/>
+          <ac:spMkLst>
+            <pc:docMk/>
+            <pc:sldMk cId="3613911005" sldId="258"/>
+            <ac:spMk id="22" creationId="{CADA5048-84E9-7610-1363-103CE5D313B8}"/>
+          </ac:spMkLst>
+        </pc:spChg>
+        <pc:spChg chg="mod">
+          <ac:chgData name="Cihan Zeyrek" userId="dd9724baaf2e43d1" providerId="LiveId" clId="{E5A86D5C-552E-4995-AB32-5E49D96B1D3A}" dt="2025-07-03T13:38:33.064" v="2870" actId="1076"/>
+          <ac:spMkLst>
+            <pc:docMk/>
+            <pc:sldMk cId="3613911005" sldId="258"/>
+            <ac:spMk id="26" creationId="{BE290EAF-1A4B-D335-43DA-78DE46D94BC7}"/>
+          </ac:spMkLst>
+        </pc:spChg>
+        <pc:spChg chg="mod">
+          <ac:chgData name="Cihan Zeyrek" userId="dd9724baaf2e43d1" providerId="LiveId" clId="{E5A86D5C-552E-4995-AB32-5E49D96B1D3A}" dt="2025-07-03T13:39:50.039" v="2883" actId="1076"/>
+          <ac:spMkLst>
+            <pc:docMk/>
+            <pc:sldMk cId="3613911005" sldId="258"/>
+            <ac:spMk id="39" creationId="{E6EF7BF0-8EEC-4498-FCA6-9E2123BFB423}"/>
+          </ac:spMkLst>
+        </pc:spChg>
+        <pc:spChg chg="mod">
+          <ac:chgData name="Cihan Zeyrek" userId="dd9724baaf2e43d1" providerId="LiveId" clId="{E5A86D5C-552E-4995-AB32-5E49D96B1D3A}" dt="2025-07-03T13:40:37.904" v="2889" actId="1076"/>
+          <ac:spMkLst>
+            <pc:docMk/>
+            <pc:sldMk cId="3613911005" sldId="258"/>
+            <ac:spMk id="40" creationId="{9E00ACD3-20DA-AFDB-EE91-F0B099D4597C}"/>
+          </ac:spMkLst>
+        </pc:spChg>
+        <pc:spChg chg="mod">
+          <ac:chgData name="Cihan Zeyrek" userId="dd9724baaf2e43d1" providerId="LiveId" clId="{E5A86D5C-552E-4995-AB32-5E49D96B1D3A}" dt="2025-07-03T13:41:54.663" v="2908" actId="790"/>
+          <ac:spMkLst>
+            <pc:docMk/>
+            <pc:sldMk cId="3613911005" sldId="258"/>
+            <ac:spMk id="45" creationId="{383CE23E-E30E-605A-7CAB-C3F82B7FB91A}"/>
+          </ac:spMkLst>
+        </pc:spChg>
+        <pc:spChg chg="mod">
+          <ac:chgData name="Cihan Zeyrek" userId="dd9724baaf2e43d1" providerId="LiveId" clId="{E5A86D5C-552E-4995-AB32-5E49D96B1D3A}" dt="2025-07-03T13:41:54.663" v="2908" actId="790"/>
+          <ac:spMkLst>
+            <pc:docMk/>
+            <pc:sldMk cId="3613911005" sldId="258"/>
+            <ac:spMk id="47" creationId="{C8697122-1F57-2A95-C751-74F7E5823F08}"/>
+          </ac:spMkLst>
+        </pc:spChg>
+        <pc:spChg chg="mod">
+          <ac:chgData name="Cihan Zeyrek" userId="dd9724baaf2e43d1" providerId="LiveId" clId="{E5A86D5C-552E-4995-AB32-5E49D96B1D3A}" dt="2025-07-03T13:40:14.839" v="2885" actId="1076"/>
+          <ac:spMkLst>
+            <pc:docMk/>
+            <pc:sldMk cId="3613911005" sldId="258"/>
+            <ac:spMk id="49" creationId="{06A51717-529C-69ED-4034-81B1351AD584}"/>
+          </ac:spMkLst>
+        </pc:spChg>
+        <pc:spChg chg="mod">
+          <ac:chgData name="Cihan Zeyrek" userId="dd9724baaf2e43d1" providerId="LiveId" clId="{E5A86D5C-552E-4995-AB32-5E49D96B1D3A}" dt="2025-07-03T14:14:28.529" v="3680" actId="20577"/>
+          <ac:spMkLst>
+            <pc:docMk/>
+            <pc:sldMk cId="3613911005" sldId="258"/>
+            <ac:spMk id="50" creationId="{71AC231F-D6F1-37AC-E477-4F200AD7EBA5}"/>
+          </ac:spMkLst>
+        </pc:spChg>
+        <pc:spChg chg="mod">
+          <ac:chgData name="Cihan Zeyrek" userId="dd9724baaf2e43d1" providerId="LiveId" clId="{E5A86D5C-552E-4995-AB32-5E49D96B1D3A}" dt="2025-07-03T14:14:20.122" v="3674" actId="20577"/>
+          <ac:spMkLst>
+            <pc:docMk/>
+            <pc:sldMk cId="3613911005" sldId="258"/>
+            <ac:spMk id="51" creationId="{1EFE5839-827F-4EE7-93B1-21F410F3AF68}"/>
+          </ac:spMkLst>
+        </pc:spChg>
+        <pc:spChg chg="add mod">
+          <ac:chgData name="Cihan Zeyrek" userId="dd9724baaf2e43d1" providerId="LiveId" clId="{E5A86D5C-552E-4995-AB32-5E49D96B1D3A}" dt="2025-07-03T14:16:27.570" v="3691" actId="113"/>
+          <ac:spMkLst>
+            <pc:docMk/>
+            <pc:sldMk cId="3613911005" sldId="258"/>
+            <ac:spMk id="56" creationId="{7866C7D8-BD84-2809-E6DA-3A7BCF109C79}"/>
+          </ac:spMkLst>
+        </pc:spChg>
+        <pc:grpChg chg="mod">
+          <ac:chgData name="Cihan Zeyrek" userId="dd9724baaf2e43d1" providerId="LiveId" clId="{E5A86D5C-552E-4995-AB32-5E49D96B1D3A}" dt="2025-07-03T13:40:34.252" v="2888" actId="1076"/>
+          <ac:grpSpMkLst>
+            <pc:docMk/>
+            <pc:sldMk cId="3613911005" sldId="258"/>
+            <ac:grpSpMk id="42" creationId="{AF808B17-6572-A307-B9E8-253821F89EE7}"/>
+          </ac:grpSpMkLst>
+        </pc:grpChg>
+        <pc:graphicFrameChg chg="mod">
+          <ac:chgData name="Cihan Zeyrek" userId="dd9724baaf2e43d1" providerId="LiveId" clId="{E5A86D5C-552E-4995-AB32-5E49D96B1D3A}" dt="2025-07-03T13:40:26.857" v="2887" actId="1076"/>
+          <ac:graphicFrameMkLst>
+            <pc:docMk/>
+            <pc:sldMk cId="3613911005" sldId="258"/>
+            <ac:graphicFrameMk id="48" creationId="{B4582048-10B5-61D2-9583-8E75A86FF2D5}"/>
+          </ac:graphicFrameMkLst>
+        </pc:graphicFrameChg>
+        <pc:picChg chg="mod">
+          <ac:chgData name="Cihan Zeyrek" userId="dd9724baaf2e43d1" providerId="LiveId" clId="{E5A86D5C-552E-4995-AB32-5E49D96B1D3A}" dt="2025-07-03T13:38:55.409" v="2872" actId="1076"/>
+          <ac:picMkLst>
+            <pc:docMk/>
+            <pc:sldMk cId="3613911005" sldId="258"/>
+            <ac:picMk id="31" creationId="{A0E5FA54-BA75-9B3C-0580-9B0ACD702D6B}"/>
+          </ac:picMkLst>
+        </pc:picChg>
+        <pc:picChg chg="mod">
+          <ac:chgData name="Cihan Zeyrek" userId="dd9724baaf2e43d1" providerId="LiveId" clId="{E5A86D5C-552E-4995-AB32-5E49D96B1D3A}" dt="2025-07-03T13:40:43.839" v="2891" actId="1076"/>
+          <ac:picMkLst>
+            <pc:docMk/>
+            <pc:sldMk cId="3613911005" sldId="258"/>
+            <ac:picMk id="41" creationId="{085B1AAD-70BC-D43F-DE61-2739306A23EC}"/>
+          </ac:picMkLst>
+        </pc:picChg>
+        <pc:picChg chg="add del mod">
+          <ac:chgData name="Cihan Zeyrek" userId="dd9724baaf2e43d1" providerId="LiveId" clId="{E5A86D5C-552E-4995-AB32-5E49D96B1D3A}" dt="2025-07-03T14:03:55.686" v="3500" actId="478"/>
+          <ac:picMkLst>
+            <pc:docMk/>
+            <pc:sldMk cId="3613911005" sldId="258"/>
+            <ac:picMk id="46" creationId="{0D302B69-227B-F98A-9C17-505C30F9EF34}"/>
+          </ac:picMkLst>
+        </pc:picChg>
+        <pc:picChg chg="add mod">
+          <ac:chgData name="Cihan Zeyrek" userId="dd9724baaf2e43d1" providerId="LiveId" clId="{E5A86D5C-552E-4995-AB32-5E49D96B1D3A}" dt="2025-07-03T14:10:34.175" v="3535" actId="1076"/>
+          <ac:picMkLst>
+            <pc:docMk/>
+            <pc:sldMk cId="3613911005" sldId="258"/>
+            <ac:picMk id="53" creationId="{BAAF9A28-A00D-D8F6-8487-F57CBEA64C0C}"/>
+          </ac:picMkLst>
+        </pc:picChg>
+        <pc:picChg chg="add del mod">
+          <ac:chgData name="Cihan Zeyrek" userId="dd9724baaf2e43d1" providerId="LiveId" clId="{E5A86D5C-552E-4995-AB32-5E49D96B1D3A}" dt="2025-07-03T14:10:27.546" v="3533" actId="478"/>
+          <ac:picMkLst>
+            <pc:docMk/>
+            <pc:sldMk cId="3613911005" sldId="258"/>
+            <ac:picMk id="55" creationId="{2850C1C9-B223-F7BE-1D76-2515B899DD6B}"/>
+          </ac:picMkLst>
+        </pc:picChg>
       </pc:sldChg>
     </pc:docChg>
   </pc:docChgLst>
@@ -315,7 +498,7 @@
               </a:defRPr>
             </a:pPr>
             <a:r>
-              <a:rPr lang="de-DE" sz="1200" b="0" i="0" u="none" strike="noStrike" baseline="0" dirty="0" err="1">
+              <a:rPr lang="en-US" sz="1200" b="0" i="0" u="none" strike="noStrike" baseline="0" noProof="0" dirty="0">
                 <a:solidFill>
                   <a:schemeClr val="tx1"/>
                 </a:solidFill>
@@ -323,97 +506,9 @@
                 <a:latin typeface="Source Sans Pro" panose="020B0503030403020204" pitchFamily="34" charset="0"/>
                 <a:ea typeface="Source Sans Pro" panose="020B0503030403020204" pitchFamily="34" charset="0"/>
               </a:rPr>
-              <a:t>Results</a:t>
-            </a:r>
-            <a:r>
-              <a:rPr lang="de-DE" sz="1200" b="0" i="0" u="none" strike="noStrike" baseline="0" dirty="0">
-                <a:solidFill>
-                  <a:schemeClr val="tx1"/>
-                </a:solidFill>
-                <a:effectLst/>
-                <a:latin typeface="Source Sans Pro" panose="020B0503030403020204" pitchFamily="34" charset="0"/>
-                <a:ea typeface="Source Sans Pro" panose="020B0503030403020204" pitchFamily="34" charset="0"/>
-              </a:rPr>
-              <a:t> and </a:t>
-            </a:r>
-            <a:r>
-              <a:rPr lang="de-DE" sz="1200" b="0" i="0" u="none" strike="noStrike" baseline="0" dirty="0" err="1">
-                <a:solidFill>
-                  <a:schemeClr val="tx1"/>
-                </a:solidFill>
-                <a:effectLst/>
-                <a:latin typeface="Source Sans Pro" panose="020B0503030403020204" pitchFamily="34" charset="0"/>
-                <a:ea typeface="Source Sans Pro" panose="020B0503030403020204" pitchFamily="34" charset="0"/>
-              </a:rPr>
-              <a:t>Limitations</a:t>
-            </a:r>
-            <a:r>
-              <a:rPr lang="de-DE" sz="1200" b="0" i="0" u="none" strike="noStrike" baseline="0" dirty="0">
-                <a:solidFill>
-                  <a:schemeClr val="tx1"/>
-                </a:solidFill>
-                <a:effectLst/>
-                <a:latin typeface="Source Sans Pro" panose="020B0503030403020204" pitchFamily="34" charset="0"/>
-                <a:ea typeface="Source Sans Pro" panose="020B0503030403020204" pitchFamily="34" charset="0"/>
-              </a:rPr>
-              <a:t> </a:t>
-            </a:r>
-            <a:r>
-              <a:rPr lang="de-DE" sz="1200" b="0" i="0" u="none" strike="noStrike" baseline="0" dirty="0" err="1">
-                <a:solidFill>
-                  <a:schemeClr val="tx1"/>
-                </a:solidFill>
-                <a:effectLst/>
-                <a:latin typeface="Source Sans Pro" panose="020B0503030403020204" pitchFamily="34" charset="0"/>
-                <a:ea typeface="Source Sans Pro" panose="020B0503030403020204" pitchFamily="34" charset="0"/>
-              </a:rPr>
-              <a:t>of</a:t>
-            </a:r>
-            <a:r>
-              <a:rPr lang="de-DE" sz="1200" b="0" i="0" u="none" strike="noStrike" baseline="0" dirty="0">
-                <a:solidFill>
-                  <a:schemeClr val="tx1"/>
-                </a:solidFill>
-                <a:effectLst/>
-                <a:latin typeface="Source Sans Pro" panose="020B0503030403020204" pitchFamily="34" charset="0"/>
-                <a:ea typeface="Source Sans Pro" panose="020B0503030403020204" pitchFamily="34" charset="0"/>
-              </a:rPr>
-              <a:t> Shift </a:t>
-            </a:r>
-            <a:r>
-              <a:rPr lang="de-DE" sz="1200" b="0" i="0" u="none" strike="noStrike" baseline="0" dirty="0" err="1">
-                <a:solidFill>
-                  <a:schemeClr val="tx1"/>
-                </a:solidFill>
-                <a:effectLst/>
-                <a:latin typeface="Source Sans Pro" panose="020B0503030403020204" pitchFamily="34" charset="0"/>
-                <a:ea typeface="Source Sans Pro" panose="020B0503030403020204" pitchFamily="34" charset="0"/>
-              </a:rPr>
-              <a:t>Significance</a:t>
-            </a:r>
-            <a:r>
-              <a:rPr lang="de-DE" sz="1200" b="0" i="0" u="none" strike="noStrike" baseline="0" dirty="0">
-                <a:solidFill>
-                  <a:schemeClr val="tx1"/>
-                </a:solidFill>
-                <a:effectLst/>
-                <a:latin typeface="Source Sans Pro" panose="020B0503030403020204" pitchFamily="34" charset="0"/>
-                <a:ea typeface="Source Sans Pro" panose="020B0503030403020204" pitchFamily="34" charset="0"/>
-              </a:rPr>
-              <a:t> </a:t>
-            </a:r>
-            <a:r>
-              <a:rPr lang="de-DE" sz="1200" b="0" i="0" u="none" strike="noStrike" baseline="0" dirty="0" err="1">
-                <a:solidFill>
-                  <a:schemeClr val="tx1"/>
-                </a:solidFill>
-                <a:effectLst/>
-                <a:latin typeface="Source Sans Pro" panose="020B0503030403020204" pitchFamily="34" charset="0"/>
-                <a:ea typeface="Source Sans Pro" panose="020B0503030403020204" pitchFamily="34" charset="0"/>
-              </a:rPr>
-              <a:t>Testing</a:t>
-            </a:r>
-            <a:endParaRPr lang="en-US" sz="1200" dirty="0">
+              <a:t>Results and Limitations of Shift Significance Testing</a:t>
+            </a:r>
+            <a:endParaRPr lang="en-US" sz="1200" noProof="0" dirty="0">
               <a:solidFill>
                 <a:schemeClr val="tx1"/>
               </a:solidFill>
@@ -427,8 +522,8 @@
         <c:manualLayout>
           <c:xMode val="edge"/>
           <c:yMode val="edge"/>
-          <c:x val="2.5979546149142486E-2"/>
-          <c:y val="3.0170725922711469E-2"/>
+          <c:x val="2.0111960011707456E-2"/>
+          <c:y val="5.5312997524971028E-2"/>
         </c:manualLayout>
       </c:layout>
       <c:overlay val="0"/>
@@ -1382,7 +1477,7 @@
           <a:p>
             <a:fld id="{12610477-6C94-4391-BBDC-B8E9BB33E658}" type="datetimeFigureOut">
               <a:rPr lang="de-DE" smtClean="0"/>
-              <a:t>03.07.25</a:t>
+              <a:t>03.07.2025</a:t>
             </a:fld>
             <a:endParaRPr lang="de-DE"/>
           </a:p>
@@ -1972,7 +2067,7 @@
           <a:p>
             <a:fld id="{F9ACF1CB-8064-4AFF-8DFB-49A00122A1FD}" type="datetimeFigureOut">
               <a:rPr lang="de-DE" smtClean="0"/>
-              <a:t>03.07.25</a:t>
+              <a:t>03.07.2025</a:t>
             </a:fld>
             <a:endParaRPr lang="de-DE"/>
           </a:p>
@@ -2142,7 +2237,7 @@
           <a:p>
             <a:fld id="{F9ACF1CB-8064-4AFF-8DFB-49A00122A1FD}" type="datetimeFigureOut">
               <a:rPr lang="de-DE" smtClean="0"/>
-              <a:t>03.07.25</a:t>
+              <a:t>03.07.2025</a:t>
             </a:fld>
             <a:endParaRPr lang="de-DE"/>
           </a:p>
@@ -2322,7 +2417,7 @@
           <a:p>
             <a:fld id="{F9ACF1CB-8064-4AFF-8DFB-49A00122A1FD}" type="datetimeFigureOut">
               <a:rPr lang="de-DE" smtClean="0"/>
-              <a:t>03.07.25</a:t>
+              <a:t>03.07.2025</a:t>
             </a:fld>
             <a:endParaRPr lang="de-DE"/>
           </a:p>
@@ -2492,7 +2587,7 @@
           <a:p>
             <a:fld id="{F9ACF1CB-8064-4AFF-8DFB-49A00122A1FD}" type="datetimeFigureOut">
               <a:rPr lang="de-DE" smtClean="0"/>
-              <a:t>03.07.25</a:t>
+              <a:t>03.07.2025</a:t>
             </a:fld>
             <a:endParaRPr lang="de-DE"/>
           </a:p>
@@ -2738,7 +2833,7 @@
           <a:p>
             <a:fld id="{F9ACF1CB-8064-4AFF-8DFB-49A00122A1FD}" type="datetimeFigureOut">
               <a:rPr lang="de-DE" smtClean="0"/>
-              <a:t>03.07.25</a:t>
+              <a:t>03.07.2025</a:t>
             </a:fld>
             <a:endParaRPr lang="de-DE"/>
           </a:p>
@@ -2970,7 +3065,7 @@
           <a:p>
             <a:fld id="{F9ACF1CB-8064-4AFF-8DFB-49A00122A1FD}" type="datetimeFigureOut">
               <a:rPr lang="de-DE" smtClean="0"/>
-              <a:t>03.07.25</a:t>
+              <a:t>03.07.2025</a:t>
             </a:fld>
             <a:endParaRPr lang="de-DE"/>
           </a:p>
@@ -3337,7 +3432,7 @@
           <a:p>
             <a:fld id="{F9ACF1CB-8064-4AFF-8DFB-49A00122A1FD}" type="datetimeFigureOut">
               <a:rPr lang="de-DE" smtClean="0"/>
-              <a:t>03.07.25</a:t>
+              <a:t>03.07.2025</a:t>
             </a:fld>
             <a:endParaRPr lang="de-DE"/>
           </a:p>
@@ -3455,7 +3550,7 @@
           <a:p>
             <a:fld id="{F9ACF1CB-8064-4AFF-8DFB-49A00122A1FD}" type="datetimeFigureOut">
               <a:rPr lang="de-DE" smtClean="0"/>
-              <a:t>03.07.25</a:t>
+              <a:t>03.07.2025</a:t>
             </a:fld>
             <a:endParaRPr lang="de-DE"/>
           </a:p>
@@ -3550,7 +3645,7 @@
           <a:p>
             <a:fld id="{F9ACF1CB-8064-4AFF-8DFB-49A00122A1FD}" type="datetimeFigureOut">
               <a:rPr lang="de-DE" smtClean="0"/>
-              <a:t>03.07.25</a:t>
+              <a:t>03.07.2025</a:t>
             </a:fld>
             <a:endParaRPr lang="de-DE"/>
           </a:p>
@@ -3827,7 +3922,7 @@
           <a:p>
             <a:fld id="{F9ACF1CB-8064-4AFF-8DFB-49A00122A1FD}" type="datetimeFigureOut">
               <a:rPr lang="de-DE" smtClean="0"/>
-              <a:t>03.07.25</a:t>
+              <a:t>03.07.2025</a:t>
             </a:fld>
             <a:endParaRPr lang="de-DE"/>
           </a:p>
@@ -4084,7 +4179,7 @@
           <a:p>
             <a:fld id="{F9ACF1CB-8064-4AFF-8DFB-49A00122A1FD}" type="datetimeFigureOut">
               <a:rPr lang="de-DE" smtClean="0"/>
-              <a:t>03.07.25</a:t>
+              <a:t>03.07.2025</a:t>
             </a:fld>
             <a:endParaRPr lang="de-DE"/>
           </a:p>
@@ -4207,7 +4302,13 @@
                   <p:embed/>
                   <p:pic>
                     <p:nvPicPr>
-                      <p:cNvPr id="0" name=""/>
+                      <p:cNvPr id="10" name="think-cell data - do not delete" hidden="1">
+                        <a:extLst>
+                          <a:ext uri="{FF2B5EF4-FFF2-40B4-BE49-F238E27FC236}">
+                            <a16:creationId xmlns:a16="http://schemas.microsoft.com/office/drawing/2014/main" id="{0FF58641-B676-E7BF-E159-1466E7EADC17}"/>
+                          </a:ext>
+                        </a:extLst>
+                      </p:cNvPr>
                       <p:cNvPicPr/>
                       <p:nvPr/>
                     </p:nvPicPr>
@@ -4363,7 +4464,7 @@
           <a:p>
             <a:fld id="{F9ACF1CB-8064-4AFF-8DFB-49A00122A1FD}" type="datetimeFigureOut">
               <a:rPr lang="de-DE" smtClean="0"/>
-              <a:t>03.07.25</a:t>
+              <a:t>03.07.2025</a:t>
             </a:fld>
             <a:endParaRPr lang="de-DE"/>
           </a:p>
@@ -4819,15 +4920,7 @@
             </a:r>
             <a:r>
               <a:rPr lang="en-US" sz="5400" noProof="0" dirty="0"/>
-              <a:t> – A</a:t>
-            </a:r>
-            <a:r>
-              <a:rPr lang="en-US" sz="5400" dirty="0"/>
-              <a:t>N </a:t>
-            </a:r>
-            <a:r>
-              <a:rPr lang="en-US" sz="5400" noProof="0" dirty="0"/>
-              <a:t>RNA-BINDING PROTEIN STORY </a:t>
+              <a:t> – AN RNA-BINDING PROTEIN STORY </a:t>
             </a:r>
           </a:p>
         </p:txBody>
@@ -5431,15 +5524,7 @@
           <a:p>
             <a:r>
               <a:rPr lang="en-US" sz="2400" noProof="0" dirty="0"/>
-              <a:t>So, jo</a:t>
-            </a:r>
-            <a:r>
-              <a:rPr lang="en-US" sz="2400" dirty="0"/>
-              <a:t>i</a:t>
-            </a:r>
-            <a:r>
-              <a:rPr lang="en-US" sz="2400" noProof="0" dirty="0"/>
-              <a:t>n us on his journey to discover the village of HeLa. </a:t>
+              <a:t>So, join us on his journey to discover the village of HeLa. </a:t>
             </a:r>
             <a:endParaRPr lang="en-US" sz="3600" noProof="0" dirty="0"/>
           </a:p>
@@ -5478,31 +5563,19 @@
           <a:p>
             <a:r>
               <a:rPr lang="en-US" sz="4000" noProof="0" dirty="0"/>
-              <a:t>Our Goal: </a:t>
-            </a:r>
-            <a:r>
-              <a:rPr lang="en-US" sz="4000" dirty="0"/>
-              <a:t>Hunting RNA-Binding Proteins in the Deep</a:t>
+              <a:t>Our Goal: Hunting RNA-Binding Proteins in the Deep</a:t>
             </a:r>
           </a:p>
           <a:p>
             <a:r>
               <a:rPr lang="en-US" sz="2400" noProof="0" dirty="0"/>
-              <a:t>During our project, our main goal was to identify all the RBPs </a:t>
-            </a:r>
-            <a:r>
-              <a:rPr lang="en-US" sz="2400" dirty="0"/>
-              <a:t>in mitotic HeLa cells. For this, all proteins were fractioned once with RNase treatment and once without. The intensity of each proteins in 25 fraction was then analyzed by mass spectrometry in triplicates. </a:t>
+              <a:t>During our project, our main goal was to identify all the RBPs in mitotic HeLa cells. For this, all proteins were fractioned once with RNase treatment and once without. The intensity of each proteins in 25 fraction was then analyzed by mass spectrometry in triplicates. </a:t>
             </a:r>
           </a:p>
           <a:p>
             <a:r>
               <a:rPr lang="en-US" sz="2400" noProof="0" dirty="0"/>
-              <a:t>The gathered data was </a:t>
-            </a:r>
-            <a:r>
-              <a:rPr lang="en-US" sz="2400" dirty="0"/>
-              <a:t>tested for reproducibility, cleaned up and characterized by their peak pattern. What was now the criteria we used to characterize a protein as an RBP? </a:t>
+              <a:t>The gathered data was tested for reproducibility, cleaned up and characterized by their peak pattern. What was now the criteria we used to characterize a protein as an RBP? </a:t>
             </a:r>
           </a:p>
           <a:p>
@@ -5529,10 +5602,9 @@
           </a:p>
           <a:p>
             <a:r>
-              <a:rPr lang="en-US" sz="2400" dirty="0"/>
+              <a:rPr lang="en-US" sz="2400" noProof="0" dirty="0"/>
               <a:t>Additionally, the identified RBPs were compared to RBPs of non-synchronized cells to identify the RBPs only active in mitosis. Furthermore, complexes of these RBPs were determined by clustering and a linear regression analysis was performed to predict molecular weight of the RBPs. </a:t>
             </a:r>
-            <a:endParaRPr lang="en-US" sz="2400" noProof="0" dirty="0"/>
           </a:p>
         </p:txBody>
       </p:sp>
@@ -5692,7 +5764,7 @@
           <a:lstStyle/>
           <a:p>
             <a:pPr algn="r"/>
-            <a:endParaRPr lang="en-US" sz="3600" dirty="0">
+            <a:endParaRPr lang="en-US" sz="3600" noProof="0" dirty="0">
               <a:solidFill>
                 <a:schemeClr val="tx1"/>
               </a:solidFill>
@@ -5714,7 +5786,7 @@
         </p:nvSpPr>
         <p:spPr>
           <a:xfrm>
-            <a:off x="609598" y="6537760"/>
+            <a:off x="603395" y="6393054"/>
             <a:ext cx="14295120" cy="6208656"/>
           </a:xfrm>
           <a:prstGeom prst="roundRect">
@@ -5754,7 +5826,7 @@
           <a:lstStyle/>
           <a:p>
             <a:pPr algn="r"/>
-            <a:endParaRPr lang="en-US" sz="3600" dirty="0">
+            <a:endParaRPr lang="en-US" sz="3600" noProof="0" dirty="0">
               <a:solidFill>
                 <a:schemeClr val="tx1"/>
               </a:solidFill>
@@ -5816,7 +5888,7 @@
           <a:lstStyle/>
           <a:p>
             <a:pPr algn="r"/>
-            <a:endParaRPr lang="en-US" sz="3600" dirty="0">
+            <a:endParaRPr lang="en-US" sz="3600" noProof="0" dirty="0">
               <a:solidFill>
                 <a:schemeClr val="tx1"/>
               </a:solidFill>
@@ -5878,7 +5950,7 @@
           <a:lstStyle/>
           <a:p>
             <a:pPr algn="r"/>
-            <a:endParaRPr lang="en-US" sz="3600" dirty="0">
+            <a:endParaRPr lang="en-US" sz="3600" noProof="0" dirty="0">
               <a:solidFill>
                 <a:schemeClr val="tx1"/>
               </a:solidFill>
@@ -5940,7 +6012,7 @@
           <a:lstStyle/>
           <a:p>
             <a:pPr algn="r"/>
-            <a:endParaRPr lang="en-US" sz="3600" dirty="0">
+            <a:endParaRPr lang="en-US" sz="3600" noProof="0" dirty="0">
               <a:solidFill>
                 <a:schemeClr val="tx1"/>
               </a:solidFill>
@@ -6002,7 +6074,7 @@
           <a:lstStyle/>
           <a:p>
             <a:pPr algn="r"/>
-            <a:endParaRPr lang="en-US" sz="3600" dirty="0">
+            <a:endParaRPr lang="en-US" sz="3600" noProof="0" dirty="0">
               <a:solidFill>
                 <a:schemeClr val="tx1"/>
               </a:solidFill>
@@ -6067,19 +6139,8 @@
                 <a:latin typeface="Source Sans Pro" panose="020B0503030403020204" pitchFamily="34" charset="0"/>
                 <a:ea typeface="Source Sans Pro" panose="020B0503030403020204" pitchFamily="34" charset="0"/>
               </a:rPr>
-              <a:t> </a:t>
-            </a:r>
-            <a:r>
-              <a:rPr lang="en-US" sz="8000" dirty="0">
-                <a:latin typeface="Source Sans Pro" panose="020B0503030403020204" pitchFamily="34" charset="0"/>
-                <a:ea typeface="Source Sans Pro" panose="020B0503030403020204" pitchFamily="34" charset="0"/>
-              </a:rPr>
-              <a:t>–Story of an RNA-Binding Protein </a:t>
-            </a:r>
-            <a:endParaRPr lang="en-US" sz="8000" noProof="0" dirty="0">
-              <a:latin typeface="Source Sans Pro" panose="020B0503030403020204" pitchFamily="34" charset="0"/>
-              <a:ea typeface="Source Sans Pro" panose="020B0503030403020204" pitchFamily="34" charset="0"/>
-            </a:endParaRPr>
+              <a:t> –Story of an RNA-Binding Protein </a:t>
+            </a:r>
           </a:p>
         </p:txBody>
       </p:sp>
@@ -6097,7 +6158,7 @@
         </p:nvSpPr>
         <p:spPr>
           <a:xfrm>
-            <a:off x="854627" y="6925033"/>
+            <a:off x="808316" y="6503870"/>
             <a:ext cx="14050091" cy="4796366"/>
           </a:xfrm>
           <a:prstGeom prst="rect">
@@ -6607,21 +6668,7 @@
                 <a:latin typeface="Source Sans Pro" panose="020B0503030403020204" pitchFamily="34" charset="0"/>
                 <a:ea typeface="Source Sans Pro" panose="020B0503030403020204" pitchFamily="34" charset="0"/>
               </a:rPr>
-              <a:t>So, jo</a:t>
-            </a:r>
-            <a:r>
-              <a:rPr lang="en-US" sz="2400" dirty="0">
-                <a:latin typeface="Source Sans Pro" panose="020B0503030403020204" pitchFamily="34" charset="0"/>
-                <a:ea typeface="Source Sans Pro" panose="020B0503030403020204" pitchFamily="34" charset="0"/>
-              </a:rPr>
-              <a:t>i</a:t>
-            </a:r>
-            <a:r>
-              <a:rPr lang="en-US" sz="2400" noProof="0" dirty="0">
-                <a:latin typeface="Source Sans Pro" panose="020B0503030403020204" pitchFamily="34" charset="0"/>
-                <a:ea typeface="Source Sans Pro" panose="020B0503030403020204" pitchFamily="34" charset="0"/>
-              </a:rPr>
-              <a:t>n us on his journey to discover the village of HeLa. </a:t>
+              <a:t>So, join us on his journey to discover the village of HeLa. </a:t>
             </a:r>
             <a:endParaRPr lang="en-US" sz="3600" noProof="0" dirty="0">
               <a:latin typeface="Source Sans Pro" panose="020B0503030403020204" pitchFamily="34" charset="0"/>
@@ -6666,11 +6713,7 @@
           <a:p>
             <a:r>
               <a:rPr lang="en-US" sz="4000" noProof="0" dirty="0"/>
-              <a:t>Our Goal: </a:t>
-            </a:r>
-            <a:r>
-              <a:rPr lang="en-US" sz="4000" dirty="0"/>
-              <a:t>Hunting RNA-Binding Proteins in the Deep</a:t>
+              <a:t>Our Goal: Hunting RNA-Binding Proteins in the Deep</a:t>
             </a:r>
           </a:p>
           <a:p>
@@ -6687,21 +6730,13 @@
             </a:r>
             <a:r>
               <a:rPr lang="en-US" sz="2400" noProof="0" dirty="0"/>
-              <a:t>, our main goal was to identify all the RBPs </a:t>
-            </a:r>
-            <a:r>
-              <a:rPr lang="en-US" sz="2400" dirty="0"/>
-              <a:t>in mitotic HeLa cells. For this, all proteins were fractioned once with RNase treatment and once without. The intensity of each proteins in 25 fraction was then analyzed by mass spectrometry in triplicates. </a:t>
+              <a:t>, our main goal was to identify all the RBPs in mitotic HeLa cells. For this, all proteins were fractioned once with RNase treatment and once without. The intensity of each proteins in 25 fraction was then analyzed by mass spectrometry in triplicates. </a:t>
             </a:r>
           </a:p>
           <a:p>
             <a:r>
               <a:rPr lang="en-US" sz="2400" noProof="0" dirty="0"/>
-              <a:t>The gathered data was </a:t>
-            </a:r>
-            <a:r>
-              <a:rPr lang="en-US" sz="2400" dirty="0"/>
-              <a:t>tested for reproducibility, cleaned up and characterized by their peak pattern. What was now the criteria we used to characterize a protein as an RBP? </a:t>
+              <a:t>The gathered data was tested for reproducibility, cleaned up and characterized by their peak pattern. What was now the criteria we used to characterize a protein as an RBP? </a:t>
             </a:r>
           </a:p>
           <a:p>
@@ -6728,10 +6763,9 @@
           </a:p>
           <a:p>
             <a:r>
-              <a:rPr lang="en-US" sz="2400" dirty="0"/>
+              <a:rPr lang="en-US" sz="2400" noProof="0" dirty="0"/>
               <a:t>Additionally, the identified RBPs were compared to RBPs of non-synchronized cells to identify the RBPs only active in mitosis. Furthermore, complexes of these RBPs were determined by clustering and a linear regression analysis was performed to predict molecular weight of the RBPs. </a:t>
             </a:r>
-            <a:endParaRPr lang="en-US" sz="2400" noProof="0" dirty="0"/>
           </a:p>
         </p:txBody>
       </p:sp>
@@ -6824,7 +6858,7 @@
           <a:lstStyle/>
           <a:p>
             <a:pPr algn="r"/>
-            <a:endParaRPr lang="en-US" sz="3600" dirty="0">
+            <a:endParaRPr lang="en-US" sz="3600" noProof="0" dirty="0">
               <a:solidFill>
                 <a:schemeClr val="tx1"/>
               </a:solidFill>
@@ -6861,7 +6895,7 @@
           <a:lstStyle/>
           <a:p>
             <a:r>
-              <a:rPr lang="en-US" sz="4000" dirty="0">
+              <a:rPr lang="en-US" sz="4000" noProof="0" dirty="0">
                 <a:solidFill>
                   <a:schemeClr val="bg1"/>
                 </a:solidFill>
@@ -6900,7 +6934,7 @@
           <a:lstStyle/>
           <a:p>
             <a:r>
-              <a:rPr lang="en-US" sz="4000" dirty="0">
+              <a:rPr lang="en-US" sz="4000" noProof="0" dirty="0">
                 <a:solidFill>
                   <a:schemeClr val="bg1"/>
                 </a:solidFill>
@@ -6910,7 +6944,7 @@
               <a:t>Main </a:t>
             </a:r>
             <a:r>
-              <a:rPr lang="en-US" sz="4000" dirty="0" err="1">
+              <a:rPr lang="en-US" sz="4000" noProof="0" dirty="0" err="1">
                 <a:solidFill>
                   <a:schemeClr val="bg1"/>
                 </a:solidFill>
@@ -6919,7 +6953,7 @@
               </a:rPr>
               <a:t>FIndings</a:t>
             </a:r>
-            <a:endParaRPr lang="en-US" sz="4000" dirty="0">
+            <a:endParaRPr lang="en-US" sz="4000" noProof="0" dirty="0">
               <a:solidFill>
                 <a:schemeClr val="bg1"/>
               </a:solidFill>
@@ -6977,7 +7011,7 @@
           <a:lstStyle/>
           <a:p>
             <a:pPr algn="r"/>
-            <a:endParaRPr lang="en-GB" sz="3600" dirty="0">
+            <a:endParaRPr lang="en-US" sz="3600" noProof="0" dirty="0">
               <a:solidFill>
                 <a:schemeClr val="tx1"/>
               </a:solidFill>
@@ -7119,7 +7153,7 @@
             <a:lstStyle/>
             <a:p>
               <a:pPr algn="r"/>
-              <a:endParaRPr lang="en-US" sz="3600" dirty="0">
+              <a:endParaRPr lang="en-US" sz="3600" noProof="0" dirty="0">
                 <a:solidFill>
                   <a:schemeClr val="tx1"/>
                 </a:solidFill>
@@ -7172,8 +7206,8 @@
         </p:nvSpPr>
         <p:spPr>
           <a:xfrm>
-            <a:off x="589400" y="11894744"/>
-            <a:ext cx="14295120" cy="15704596"/>
+            <a:off x="560466" y="12905499"/>
+            <a:ext cx="14295120" cy="14982315"/>
           </a:xfrm>
           <a:prstGeom prst="roundRect">
             <a:avLst>
@@ -7212,7 +7246,7 @@
           <a:lstStyle/>
           <a:p>
             <a:pPr algn="r"/>
-            <a:endParaRPr lang="en-US" sz="3600" dirty="0">
+            <a:endParaRPr lang="en-US" sz="3600" noProof="0" dirty="0">
               <a:solidFill>
                 <a:schemeClr val="tx1"/>
               </a:solidFill>
@@ -7234,7 +7268,7 @@
         </p:nvSpPr>
         <p:spPr>
           <a:xfrm>
-            <a:off x="854627" y="12451776"/>
+            <a:off x="898676" y="12970966"/>
             <a:ext cx="14050091" cy="10506589"/>
           </a:xfrm>
           <a:prstGeom prst="rect">
@@ -7342,7 +7376,7 @@
         </p:blipFill>
         <p:spPr>
           <a:xfrm>
-            <a:off x="893345" y="21160075"/>
+            <a:off x="925023" y="22707292"/>
             <a:ext cx="5033382" cy="3483594"/>
           </a:xfrm>
           <a:prstGeom prst="rect">
@@ -7430,14 +7464,14 @@
             <a:p>
               <a:pPr algn="ctr"/>
               <a:r>
-                <a:rPr lang="en-US" sz="2400" dirty="0"/>
+                <a:rPr lang="en-US" sz="2400" noProof="0" dirty="0"/>
                 <a:t>Identified </a:t>
               </a:r>
             </a:p>
             <a:p>
               <a:pPr algn="ctr"/>
               <a:r>
-                <a:rPr lang="en-US" sz="2400" dirty="0"/>
+                <a:rPr lang="en-US" sz="2400" noProof="0" dirty="0"/>
                 <a:t>RBPs</a:t>
               </a:r>
             </a:p>
@@ -7473,22 +7507,22 @@
             <a:p>
               <a:pPr algn="ctr"/>
               <a:r>
-                <a:rPr lang="en-US" sz="2400" dirty="0" err="1"/>
+                <a:rPr lang="en-US" sz="2400" noProof="0" dirty="0" err="1"/>
                 <a:t>Analysed</a:t>
               </a:r>
               <a:r>
-                <a:rPr lang="en-US" sz="2400" dirty="0"/>
+                <a:rPr lang="en-US" sz="2400" noProof="0" dirty="0"/>
                 <a:t> </a:t>
               </a:r>
             </a:p>
             <a:p>
               <a:pPr algn="ctr"/>
               <a:r>
-                <a:rPr lang="en-US" sz="2400" dirty="0" err="1"/>
+                <a:rPr lang="en-US" sz="2400" noProof="0" dirty="0" err="1"/>
                 <a:t>UniProt</a:t>
               </a:r>
               <a:r>
-                <a:rPr lang="en-US" sz="2400" dirty="0"/>
+                <a:rPr lang="en-US" sz="2400" noProof="0" dirty="0"/>
                 <a:t> RBPs</a:t>
               </a:r>
             </a:p>
@@ -7524,31 +7558,31 @@
           <a:lstStyle/>
           <a:p>
             <a:pPr algn="just"/>
-            <a:endParaRPr lang="de-DE" sz="2400" b="1" dirty="0"/>
+            <a:endParaRPr lang="en-US" sz="2400" b="1" noProof="0" dirty="0"/>
           </a:p>
           <a:p>
             <a:pPr algn="just"/>
-            <a:endParaRPr lang="de-DE" sz="2400" b="1" dirty="0"/>
+            <a:endParaRPr lang="en-US" sz="2400" b="1" noProof="0" dirty="0"/>
           </a:p>
           <a:p>
             <a:pPr algn="just"/>
-            <a:endParaRPr lang="de-DE" sz="2400" b="1" dirty="0"/>
+            <a:endParaRPr lang="en-US" sz="2400" b="1" noProof="0" dirty="0"/>
           </a:p>
           <a:p>
             <a:pPr algn="just"/>
-            <a:endParaRPr lang="de-DE" sz="2400" b="1" dirty="0"/>
+            <a:endParaRPr lang="en-US" sz="2400" b="1" noProof="0" dirty="0"/>
           </a:p>
           <a:p>
             <a:pPr algn="just"/>
-            <a:endParaRPr lang="de-DE" sz="2400" b="1" dirty="0"/>
+            <a:endParaRPr lang="en-US" sz="2400" b="1" noProof="0" dirty="0"/>
           </a:p>
           <a:p>
             <a:pPr algn="just"/>
-            <a:endParaRPr lang="de-DE" sz="2400" b="1" dirty="0"/>
+            <a:endParaRPr lang="en-US" sz="2400" b="1" noProof="0" dirty="0"/>
           </a:p>
           <a:p>
             <a:pPr algn="just"/>
-            <a:endParaRPr lang="de-DE" sz="2400" b="1" dirty="0"/>
+            <a:endParaRPr lang="en-US" sz="2400" b="1" noProof="0" dirty="0"/>
           </a:p>
         </p:txBody>
       </p:sp>
@@ -7566,7 +7600,7 @@
         </p:nvSpPr>
         <p:spPr>
           <a:xfrm>
-            <a:off x="829098" y="13304483"/>
+            <a:off x="802825" y="13825667"/>
             <a:ext cx="7385975" cy="2739211"/>
           </a:xfrm>
           <a:prstGeom prst="rect">
@@ -7582,252 +7616,38 @@
           <a:p>
             <a:pPr algn="just"/>
             <a:r>
-              <a:rPr lang="de-DE" sz="2400" b="1" dirty="0" err="1">
+              <a:rPr lang="en-US" sz="2400" b="1" noProof="0" dirty="0">
                 <a:latin typeface="Source Sans Pro" panose="020B0503030403020204" pitchFamily="34" charset="0"/>
                 <a:ea typeface="Source Sans Pro" panose="020B0503030403020204" pitchFamily="34" charset="0"/>
               </a:rPr>
-              <a:t>Descriptive</a:t>
-            </a:r>
-            <a:r>
-              <a:rPr lang="de-DE" sz="2400" b="1" dirty="0">
-                <a:latin typeface="Source Sans Pro" panose="020B0503030403020204" pitchFamily="34" charset="0"/>
-                <a:ea typeface="Source Sans Pro" panose="020B0503030403020204" pitchFamily="34" charset="0"/>
-              </a:rPr>
-              <a:t> </a:t>
-            </a:r>
-            <a:r>
-              <a:rPr lang="de-DE" sz="2400" b="1" dirty="0" err="1">
-                <a:latin typeface="Source Sans Pro" panose="020B0503030403020204" pitchFamily="34" charset="0"/>
-                <a:ea typeface="Source Sans Pro" panose="020B0503030403020204" pitchFamily="34" charset="0"/>
-              </a:rPr>
-              <a:t>Analyses</a:t>
-            </a:r>
-            <a:endParaRPr lang="de-DE" sz="2400" b="1" dirty="0">
-              <a:latin typeface="Source Sans Pro" panose="020B0503030403020204" pitchFamily="34" charset="0"/>
-              <a:ea typeface="Source Sans Pro" panose="020B0503030403020204" pitchFamily="34" charset="0"/>
-            </a:endParaRPr>
+              <a:t>Descriptive Analyses</a:t>
+            </a:r>
           </a:p>
           <a:p>
             <a:pPr algn="just"/>
-            <a:endParaRPr lang="de-DE" sz="1000" dirty="0"/>
+            <a:endParaRPr lang="en-US" sz="1000" noProof="0" dirty="0"/>
           </a:p>
           <a:p>
             <a:pPr algn="just"/>
             <a:r>
-              <a:rPr lang="de-DE" sz="2400" b="1" dirty="0"/>
+              <a:rPr lang="en-US" sz="2400" b="1" noProof="0" dirty="0"/>
               <a:t>Peak Analysis: </a:t>
             </a:r>
             <a:r>
-              <a:rPr lang="de-DE" sz="2400" dirty="0" err="1"/>
-              <a:t>For</a:t>
-            </a:r>
-            <a:r>
-              <a:rPr lang="de-DE" sz="2400" dirty="0"/>
-              <a:t> </a:t>
-            </a:r>
-            <a:r>
-              <a:rPr lang="de-DE" sz="2400" dirty="0" err="1"/>
-              <a:t>each</a:t>
-            </a:r>
-            <a:r>
-              <a:rPr lang="de-DE" sz="2400" dirty="0"/>
-              <a:t> </a:t>
-            </a:r>
-            <a:r>
-              <a:rPr lang="de-DE" sz="2400" dirty="0" err="1"/>
-              <a:t>protein</a:t>
-            </a:r>
-            <a:r>
-              <a:rPr lang="de-DE" sz="2400" dirty="0"/>
-              <a:t> </a:t>
-            </a:r>
-            <a:r>
-              <a:rPr lang="de-DE" sz="2400" dirty="0" err="1"/>
-              <a:t>profile</a:t>
-            </a:r>
-            <a:r>
-              <a:rPr lang="de-DE" sz="2400" dirty="0"/>
-              <a:t>, </a:t>
-            </a:r>
-            <a:r>
-              <a:rPr lang="de-DE" sz="2400" dirty="0" err="1"/>
-              <a:t>up</a:t>
-            </a:r>
-            <a:r>
-              <a:rPr lang="de-DE" sz="2400" dirty="0"/>
-              <a:t> </a:t>
-            </a:r>
-            <a:r>
-              <a:rPr lang="de-DE" sz="2400" dirty="0" err="1"/>
-              <a:t>to</a:t>
-            </a:r>
-            <a:r>
-              <a:rPr lang="de-DE" sz="2400" dirty="0"/>
-              <a:t> 6 </a:t>
-            </a:r>
-            <a:r>
-              <a:rPr lang="de-DE" sz="2400" dirty="0" err="1"/>
-              <a:t>peaks</a:t>
-            </a:r>
-            <a:r>
-              <a:rPr lang="de-DE" sz="2400" dirty="0"/>
-              <a:t> </a:t>
-            </a:r>
-            <a:r>
-              <a:rPr lang="de-DE" sz="2400" dirty="0" err="1"/>
-              <a:t>were</a:t>
-            </a:r>
-            <a:r>
-              <a:rPr lang="de-DE" sz="2400" dirty="0"/>
-              <a:t> </a:t>
-            </a:r>
-            <a:r>
-              <a:rPr lang="de-DE" sz="2400" dirty="0" err="1"/>
-              <a:t>identified</a:t>
-            </a:r>
-            <a:r>
-              <a:rPr lang="de-DE" sz="2400" dirty="0"/>
-              <a:t> </a:t>
-            </a:r>
-            <a:r>
-              <a:rPr lang="de-DE" sz="2400" dirty="0" err="1"/>
-              <a:t>using</a:t>
-            </a:r>
-            <a:r>
-              <a:rPr lang="de-DE" sz="2400" dirty="0"/>
-              <a:t> a </a:t>
-            </a:r>
-            <a:r>
-              <a:rPr lang="de-DE" sz="2400" dirty="0" err="1"/>
-              <a:t>slope-based</a:t>
-            </a:r>
-            <a:r>
-              <a:rPr lang="de-DE" sz="2400" dirty="0"/>
-              <a:t> </a:t>
-            </a:r>
-            <a:r>
-              <a:rPr lang="de-DE" sz="2400" dirty="0" err="1"/>
-              <a:t>function</a:t>
-            </a:r>
-            <a:r>
-              <a:rPr lang="de-DE" sz="2400" dirty="0"/>
-              <a:t>. </a:t>
-            </a:r>
-            <a:r>
-              <a:rPr lang="de-DE" sz="2400" dirty="0" err="1"/>
+              <a:rPr lang="en-US" sz="2400" noProof="0" dirty="0"/>
+              <a:t>For each protein profile, up to 6 peaks were identified using a slope-based function. </a:t>
+            </a:r>
+            <a:r>
+              <a:rPr lang="en-US" sz="2400" noProof="0" dirty="0" err="1"/>
               <a:t>Treshold</a:t>
             </a:r>
             <a:r>
-              <a:rPr lang="de-DE" sz="2400" dirty="0"/>
-              <a:t> </a:t>
-            </a:r>
-            <a:r>
-              <a:rPr lang="de-DE" sz="2400" dirty="0" err="1"/>
-              <a:t>for</a:t>
-            </a:r>
-            <a:r>
-              <a:rPr lang="de-DE" sz="2400" dirty="0"/>
-              <a:t> </a:t>
-            </a:r>
-            <a:r>
-              <a:rPr lang="de-DE" sz="2400" dirty="0" err="1"/>
-              <a:t>peak</a:t>
-            </a:r>
-            <a:r>
-              <a:rPr lang="de-DE" sz="2400" dirty="0"/>
-              <a:t> </a:t>
-            </a:r>
-            <a:r>
-              <a:rPr lang="de-DE" sz="2400" dirty="0" err="1"/>
-              <a:t>detection</a:t>
-            </a:r>
-            <a:r>
-              <a:rPr lang="de-DE" sz="2400" dirty="0"/>
-              <a:t> was </a:t>
-            </a:r>
-            <a:r>
-              <a:rPr lang="de-DE" sz="2400" dirty="0" err="1"/>
-              <a:t>set</a:t>
-            </a:r>
-            <a:r>
-              <a:rPr lang="de-DE" sz="2400" dirty="0"/>
-              <a:t> at 3% </a:t>
-            </a:r>
-            <a:r>
-              <a:rPr lang="de-DE" sz="2400" dirty="0" err="1"/>
-              <a:t>of</a:t>
-            </a:r>
-            <a:r>
-              <a:rPr lang="de-DE" sz="2400" dirty="0"/>
-              <a:t> maximal </a:t>
-            </a:r>
-            <a:r>
-              <a:rPr lang="de-DE" sz="2400" dirty="0" err="1"/>
-              <a:t>signal</a:t>
-            </a:r>
-            <a:r>
-              <a:rPr lang="de-DE" sz="2400" dirty="0"/>
-              <a:t> </a:t>
-            </a:r>
-            <a:r>
-              <a:rPr lang="de-DE" sz="2400" dirty="0" err="1"/>
-              <a:t>intensity</a:t>
-            </a:r>
-            <a:r>
-              <a:rPr lang="de-DE" sz="2400" dirty="0"/>
-              <a:t>. Applied </a:t>
-            </a:r>
-            <a:r>
-              <a:rPr lang="de-DE" sz="2400" dirty="0" err="1"/>
-              <a:t>to</a:t>
-            </a:r>
-            <a:r>
-              <a:rPr lang="de-DE" sz="2400" dirty="0"/>
-              <a:t> </a:t>
-            </a:r>
-            <a:r>
-              <a:rPr lang="de-DE" sz="2400" dirty="0" err="1"/>
-              <a:t>normalized</a:t>
-            </a:r>
-            <a:r>
-              <a:rPr lang="de-DE" sz="2400" dirty="0"/>
-              <a:t> </a:t>
-            </a:r>
-            <a:r>
-              <a:rPr lang="de-DE" sz="2400" dirty="0" err="1"/>
-              <a:t>values</a:t>
-            </a:r>
-            <a:r>
-              <a:rPr lang="de-DE" sz="2400" dirty="0"/>
-              <a:t> </a:t>
-            </a:r>
-            <a:r>
-              <a:rPr lang="de-DE" sz="2400" dirty="0" err="1"/>
-              <a:t>for</a:t>
-            </a:r>
-            <a:r>
-              <a:rPr lang="de-DE" sz="2400" dirty="0"/>
-              <a:t> </a:t>
-            </a:r>
-            <a:r>
-              <a:rPr lang="de-DE" sz="2400" dirty="0" err="1"/>
-              <a:t>control</a:t>
-            </a:r>
-            <a:r>
-              <a:rPr lang="de-DE" sz="2400" dirty="0"/>
-              <a:t> and </a:t>
-            </a:r>
-            <a:r>
-              <a:rPr lang="de-DE" sz="2400" dirty="0" err="1"/>
-              <a:t>RNase-treated</a:t>
-            </a:r>
-            <a:r>
-              <a:rPr lang="de-DE" sz="2400" dirty="0"/>
-              <a:t> sample. </a:t>
-            </a:r>
-          </a:p>
-          <a:p>
-            <a:endParaRPr lang="en-US" dirty="0"/>
+              <a:rPr lang="en-US" sz="2400" noProof="0" dirty="0"/>
+              <a:t> for peak detection was set at 3% of maximal signal intensity. Applied to normalized values for control and RNase-treated sample. </a:t>
+            </a:r>
+          </a:p>
+          <a:p>
+            <a:endParaRPr lang="en-US" noProof="0" dirty="0"/>
           </a:p>
         </p:txBody>
       </p:sp>
@@ -7845,7 +7665,7 @@
         </p:nvSpPr>
         <p:spPr>
           <a:xfrm>
-            <a:off x="782631" y="15813023"/>
+            <a:off x="882079" y="16846665"/>
             <a:ext cx="13908659" cy="1938992"/>
           </a:xfrm>
           <a:prstGeom prst="rect">
@@ -7861,486 +7681,82 @@
           <a:p>
             <a:pPr algn="just"/>
             <a:r>
-              <a:rPr lang="de-DE" sz="2400" b="1" dirty="0"/>
-              <a:t>Shift </a:t>
-            </a:r>
-            <a:r>
-              <a:rPr lang="de-DE" sz="2400" b="1" dirty="0" err="1"/>
-              <a:t>Characteristics</a:t>
-            </a:r>
-            <a:r>
-              <a:rPr lang="de-DE" sz="2400" b="1" dirty="0"/>
-              <a:t> </a:t>
-            </a:r>
-            <a:r>
-              <a:rPr lang="de-DE" sz="2400" dirty="0">
+              <a:rPr lang="en-US" sz="2400" b="1" noProof="0" dirty="0"/>
+              <a:t>Shift Characteristics </a:t>
+            </a:r>
+            <a:r>
+              <a:rPr lang="en-US" sz="2400" noProof="0" dirty="0">
                 <a:latin typeface="Source Sans Pro" panose="020B0503030403020204" pitchFamily="34" charset="0"/>
                 <a:ea typeface="Source Sans Pro" panose="020B0503030403020204" pitchFamily="34" charset="0"/>
               </a:rPr>
-              <a:t>Protein </a:t>
-            </a:r>
-            <a:r>
-              <a:rPr lang="de-DE" sz="2400" dirty="0" err="1">
+              <a:t>Protein distributions were </a:t>
+            </a:r>
+          </a:p>
+          <a:p>
+            <a:pPr algn="just"/>
+            <a:r>
+              <a:rPr lang="en-US" sz="2400" noProof="0" dirty="0">
                 <a:latin typeface="Source Sans Pro" panose="020B0503030403020204" pitchFamily="34" charset="0"/>
                 <a:ea typeface="Source Sans Pro" panose="020B0503030403020204" pitchFamily="34" charset="0"/>
               </a:rPr>
-              <a:t>distributions</a:t>
-            </a:r>
-            <a:r>
-              <a:rPr lang="de-DE" sz="2400" dirty="0">
-                <a:latin typeface="Source Sans Pro" panose="020B0503030403020204" pitchFamily="34" charset="0"/>
-                <a:ea typeface="Source Sans Pro" panose="020B0503030403020204" pitchFamily="34" charset="0"/>
-              </a:rPr>
-              <a:t> </a:t>
-            </a:r>
-            <a:r>
-              <a:rPr lang="de-DE" sz="2400" dirty="0" err="1">
-                <a:latin typeface="Source Sans Pro" panose="020B0503030403020204" pitchFamily="34" charset="0"/>
-                <a:ea typeface="Source Sans Pro" panose="020B0503030403020204" pitchFamily="34" charset="0"/>
-              </a:rPr>
-              <a:t>were</a:t>
-            </a:r>
-            <a:r>
-              <a:rPr lang="de-DE" sz="2400" dirty="0">
-                <a:latin typeface="Source Sans Pro" panose="020B0503030403020204" pitchFamily="34" charset="0"/>
-                <a:ea typeface="Source Sans Pro" panose="020B0503030403020204" pitchFamily="34" charset="0"/>
-              </a:rPr>
-              <a:t> </a:t>
-            </a:r>
-          </a:p>
-          <a:p>
-            <a:pPr algn="just"/>
-            <a:r>
-              <a:rPr lang="de-DE" sz="2400" dirty="0" err="1">
-                <a:latin typeface="Source Sans Pro" panose="020B0503030403020204" pitchFamily="34" charset="0"/>
-                <a:ea typeface="Source Sans Pro" panose="020B0503030403020204" pitchFamily="34" charset="0"/>
-              </a:rPr>
-              <a:t>summarized</a:t>
-            </a:r>
-            <a:r>
-              <a:rPr lang="de-DE" sz="2400" dirty="0">
-                <a:latin typeface="Source Sans Pro" panose="020B0503030403020204" pitchFamily="34" charset="0"/>
-                <a:ea typeface="Source Sans Pro" panose="020B0503030403020204" pitchFamily="34" charset="0"/>
-              </a:rPr>
-              <a:t> </a:t>
-            </a:r>
-            <a:r>
-              <a:rPr lang="de-DE" sz="2400" dirty="0" err="1">
-                <a:latin typeface="Source Sans Pro" panose="020B0503030403020204" pitchFamily="34" charset="0"/>
-                <a:ea typeface="Source Sans Pro" panose="020B0503030403020204" pitchFamily="34" charset="0"/>
-              </a:rPr>
-              <a:t>using</a:t>
-            </a:r>
-            <a:r>
-              <a:rPr lang="de-DE" sz="2400" dirty="0">
-                <a:latin typeface="Source Sans Pro" panose="020B0503030403020204" pitchFamily="34" charset="0"/>
-                <a:ea typeface="Source Sans Pro" panose="020B0503030403020204" pitchFamily="34" charset="0"/>
-              </a:rPr>
-              <a:t> </a:t>
-            </a:r>
-            <a:r>
-              <a:rPr lang="de-DE" sz="2400" dirty="0" err="1">
-                <a:latin typeface="Source Sans Pro" panose="020B0503030403020204" pitchFamily="34" charset="0"/>
-                <a:ea typeface="Source Sans Pro" panose="020B0503030403020204" pitchFamily="34" charset="0"/>
-              </a:rPr>
-              <a:t>the</a:t>
-            </a:r>
-            <a:r>
-              <a:rPr lang="de-DE" sz="2400" dirty="0">
-                <a:latin typeface="Source Sans Pro" panose="020B0503030403020204" pitchFamily="34" charset="0"/>
-                <a:ea typeface="Source Sans Pro" panose="020B0503030403020204" pitchFamily="34" charset="0"/>
-              </a:rPr>
-              <a:t> Center </a:t>
-            </a:r>
-            <a:r>
-              <a:rPr lang="de-DE" sz="2400" dirty="0" err="1">
-                <a:latin typeface="Source Sans Pro" panose="020B0503030403020204" pitchFamily="34" charset="0"/>
-                <a:ea typeface="Source Sans Pro" panose="020B0503030403020204" pitchFamily="34" charset="0"/>
-              </a:rPr>
-              <a:t>of</a:t>
-            </a:r>
-            <a:r>
-              <a:rPr lang="de-DE" sz="2400" dirty="0">
-                <a:latin typeface="Source Sans Pro" panose="020B0503030403020204" pitchFamily="34" charset="0"/>
-                <a:ea typeface="Source Sans Pro" panose="020B0503030403020204" pitchFamily="34" charset="0"/>
-              </a:rPr>
-              <a:t> </a:t>
-            </a:r>
-            <a:r>
-              <a:rPr lang="de-DE" sz="2400" dirty="0" err="1">
-                <a:latin typeface="Source Sans Pro" panose="020B0503030403020204" pitchFamily="34" charset="0"/>
-                <a:ea typeface="Source Sans Pro" panose="020B0503030403020204" pitchFamily="34" charset="0"/>
-              </a:rPr>
-              <a:t>Mass</a:t>
-            </a:r>
-            <a:r>
-              <a:rPr lang="de-DE" sz="2400" dirty="0">
-                <a:latin typeface="Source Sans Pro" panose="020B0503030403020204" pitchFamily="34" charset="0"/>
-                <a:ea typeface="Source Sans Pro" panose="020B0503030403020204" pitchFamily="34" charset="0"/>
-              </a:rPr>
-              <a:t> (</a:t>
-            </a:r>
-            <a:r>
-              <a:rPr lang="de-DE" sz="2400" dirty="0" err="1">
+              <a:t>summarized using the Center of Mass (</a:t>
+            </a:r>
+            <a:r>
+              <a:rPr lang="en-US" sz="2400" noProof="0" dirty="0" err="1">
                 <a:latin typeface="Source Sans Pro" panose="020B0503030403020204" pitchFamily="34" charset="0"/>
                 <a:ea typeface="Source Sans Pro" panose="020B0503030403020204" pitchFamily="34" charset="0"/>
               </a:rPr>
               <a:t>CoM</a:t>
             </a:r>
             <a:r>
-              <a:rPr lang="de-DE" sz="2400" dirty="0">
+              <a:rPr lang="en-US" sz="2400" noProof="0" dirty="0">
                 <a:latin typeface="Source Sans Pro" panose="020B0503030403020204" pitchFamily="34" charset="0"/>
                 <a:ea typeface="Source Sans Pro" panose="020B0503030403020204" pitchFamily="34" charset="0"/>
               </a:rPr>
-              <a:t>), </a:t>
-            </a:r>
-            <a:r>
-              <a:rPr lang="de-DE" sz="2400" dirty="0" err="1">
+              <a:t>), calculated</a:t>
+            </a:r>
+          </a:p>
+          <a:p>
+            <a:pPr algn="just"/>
+            <a:r>
+              <a:rPr lang="en-US" sz="2400" noProof="0" dirty="0">
                 <a:latin typeface="Source Sans Pro" panose="020B0503030403020204" pitchFamily="34" charset="0"/>
                 <a:ea typeface="Source Sans Pro" panose="020B0503030403020204" pitchFamily="34" charset="0"/>
               </a:rPr>
-              <a:t>calculated</a:t>
-            </a:r>
-            <a:endParaRPr lang="de-DE" sz="2400" dirty="0">
-              <a:latin typeface="Source Sans Pro" panose="020B0503030403020204" pitchFamily="34" charset="0"/>
-              <a:ea typeface="Source Sans Pro" panose="020B0503030403020204" pitchFamily="34" charset="0"/>
-            </a:endParaRPr>
-          </a:p>
-          <a:p>
-            <a:pPr algn="just"/>
-            <a:r>
-              <a:rPr lang="de-DE" sz="2400" dirty="0">
-                <a:latin typeface="Source Sans Pro" panose="020B0503030403020204" pitchFamily="34" charset="0"/>
-                <a:ea typeface="Source Sans Pro" panose="020B0503030403020204" pitchFamily="34" charset="0"/>
-              </a:rPr>
-              <a:t> </a:t>
-            </a:r>
-            <a:r>
-              <a:rPr lang="de-DE" sz="2400" dirty="0" err="1">
-                <a:latin typeface="Source Sans Pro" panose="020B0503030403020204" pitchFamily="34" charset="0"/>
-                <a:ea typeface="Source Sans Pro" panose="020B0503030403020204" pitchFamily="34" charset="0"/>
-              </a:rPr>
-              <a:t>as</a:t>
-            </a:r>
-            <a:r>
-              <a:rPr lang="de-DE" sz="2400" dirty="0">
-                <a:latin typeface="Source Sans Pro" panose="020B0503030403020204" pitchFamily="34" charset="0"/>
-                <a:ea typeface="Source Sans Pro" panose="020B0503030403020204" pitchFamily="34" charset="0"/>
-              </a:rPr>
-              <a:t> </a:t>
-            </a:r>
-            <a:r>
-              <a:rPr lang="de-DE" sz="2400" dirty="0" err="1">
-                <a:latin typeface="Source Sans Pro" panose="020B0503030403020204" pitchFamily="34" charset="0"/>
-                <a:ea typeface="Source Sans Pro" panose="020B0503030403020204" pitchFamily="34" charset="0"/>
-              </a:rPr>
-              <a:t>the</a:t>
-            </a:r>
-            <a:r>
-              <a:rPr lang="de-DE" sz="2400" dirty="0">
-                <a:latin typeface="Source Sans Pro" panose="020B0503030403020204" pitchFamily="34" charset="0"/>
-                <a:ea typeface="Source Sans Pro" panose="020B0503030403020204" pitchFamily="34" charset="0"/>
-              </a:rPr>
-              <a:t> </a:t>
-            </a:r>
-            <a:r>
-              <a:rPr lang="de-DE" sz="2400" dirty="0" err="1">
-                <a:latin typeface="Source Sans Pro" panose="020B0503030403020204" pitchFamily="34" charset="0"/>
-                <a:ea typeface="Source Sans Pro" panose="020B0503030403020204" pitchFamily="34" charset="0"/>
-              </a:rPr>
-              <a:t>weighted</a:t>
-            </a:r>
-            <a:r>
-              <a:rPr lang="de-DE" sz="2400" dirty="0">
-                <a:latin typeface="Source Sans Pro" panose="020B0503030403020204" pitchFamily="34" charset="0"/>
-                <a:ea typeface="Source Sans Pro" panose="020B0503030403020204" pitchFamily="34" charset="0"/>
-              </a:rPr>
-              <a:t> </a:t>
-            </a:r>
-            <a:r>
-              <a:rPr lang="de-DE" sz="2400" dirty="0" err="1">
-                <a:latin typeface="Source Sans Pro" panose="020B0503030403020204" pitchFamily="34" charset="0"/>
-                <a:ea typeface="Source Sans Pro" panose="020B0503030403020204" pitchFamily="34" charset="0"/>
-              </a:rPr>
-              <a:t>average</a:t>
-            </a:r>
-            <a:r>
-              <a:rPr lang="de-DE" sz="2400" dirty="0">
-                <a:latin typeface="Source Sans Pro" panose="020B0503030403020204" pitchFamily="34" charset="0"/>
-                <a:ea typeface="Source Sans Pro" panose="020B0503030403020204" pitchFamily="34" charset="0"/>
-              </a:rPr>
-              <a:t> </a:t>
-            </a:r>
-            <a:r>
-              <a:rPr lang="de-DE" sz="2400" dirty="0" err="1">
-                <a:latin typeface="Source Sans Pro" panose="020B0503030403020204" pitchFamily="34" charset="0"/>
-                <a:ea typeface="Source Sans Pro" panose="020B0503030403020204" pitchFamily="34" charset="0"/>
-              </a:rPr>
-              <a:t>across</a:t>
-            </a:r>
-            <a:r>
-              <a:rPr lang="de-DE" sz="2400" dirty="0">
-                <a:latin typeface="Source Sans Pro" panose="020B0503030403020204" pitchFamily="34" charset="0"/>
-                <a:ea typeface="Source Sans Pro" panose="020B0503030403020204" pitchFamily="34" charset="0"/>
-              </a:rPr>
-              <a:t> all </a:t>
-            </a:r>
-            <a:r>
-              <a:rPr lang="de-DE" sz="2400" dirty="0" err="1">
-                <a:latin typeface="Source Sans Pro" panose="020B0503030403020204" pitchFamily="34" charset="0"/>
-                <a:ea typeface="Source Sans Pro" panose="020B0503030403020204" pitchFamily="34" charset="0"/>
-              </a:rPr>
-              <a:t>fractions</a:t>
-            </a:r>
-            <a:r>
-              <a:rPr lang="de-DE" sz="2400" dirty="0">
-                <a:latin typeface="Source Sans Pro" panose="020B0503030403020204" pitchFamily="34" charset="0"/>
-                <a:ea typeface="Source Sans Pro" panose="020B0503030403020204" pitchFamily="34" charset="0"/>
-              </a:rPr>
-              <a:t>. </a:t>
-            </a:r>
-            <a:r>
-              <a:rPr lang="de-DE" sz="2400" dirty="0" err="1">
-                <a:latin typeface="Source Sans Pro" panose="020B0503030403020204" pitchFamily="34" charset="0"/>
-                <a:ea typeface="Source Sans Pro" panose="020B0503030403020204" pitchFamily="34" charset="0"/>
-              </a:rPr>
-              <a:t>Shifts</a:t>
-            </a:r>
-            <a:r>
-              <a:rPr lang="de-DE" sz="2400" dirty="0">
-                <a:latin typeface="Source Sans Pro" panose="020B0503030403020204" pitchFamily="34" charset="0"/>
-                <a:ea typeface="Source Sans Pro" panose="020B0503030403020204" pitchFamily="34" charset="0"/>
-              </a:rPr>
-              <a:t> </a:t>
-            </a:r>
-            <a:r>
-              <a:rPr lang="de-DE" sz="2400" dirty="0" err="1">
-                <a:latin typeface="Source Sans Pro" panose="020B0503030403020204" pitchFamily="34" charset="0"/>
-                <a:ea typeface="Source Sans Pro" panose="020B0503030403020204" pitchFamily="34" charset="0"/>
-              </a:rPr>
-              <a:t>were</a:t>
-            </a:r>
-            <a:r>
-              <a:rPr lang="de-DE" sz="2400" dirty="0">
-                <a:latin typeface="Source Sans Pro" panose="020B0503030403020204" pitchFamily="34" charset="0"/>
-                <a:ea typeface="Source Sans Pro" panose="020B0503030403020204" pitchFamily="34" charset="0"/>
-              </a:rPr>
-              <a:t> </a:t>
-            </a:r>
-            <a:r>
-              <a:rPr lang="de-DE" sz="2400" dirty="0" err="1">
-                <a:latin typeface="Source Sans Pro" panose="020B0503030403020204" pitchFamily="34" charset="0"/>
-                <a:ea typeface="Source Sans Pro" panose="020B0503030403020204" pitchFamily="34" charset="0"/>
-              </a:rPr>
-              <a:t>defined</a:t>
-            </a:r>
-            <a:r>
-              <a:rPr lang="de-DE" sz="2400" dirty="0">
-                <a:latin typeface="Source Sans Pro" panose="020B0503030403020204" pitchFamily="34" charset="0"/>
-                <a:ea typeface="Source Sans Pro" panose="020B0503030403020204" pitchFamily="34" charset="0"/>
-              </a:rPr>
-              <a:t> </a:t>
-            </a:r>
-            <a:r>
-              <a:rPr lang="de-DE" sz="2400" dirty="0" err="1">
-                <a:latin typeface="Source Sans Pro" panose="020B0503030403020204" pitchFamily="34" charset="0"/>
-                <a:ea typeface="Source Sans Pro" panose="020B0503030403020204" pitchFamily="34" charset="0"/>
-              </a:rPr>
-              <a:t>as</a:t>
-            </a:r>
-            <a:r>
-              <a:rPr lang="de-DE" sz="2400" dirty="0">
-                <a:latin typeface="Source Sans Pro" panose="020B0503030403020204" pitchFamily="34" charset="0"/>
-                <a:ea typeface="Source Sans Pro" panose="020B0503030403020204" pitchFamily="34" charset="0"/>
-              </a:rPr>
-              <a:t> </a:t>
-            </a:r>
-            <a:r>
-              <a:rPr lang="de-DE" sz="2400" dirty="0" err="1">
+              <a:t> as the weighted average across all fractions. Shifts were defined as </a:t>
+            </a:r>
+            <a:r>
+              <a:rPr lang="en-US" sz="2400" noProof="0" dirty="0" err="1">
                 <a:latin typeface="Source Sans Pro" panose="020B0503030403020204" pitchFamily="34" charset="0"/>
                 <a:ea typeface="Source Sans Pro" panose="020B0503030403020204" pitchFamily="34" charset="0"/>
               </a:rPr>
               <a:t>CoM_Ctrl</a:t>
             </a:r>
             <a:r>
-              <a:rPr lang="de-DE" sz="2400" dirty="0">
+              <a:rPr lang="en-US" sz="2400" noProof="0" dirty="0">
                 <a:latin typeface="Source Sans Pro" panose="020B0503030403020204" pitchFamily="34" charset="0"/>
                 <a:ea typeface="Source Sans Pro" panose="020B0503030403020204" pitchFamily="34" charset="0"/>
               </a:rPr>
               <a:t> – </a:t>
             </a:r>
             <a:r>
-              <a:rPr lang="de-DE" sz="2400" dirty="0" err="1">
+              <a:rPr lang="en-US" sz="2400" noProof="0" dirty="0" err="1">
                 <a:latin typeface="Source Sans Pro" panose="020B0503030403020204" pitchFamily="34" charset="0"/>
                 <a:ea typeface="Source Sans Pro" panose="020B0503030403020204" pitchFamily="34" charset="0"/>
               </a:rPr>
               <a:t>CoM_RNase</a:t>
             </a:r>
             <a:r>
-              <a:rPr lang="de-DE" sz="2400" dirty="0">
+              <a:rPr lang="en-US" sz="2400" noProof="0" dirty="0">
                 <a:latin typeface="Source Sans Pro" panose="020B0503030403020204" pitchFamily="34" charset="0"/>
                 <a:ea typeface="Source Sans Pro" panose="020B0503030403020204" pitchFamily="34" charset="0"/>
               </a:rPr>
-              <a:t>: positive </a:t>
-            </a:r>
-            <a:r>
-              <a:rPr lang="de-DE" sz="2400" dirty="0" err="1">
-                <a:latin typeface="Source Sans Pro" panose="020B0503030403020204" pitchFamily="34" charset="0"/>
-                <a:ea typeface="Source Sans Pro" panose="020B0503030403020204" pitchFamily="34" charset="0"/>
-              </a:rPr>
-              <a:t>values</a:t>
-            </a:r>
-            <a:r>
-              <a:rPr lang="de-DE" sz="2400" dirty="0">
-                <a:latin typeface="Source Sans Pro" panose="020B0503030403020204" pitchFamily="34" charset="0"/>
-                <a:ea typeface="Source Sans Pro" panose="020B0503030403020204" pitchFamily="34" charset="0"/>
-              </a:rPr>
-              <a:t> </a:t>
-            </a:r>
-            <a:r>
-              <a:rPr lang="de-DE" sz="2400" dirty="0" err="1">
-                <a:latin typeface="Source Sans Pro" panose="020B0503030403020204" pitchFamily="34" charset="0"/>
-                <a:ea typeface="Source Sans Pro" panose="020B0503030403020204" pitchFamily="34" charset="0"/>
-              </a:rPr>
-              <a:t>indicated</a:t>
-            </a:r>
-            <a:r>
-              <a:rPr lang="de-DE" sz="2400" dirty="0">
-                <a:latin typeface="Source Sans Pro" panose="020B0503030403020204" pitchFamily="34" charset="0"/>
-                <a:ea typeface="Source Sans Pro" panose="020B0503030403020204" pitchFamily="34" charset="0"/>
-              </a:rPr>
-              <a:t> a </a:t>
-            </a:r>
-            <a:r>
-              <a:rPr lang="de-DE" sz="2400" dirty="0" err="1">
-                <a:latin typeface="Source Sans Pro" panose="020B0503030403020204" pitchFamily="34" charset="0"/>
-                <a:ea typeface="Source Sans Pro" panose="020B0503030403020204" pitchFamily="34" charset="0"/>
-              </a:rPr>
-              <a:t>leftward</a:t>
-            </a:r>
-            <a:r>
-              <a:rPr lang="de-DE" sz="2400" dirty="0">
-                <a:latin typeface="Source Sans Pro" panose="020B0503030403020204" pitchFamily="34" charset="0"/>
-                <a:ea typeface="Source Sans Pro" panose="020B0503030403020204" pitchFamily="34" charset="0"/>
-              </a:rPr>
-              <a:t> shift, negative </a:t>
-            </a:r>
-            <a:r>
-              <a:rPr lang="de-DE" sz="2400" dirty="0" err="1">
-                <a:latin typeface="Source Sans Pro" panose="020B0503030403020204" pitchFamily="34" charset="0"/>
-                <a:ea typeface="Source Sans Pro" panose="020B0503030403020204" pitchFamily="34" charset="0"/>
-              </a:rPr>
-              <a:t>values</a:t>
-            </a:r>
-            <a:r>
-              <a:rPr lang="de-DE" sz="2400" dirty="0">
-                <a:latin typeface="Source Sans Pro" panose="020B0503030403020204" pitchFamily="34" charset="0"/>
-                <a:ea typeface="Source Sans Pro" panose="020B0503030403020204" pitchFamily="34" charset="0"/>
-              </a:rPr>
-              <a:t> a </a:t>
-            </a:r>
-            <a:r>
-              <a:rPr lang="de-DE" sz="2400" dirty="0" err="1">
-                <a:latin typeface="Source Sans Pro" panose="020B0503030403020204" pitchFamily="34" charset="0"/>
-                <a:ea typeface="Source Sans Pro" panose="020B0503030403020204" pitchFamily="34" charset="0"/>
-              </a:rPr>
-              <a:t>rightward</a:t>
-            </a:r>
-            <a:r>
-              <a:rPr lang="de-DE" sz="2400" dirty="0">
-                <a:latin typeface="Source Sans Pro" panose="020B0503030403020204" pitchFamily="34" charset="0"/>
-                <a:ea typeface="Source Sans Pro" panose="020B0503030403020204" pitchFamily="34" charset="0"/>
-              </a:rPr>
-              <a:t> shift, and </a:t>
-            </a:r>
-            <a:r>
-              <a:rPr lang="de-DE" sz="2400" dirty="0" err="1">
-                <a:latin typeface="Source Sans Pro" panose="020B0503030403020204" pitchFamily="34" charset="0"/>
-                <a:ea typeface="Source Sans Pro" panose="020B0503030403020204" pitchFamily="34" charset="0"/>
-              </a:rPr>
-              <a:t>values</a:t>
-            </a:r>
-            <a:r>
-              <a:rPr lang="de-DE" sz="2400" dirty="0">
-                <a:latin typeface="Source Sans Pro" panose="020B0503030403020204" pitchFamily="34" charset="0"/>
-                <a:ea typeface="Source Sans Pro" panose="020B0503030403020204" pitchFamily="34" charset="0"/>
-              </a:rPr>
-              <a:t> </a:t>
-            </a:r>
-            <a:r>
-              <a:rPr lang="de-DE" sz="2400" dirty="0" err="1">
-                <a:latin typeface="Source Sans Pro" panose="020B0503030403020204" pitchFamily="34" charset="0"/>
-                <a:ea typeface="Source Sans Pro" panose="020B0503030403020204" pitchFamily="34" charset="0"/>
-              </a:rPr>
-              <a:t>near</a:t>
-            </a:r>
-            <a:r>
-              <a:rPr lang="de-DE" sz="2400" dirty="0">
-                <a:latin typeface="Source Sans Pro" panose="020B0503030403020204" pitchFamily="34" charset="0"/>
-                <a:ea typeface="Source Sans Pro" panose="020B0503030403020204" pitchFamily="34" charset="0"/>
-              </a:rPr>
-              <a:t> </a:t>
-            </a:r>
-            <a:r>
-              <a:rPr lang="de-DE" sz="2400" dirty="0" err="1">
-                <a:latin typeface="Source Sans Pro" panose="020B0503030403020204" pitchFamily="34" charset="0"/>
-                <a:ea typeface="Source Sans Pro" panose="020B0503030403020204" pitchFamily="34" charset="0"/>
-              </a:rPr>
-              <a:t>zero</a:t>
-            </a:r>
-            <a:r>
-              <a:rPr lang="de-DE" sz="2400" dirty="0">
-                <a:latin typeface="Source Sans Pro" panose="020B0503030403020204" pitchFamily="34" charset="0"/>
-                <a:ea typeface="Source Sans Pro" panose="020B0503030403020204" pitchFamily="34" charset="0"/>
-              </a:rPr>
-              <a:t> </a:t>
-            </a:r>
-            <a:r>
-              <a:rPr lang="de-DE" sz="2400" dirty="0" err="1">
-                <a:latin typeface="Source Sans Pro" panose="020B0503030403020204" pitchFamily="34" charset="0"/>
-                <a:ea typeface="Source Sans Pro" panose="020B0503030403020204" pitchFamily="34" charset="0"/>
-              </a:rPr>
-              <a:t>no</a:t>
-            </a:r>
-            <a:r>
-              <a:rPr lang="de-DE" sz="2400" dirty="0">
-                <a:latin typeface="Source Sans Pro" panose="020B0503030403020204" pitchFamily="34" charset="0"/>
-                <a:ea typeface="Source Sans Pro" panose="020B0503030403020204" pitchFamily="34" charset="0"/>
-              </a:rPr>
-              <a:t> </a:t>
-            </a:r>
-            <a:r>
-              <a:rPr lang="de-DE" sz="2400" dirty="0" err="1">
-                <a:latin typeface="Source Sans Pro" panose="020B0503030403020204" pitchFamily="34" charset="0"/>
-                <a:ea typeface="Source Sans Pro" panose="020B0503030403020204" pitchFamily="34" charset="0"/>
-              </a:rPr>
-              <a:t>change</a:t>
-            </a:r>
-            <a:r>
-              <a:rPr lang="de-DE" sz="2400" dirty="0">
-                <a:latin typeface="Source Sans Pro" panose="020B0503030403020204" pitchFamily="34" charset="0"/>
-                <a:ea typeface="Source Sans Pro" panose="020B0503030403020204" pitchFamily="34" charset="0"/>
-              </a:rPr>
-              <a:t> in </a:t>
-            </a:r>
-            <a:r>
-              <a:rPr lang="de-DE" sz="2400" dirty="0" err="1">
-                <a:latin typeface="Source Sans Pro" panose="020B0503030403020204" pitchFamily="34" charset="0"/>
-                <a:ea typeface="Source Sans Pro" panose="020B0503030403020204" pitchFamily="34" charset="0"/>
-              </a:rPr>
-              <a:t>distribution</a:t>
-            </a:r>
-            <a:r>
-              <a:rPr lang="de-DE" sz="2400" dirty="0">
-                <a:latin typeface="Source Sans Pro" panose="020B0503030403020204" pitchFamily="34" charset="0"/>
-                <a:ea typeface="Source Sans Pro" panose="020B0503030403020204" pitchFamily="34" charset="0"/>
-              </a:rPr>
-              <a:t>.</a:t>
+              <a:t>: positive values indicated a leftward shift, negative values a rightward shift, and values near zero no change in distribution.</a:t>
             </a:r>
           </a:p>
           <a:p>
             <a:pPr algn="just"/>
-            <a:endParaRPr lang="en-US" sz="2400" dirty="0">
+            <a:endParaRPr lang="en-US" sz="2400" noProof="0" dirty="0">
               <a:latin typeface="Source Sans Pro" panose="020B0503030403020204" pitchFamily="34" charset="0"/>
               <a:ea typeface="Source Sans Pro" panose="020B0503030403020204" pitchFamily="34" charset="0"/>
             </a:endParaRPr>
@@ -8369,7 +7785,7 @@
         </p:blipFill>
         <p:spPr>
           <a:xfrm>
-            <a:off x="8454772" y="12292692"/>
+            <a:off x="8502076" y="13319527"/>
             <a:ext cx="6236519" cy="3421957"/>
           </a:xfrm>
           <a:prstGeom prst="rect">
@@ -8391,9 +7807,9 @@
         </p:nvGrpSpPr>
         <p:grpSpPr>
           <a:xfrm>
-            <a:off x="3823405" y="17284807"/>
+            <a:off x="4765060" y="18464738"/>
             <a:ext cx="4328867" cy="860116"/>
-            <a:chOff x="8711954" y="13579284"/>
+            <a:chOff x="9061760" y="14098081"/>
             <a:chExt cx="4328867" cy="860116"/>
           </a:xfrm>
         </p:grpSpPr>
@@ -8411,7 +7827,7 @@
           </p:nvSpPr>
           <p:spPr>
             <a:xfrm>
-              <a:off x="8711954" y="13579284"/>
+              <a:off x="9061760" y="14098081"/>
               <a:ext cx="4328867" cy="860116"/>
             </a:xfrm>
             <a:prstGeom prst="roundRect">
@@ -8447,7 +7863,7 @@
             <a:lstStyle/>
             <a:p>
               <a:pPr algn="r"/>
-              <a:endParaRPr lang="en-US" sz="3600" dirty="0">
+              <a:endParaRPr lang="en-US" sz="3600" noProof="0" dirty="0">
                 <a:solidFill>
                   <a:schemeClr val="tx1"/>
                 </a:solidFill>
@@ -8455,8 +7871,8 @@
             </a:p>
           </p:txBody>
         </p:sp>
-        <mc:AlternateContent xmlns:mc="http://schemas.openxmlformats.org/markup-compatibility/2006" xmlns:a14="http://schemas.microsoft.com/office/drawing/2010/main">
-          <mc:Choice Requires="a14">
+        <mc:AlternateContent xmlns:mc="http://schemas.openxmlformats.org/markup-compatibility/2006">
+          <mc:Choice xmlns:a14="http://schemas.microsoft.com/office/drawing/2010/main" Requires="a14">
             <p:sp>
               <p:nvSpPr>
                 <p:cNvPr id="47" name="Textfeld 46">
@@ -8471,7 +7887,7 @@
               </p:nvSpPr>
               <p:spPr>
                 <a:xfrm>
-                  <a:off x="8827773" y="13663964"/>
+                  <a:off x="9305642" y="14157997"/>
                   <a:ext cx="3990516" cy="721480"/>
                 </a:xfrm>
                 <a:prstGeom prst="rect">
@@ -8493,13 +7909,13 @@
                       </m:oMathParaPr>
                       <m:oMath xmlns:m="http://schemas.openxmlformats.org/officeDocument/2006/math">
                         <m:r>
-                          <a:rPr lang="de-DE" sz="2000" b="0" i="1" smtClean="0">
+                          <a:rPr lang="en-US" sz="2000" b="0" i="1" noProof="0" smtClean="0">
                             <a:latin typeface="Cambria Math" panose="02040503050406030204" pitchFamily="18" charset="0"/>
                           </a:rPr>
                           <m:t>𝐶𝑜𝑀</m:t>
                         </m:r>
                         <m:r>
-                          <a:rPr lang="de-DE" sz="2000" b="0" i="1" smtClean="0">
+                          <a:rPr lang="en-US" sz="2000" b="0" i="1" noProof="0" smtClean="0">
                             <a:latin typeface="Cambria Math" panose="02040503050406030204" pitchFamily="18" charset="0"/>
                           </a:rPr>
                           <m:t>= </m:t>
@@ -8507,7 +7923,7 @@
                         <m:f>
                           <m:fPr>
                             <m:ctrlPr>
-                              <a:rPr lang="de-DE" sz="2000" b="0" i="1" smtClean="0">
+                              <a:rPr lang="en-US" sz="2000" b="0" i="1" noProof="0" smtClean="0">
                                 <a:latin typeface="Cambria Math" panose="02040503050406030204" pitchFamily="18" charset="0"/>
                               </a:rPr>
                             </m:ctrlPr>
@@ -8518,7 +7934,7 @@
                                 <m:chr m:val="∑"/>
                                 <m:limLoc m:val="subSup"/>
                                 <m:ctrlPr>
-                                  <a:rPr lang="de-DE" sz="2000" b="0" i="1" smtClean="0">
+                                  <a:rPr lang="en-US" sz="2000" b="0" i="1" noProof="0" smtClean="0">
                                     <a:latin typeface="Cambria Math" panose="02040503050406030204" pitchFamily="18" charset="0"/>
                                   </a:rPr>
                                 </m:ctrlPr>
@@ -8528,13 +7944,13 @@
                                   <m:rPr>
                                     <m:brk m:alnAt="25"/>
                                   </m:rPr>
-                                  <a:rPr lang="de-DE" sz="2000" b="0" i="1" smtClean="0">
+                                  <a:rPr lang="en-US" sz="2000" b="0" i="1" noProof="0" smtClean="0">
                                     <a:latin typeface="Cambria Math" panose="02040503050406030204" pitchFamily="18" charset="0"/>
                                   </a:rPr>
                                   <m:t>𝑖</m:t>
                                 </m:r>
                                 <m:r>
-                                  <a:rPr lang="de-DE" sz="2000" b="0" i="1" smtClean="0">
+                                  <a:rPr lang="en-US" sz="2000" b="0" i="1" noProof="0" smtClean="0">
                                     <a:latin typeface="Cambria Math" panose="02040503050406030204" pitchFamily="18" charset="0"/>
                                   </a:rPr>
                                   <m:t>=1</m:t>
@@ -8542,7 +7958,7 @@
                               </m:sub>
                               <m:sup>
                                 <m:r>
-                                  <a:rPr lang="de-DE" sz="2000" b="0" i="1" smtClean="0">
+                                  <a:rPr lang="en-US" sz="2000" b="0" i="1" noProof="0" smtClean="0">
                                     <a:latin typeface="Cambria Math" panose="02040503050406030204" pitchFamily="18" charset="0"/>
                                   </a:rPr>
                                   <m:t>25</m:t>
@@ -8552,14 +7968,14 @@
                                 <m:sSub>
                                   <m:sSubPr>
                                     <m:ctrlPr>
-                                      <a:rPr lang="de-DE" sz="2000" b="0" i="1" smtClean="0">
+                                      <a:rPr lang="en-US" sz="2000" b="0" i="1" noProof="0" smtClean="0">
                                         <a:latin typeface="Cambria Math" panose="02040503050406030204" pitchFamily="18" charset="0"/>
                                       </a:rPr>
                                     </m:ctrlPr>
                                   </m:sSubPr>
                                   <m:e>
                                     <m:r>
-                                      <a:rPr lang="de-DE" sz="2000" b="0" i="1" smtClean="0">
+                                      <a:rPr lang="en-US" sz="2000" b="0" i="1" noProof="0" smtClean="0">
                                         <a:latin typeface="Cambria Math" panose="02040503050406030204" pitchFamily="18" charset="0"/>
                                       </a:rPr>
                                       <m:t>𝑓𝑟𝑎𝑐𝑡𝑖𝑜𝑛</m:t>
@@ -8567,7 +7983,7 @@
                                   </m:e>
                                   <m:sub>
                                     <m:r>
-                                      <a:rPr lang="de-DE" sz="2000" b="0" i="1" smtClean="0">
+                                      <a:rPr lang="en-US" sz="2000" b="0" i="1" noProof="0" smtClean="0">
                                         <a:latin typeface="Cambria Math" panose="02040503050406030204" pitchFamily="18" charset="0"/>
                                       </a:rPr>
                                       <m:t>𝑖</m:t>
@@ -8575,7 +7991,7 @@
                                   </m:sub>
                                 </m:sSub>
                                 <m:r>
-                                  <a:rPr lang="de-DE" sz="2000" b="0" i="1" smtClean="0">
+                                  <a:rPr lang="en-US" sz="2000" b="0" i="1" noProof="0" smtClean="0">
                                     <a:latin typeface="Cambria Math" panose="02040503050406030204" pitchFamily="18" charset="0"/>
                                   </a:rPr>
                                   <m:t>∗ </m:t>
@@ -8583,14 +7999,14 @@
                                 <m:sSub>
                                   <m:sSubPr>
                                     <m:ctrlPr>
-                                      <a:rPr lang="de-DE" sz="2000" b="0" i="1" smtClean="0">
+                                      <a:rPr lang="en-US" sz="2000" b="0" i="1" noProof="0" smtClean="0">
                                         <a:latin typeface="Cambria Math" panose="02040503050406030204" pitchFamily="18" charset="0"/>
                                       </a:rPr>
                                     </m:ctrlPr>
                                   </m:sSubPr>
                                   <m:e>
                                     <m:r>
-                                      <a:rPr lang="de-DE" sz="2000" b="0" i="1" smtClean="0">
+                                      <a:rPr lang="en-US" sz="2000" b="0" i="1" noProof="0" smtClean="0">
                                         <a:latin typeface="Cambria Math" panose="02040503050406030204" pitchFamily="18" charset="0"/>
                                       </a:rPr>
                                       <m:t>𝑖𝑛𝑡𝑒𝑛𝑠𝑖𝑡𝑦</m:t>
@@ -8598,7 +8014,7 @@
                                   </m:e>
                                   <m:sub>
                                     <m:r>
-                                      <a:rPr lang="de-DE" sz="2000" b="0" i="1" smtClean="0">
+                                      <a:rPr lang="en-US" sz="2000" b="0" i="1" noProof="0" smtClean="0">
                                         <a:latin typeface="Cambria Math" panose="02040503050406030204" pitchFamily="18" charset="0"/>
                                       </a:rPr>
                                       <m:t>𝑖</m:t>
@@ -8614,7 +8030,7 @@
                                 <m:chr m:val="∑"/>
                                 <m:limLoc m:val="subSup"/>
                                 <m:ctrlPr>
-                                  <a:rPr lang="de-DE" sz="2000" b="0" i="1" smtClean="0">
+                                  <a:rPr lang="en-US" sz="2000" b="0" i="1" noProof="0" smtClean="0">
                                     <a:latin typeface="Cambria Math" panose="02040503050406030204" pitchFamily="18" charset="0"/>
                                   </a:rPr>
                                 </m:ctrlPr>
@@ -8624,13 +8040,13 @@
                                   <m:rPr>
                                     <m:brk m:alnAt="25"/>
                                   </m:rPr>
-                                  <a:rPr lang="de-DE" sz="2000" b="0" i="1" smtClean="0">
+                                  <a:rPr lang="en-US" sz="2000" b="0" i="1" noProof="0" smtClean="0">
                                     <a:latin typeface="Cambria Math" panose="02040503050406030204" pitchFamily="18" charset="0"/>
                                   </a:rPr>
                                   <m:t>𝑖</m:t>
                                 </m:r>
                                 <m:r>
-                                  <a:rPr lang="de-DE" sz="2000" b="0" i="1" smtClean="0">
+                                  <a:rPr lang="en-US" sz="2000" b="0" i="1" noProof="0" smtClean="0">
                                     <a:latin typeface="Cambria Math" panose="02040503050406030204" pitchFamily="18" charset="0"/>
                                   </a:rPr>
                                   <m:t>=1</m:t>
@@ -8638,7 +8054,7 @@
                               </m:sub>
                               <m:sup>
                                 <m:r>
-                                  <a:rPr lang="de-DE" sz="2000" b="0" i="1" smtClean="0">
+                                  <a:rPr lang="en-US" sz="2000" b="0" i="1" noProof="0" smtClean="0">
                                     <a:latin typeface="Cambria Math" panose="02040503050406030204" pitchFamily="18" charset="0"/>
                                   </a:rPr>
                                   <m:t>25</m:t>
@@ -8648,14 +8064,14 @@
                                 <m:sSub>
                                   <m:sSubPr>
                                     <m:ctrlPr>
-                                      <a:rPr lang="de-DE" sz="2000" b="0" i="1" smtClean="0">
+                                      <a:rPr lang="en-US" sz="2000" b="0" i="1" noProof="0" smtClean="0">
                                         <a:latin typeface="Cambria Math" panose="02040503050406030204" pitchFamily="18" charset="0"/>
                                       </a:rPr>
                                     </m:ctrlPr>
                                   </m:sSubPr>
                                   <m:e>
                                     <m:r>
-                                      <a:rPr lang="de-DE" sz="2000" b="0" i="1" smtClean="0">
+                                      <a:rPr lang="en-US" sz="2000" b="0" i="1" noProof="0" smtClean="0">
                                         <a:latin typeface="Cambria Math" panose="02040503050406030204" pitchFamily="18" charset="0"/>
                                       </a:rPr>
                                       <m:t>𝑖𝑛𝑡𝑒𝑛𝑠𝑖𝑡𝑦</m:t>
@@ -8663,7 +8079,7 @@
                                   </m:e>
                                   <m:sub>
                                     <m:r>
-                                      <a:rPr lang="de-DE" sz="2000" b="0" i="1" smtClean="0">
+                                      <a:rPr lang="en-US" sz="2000" b="0" i="1" noProof="0" smtClean="0">
                                         <a:latin typeface="Cambria Math" panose="02040503050406030204" pitchFamily="18" charset="0"/>
                                       </a:rPr>
                                       <m:t>𝑖</m:t>
@@ -8677,18 +8093,18 @@
                       </m:oMath>
                     </m:oMathPara>
                   </a14:m>
-                  <a:endParaRPr lang="en-US" sz="2000" dirty="0"/>
+                  <a:endParaRPr lang="en-US" sz="2000" noProof="0" dirty="0"/>
                 </a:p>
               </p:txBody>
             </p:sp>
           </mc:Choice>
-          <mc:Fallback xmlns="">
+          <mc:Fallback>
             <p:sp>
               <p:nvSpPr>
-                <p:cNvPr id="67" name="Textfeld 66">
+                <p:cNvPr id="47" name="Textfeld 46">
                   <a:extLst>
                     <a:ext uri="{FF2B5EF4-FFF2-40B4-BE49-F238E27FC236}">
-                      <a16:creationId xmlns:a16="http://schemas.microsoft.com/office/drawing/2014/main" id="{9303BE98-8E93-1F5E-26C1-7C6E72A7E9EF}"/>
+                      <a16:creationId xmlns:a16="http://schemas.microsoft.com/office/drawing/2014/main" id="{C8697122-1F57-2A95-C751-74F7E5823F08}"/>
                     </a:ext>
                   </a:extLst>
                 </p:cNvPr>
@@ -8699,7 +8115,7 @@
               </p:nvSpPr>
               <p:spPr>
                 <a:xfrm>
-                  <a:off x="8827773" y="13663964"/>
+                  <a:off x="9305642" y="14157997"/>
                   <a:ext cx="3990516" cy="721480"/>
                 </a:xfrm>
                 <a:prstGeom prst="rect">
@@ -8708,7 +8124,7 @@
                 <a:blipFill>
                   <a:blip r:embed="rId15"/>
                   <a:stretch>
-                    <a:fillRect l="-952" t="-67241" b="-103448"/>
+                    <a:fillRect/>
                   </a:stretch>
                 </a:blipFill>
               </p:spPr>
@@ -8717,7 +8133,7 @@
                 <a:lstStyle/>
                 <a:p>
                   <a:r>
-                    <a:rPr lang="en-US">
+                    <a:rPr lang="de-DE">
                       <a:noFill/>
                     </a:rPr>
                     <a:t> </a:t>
@@ -8741,13 +8157,13 @@
           <p:nvPr>
             <p:extLst>
               <p:ext uri="{D42A27DB-BD31-4B8C-83A1-F6EECF244321}">
-                <p14:modId xmlns:p14="http://schemas.microsoft.com/office/powerpoint/2010/main" val="4140878414"/>
+                <p14:modId xmlns:p14="http://schemas.microsoft.com/office/powerpoint/2010/main" val="930634812"/>
               </p:ext>
             </p:extLst>
           </p:nvPr>
         </p:nvGraphicFramePr>
         <p:xfrm>
-          <a:off x="10263008" y="17649999"/>
+          <a:off x="10284771" y="18443121"/>
           <a:ext cx="4328867" cy="2525627"/>
         </p:xfrm>
         <a:graphic>
@@ -8770,7 +8186,7 @@
         </p:nvSpPr>
         <p:spPr>
           <a:xfrm>
-            <a:off x="829098" y="17798789"/>
+            <a:off x="898676" y="19136735"/>
             <a:ext cx="9214407" cy="3631763"/>
           </a:xfrm>
           <a:prstGeom prst="rect">
@@ -8786,7 +8202,7 @@
           <a:p>
             <a:pPr algn="just"/>
             <a:r>
-              <a:rPr lang="de-DE" sz="2400" b="1" dirty="0">
+              <a:rPr lang="en-US" sz="2400" b="1" noProof="0" dirty="0">
                 <a:latin typeface="Source Sans Pro" panose="020B0503030403020204" pitchFamily="34" charset="0"/>
                 <a:ea typeface="Source Sans Pro" panose="020B0503030403020204" pitchFamily="34" charset="0"/>
               </a:rPr>
@@ -8795,7 +8211,7 @@
           </a:p>
           <a:p>
             <a:pPr algn="just"/>
-            <a:endParaRPr lang="de-DE" sz="1000" dirty="0">
+            <a:endParaRPr lang="en-US" sz="1000" noProof="0" dirty="0">
               <a:latin typeface="Source Sans Pro" panose="020B0503030403020204" pitchFamily="34" charset="0"/>
               <a:ea typeface="Source Sans Pro" panose="020B0503030403020204" pitchFamily="34" charset="0"/>
             </a:endParaRPr>
@@ -8803,543 +8219,102 @@
           <a:p>
             <a:pPr algn="just"/>
             <a:r>
-              <a:rPr lang="de-DE" sz="2400" b="1" dirty="0">
+              <a:rPr lang="en-US" sz="2400" b="1" noProof="0" dirty="0">
                 <a:latin typeface="Source Sans Pro" panose="020B0503030403020204" pitchFamily="34" charset="0"/>
                 <a:ea typeface="Source Sans Pro" panose="020B0503030403020204" pitchFamily="34" charset="0"/>
               </a:rPr>
               <a:t>T-Test: </a:t>
             </a:r>
             <a:r>
-              <a:rPr lang="de-DE" sz="2400" dirty="0" err="1">
+              <a:rPr lang="en-US" sz="2400" noProof="0" dirty="0">
                 <a:latin typeface="Source Sans Pro" panose="020B0503030403020204" pitchFamily="34" charset="0"/>
                 <a:ea typeface="Source Sans Pro" panose="020B0503030403020204" pitchFamily="34" charset="0"/>
               </a:rPr>
-              <a:t>To</a:t>
-            </a:r>
-            <a:r>
-              <a:rPr lang="de-DE" sz="2400" dirty="0">
-                <a:latin typeface="Source Sans Pro" panose="020B0503030403020204" pitchFamily="34" charset="0"/>
-                <a:ea typeface="Source Sans Pro" panose="020B0503030403020204" pitchFamily="34" charset="0"/>
-              </a:rPr>
-              <a:t> </a:t>
-            </a:r>
-            <a:r>
-              <a:rPr lang="de-DE" sz="2400" dirty="0" err="1">
-                <a:latin typeface="Source Sans Pro" panose="020B0503030403020204" pitchFamily="34" charset="0"/>
-                <a:ea typeface="Source Sans Pro" panose="020B0503030403020204" pitchFamily="34" charset="0"/>
-              </a:rPr>
-              <a:t>statistically</a:t>
-            </a:r>
-            <a:r>
-              <a:rPr lang="de-DE" sz="2400" dirty="0">
-                <a:latin typeface="Source Sans Pro" panose="020B0503030403020204" pitchFamily="34" charset="0"/>
-                <a:ea typeface="Source Sans Pro" panose="020B0503030403020204" pitchFamily="34" charset="0"/>
-              </a:rPr>
-              <a:t> </a:t>
-            </a:r>
-            <a:r>
-              <a:rPr lang="de-DE" sz="2400" dirty="0" err="1">
-                <a:latin typeface="Source Sans Pro" panose="020B0503030403020204" pitchFamily="34" charset="0"/>
-                <a:ea typeface="Source Sans Pro" panose="020B0503030403020204" pitchFamily="34" charset="0"/>
-              </a:rPr>
-              <a:t>assess</a:t>
-            </a:r>
-            <a:r>
-              <a:rPr lang="de-DE" sz="2400" dirty="0">
-                <a:latin typeface="Source Sans Pro" panose="020B0503030403020204" pitchFamily="34" charset="0"/>
-                <a:ea typeface="Source Sans Pro" panose="020B0503030403020204" pitchFamily="34" charset="0"/>
-              </a:rPr>
-              <a:t> RNA </a:t>
-            </a:r>
-            <a:r>
-              <a:rPr lang="de-DE" sz="2400" dirty="0" err="1">
-                <a:latin typeface="Source Sans Pro" panose="020B0503030403020204" pitchFamily="34" charset="0"/>
-                <a:ea typeface="Source Sans Pro" panose="020B0503030403020204" pitchFamily="34" charset="0"/>
-              </a:rPr>
-              <a:t>dependence</a:t>
-            </a:r>
-            <a:r>
-              <a:rPr lang="de-DE" sz="2400" dirty="0">
-                <a:latin typeface="Source Sans Pro" panose="020B0503030403020204" pitchFamily="34" charset="0"/>
-                <a:ea typeface="Source Sans Pro" panose="020B0503030403020204" pitchFamily="34" charset="0"/>
-              </a:rPr>
-              <a:t>, </a:t>
-            </a:r>
-            <a:r>
-              <a:rPr lang="de-DE" sz="2400" dirty="0" err="1">
-                <a:latin typeface="Source Sans Pro" panose="020B0503030403020204" pitchFamily="34" charset="0"/>
-                <a:ea typeface="Source Sans Pro" panose="020B0503030403020204" pitchFamily="34" charset="0"/>
-              </a:rPr>
-              <a:t>we</a:t>
-            </a:r>
-            <a:r>
-              <a:rPr lang="de-DE" sz="2400" dirty="0">
-                <a:latin typeface="Source Sans Pro" panose="020B0503030403020204" pitchFamily="34" charset="0"/>
-                <a:ea typeface="Source Sans Pro" panose="020B0503030403020204" pitchFamily="34" charset="0"/>
-              </a:rPr>
-              <a:t> </a:t>
-            </a:r>
-            <a:r>
-              <a:rPr lang="de-DE" sz="2400" dirty="0" err="1">
-                <a:latin typeface="Source Sans Pro" panose="020B0503030403020204" pitchFamily="34" charset="0"/>
-                <a:ea typeface="Source Sans Pro" panose="020B0503030403020204" pitchFamily="34" charset="0"/>
-              </a:rPr>
-              <a:t>computed</a:t>
-            </a:r>
-            <a:r>
-              <a:rPr lang="de-DE" sz="2400" dirty="0">
-                <a:latin typeface="Source Sans Pro" panose="020B0503030403020204" pitchFamily="34" charset="0"/>
-                <a:ea typeface="Source Sans Pro" panose="020B0503030403020204" pitchFamily="34" charset="0"/>
-              </a:rPr>
-              <a:t> shift </a:t>
-            </a:r>
-            <a:r>
-              <a:rPr lang="de-DE" sz="2400" dirty="0" err="1">
-                <a:latin typeface="Source Sans Pro" panose="020B0503030403020204" pitchFamily="34" charset="0"/>
-                <a:ea typeface="Source Sans Pro" panose="020B0503030403020204" pitchFamily="34" charset="0"/>
-              </a:rPr>
-              <a:t>distances</a:t>
-            </a:r>
-            <a:r>
-              <a:rPr lang="de-DE" sz="2400" dirty="0">
-                <a:latin typeface="Source Sans Pro" panose="020B0503030403020204" pitchFamily="34" charset="0"/>
-                <a:ea typeface="Source Sans Pro" panose="020B0503030403020204" pitchFamily="34" charset="0"/>
-              </a:rPr>
-              <a:t> </a:t>
-            </a:r>
-            <a:r>
-              <a:rPr lang="de-DE" sz="2400" dirty="0" err="1">
-                <a:latin typeface="Source Sans Pro" panose="020B0503030403020204" pitchFamily="34" charset="0"/>
-                <a:ea typeface="Source Sans Pro" panose="020B0503030403020204" pitchFamily="34" charset="0"/>
-              </a:rPr>
-              <a:t>from</a:t>
-            </a:r>
-            <a:r>
-              <a:rPr lang="de-DE" sz="2400" dirty="0">
-                <a:latin typeface="Source Sans Pro" panose="020B0503030403020204" pitchFamily="34" charset="0"/>
-                <a:ea typeface="Source Sans Pro" panose="020B0503030403020204" pitchFamily="34" charset="0"/>
-              </a:rPr>
-              <a:t> </a:t>
-            </a:r>
-            <a:r>
-              <a:rPr lang="de-DE" sz="2400" dirty="0" err="1">
+              <a:t>To statistically assess RNA dependence, we computed shift distances from </a:t>
+            </a:r>
+            <a:r>
+              <a:rPr lang="en-US" sz="2400" noProof="0" dirty="0" err="1">
                 <a:latin typeface="Source Sans Pro" panose="020B0503030403020204" pitchFamily="34" charset="0"/>
                 <a:ea typeface="Source Sans Pro" panose="020B0503030403020204" pitchFamily="34" charset="0"/>
               </a:rPr>
               <a:t>CoM</a:t>
             </a:r>
             <a:r>
-              <a:rPr lang="de-DE" sz="2400" dirty="0">
+              <a:rPr lang="en-US" sz="2400" noProof="0" dirty="0">
                 <a:latin typeface="Source Sans Pro" panose="020B0503030403020204" pitchFamily="34" charset="0"/>
                 <a:ea typeface="Source Sans Pro" panose="020B0503030403020204" pitchFamily="34" charset="0"/>
               </a:rPr>
-              <a:t> </a:t>
-            </a:r>
-            <a:r>
-              <a:rPr lang="de-DE" sz="2400" dirty="0" err="1">
+              <a:t> values across all replicates. A Shapiro-Wilk test was performed to confirm normality. If normally distributed, a one-sided t-test was used to assess whether the mean shift exceeded 1. </a:t>
+            </a:r>
+          </a:p>
+          <a:p>
+            <a:pPr algn="just"/>
+            <a:endParaRPr lang="en-US" sz="1000" noProof="0" dirty="0">
+              <a:latin typeface="Source Sans Pro" panose="020B0503030403020204" pitchFamily="34" charset="0"/>
+              <a:ea typeface="Source Sans Pro" panose="020B0503030403020204" pitchFamily="34" charset="0"/>
+            </a:endParaRPr>
+          </a:p>
+          <a:p>
+            <a:pPr algn="just"/>
+            <a:r>
+              <a:rPr lang="en-US" sz="2400" noProof="0" dirty="0">
                 <a:latin typeface="Source Sans Pro" panose="020B0503030403020204" pitchFamily="34" charset="0"/>
                 <a:ea typeface="Source Sans Pro" panose="020B0503030403020204" pitchFamily="34" charset="0"/>
               </a:rPr>
-              <a:t>values</a:t>
-            </a:r>
-            <a:r>
-              <a:rPr lang="de-DE" sz="2400" dirty="0">
-                <a:latin typeface="Source Sans Pro" panose="020B0503030403020204" pitchFamily="34" charset="0"/>
-                <a:ea typeface="Source Sans Pro" panose="020B0503030403020204" pitchFamily="34" charset="0"/>
-              </a:rPr>
-              <a:t> </a:t>
-            </a:r>
-            <a:r>
-              <a:rPr lang="de-DE" sz="2400" dirty="0" err="1">
-                <a:latin typeface="Source Sans Pro" panose="020B0503030403020204" pitchFamily="34" charset="0"/>
-                <a:ea typeface="Source Sans Pro" panose="020B0503030403020204" pitchFamily="34" charset="0"/>
-              </a:rPr>
-              <a:t>across</a:t>
-            </a:r>
-            <a:r>
-              <a:rPr lang="de-DE" sz="2400" dirty="0">
-                <a:latin typeface="Source Sans Pro" panose="020B0503030403020204" pitchFamily="34" charset="0"/>
-                <a:ea typeface="Source Sans Pro" panose="020B0503030403020204" pitchFamily="34" charset="0"/>
-              </a:rPr>
-              <a:t> all </a:t>
-            </a:r>
-            <a:r>
-              <a:rPr lang="de-DE" sz="2400" dirty="0" err="1">
-                <a:latin typeface="Source Sans Pro" panose="020B0503030403020204" pitchFamily="34" charset="0"/>
-                <a:ea typeface="Source Sans Pro" panose="020B0503030403020204" pitchFamily="34" charset="0"/>
-              </a:rPr>
-              <a:t>replicates</a:t>
-            </a:r>
-            <a:r>
-              <a:rPr lang="de-DE" sz="2400" dirty="0">
-                <a:latin typeface="Source Sans Pro" panose="020B0503030403020204" pitchFamily="34" charset="0"/>
-                <a:ea typeface="Source Sans Pro" panose="020B0503030403020204" pitchFamily="34" charset="0"/>
-              </a:rPr>
-              <a:t>. A Shapiro-Wilk </a:t>
-            </a:r>
-            <a:r>
-              <a:rPr lang="de-DE" sz="2400" dirty="0" err="1">
-                <a:latin typeface="Source Sans Pro" panose="020B0503030403020204" pitchFamily="34" charset="0"/>
-                <a:ea typeface="Source Sans Pro" panose="020B0503030403020204" pitchFamily="34" charset="0"/>
-              </a:rPr>
-              <a:t>test</a:t>
-            </a:r>
-            <a:r>
-              <a:rPr lang="de-DE" sz="2400" dirty="0">
-                <a:latin typeface="Source Sans Pro" panose="020B0503030403020204" pitchFamily="34" charset="0"/>
-                <a:ea typeface="Source Sans Pro" panose="020B0503030403020204" pitchFamily="34" charset="0"/>
-              </a:rPr>
-              <a:t> was </a:t>
-            </a:r>
-            <a:r>
-              <a:rPr lang="de-DE" sz="2400" dirty="0" err="1">
-                <a:latin typeface="Source Sans Pro" panose="020B0503030403020204" pitchFamily="34" charset="0"/>
-                <a:ea typeface="Source Sans Pro" panose="020B0503030403020204" pitchFamily="34" charset="0"/>
-              </a:rPr>
-              <a:t>performed</a:t>
-            </a:r>
-            <a:r>
-              <a:rPr lang="de-DE" sz="2400" dirty="0">
-                <a:latin typeface="Source Sans Pro" panose="020B0503030403020204" pitchFamily="34" charset="0"/>
-                <a:ea typeface="Source Sans Pro" panose="020B0503030403020204" pitchFamily="34" charset="0"/>
-              </a:rPr>
-              <a:t> </a:t>
-            </a:r>
-            <a:r>
-              <a:rPr lang="de-DE" sz="2400" dirty="0" err="1">
-                <a:latin typeface="Source Sans Pro" panose="020B0503030403020204" pitchFamily="34" charset="0"/>
-                <a:ea typeface="Source Sans Pro" panose="020B0503030403020204" pitchFamily="34" charset="0"/>
-              </a:rPr>
-              <a:t>to</a:t>
-            </a:r>
-            <a:r>
-              <a:rPr lang="de-DE" sz="2400" dirty="0">
-                <a:latin typeface="Source Sans Pro" panose="020B0503030403020204" pitchFamily="34" charset="0"/>
-                <a:ea typeface="Source Sans Pro" panose="020B0503030403020204" pitchFamily="34" charset="0"/>
-              </a:rPr>
-              <a:t> </a:t>
-            </a:r>
-            <a:r>
-              <a:rPr lang="de-DE" sz="2400" dirty="0" err="1">
-                <a:latin typeface="Source Sans Pro" panose="020B0503030403020204" pitchFamily="34" charset="0"/>
-                <a:ea typeface="Source Sans Pro" panose="020B0503030403020204" pitchFamily="34" charset="0"/>
-              </a:rPr>
-              <a:t>confirm</a:t>
-            </a:r>
-            <a:r>
-              <a:rPr lang="de-DE" sz="2400" dirty="0">
-                <a:latin typeface="Source Sans Pro" panose="020B0503030403020204" pitchFamily="34" charset="0"/>
-                <a:ea typeface="Source Sans Pro" panose="020B0503030403020204" pitchFamily="34" charset="0"/>
-              </a:rPr>
-              <a:t> </a:t>
-            </a:r>
-            <a:r>
-              <a:rPr lang="de-DE" sz="2400" dirty="0" err="1">
-                <a:latin typeface="Source Sans Pro" panose="020B0503030403020204" pitchFamily="34" charset="0"/>
-                <a:ea typeface="Source Sans Pro" panose="020B0503030403020204" pitchFamily="34" charset="0"/>
-              </a:rPr>
-              <a:t>normality</a:t>
-            </a:r>
-            <a:r>
-              <a:rPr lang="de-DE" sz="2400" dirty="0">
-                <a:latin typeface="Source Sans Pro" panose="020B0503030403020204" pitchFamily="34" charset="0"/>
-                <a:ea typeface="Source Sans Pro" panose="020B0503030403020204" pitchFamily="34" charset="0"/>
-              </a:rPr>
-              <a:t>. </a:t>
-            </a:r>
-            <a:r>
-              <a:rPr lang="de-DE" sz="2400" dirty="0" err="1">
-                <a:latin typeface="Source Sans Pro" panose="020B0503030403020204" pitchFamily="34" charset="0"/>
-                <a:ea typeface="Source Sans Pro" panose="020B0503030403020204" pitchFamily="34" charset="0"/>
-              </a:rPr>
-              <a:t>If</a:t>
-            </a:r>
-            <a:r>
-              <a:rPr lang="de-DE" sz="2400" dirty="0">
-                <a:latin typeface="Source Sans Pro" panose="020B0503030403020204" pitchFamily="34" charset="0"/>
-                <a:ea typeface="Source Sans Pro" panose="020B0503030403020204" pitchFamily="34" charset="0"/>
-              </a:rPr>
-              <a:t> </a:t>
-            </a:r>
-            <a:r>
-              <a:rPr lang="de-DE" sz="2400" dirty="0" err="1">
-                <a:latin typeface="Source Sans Pro" panose="020B0503030403020204" pitchFamily="34" charset="0"/>
-                <a:ea typeface="Source Sans Pro" panose="020B0503030403020204" pitchFamily="34" charset="0"/>
-              </a:rPr>
-              <a:t>normally</a:t>
-            </a:r>
-            <a:r>
-              <a:rPr lang="de-DE" sz="2400" dirty="0">
-                <a:latin typeface="Source Sans Pro" panose="020B0503030403020204" pitchFamily="34" charset="0"/>
-                <a:ea typeface="Source Sans Pro" panose="020B0503030403020204" pitchFamily="34" charset="0"/>
-              </a:rPr>
-              <a:t> </a:t>
-            </a:r>
-            <a:r>
-              <a:rPr lang="de-DE" sz="2400" dirty="0" err="1">
-                <a:latin typeface="Source Sans Pro" panose="020B0503030403020204" pitchFamily="34" charset="0"/>
-                <a:ea typeface="Source Sans Pro" panose="020B0503030403020204" pitchFamily="34" charset="0"/>
-              </a:rPr>
-              <a:t>distributed</a:t>
-            </a:r>
-            <a:r>
-              <a:rPr lang="de-DE" sz="2400" dirty="0">
-                <a:latin typeface="Source Sans Pro" panose="020B0503030403020204" pitchFamily="34" charset="0"/>
-                <a:ea typeface="Source Sans Pro" panose="020B0503030403020204" pitchFamily="34" charset="0"/>
-              </a:rPr>
-              <a:t>, a </a:t>
-            </a:r>
-            <a:r>
-              <a:rPr lang="de-DE" sz="2400" dirty="0" err="1">
-                <a:latin typeface="Source Sans Pro" panose="020B0503030403020204" pitchFamily="34" charset="0"/>
-                <a:ea typeface="Source Sans Pro" panose="020B0503030403020204" pitchFamily="34" charset="0"/>
-              </a:rPr>
-              <a:t>one-sided</a:t>
-            </a:r>
-            <a:r>
-              <a:rPr lang="de-DE" sz="2400" dirty="0">
-                <a:latin typeface="Source Sans Pro" panose="020B0503030403020204" pitchFamily="34" charset="0"/>
-                <a:ea typeface="Source Sans Pro" panose="020B0503030403020204" pitchFamily="34" charset="0"/>
-              </a:rPr>
-              <a:t> t-test was </a:t>
-            </a:r>
-            <a:r>
-              <a:rPr lang="de-DE" sz="2400" dirty="0" err="1">
-                <a:latin typeface="Source Sans Pro" panose="020B0503030403020204" pitchFamily="34" charset="0"/>
-                <a:ea typeface="Source Sans Pro" panose="020B0503030403020204" pitchFamily="34" charset="0"/>
-              </a:rPr>
-              <a:t>used</a:t>
-            </a:r>
-            <a:r>
-              <a:rPr lang="de-DE" sz="2400" dirty="0">
-                <a:latin typeface="Source Sans Pro" panose="020B0503030403020204" pitchFamily="34" charset="0"/>
-                <a:ea typeface="Source Sans Pro" panose="020B0503030403020204" pitchFamily="34" charset="0"/>
-              </a:rPr>
-              <a:t> </a:t>
-            </a:r>
-            <a:r>
-              <a:rPr lang="de-DE" sz="2400" dirty="0" err="1">
-                <a:latin typeface="Source Sans Pro" panose="020B0503030403020204" pitchFamily="34" charset="0"/>
-                <a:ea typeface="Source Sans Pro" panose="020B0503030403020204" pitchFamily="34" charset="0"/>
-              </a:rPr>
-              <a:t>to</a:t>
-            </a:r>
-            <a:r>
-              <a:rPr lang="de-DE" sz="2400" dirty="0">
-                <a:latin typeface="Source Sans Pro" panose="020B0503030403020204" pitchFamily="34" charset="0"/>
-                <a:ea typeface="Source Sans Pro" panose="020B0503030403020204" pitchFamily="34" charset="0"/>
-              </a:rPr>
-              <a:t> </a:t>
-            </a:r>
-            <a:r>
-              <a:rPr lang="de-DE" sz="2400" dirty="0" err="1">
-                <a:latin typeface="Source Sans Pro" panose="020B0503030403020204" pitchFamily="34" charset="0"/>
-                <a:ea typeface="Source Sans Pro" panose="020B0503030403020204" pitchFamily="34" charset="0"/>
-              </a:rPr>
-              <a:t>assess</a:t>
-            </a:r>
-            <a:r>
-              <a:rPr lang="de-DE" sz="2400" dirty="0">
-                <a:latin typeface="Source Sans Pro" panose="020B0503030403020204" pitchFamily="34" charset="0"/>
-                <a:ea typeface="Source Sans Pro" panose="020B0503030403020204" pitchFamily="34" charset="0"/>
-              </a:rPr>
-              <a:t> </a:t>
-            </a:r>
-            <a:r>
-              <a:rPr lang="de-DE" sz="2400" dirty="0" err="1">
-                <a:latin typeface="Source Sans Pro" panose="020B0503030403020204" pitchFamily="34" charset="0"/>
-                <a:ea typeface="Source Sans Pro" panose="020B0503030403020204" pitchFamily="34" charset="0"/>
-              </a:rPr>
-              <a:t>whether</a:t>
-            </a:r>
-            <a:r>
-              <a:rPr lang="de-DE" sz="2400" dirty="0">
-                <a:latin typeface="Source Sans Pro" panose="020B0503030403020204" pitchFamily="34" charset="0"/>
-                <a:ea typeface="Source Sans Pro" panose="020B0503030403020204" pitchFamily="34" charset="0"/>
-              </a:rPr>
-              <a:t> </a:t>
-            </a:r>
-            <a:r>
-              <a:rPr lang="de-DE" sz="2400" dirty="0" err="1">
-                <a:latin typeface="Source Sans Pro" panose="020B0503030403020204" pitchFamily="34" charset="0"/>
-                <a:ea typeface="Source Sans Pro" panose="020B0503030403020204" pitchFamily="34" charset="0"/>
-              </a:rPr>
-              <a:t>the</a:t>
-            </a:r>
-            <a:r>
-              <a:rPr lang="de-DE" sz="2400" dirty="0">
-                <a:latin typeface="Source Sans Pro" panose="020B0503030403020204" pitchFamily="34" charset="0"/>
-                <a:ea typeface="Source Sans Pro" panose="020B0503030403020204" pitchFamily="34" charset="0"/>
-              </a:rPr>
-              <a:t> </a:t>
-            </a:r>
-            <a:r>
-              <a:rPr lang="de-DE" sz="2400" dirty="0" err="1">
-                <a:latin typeface="Source Sans Pro" panose="020B0503030403020204" pitchFamily="34" charset="0"/>
-                <a:ea typeface="Source Sans Pro" panose="020B0503030403020204" pitchFamily="34" charset="0"/>
-              </a:rPr>
-              <a:t>mean</a:t>
-            </a:r>
-            <a:r>
-              <a:rPr lang="de-DE" sz="2400" dirty="0">
-                <a:latin typeface="Source Sans Pro" panose="020B0503030403020204" pitchFamily="34" charset="0"/>
-                <a:ea typeface="Source Sans Pro" panose="020B0503030403020204" pitchFamily="34" charset="0"/>
-              </a:rPr>
-              <a:t> shift </a:t>
-            </a:r>
-            <a:r>
-              <a:rPr lang="de-DE" sz="2400" dirty="0" err="1">
-                <a:latin typeface="Source Sans Pro" panose="020B0503030403020204" pitchFamily="34" charset="0"/>
-                <a:ea typeface="Source Sans Pro" panose="020B0503030403020204" pitchFamily="34" charset="0"/>
-              </a:rPr>
-              <a:t>exceeded</a:t>
-            </a:r>
-            <a:r>
-              <a:rPr lang="de-DE" sz="2400" dirty="0">
-                <a:latin typeface="Source Sans Pro" panose="020B0503030403020204" pitchFamily="34" charset="0"/>
-                <a:ea typeface="Source Sans Pro" panose="020B0503030403020204" pitchFamily="34" charset="0"/>
-              </a:rPr>
-              <a:t> 1. </a:t>
-            </a:r>
-          </a:p>
-          <a:p>
-            <a:pPr algn="just"/>
-            <a:endParaRPr lang="de-DE" sz="1000" dirty="0">
-              <a:latin typeface="Source Sans Pro" panose="020B0503030403020204" pitchFamily="34" charset="0"/>
-              <a:ea typeface="Source Sans Pro" panose="020B0503030403020204" pitchFamily="34" charset="0"/>
-            </a:endParaRPr>
-          </a:p>
-          <a:p>
-            <a:pPr algn="just"/>
-            <a:r>
-              <a:rPr lang="de-DE" sz="2400" dirty="0">
-                <a:latin typeface="Source Sans Pro" panose="020B0503030403020204" pitchFamily="34" charset="0"/>
-                <a:ea typeface="Source Sans Pro" panose="020B0503030403020204" pitchFamily="34" charset="0"/>
-              </a:rPr>
-              <a:t>Out </a:t>
-            </a:r>
-            <a:r>
-              <a:rPr lang="de-DE" sz="2400" dirty="0" err="1">
-                <a:latin typeface="Source Sans Pro" panose="020B0503030403020204" pitchFamily="34" charset="0"/>
-                <a:ea typeface="Source Sans Pro" panose="020B0503030403020204" pitchFamily="34" charset="0"/>
-              </a:rPr>
-              <a:t>of</a:t>
-            </a:r>
-            <a:r>
-              <a:rPr lang="de-DE" sz="2400" dirty="0">
-                <a:latin typeface="Source Sans Pro" panose="020B0503030403020204" pitchFamily="34" charset="0"/>
-                <a:ea typeface="Source Sans Pro" panose="020B0503030403020204" pitchFamily="34" charset="0"/>
-              </a:rPr>
-              <a:t> 7159 </a:t>
-            </a:r>
-            <a:r>
-              <a:rPr lang="de-DE" sz="2400" dirty="0" err="1">
+              <a:t>Out of 7159 </a:t>
+            </a:r>
+            <a:r>
+              <a:rPr lang="en-US" sz="2400" noProof="0" dirty="0" err="1">
                 <a:latin typeface="Source Sans Pro" panose="020B0503030403020204" pitchFamily="34" charset="0"/>
                 <a:ea typeface="Source Sans Pro" panose="020B0503030403020204" pitchFamily="34" charset="0"/>
               </a:rPr>
               <a:t>analysed</a:t>
             </a:r>
             <a:r>
-              <a:rPr lang="de-DE" sz="2400" dirty="0">
+              <a:rPr lang="en-US" sz="2400" noProof="0" dirty="0">
                 <a:latin typeface="Source Sans Pro" panose="020B0503030403020204" pitchFamily="34" charset="0"/>
                 <a:ea typeface="Source Sans Pro" panose="020B0503030403020204" pitchFamily="34" charset="0"/>
               </a:rPr>
               <a:t> Proteins, </a:t>
             </a:r>
             <a:r>
-              <a:rPr lang="de-DE" sz="2400" b="1" dirty="0">
+              <a:rPr lang="en-US" sz="2400" b="1" noProof="0" dirty="0">
                 <a:latin typeface="Source Sans Pro" panose="020B0503030403020204" pitchFamily="34" charset="0"/>
                 <a:ea typeface="Source Sans Pro" panose="020B0503030403020204" pitchFamily="34" charset="0"/>
               </a:rPr>
               <a:t>794 </a:t>
             </a:r>
             <a:r>
-              <a:rPr lang="de-DE" sz="2400" b="1" dirty="0" err="1">
+              <a:rPr lang="en-US" sz="2400" b="1" noProof="0" dirty="0" err="1">
                 <a:latin typeface="Source Sans Pro" panose="020B0503030403020204" pitchFamily="34" charset="0"/>
                 <a:ea typeface="Source Sans Pro" panose="020B0503030403020204" pitchFamily="34" charset="0"/>
               </a:rPr>
               <a:t>exihibited</a:t>
             </a:r>
             <a:r>
-              <a:rPr lang="de-DE" sz="2400" b="1" dirty="0">
+              <a:rPr lang="en-US" sz="2400" b="1" noProof="0" dirty="0">
                 <a:latin typeface="Source Sans Pro" panose="020B0503030403020204" pitchFamily="34" charset="0"/>
                 <a:ea typeface="Source Sans Pro" panose="020B0503030403020204" pitchFamily="34" charset="0"/>
               </a:rPr>
-              <a:t> a </a:t>
-            </a:r>
-            <a:r>
-              <a:rPr lang="de-DE" sz="2400" b="1" dirty="0" err="1">
+              <a:t> a significant shift  </a:t>
+            </a:r>
+            <a:r>
+              <a:rPr lang="en-US" sz="2400" noProof="0" dirty="0">
                 <a:latin typeface="Source Sans Pro" panose="020B0503030403020204" pitchFamily="34" charset="0"/>
                 <a:ea typeface="Source Sans Pro" panose="020B0503030403020204" pitchFamily="34" charset="0"/>
               </a:rPr>
-              <a:t>significant</a:t>
-            </a:r>
-            <a:r>
-              <a:rPr lang="de-DE" sz="2400" b="1" dirty="0">
-                <a:latin typeface="Source Sans Pro" panose="020B0503030403020204" pitchFamily="34" charset="0"/>
-                <a:ea typeface="Source Sans Pro" panose="020B0503030403020204" pitchFamily="34" charset="0"/>
-              </a:rPr>
-              <a:t> shift  </a:t>
-            </a:r>
-            <a:r>
-              <a:rPr lang="de-DE" sz="2400" dirty="0">
-                <a:latin typeface="Source Sans Pro" panose="020B0503030403020204" pitchFamily="34" charset="0"/>
-                <a:ea typeface="Source Sans Pro" panose="020B0503030403020204" pitchFamily="34" charset="0"/>
-              </a:rPr>
-              <a:t>and </a:t>
-            </a:r>
-            <a:r>
-              <a:rPr lang="de-DE" sz="2400" dirty="0" err="1">
-                <a:latin typeface="Source Sans Pro" panose="020B0503030403020204" pitchFamily="34" charset="0"/>
-                <a:ea typeface="Source Sans Pro" panose="020B0503030403020204" pitchFamily="34" charset="0"/>
-              </a:rPr>
-              <a:t>where</a:t>
-            </a:r>
-            <a:r>
-              <a:rPr lang="de-DE" sz="2400" dirty="0">
-                <a:latin typeface="Source Sans Pro" panose="020B0503030403020204" pitchFamily="34" charset="0"/>
-                <a:ea typeface="Source Sans Pro" panose="020B0503030403020204" pitchFamily="34" charset="0"/>
-              </a:rPr>
-              <a:t> </a:t>
-            </a:r>
-            <a:r>
-              <a:rPr lang="de-DE" sz="2400" dirty="0" err="1">
-                <a:latin typeface="Source Sans Pro" panose="020B0503030403020204" pitchFamily="34" charset="0"/>
-                <a:ea typeface="Source Sans Pro" panose="020B0503030403020204" pitchFamily="34" charset="0"/>
-              </a:rPr>
-              <a:t>classified</a:t>
-            </a:r>
-            <a:r>
-              <a:rPr lang="de-DE" sz="2400" dirty="0">
-                <a:latin typeface="Source Sans Pro" panose="020B0503030403020204" pitchFamily="34" charset="0"/>
-                <a:ea typeface="Source Sans Pro" panose="020B0503030403020204" pitchFamily="34" charset="0"/>
-              </a:rPr>
-              <a:t> </a:t>
-            </a:r>
-            <a:r>
-              <a:rPr lang="de-DE" sz="2400" dirty="0" err="1">
-                <a:latin typeface="Source Sans Pro" panose="020B0503030403020204" pitchFamily="34" charset="0"/>
-                <a:ea typeface="Source Sans Pro" panose="020B0503030403020204" pitchFamily="34" charset="0"/>
-              </a:rPr>
-              <a:t>as</a:t>
-            </a:r>
-            <a:r>
-              <a:rPr lang="de-DE" sz="2400" dirty="0">
-                <a:latin typeface="Source Sans Pro" panose="020B0503030403020204" pitchFamily="34" charset="0"/>
-                <a:ea typeface="Source Sans Pro" panose="020B0503030403020204" pitchFamily="34" charset="0"/>
-              </a:rPr>
-              <a:t> RBPs. </a:t>
+              <a:t>and where classified as RBPs. </a:t>
             </a:r>
           </a:p>
           <a:p>
             <a:pPr algn="just"/>
-            <a:endParaRPr lang="de-DE" sz="2400" dirty="0">
+            <a:endParaRPr lang="en-US" sz="2400" noProof="0" dirty="0">
               <a:latin typeface="Source Sans Pro" panose="020B0503030403020204" pitchFamily="34" charset="0"/>
               <a:ea typeface="Source Sans Pro" panose="020B0503030403020204" pitchFamily="34" charset="0"/>
             </a:endParaRPr>
           </a:p>
           <a:p>
-            <a:endParaRPr lang="en-US" dirty="0"/>
+            <a:endParaRPr lang="en-US" noProof="0" dirty="0"/>
           </a:p>
         </p:txBody>
       </p:sp>
@@ -9357,7 +8332,7 @@
         </p:nvSpPr>
         <p:spPr>
           <a:xfrm>
-            <a:off x="10202964" y="20184847"/>
+            <a:off x="10205042" y="21096358"/>
             <a:ext cx="4488326" cy="646331"/>
           </a:xfrm>
           <a:prstGeom prst="rect">
@@ -9373,233 +8348,40 @@
           <a:p>
             <a:pPr algn="just"/>
             <a:r>
-              <a:rPr lang="de-DE" sz="1200" b="1" i="1" dirty="0">
+              <a:rPr lang="en-US" sz="1200" b="1" i="1" dirty="0">
                 <a:latin typeface="Source Sans Pro" panose="020B0503030403020204" pitchFamily="34" charset="0"/>
                 <a:ea typeface="Source Sans Pro" panose="020B0503030403020204" pitchFamily="34" charset="0"/>
               </a:rPr>
-              <a:t>Abb. X </a:t>
-            </a:r>
-            <a:r>
-              <a:rPr lang="de-DE" sz="1200" b="1" i="1" dirty="0" err="1">
+              <a:t>Fig</a:t>
+            </a:r>
+            <a:r>
+              <a:rPr lang="en-US" sz="1200" b="1" i="1" noProof="0" dirty="0">
                 <a:latin typeface="Source Sans Pro" panose="020B0503030403020204" pitchFamily="34" charset="0"/>
                 <a:ea typeface="Source Sans Pro" panose="020B0503030403020204" pitchFamily="34" charset="0"/>
               </a:rPr>
-              <a:t>Results</a:t>
-            </a:r>
-            <a:r>
-              <a:rPr lang="de-DE" sz="1200" b="1" i="1" dirty="0">
-                <a:latin typeface="Source Sans Pro" panose="020B0503030403020204" pitchFamily="34" charset="0"/>
-                <a:ea typeface="Source Sans Pro" panose="020B0503030403020204" pitchFamily="34" charset="0"/>
-              </a:rPr>
-              <a:t> and </a:t>
-            </a:r>
-            <a:r>
-              <a:rPr lang="de-DE" sz="1200" b="1" i="1" dirty="0" err="1">
-                <a:latin typeface="Source Sans Pro" panose="020B0503030403020204" pitchFamily="34" charset="0"/>
-                <a:ea typeface="Source Sans Pro" panose="020B0503030403020204" pitchFamily="34" charset="0"/>
-              </a:rPr>
-              <a:t>Limitations</a:t>
-            </a:r>
-            <a:r>
-              <a:rPr lang="de-DE" sz="1200" b="1" i="1" dirty="0">
-                <a:latin typeface="Source Sans Pro" panose="020B0503030403020204" pitchFamily="34" charset="0"/>
-                <a:ea typeface="Source Sans Pro" panose="020B0503030403020204" pitchFamily="34" charset="0"/>
-              </a:rPr>
-              <a:t> </a:t>
-            </a:r>
-            <a:r>
-              <a:rPr lang="de-DE" sz="1200" b="1" i="1" dirty="0" err="1">
-                <a:latin typeface="Source Sans Pro" panose="020B0503030403020204" pitchFamily="34" charset="0"/>
-                <a:ea typeface="Source Sans Pro" panose="020B0503030403020204" pitchFamily="34" charset="0"/>
-              </a:rPr>
-              <a:t>of</a:t>
-            </a:r>
-            <a:r>
-              <a:rPr lang="de-DE" sz="1200" b="1" i="1" dirty="0">
-                <a:latin typeface="Source Sans Pro" panose="020B0503030403020204" pitchFamily="34" charset="0"/>
-                <a:ea typeface="Source Sans Pro" panose="020B0503030403020204" pitchFamily="34" charset="0"/>
-              </a:rPr>
-              <a:t> Shift </a:t>
-            </a:r>
-            <a:r>
-              <a:rPr lang="de-DE" sz="1200" b="1" i="1" dirty="0" err="1">
+              <a:t>. X Results and Limitations of Shift </a:t>
+            </a:r>
+            <a:r>
+              <a:rPr lang="en-US" sz="1200" b="1" i="1" noProof="0" dirty="0" err="1">
                 <a:latin typeface="Source Sans Pro" panose="020B0503030403020204" pitchFamily="34" charset="0"/>
                 <a:ea typeface="Source Sans Pro" panose="020B0503030403020204" pitchFamily="34" charset="0"/>
               </a:rPr>
               <a:t>Sginificance</a:t>
             </a:r>
             <a:r>
-              <a:rPr lang="de-DE" sz="1200" b="1" i="1" dirty="0">
+              <a:rPr lang="en-US" sz="1200" b="1" i="1" noProof="0" dirty="0">
                 <a:latin typeface="Source Sans Pro" panose="020B0503030403020204" pitchFamily="34" charset="0"/>
                 <a:ea typeface="Source Sans Pro" panose="020B0503030403020204" pitchFamily="34" charset="0"/>
               </a:rPr>
-              <a:t> </a:t>
-            </a:r>
-            <a:r>
-              <a:rPr lang="de-DE" sz="1200" b="1" i="1" dirty="0" err="1">
+              <a:t> Testing: </a:t>
+            </a:r>
+            <a:r>
+              <a:rPr lang="en-US" sz="1200" i="1" noProof="0" dirty="0">
                 <a:latin typeface="Source Sans Pro" panose="020B0503030403020204" pitchFamily="34" charset="0"/>
                 <a:ea typeface="Source Sans Pro" panose="020B0503030403020204" pitchFamily="34" charset="0"/>
               </a:rPr>
-              <a:t>Testing</a:t>
-            </a:r>
-            <a:r>
-              <a:rPr lang="de-DE" sz="1200" b="1" i="1" dirty="0">
-                <a:latin typeface="Source Sans Pro" panose="020B0503030403020204" pitchFamily="34" charset="0"/>
-                <a:ea typeface="Source Sans Pro" panose="020B0503030403020204" pitchFamily="34" charset="0"/>
-              </a:rPr>
-              <a:t>: </a:t>
-            </a:r>
-            <a:r>
-              <a:rPr lang="de-DE" sz="1200" i="1" dirty="0">
-                <a:latin typeface="Source Sans Pro" panose="020B0503030403020204" pitchFamily="34" charset="0"/>
-                <a:ea typeface="Source Sans Pro" panose="020B0503030403020204" pitchFamily="34" charset="0"/>
-              </a:rPr>
-              <a:t>Outcome </a:t>
-            </a:r>
-            <a:r>
-              <a:rPr lang="de-DE" sz="1200" i="1" dirty="0" err="1">
-                <a:latin typeface="Source Sans Pro" panose="020B0503030403020204" pitchFamily="34" charset="0"/>
-                <a:ea typeface="Source Sans Pro" panose="020B0503030403020204" pitchFamily="34" charset="0"/>
-              </a:rPr>
-              <a:t>of</a:t>
-            </a:r>
-            <a:r>
-              <a:rPr lang="de-DE" sz="1200" i="1" dirty="0">
-                <a:latin typeface="Source Sans Pro" panose="020B0503030403020204" pitchFamily="34" charset="0"/>
-                <a:ea typeface="Source Sans Pro" panose="020B0503030403020204" pitchFamily="34" charset="0"/>
-              </a:rPr>
-              <a:t> t-test and </a:t>
-            </a:r>
-            <a:r>
-              <a:rPr lang="de-DE" sz="1200" i="1" dirty="0" err="1">
-                <a:latin typeface="Source Sans Pro" panose="020B0503030403020204" pitchFamily="34" charset="0"/>
-                <a:ea typeface="Source Sans Pro" panose="020B0503030403020204" pitchFamily="34" charset="0"/>
-              </a:rPr>
-              <a:t>pipeline</a:t>
-            </a:r>
-            <a:r>
-              <a:rPr lang="de-DE" sz="1200" i="1" dirty="0">
-                <a:latin typeface="Source Sans Pro" panose="020B0503030403020204" pitchFamily="34" charset="0"/>
-                <a:ea typeface="Source Sans Pro" panose="020B0503030403020204" pitchFamily="34" charset="0"/>
-              </a:rPr>
-              <a:t> </a:t>
-            </a:r>
-            <a:r>
-              <a:rPr lang="de-DE" sz="1200" i="1" dirty="0" err="1">
-                <a:latin typeface="Source Sans Pro" panose="020B0503030403020204" pitchFamily="34" charset="0"/>
-                <a:ea typeface="Source Sans Pro" panose="020B0503030403020204" pitchFamily="34" charset="0"/>
-              </a:rPr>
-              <a:t>evaluation</a:t>
-            </a:r>
-            <a:r>
-              <a:rPr lang="de-DE" sz="1200" i="1" dirty="0">
-                <a:latin typeface="Source Sans Pro" panose="020B0503030403020204" pitchFamily="34" charset="0"/>
-                <a:ea typeface="Source Sans Pro" panose="020B0503030403020204" pitchFamily="34" charset="0"/>
-              </a:rPr>
-              <a:t> </a:t>
-            </a:r>
-            <a:r>
-              <a:rPr lang="de-DE" sz="1200" i="1" dirty="0" err="1">
-                <a:latin typeface="Source Sans Pro" panose="020B0503030403020204" pitchFamily="34" charset="0"/>
-                <a:ea typeface="Source Sans Pro" panose="020B0503030403020204" pitchFamily="34" charset="0"/>
-              </a:rPr>
-              <a:t>for</a:t>
-            </a:r>
-            <a:r>
-              <a:rPr lang="de-DE" sz="1200" i="1" dirty="0">
-                <a:latin typeface="Source Sans Pro" panose="020B0503030403020204" pitchFamily="34" charset="0"/>
-                <a:ea typeface="Source Sans Pro" panose="020B0503030403020204" pitchFamily="34" charset="0"/>
-              </a:rPr>
-              <a:t> all </a:t>
-            </a:r>
-            <a:r>
-              <a:rPr lang="de-DE" sz="1200" i="1" dirty="0" err="1">
-                <a:latin typeface="Source Sans Pro" panose="020B0503030403020204" pitchFamily="34" charset="0"/>
-                <a:ea typeface="Source Sans Pro" panose="020B0503030403020204" pitchFamily="34" charset="0"/>
-              </a:rPr>
-              <a:t>proteins</a:t>
-            </a:r>
-            <a:r>
-              <a:rPr lang="de-DE" sz="1200" i="1" dirty="0">
-                <a:latin typeface="Source Sans Pro" panose="020B0503030403020204" pitchFamily="34" charset="0"/>
-                <a:ea typeface="Source Sans Pro" panose="020B0503030403020204" pitchFamily="34" charset="0"/>
-              </a:rPr>
-              <a:t>, </a:t>
-            </a:r>
-            <a:r>
-              <a:rPr lang="de-DE" sz="1200" i="1" dirty="0" err="1">
-                <a:latin typeface="Source Sans Pro" panose="020B0503030403020204" pitchFamily="34" charset="0"/>
-                <a:ea typeface="Source Sans Pro" panose="020B0503030403020204" pitchFamily="34" charset="0"/>
-              </a:rPr>
-              <a:t>with</a:t>
-            </a:r>
-            <a:r>
-              <a:rPr lang="de-DE" sz="1200" i="1" dirty="0">
-                <a:latin typeface="Source Sans Pro" panose="020B0503030403020204" pitchFamily="34" charset="0"/>
-                <a:ea typeface="Source Sans Pro" panose="020B0503030403020204" pitchFamily="34" charset="0"/>
-              </a:rPr>
-              <a:t> </a:t>
-            </a:r>
-            <a:r>
-              <a:rPr lang="de-DE" sz="1200" i="1" dirty="0" err="1">
-                <a:latin typeface="Source Sans Pro" panose="020B0503030403020204" pitchFamily="34" charset="0"/>
-                <a:ea typeface="Source Sans Pro" panose="020B0503030403020204" pitchFamily="34" charset="0"/>
-              </a:rPr>
-              <a:t>representation</a:t>
-            </a:r>
-            <a:r>
-              <a:rPr lang="de-DE" sz="1200" i="1" dirty="0">
-                <a:latin typeface="Source Sans Pro" panose="020B0503030403020204" pitchFamily="34" charset="0"/>
-                <a:ea typeface="Source Sans Pro" panose="020B0503030403020204" pitchFamily="34" charset="0"/>
-              </a:rPr>
-              <a:t> </a:t>
-            </a:r>
-            <a:r>
-              <a:rPr lang="de-DE" sz="1200" i="1" dirty="0" err="1">
-                <a:latin typeface="Source Sans Pro" panose="020B0503030403020204" pitchFamily="34" charset="0"/>
-                <a:ea typeface="Source Sans Pro" panose="020B0503030403020204" pitchFamily="34" charset="0"/>
-              </a:rPr>
-              <a:t>of</a:t>
-            </a:r>
-            <a:r>
-              <a:rPr lang="de-DE" sz="1200" i="1" dirty="0">
-                <a:latin typeface="Source Sans Pro" panose="020B0503030403020204" pitchFamily="34" charset="0"/>
-                <a:ea typeface="Source Sans Pro" panose="020B0503030403020204" pitchFamily="34" charset="0"/>
-              </a:rPr>
-              <a:t> all </a:t>
-            </a:r>
-            <a:r>
-              <a:rPr lang="de-DE" sz="1200" i="1" dirty="0" err="1">
-                <a:latin typeface="Source Sans Pro" panose="020B0503030403020204" pitchFamily="34" charset="0"/>
-                <a:ea typeface="Source Sans Pro" panose="020B0503030403020204" pitchFamily="34" charset="0"/>
-              </a:rPr>
-              <a:t>excluded</a:t>
-            </a:r>
-            <a:r>
-              <a:rPr lang="de-DE" sz="1200" i="1" dirty="0">
-                <a:latin typeface="Source Sans Pro" panose="020B0503030403020204" pitchFamily="34" charset="0"/>
-                <a:ea typeface="Source Sans Pro" panose="020B0503030403020204" pitchFamily="34" charset="0"/>
-              </a:rPr>
-              <a:t> </a:t>
-            </a:r>
-            <a:r>
-              <a:rPr lang="de-DE" sz="1200" i="1" dirty="0" err="1">
-                <a:latin typeface="Source Sans Pro" panose="020B0503030403020204" pitchFamily="34" charset="0"/>
-                <a:ea typeface="Source Sans Pro" panose="020B0503030403020204" pitchFamily="34" charset="0"/>
-              </a:rPr>
-              <a:t>proteins</a:t>
-            </a:r>
-            <a:r>
-              <a:rPr lang="de-DE" sz="1200" i="1" dirty="0">
-                <a:latin typeface="Source Sans Pro" panose="020B0503030403020204" pitchFamily="34" charset="0"/>
-                <a:ea typeface="Source Sans Pro" panose="020B0503030403020204" pitchFamily="34" charset="0"/>
-              </a:rPr>
-              <a:t>. </a:t>
-            </a:r>
-            <a:endParaRPr lang="en-US" sz="1200" i="1" dirty="0">
-              <a:latin typeface="Source Sans Pro" panose="020B0503030403020204" pitchFamily="34" charset="0"/>
-              <a:ea typeface="Source Sans Pro" panose="020B0503030403020204" pitchFamily="34" charset="0"/>
-            </a:endParaRPr>
+              <a:t>Outcome of t-test and pipeline evaluation for all proteins, with representation of all excluded proteins. </a:t>
+            </a:r>
           </a:p>
         </p:txBody>
       </p:sp>
@@ -9617,7 +8399,7 @@
         </p:nvSpPr>
         <p:spPr>
           <a:xfrm>
-            <a:off x="8408304" y="15749398"/>
+            <a:off x="8478844" y="16779116"/>
             <a:ext cx="6282985" cy="461665"/>
           </a:xfrm>
           <a:prstGeom prst="rect">
@@ -9632,300 +8414,359 @@
           <a:lstStyle/>
           <a:p>
             <a:r>
-              <a:rPr lang="de-DE" sz="1200" b="1" i="1" dirty="0">
+              <a:rPr lang="en-US" sz="1200" b="1" i="1" dirty="0">
                 <a:latin typeface="Source Sans Pro" panose="020B0503030403020204" pitchFamily="34" charset="0"/>
                 <a:ea typeface="Source Sans Pro" panose="020B0503030403020204" pitchFamily="34" charset="0"/>
               </a:rPr>
-              <a:t>Abb. X  </a:t>
-            </a:r>
-            <a:r>
-              <a:rPr lang="de-DE" sz="1200" b="1" i="1" dirty="0" err="1">
+              <a:t>Fig</a:t>
+            </a:r>
+            <a:r>
+              <a:rPr lang="en-US" sz="1200" b="1" i="1" noProof="0" dirty="0">
                 <a:latin typeface="Source Sans Pro" panose="020B0503030403020204" pitchFamily="34" charset="0"/>
                 <a:ea typeface="Source Sans Pro" panose="020B0503030403020204" pitchFamily="34" charset="0"/>
               </a:rPr>
-              <a:t>Intensity</a:t>
-            </a:r>
-            <a:r>
-              <a:rPr lang="de-DE" sz="1200" b="1" i="1" dirty="0">
+              <a:t>. X  Intensity profile of RS6 : </a:t>
+            </a:r>
+            <a:r>
+              <a:rPr lang="en-US" sz="1200" i="1" noProof="0" dirty="0">
                 <a:latin typeface="Source Sans Pro" panose="020B0503030403020204" pitchFamily="34" charset="0"/>
                 <a:ea typeface="Source Sans Pro" panose="020B0503030403020204" pitchFamily="34" charset="0"/>
               </a:rPr>
-              <a:t> </a:t>
-            </a:r>
-            <a:r>
-              <a:rPr lang="de-DE" sz="1200" b="1" i="1" dirty="0" err="1">
-                <a:latin typeface="Source Sans Pro" panose="020B0503030403020204" pitchFamily="34" charset="0"/>
-                <a:ea typeface="Source Sans Pro" panose="020B0503030403020204" pitchFamily="34" charset="0"/>
-              </a:rPr>
-              <a:t>profile</a:t>
-            </a:r>
-            <a:r>
-              <a:rPr lang="de-DE" sz="1200" b="1" i="1" dirty="0">
-                <a:latin typeface="Source Sans Pro" panose="020B0503030403020204" pitchFamily="34" charset="0"/>
-                <a:ea typeface="Source Sans Pro" panose="020B0503030403020204" pitchFamily="34" charset="0"/>
-              </a:rPr>
-              <a:t> </a:t>
-            </a:r>
-            <a:r>
-              <a:rPr lang="de-DE" sz="1200" b="1" i="1" dirty="0" err="1">
-                <a:latin typeface="Source Sans Pro" panose="020B0503030403020204" pitchFamily="34" charset="0"/>
-                <a:ea typeface="Source Sans Pro" panose="020B0503030403020204" pitchFamily="34" charset="0"/>
-              </a:rPr>
-              <a:t>of</a:t>
-            </a:r>
-            <a:r>
-              <a:rPr lang="de-DE" sz="1200" b="1" i="1" dirty="0">
-                <a:latin typeface="Source Sans Pro" panose="020B0503030403020204" pitchFamily="34" charset="0"/>
-                <a:ea typeface="Source Sans Pro" panose="020B0503030403020204" pitchFamily="34" charset="0"/>
-              </a:rPr>
-              <a:t> RS6 : </a:t>
-            </a:r>
-            <a:r>
-              <a:rPr lang="de-DE" sz="1200" i="1" dirty="0">
-                <a:latin typeface="Source Sans Pro" panose="020B0503030403020204" pitchFamily="34" charset="0"/>
-                <a:ea typeface="Source Sans Pro" panose="020B0503030403020204" pitchFamily="34" charset="0"/>
-              </a:rPr>
-              <a:t>Plot </a:t>
-            </a:r>
-            <a:r>
-              <a:rPr lang="de-DE" sz="1200" i="1" dirty="0" err="1">
-                <a:latin typeface="Source Sans Pro" panose="020B0503030403020204" pitchFamily="34" charset="0"/>
-                <a:ea typeface="Source Sans Pro" panose="020B0503030403020204" pitchFamily="34" charset="0"/>
-              </a:rPr>
-              <a:t>shows</a:t>
-            </a:r>
-            <a:r>
-              <a:rPr lang="de-DE" sz="1200" i="1" dirty="0">
-                <a:latin typeface="Source Sans Pro" panose="020B0503030403020204" pitchFamily="34" charset="0"/>
-                <a:ea typeface="Source Sans Pro" panose="020B0503030403020204" pitchFamily="34" charset="0"/>
-              </a:rPr>
-              <a:t> </a:t>
-            </a:r>
-            <a:r>
-              <a:rPr lang="de-DE" sz="1200" i="1" dirty="0" err="1">
-                <a:latin typeface="Source Sans Pro" panose="020B0503030403020204" pitchFamily="34" charset="0"/>
-                <a:ea typeface="Source Sans Pro" panose="020B0503030403020204" pitchFamily="34" charset="0"/>
-              </a:rPr>
-              <a:t>normalized</a:t>
-            </a:r>
-            <a:r>
-              <a:rPr lang="de-DE" sz="1200" i="1" dirty="0">
-                <a:latin typeface="Source Sans Pro" panose="020B0503030403020204" pitchFamily="34" charset="0"/>
-                <a:ea typeface="Source Sans Pro" panose="020B0503030403020204" pitchFamily="34" charset="0"/>
-              </a:rPr>
-              <a:t> </a:t>
-            </a:r>
-            <a:r>
-              <a:rPr lang="de-DE" sz="1200" i="1" dirty="0" err="1">
-                <a:latin typeface="Source Sans Pro" panose="020B0503030403020204" pitchFamily="34" charset="0"/>
-                <a:ea typeface="Source Sans Pro" panose="020B0503030403020204" pitchFamily="34" charset="0"/>
-              </a:rPr>
-              <a:t>signal</a:t>
-            </a:r>
-            <a:r>
-              <a:rPr lang="de-DE" sz="1200" i="1" dirty="0">
-                <a:latin typeface="Source Sans Pro" panose="020B0503030403020204" pitchFamily="34" charset="0"/>
-                <a:ea typeface="Source Sans Pro" panose="020B0503030403020204" pitchFamily="34" charset="0"/>
-              </a:rPr>
-              <a:t> </a:t>
-            </a:r>
-            <a:r>
-              <a:rPr lang="de-DE" sz="1200" i="1" dirty="0" err="1">
-                <a:latin typeface="Source Sans Pro" panose="020B0503030403020204" pitchFamily="34" charset="0"/>
-                <a:ea typeface="Source Sans Pro" panose="020B0503030403020204" pitchFamily="34" charset="0"/>
-              </a:rPr>
-              <a:t>distributions</a:t>
-            </a:r>
-            <a:r>
-              <a:rPr lang="de-DE" sz="1200" i="1" dirty="0">
-                <a:latin typeface="Source Sans Pro" panose="020B0503030403020204" pitchFamily="34" charset="0"/>
-                <a:ea typeface="Source Sans Pro" panose="020B0503030403020204" pitchFamily="34" charset="0"/>
-              </a:rPr>
-              <a:t> </a:t>
-            </a:r>
-            <a:r>
-              <a:rPr lang="de-DE" sz="1200" i="1" dirty="0" err="1">
-                <a:latin typeface="Source Sans Pro" panose="020B0503030403020204" pitchFamily="34" charset="0"/>
-                <a:ea typeface="Source Sans Pro" panose="020B0503030403020204" pitchFamily="34" charset="0"/>
-              </a:rPr>
-              <a:t>as</a:t>
-            </a:r>
-            <a:r>
-              <a:rPr lang="de-DE" sz="1200" i="1" dirty="0">
-                <a:latin typeface="Source Sans Pro" panose="020B0503030403020204" pitchFamily="34" charset="0"/>
-                <a:ea typeface="Source Sans Pro" panose="020B0503030403020204" pitchFamily="34" charset="0"/>
-              </a:rPr>
-              <a:t> </a:t>
-            </a:r>
-            <a:r>
-              <a:rPr lang="de-DE" sz="1200" i="1" dirty="0" err="1">
-                <a:latin typeface="Source Sans Pro" panose="020B0503030403020204" pitchFamily="34" charset="0"/>
-                <a:ea typeface="Source Sans Pro" panose="020B0503030403020204" pitchFamily="34" charset="0"/>
-              </a:rPr>
-              <a:t>well</a:t>
-            </a:r>
-            <a:r>
-              <a:rPr lang="de-DE" sz="1200" i="1" dirty="0">
-                <a:latin typeface="Source Sans Pro" panose="020B0503030403020204" pitchFamily="34" charset="0"/>
-                <a:ea typeface="Source Sans Pro" panose="020B0503030403020204" pitchFamily="34" charset="0"/>
-              </a:rPr>
-              <a:t> </a:t>
-            </a:r>
-            <a:r>
-              <a:rPr lang="de-DE" sz="1200" i="1" dirty="0" err="1">
-                <a:latin typeface="Source Sans Pro" panose="020B0503030403020204" pitchFamily="34" charset="0"/>
-                <a:ea typeface="Source Sans Pro" panose="020B0503030403020204" pitchFamily="34" charset="0"/>
-              </a:rPr>
-              <a:t>as</a:t>
-            </a:r>
-            <a:r>
-              <a:rPr lang="de-DE" sz="1200" i="1" dirty="0">
-                <a:latin typeface="Source Sans Pro" panose="020B0503030403020204" pitchFamily="34" charset="0"/>
-                <a:ea typeface="Source Sans Pro" panose="020B0503030403020204" pitchFamily="34" charset="0"/>
-              </a:rPr>
-              <a:t> </a:t>
-            </a:r>
-            <a:r>
-              <a:rPr lang="de-DE" sz="1200" i="1" dirty="0" err="1">
-                <a:latin typeface="Source Sans Pro" panose="020B0503030403020204" pitchFamily="34" charset="0"/>
-                <a:ea typeface="Source Sans Pro" panose="020B0503030403020204" pitchFamily="34" charset="0"/>
-              </a:rPr>
-              <a:t>extracted</a:t>
-            </a:r>
-            <a:r>
-              <a:rPr lang="de-DE" sz="1200" i="1" dirty="0">
-                <a:latin typeface="Source Sans Pro" panose="020B0503030403020204" pitchFamily="34" charset="0"/>
-                <a:ea typeface="Source Sans Pro" panose="020B0503030403020204" pitchFamily="34" charset="0"/>
-              </a:rPr>
-              <a:t> </a:t>
-            </a:r>
-            <a:r>
-              <a:rPr lang="de-DE" sz="1200" i="1" dirty="0" err="1">
-                <a:latin typeface="Source Sans Pro" panose="020B0503030403020204" pitchFamily="34" charset="0"/>
-                <a:ea typeface="Source Sans Pro" panose="020B0503030403020204" pitchFamily="34" charset="0"/>
-              </a:rPr>
-              <a:t>descriptive</a:t>
-            </a:r>
-            <a:r>
-              <a:rPr lang="de-DE" sz="1200" i="1" dirty="0">
-                <a:latin typeface="Source Sans Pro" panose="020B0503030403020204" pitchFamily="34" charset="0"/>
-                <a:ea typeface="Source Sans Pro" panose="020B0503030403020204" pitchFamily="34" charset="0"/>
-              </a:rPr>
-              <a:t> </a:t>
-            </a:r>
-            <a:r>
-              <a:rPr lang="de-DE" sz="1200" i="1" dirty="0" err="1">
-                <a:latin typeface="Source Sans Pro" panose="020B0503030403020204" pitchFamily="34" charset="0"/>
-                <a:ea typeface="Source Sans Pro" panose="020B0503030403020204" pitchFamily="34" charset="0"/>
-              </a:rPr>
-              <a:t>parameters</a:t>
-            </a:r>
-            <a:r>
-              <a:rPr lang="de-DE" sz="1200" i="1" dirty="0">
-                <a:latin typeface="Source Sans Pro" panose="020B0503030403020204" pitchFamily="34" charset="0"/>
-                <a:ea typeface="Source Sans Pro" panose="020B0503030403020204" pitchFamily="34" charset="0"/>
-              </a:rPr>
-              <a:t> such </a:t>
-            </a:r>
-            <a:r>
-              <a:rPr lang="de-DE" sz="1200" i="1" dirty="0" err="1">
-                <a:latin typeface="Source Sans Pro" panose="020B0503030403020204" pitchFamily="34" charset="0"/>
-                <a:ea typeface="Source Sans Pro" panose="020B0503030403020204" pitchFamily="34" charset="0"/>
-              </a:rPr>
-              <a:t>as</a:t>
-            </a:r>
-            <a:r>
-              <a:rPr lang="de-DE" sz="1200" i="1" dirty="0">
-                <a:latin typeface="Source Sans Pro" panose="020B0503030403020204" pitchFamily="34" charset="0"/>
-                <a:ea typeface="Source Sans Pro" panose="020B0503030403020204" pitchFamily="34" charset="0"/>
-              </a:rPr>
-              <a:t> </a:t>
-            </a:r>
-            <a:r>
-              <a:rPr lang="de-DE" sz="1200" i="1" dirty="0" err="1">
-                <a:latin typeface="Source Sans Pro" panose="020B0503030403020204" pitchFamily="34" charset="0"/>
-                <a:ea typeface="Source Sans Pro" panose="020B0503030403020204" pitchFamily="34" charset="0"/>
-              </a:rPr>
-              <a:t>peak</a:t>
-            </a:r>
-            <a:r>
-              <a:rPr lang="de-DE" sz="1200" i="1" dirty="0">
-                <a:latin typeface="Source Sans Pro" panose="020B0503030403020204" pitchFamily="34" charset="0"/>
-                <a:ea typeface="Source Sans Pro" panose="020B0503030403020204" pitchFamily="34" charset="0"/>
-              </a:rPr>
-              <a:t> </a:t>
-            </a:r>
-            <a:r>
-              <a:rPr lang="de-DE" sz="1200" i="1" dirty="0" err="1">
-                <a:latin typeface="Source Sans Pro" panose="020B0503030403020204" pitchFamily="34" charset="0"/>
-                <a:ea typeface="Source Sans Pro" panose="020B0503030403020204" pitchFamily="34" charset="0"/>
-              </a:rPr>
-              <a:t>positions</a:t>
-            </a:r>
-            <a:r>
-              <a:rPr lang="de-DE" sz="1200" i="1" dirty="0">
-                <a:latin typeface="Source Sans Pro" panose="020B0503030403020204" pitchFamily="34" charset="0"/>
-                <a:ea typeface="Source Sans Pro" panose="020B0503030403020204" pitchFamily="34" charset="0"/>
-              </a:rPr>
-              <a:t>, </a:t>
-            </a:r>
-            <a:r>
-              <a:rPr lang="de-DE" sz="1200" i="1" dirty="0" err="1">
-                <a:latin typeface="Source Sans Pro" panose="020B0503030403020204" pitchFamily="34" charset="0"/>
-                <a:ea typeface="Source Sans Pro" panose="020B0503030403020204" pitchFamily="34" charset="0"/>
-              </a:rPr>
-              <a:t>peak</a:t>
-            </a:r>
-            <a:r>
-              <a:rPr lang="de-DE" sz="1200" i="1" dirty="0">
-                <a:latin typeface="Source Sans Pro" panose="020B0503030403020204" pitchFamily="34" charset="0"/>
-                <a:ea typeface="Source Sans Pro" panose="020B0503030403020204" pitchFamily="34" charset="0"/>
-              </a:rPr>
-              <a:t> </a:t>
-            </a:r>
-            <a:r>
-              <a:rPr lang="de-DE" sz="1200" i="1" dirty="0" err="1">
-                <a:latin typeface="Source Sans Pro" panose="020B0503030403020204" pitchFamily="34" charset="0"/>
-                <a:ea typeface="Source Sans Pro" panose="020B0503030403020204" pitchFamily="34" charset="0"/>
-              </a:rPr>
-              <a:t>heights</a:t>
-            </a:r>
-            <a:r>
-              <a:rPr lang="de-DE" sz="1200" i="1" dirty="0">
-                <a:latin typeface="Source Sans Pro" panose="020B0503030403020204" pitchFamily="34" charset="0"/>
-                <a:ea typeface="Source Sans Pro" panose="020B0503030403020204" pitchFamily="34" charset="0"/>
-              </a:rPr>
-              <a:t>, and shift </a:t>
-            </a:r>
-            <a:r>
-              <a:rPr lang="de-DE" sz="1200" i="1" dirty="0" err="1">
-                <a:latin typeface="Source Sans Pro" panose="020B0503030403020204" pitchFamily="34" charset="0"/>
-                <a:ea typeface="Source Sans Pro" panose="020B0503030403020204" pitchFamily="34" charset="0"/>
-              </a:rPr>
-              <a:t>distance</a:t>
-            </a:r>
-            <a:r>
-              <a:rPr lang="de-DE" sz="1200" i="1" dirty="0">
-                <a:latin typeface="Source Sans Pro" panose="020B0503030403020204" pitchFamily="34" charset="0"/>
-                <a:ea typeface="Source Sans Pro" panose="020B0503030403020204" pitchFamily="34" charset="0"/>
-              </a:rPr>
-              <a:t>, t-test </a:t>
-            </a:r>
-            <a:r>
-              <a:rPr lang="de-DE" sz="1200" i="1" dirty="0" err="1">
+              <a:t>Plot shows normalized signal distributions as well as extracted descriptive parameters such as peak positions, peak heights, and shift distance, t-test </a:t>
+            </a:r>
+            <a:r>
+              <a:rPr lang="en-US" sz="1200" i="1" noProof="0" dirty="0" err="1">
                 <a:latin typeface="Source Sans Pro" panose="020B0503030403020204" pitchFamily="34" charset="0"/>
                 <a:ea typeface="Source Sans Pro" panose="020B0503030403020204" pitchFamily="34" charset="0"/>
               </a:rPr>
               <a:t>rsults</a:t>
             </a:r>
             <a:r>
-              <a:rPr lang="de-DE" sz="1200" i="1" dirty="0">
+              <a:rPr lang="en-US" sz="1200" i="1" noProof="0" dirty="0">
                 <a:latin typeface="Source Sans Pro" panose="020B0503030403020204" pitchFamily="34" charset="0"/>
                 <a:ea typeface="Source Sans Pro" panose="020B0503030403020204" pitchFamily="34" charset="0"/>
               </a:rPr>
               <a:t>, etc. </a:t>
             </a:r>
-            <a:endParaRPr lang="en-US" sz="1200" i="1" dirty="0">
+          </a:p>
+        </p:txBody>
+      </p:sp>
+      <p:sp>
+        <p:nvSpPr>
+          <p:cNvPr id="13" name="Textfeld 12">
+            <a:extLst>
+              <a:ext uri="{FF2B5EF4-FFF2-40B4-BE49-F238E27FC236}">
+                <a16:creationId xmlns:a16="http://schemas.microsoft.com/office/drawing/2014/main" id="{B1FDECB6-1FBA-D64A-249B-C2A37669EFAA}"/>
+              </a:ext>
+            </a:extLst>
+          </p:cNvPr>
+          <p:cNvSpPr txBox="1"/>
+          <p:nvPr/>
+        </p:nvSpPr>
+        <p:spPr>
+          <a:xfrm>
+            <a:off x="830996" y="7194777"/>
+            <a:ext cx="6015282" cy="5262979"/>
+          </a:xfrm>
+          <a:prstGeom prst="rect">
+            <a:avLst/>
+          </a:prstGeom>
+          <a:noFill/>
+        </p:spPr>
+        <p:txBody>
+          <a:bodyPr wrap="square" rtlCol="0">
+            <a:spAutoFit/>
+          </a:bodyPr>
+          <a:lstStyle/>
+          <a:p>
+            <a:r>
+              <a:rPr lang="en-US" sz="2400" noProof="0" dirty="0"/>
+              <a:t>To verify the reproducibility of the triplicates in our dataset, Spearman correlations were calculated between all replicate–fraction combinations. The resulting correlation coefficients (</a:t>
+            </a:r>
+            <a:r>
+              <a:rPr lang="en-US" sz="2400" noProof="0" dirty="0" err="1"/>
+              <a:t>r-values</a:t>
+            </a:r>
+            <a:r>
+              <a:rPr lang="en-US" sz="2400" noProof="0" dirty="0"/>
+              <a:t>) were visualized as two separate heatmaps - one for the RNase treatment (Fig. X on the right) and one for the control condition. </a:t>
+            </a:r>
+            <a:endParaRPr lang="en-US" sz="2400" dirty="0"/>
+          </a:p>
+          <a:p>
+            <a:r>
+              <a:rPr lang="en-US" sz="2400" noProof="0" dirty="0"/>
+              <a:t>Reproducibility is indicated by high correlations within corresponding fractions across replicates, which should appear as prominent diagonal patterns in 3×3 blocks on the heatmaps. </a:t>
+            </a:r>
+            <a:r>
+              <a:rPr lang="en-US" sz="2400" dirty="0"/>
+              <a:t>This diagonal correlation structure was evident in both treatments.</a:t>
+            </a:r>
+            <a:endParaRPr lang="en-US" sz="2400" noProof="0" dirty="0"/>
+          </a:p>
+        </p:txBody>
+      </p:sp>
+      <p:pic>
+        <p:nvPicPr>
+          <p:cNvPr id="53" name="Grafik 52" descr="Ein Bild, das Text, Screenshot, Farbigkeit, Reihe enthält.&#10;&#10;KI-generierte Inhalte können fehlerhaft sein.">
+            <a:extLst>
+              <a:ext uri="{FF2B5EF4-FFF2-40B4-BE49-F238E27FC236}">
+                <a16:creationId xmlns:a16="http://schemas.microsoft.com/office/drawing/2014/main" id="{BAAF9A28-A00D-D8F6-8487-F57CBEA64C0C}"/>
+              </a:ext>
+            </a:extLst>
+          </p:cNvPr>
+          <p:cNvPicPr>
+            <a:picLocks noChangeAspect="1"/>
+          </p:cNvPicPr>
+          <p:nvPr/>
+        </p:nvPicPr>
+        <p:blipFill>
+          <a:blip r:embed="rId17">
+            <a:extLst>
+              <a:ext uri="{28A0092B-C50C-407E-A947-70E740481C1C}">
+                <a14:useLocalDpi xmlns:a14="http://schemas.microsoft.com/office/drawing/2010/main" val="0"/>
+              </a:ext>
+            </a:extLst>
+          </a:blip>
+          <a:stretch>
+            <a:fillRect/>
+          </a:stretch>
+        </p:blipFill>
+        <p:spPr>
+          <a:xfrm>
+            <a:off x="7311060" y="7217510"/>
+            <a:ext cx="7082565" cy="4721710"/>
+          </a:xfrm>
+          <a:prstGeom prst="rect">
+            <a:avLst/>
+          </a:prstGeom>
+        </p:spPr>
+      </p:pic>
+      <p:sp>
+        <p:nvSpPr>
+          <p:cNvPr id="56" name="Textfeld 55">
+            <a:extLst>
+              <a:ext uri="{FF2B5EF4-FFF2-40B4-BE49-F238E27FC236}">
+                <a16:creationId xmlns:a16="http://schemas.microsoft.com/office/drawing/2014/main" id="{7866C7D8-BD84-2809-E6DA-3A7BCF109C79}"/>
+              </a:ext>
+            </a:extLst>
+          </p:cNvPr>
+          <p:cNvSpPr txBox="1"/>
+          <p:nvPr/>
+        </p:nvSpPr>
+        <p:spPr>
+          <a:xfrm>
+            <a:off x="7278015" y="11954804"/>
+            <a:ext cx="7115610" cy="646331"/>
+          </a:xfrm>
+          <a:prstGeom prst="rect">
+            <a:avLst/>
+          </a:prstGeom>
+          <a:noFill/>
+        </p:spPr>
+        <p:txBody>
+          <a:bodyPr wrap="square" rtlCol="0">
+            <a:spAutoFit/>
+          </a:bodyPr>
+          <a:lstStyle/>
+          <a:p>
+            <a:r>
+              <a:rPr lang="de-DE" sz="1200" b="1" i="1" dirty="0"/>
+              <a:t>Fig. X </a:t>
+            </a:r>
+            <a:r>
+              <a:rPr lang="de-DE" sz="1200" b="1" i="1" dirty="0" err="1"/>
+              <a:t>Reproducibility</a:t>
+            </a:r>
+            <a:r>
+              <a:rPr lang="de-DE" sz="1200" b="1" i="1" dirty="0"/>
+              <a:t> </a:t>
+            </a:r>
+            <a:r>
+              <a:rPr lang="de-DE" sz="1200" b="1" i="1" dirty="0" err="1"/>
+              <a:t>heatmap</a:t>
+            </a:r>
+            <a:r>
+              <a:rPr lang="de-DE" sz="1200" b="1" i="1" dirty="0"/>
+              <a:t> (</a:t>
+            </a:r>
+            <a:r>
+              <a:rPr lang="de-DE" sz="1200" b="1" i="1" dirty="0" err="1"/>
+              <a:t>RNase</a:t>
+            </a:r>
+            <a:r>
+              <a:rPr lang="de-DE" sz="1200" b="1" i="1" dirty="0"/>
+              <a:t>, Spearman </a:t>
+            </a:r>
+            <a:r>
+              <a:rPr lang="de-DE" sz="1200" b="1" i="1" dirty="0" err="1"/>
+              <a:t>correlation</a:t>
+            </a:r>
+            <a:r>
+              <a:rPr lang="de-DE" sz="1200" b="1" i="1" dirty="0"/>
+              <a:t>): </a:t>
+            </a:r>
+            <a:r>
+              <a:rPr lang="de-DE" sz="1200" dirty="0" err="1"/>
+              <a:t>Heatmap</a:t>
+            </a:r>
+            <a:r>
+              <a:rPr lang="de-DE" sz="1200" dirty="0"/>
+              <a:t> </a:t>
+            </a:r>
+            <a:r>
+              <a:rPr lang="de-DE" sz="1200" dirty="0" err="1"/>
+              <a:t>displays</a:t>
+            </a:r>
+            <a:r>
+              <a:rPr lang="de-DE" sz="1200" dirty="0"/>
+              <a:t> </a:t>
+            </a:r>
+            <a:r>
+              <a:rPr lang="de-DE" sz="1200" dirty="0" err="1"/>
+              <a:t>pairwise</a:t>
+            </a:r>
+            <a:r>
+              <a:rPr lang="de-DE" sz="1200" dirty="0"/>
+              <a:t> Spearman </a:t>
+            </a:r>
+            <a:r>
+              <a:rPr lang="de-DE" sz="1200" dirty="0" err="1"/>
+              <a:t>correlation</a:t>
+            </a:r>
+            <a:r>
+              <a:rPr lang="de-DE" sz="1200" dirty="0"/>
+              <a:t> </a:t>
+            </a:r>
+            <a:r>
+              <a:rPr lang="de-DE" sz="1200" dirty="0" err="1"/>
+              <a:t>coefficients</a:t>
+            </a:r>
+            <a:r>
+              <a:rPr lang="de-DE" sz="1200" dirty="0"/>
+              <a:t> </a:t>
+            </a:r>
+            <a:r>
+              <a:rPr lang="de-DE" sz="1200" dirty="0" err="1"/>
+              <a:t>between</a:t>
+            </a:r>
+            <a:r>
+              <a:rPr lang="de-DE" sz="1200" dirty="0"/>
+              <a:t> all </a:t>
+            </a:r>
+            <a:r>
+              <a:rPr lang="de-DE" sz="1200" dirty="0" err="1"/>
+              <a:t>replicate</a:t>
+            </a:r>
+            <a:r>
+              <a:rPr lang="de-DE" sz="1200" dirty="0"/>
+              <a:t>–</a:t>
+            </a:r>
+            <a:r>
+              <a:rPr lang="de-DE" sz="1200" dirty="0" err="1"/>
+              <a:t>fraction</a:t>
+            </a:r>
+            <a:r>
+              <a:rPr lang="de-DE" sz="1200" dirty="0"/>
+              <a:t> </a:t>
+            </a:r>
+            <a:r>
+              <a:rPr lang="de-DE" sz="1200" dirty="0" err="1"/>
+              <a:t>combinations</a:t>
+            </a:r>
+            <a:r>
+              <a:rPr lang="de-DE" sz="1200" dirty="0"/>
+              <a:t> </a:t>
+            </a:r>
+            <a:r>
+              <a:rPr lang="de-DE" sz="1200" dirty="0" err="1"/>
+              <a:t>under</a:t>
+            </a:r>
+            <a:r>
+              <a:rPr lang="de-DE" sz="1200" dirty="0"/>
+              <a:t> </a:t>
+            </a:r>
+            <a:r>
+              <a:rPr lang="de-DE" sz="1200" dirty="0" err="1"/>
+              <a:t>RNase</a:t>
+            </a:r>
+            <a:r>
+              <a:rPr lang="de-DE" sz="1200" dirty="0"/>
+              <a:t> </a:t>
+            </a:r>
+            <a:r>
+              <a:rPr lang="de-DE" sz="1200" dirty="0" err="1"/>
+              <a:t>treatment</a:t>
+            </a:r>
+            <a:r>
+              <a:rPr lang="de-DE" sz="1200" dirty="0"/>
+              <a:t>. High </a:t>
+            </a:r>
+            <a:r>
+              <a:rPr lang="de-DE" sz="1200" dirty="0" err="1"/>
+              <a:t>correlations</a:t>
+            </a:r>
+            <a:r>
+              <a:rPr lang="de-DE" sz="1200" dirty="0"/>
+              <a:t> </a:t>
+            </a:r>
+            <a:r>
+              <a:rPr lang="de-DE" sz="1200" dirty="0" err="1"/>
+              <a:t>within</a:t>
+            </a:r>
+            <a:r>
+              <a:rPr lang="de-DE" sz="1200" dirty="0"/>
+              <a:t> 3×3 diagonal </a:t>
+            </a:r>
+            <a:r>
+              <a:rPr lang="de-DE" sz="1200" dirty="0" err="1"/>
+              <a:t>blocks</a:t>
+            </a:r>
+            <a:r>
+              <a:rPr lang="de-DE" sz="1200" dirty="0"/>
+              <a:t> </a:t>
+            </a:r>
+            <a:r>
+              <a:rPr lang="de-DE" sz="1200" dirty="0" err="1"/>
+              <a:t>indicate</a:t>
+            </a:r>
+            <a:r>
+              <a:rPr lang="de-DE" sz="1200" dirty="0"/>
+              <a:t> strong </a:t>
+            </a:r>
+            <a:r>
+              <a:rPr lang="de-DE" sz="1200" dirty="0" err="1"/>
+              <a:t>reproducibility</a:t>
+            </a:r>
+            <a:r>
+              <a:rPr lang="de-DE" sz="1200" dirty="0"/>
+              <a:t> </a:t>
+            </a:r>
+            <a:r>
+              <a:rPr lang="de-DE" sz="1200" dirty="0" err="1"/>
+              <a:t>across</a:t>
+            </a:r>
+            <a:r>
+              <a:rPr lang="de-DE" sz="1200" dirty="0"/>
+              <a:t> </a:t>
+            </a:r>
+            <a:r>
+              <a:rPr lang="de-DE" sz="1200" dirty="0" err="1"/>
+              <a:t>corresponding</a:t>
+            </a:r>
+            <a:r>
+              <a:rPr lang="de-DE" sz="1200" dirty="0"/>
+              <a:t> </a:t>
+            </a:r>
+            <a:r>
+              <a:rPr lang="de-DE" sz="1200" dirty="0" err="1"/>
+              <a:t>fractions</a:t>
+            </a:r>
+            <a:r>
+              <a:rPr lang="de-DE" sz="1200" dirty="0"/>
+              <a:t>.</a:t>
+            </a:r>
+            <a:endParaRPr lang="en-US" sz="1200" i="1" noProof="0" dirty="0">
               <a:latin typeface="Source Sans Pro" panose="020B0503030403020204" pitchFamily="34" charset="0"/>
               <a:ea typeface="Source Sans Pro" panose="020B0503030403020204" pitchFamily="34" charset="0"/>
             </a:endParaRPr>

--- a/RiboZwo.pptx
+++ b/RiboZwo.pptx
@@ -467,7 +467,7 @@
 <file path=ppt/charts/chart1.xml><?xml version="1.0" encoding="utf-8"?>
 <c:chartSpace xmlns:c="http://schemas.openxmlformats.org/drawingml/2006/chart" xmlns:a="http://schemas.openxmlformats.org/drawingml/2006/main" xmlns:r="http://schemas.openxmlformats.org/officeDocument/2006/relationships" xmlns:c16r2="http://schemas.microsoft.com/office/drawing/2015/06/chart">
   <c:date1904 val="0"/>
-  <c:lang val="de-DE"/>
+  <c:lang val="en-GB"/>
   <c:roundedCorners val="0"/>
   <mc:AlternateContent xmlns:mc="http://schemas.openxmlformats.org/markup-compatibility/2006">
     <mc:Choice xmlns:c14="http://schemas.microsoft.com/office/drawing/2007/8/2/chart" Requires="c14">
@@ -1635,7 +1635,7 @@
           <a:p>
             <a:fld id="{B23F8280-8283-495D-A659-9194DB8B63EA}" type="slidenum">
               <a:rPr lang="de-DE" smtClean="0"/>
-              <a:t>‹Nr.›</a:t>
+              <a:t>‹#›</a:t>
             </a:fld>
             <a:endParaRPr lang="de-DE"/>
           </a:p>
@@ -2109,7 +2109,7 @@
           <a:p>
             <a:fld id="{79580C82-F813-4CCE-B4AC-52ACFAE55A43}" type="slidenum">
               <a:rPr lang="de-DE" smtClean="0"/>
-              <a:t>‹Nr.›</a:t>
+              <a:t>‹#›</a:t>
             </a:fld>
             <a:endParaRPr lang="de-DE"/>
           </a:p>
@@ -2279,7 +2279,7 @@
           <a:p>
             <a:fld id="{79580C82-F813-4CCE-B4AC-52ACFAE55A43}" type="slidenum">
               <a:rPr lang="de-DE" smtClean="0"/>
-              <a:t>‹Nr.›</a:t>
+              <a:t>‹#›</a:t>
             </a:fld>
             <a:endParaRPr lang="de-DE"/>
           </a:p>
@@ -2459,7 +2459,7 @@
           <a:p>
             <a:fld id="{79580C82-F813-4CCE-B4AC-52ACFAE55A43}" type="slidenum">
               <a:rPr lang="de-DE" smtClean="0"/>
-              <a:t>‹Nr.›</a:t>
+              <a:t>‹#›</a:t>
             </a:fld>
             <a:endParaRPr lang="de-DE"/>
           </a:p>
@@ -2629,7 +2629,7 @@
           <a:p>
             <a:fld id="{79580C82-F813-4CCE-B4AC-52ACFAE55A43}" type="slidenum">
               <a:rPr lang="de-DE" smtClean="0"/>
-              <a:t>‹Nr.›</a:t>
+              <a:t>‹#›</a:t>
             </a:fld>
             <a:endParaRPr lang="de-DE"/>
           </a:p>
@@ -2875,7 +2875,7 @@
           <a:p>
             <a:fld id="{79580C82-F813-4CCE-B4AC-52ACFAE55A43}" type="slidenum">
               <a:rPr lang="de-DE" smtClean="0"/>
-              <a:t>‹Nr.›</a:t>
+              <a:t>‹#›</a:t>
             </a:fld>
             <a:endParaRPr lang="de-DE"/>
           </a:p>
@@ -3107,7 +3107,7 @@
           <a:p>
             <a:fld id="{79580C82-F813-4CCE-B4AC-52ACFAE55A43}" type="slidenum">
               <a:rPr lang="de-DE" smtClean="0"/>
-              <a:t>‹Nr.›</a:t>
+              <a:t>‹#›</a:t>
             </a:fld>
             <a:endParaRPr lang="de-DE"/>
           </a:p>
@@ -3474,7 +3474,7 @@
           <a:p>
             <a:fld id="{79580C82-F813-4CCE-B4AC-52ACFAE55A43}" type="slidenum">
               <a:rPr lang="de-DE" smtClean="0"/>
-              <a:t>‹Nr.›</a:t>
+              <a:t>‹#›</a:t>
             </a:fld>
             <a:endParaRPr lang="de-DE"/>
           </a:p>
@@ -3592,7 +3592,7 @@
           <a:p>
             <a:fld id="{79580C82-F813-4CCE-B4AC-52ACFAE55A43}" type="slidenum">
               <a:rPr lang="de-DE" smtClean="0"/>
-              <a:t>‹Nr.›</a:t>
+              <a:t>‹#›</a:t>
             </a:fld>
             <a:endParaRPr lang="de-DE"/>
           </a:p>
@@ -3687,7 +3687,7 @@
           <a:p>
             <a:fld id="{79580C82-F813-4CCE-B4AC-52ACFAE55A43}" type="slidenum">
               <a:rPr lang="de-DE" smtClean="0"/>
-              <a:t>‹Nr.›</a:t>
+              <a:t>‹#›</a:t>
             </a:fld>
             <a:endParaRPr lang="de-DE"/>
           </a:p>
@@ -3964,7 +3964,7 @@
           <a:p>
             <a:fld id="{79580C82-F813-4CCE-B4AC-52ACFAE55A43}" type="slidenum">
               <a:rPr lang="de-DE" smtClean="0"/>
-              <a:t>‹Nr.›</a:t>
+              <a:t>‹#›</a:t>
             </a:fld>
             <a:endParaRPr lang="de-DE"/>
           </a:p>
@@ -4221,7 +4221,7 @@
           <a:p>
             <a:fld id="{79580C82-F813-4CCE-B4AC-52ACFAE55A43}" type="slidenum">
               <a:rPr lang="de-DE" smtClean="0"/>
-              <a:t>‹Nr.›</a:t>
+              <a:t>‹#›</a:t>
             </a:fld>
             <a:endParaRPr lang="de-DE"/>
           </a:p>
@@ -4542,7 +4542,7 @@
           <a:p>
             <a:fld id="{79580C82-F813-4CCE-B4AC-52ACFAE55A43}" type="slidenum">
               <a:rPr lang="de-DE" smtClean="0"/>
-              <a:t>‹Nr.›</a:t>
+              <a:t>‹#›</a:t>
             </a:fld>
             <a:endParaRPr lang="de-DE"/>
           </a:p>
@@ -7871,8 +7871,8 @@
             </a:p>
           </p:txBody>
         </p:sp>
-        <mc:AlternateContent xmlns:mc="http://schemas.openxmlformats.org/markup-compatibility/2006">
-          <mc:Choice xmlns:a14="http://schemas.microsoft.com/office/drawing/2010/main" Requires="a14">
+        <mc:AlternateContent xmlns:mc="http://schemas.openxmlformats.org/markup-compatibility/2006" xmlns:a14="http://schemas.microsoft.com/office/drawing/2010/main">
+          <mc:Choice Requires="a14">
             <p:sp>
               <p:nvSpPr>
                 <p:cNvPr id="47" name="Textfeld 46">
@@ -8098,7 +8098,7 @@
               </p:txBody>
             </p:sp>
           </mc:Choice>
-          <mc:Fallback>
+          <mc:Fallback xmlns="">
             <p:sp>
               <p:nvSpPr>
                 <p:cNvPr id="47" name="Textfeld 46">
@@ -8773,6 +8773,134 @@
           </a:p>
         </p:txBody>
       </p:sp>
+      <p:pic>
+        <p:nvPicPr>
+          <p:cNvPr id="68" name="Picture 67" descr="A yellow and orange squares&#10;&#10;AI-generated content may be incorrect.">
+            <a:extLst>
+              <a:ext uri="{FF2B5EF4-FFF2-40B4-BE49-F238E27FC236}">
+                <a16:creationId xmlns:a16="http://schemas.microsoft.com/office/drawing/2014/main" id="{288F68B4-DDA1-2EEB-9F23-81C0A0F5FDB5}"/>
+              </a:ext>
+            </a:extLst>
+          </p:cNvPr>
+          <p:cNvPicPr>
+            <a:picLocks noChangeAspect="1"/>
+          </p:cNvPicPr>
+          <p:nvPr/>
+        </p:nvPicPr>
+        <p:blipFill>
+          <a:blip r:embed="rId18">
+            <a:extLst>
+              <a:ext uri="{28A0092B-C50C-407E-A947-70E740481C1C}">
+                <a14:useLocalDpi xmlns:a14="http://schemas.microsoft.com/office/drawing/2010/main" val="0"/>
+              </a:ext>
+            </a:extLst>
+          </a:blip>
+          <a:stretch>
+            <a:fillRect/>
+          </a:stretch>
+        </p:blipFill>
+        <p:spPr>
+          <a:xfrm>
+            <a:off x="9978408" y="30932324"/>
+            <a:ext cx="5275640" cy="3956730"/>
+          </a:xfrm>
+          <a:prstGeom prst="rect">
+            <a:avLst/>
+          </a:prstGeom>
+        </p:spPr>
+      </p:pic>
+      <p:sp>
+        <p:nvSpPr>
+          <p:cNvPr id="73" name="Rectangle 72">
+            <a:extLst>
+              <a:ext uri="{FF2B5EF4-FFF2-40B4-BE49-F238E27FC236}">
+                <a16:creationId xmlns:a16="http://schemas.microsoft.com/office/drawing/2014/main" id="{497B7107-C6F9-BC8E-32F9-4EB58EBC3122}"/>
+              </a:ext>
+            </a:extLst>
+          </p:cNvPr>
+          <p:cNvSpPr/>
+          <p:nvPr/>
+        </p:nvSpPr>
+        <p:spPr>
+          <a:xfrm>
+            <a:off x="1657350" y="29967704"/>
+            <a:ext cx="7577967" cy="5824525"/>
+          </a:xfrm>
+          <a:prstGeom prst="rect">
+            <a:avLst/>
+          </a:prstGeom>
+          <a:solidFill>
+            <a:schemeClr val="bg1"/>
+          </a:solidFill>
+          <a:ln>
+            <a:noFill/>
+          </a:ln>
+        </p:spPr>
+        <p:style>
+          <a:lnRef idx="2">
+            <a:schemeClr val="accent1">
+              <a:shade val="15000"/>
+            </a:schemeClr>
+          </a:lnRef>
+          <a:fillRef idx="1">
+            <a:schemeClr val="accent1"/>
+          </a:fillRef>
+          <a:effectRef idx="0">
+            <a:schemeClr val="accent1"/>
+          </a:effectRef>
+          <a:fontRef idx="minor">
+            <a:schemeClr val="lt1"/>
+          </a:fontRef>
+        </p:style>
+        <p:txBody>
+          <a:bodyPr rtlCol="0" anchor="t"/>
+          <a:lstStyle/>
+          <a:p>
+            <a:pPr algn="r"/>
+            <a:endParaRPr lang="en-GB" sz="3600" dirty="0">
+              <a:solidFill>
+                <a:schemeClr val="tx1"/>
+              </a:solidFill>
+            </a:endParaRPr>
+          </a:p>
+        </p:txBody>
+      </p:sp>
+      <p:pic>
+        <p:nvPicPr>
+          <p:cNvPr id="72" name="Picture 71" descr="A screenshot of a video game&#10;&#10;AI-generated content may be incorrect.">
+            <a:extLst>
+              <a:ext uri="{FF2B5EF4-FFF2-40B4-BE49-F238E27FC236}">
+                <a16:creationId xmlns:a16="http://schemas.microsoft.com/office/drawing/2014/main" id="{08B70003-AD1E-4701-456D-41507D8EABB7}"/>
+              </a:ext>
+            </a:extLst>
+          </p:cNvPr>
+          <p:cNvPicPr>
+            <a:picLocks noChangeAspect="1"/>
+          </p:cNvPicPr>
+          <p:nvPr/>
+        </p:nvPicPr>
+        <p:blipFill>
+          <a:blip r:embed="rId19">
+            <a:extLst>
+              <a:ext uri="{28A0092B-C50C-407E-A947-70E740481C1C}">
+                <a14:useLocalDpi xmlns:a14="http://schemas.microsoft.com/office/drawing/2010/main" val="0"/>
+              </a:ext>
+            </a:extLst>
+          </a:blip>
+          <a:stretch>
+            <a:fillRect/>
+          </a:stretch>
+        </p:blipFill>
+        <p:spPr>
+          <a:xfrm>
+            <a:off x="1590957" y="30074310"/>
+            <a:ext cx="7441116" cy="5580837"/>
+          </a:xfrm>
+          <a:prstGeom prst="rect">
+            <a:avLst/>
+          </a:prstGeom>
+        </p:spPr>
+      </p:pic>
     </p:spTree>
     <p:extLst>
       <p:ext uri="{BB962C8B-B14F-4D97-AF65-F5344CB8AC3E}">

--- a/RiboZwo.pptx
+++ b/RiboZwo.pptx
@@ -5973,7 +5973,7 @@
         <p:spPr>
           <a:xfrm>
             <a:off x="609595" y="28108222"/>
-            <a:ext cx="14295120" cy="10195805"/>
+            <a:ext cx="15600292" cy="10195805"/>
           </a:xfrm>
           <a:prstGeom prst="roundRect">
             <a:avLst>
@@ -6034,8 +6034,8 @@
         </p:nvSpPr>
         <p:spPr>
           <a:xfrm>
-            <a:off x="15370492" y="28259607"/>
-            <a:ext cx="14295120" cy="10003290"/>
+            <a:off x="16687800" y="28259607"/>
+            <a:ext cx="12977812" cy="10003290"/>
           </a:xfrm>
           <a:prstGeom prst="roundRect">
             <a:avLst>
@@ -6422,8 +6422,8 @@
         </p:nvSpPr>
         <p:spPr>
           <a:xfrm>
-            <a:off x="1087514" y="28500430"/>
-            <a:ext cx="14050090" cy="9995591"/>
+            <a:off x="882079" y="28280022"/>
+            <a:ext cx="15355262" cy="9995591"/>
           </a:xfrm>
           <a:prstGeom prst="rect">
             <a:avLst/>
@@ -6454,16 +6454,6 @@
           <a:lstStyle/>
           <a:p>
             <a:r>
-              <a:rPr lang="en-US" sz="4000" noProof="0" dirty="0" err="1">
-                <a:solidFill>
-                  <a:schemeClr val="tx1"/>
-                </a:solidFill>
-                <a:latin typeface="Source Sans Pro" panose="020B0503030403020204" pitchFamily="34" charset="0"/>
-                <a:ea typeface="Source Sans Pro" panose="020B0503030403020204" pitchFamily="34" charset="0"/>
-              </a:rPr>
-              <a:t>Complexe</a:t>
-            </a:r>
-            <a:r>
               <a:rPr lang="en-US" sz="4000" noProof="0" dirty="0">
                 <a:solidFill>
                   <a:schemeClr val="tx1"/>
@@ -6471,7 +6461,7 @@
                 <a:latin typeface="Source Sans Pro" panose="020B0503030403020204" pitchFamily="34" charset="0"/>
                 <a:ea typeface="Source Sans Pro" panose="020B0503030403020204" pitchFamily="34" charset="0"/>
               </a:rPr>
-              <a:t> Analysis: Finding Friends</a:t>
+              <a:t>Complex Analysis: Finding Friends</a:t>
             </a:r>
           </a:p>
           <a:p>
@@ -6499,8 +6489,8 @@
         </p:nvSpPr>
         <p:spPr>
           <a:xfrm>
-            <a:off x="15731965" y="28610869"/>
-            <a:ext cx="13572174" cy="7837827"/>
+            <a:off x="16920689" y="28610869"/>
+            <a:ext cx="12383450" cy="7837827"/>
           </a:xfrm>
           <a:prstGeom prst="rect">
             <a:avLst/>
@@ -8773,42 +8763,6 @@
           </a:p>
         </p:txBody>
       </p:sp>
-      <p:pic>
-        <p:nvPicPr>
-          <p:cNvPr id="68" name="Picture 67" descr="A yellow and orange squares&#10;&#10;AI-generated content may be incorrect.">
-            <a:extLst>
-              <a:ext uri="{FF2B5EF4-FFF2-40B4-BE49-F238E27FC236}">
-                <a16:creationId xmlns:a16="http://schemas.microsoft.com/office/drawing/2014/main" id="{288F68B4-DDA1-2EEB-9F23-81C0A0F5FDB5}"/>
-              </a:ext>
-            </a:extLst>
-          </p:cNvPr>
-          <p:cNvPicPr>
-            <a:picLocks noChangeAspect="1"/>
-          </p:cNvPicPr>
-          <p:nvPr/>
-        </p:nvPicPr>
-        <p:blipFill>
-          <a:blip r:embed="rId18">
-            <a:extLst>
-              <a:ext uri="{28A0092B-C50C-407E-A947-70E740481C1C}">
-                <a14:useLocalDpi xmlns:a14="http://schemas.microsoft.com/office/drawing/2010/main" val="0"/>
-              </a:ext>
-            </a:extLst>
-          </a:blip>
-          <a:stretch>
-            <a:fillRect/>
-          </a:stretch>
-        </p:blipFill>
-        <p:spPr>
-          <a:xfrm>
-            <a:off x="9978408" y="30932324"/>
-            <a:ext cx="5275640" cy="3956730"/>
-          </a:xfrm>
-          <a:prstGeom prst="rect">
-            <a:avLst/>
-          </a:prstGeom>
-        </p:spPr>
-      </p:pic>
       <p:sp>
         <p:nvSpPr>
           <p:cNvPr id="73" name="Rectangle 72">
@@ -8823,8 +8777,8 @@
         </p:nvSpPr>
         <p:spPr>
           <a:xfrm>
-            <a:off x="1657350" y="29967704"/>
-            <a:ext cx="7577967" cy="5824525"/>
+            <a:off x="9253627" y="28414067"/>
+            <a:ext cx="6776884" cy="5105981"/>
           </a:xfrm>
           <a:prstGeom prst="rect">
             <a:avLst/>
@@ -8880,6 +8834,98 @@
           <p:nvPr/>
         </p:nvPicPr>
         <p:blipFill>
+          <a:blip r:embed="rId18">
+            <a:extLst>
+              <a:ext uri="{28A0092B-C50C-407E-A947-70E740481C1C}">
+                <a14:useLocalDpi xmlns:a14="http://schemas.microsoft.com/office/drawing/2010/main" val="0"/>
+              </a:ext>
+            </a:extLst>
+          </a:blip>
+          <a:stretch>
+            <a:fillRect/>
+          </a:stretch>
+        </p:blipFill>
+        <p:spPr>
+          <a:xfrm>
+            <a:off x="9351757" y="28561755"/>
+            <a:ext cx="6611709" cy="4958783"/>
+          </a:xfrm>
+          <a:prstGeom prst="rect">
+            <a:avLst/>
+          </a:prstGeom>
+        </p:spPr>
+      </p:pic>
+      <p:sp>
+        <p:nvSpPr>
+          <p:cNvPr id="14" name="Rectangle 13">
+            <a:extLst>
+              <a:ext uri="{FF2B5EF4-FFF2-40B4-BE49-F238E27FC236}">
+                <a16:creationId xmlns:a16="http://schemas.microsoft.com/office/drawing/2014/main" id="{AB754934-85BC-3E41-3BC6-0759F2D51BE4}"/>
+              </a:ext>
+            </a:extLst>
+          </p:cNvPr>
+          <p:cNvSpPr/>
+          <p:nvPr/>
+        </p:nvSpPr>
+        <p:spPr>
+          <a:xfrm>
+            <a:off x="952552" y="34026312"/>
+            <a:ext cx="5005853" cy="3811211"/>
+          </a:xfrm>
+          <a:prstGeom prst="rect">
+            <a:avLst/>
+          </a:prstGeom>
+          <a:solidFill>
+            <a:schemeClr val="bg1"/>
+          </a:solidFill>
+          <a:ln>
+            <a:noFill/>
+          </a:ln>
+        </p:spPr>
+        <p:style>
+          <a:lnRef idx="2">
+            <a:schemeClr val="accent1">
+              <a:shade val="15000"/>
+            </a:schemeClr>
+          </a:lnRef>
+          <a:fillRef idx="1">
+            <a:schemeClr val="accent1"/>
+          </a:fillRef>
+          <a:effectRef idx="0">
+            <a:schemeClr val="accent1"/>
+          </a:effectRef>
+          <a:fontRef idx="minor">
+            <a:schemeClr val="lt1"/>
+          </a:fontRef>
+        </p:style>
+        <p:txBody>
+          <a:bodyPr rtlCol="0" anchor="t"/>
+          <a:lstStyle/>
+          <a:p>
+            <a:pPr algn="r"/>
+            <a:endParaRPr lang="en-GB" sz="3600" dirty="0">
+              <a:solidFill>
+                <a:schemeClr val="tx1"/>
+              </a:solidFill>
+            </a:endParaRPr>
+          </a:p>
+        </p:txBody>
+      </p:sp>
+      <p:pic>
+        <p:nvPicPr>
+          <p:cNvPr id="68" name="Picture 67" descr="A yellow and orange squares&#10;&#10;AI-generated content may be incorrect.">
+            <a:extLst>
+              <a:ext uri="{FF2B5EF4-FFF2-40B4-BE49-F238E27FC236}">
+                <a16:creationId xmlns:a16="http://schemas.microsoft.com/office/drawing/2014/main" id="{288F68B4-DDA1-2EEB-9F23-81C0A0F5FDB5}"/>
+              </a:ext>
+            </a:extLst>
+          </p:cNvPr>
+          <p:cNvPicPr>
+            <a:picLocks noChangeAspect="1"/>
+          </p:cNvPicPr>
+          <p:nvPr/>
+        </p:nvPicPr>
+        <p:blipFill>
           <a:blip r:embed="rId19">
             <a:extLst>
               <a:ext uri="{28A0092B-C50C-407E-A947-70E740481C1C}">
@@ -8893,14 +8939,437 @@
         </p:blipFill>
         <p:spPr>
           <a:xfrm>
-            <a:off x="1590957" y="30074310"/>
-            <a:ext cx="7441116" cy="5580837"/>
+            <a:off x="952553" y="34114423"/>
+            <a:ext cx="4857698" cy="3643274"/>
           </a:xfrm>
           <a:prstGeom prst="rect">
             <a:avLst/>
           </a:prstGeom>
         </p:spPr>
       </p:pic>
+      <p:sp>
+        <p:nvSpPr>
+          <p:cNvPr id="46" name="Textfeld 48">
+            <a:extLst>
+              <a:ext uri="{FF2B5EF4-FFF2-40B4-BE49-F238E27FC236}">
+                <a16:creationId xmlns:a16="http://schemas.microsoft.com/office/drawing/2014/main" id="{09012934-17D9-9E1F-A0A5-E6B32DB352BC}"/>
+              </a:ext>
+            </a:extLst>
+          </p:cNvPr>
+          <p:cNvSpPr txBox="1"/>
+          <p:nvPr/>
+        </p:nvSpPr>
+        <p:spPr>
+          <a:xfrm>
+            <a:off x="876288" y="28871353"/>
+            <a:ext cx="8377339" cy="5539978"/>
+          </a:xfrm>
+          <a:prstGeom prst="rect">
+            <a:avLst/>
+          </a:prstGeom>
+          <a:noFill/>
+        </p:spPr>
+        <p:txBody>
+          <a:bodyPr wrap="square" rtlCol="0">
+            <a:spAutoFit/>
+          </a:bodyPr>
+          <a:lstStyle/>
+          <a:p>
+            <a:pPr algn="just"/>
+            <a:r>
+              <a:rPr lang="en-GB" sz="2400" b="1" dirty="0">
+                <a:latin typeface="Source Sans Pro" panose="020B0503030403020204" pitchFamily="34" charset="0"/>
+                <a:ea typeface="Source Sans Pro" panose="020B0503030403020204" pitchFamily="34" charset="0"/>
+              </a:rPr>
+              <a:t>DBSCAN :</a:t>
+            </a:r>
+          </a:p>
+          <a:p>
+            <a:r>
+              <a:rPr lang="en-GB" sz="2400" dirty="0"/>
+              <a:t>is a clustering algorithm that can classify points in low-density regions as it considers </a:t>
+            </a:r>
+            <a:r>
+              <a:rPr lang="en-GB" sz="2400" b="1" dirty="0"/>
+              <a:t>point density and distance</a:t>
+            </a:r>
+            <a:r>
+              <a:rPr lang="en-GB" sz="2400" dirty="0"/>
+              <a:t>.</a:t>
+            </a:r>
+          </a:p>
+          <a:p>
+            <a:r>
+              <a:rPr lang="en-GB" sz="2400" b="1" dirty="0"/>
+              <a:t>ε (epsilon):</a:t>
+            </a:r>
+            <a:r>
+              <a:rPr lang="en-GB" sz="2400" dirty="0"/>
+              <a:t> The maximum distance between two points to be considered </a:t>
+            </a:r>
+            <a:r>
+              <a:rPr lang="en-GB" sz="2400" dirty="0" err="1"/>
+              <a:t>neighbors</a:t>
+            </a:r>
+            <a:r>
+              <a:rPr lang="en-GB" sz="2400" dirty="0"/>
+              <a:t>.</a:t>
+            </a:r>
+          </a:p>
+          <a:p>
+            <a:pPr marL="800100" lvl="1" indent="-342900">
+              <a:buFont typeface="Arial" panose="020B0604020202020204" pitchFamily="34" charset="0"/>
+              <a:buChar char="•"/>
+            </a:pPr>
+            <a:r>
+              <a:rPr lang="en-GB" sz="2400" dirty="0"/>
+              <a:t>If ε </a:t>
+            </a:r>
+            <a:r>
+              <a:rPr lang="en-GB" sz="2400" b="1" dirty="0"/>
+              <a:t>low </a:t>
+            </a:r>
+            <a:r>
+              <a:rPr lang="en-GB" sz="2400" dirty="0"/>
+              <a:t>=&gt; most points are classified as noise.</a:t>
+            </a:r>
+          </a:p>
+          <a:p>
+            <a:pPr marL="800100" lvl="1" indent="-342900">
+              <a:buFont typeface="Arial" panose="020B0604020202020204" pitchFamily="34" charset="0"/>
+              <a:buChar char="•"/>
+            </a:pPr>
+            <a:r>
+              <a:rPr lang="en-GB" sz="2400" dirty="0"/>
+              <a:t>If ε </a:t>
+            </a:r>
+            <a:r>
+              <a:rPr lang="en-GB" sz="2400" b="1" dirty="0"/>
+              <a:t>high </a:t>
+            </a:r>
+            <a:r>
+              <a:rPr lang="en-GB" sz="2400" dirty="0"/>
+              <a:t>=&gt; noise points may form a single large, meaningless cluster.</a:t>
+            </a:r>
+          </a:p>
+          <a:p>
+            <a:pPr lvl="1"/>
+            <a:r>
+              <a:rPr lang="en-GB" sz="2400" b="1" dirty="0" err="1"/>
+              <a:t>MinPts</a:t>
+            </a:r>
+            <a:r>
+              <a:rPr lang="en-GB" sz="2400" b="1" dirty="0"/>
+              <a:t>:</a:t>
+            </a:r>
+            <a:r>
+              <a:rPr lang="en-GB" sz="2400" dirty="0"/>
+              <a:t> The minimum number of </a:t>
+            </a:r>
+            <a:r>
+              <a:rPr lang="en-GB" sz="2400" dirty="0" err="1"/>
+              <a:t>neighbors</a:t>
+            </a:r>
+            <a:r>
+              <a:rPr lang="en-GB" sz="2400" dirty="0"/>
+              <a:t> (within ε distance) required to form a </a:t>
+            </a:r>
+            <a:r>
+              <a:rPr lang="en-GB" sz="2400" b="1" dirty="0"/>
+              <a:t>core point, border points</a:t>
+            </a:r>
+            <a:r>
+              <a:rPr lang="en-GB" sz="2400" dirty="0"/>
+              <a:t> are those within ε of a core point.</a:t>
+            </a:r>
+          </a:p>
+          <a:p>
+            <a:pPr marL="800100" lvl="1" indent="-342900">
+              <a:buFont typeface="Arial" panose="020B0604020202020204" pitchFamily="34" charset="0"/>
+              <a:buChar char="•"/>
+            </a:pPr>
+            <a:r>
+              <a:rPr lang="en-GB" sz="2400" dirty="0"/>
+              <a:t>If </a:t>
+            </a:r>
+            <a:r>
+              <a:rPr lang="en-GB" sz="2400" dirty="0" err="1"/>
+              <a:t>MinPts</a:t>
+            </a:r>
+            <a:r>
+              <a:rPr lang="en-GB" sz="2400" dirty="0"/>
+              <a:t>  </a:t>
+            </a:r>
+            <a:r>
+              <a:rPr lang="en-GB" sz="2400" b="1" dirty="0"/>
+              <a:t>low</a:t>
+            </a:r>
+            <a:r>
+              <a:rPr lang="en-GB" sz="2400" dirty="0">
+                <a:solidFill>
+                  <a:srgbClr val="B22F28"/>
+                </a:solidFill>
+              </a:rPr>
+              <a:t> </a:t>
+            </a:r>
+            <a:r>
+              <a:rPr lang="en-GB" sz="2400" dirty="0"/>
+              <a:t>=&gt;  isolated points can form clusters.</a:t>
+            </a:r>
+          </a:p>
+          <a:p>
+            <a:pPr marL="800100" lvl="1" indent="-342900">
+              <a:buFont typeface="Arial" panose="020B0604020202020204" pitchFamily="34" charset="0"/>
+              <a:buChar char="•"/>
+            </a:pPr>
+            <a:r>
+              <a:rPr lang="en-GB" sz="2400" dirty="0"/>
+              <a:t>If </a:t>
+            </a:r>
+            <a:r>
+              <a:rPr lang="en-GB" sz="2400" dirty="0" err="1"/>
+              <a:t>MinPts</a:t>
+            </a:r>
+            <a:r>
+              <a:rPr lang="en-GB" sz="2400" dirty="0"/>
+              <a:t>  </a:t>
+            </a:r>
+            <a:r>
+              <a:rPr lang="en-GB" sz="2400" b="1" dirty="0"/>
+              <a:t>high</a:t>
+            </a:r>
+            <a:r>
+              <a:rPr lang="en-GB" sz="2400" dirty="0"/>
+              <a:t> =&gt; large, dense clusters form, smaller ones are missed.</a:t>
+            </a:r>
+          </a:p>
+          <a:p>
+            <a:endParaRPr lang="en-US" noProof="0" dirty="0"/>
+          </a:p>
+        </p:txBody>
+      </p:sp>
+      <p:sp>
+        <p:nvSpPr>
+          <p:cNvPr id="52" name="Textfeld 48">
+            <a:extLst>
+              <a:ext uri="{FF2B5EF4-FFF2-40B4-BE49-F238E27FC236}">
+                <a16:creationId xmlns:a16="http://schemas.microsoft.com/office/drawing/2014/main" id="{0C9E6692-E493-9100-A3A2-2553EE851C05}"/>
+              </a:ext>
+            </a:extLst>
+          </p:cNvPr>
+          <p:cNvSpPr txBox="1"/>
+          <p:nvPr/>
+        </p:nvSpPr>
+        <p:spPr>
+          <a:xfrm>
+            <a:off x="6043140" y="34032715"/>
+            <a:ext cx="10001633" cy="4216539"/>
+          </a:xfrm>
+          <a:prstGeom prst="rect">
+            <a:avLst/>
+          </a:prstGeom>
+          <a:noFill/>
+        </p:spPr>
+        <p:txBody>
+          <a:bodyPr wrap="square" rtlCol="0">
+            <a:spAutoFit/>
+          </a:bodyPr>
+          <a:lstStyle/>
+          <a:p>
+            <a:pPr algn="just"/>
+            <a:r>
+              <a:rPr lang="en-US" sz="2400" b="1" noProof="0" dirty="0">
+                <a:latin typeface="Source Sans Pro" panose="020B0503030403020204" pitchFamily="34" charset="0"/>
+                <a:ea typeface="Source Sans Pro" panose="020B0503030403020204" pitchFamily="34" charset="0"/>
+              </a:rPr>
+              <a:t>Statistical Analysis</a:t>
+            </a:r>
+          </a:p>
+          <a:p>
+            <a:pPr algn="just"/>
+            <a:endParaRPr lang="en-US" sz="1000" noProof="0" dirty="0">
+              <a:latin typeface="Source Sans Pro" panose="020B0503030403020204" pitchFamily="34" charset="0"/>
+              <a:ea typeface="Source Sans Pro" panose="020B0503030403020204" pitchFamily="34" charset="0"/>
+            </a:endParaRPr>
+          </a:p>
+          <a:p>
+            <a:pPr algn="just"/>
+            <a:r>
+              <a:rPr lang="en-US" sz="2400" noProof="0" dirty="0">
+                <a:latin typeface="Source Sans Pro" panose="020B0503030403020204" pitchFamily="34" charset="0"/>
+                <a:ea typeface="Source Sans Pro" panose="020B0503030403020204" pitchFamily="34" charset="0"/>
+              </a:rPr>
+              <a:t>In order to </a:t>
+            </a:r>
+            <a:r>
+              <a:rPr lang="en-US" sz="2400" noProof="0" dirty="0" err="1">
+                <a:latin typeface="Source Sans Pro" panose="020B0503030403020204" pitchFamily="34" charset="0"/>
+                <a:ea typeface="Source Sans Pro" panose="020B0503030403020204" pitchFamily="34" charset="0"/>
+              </a:rPr>
+              <a:t>cualitativly</a:t>
+            </a:r>
+            <a:r>
+              <a:rPr lang="en-US" sz="2400" noProof="0" dirty="0">
+                <a:latin typeface="Source Sans Pro" panose="020B0503030403020204" pitchFamily="34" charset="0"/>
+                <a:ea typeface="Source Sans Pro" panose="020B0503030403020204" pitchFamily="34" charset="0"/>
+              </a:rPr>
+              <a:t> validate the efficiency in clustering of the two parameters we created a heatmap with a specific </a:t>
+            </a:r>
+            <a:r>
+              <a:rPr lang="en-US" sz="2400" b="1" noProof="0" dirty="0" err="1">
+                <a:latin typeface="Source Sans Pro" panose="020B0503030403020204" pitchFamily="34" charset="0"/>
+                <a:ea typeface="Source Sans Pro" panose="020B0503030403020204" pitchFamily="34" charset="0"/>
+              </a:rPr>
+              <a:t>sc</a:t>
+            </a:r>
+            <a:r>
+              <a:rPr lang="en-US" sz="2400" b="1" dirty="0" err="1">
+                <a:latin typeface="Source Sans Pro" panose="020B0503030403020204" pitchFamily="34" charset="0"/>
+                <a:ea typeface="Source Sans Pro" panose="020B0503030403020204" pitchFamily="34" charset="0"/>
+              </a:rPr>
+              <a:t>oring</a:t>
+            </a:r>
+            <a:r>
+              <a:rPr lang="en-US" sz="2400" b="1" dirty="0">
+                <a:latin typeface="Source Sans Pro" panose="020B0503030403020204" pitchFamily="34" charset="0"/>
+                <a:ea typeface="Source Sans Pro" panose="020B0503030403020204" pitchFamily="34" charset="0"/>
+              </a:rPr>
+              <a:t> logic</a:t>
+            </a:r>
+          </a:p>
+          <a:p>
+            <a:pPr algn="just"/>
+            <a:endParaRPr lang="en-US" sz="2400" b="1" noProof="0" dirty="0">
+              <a:latin typeface="Source Sans Pro" panose="020B0503030403020204" pitchFamily="34" charset="0"/>
+              <a:ea typeface="Source Sans Pro" panose="020B0503030403020204" pitchFamily="34" charset="0"/>
+            </a:endParaRPr>
+          </a:p>
+          <a:p>
+            <a:pPr algn="just"/>
+            <a:r>
+              <a:rPr lang="en-US" sz="2400" noProof="0" dirty="0">
+                <a:latin typeface="Source Sans Pro" panose="020B0503030403020204" pitchFamily="34" charset="0"/>
+                <a:ea typeface="Source Sans Pro" panose="020B0503030403020204" pitchFamily="34" charset="0"/>
+              </a:rPr>
+              <a:t>And following Proteins (based on CORUM) </a:t>
+            </a:r>
+            <a:r>
+              <a:rPr lang="en-US" sz="2400" dirty="0">
+                <a:latin typeface="Source Sans Pro" panose="020B0503030403020204" pitchFamily="34" charset="0"/>
+                <a:ea typeface="Source Sans Pro" panose="020B0503030403020204" pitchFamily="34" charset="0"/>
+              </a:rPr>
+              <a:t>as … </a:t>
+            </a:r>
+          </a:p>
+          <a:p>
+            <a:pPr algn="just"/>
+            <a:endParaRPr lang="en-US" sz="2400" noProof="0" dirty="0">
+              <a:latin typeface="Source Sans Pro" panose="020B0503030403020204" pitchFamily="34" charset="0"/>
+              <a:ea typeface="Source Sans Pro" panose="020B0503030403020204" pitchFamily="34" charset="0"/>
+            </a:endParaRPr>
+          </a:p>
+          <a:p>
+            <a:pPr algn="just"/>
+            <a:r>
+              <a:rPr lang="en-US" sz="2400" dirty="0" err="1">
+                <a:latin typeface="Source Sans Pro" panose="020B0503030403020204" pitchFamily="34" charset="0"/>
+                <a:ea typeface="Source Sans Pro" panose="020B0503030403020204" pitchFamily="34" charset="0"/>
+              </a:rPr>
+              <a:t>Positv</a:t>
+            </a:r>
+            <a:r>
+              <a:rPr lang="en-US" sz="2400" dirty="0">
+                <a:latin typeface="Source Sans Pro" panose="020B0503030403020204" pitchFamily="34" charset="0"/>
+                <a:ea typeface="Source Sans Pro" panose="020B0503030403020204" pitchFamily="34" charset="0"/>
+              </a:rPr>
+              <a:t>  </a:t>
+            </a:r>
+            <a:r>
+              <a:rPr lang="en-US" sz="2400" dirty="0" err="1">
+                <a:latin typeface="Source Sans Pro" panose="020B0503030403020204" pitchFamily="34" charset="0"/>
+                <a:ea typeface="Source Sans Pro" panose="020B0503030403020204" pitchFamily="34" charset="0"/>
+              </a:rPr>
+              <a:t>Controll</a:t>
+            </a:r>
+            <a:r>
+              <a:rPr lang="en-US" sz="2400" dirty="0">
+                <a:latin typeface="Source Sans Pro" panose="020B0503030403020204" pitchFamily="34" charset="0"/>
+                <a:ea typeface="Source Sans Pro" panose="020B0503030403020204" pitchFamily="34" charset="0"/>
+              </a:rPr>
+              <a:t>:  Proteins from Complex XXX</a:t>
+            </a:r>
+          </a:p>
+          <a:p>
+            <a:pPr algn="just"/>
+            <a:endParaRPr lang="en-US" sz="2400" dirty="0">
+              <a:latin typeface="Source Sans Pro" panose="020B0503030403020204" pitchFamily="34" charset="0"/>
+              <a:ea typeface="Source Sans Pro" panose="020B0503030403020204" pitchFamily="34" charset="0"/>
+            </a:endParaRPr>
+          </a:p>
+          <a:p>
+            <a:pPr algn="just"/>
+            <a:r>
+              <a:rPr lang="en-US" sz="2400" dirty="0" err="1">
+                <a:latin typeface="Source Sans Pro" panose="020B0503030403020204" pitchFamily="34" charset="0"/>
+                <a:ea typeface="Source Sans Pro" panose="020B0503030403020204" pitchFamily="34" charset="0"/>
+              </a:rPr>
+              <a:t>Negativ</a:t>
+            </a:r>
+            <a:r>
+              <a:rPr lang="en-US" sz="2400" dirty="0">
+                <a:latin typeface="Source Sans Pro" panose="020B0503030403020204" pitchFamily="34" charset="0"/>
+                <a:ea typeface="Source Sans Pro" panose="020B0503030403020204" pitchFamily="34" charset="0"/>
+              </a:rPr>
+              <a:t> </a:t>
+            </a:r>
+            <a:r>
+              <a:rPr lang="en-US" sz="2400" dirty="0" err="1">
+                <a:latin typeface="Source Sans Pro" panose="020B0503030403020204" pitchFamily="34" charset="0"/>
+                <a:ea typeface="Source Sans Pro" panose="020B0503030403020204" pitchFamily="34" charset="0"/>
+              </a:rPr>
+              <a:t>Controll</a:t>
+            </a:r>
+            <a:r>
+              <a:rPr lang="en-US" sz="2400" dirty="0">
+                <a:latin typeface="Source Sans Pro" panose="020B0503030403020204" pitchFamily="34" charset="0"/>
+                <a:ea typeface="Source Sans Pro" panose="020B0503030403020204" pitchFamily="34" charset="0"/>
+              </a:rPr>
+              <a:t>:  </a:t>
+            </a:r>
+            <a:r>
+              <a:rPr lang="en-US" sz="2400" dirty="0" err="1">
+                <a:latin typeface="Source Sans Pro" panose="020B0503030403020204" pitchFamily="34" charset="0"/>
+                <a:ea typeface="Source Sans Pro" panose="020B0503030403020204" pitchFamily="34" charset="0"/>
+              </a:rPr>
+              <a:t>Prteins</a:t>
+            </a:r>
+            <a:r>
+              <a:rPr lang="en-US" sz="2400" dirty="0">
+                <a:latin typeface="Source Sans Pro" panose="020B0503030403020204" pitchFamily="34" charset="0"/>
+                <a:ea typeface="Source Sans Pro" panose="020B0503030403020204" pitchFamily="34" charset="0"/>
+              </a:rPr>
+              <a:t> X and Y </a:t>
+            </a:r>
+          </a:p>
+          <a:p>
+            <a:pPr algn="just"/>
+            <a:r>
+              <a:rPr lang="en-US" sz="2400" dirty="0">
+                <a:latin typeface="Source Sans Pro" panose="020B0503030403020204" pitchFamily="34" charset="0"/>
+                <a:ea typeface="Source Sans Pro" panose="020B0503030403020204" pitchFamily="34" charset="0"/>
+              </a:rPr>
+              <a:t> </a:t>
+            </a:r>
+            <a:endParaRPr lang="en-US" sz="2400" noProof="0" dirty="0">
+              <a:latin typeface="Source Sans Pro" panose="020B0503030403020204" pitchFamily="34" charset="0"/>
+              <a:ea typeface="Source Sans Pro" panose="020B0503030403020204" pitchFamily="34" charset="0"/>
+            </a:endParaRPr>
+          </a:p>
+          <a:p>
+            <a:endParaRPr lang="en-US" noProof="0" dirty="0"/>
+          </a:p>
+        </p:txBody>
+      </p:sp>
     </p:spTree>
     <p:extLst>
       <p:ext uri="{BB962C8B-B14F-4D97-AF65-F5344CB8AC3E}">

--- a/RiboZwo.pptx
+++ b/RiboZwo.pptx
@@ -5,11 +5,10 @@
     <p:sldMasterId id="2147483660" r:id="rId1"/>
   </p:sldMasterIdLst>
   <p:notesMasterIdLst>
-    <p:notesMasterId r:id="rId4"/>
+    <p:notesMasterId r:id="rId3"/>
   </p:notesMasterIdLst>
   <p:sldIdLst>
-    <p:sldId id="256" r:id="rId2"/>
-    <p:sldId id="258" r:id="rId3"/>
+    <p:sldId id="258" r:id="rId2"/>
   </p:sldIdLst>
   <p:sldSz cx="30275213" cy="42803763"/>
   <p:notesSz cx="6858000" cy="9144000"/>
@@ -119,7 +118,7 @@
 <file path=ppt/revisionInfo.xml><?xml version="1.0" encoding="utf-8"?>
 <p1510:revInfo xmlns:a="http://schemas.openxmlformats.org/drawingml/2006/main" xmlns:r="http://schemas.openxmlformats.org/officeDocument/2006/relationships" xmlns:p1510="http://schemas.microsoft.com/office/powerpoint/2015/10/main">
   <p1510:revLst>
-    <p1510:client id="{E5A86D5C-552E-4995-AB32-5E49D96B1D3A}" v="24" dt="2025-07-03T14:16:08.782"/>
+    <p1510:client id="{E5A86D5C-552E-4995-AB32-5E49D96B1D3A}" v="26" dt="2025-07-04T07:16:43.022"/>
   </p1510:revLst>
 </p1510:revInfo>
 </file>
@@ -128,13 +127,13 @@
 <pc:chgInfo xmlns:a="http://schemas.openxmlformats.org/drawingml/2006/main" xmlns:r="http://schemas.openxmlformats.org/officeDocument/2006/relationships" xmlns:ac="http://schemas.microsoft.com/office/drawing/2013/main/command" xmlns:pc="http://schemas.microsoft.com/office/powerpoint/2013/main/command">
   <pc:docChgLst>
     <pc:chgData name="Cihan Zeyrek" userId="dd9724baaf2e43d1" providerId="LiveId" clId="{E5A86D5C-552E-4995-AB32-5E49D96B1D3A}"/>
-    <pc:docChg chg="undo redo custSel modSld">
-      <pc:chgData name="Cihan Zeyrek" userId="dd9724baaf2e43d1" providerId="LiveId" clId="{E5A86D5C-552E-4995-AB32-5E49D96B1D3A}" dt="2025-07-03T14:16:27.570" v="3691" actId="113"/>
+    <pc:docChg chg="undo redo custSel delSld modSld">
+      <pc:chgData name="Cihan Zeyrek" userId="dd9724baaf2e43d1" providerId="LiveId" clId="{E5A86D5C-552E-4995-AB32-5E49D96B1D3A}" dt="2025-07-04T07:16:58.909" v="4339" actId="1076"/>
       <pc:docMkLst>
         <pc:docMk/>
       </pc:docMkLst>
-      <pc:sldChg chg="addSp delSp modSp mod">
-        <pc:chgData name="Cihan Zeyrek" userId="dd9724baaf2e43d1" providerId="LiveId" clId="{E5A86D5C-552E-4995-AB32-5E49D96B1D3A}" dt="2025-07-03T13:41:54.663" v="2908" actId="790"/>
+      <pc:sldChg chg="addSp delSp modSp del mod">
+        <pc:chgData name="Cihan Zeyrek" userId="dd9724baaf2e43d1" providerId="LiveId" clId="{E5A86D5C-552E-4995-AB32-5E49D96B1D3A}" dt="2025-07-04T06:56:45.793" v="4306" actId="2696"/>
         <pc:sldMkLst>
           <pc:docMk/>
           <pc:sldMk cId="4168340417" sldId="256"/>
@@ -204,14 +203,6 @@
           </ac:spMkLst>
         </pc:spChg>
         <pc:spChg chg="mod">
-          <ac:chgData name="Cihan Zeyrek" userId="dd9724baaf2e43d1" providerId="LiveId" clId="{E5A86D5C-552E-4995-AB32-5E49D96B1D3A}" dt="2025-07-02T09:40:18.023" v="1545" actId="790"/>
-          <ac:spMkLst>
-            <pc:docMk/>
-            <pc:sldMk cId="4168340417" sldId="256"/>
-            <ac:spMk id="15" creationId="{34498636-DA62-FA52-F894-81E249289BCD}"/>
-          </ac:spMkLst>
-        </pc:spChg>
-        <pc:spChg chg="mod">
           <ac:chgData name="Cihan Zeyrek" userId="dd9724baaf2e43d1" providerId="LiveId" clId="{E5A86D5C-552E-4995-AB32-5E49D96B1D3A}" dt="2025-07-03T13:41:54.663" v="2908" actId="790"/>
           <ac:spMkLst>
             <pc:docMk/>
@@ -227,25 +218,9 @@
             <ac:spMk id="17" creationId="{3D4251CA-B37E-2ADC-3EC4-92CDFC656422}"/>
           </ac:spMkLst>
         </pc:spChg>
-        <pc:picChg chg="add mod">
-          <ac:chgData name="Cihan Zeyrek" userId="dd9724baaf2e43d1" providerId="LiveId" clId="{E5A86D5C-552E-4995-AB32-5E49D96B1D3A}" dt="2025-06-30T15:56:28.718" v="131" actId="1076"/>
-          <ac:picMkLst>
-            <pc:docMk/>
-            <pc:sldMk cId="4168340417" sldId="256"/>
-            <ac:picMk id="18" creationId="{AED22679-52DC-ECE8-A2D7-89A7E33E7A44}"/>
-          </ac:picMkLst>
-        </pc:picChg>
-        <pc:picChg chg="add mod">
-          <ac:chgData name="Cihan Zeyrek" userId="dd9724baaf2e43d1" providerId="LiveId" clId="{E5A86D5C-552E-4995-AB32-5E49D96B1D3A}" dt="2025-06-30T15:55:56.601" v="127" actId="1076"/>
-          <ac:picMkLst>
-            <pc:docMk/>
-            <pc:sldMk cId="4168340417" sldId="256"/>
-            <ac:picMk id="20" creationId="{109B983B-C86E-49D0-A0E7-DCBDB9FF69F8}"/>
-          </ac:picMkLst>
-        </pc:picChg>
       </pc:sldChg>
       <pc:sldChg chg="addSp delSp modSp mod">
-        <pc:chgData name="Cihan Zeyrek" userId="dd9724baaf2e43d1" providerId="LiveId" clId="{E5A86D5C-552E-4995-AB32-5E49D96B1D3A}" dt="2025-07-03T14:16:27.570" v="3691" actId="113"/>
+        <pc:chgData name="Cihan Zeyrek" userId="dd9724baaf2e43d1" providerId="LiveId" clId="{E5A86D5C-552E-4995-AB32-5E49D96B1D3A}" dt="2025-07-04T07:16:58.909" v="4339" actId="1076"/>
         <pc:sldMkLst>
           <pc:docMk/>
           <pc:sldMk cId="3613911005" sldId="258"/>
@@ -275,7 +250,7 @@
           </ac:spMkLst>
         </pc:spChg>
         <pc:spChg chg="mod">
-          <ac:chgData name="Cihan Zeyrek" userId="dd9724baaf2e43d1" providerId="LiveId" clId="{E5A86D5C-552E-4995-AB32-5E49D96B1D3A}" dt="2025-07-03T13:41:54.663" v="2908" actId="790"/>
+          <ac:chgData name="Cihan Zeyrek" userId="dd9724baaf2e43d1" providerId="LiveId" clId="{E5A86D5C-552E-4995-AB32-5E49D96B1D3A}" dt="2025-07-04T07:00:05.051" v="4318" actId="20577"/>
           <ac:spMkLst>
             <pc:docMk/>
             <pc:sldMk cId="3613911005" sldId="258"/>
@@ -320,6 +295,14 @@
             <pc:docMk/>
             <pc:sldMk cId="3613911005" sldId="258"/>
             <ac:spMk id="16" creationId="{0FCE50A5-8321-3A15-8F2E-E7A4119AE242}"/>
+          </ac:spMkLst>
+        </pc:spChg>
+        <pc:spChg chg="mod">
+          <ac:chgData name="Cihan Zeyrek" userId="dd9724baaf2e43d1" providerId="LiveId" clId="{E5A86D5C-552E-4995-AB32-5E49D96B1D3A}" dt="2025-07-04T06:57:01.834" v="4307" actId="1076"/>
+          <ac:spMkLst>
+            <pc:docMk/>
+            <pc:sldMk cId="3613911005" sldId="258"/>
+            <ac:spMk id="19" creationId="{A79DB282-97A5-4F70-6071-974EECF280C5}"/>
           </ac:spMkLst>
         </pc:spChg>
         <pc:spChg chg="mod">
@@ -410,6 +393,14 @@
             <ac:grpSpMk id="42" creationId="{AF808B17-6572-A307-B9E8-253821F89EE7}"/>
           </ac:grpSpMkLst>
         </pc:grpChg>
+        <pc:grpChg chg="del mod">
+          <ac:chgData name="Cihan Zeyrek" userId="dd9724baaf2e43d1" providerId="LiveId" clId="{E5A86D5C-552E-4995-AB32-5E49D96B1D3A}" dt="2025-07-04T07:16:55.680" v="4338" actId="478"/>
+          <ac:grpSpMkLst>
+            <pc:docMk/>
+            <pc:sldMk cId="3613911005" sldId="258"/>
+            <ac:grpSpMk id="44" creationId="{40211F4B-E423-2BFB-9135-28A3C8361C2A}"/>
+          </ac:grpSpMkLst>
+        </pc:grpChg>
         <pc:graphicFrameChg chg="mod">
           <ac:chgData name="Cihan Zeyrek" userId="dd9724baaf2e43d1" providerId="LiveId" clId="{E5A86D5C-552E-4995-AB32-5E49D96B1D3A}" dt="2025-07-03T13:40:26.857" v="2887" actId="1076"/>
           <ac:graphicFrameMkLst>
@@ -419,7 +410,15 @@
           </ac:graphicFrameMkLst>
         </pc:graphicFrameChg>
         <pc:picChg chg="mod">
-          <ac:chgData name="Cihan Zeyrek" userId="dd9724baaf2e43d1" providerId="LiveId" clId="{E5A86D5C-552E-4995-AB32-5E49D96B1D3A}" dt="2025-07-03T13:38:55.409" v="2872" actId="1076"/>
+          <ac:chgData name="Cihan Zeyrek" userId="dd9724baaf2e43d1" providerId="LiveId" clId="{E5A86D5C-552E-4995-AB32-5E49D96B1D3A}" dt="2025-07-04T07:08:38.727" v="4328" actId="1076"/>
+          <ac:picMkLst>
+            <pc:docMk/>
+            <pc:sldMk cId="3613911005" sldId="258"/>
+            <ac:picMk id="29" creationId="{ACBF7A39-3336-9D05-9D48-508D000FD43F}"/>
+          </ac:picMkLst>
+        </pc:picChg>
+        <pc:picChg chg="mod">
+          <ac:chgData name="Cihan Zeyrek" userId="dd9724baaf2e43d1" providerId="LiveId" clId="{E5A86D5C-552E-4995-AB32-5E49D96B1D3A}" dt="2025-07-04T07:08:29.875" v="4324" actId="1076"/>
           <ac:picMkLst>
             <pc:docMk/>
             <pc:sldMk cId="3613911005" sldId="258"/>
@@ -458,6 +457,22 @@
             <ac:picMk id="55" creationId="{2850C1C9-B223-F7BE-1D76-2515B899DD6B}"/>
           </ac:picMkLst>
         </pc:picChg>
+        <pc:picChg chg="add del mod">
+          <ac:chgData name="Cihan Zeyrek" userId="dd9724baaf2e43d1" providerId="LiveId" clId="{E5A86D5C-552E-4995-AB32-5E49D96B1D3A}" dt="2025-07-04T07:08:49.478" v="4330" actId="478"/>
+          <ac:picMkLst>
+            <pc:docMk/>
+            <pc:sldMk cId="3613911005" sldId="258"/>
+            <ac:picMk id="55" creationId="{A08733B5-E39F-DE9F-59C5-A211788BFA98}"/>
+          </ac:picMkLst>
+        </pc:picChg>
+        <pc:picChg chg="add mod">
+          <ac:chgData name="Cihan Zeyrek" userId="dd9724baaf2e43d1" providerId="LiveId" clId="{E5A86D5C-552E-4995-AB32-5E49D96B1D3A}" dt="2025-07-04T07:16:58.909" v="4339" actId="1076"/>
+          <ac:picMkLst>
+            <pc:docMk/>
+            <pc:sldMk cId="3613911005" sldId="258"/>
+            <ac:picMk id="58" creationId="{A4E66611-3D6E-9A44-4656-502C42629693}"/>
+          </ac:picMkLst>
+        </pc:picChg>
       </pc:sldChg>
     </pc:docChg>
   </pc:docChgLst>
@@ -467,7 +482,7 @@
 <file path=ppt/charts/chart1.xml><?xml version="1.0" encoding="utf-8"?>
 <c:chartSpace xmlns:c="http://schemas.openxmlformats.org/drawingml/2006/chart" xmlns:a="http://schemas.openxmlformats.org/drawingml/2006/main" xmlns:r="http://schemas.openxmlformats.org/officeDocument/2006/relationships" xmlns:c16r2="http://schemas.microsoft.com/office/drawing/2015/06/chart">
   <c:date1904 val="0"/>
-  <c:lang val="en-GB"/>
+  <c:lang val="de-DE"/>
   <c:roundedCorners val="0"/>
   <mc:AlternateContent xmlns:mc="http://schemas.openxmlformats.org/markup-compatibility/2006">
     <mc:Choice xmlns:c14="http://schemas.microsoft.com/office/drawing/2007/8/2/chart" Requires="c14">
@@ -1477,7 +1492,7 @@
           <a:p>
             <a:fld id="{12610477-6C94-4391-BBDC-B8E9BB33E658}" type="datetimeFigureOut">
               <a:rPr lang="de-DE" smtClean="0"/>
-              <a:t>03.07.2025</a:t>
+              <a:t>04.07.2025</a:t>
             </a:fld>
             <a:endParaRPr lang="de-DE"/>
           </a:p>
@@ -1635,7 +1650,7 @@
           <a:p>
             <a:fld id="{B23F8280-8283-495D-A659-9194DB8B63EA}" type="slidenum">
               <a:rPr lang="de-DE" smtClean="0"/>
-              <a:t>‹#›</a:t>
+              <a:t>‹Nr.›</a:t>
             </a:fld>
             <a:endParaRPr lang="de-DE"/>
           </a:p>
@@ -1749,90 +1764,6 @@
   <p:cSld>
     <p:spTree>
       <p:nvGrpSpPr>
-        <p:cNvPr id="1" name=""/>
-        <p:cNvGrpSpPr/>
-        <p:nvPr/>
-      </p:nvGrpSpPr>
-      <p:grpSpPr>
-        <a:xfrm>
-          <a:off x="0" y="0"/>
-          <a:ext cx="0" cy="0"/>
-          <a:chOff x="0" y="0"/>
-          <a:chExt cx="0" cy="0"/>
-        </a:xfrm>
-      </p:grpSpPr>
-      <p:sp>
-        <p:nvSpPr>
-          <p:cNvPr id="2" name="Folienbildplatzhalter 1"/>
-          <p:cNvSpPr>
-            <a:spLocks noGrp="1" noRot="1" noChangeAspect="1"/>
-          </p:cNvSpPr>
-          <p:nvPr>
-            <p:ph type="sldImg"/>
-          </p:nvPr>
-        </p:nvSpPr>
-        <p:spPr/>
-      </p:sp>
-      <p:sp>
-        <p:nvSpPr>
-          <p:cNvPr id="3" name="Notizenplatzhalter 2"/>
-          <p:cNvSpPr>
-            <a:spLocks noGrp="1"/>
-          </p:cNvSpPr>
-          <p:nvPr>
-            <p:ph type="body" idx="1"/>
-          </p:nvPr>
-        </p:nvSpPr>
-        <p:spPr/>
-        <p:txBody>
-          <a:bodyPr/>
-          <a:lstStyle/>
-          <a:p>
-            <a:endParaRPr lang="de-DE" dirty="0"/>
-          </a:p>
-        </p:txBody>
-      </p:sp>
-      <p:sp>
-        <p:nvSpPr>
-          <p:cNvPr id="4" name="Foliennummernplatzhalter 3"/>
-          <p:cNvSpPr>
-            <a:spLocks noGrp="1"/>
-          </p:cNvSpPr>
-          <p:nvPr>
-            <p:ph type="sldNum" sz="quarter" idx="5"/>
-          </p:nvPr>
-        </p:nvSpPr>
-        <p:spPr/>
-        <p:txBody>
-          <a:bodyPr/>
-          <a:lstStyle/>
-          <a:p>
-            <a:fld id="{B23F8280-8283-495D-A659-9194DB8B63EA}" type="slidenum">
-              <a:rPr lang="de-DE" smtClean="0"/>
-              <a:t>1</a:t>
-            </a:fld>
-            <a:endParaRPr lang="de-DE"/>
-          </a:p>
-        </p:txBody>
-      </p:sp>
-    </p:spTree>
-    <p:extLst>
-      <p:ext uri="{BB962C8B-B14F-4D97-AF65-F5344CB8AC3E}">
-        <p14:creationId xmlns:p14="http://schemas.microsoft.com/office/powerpoint/2010/main" val="4207429655"/>
-      </p:ext>
-    </p:extLst>
-  </p:cSld>
-  <p:clrMapOvr>
-    <a:masterClrMapping/>
-  </p:clrMapOvr>
-</p:notes>
-</file>
-
-<file path=ppt/notesSlides/notesSlide2.xml><?xml version="1.0" encoding="utf-8"?>
-<p:notes xmlns:a="http://schemas.openxmlformats.org/drawingml/2006/main" xmlns:r="http://schemas.openxmlformats.org/officeDocument/2006/relationships" xmlns:p="http://schemas.openxmlformats.org/presentationml/2006/main">
-  <p:cSld>
-    <p:spTree>
-      <p:nvGrpSpPr>
         <p:cNvPr id="1" name="">
           <a:extLst>
             <a:ext uri="{FF2B5EF4-FFF2-40B4-BE49-F238E27FC236}">
@@ -1917,7 +1848,7 @@
           <a:p>
             <a:fld id="{B23F8280-8283-495D-A659-9194DB8B63EA}" type="slidenum">
               <a:rPr lang="de-DE" smtClean="0"/>
-              <a:t>2</a:t>
+              <a:t>1</a:t>
             </a:fld>
             <a:endParaRPr lang="de-DE"/>
           </a:p>
@@ -2067,7 +1998,7 @@
           <a:p>
             <a:fld id="{F9ACF1CB-8064-4AFF-8DFB-49A00122A1FD}" type="datetimeFigureOut">
               <a:rPr lang="de-DE" smtClean="0"/>
-              <a:t>03.07.2025</a:t>
+              <a:t>04.07.2025</a:t>
             </a:fld>
             <a:endParaRPr lang="de-DE"/>
           </a:p>
@@ -2109,7 +2040,7 @@
           <a:p>
             <a:fld id="{79580C82-F813-4CCE-B4AC-52ACFAE55A43}" type="slidenum">
               <a:rPr lang="de-DE" smtClean="0"/>
-              <a:t>‹#›</a:t>
+              <a:t>‹Nr.›</a:t>
             </a:fld>
             <a:endParaRPr lang="de-DE"/>
           </a:p>
@@ -2237,7 +2168,7 @@
           <a:p>
             <a:fld id="{F9ACF1CB-8064-4AFF-8DFB-49A00122A1FD}" type="datetimeFigureOut">
               <a:rPr lang="de-DE" smtClean="0"/>
-              <a:t>03.07.2025</a:t>
+              <a:t>04.07.2025</a:t>
             </a:fld>
             <a:endParaRPr lang="de-DE"/>
           </a:p>
@@ -2279,7 +2210,7 @@
           <a:p>
             <a:fld id="{79580C82-F813-4CCE-B4AC-52ACFAE55A43}" type="slidenum">
               <a:rPr lang="de-DE" smtClean="0"/>
-              <a:t>‹#›</a:t>
+              <a:t>‹Nr.›</a:t>
             </a:fld>
             <a:endParaRPr lang="de-DE"/>
           </a:p>
@@ -2417,7 +2348,7 @@
           <a:p>
             <a:fld id="{F9ACF1CB-8064-4AFF-8DFB-49A00122A1FD}" type="datetimeFigureOut">
               <a:rPr lang="de-DE" smtClean="0"/>
-              <a:t>03.07.2025</a:t>
+              <a:t>04.07.2025</a:t>
             </a:fld>
             <a:endParaRPr lang="de-DE"/>
           </a:p>
@@ -2459,7 +2390,7 @@
           <a:p>
             <a:fld id="{79580C82-F813-4CCE-B4AC-52ACFAE55A43}" type="slidenum">
               <a:rPr lang="de-DE" smtClean="0"/>
-              <a:t>‹#›</a:t>
+              <a:t>‹Nr.›</a:t>
             </a:fld>
             <a:endParaRPr lang="de-DE"/>
           </a:p>
@@ -2587,7 +2518,7 @@
           <a:p>
             <a:fld id="{F9ACF1CB-8064-4AFF-8DFB-49A00122A1FD}" type="datetimeFigureOut">
               <a:rPr lang="de-DE" smtClean="0"/>
-              <a:t>03.07.2025</a:t>
+              <a:t>04.07.2025</a:t>
             </a:fld>
             <a:endParaRPr lang="de-DE"/>
           </a:p>
@@ -2629,7 +2560,7 @@
           <a:p>
             <a:fld id="{79580C82-F813-4CCE-B4AC-52ACFAE55A43}" type="slidenum">
               <a:rPr lang="de-DE" smtClean="0"/>
-              <a:t>‹#›</a:t>
+              <a:t>‹Nr.›</a:t>
             </a:fld>
             <a:endParaRPr lang="de-DE"/>
           </a:p>
@@ -2833,7 +2764,7 @@
           <a:p>
             <a:fld id="{F9ACF1CB-8064-4AFF-8DFB-49A00122A1FD}" type="datetimeFigureOut">
               <a:rPr lang="de-DE" smtClean="0"/>
-              <a:t>03.07.2025</a:t>
+              <a:t>04.07.2025</a:t>
             </a:fld>
             <a:endParaRPr lang="de-DE"/>
           </a:p>
@@ -2875,7 +2806,7 @@
           <a:p>
             <a:fld id="{79580C82-F813-4CCE-B4AC-52ACFAE55A43}" type="slidenum">
               <a:rPr lang="de-DE" smtClean="0"/>
-              <a:t>‹#›</a:t>
+              <a:t>‹Nr.›</a:t>
             </a:fld>
             <a:endParaRPr lang="de-DE"/>
           </a:p>
@@ -3065,7 +2996,7 @@
           <a:p>
             <a:fld id="{F9ACF1CB-8064-4AFF-8DFB-49A00122A1FD}" type="datetimeFigureOut">
               <a:rPr lang="de-DE" smtClean="0"/>
-              <a:t>03.07.2025</a:t>
+              <a:t>04.07.2025</a:t>
             </a:fld>
             <a:endParaRPr lang="de-DE"/>
           </a:p>
@@ -3107,7 +3038,7 @@
           <a:p>
             <a:fld id="{79580C82-F813-4CCE-B4AC-52ACFAE55A43}" type="slidenum">
               <a:rPr lang="de-DE" smtClean="0"/>
-              <a:t>‹#›</a:t>
+              <a:t>‹Nr.›</a:t>
             </a:fld>
             <a:endParaRPr lang="de-DE"/>
           </a:p>
@@ -3432,7 +3363,7 @@
           <a:p>
             <a:fld id="{F9ACF1CB-8064-4AFF-8DFB-49A00122A1FD}" type="datetimeFigureOut">
               <a:rPr lang="de-DE" smtClean="0"/>
-              <a:t>03.07.2025</a:t>
+              <a:t>04.07.2025</a:t>
             </a:fld>
             <a:endParaRPr lang="de-DE"/>
           </a:p>
@@ -3474,7 +3405,7 @@
           <a:p>
             <a:fld id="{79580C82-F813-4CCE-B4AC-52ACFAE55A43}" type="slidenum">
               <a:rPr lang="de-DE" smtClean="0"/>
-              <a:t>‹#›</a:t>
+              <a:t>‹Nr.›</a:t>
             </a:fld>
             <a:endParaRPr lang="de-DE"/>
           </a:p>
@@ -3550,7 +3481,7 @@
           <a:p>
             <a:fld id="{F9ACF1CB-8064-4AFF-8DFB-49A00122A1FD}" type="datetimeFigureOut">
               <a:rPr lang="de-DE" smtClean="0"/>
-              <a:t>03.07.2025</a:t>
+              <a:t>04.07.2025</a:t>
             </a:fld>
             <a:endParaRPr lang="de-DE"/>
           </a:p>
@@ -3592,7 +3523,7 @@
           <a:p>
             <a:fld id="{79580C82-F813-4CCE-B4AC-52ACFAE55A43}" type="slidenum">
               <a:rPr lang="de-DE" smtClean="0"/>
-              <a:t>‹#›</a:t>
+              <a:t>‹Nr.›</a:t>
             </a:fld>
             <a:endParaRPr lang="de-DE"/>
           </a:p>
@@ -3645,7 +3576,7 @@
           <a:p>
             <a:fld id="{F9ACF1CB-8064-4AFF-8DFB-49A00122A1FD}" type="datetimeFigureOut">
               <a:rPr lang="de-DE" smtClean="0"/>
-              <a:t>03.07.2025</a:t>
+              <a:t>04.07.2025</a:t>
             </a:fld>
             <a:endParaRPr lang="de-DE"/>
           </a:p>
@@ -3687,7 +3618,7 @@
           <a:p>
             <a:fld id="{79580C82-F813-4CCE-B4AC-52ACFAE55A43}" type="slidenum">
               <a:rPr lang="de-DE" smtClean="0"/>
-              <a:t>‹#›</a:t>
+              <a:t>‹Nr.›</a:t>
             </a:fld>
             <a:endParaRPr lang="de-DE"/>
           </a:p>
@@ -3922,7 +3853,7 @@
           <a:p>
             <a:fld id="{F9ACF1CB-8064-4AFF-8DFB-49A00122A1FD}" type="datetimeFigureOut">
               <a:rPr lang="de-DE" smtClean="0"/>
-              <a:t>03.07.2025</a:t>
+              <a:t>04.07.2025</a:t>
             </a:fld>
             <a:endParaRPr lang="de-DE"/>
           </a:p>
@@ -3964,7 +3895,7 @@
           <a:p>
             <a:fld id="{79580C82-F813-4CCE-B4AC-52ACFAE55A43}" type="slidenum">
               <a:rPr lang="de-DE" smtClean="0"/>
-              <a:t>‹#›</a:t>
+              <a:t>‹Nr.›</a:t>
             </a:fld>
             <a:endParaRPr lang="de-DE"/>
           </a:p>
@@ -4179,7 +4110,7 @@
           <a:p>
             <a:fld id="{F9ACF1CB-8064-4AFF-8DFB-49A00122A1FD}" type="datetimeFigureOut">
               <a:rPr lang="de-DE" smtClean="0"/>
-              <a:t>03.07.2025</a:t>
+              <a:t>04.07.2025</a:t>
             </a:fld>
             <a:endParaRPr lang="de-DE"/>
           </a:p>
@@ -4221,7 +4152,7 @@
           <a:p>
             <a:fld id="{79580C82-F813-4CCE-B4AC-52ACFAE55A43}" type="slidenum">
               <a:rPr lang="de-DE" smtClean="0"/>
-              <a:t>‹#›</a:t>
+              <a:t>‹Nr.›</a:t>
             </a:fld>
             <a:endParaRPr lang="de-DE"/>
           </a:p>
@@ -4464,7 +4395,7 @@
           <a:p>
             <a:fld id="{F9ACF1CB-8064-4AFF-8DFB-49A00122A1FD}" type="datetimeFigureOut">
               <a:rPr lang="de-DE" smtClean="0"/>
-              <a:t>03.07.2025</a:t>
+              <a:t>04.07.2025</a:t>
             </a:fld>
             <a:endParaRPr lang="de-DE"/>
           </a:p>
@@ -4542,7 +4473,7 @@
           <a:p>
             <a:fld id="{79580C82-F813-4CCE-B4AC-52ACFAE55A43}" type="slidenum">
               <a:rPr lang="de-DE" smtClean="0"/>
-              <a:t>‹#›</a:t>
+              <a:t>‹Nr.›</a:t>
             </a:fld>
             <a:endParaRPr lang="de-DE"/>
           </a:p>
@@ -4857,775 +4788,6 @@
   <p:cSld>
     <p:spTree>
       <p:nvGrpSpPr>
-        <p:cNvPr id="1" name=""/>
-        <p:cNvGrpSpPr/>
-        <p:nvPr/>
-      </p:nvGrpSpPr>
-      <p:grpSpPr>
-        <a:xfrm>
-          <a:off x="0" y="0"/>
-          <a:ext cx="0" cy="0"/>
-          <a:chOff x="0" y="0"/>
-          <a:chExt cx="0" cy="0"/>
-        </a:xfrm>
-      </p:grpSpPr>
-      <p:sp>
-        <p:nvSpPr>
-          <p:cNvPr id="4" name="Rechteck 3">
-            <a:extLst>
-              <a:ext uri="{FF2B5EF4-FFF2-40B4-BE49-F238E27FC236}">
-                <a16:creationId xmlns:a16="http://schemas.microsoft.com/office/drawing/2014/main" id="{D8639449-219D-AED7-D04A-B775BF5F50B3}"/>
-              </a:ext>
-            </a:extLst>
-          </p:cNvPr>
-          <p:cNvSpPr/>
-          <p:nvPr/>
-        </p:nvSpPr>
-        <p:spPr>
-          <a:xfrm>
-            <a:off x="1" y="0"/>
-            <a:ext cx="17556480" cy="2773680"/>
-          </a:xfrm>
-          <a:prstGeom prst="rect">
-            <a:avLst/>
-          </a:prstGeom>
-          <a:solidFill>
-            <a:srgbClr val="BC7070"/>
-          </a:solidFill>
-        </p:spPr>
-        <p:style>
-          <a:lnRef idx="2">
-            <a:schemeClr val="accent1">
-              <a:shade val="15000"/>
-            </a:schemeClr>
-          </a:lnRef>
-          <a:fillRef idx="1">
-            <a:schemeClr val="accent1"/>
-          </a:fillRef>
-          <a:effectRef idx="0">
-            <a:schemeClr val="accent1"/>
-          </a:effectRef>
-          <a:fontRef idx="minor">
-            <a:schemeClr val="lt1"/>
-          </a:fontRef>
-        </p:style>
-        <p:txBody>
-          <a:bodyPr rtlCol="0" anchor="ctr"/>
-          <a:lstStyle/>
-          <a:p>
-            <a:pPr algn="ctr"/>
-            <a:r>
-              <a:rPr lang="en-US" sz="5400" noProof="0" dirty="0" err="1"/>
-              <a:t>RiboSix</a:t>
-            </a:r>
-            <a:r>
-              <a:rPr lang="en-US" sz="5400" noProof="0" dirty="0"/>
-              <a:t> – AN RNA-BINDING PROTEIN STORY </a:t>
-            </a:r>
-          </a:p>
-        </p:txBody>
-      </p:sp>
-      <p:sp>
-        <p:nvSpPr>
-          <p:cNvPr id="5" name="Rechteck 4">
-            <a:extLst>
-              <a:ext uri="{FF2B5EF4-FFF2-40B4-BE49-F238E27FC236}">
-                <a16:creationId xmlns:a16="http://schemas.microsoft.com/office/drawing/2014/main" id="{3F162AEF-046C-CB92-39EA-A5D9F1BED53C}"/>
-              </a:ext>
-            </a:extLst>
-          </p:cNvPr>
-          <p:cNvSpPr/>
-          <p:nvPr/>
-        </p:nvSpPr>
-        <p:spPr>
-          <a:xfrm>
-            <a:off x="609598" y="6501760"/>
-            <a:ext cx="14050090" cy="4796366"/>
-          </a:xfrm>
-          <a:prstGeom prst="rect">
-            <a:avLst/>
-          </a:prstGeom>
-          <a:solidFill>
-            <a:schemeClr val="accent6">
-              <a:lumMod val="20000"/>
-              <a:lumOff val="80000"/>
-            </a:schemeClr>
-          </a:solidFill>
-        </p:spPr>
-        <p:style>
-          <a:lnRef idx="2">
-            <a:schemeClr val="accent1">
-              <a:shade val="15000"/>
-            </a:schemeClr>
-          </a:lnRef>
-          <a:fillRef idx="1">
-            <a:schemeClr val="accent1"/>
-          </a:fillRef>
-          <a:effectRef idx="0">
-            <a:schemeClr val="accent1"/>
-          </a:effectRef>
-          <a:fontRef idx="minor">
-            <a:schemeClr val="lt1"/>
-          </a:fontRef>
-        </p:style>
-        <p:txBody>
-          <a:bodyPr rtlCol="0" anchor="t"/>
-          <a:lstStyle/>
-          <a:p>
-            <a:r>
-              <a:rPr lang="en-US" sz="4400" noProof="0" dirty="0">
-                <a:solidFill>
-                  <a:schemeClr val="tx1"/>
-                </a:solidFill>
-              </a:rPr>
-              <a:t>Reproducibility Analysis: Am I real? </a:t>
-            </a:r>
-          </a:p>
-        </p:txBody>
-      </p:sp>
-      <p:sp>
-        <p:nvSpPr>
-          <p:cNvPr id="6" name="Rechteck 5">
-            <a:extLst>
-              <a:ext uri="{FF2B5EF4-FFF2-40B4-BE49-F238E27FC236}">
-                <a16:creationId xmlns:a16="http://schemas.microsoft.com/office/drawing/2014/main" id="{C4639C69-68ED-0C86-8FE4-B1B8B32B2740}"/>
-              </a:ext>
-            </a:extLst>
-          </p:cNvPr>
-          <p:cNvSpPr/>
-          <p:nvPr/>
-        </p:nvSpPr>
-        <p:spPr>
-          <a:xfrm>
-            <a:off x="15137605" y="9162964"/>
-            <a:ext cx="13572174" cy="7194733"/>
-          </a:xfrm>
-          <a:prstGeom prst="rect">
-            <a:avLst/>
-          </a:prstGeom>
-          <a:solidFill>
-            <a:schemeClr val="accent6">
-              <a:lumMod val="20000"/>
-              <a:lumOff val="80000"/>
-            </a:schemeClr>
-          </a:solidFill>
-        </p:spPr>
-        <p:style>
-          <a:lnRef idx="2">
-            <a:schemeClr val="accent1">
-              <a:shade val="15000"/>
-            </a:schemeClr>
-          </a:lnRef>
-          <a:fillRef idx="1">
-            <a:schemeClr val="accent1"/>
-          </a:fillRef>
-          <a:effectRef idx="0">
-            <a:schemeClr val="accent1"/>
-          </a:effectRef>
-          <a:fontRef idx="minor">
-            <a:schemeClr val="lt1"/>
-          </a:fontRef>
-        </p:style>
-        <p:txBody>
-          <a:bodyPr rtlCol="0" anchor="t"/>
-          <a:lstStyle/>
-          <a:p>
-            <a:r>
-              <a:rPr lang="en-US" sz="4400" noProof="0" dirty="0">
-                <a:solidFill>
-                  <a:schemeClr val="tx1"/>
-                </a:solidFill>
-              </a:rPr>
-              <a:t>Normalization: Finding the right fit for the day </a:t>
-            </a:r>
-          </a:p>
-          <a:p>
-            <a:endParaRPr lang="en-US" sz="4400" noProof="0" dirty="0">
-              <a:solidFill>
-                <a:schemeClr val="tx1"/>
-              </a:solidFill>
-            </a:endParaRPr>
-          </a:p>
-          <a:p>
-            <a:r>
-              <a:rPr lang="en-US" sz="4400" noProof="0" dirty="0">
-                <a:solidFill>
-                  <a:schemeClr val="tx1"/>
-                </a:solidFill>
-              </a:rPr>
-              <a:t>- SD + Mean</a:t>
-            </a:r>
-          </a:p>
-        </p:txBody>
-      </p:sp>
-      <p:sp>
-        <p:nvSpPr>
-          <p:cNvPr id="11" name="Rechteck 10">
-            <a:extLst>
-              <a:ext uri="{FF2B5EF4-FFF2-40B4-BE49-F238E27FC236}">
-                <a16:creationId xmlns:a16="http://schemas.microsoft.com/office/drawing/2014/main" id="{5A24B293-A65B-2C8C-6344-768FE9D9C774}"/>
-              </a:ext>
-            </a:extLst>
-          </p:cNvPr>
-          <p:cNvSpPr/>
-          <p:nvPr/>
-        </p:nvSpPr>
-        <p:spPr>
-          <a:xfrm>
-            <a:off x="0" y="39329044"/>
-            <a:ext cx="30275213" cy="3474720"/>
-          </a:xfrm>
-          <a:prstGeom prst="rect">
-            <a:avLst/>
-          </a:prstGeom>
-          <a:solidFill>
-            <a:srgbClr val="BC7070"/>
-          </a:solidFill>
-        </p:spPr>
-        <p:style>
-          <a:lnRef idx="2">
-            <a:schemeClr val="accent1">
-              <a:shade val="15000"/>
-            </a:schemeClr>
-          </a:lnRef>
-          <a:fillRef idx="1">
-            <a:schemeClr val="accent1"/>
-          </a:fillRef>
-          <a:effectRef idx="0">
-            <a:schemeClr val="accent1"/>
-          </a:effectRef>
-          <a:fontRef idx="minor">
-            <a:schemeClr val="lt1"/>
-          </a:fontRef>
-        </p:style>
-        <p:txBody>
-          <a:bodyPr rtlCol="0" anchor="ctr"/>
-          <a:lstStyle/>
-          <a:p>
-            <a:pPr algn="ctr"/>
-            <a:endParaRPr lang="en-US" noProof="0" dirty="0"/>
-          </a:p>
-        </p:txBody>
-      </p:sp>
-      <p:sp>
-        <p:nvSpPr>
-          <p:cNvPr id="14" name="Rechteck 13">
-            <a:extLst>
-              <a:ext uri="{FF2B5EF4-FFF2-40B4-BE49-F238E27FC236}">
-                <a16:creationId xmlns:a16="http://schemas.microsoft.com/office/drawing/2014/main" id="{0A5B7BE7-83E4-B6D7-8980-BFFDA0A4A35E}"/>
-              </a:ext>
-            </a:extLst>
-          </p:cNvPr>
-          <p:cNvSpPr/>
-          <p:nvPr/>
-        </p:nvSpPr>
-        <p:spPr>
-          <a:xfrm>
-            <a:off x="609598" y="11835251"/>
-            <a:ext cx="14050091" cy="10506589"/>
-          </a:xfrm>
-          <a:prstGeom prst="rect">
-            <a:avLst/>
-          </a:prstGeom>
-          <a:solidFill>
-            <a:schemeClr val="accent2">
-              <a:lumMod val="40000"/>
-              <a:lumOff val="60000"/>
-            </a:schemeClr>
-          </a:solidFill>
-        </p:spPr>
-        <p:style>
-          <a:lnRef idx="2">
-            <a:schemeClr val="accent1">
-              <a:shade val="15000"/>
-            </a:schemeClr>
-          </a:lnRef>
-          <a:fillRef idx="1">
-            <a:schemeClr val="accent1"/>
-          </a:fillRef>
-          <a:effectRef idx="0">
-            <a:schemeClr val="accent1"/>
-          </a:effectRef>
-          <a:fontRef idx="minor">
-            <a:schemeClr val="lt1"/>
-          </a:fontRef>
-        </p:style>
-        <p:txBody>
-          <a:bodyPr rtlCol="0" anchor="t"/>
-          <a:lstStyle/>
-          <a:p>
-            <a:r>
-              <a:rPr lang="en-US" sz="4400" noProof="0" dirty="0">
-                <a:solidFill>
-                  <a:schemeClr val="tx1"/>
-                </a:solidFill>
-              </a:rPr>
-              <a:t>Shift Analysis: Finding my species </a:t>
-            </a:r>
-          </a:p>
-        </p:txBody>
-      </p:sp>
-      <p:sp>
-        <p:nvSpPr>
-          <p:cNvPr id="15" name="Rechteck 14">
-            <a:extLst>
-              <a:ext uri="{FF2B5EF4-FFF2-40B4-BE49-F238E27FC236}">
-                <a16:creationId xmlns:a16="http://schemas.microsoft.com/office/drawing/2014/main" id="{34498636-DA62-FA52-F894-81E249289BCD}"/>
-              </a:ext>
-            </a:extLst>
-          </p:cNvPr>
-          <p:cNvSpPr/>
-          <p:nvPr/>
-        </p:nvSpPr>
-        <p:spPr>
-          <a:xfrm>
-            <a:off x="8900159" y="16894822"/>
-            <a:ext cx="19809619" cy="9893430"/>
-          </a:xfrm>
-          <a:prstGeom prst="rect">
-            <a:avLst/>
-          </a:prstGeom>
-          <a:solidFill>
-            <a:schemeClr val="accent2">
-              <a:lumMod val="40000"/>
-              <a:lumOff val="60000"/>
-            </a:schemeClr>
-          </a:solidFill>
-        </p:spPr>
-        <p:style>
-          <a:lnRef idx="2">
-            <a:schemeClr val="accent1">
-              <a:shade val="15000"/>
-            </a:schemeClr>
-          </a:lnRef>
-          <a:fillRef idx="1">
-            <a:schemeClr val="accent1"/>
-          </a:fillRef>
-          <a:effectRef idx="0">
-            <a:schemeClr val="accent1"/>
-          </a:effectRef>
-          <a:fontRef idx="minor">
-            <a:schemeClr val="lt1"/>
-          </a:fontRef>
-        </p:style>
-        <p:txBody>
-          <a:bodyPr rtlCol="0" anchor="t"/>
-          <a:lstStyle/>
-          <a:p>
-            <a:r>
-              <a:rPr lang="en-US" sz="4400" noProof="0" dirty="0">
-                <a:solidFill>
-                  <a:schemeClr val="tx1"/>
-                </a:solidFill>
-              </a:rPr>
-              <a:t>Mitosis: Finding my home</a:t>
-            </a:r>
-          </a:p>
-        </p:txBody>
-      </p:sp>
-      <p:sp>
-        <p:nvSpPr>
-          <p:cNvPr id="16" name="Rechteck 15">
-            <a:extLst>
-              <a:ext uri="{FF2B5EF4-FFF2-40B4-BE49-F238E27FC236}">
-                <a16:creationId xmlns:a16="http://schemas.microsoft.com/office/drawing/2014/main" id="{79FCF681-1FB2-0C9B-5601-1D3FF2E0617B}"/>
-              </a:ext>
-            </a:extLst>
-          </p:cNvPr>
-          <p:cNvSpPr/>
-          <p:nvPr/>
-        </p:nvSpPr>
-        <p:spPr>
-          <a:xfrm>
-            <a:off x="609599" y="22878965"/>
-            <a:ext cx="14050090" cy="15617056"/>
-          </a:xfrm>
-          <a:prstGeom prst="rect">
-            <a:avLst/>
-          </a:prstGeom>
-          <a:solidFill>
-            <a:schemeClr val="accent2">
-              <a:lumMod val="40000"/>
-              <a:lumOff val="60000"/>
-            </a:schemeClr>
-          </a:solidFill>
-        </p:spPr>
-        <p:style>
-          <a:lnRef idx="2">
-            <a:schemeClr val="accent1">
-              <a:shade val="15000"/>
-            </a:schemeClr>
-          </a:lnRef>
-          <a:fillRef idx="1">
-            <a:schemeClr val="accent1"/>
-          </a:fillRef>
-          <a:effectRef idx="0">
-            <a:schemeClr val="accent1"/>
-          </a:effectRef>
-          <a:fontRef idx="minor">
-            <a:schemeClr val="lt1"/>
-          </a:fontRef>
-        </p:style>
-        <p:txBody>
-          <a:bodyPr rtlCol="0" anchor="t"/>
-          <a:lstStyle/>
-          <a:p>
-            <a:r>
-              <a:rPr lang="en-US" sz="4400" noProof="0" dirty="0" err="1">
-                <a:solidFill>
-                  <a:schemeClr val="tx1"/>
-                </a:solidFill>
-              </a:rPr>
-              <a:t>Complexe</a:t>
-            </a:r>
-            <a:r>
-              <a:rPr lang="en-US" sz="4400" noProof="0" dirty="0">
-                <a:solidFill>
-                  <a:schemeClr val="tx1"/>
-                </a:solidFill>
-              </a:rPr>
-              <a:t> Analysis: Finding Friends</a:t>
-            </a:r>
-          </a:p>
-          <a:p>
-            <a:endParaRPr lang="en-US" sz="4400" noProof="0" dirty="0">
-              <a:solidFill>
-                <a:schemeClr val="tx1"/>
-              </a:solidFill>
-            </a:endParaRPr>
-          </a:p>
-        </p:txBody>
-      </p:sp>
-      <p:sp>
-        <p:nvSpPr>
-          <p:cNvPr id="17" name="Rechteck 16">
-            <a:extLst>
-              <a:ext uri="{FF2B5EF4-FFF2-40B4-BE49-F238E27FC236}">
-                <a16:creationId xmlns:a16="http://schemas.microsoft.com/office/drawing/2014/main" id="{3D4251CA-B37E-2ADC-3EC4-92CDFC656422}"/>
-              </a:ext>
-            </a:extLst>
-          </p:cNvPr>
-          <p:cNvSpPr/>
-          <p:nvPr/>
-        </p:nvSpPr>
-        <p:spPr>
-          <a:xfrm>
-            <a:off x="15137605" y="28193781"/>
-            <a:ext cx="13572174" cy="10302240"/>
-          </a:xfrm>
-          <a:prstGeom prst="rect">
-            <a:avLst/>
-          </a:prstGeom>
-          <a:solidFill>
-            <a:schemeClr val="accent6">
-              <a:lumMod val="20000"/>
-              <a:lumOff val="80000"/>
-            </a:schemeClr>
-          </a:solidFill>
-        </p:spPr>
-        <p:style>
-          <a:lnRef idx="2">
-            <a:schemeClr val="accent1">
-              <a:shade val="15000"/>
-            </a:schemeClr>
-          </a:lnRef>
-          <a:fillRef idx="1">
-            <a:schemeClr val="accent1"/>
-          </a:fillRef>
-          <a:effectRef idx="0">
-            <a:schemeClr val="accent1"/>
-          </a:effectRef>
-          <a:fontRef idx="minor">
-            <a:schemeClr val="lt1"/>
-          </a:fontRef>
-        </p:style>
-        <p:txBody>
-          <a:bodyPr rtlCol="0" anchor="t"/>
-          <a:lstStyle/>
-          <a:p>
-            <a:r>
-              <a:rPr lang="en-US" sz="4400" noProof="0" dirty="0">
-                <a:solidFill>
-                  <a:schemeClr val="tx1"/>
-                </a:solidFill>
-              </a:rPr>
-              <a:t>Linear Regression: Determining my weight</a:t>
-            </a:r>
-          </a:p>
-        </p:txBody>
-      </p:sp>
-      <p:pic>
-        <p:nvPicPr>
-          <p:cNvPr id="18" name="Picture 8">
-            <a:extLst>
-              <a:ext uri="{FF2B5EF4-FFF2-40B4-BE49-F238E27FC236}">
-                <a16:creationId xmlns:a16="http://schemas.microsoft.com/office/drawing/2014/main" id="{AED22679-52DC-ECE8-A2D7-89A7E33E7A44}"/>
-              </a:ext>
-            </a:extLst>
-          </p:cNvPr>
-          <p:cNvPicPr>
-            <a:picLocks noChangeAspect="1"/>
-          </p:cNvPicPr>
-          <p:nvPr/>
-        </p:nvPicPr>
-        <p:blipFill>
-          <a:blip r:embed="rId3"/>
-          <a:stretch>
-            <a:fillRect/>
-          </a:stretch>
-        </p:blipFill>
-        <p:spPr>
-          <a:xfrm>
-            <a:off x="18093111" y="44931"/>
-            <a:ext cx="5766795" cy="3242540"/>
-          </a:xfrm>
-          <a:prstGeom prst="rect">
-            <a:avLst/>
-          </a:prstGeom>
-        </p:spPr>
-      </p:pic>
-      <p:pic>
-        <p:nvPicPr>
-          <p:cNvPr id="20" name="Picture 10">
-            <a:extLst>
-              <a:ext uri="{FF2B5EF4-FFF2-40B4-BE49-F238E27FC236}">
-                <a16:creationId xmlns:a16="http://schemas.microsoft.com/office/drawing/2014/main" id="{109B983B-C86E-49D0-A0E7-DCBDB9FF69F8}"/>
-              </a:ext>
-            </a:extLst>
-          </p:cNvPr>
-          <p:cNvPicPr>
-            <a:picLocks noChangeAspect="1"/>
-          </p:cNvPicPr>
-          <p:nvPr/>
-        </p:nvPicPr>
-        <p:blipFill>
-          <a:blip r:embed="rId4"/>
-          <a:stretch>
-            <a:fillRect/>
-          </a:stretch>
-        </p:blipFill>
-        <p:spPr>
-          <a:xfrm>
-            <a:off x="24396537" y="89863"/>
-            <a:ext cx="5604759" cy="3152677"/>
-          </a:xfrm>
-          <a:prstGeom prst="rect">
-            <a:avLst/>
-          </a:prstGeom>
-        </p:spPr>
-      </p:pic>
-      <p:sp>
-        <p:nvSpPr>
-          <p:cNvPr id="2" name="L-Form 1">
-            <a:extLst>
-              <a:ext uri="{FF2B5EF4-FFF2-40B4-BE49-F238E27FC236}">
-                <a16:creationId xmlns:a16="http://schemas.microsoft.com/office/drawing/2014/main" id="{0D5FB33D-C847-FE6A-05CF-01F05979D75A}"/>
-              </a:ext>
-            </a:extLst>
-          </p:cNvPr>
-          <p:cNvSpPr>
-            <a:spLocks/>
-          </p:cNvSpPr>
-          <p:nvPr/>
-        </p:nvSpPr>
-        <p:spPr>
-          <a:xfrm rot="10800000">
-            <a:off x="609598" y="3514836"/>
-            <a:ext cx="28100181" cy="4796364"/>
-          </a:xfrm>
-          <a:prstGeom prst="corner">
-            <a:avLst>
-              <a:gd name="adj1" fmla="val 53813"/>
-              <a:gd name="adj2" fmla="val 282586"/>
-            </a:avLst>
-          </a:prstGeom>
-          <a:solidFill>
-            <a:schemeClr val="accent2">
-              <a:lumMod val="40000"/>
-              <a:lumOff val="60000"/>
-            </a:schemeClr>
-          </a:solidFill>
-        </p:spPr>
-        <p:style>
-          <a:lnRef idx="2">
-            <a:schemeClr val="accent1">
-              <a:shade val="15000"/>
-            </a:schemeClr>
-          </a:lnRef>
-          <a:fillRef idx="1">
-            <a:schemeClr val="accent1"/>
-          </a:fillRef>
-          <a:effectRef idx="0">
-            <a:schemeClr val="accent1"/>
-          </a:effectRef>
-          <a:fontRef idx="minor">
-            <a:schemeClr val="lt1"/>
-          </a:fontRef>
-        </p:style>
-        <p:txBody>
-          <a:bodyPr rtlCol="0" anchor="t"/>
-          <a:lstStyle/>
-          <a:p>
-            <a:endParaRPr lang="en-US" sz="3600" noProof="0" dirty="0">
-              <a:solidFill>
-                <a:schemeClr val="tx1"/>
-              </a:solidFill>
-            </a:endParaRPr>
-          </a:p>
-        </p:txBody>
-      </p:sp>
-      <p:sp>
-        <p:nvSpPr>
-          <p:cNvPr id="3" name="Textfeld 2">
-            <a:extLst>
-              <a:ext uri="{FF2B5EF4-FFF2-40B4-BE49-F238E27FC236}">
-                <a16:creationId xmlns:a16="http://schemas.microsoft.com/office/drawing/2014/main" id="{04624BEE-2D85-D971-6B0E-6AFB63D073B6}"/>
-              </a:ext>
-            </a:extLst>
-          </p:cNvPr>
-          <p:cNvSpPr txBox="1"/>
-          <p:nvPr/>
-        </p:nvSpPr>
-        <p:spPr>
-          <a:xfrm>
-            <a:off x="609598" y="3514835"/>
-            <a:ext cx="14528007" cy="3170099"/>
-          </a:xfrm>
-          <a:prstGeom prst="rect">
-            <a:avLst/>
-          </a:prstGeom>
-          <a:noFill/>
-        </p:spPr>
-        <p:txBody>
-          <a:bodyPr wrap="square" rtlCol="0">
-            <a:spAutoFit/>
-          </a:bodyPr>
-          <a:lstStyle/>
-          <a:p>
-            <a:r>
-              <a:rPr lang="en-US" sz="4000" noProof="0" dirty="0"/>
-              <a:t>The world of RBPs</a:t>
-            </a:r>
-          </a:p>
-          <a:p>
-            <a:r>
-              <a:rPr lang="en-US" sz="2400" noProof="0" dirty="0"/>
-              <a:t>In a small space called HeLa, there are many small molecules working together creating one unit. They are going through many seasons giving their all to make it work, but not necessarily everyone is working during every season. This is what makes living there for them so beautiful, after a lot of hard work many of them can gather their energy. One season is called mitosis and this is the season of our little protein </a:t>
-            </a:r>
-            <a:r>
-              <a:rPr lang="en-US" sz="2400" noProof="0" dirty="0" err="1"/>
-              <a:t>RiboSix</a:t>
-            </a:r>
-            <a:r>
-              <a:rPr lang="en-US" sz="2400" noProof="0" dirty="0"/>
-              <a:t>. </a:t>
-            </a:r>
-          </a:p>
-          <a:p>
-            <a:r>
-              <a:rPr lang="en-US" sz="2400" noProof="0" dirty="0"/>
-              <a:t>So, join us on his journey to discover the village of HeLa. </a:t>
-            </a:r>
-            <a:endParaRPr lang="en-US" sz="3600" noProof="0" dirty="0"/>
-          </a:p>
-          <a:p>
-            <a:endParaRPr lang="en-US" sz="4000" noProof="0" dirty="0"/>
-          </a:p>
-        </p:txBody>
-      </p:sp>
-      <p:sp>
-        <p:nvSpPr>
-          <p:cNvPr id="7" name="Textfeld 6">
-            <a:extLst>
-              <a:ext uri="{FF2B5EF4-FFF2-40B4-BE49-F238E27FC236}">
-                <a16:creationId xmlns:a16="http://schemas.microsoft.com/office/drawing/2014/main" id="{E825588A-E12C-8099-3FB3-5077EFD79267}"/>
-              </a:ext>
-            </a:extLst>
-          </p:cNvPr>
-          <p:cNvSpPr txBox="1"/>
-          <p:nvPr/>
-        </p:nvSpPr>
-        <p:spPr>
-          <a:xfrm>
-            <a:off x="15370492" y="3559766"/>
-            <a:ext cx="13106400" cy="4770537"/>
-          </a:xfrm>
-          <a:prstGeom prst="rect">
-            <a:avLst/>
-          </a:prstGeom>
-          <a:noFill/>
-        </p:spPr>
-        <p:txBody>
-          <a:bodyPr wrap="square" rtlCol="0">
-            <a:spAutoFit/>
-          </a:bodyPr>
-          <a:lstStyle/>
-          <a:p>
-            <a:r>
-              <a:rPr lang="en-US" sz="4000" noProof="0" dirty="0"/>
-              <a:t>Our Goal: Hunting RNA-Binding Proteins in the Deep</a:t>
-            </a:r>
-          </a:p>
-          <a:p>
-            <a:r>
-              <a:rPr lang="en-US" sz="2400" noProof="0" dirty="0"/>
-              <a:t>During our project, our main goal was to identify all the RBPs in mitotic HeLa cells. For this, all proteins were fractioned once with RNase treatment and once without. The intensity of each proteins in 25 fraction was then analyzed by mass spectrometry in triplicates. </a:t>
-            </a:r>
-          </a:p>
-          <a:p>
-            <a:r>
-              <a:rPr lang="en-US" sz="2400" noProof="0" dirty="0"/>
-              <a:t>The gathered data was tested for reproducibility, cleaned up and characterized by their peak pattern. What was now the criteria we used to characterize a protein as an RBP? </a:t>
-            </a:r>
-          </a:p>
-          <a:p>
-            <a:r>
-              <a:rPr lang="en-US" sz="2400" noProof="0" dirty="0"/>
-              <a:t>We used a function used Centre of Mass (</a:t>
-            </a:r>
-            <a:r>
-              <a:rPr lang="en-US" sz="2400" noProof="0" dirty="0" err="1"/>
-              <a:t>CoM</a:t>
-            </a:r>
-            <a:r>
-              <a:rPr lang="en-US" sz="2400" noProof="0" dirty="0"/>
-              <a:t>) to have one specific value for every protein for both treatments. When the </a:t>
-            </a:r>
-            <a:r>
-              <a:rPr lang="en-US" sz="2400" noProof="0" dirty="0" err="1"/>
-              <a:t>CoM</a:t>
-            </a:r>
-            <a:r>
-              <a:rPr lang="en-US" sz="2400" noProof="0" dirty="0"/>
-              <a:t> showed a significant left shift from Ctrl to RNase, the protein was defined as an RBP. </a:t>
-            </a:r>
-          </a:p>
-          <a:p>
-            <a:r>
-              <a:rPr lang="en-US" sz="2400" noProof="0" dirty="0"/>
-              <a:t>Additionally, the identified RBPs were compared to RBPs of non-synchronized cells to identify the RBPs only active in mitosis. Furthermore, complexes of these RBPs were determined by clustering and a linear regression analysis was performed to predict molecular weight of the RBPs. </a:t>
-            </a:r>
-          </a:p>
-        </p:txBody>
-      </p:sp>
-    </p:spTree>
-    <p:extLst>
-      <p:ext uri="{BB962C8B-B14F-4D97-AF65-F5344CB8AC3E}">
-        <p14:creationId xmlns:p14="http://schemas.microsoft.com/office/powerpoint/2010/main" val="4168340417"/>
-      </p:ext>
-    </p:extLst>
-  </p:cSld>
-  <p:clrMapOvr>
-    <a:masterClrMapping/>
-  </p:clrMapOvr>
-</p:sld>
-</file>
-
-<file path=ppt/slides/slide2.xml><?xml version="1.0" encoding="utf-8"?>
-<p:sld xmlns:a="http://schemas.openxmlformats.org/drawingml/2006/main" xmlns:r="http://schemas.openxmlformats.org/officeDocument/2006/relationships" xmlns:p="http://schemas.openxmlformats.org/presentationml/2006/main">
-  <p:cSld>
-    <p:spTree>
-      <p:nvGrpSpPr>
         <p:cNvPr id="1" name="">
           <a:extLst>
             <a:ext uri="{FF2B5EF4-FFF2-40B4-BE49-F238E27FC236}">
@@ -5848,7 +5010,7 @@
         </p:nvSpPr>
         <p:spPr>
           <a:xfrm>
-            <a:off x="15370492" y="9063601"/>
+            <a:off x="15330252" y="9094236"/>
             <a:ext cx="14295120" cy="7288578"/>
           </a:xfrm>
           <a:prstGeom prst="roundRect">
@@ -6687,8 +5849,8 @@
         </p:nvSpPr>
         <p:spPr>
           <a:xfrm>
-            <a:off x="15731965" y="4070931"/>
-            <a:ext cx="13106400" cy="4770537"/>
+            <a:off x="15764119" y="3807041"/>
+            <a:ext cx="13785052" cy="6986528"/>
           </a:xfrm>
           <a:prstGeom prst="rect">
             <a:avLst/>
@@ -6708,54 +5870,110 @@
           </a:p>
           <a:p>
             <a:r>
-              <a:rPr lang="en-US" sz="2400" noProof="0" dirty="0"/>
-              <a:t>During our </a:t>
-            </a:r>
-            <a:r>
-              <a:rPr lang="en-US" sz="2400" noProof="0" dirty="0">
-                <a:latin typeface="Source Sans Pro" panose="020B0503030403020204" pitchFamily="34" charset="0"/>
-                <a:ea typeface="Source Sans Pro" panose="020B0503030403020204" pitchFamily="34" charset="0"/>
-              </a:rPr>
-              <a:t>project</a:t>
-            </a:r>
-            <a:r>
-              <a:rPr lang="en-US" sz="2400" noProof="0" dirty="0"/>
-              <a:t>, our main goal was to identify all the RBPs in mitotic HeLa cells. For this, all proteins were fractioned once with RNase treatment and once without. The intensity of each proteins in 25 fraction was then analyzed by mass spectrometry in triplicates. </a:t>
-            </a:r>
-          </a:p>
-          <a:p>
-            <a:r>
-              <a:rPr lang="en-US" sz="2400" noProof="0" dirty="0"/>
-              <a:t>The gathered data was tested for reproducibility, cleaned up and characterized by their peak pattern. What was now the criteria we used to characterize a protein as an RBP? </a:t>
-            </a:r>
-          </a:p>
-          <a:p>
-            <a:r>
-              <a:rPr lang="en-US" sz="2400" noProof="0" dirty="0"/>
-              <a:t>We used a function used Centre of Mass (</a:t>
-            </a:r>
-            <a:r>
-              <a:rPr lang="en-US" sz="2400" noProof="0" dirty="0" err="1"/>
-              <a:t>CoM</a:t>
-            </a:r>
-            <a:r>
-              <a:rPr lang="en-US" sz="2400" noProof="0" dirty="0"/>
-              <a:t>) to have one specific value for every protein for both treatments. When the </a:t>
-            </a:r>
-            <a:r>
-              <a:rPr lang="en-US" sz="2400" noProof="0" dirty="0" err="1"/>
-              <a:t>CoM</a:t>
-            </a:r>
-            <a:r>
-              <a:rPr lang="en-US" sz="2400" noProof="0" dirty="0"/>
-              <a:t> showed a significant left shift from Ctrl to RNase, the protein was defined as an RBP. </a:t>
-            </a:r>
-          </a:p>
-          <a:p>
-            <a:r>
-              <a:rPr lang="en-US" sz="2400" noProof="0" dirty="0"/>
-              <a:t>Additionally, the identified RBPs were compared to RBPs of non-synchronized cells to identify the RBPs only active in mitosis. Furthermore, complexes of these RBPs were determined by clustering and a linear regression analysis was performed to predict molecular weight of the RBPs. </a:t>
-            </a:r>
+              <a:rPr lang="en-US" sz="2400" dirty="0"/>
+              <a:t>The main goal of our project was to identify RNA-binding proteins (RBPs) in mitotic HeLa cells. To achieve this, proteins were fractionated with and without RNase treatment. Each sample was separated into 25 fractions, and protein intensities were measured using mass spectrometry in triplicates.</a:t>
+            </a:r>
+          </a:p>
+          <a:p>
+            <a:r>
+              <a:rPr lang="en-US" sz="2400" dirty="0"/>
+              <a:t>To uncover potential RBPs, we performed the following key steps:</a:t>
+            </a:r>
+          </a:p>
+          <a:p>
+            <a:pPr marL="342900" indent="-342900">
+              <a:buFont typeface="Arial" panose="020B0604020202020204" pitchFamily="34" charset="0"/>
+              <a:buChar char="•"/>
+            </a:pPr>
+            <a:r>
+              <a:rPr lang="en-US" sz="2400" dirty="0"/>
+              <a:t>Reproducibility analysis</a:t>
+            </a:r>
+          </a:p>
+          <a:p>
+            <a:pPr marL="342900" indent="-342900">
+              <a:buFont typeface="Arial" panose="020B0604020202020204" pitchFamily="34" charset="0"/>
+              <a:buChar char="•"/>
+            </a:pPr>
+            <a:r>
+              <a:rPr lang="en-US" sz="2400" dirty="0"/>
+              <a:t>Normalization of the data</a:t>
+            </a:r>
+          </a:p>
+          <a:p>
+            <a:pPr marL="342900" indent="-342900">
+              <a:buFont typeface="Arial" panose="020B0604020202020204" pitchFamily="34" charset="0"/>
+              <a:buChar char="•"/>
+            </a:pPr>
+            <a:r>
+              <a:rPr lang="en-US" sz="2400" dirty="0"/>
+              <a:t>Peak characterization</a:t>
+            </a:r>
+          </a:p>
+          <a:p>
+            <a:pPr marL="342900" indent="-342900">
+              <a:buFont typeface="Arial" panose="020B0604020202020204" pitchFamily="34" charset="0"/>
+              <a:buChar char="•"/>
+            </a:pPr>
+            <a:r>
+              <a:rPr lang="en-US" sz="2400" dirty="0"/>
+              <a:t>Shift analysis, where a left shift in the RNase condition indicates RBP behavior</a:t>
+            </a:r>
+          </a:p>
+          <a:p>
+            <a:r>
+              <a:rPr lang="en-US" sz="2400" dirty="0"/>
+              <a:t>To gain deeper insights, we extended the analysis by:</a:t>
+            </a:r>
+          </a:p>
+          <a:p>
+            <a:pPr marL="342900" indent="-342900">
+              <a:buFont typeface="Arial" panose="020B0604020202020204" pitchFamily="34" charset="0"/>
+              <a:buChar char="•"/>
+            </a:pPr>
+            <a:r>
+              <a:rPr lang="en-US" sz="2400" dirty="0"/>
+              <a:t>Identifying RBPs specifically active during mitosis</a:t>
+            </a:r>
+          </a:p>
+          <a:p>
+            <a:pPr marL="342900" indent="-342900">
+              <a:buFont typeface="Arial" panose="020B0604020202020204" pitchFamily="34" charset="0"/>
+              <a:buChar char="•"/>
+            </a:pPr>
+            <a:r>
+              <a:rPr lang="en-US" sz="2400" dirty="0"/>
+              <a:t>Clustering peak characteristics to reveal potential complexes</a:t>
+            </a:r>
+          </a:p>
+          <a:p>
+            <a:pPr marL="342900" indent="-342900">
+              <a:buFont typeface="Arial" panose="020B0604020202020204" pitchFamily="34" charset="0"/>
+              <a:buChar char="•"/>
+            </a:pPr>
+            <a:r>
+              <a:rPr lang="en-US" sz="2400" dirty="0"/>
+              <a:t>Performing linear regression to predict molecular weight from peak data</a:t>
+            </a:r>
+          </a:p>
+          <a:p>
+            <a:pPr marL="342900" indent="-342900">
+              <a:buFont typeface="Arial" panose="020B0604020202020204" pitchFamily="34" charset="0"/>
+              <a:buChar char="•"/>
+            </a:pPr>
+            <a:endParaRPr lang="en-US" sz="2400" dirty="0"/>
+          </a:p>
+          <a:p>
+            <a:endParaRPr lang="en-US" sz="2400" noProof="0" dirty="0"/>
+          </a:p>
+          <a:p>
+            <a:endParaRPr lang="en-US" sz="2400" dirty="0"/>
+          </a:p>
+          <a:p>
+            <a:endParaRPr lang="en-US" sz="2400" noProof="0" dirty="0"/>
+          </a:p>
+          <a:p>
+            <a:endParaRPr lang="en-US" sz="2400" noProof="0" dirty="0"/>
           </a:p>
         </p:txBody>
       </p:sp>
@@ -7075,113 +6293,6 @@
           </a:prstGeom>
         </p:spPr>
       </p:pic>
-      <p:grpSp>
-        <p:nvGrpSpPr>
-          <p:cNvPr id="44" name="Gruppieren 43">
-            <a:extLst>
-              <a:ext uri="{FF2B5EF4-FFF2-40B4-BE49-F238E27FC236}">
-                <a16:creationId xmlns:a16="http://schemas.microsoft.com/office/drawing/2014/main" id="{40211F4B-E423-2BFB-9135-28A3C8361C2A}"/>
-              </a:ext>
-            </a:extLst>
-          </p:cNvPr>
-          <p:cNvGrpSpPr/>
-          <p:nvPr/>
-        </p:nvGrpSpPr>
-        <p:grpSpPr>
-          <a:xfrm>
-            <a:off x="21135418" y="18366104"/>
-            <a:ext cx="7566660" cy="4468487"/>
-            <a:chOff x="5911353" y="14534450"/>
-            <a:chExt cx="7566660" cy="4468487"/>
-          </a:xfrm>
-        </p:grpSpPr>
-        <p:sp>
-          <p:nvSpPr>
-            <p:cNvPr id="43" name="Rechteck 42">
-              <a:extLst>
-                <a:ext uri="{FF2B5EF4-FFF2-40B4-BE49-F238E27FC236}">
-                  <a16:creationId xmlns:a16="http://schemas.microsoft.com/office/drawing/2014/main" id="{F0D2B77F-1F24-7BF1-B45B-793688293E0D}"/>
-                </a:ext>
-              </a:extLst>
-            </p:cNvPr>
-            <p:cNvSpPr/>
-            <p:nvPr/>
-          </p:nvSpPr>
-          <p:spPr>
-            <a:xfrm>
-              <a:off x="5911353" y="14534450"/>
-              <a:ext cx="7566660" cy="4468487"/>
-            </a:xfrm>
-            <a:prstGeom prst="rect">
-              <a:avLst/>
-            </a:prstGeom>
-            <a:solidFill>
-              <a:schemeClr val="bg1"/>
-            </a:solidFill>
-            <a:ln>
-              <a:noFill/>
-            </a:ln>
-          </p:spPr>
-          <p:style>
-            <a:lnRef idx="2">
-              <a:schemeClr val="accent1">
-                <a:shade val="15000"/>
-              </a:schemeClr>
-            </a:lnRef>
-            <a:fillRef idx="1">
-              <a:schemeClr val="accent1"/>
-            </a:fillRef>
-            <a:effectRef idx="0">
-              <a:schemeClr val="accent1"/>
-            </a:effectRef>
-            <a:fontRef idx="minor">
-              <a:schemeClr val="lt1"/>
-            </a:fontRef>
-          </p:style>
-          <p:txBody>
-            <a:bodyPr rtlCol="0" anchor="t"/>
-            <a:lstStyle/>
-            <a:p>
-              <a:pPr algn="r"/>
-              <a:endParaRPr lang="en-US" sz="3600" noProof="0" dirty="0">
-                <a:solidFill>
-                  <a:schemeClr val="tx1"/>
-                </a:solidFill>
-              </a:endParaRPr>
-            </a:p>
-          </p:txBody>
-        </p:sp>
-        <p:pic>
-          <p:nvPicPr>
-            <p:cNvPr id="36" name="Grafik 35">
-              <a:extLst>
-                <a:ext uri="{FF2B5EF4-FFF2-40B4-BE49-F238E27FC236}">
-                  <a16:creationId xmlns:a16="http://schemas.microsoft.com/office/drawing/2014/main" id="{F98D1A39-2789-FD8C-4BAB-763868E6D59D}"/>
-                </a:ext>
-              </a:extLst>
-            </p:cNvPr>
-            <p:cNvPicPr>
-              <a:picLocks noChangeAspect="1"/>
-            </p:cNvPicPr>
-            <p:nvPr/>
-          </p:nvPicPr>
-          <p:blipFill>
-            <a:blip r:embed="rId10"/>
-            <a:stretch>
-              <a:fillRect/>
-            </a:stretch>
-          </p:blipFill>
-          <p:spPr>
-            <a:xfrm>
-              <a:off x="6017283" y="14741638"/>
-              <a:ext cx="7354800" cy="4054109"/>
-            </a:xfrm>
-            <a:prstGeom prst="rect">
-              <a:avLst/>
-            </a:prstGeom>
-          </p:spPr>
-        </p:pic>
-      </p:grpSp>
       <p:sp>
         <p:nvSpPr>
           <p:cNvPr id="2" name="Abgerundetes Rechteck 1">
@@ -7317,7 +6428,7 @@
           <p:nvPr/>
         </p:nvPicPr>
         <p:blipFill>
-          <a:blip r:embed="rId11">
+          <a:blip r:embed="rId10">
             <a:extLst>
               <a:ext uri="{28A0092B-C50C-407E-A947-70E740481C1C}">
                 <a14:useLocalDpi xmlns:a14="http://schemas.microsoft.com/office/drawing/2010/main" val="0"/>
@@ -7330,8 +6441,8 @@
         </p:blipFill>
         <p:spPr>
           <a:xfrm>
-            <a:off x="8408304" y="22912881"/>
-            <a:ext cx="5792098" cy="4008700"/>
+            <a:off x="6043140" y="25426971"/>
+            <a:ext cx="3325770" cy="2301759"/>
           </a:xfrm>
           <a:prstGeom prst="rect">
             <a:avLst/>
@@ -7353,7 +6464,7 @@
           <p:nvPr/>
         </p:nvPicPr>
         <p:blipFill>
-          <a:blip r:embed="rId12">
+          <a:blip r:embed="rId11">
             <a:extLst>
               <a:ext uri="{28A0092B-C50C-407E-A947-70E740481C1C}">
                 <a14:useLocalDpi xmlns:a14="http://schemas.microsoft.com/office/drawing/2010/main" val="0"/>
@@ -7366,7 +6477,7 @@
         </p:blipFill>
         <p:spPr>
           <a:xfrm>
-            <a:off x="925023" y="22707292"/>
+            <a:off x="922279" y="22355196"/>
             <a:ext cx="5033382" cy="3483594"/>
           </a:xfrm>
           <a:prstGeom prst="rect">
@@ -7409,7 +6520,7 @@
             <p:nvPr/>
           </p:nvPicPr>
           <p:blipFill>
-            <a:blip r:embed="rId13"/>
+            <a:blip r:embed="rId12"/>
             <a:stretch>
               <a:fillRect/>
             </a:stretch>
@@ -7768,7 +6879,7 @@
           <p:nvPr/>
         </p:nvPicPr>
         <p:blipFill>
-          <a:blip r:embed="rId14"/>
+          <a:blip r:embed="rId13"/>
           <a:stretch>
             <a:fillRect/>
           </a:stretch>
@@ -9370,6 +8481,42 @@
           </a:p>
         </p:txBody>
       </p:sp>
+      <p:pic>
+        <p:nvPicPr>
+          <p:cNvPr id="58" name="Grafik 57">
+            <a:extLst>
+              <a:ext uri="{FF2B5EF4-FFF2-40B4-BE49-F238E27FC236}">
+                <a16:creationId xmlns:a16="http://schemas.microsoft.com/office/drawing/2014/main" id="{A4E66611-3D6E-9A44-4656-502C42629693}"/>
+              </a:ext>
+            </a:extLst>
+          </p:cNvPr>
+          <p:cNvPicPr>
+            <a:picLocks noChangeAspect="1"/>
+          </p:cNvPicPr>
+          <p:nvPr/>
+        </p:nvPicPr>
+        <p:blipFill>
+          <a:blip r:embed="rId20">
+            <a:extLst>
+              <a:ext uri="{28A0092B-C50C-407E-A947-70E740481C1C}">
+                <a14:useLocalDpi xmlns:a14="http://schemas.microsoft.com/office/drawing/2010/main" val="0"/>
+              </a:ext>
+            </a:extLst>
+          </a:blip>
+          <a:stretch>
+            <a:fillRect/>
+          </a:stretch>
+        </p:blipFill>
+        <p:spPr>
+          <a:xfrm>
+            <a:off x="21981638" y="17990679"/>
+            <a:ext cx="7315834" cy="5486876"/>
+          </a:xfrm>
+          <a:prstGeom prst="rect">
+            <a:avLst/>
+          </a:prstGeom>
+        </p:spPr>
+      </p:pic>
     </p:spTree>
     <p:extLst>
       <p:ext uri="{BB962C8B-B14F-4D97-AF65-F5344CB8AC3E}">

--- a/RiboZwo.pptx
+++ b/RiboZwo.pptx
@@ -118,7 +118,7 @@
 <file path=ppt/revisionInfo.xml><?xml version="1.0" encoding="utf-8"?>
 <p1510:revInfo xmlns:a="http://schemas.openxmlformats.org/drawingml/2006/main" xmlns:r="http://schemas.openxmlformats.org/officeDocument/2006/relationships" xmlns:p1510="http://schemas.microsoft.com/office/powerpoint/2015/10/main">
   <p1510:revLst>
-    <p1510:client id="{E5A86D5C-552E-4995-AB32-5E49D96B1D3A}" v="26" dt="2025-07-04T07:16:43.022"/>
+    <p1510:client id="{E5A86D5C-552E-4995-AB32-5E49D96B1D3A}" v="30" dt="2025-07-04T12:10:23.929"/>
   </p1510:revLst>
 </p1510:revInfo>
 </file>
@@ -128,7 +128,7 @@
   <pc:docChgLst>
     <pc:chgData name="Cihan Zeyrek" userId="dd9724baaf2e43d1" providerId="LiveId" clId="{E5A86D5C-552E-4995-AB32-5E49D96B1D3A}"/>
     <pc:docChg chg="undo redo custSel delSld modSld">
-      <pc:chgData name="Cihan Zeyrek" userId="dd9724baaf2e43d1" providerId="LiveId" clId="{E5A86D5C-552E-4995-AB32-5E49D96B1D3A}" dt="2025-07-04T07:16:58.909" v="4339" actId="1076"/>
+      <pc:chgData name="Cihan Zeyrek" userId="dd9724baaf2e43d1" providerId="LiveId" clId="{E5A86D5C-552E-4995-AB32-5E49D96B1D3A}" dt="2025-07-04T12:14:56.378" v="4414" actId="1076"/>
       <pc:docMkLst>
         <pc:docMk/>
       </pc:docMkLst>
@@ -220,7 +220,7 @@
         </pc:spChg>
       </pc:sldChg>
       <pc:sldChg chg="addSp delSp modSp mod">
-        <pc:chgData name="Cihan Zeyrek" userId="dd9724baaf2e43d1" providerId="LiveId" clId="{E5A86D5C-552E-4995-AB32-5E49D96B1D3A}" dt="2025-07-04T07:16:58.909" v="4339" actId="1076"/>
+        <pc:chgData name="Cihan Zeyrek" userId="dd9724baaf2e43d1" providerId="LiveId" clId="{E5A86D5C-552E-4995-AB32-5E49D96B1D3A}" dt="2025-07-04T12:14:56.378" v="4414" actId="1076"/>
         <pc:sldMkLst>
           <pc:docMk/>
           <pc:sldMk cId="3613911005" sldId="258"/>
@@ -282,7 +282,15 @@
           </ac:spMkLst>
         </pc:spChg>
         <pc:spChg chg="mod">
-          <ac:chgData name="Cihan Zeyrek" userId="dd9724baaf2e43d1" providerId="LiveId" clId="{E5A86D5C-552E-4995-AB32-5E49D96B1D3A}" dt="2025-07-03T13:41:54.663" v="2908" actId="790"/>
+          <ac:chgData name="Cihan Zeyrek" userId="dd9724baaf2e43d1" providerId="LiveId" clId="{E5A86D5C-552E-4995-AB32-5E49D96B1D3A}" dt="2025-07-04T12:14:43.019" v="4411" actId="1076"/>
+          <ac:spMkLst>
+            <pc:docMk/>
+            <pc:sldMk cId="3613911005" sldId="258"/>
+            <ac:spMk id="14" creationId="{AB754934-85BC-3E41-3BC6-0759F2D51BE4}"/>
+          </ac:spMkLst>
+        </pc:spChg>
+        <pc:spChg chg="mod">
+          <ac:chgData name="Cihan Zeyrek" userId="dd9724baaf2e43d1" providerId="LiveId" clId="{E5A86D5C-552E-4995-AB32-5E49D96B1D3A}" dt="2025-07-04T12:09:32.805" v="4362" actId="1076"/>
           <ac:spMkLst>
             <pc:docMk/>
             <pc:sldMk cId="3613911005" sldId="258"/>
@@ -290,11 +298,19 @@
           </ac:spMkLst>
         </pc:spChg>
         <pc:spChg chg="mod">
-          <ac:chgData name="Cihan Zeyrek" userId="dd9724baaf2e43d1" providerId="LiveId" clId="{E5A86D5C-552E-4995-AB32-5E49D96B1D3A}" dt="2025-07-03T13:41:54.663" v="2908" actId="790"/>
+          <ac:chgData name="Cihan Zeyrek" userId="dd9724baaf2e43d1" providerId="LiveId" clId="{E5A86D5C-552E-4995-AB32-5E49D96B1D3A}" dt="2025-07-04T12:14:14.797" v="4403" actId="1076"/>
           <ac:spMkLst>
             <pc:docMk/>
             <pc:sldMk cId="3613911005" sldId="258"/>
             <ac:spMk id="16" creationId="{0FCE50A5-8321-3A15-8F2E-E7A4119AE242}"/>
+          </ac:spMkLst>
+        </pc:spChg>
+        <pc:spChg chg="mod">
+          <ac:chgData name="Cihan Zeyrek" userId="dd9724baaf2e43d1" providerId="LiveId" clId="{E5A86D5C-552E-4995-AB32-5E49D96B1D3A}" dt="2025-07-04T12:13:35.547" v="4394" actId="1076"/>
+          <ac:spMkLst>
+            <pc:docMk/>
+            <pc:sldMk cId="3613911005" sldId="258"/>
+            <ac:spMk id="17" creationId="{78BA0288-07D1-398D-6200-42A4A63DE015}"/>
           </ac:spMkLst>
         </pc:spChg>
         <pc:spChg chg="mod">
@@ -306,11 +322,27 @@
           </ac:spMkLst>
         </pc:spChg>
         <pc:spChg chg="mod">
-          <ac:chgData name="Cihan Zeyrek" userId="dd9724baaf2e43d1" providerId="LiveId" clId="{E5A86D5C-552E-4995-AB32-5E49D96B1D3A}" dt="2025-07-03T13:41:54.663" v="2908" actId="790"/>
+          <ac:chgData name="Cihan Zeyrek" userId="dd9724baaf2e43d1" providerId="LiveId" clId="{E5A86D5C-552E-4995-AB32-5E49D96B1D3A}" dt="2025-07-04T12:11:46.511" v="4379" actId="14100"/>
+          <ac:spMkLst>
+            <pc:docMk/>
+            <pc:sldMk cId="3613911005" sldId="258"/>
+            <ac:spMk id="21" creationId="{A0CD15E0-7BFA-5A9D-1A3C-5F6A9AC9CC1F}"/>
+          </ac:spMkLst>
+        </pc:spChg>
+        <pc:spChg chg="mod">
+          <ac:chgData name="Cihan Zeyrek" userId="dd9724baaf2e43d1" providerId="LiveId" clId="{E5A86D5C-552E-4995-AB32-5E49D96B1D3A}" dt="2025-07-04T12:14:48.359" v="4412" actId="14100"/>
           <ac:spMkLst>
             <pc:docMk/>
             <pc:sldMk cId="3613911005" sldId="258"/>
             <ac:spMk id="22" creationId="{CADA5048-84E9-7610-1363-103CE5D313B8}"/>
+          </ac:spMkLst>
+        </pc:spChg>
+        <pc:spChg chg="mod">
+          <ac:chgData name="Cihan Zeyrek" userId="dd9724baaf2e43d1" providerId="LiveId" clId="{E5A86D5C-552E-4995-AB32-5E49D96B1D3A}" dt="2025-07-04T12:13:54.121" v="4398" actId="14100"/>
+          <ac:spMkLst>
+            <pc:docMk/>
+            <pc:sldMk cId="3613911005" sldId="258"/>
+            <ac:spMk id="23" creationId="{05D3A7DB-93DD-7817-A586-701FA44BDDE8}"/>
           </ac:spMkLst>
         </pc:spChg>
         <pc:spChg chg="mod">
@@ -319,6 +351,14 @@
             <pc:docMk/>
             <pc:sldMk cId="3613911005" sldId="258"/>
             <ac:spMk id="26" creationId="{BE290EAF-1A4B-D335-43DA-78DE46D94BC7}"/>
+          </ac:spMkLst>
+        </pc:spChg>
+        <pc:spChg chg="add mod">
+          <ac:chgData name="Cihan Zeyrek" userId="dd9724baaf2e43d1" providerId="LiveId" clId="{E5A86D5C-552E-4995-AB32-5E49D96B1D3A}" dt="2025-07-04T12:11:53.989" v="4380" actId="1076"/>
+          <ac:spMkLst>
+            <pc:docMk/>
+            <pc:sldMk cId="3613911005" sldId="258"/>
+            <ac:spMk id="36" creationId="{F123235E-33F2-9698-09ED-DD83FD4F8AAD}"/>
           </ac:spMkLst>
         </pc:spChg>
         <pc:spChg chg="mod">
@@ -337,12 +377,36 @@
             <ac:spMk id="40" creationId="{9E00ACD3-20DA-AFDB-EE91-F0B099D4597C}"/>
           </ac:spMkLst>
         </pc:spChg>
+        <pc:spChg chg="add mod">
+          <ac:chgData name="Cihan Zeyrek" userId="dd9724baaf2e43d1" providerId="LiveId" clId="{E5A86D5C-552E-4995-AB32-5E49D96B1D3A}" dt="2025-07-04T12:11:35.975" v="4377" actId="1076"/>
+          <ac:spMkLst>
+            <pc:docMk/>
+            <pc:sldMk cId="3613911005" sldId="258"/>
+            <ac:spMk id="43" creationId="{9C753B82-7F3B-08F2-D5CA-903A2F39B2EF}"/>
+          </ac:spMkLst>
+        </pc:spChg>
+        <pc:spChg chg="add mod">
+          <ac:chgData name="Cihan Zeyrek" userId="dd9724baaf2e43d1" providerId="LiveId" clId="{E5A86D5C-552E-4995-AB32-5E49D96B1D3A}" dt="2025-07-04T12:12:00.166" v="4381" actId="1076"/>
+          <ac:spMkLst>
+            <pc:docMk/>
+            <pc:sldMk cId="3613911005" sldId="258"/>
+            <ac:spMk id="44" creationId="{C41FF133-ADEB-E4F3-48D0-CDE044ACB3E5}"/>
+          </ac:spMkLst>
+        </pc:spChg>
         <pc:spChg chg="mod">
           <ac:chgData name="Cihan Zeyrek" userId="dd9724baaf2e43d1" providerId="LiveId" clId="{E5A86D5C-552E-4995-AB32-5E49D96B1D3A}" dt="2025-07-03T13:41:54.663" v="2908" actId="790"/>
           <ac:spMkLst>
             <pc:docMk/>
             <pc:sldMk cId="3613911005" sldId="258"/>
             <ac:spMk id="45" creationId="{383CE23E-E30E-605A-7CAB-C3F82B7FB91A}"/>
+          </ac:spMkLst>
+        </pc:spChg>
+        <pc:spChg chg="mod">
+          <ac:chgData name="Cihan Zeyrek" userId="dd9724baaf2e43d1" providerId="LiveId" clId="{E5A86D5C-552E-4995-AB32-5E49D96B1D3A}" dt="2025-07-04T12:14:23.688" v="4406" actId="1076"/>
+          <ac:spMkLst>
+            <pc:docMk/>
+            <pc:sldMk cId="3613911005" sldId="258"/>
+            <ac:spMk id="46" creationId="{09012934-17D9-9E1F-A0A5-E6B32DB352BC}"/>
           </ac:spMkLst>
         </pc:spChg>
         <pc:spChg chg="mod">
@@ -377,12 +441,28 @@
             <ac:spMk id="51" creationId="{1EFE5839-827F-4EE7-93B1-21F410F3AF68}"/>
           </ac:spMkLst>
         </pc:spChg>
+        <pc:spChg chg="mod">
+          <ac:chgData name="Cihan Zeyrek" userId="dd9724baaf2e43d1" providerId="LiveId" clId="{E5A86D5C-552E-4995-AB32-5E49D96B1D3A}" dt="2025-07-04T12:14:35.508" v="4409" actId="1076"/>
+          <ac:spMkLst>
+            <pc:docMk/>
+            <pc:sldMk cId="3613911005" sldId="258"/>
+            <ac:spMk id="52" creationId="{0C9E6692-E493-9100-A3A2-2553EE851C05}"/>
+          </ac:spMkLst>
+        </pc:spChg>
         <pc:spChg chg="add mod">
           <ac:chgData name="Cihan Zeyrek" userId="dd9724baaf2e43d1" providerId="LiveId" clId="{E5A86D5C-552E-4995-AB32-5E49D96B1D3A}" dt="2025-07-03T14:16:27.570" v="3691" actId="113"/>
           <ac:spMkLst>
             <pc:docMk/>
             <pc:sldMk cId="3613911005" sldId="258"/>
             <ac:spMk id="56" creationId="{7866C7D8-BD84-2809-E6DA-3A7BCF109C79}"/>
+          </ac:spMkLst>
+        </pc:spChg>
+        <pc:spChg chg="mod">
+          <ac:chgData name="Cihan Zeyrek" userId="dd9724baaf2e43d1" providerId="LiveId" clId="{E5A86D5C-552E-4995-AB32-5E49D96B1D3A}" dt="2025-07-04T12:14:56.378" v="4414" actId="1076"/>
+          <ac:spMkLst>
+            <pc:docMk/>
+            <pc:sldMk cId="3613911005" sldId="258"/>
+            <ac:spMk id="73" creationId="{497B7107-C6F9-BC8E-32F9-4EB58EBC3122}"/>
           </ac:spMkLst>
         </pc:spChg>
         <pc:grpChg chg="mod">
@@ -426,6 +506,14 @@
           </ac:picMkLst>
         </pc:picChg>
         <pc:picChg chg="mod">
+          <ac:chgData name="Cihan Zeyrek" userId="dd9724baaf2e43d1" providerId="LiveId" clId="{E5A86D5C-552E-4995-AB32-5E49D96B1D3A}" dt="2025-07-04T12:13:37.934" v="4395" actId="1076"/>
+          <ac:picMkLst>
+            <pc:docMk/>
+            <pc:sldMk cId="3613911005" sldId="258"/>
+            <ac:picMk id="38" creationId="{E5FDED8C-E7AC-C058-2B47-E49642388937}"/>
+          </ac:picMkLst>
+        </pc:picChg>
+        <pc:picChg chg="mod">
           <ac:chgData name="Cihan Zeyrek" userId="dd9724baaf2e43d1" providerId="LiveId" clId="{E5A86D5C-552E-4995-AB32-5E49D96B1D3A}" dt="2025-07-03T13:40:43.839" v="2891" actId="1076"/>
           <ac:picMkLst>
             <pc:docMk/>
@@ -466,11 +554,27 @@
           </ac:picMkLst>
         </pc:picChg>
         <pc:picChg chg="add mod">
-          <ac:chgData name="Cihan Zeyrek" userId="dd9724baaf2e43d1" providerId="LiveId" clId="{E5A86D5C-552E-4995-AB32-5E49D96B1D3A}" dt="2025-07-04T07:16:58.909" v="4339" actId="1076"/>
+          <ac:chgData name="Cihan Zeyrek" userId="dd9724baaf2e43d1" providerId="LiveId" clId="{E5A86D5C-552E-4995-AB32-5E49D96B1D3A}" dt="2025-07-04T12:11:32.745" v="4376" actId="1076"/>
           <ac:picMkLst>
             <pc:docMk/>
             <pc:sldMk cId="3613911005" sldId="258"/>
             <ac:picMk id="58" creationId="{A4E66611-3D6E-9A44-4656-502C42629693}"/>
+          </ac:picMkLst>
+        </pc:picChg>
+        <pc:picChg chg="mod">
+          <ac:chgData name="Cihan Zeyrek" userId="dd9724baaf2e43d1" providerId="LiveId" clId="{E5A86D5C-552E-4995-AB32-5E49D96B1D3A}" dt="2025-07-04T12:14:38.686" v="4410" actId="1076"/>
+          <ac:picMkLst>
+            <pc:docMk/>
+            <pc:sldMk cId="3613911005" sldId="258"/>
+            <ac:picMk id="68" creationId="{288F68B4-DDA1-2EEB-9F23-81C0A0F5FDB5}"/>
+          </ac:picMkLst>
+        </pc:picChg>
+        <pc:picChg chg="mod">
+          <ac:chgData name="Cihan Zeyrek" userId="dd9724baaf2e43d1" providerId="LiveId" clId="{E5A86D5C-552E-4995-AB32-5E49D96B1D3A}" dt="2025-07-04T12:14:51.643" v="4413" actId="1076"/>
+          <ac:picMkLst>
+            <pc:docMk/>
+            <pc:sldMk cId="3613911005" sldId="258"/>
+            <ac:picMk id="72" creationId="{08B70003-AD1E-4701-456D-41507D8EABB7}"/>
           </ac:picMkLst>
         </pc:picChg>
       </pc:sldChg>
@@ -5072,8 +5176,8 @@
         </p:nvSpPr>
         <p:spPr>
           <a:xfrm>
-            <a:off x="15370492" y="16768694"/>
-            <a:ext cx="14295120" cy="10898714"/>
+            <a:off x="15400185" y="16615940"/>
+            <a:ext cx="14295120" cy="8643709"/>
           </a:xfrm>
           <a:prstGeom prst="roundRect">
             <a:avLst>
@@ -5134,8 +5238,8 @@
         </p:nvSpPr>
         <p:spPr>
           <a:xfrm>
-            <a:off x="609595" y="28108222"/>
-            <a:ext cx="15600292" cy="10195805"/>
+            <a:off x="15286763" y="25651859"/>
+            <a:ext cx="14528007" cy="12645545"/>
           </a:xfrm>
           <a:prstGeom prst="roundRect">
             <a:avLst>
@@ -5196,8 +5300,8 @@
         </p:nvSpPr>
         <p:spPr>
           <a:xfrm>
-            <a:off x="16687800" y="28259607"/>
-            <a:ext cx="12977812" cy="10003290"/>
+            <a:off x="563913" y="28191603"/>
+            <a:ext cx="14217724" cy="10003290"/>
           </a:xfrm>
           <a:prstGeom prst="roundRect">
             <a:avLst>
@@ -5526,7 +5630,7 @@
         </p:nvSpPr>
         <p:spPr>
           <a:xfrm>
-            <a:off x="15848412" y="17300030"/>
+            <a:off x="15595757" y="16812766"/>
             <a:ext cx="16684555" cy="9893430"/>
           </a:xfrm>
           <a:prstGeom prst="rect">
@@ -5558,15 +5662,24 @@
           <a:lstStyle/>
           <a:p>
             <a:r>
-              <a:rPr lang="en-US" sz="4000" noProof="0" dirty="0">
+              <a:rPr lang="en-US" sz="4000" dirty="0">
                 <a:solidFill>
                   <a:schemeClr val="tx1"/>
                 </a:solidFill>
                 <a:latin typeface="Source Sans Pro" panose="020B0503030403020204" pitchFamily="34" charset="0"/>
                 <a:ea typeface="Source Sans Pro" panose="020B0503030403020204" pitchFamily="34" charset="0"/>
               </a:rPr>
-              <a:t>Mitosis: Finding my home</a:t>
-            </a:r>
+              <a:t>Identification of Mitosis-Specific RBPs: Clocking in for the season</a:t>
+            </a:r>
+          </a:p>
+          <a:p>
+            <a:endParaRPr lang="en-US" sz="4000" noProof="0" dirty="0">
+              <a:solidFill>
+                <a:schemeClr val="tx1"/>
+              </a:solidFill>
+              <a:latin typeface="Source Sans Pro" panose="020B0503030403020204" pitchFamily="34" charset="0"/>
+              <a:ea typeface="Source Sans Pro" panose="020B0503030403020204" pitchFamily="34" charset="0"/>
+            </a:endParaRPr>
           </a:p>
         </p:txBody>
       </p:sp>
@@ -5584,7 +5697,7 @@
         </p:nvSpPr>
         <p:spPr>
           <a:xfrm>
-            <a:off x="882079" y="28280022"/>
+            <a:off x="15449965" y="25898532"/>
             <a:ext cx="15355262" cy="9995591"/>
           </a:xfrm>
           <a:prstGeom prst="rect">
@@ -5651,7 +5764,7 @@
         </p:nvSpPr>
         <p:spPr>
           <a:xfrm>
-            <a:off x="16920689" y="28610869"/>
+            <a:off x="854627" y="28439764"/>
             <a:ext cx="12383450" cy="7837827"/>
           </a:xfrm>
           <a:prstGeom prst="rect">
@@ -6285,7 +6398,7 @@
         </p:blipFill>
         <p:spPr>
           <a:xfrm>
-            <a:off x="22737947" y="33472771"/>
+            <a:off x="6929493" y="31010872"/>
             <a:ext cx="6449752" cy="4364752"/>
           </a:xfrm>
           <a:prstGeom prst="rect">
@@ -7888,7 +8001,7 @@
         </p:nvSpPr>
         <p:spPr>
           <a:xfrm>
-            <a:off x="9253627" y="28414067"/>
+            <a:off x="22687042" y="26194178"/>
             <a:ext cx="6776884" cy="5105981"/>
           </a:xfrm>
           <a:prstGeom prst="rect">
@@ -7958,7 +8071,7 @@
         </p:blipFill>
         <p:spPr>
           <a:xfrm>
-            <a:off x="9351757" y="28561755"/>
+            <a:off x="22656645" y="26246968"/>
             <a:ext cx="6611709" cy="4958783"/>
           </a:xfrm>
           <a:prstGeom prst="rect">
@@ -7980,7 +8093,7 @@
         </p:nvSpPr>
         <p:spPr>
           <a:xfrm>
-            <a:off x="952552" y="34026312"/>
+            <a:off x="15709390" y="32900676"/>
             <a:ext cx="5005853" cy="3811211"/>
           </a:xfrm>
           <a:prstGeom prst="rect">
@@ -8050,7 +8163,7 @@
         </p:blipFill>
         <p:spPr>
           <a:xfrm>
-            <a:off x="952553" y="34114423"/>
+            <a:off x="15857545" y="32949588"/>
             <a:ext cx="4857698" cy="3643274"/>
           </a:xfrm>
           <a:prstGeom prst="rect">
@@ -8072,8 +8185,8 @@
         </p:nvSpPr>
         <p:spPr>
           <a:xfrm>
-            <a:off x="876288" y="28871353"/>
-            <a:ext cx="8377339" cy="5539978"/>
+            <a:off x="15360712" y="26807152"/>
+            <a:ext cx="7670217" cy="5909310"/>
           </a:xfrm>
           <a:prstGeom prst="rect">
             <a:avLst/>
@@ -8273,7 +8386,7 @@
         </p:nvSpPr>
         <p:spPr>
           <a:xfrm>
-            <a:off x="6043140" y="34032715"/>
+            <a:off x="20715243" y="32092643"/>
             <a:ext cx="10001633" cy="4216539"/>
           </a:xfrm>
           <a:prstGeom prst="rect">
@@ -8324,7 +8437,17 @@
                 <a:latin typeface="Source Sans Pro" panose="020B0503030403020204" pitchFamily="34" charset="0"/>
                 <a:ea typeface="Source Sans Pro" panose="020B0503030403020204" pitchFamily="34" charset="0"/>
               </a:rPr>
-              <a:t> validate the efficiency in clustering of the two parameters we created a heatmap with a specific </a:t>
+              <a:t> validate the efficiency in clustering of </a:t>
+            </a:r>
+          </a:p>
+          <a:p>
+            <a:pPr algn="just"/>
+            <a:r>
+              <a:rPr lang="en-US" sz="2400" noProof="0" dirty="0">
+                <a:latin typeface="Source Sans Pro" panose="020B0503030403020204" pitchFamily="34" charset="0"/>
+                <a:ea typeface="Source Sans Pro" panose="020B0503030403020204" pitchFamily="34" charset="0"/>
+              </a:rPr>
+              <a:t>the two parameters we created a heatmap with a specific </a:t>
             </a:r>
             <a:r>
               <a:rPr lang="en-US" sz="2400" b="1" noProof="0" dirty="0" err="1">
@@ -8509,14 +8632,535 @@
         </p:blipFill>
         <p:spPr>
           <a:xfrm>
-            <a:off x="21981638" y="17990679"/>
-            <a:ext cx="7315834" cy="5486876"/>
+            <a:off x="22074595" y="17620186"/>
+            <a:ext cx="6864416" cy="5148312"/>
           </a:xfrm>
           <a:prstGeom prst="rect">
             <a:avLst/>
           </a:prstGeom>
         </p:spPr>
       </p:pic>
+      <p:sp>
+        <p:nvSpPr>
+          <p:cNvPr id="36" name="Textfeld 35">
+            <a:extLst>
+              <a:ext uri="{FF2B5EF4-FFF2-40B4-BE49-F238E27FC236}">
+                <a16:creationId xmlns:a16="http://schemas.microsoft.com/office/drawing/2014/main" id="{F123235E-33F2-9698-09ED-DD83FD4F8AAD}"/>
+              </a:ext>
+            </a:extLst>
+          </p:cNvPr>
+          <p:cNvSpPr txBox="1"/>
+          <p:nvPr/>
+        </p:nvSpPr>
+        <p:spPr>
+          <a:xfrm>
+            <a:off x="15633676" y="17652922"/>
+            <a:ext cx="6501830" cy="6370975"/>
+          </a:xfrm>
+          <a:prstGeom prst="rect">
+            <a:avLst/>
+          </a:prstGeom>
+          <a:noFill/>
+        </p:spPr>
+        <p:txBody>
+          <a:bodyPr wrap="square" rtlCol="0">
+            <a:spAutoFit/>
+          </a:bodyPr>
+          <a:lstStyle/>
+          <a:p>
+            <a:r>
+              <a:rPr lang="de-DE" sz="2400" b="1" dirty="0" err="1"/>
+              <a:t>Comparative</a:t>
+            </a:r>
+            <a:r>
+              <a:rPr lang="de-DE" sz="2400" b="1" dirty="0"/>
+              <a:t> Shift Analysis</a:t>
+            </a:r>
+            <a:endParaRPr lang="en-US" sz="2400" b="1" dirty="0"/>
+          </a:p>
+          <a:p>
+            <a:r>
+              <a:rPr lang="en-US" sz="2400" dirty="0"/>
+              <a:t>To investigate RNA-binding protein (RBP) activity beyond mitosis, we applied the same shift analysis pipeline to non-synchronized HeLa cells. For each protein, shift distances were calculated using center of mass (</a:t>
+            </a:r>
+            <a:r>
+              <a:rPr lang="en-US" sz="2400" dirty="0" err="1"/>
+              <a:t>CoM</a:t>
+            </a:r>
+            <a:r>
+              <a:rPr lang="en-US" sz="2400" dirty="0"/>
+              <a:t>) values derived from normalized signal distributions across all replicates. Normality was evaluated using the Shapiro–Wilk test, and statistical significance was determined by a one-sided t-test against a defined threshold.</a:t>
+            </a:r>
+          </a:p>
+          <a:p>
+            <a:r>
+              <a:rPr lang="en-US" sz="2400" dirty="0"/>
+              <a:t>This scatterplot visualizes the resulting shift distances for each protein, comparing mitotic and non-synchronized conditions. Each point represents a protein and reflects its condition-specific RNA dependence. </a:t>
+            </a:r>
+          </a:p>
+          <a:p>
+            <a:endParaRPr lang="en-US" sz="2400" dirty="0"/>
+          </a:p>
+        </p:txBody>
+      </p:sp>
+      <p:sp>
+        <p:nvSpPr>
+          <p:cNvPr id="43" name="Textfeld 42">
+            <a:extLst>
+              <a:ext uri="{FF2B5EF4-FFF2-40B4-BE49-F238E27FC236}">
+                <a16:creationId xmlns:a16="http://schemas.microsoft.com/office/drawing/2014/main" id="{9C753B82-7F3B-08F2-D5CA-903A2F39B2EF}"/>
+              </a:ext>
+            </a:extLst>
+          </p:cNvPr>
+          <p:cNvSpPr txBox="1"/>
+          <p:nvPr/>
+        </p:nvSpPr>
+        <p:spPr>
+          <a:xfrm>
+            <a:off x="21952883" y="22885382"/>
+            <a:ext cx="7107839" cy="1015663"/>
+          </a:xfrm>
+          <a:prstGeom prst="rect">
+            <a:avLst/>
+          </a:prstGeom>
+          <a:noFill/>
+        </p:spPr>
+        <p:txBody>
+          <a:bodyPr wrap="square" rtlCol="0">
+            <a:spAutoFit/>
+          </a:bodyPr>
+          <a:lstStyle/>
+          <a:p>
+            <a:r>
+              <a:rPr lang="de-DE" sz="1200" b="1" dirty="0"/>
+              <a:t>Fig. X </a:t>
+            </a:r>
+            <a:r>
+              <a:rPr lang="de-DE" sz="1200" b="1" i="1" dirty="0" err="1"/>
+              <a:t>Comparative</a:t>
+            </a:r>
+            <a:r>
+              <a:rPr lang="de-DE" sz="1200" b="1" i="1" dirty="0"/>
+              <a:t> Shift Scatterplot (</a:t>
+            </a:r>
+            <a:r>
+              <a:rPr lang="de-DE" sz="1200" b="1" i="1" dirty="0" err="1"/>
+              <a:t>Mitosis</a:t>
+            </a:r>
+            <a:r>
+              <a:rPr lang="de-DE" sz="1200" b="1" i="1" dirty="0"/>
+              <a:t> vs. Non-</a:t>
+            </a:r>
+            <a:r>
+              <a:rPr lang="de-DE" sz="1200" b="1" i="1" dirty="0" err="1"/>
+              <a:t>Synchronized</a:t>
+            </a:r>
+            <a:r>
+              <a:rPr lang="de-DE" sz="1200" b="1" i="1" dirty="0"/>
+              <a:t>)</a:t>
+            </a:r>
+            <a:r>
+              <a:rPr lang="de-DE" sz="1200" b="1" dirty="0"/>
+              <a:t>:</a:t>
+            </a:r>
+            <a:r>
+              <a:rPr lang="de-DE" sz="1200" dirty="0"/>
+              <a:t> Scatterplot </a:t>
+            </a:r>
+            <a:r>
+              <a:rPr lang="de-DE" sz="1200" dirty="0" err="1"/>
+              <a:t>displays</a:t>
+            </a:r>
+            <a:r>
+              <a:rPr lang="de-DE" sz="1200" dirty="0"/>
+              <a:t> shift </a:t>
+            </a:r>
+            <a:r>
+              <a:rPr lang="de-DE" sz="1200" dirty="0" err="1"/>
+              <a:t>distances</a:t>
+            </a:r>
+            <a:r>
+              <a:rPr lang="de-DE" sz="1200" dirty="0"/>
+              <a:t> </a:t>
+            </a:r>
+            <a:r>
+              <a:rPr lang="de-DE" sz="1200" dirty="0" err="1"/>
+              <a:t>derived</a:t>
+            </a:r>
+            <a:r>
+              <a:rPr lang="de-DE" sz="1200" dirty="0"/>
+              <a:t> </a:t>
+            </a:r>
+            <a:r>
+              <a:rPr lang="de-DE" sz="1200" dirty="0" err="1"/>
+              <a:t>from</a:t>
+            </a:r>
+            <a:r>
+              <a:rPr lang="de-DE" sz="1200" dirty="0"/>
+              <a:t> </a:t>
+            </a:r>
+            <a:r>
+              <a:rPr lang="de-DE" sz="1200" dirty="0" err="1"/>
+              <a:t>center</a:t>
+            </a:r>
+            <a:r>
+              <a:rPr lang="de-DE" sz="1200" dirty="0"/>
+              <a:t> </a:t>
+            </a:r>
+            <a:r>
+              <a:rPr lang="de-DE" sz="1200" dirty="0" err="1"/>
+              <a:t>of</a:t>
+            </a:r>
+            <a:r>
+              <a:rPr lang="de-DE" sz="1200" dirty="0"/>
+              <a:t> </a:t>
+            </a:r>
+            <a:r>
+              <a:rPr lang="de-DE" sz="1200" dirty="0" err="1"/>
+              <a:t>mass</a:t>
+            </a:r>
+            <a:r>
+              <a:rPr lang="de-DE" sz="1200" dirty="0"/>
+              <a:t> (</a:t>
+            </a:r>
+            <a:r>
+              <a:rPr lang="de-DE" sz="1200" dirty="0" err="1"/>
+              <a:t>CoM</a:t>
+            </a:r>
+            <a:r>
+              <a:rPr lang="de-DE" sz="1200" dirty="0"/>
+              <a:t>) </a:t>
+            </a:r>
+            <a:r>
+              <a:rPr lang="de-DE" sz="1200" dirty="0" err="1"/>
+              <a:t>values</a:t>
+            </a:r>
+            <a:r>
+              <a:rPr lang="de-DE" sz="1200" dirty="0"/>
+              <a:t> </a:t>
+            </a:r>
+            <a:r>
+              <a:rPr lang="de-DE" sz="1200" dirty="0" err="1"/>
+              <a:t>for</a:t>
+            </a:r>
+            <a:r>
+              <a:rPr lang="de-DE" sz="1200" dirty="0"/>
+              <a:t> all </a:t>
+            </a:r>
+            <a:r>
+              <a:rPr lang="de-DE" sz="1200" dirty="0" err="1"/>
+              <a:t>proteins</a:t>
+            </a:r>
+            <a:r>
+              <a:rPr lang="de-DE" sz="1200" dirty="0"/>
+              <a:t> </a:t>
+            </a:r>
+            <a:r>
+              <a:rPr lang="de-DE" sz="1200" dirty="0" err="1"/>
+              <a:t>under</a:t>
+            </a:r>
+            <a:r>
+              <a:rPr lang="de-DE" sz="1200" dirty="0"/>
+              <a:t> </a:t>
+            </a:r>
+            <a:r>
+              <a:rPr lang="de-DE" sz="1200" dirty="0" err="1"/>
+              <a:t>both</a:t>
+            </a:r>
+            <a:r>
+              <a:rPr lang="de-DE" sz="1200" dirty="0"/>
+              <a:t> </a:t>
+            </a:r>
+            <a:r>
+              <a:rPr lang="de-DE" sz="1200" dirty="0" err="1"/>
+              <a:t>conditions</a:t>
+            </a:r>
+            <a:r>
+              <a:rPr lang="de-DE" sz="1200" dirty="0"/>
+              <a:t>. </a:t>
+            </a:r>
+            <a:r>
+              <a:rPr lang="de-DE" sz="1200" dirty="0" err="1"/>
+              <a:t>Each</a:t>
+            </a:r>
+            <a:r>
+              <a:rPr lang="de-DE" sz="1200" dirty="0"/>
+              <a:t> </a:t>
+            </a:r>
+            <a:r>
+              <a:rPr lang="de-DE" sz="1200" dirty="0" err="1"/>
+              <a:t>point</a:t>
+            </a:r>
+            <a:r>
+              <a:rPr lang="de-DE" sz="1200" dirty="0"/>
+              <a:t> </a:t>
+            </a:r>
+            <a:r>
+              <a:rPr lang="de-DE" sz="1200" dirty="0" err="1"/>
+              <a:t>represents</a:t>
+            </a:r>
+            <a:r>
+              <a:rPr lang="de-DE" sz="1200" dirty="0"/>
+              <a:t> </a:t>
+            </a:r>
+            <a:r>
+              <a:rPr lang="de-DE" sz="1200" dirty="0" err="1"/>
+              <a:t>one</a:t>
+            </a:r>
+            <a:r>
+              <a:rPr lang="de-DE" sz="1200" dirty="0"/>
+              <a:t> </a:t>
+            </a:r>
+            <a:r>
+              <a:rPr lang="de-DE" sz="1200" dirty="0" err="1"/>
+              <a:t>protein</a:t>
+            </a:r>
+            <a:r>
+              <a:rPr lang="de-DE" sz="1200" dirty="0"/>
+              <a:t>, color-</a:t>
+            </a:r>
+            <a:r>
+              <a:rPr lang="de-DE" sz="1200" dirty="0" err="1"/>
+              <a:t>coded</a:t>
+            </a:r>
+            <a:r>
+              <a:rPr lang="de-DE" sz="1200" dirty="0"/>
+              <a:t> </a:t>
+            </a:r>
+            <a:r>
+              <a:rPr lang="de-DE" sz="1200" dirty="0" err="1"/>
+              <a:t>by</a:t>
+            </a:r>
+            <a:r>
+              <a:rPr lang="de-DE" sz="1200" dirty="0"/>
+              <a:t> </a:t>
+            </a:r>
+            <a:r>
+              <a:rPr lang="de-DE" sz="1200" dirty="0" err="1"/>
+              <a:t>statistical</a:t>
+            </a:r>
+            <a:r>
+              <a:rPr lang="de-DE" sz="1200" dirty="0"/>
+              <a:t> </a:t>
+            </a:r>
+            <a:r>
+              <a:rPr lang="de-DE" sz="1200" dirty="0" err="1"/>
+              <a:t>significance</a:t>
+            </a:r>
+            <a:r>
+              <a:rPr lang="de-DE" sz="1200" dirty="0"/>
+              <a:t>. The </a:t>
+            </a:r>
+            <a:r>
+              <a:rPr lang="de-DE" sz="1200" dirty="0" err="1"/>
+              <a:t>red</a:t>
+            </a:r>
+            <a:r>
+              <a:rPr lang="de-DE" sz="1200" dirty="0"/>
+              <a:t> </a:t>
+            </a:r>
+            <a:r>
+              <a:rPr lang="de-DE" sz="1200" dirty="0" err="1"/>
+              <a:t>dashed</a:t>
+            </a:r>
+            <a:r>
+              <a:rPr lang="de-DE" sz="1200" dirty="0"/>
+              <a:t> </a:t>
+            </a:r>
+            <a:r>
+              <a:rPr lang="de-DE" sz="1200" dirty="0" err="1"/>
+              <a:t>identity</a:t>
+            </a:r>
+            <a:r>
+              <a:rPr lang="de-DE" sz="1200" dirty="0"/>
+              <a:t> </a:t>
+            </a:r>
+            <a:r>
+              <a:rPr lang="de-DE" sz="1200" dirty="0" err="1"/>
+              <a:t>line</a:t>
+            </a:r>
+            <a:r>
+              <a:rPr lang="de-DE" sz="1200" dirty="0"/>
+              <a:t> </a:t>
+            </a:r>
+            <a:r>
+              <a:rPr lang="de-DE" sz="1200" dirty="0" err="1"/>
+              <a:t>marks</a:t>
+            </a:r>
+            <a:r>
+              <a:rPr lang="de-DE" sz="1200" dirty="0"/>
+              <a:t> </a:t>
+            </a:r>
+            <a:r>
+              <a:rPr lang="de-DE" sz="1200" dirty="0" err="1"/>
+              <a:t>equal</a:t>
+            </a:r>
+            <a:r>
+              <a:rPr lang="de-DE" sz="1200" dirty="0"/>
+              <a:t> shift </a:t>
+            </a:r>
+            <a:r>
+              <a:rPr lang="de-DE" sz="1200" dirty="0" err="1"/>
+              <a:t>behavior</a:t>
+            </a:r>
+            <a:r>
+              <a:rPr lang="de-DE" sz="1200" dirty="0"/>
+              <a:t>; </a:t>
+            </a:r>
+            <a:r>
+              <a:rPr lang="de-DE" sz="1200" dirty="0" err="1"/>
+              <a:t>proteins</a:t>
+            </a:r>
+            <a:r>
+              <a:rPr lang="de-DE" sz="1200" dirty="0"/>
+              <a:t> </a:t>
+            </a:r>
+            <a:r>
+              <a:rPr lang="de-DE" sz="1200" dirty="0" err="1"/>
+              <a:t>below</a:t>
+            </a:r>
+            <a:r>
+              <a:rPr lang="de-DE" sz="1200" dirty="0"/>
+              <a:t> </a:t>
+            </a:r>
+            <a:r>
+              <a:rPr lang="de-DE" sz="1200" dirty="0" err="1"/>
+              <a:t>the</a:t>
+            </a:r>
+            <a:r>
+              <a:rPr lang="de-DE" sz="1200" dirty="0"/>
+              <a:t> </a:t>
+            </a:r>
+            <a:r>
+              <a:rPr lang="de-DE" sz="1200" dirty="0" err="1"/>
+              <a:t>line</a:t>
+            </a:r>
+            <a:r>
+              <a:rPr lang="de-DE" sz="1200" dirty="0"/>
+              <a:t> </a:t>
+            </a:r>
+            <a:r>
+              <a:rPr lang="de-DE" sz="1200" dirty="0" err="1"/>
+              <a:t>show</a:t>
+            </a:r>
+            <a:r>
+              <a:rPr lang="de-DE" sz="1200" dirty="0"/>
+              <a:t> </a:t>
+            </a:r>
+            <a:r>
+              <a:rPr lang="de-DE" sz="1200" dirty="0" err="1"/>
+              <a:t>mitosis-specific</a:t>
+            </a:r>
+            <a:r>
+              <a:rPr lang="de-DE" sz="1200" dirty="0"/>
+              <a:t> </a:t>
+            </a:r>
+            <a:r>
+              <a:rPr lang="de-DE" sz="1200" dirty="0" err="1"/>
+              <a:t>leftward</a:t>
+            </a:r>
+            <a:r>
+              <a:rPr lang="de-DE" sz="1200" dirty="0"/>
+              <a:t> </a:t>
+            </a:r>
+            <a:r>
+              <a:rPr lang="de-DE" sz="1200" dirty="0" err="1"/>
+              <a:t>shifts</a:t>
+            </a:r>
+            <a:r>
+              <a:rPr lang="de-DE" sz="1200" dirty="0"/>
+              <a:t>, </a:t>
+            </a:r>
+            <a:r>
+              <a:rPr lang="de-DE" sz="1200" dirty="0" err="1"/>
+              <a:t>suggesting</a:t>
+            </a:r>
+            <a:r>
+              <a:rPr lang="de-DE" sz="1200" dirty="0"/>
+              <a:t> RNA </a:t>
+            </a:r>
+            <a:r>
+              <a:rPr lang="de-DE" sz="1200" dirty="0" err="1"/>
+              <a:t>dependency</a:t>
+            </a:r>
+            <a:r>
+              <a:rPr lang="de-DE" sz="1200" dirty="0"/>
+              <a:t> </a:t>
+            </a:r>
+            <a:r>
+              <a:rPr lang="de-DE" sz="1200" dirty="0" err="1"/>
+              <a:t>unique</a:t>
+            </a:r>
+            <a:r>
+              <a:rPr lang="de-DE" sz="1200" dirty="0"/>
+              <a:t> </a:t>
+            </a:r>
+            <a:r>
+              <a:rPr lang="de-DE" sz="1200" dirty="0" err="1"/>
+              <a:t>to</a:t>
+            </a:r>
+            <a:r>
+              <a:rPr lang="de-DE" sz="1200" dirty="0"/>
+              <a:t> </a:t>
+            </a:r>
+            <a:r>
+              <a:rPr lang="de-DE" sz="1200" dirty="0" err="1"/>
+              <a:t>mitosis</a:t>
+            </a:r>
+            <a:r>
+              <a:rPr lang="de-DE" sz="1200" dirty="0"/>
+              <a:t>.</a:t>
+            </a:r>
+            <a:endParaRPr lang="en-US" sz="1200" dirty="0"/>
+          </a:p>
+        </p:txBody>
+      </p:sp>
+      <p:sp>
+        <p:nvSpPr>
+          <p:cNvPr id="44" name="Textfeld 43">
+            <a:extLst>
+              <a:ext uri="{FF2B5EF4-FFF2-40B4-BE49-F238E27FC236}">
+                <a16:creationId xmlns:a16="http://schemas.microsoft.com/office/drawing/2014/main" id="{C41FF133-ADEB-E4F3-48D0-CDE044ACB3E5}"/>
+              </a:ext>
+            </a:extLst>
+          </p:cNvPr>
+          <p:cNvSpPr txBox="1"/>
+          <p:nvPr/>
+        </p:nvSpPr>
+        <p:spPr>
+          <a:xfrm>
+            <a:off x="15595757" y="23876888"/>
+            <a:ext cx="13817660" cy="1477328"/>
+          </a:xfrm>
+          <a:prstGeom prst="rect">
+            <a:avLst/>
+          </a:prstGeom>
+          <a:noFill/>
+        </p:spPr>
+        <p:txBody>
+          <a:bodyPr wrap="square" rtlCol="0">
+            <a:spAutoFit/>
+          </a:bodyPr>
+          <a:lstStyle/>
+          <a:p>
+            <a:r>
+              <a:rPr lang="en-US" sz="2400" dirty="0"/>
+              <a:t>The red dashed identity line marks equal shifts across both cell states. Proteins falling below this line such as </a:t>
+            </a:r>
+            <a:r>
+              <a:rPr lang="en-US" sz="2400" b="1" dirty="0" err="1"/>
+              <a:t>RiboSix</a:t>
+            </a:r>
+            <a:r>
+              <a:rPr lang="en-US" sz="2400" dirty="0"/>
+              <a:t> show stronger RNA dependency during mitosis, suggesting their role is tightly linked to this specific cellular phase. Indeed, mitosis appears to be the active season for our little RBP hero.</a:t>
+            </a:r>
+          </a:p>
+          <a:p>
+            <a:endParaRPr lang="en-US" dirty="0"/>
+          </a:p>
+        </p:txBody>
+      </p:sp>
     </p:spTree>
     <p:extLst>
       <p:ext uri="{BB962C8B-B14F-4D97-AF65-F5344CB8AC3E}">

--- a/RiboZwo.pptx
+++ b/RiboZwo.pptx
@@ -118,7 +118,7 @@
 <file path=ppt/revisionInfo.xml><?xml version="1.0" encoding="utf-8"?>
 <p1510:revInfo xmlns:a="http://schemas.openxmlformats.org/drawingml/2006/main" xmlns:r="http://schemas.openxmlformats.org/officeDocument/2006/relationships" xmlns:p1510="http://schemas.microsoft.com/office/powerpoint/2015/10/main">
   <p1510:revLst>
-    <p1510:client id="{E5A86D5C-552E-4995-AB32-5E49D96B1D3A}" v="30" dt="2025-07-04T12:10:23.929"/>
+    <p1510:client id="{E5A86D5C-552E-4995-AB32-5E49D96B1D3A}" v="31" dt="2025-07-04T12:58:18.777"/>
   </p1510:revLst>
 </p1510:revInfo>
 </file>
@@ -128,7 +128,7 @@
   <pc:docChgLst>
     <pc:chgData name="Cihan Zeyrek" userId="dd9724baaf2e43d1" providerId="LiveId" clId="{E5A86D5C-552E-4995-AB32-5E49D96B1D3A}"/>
     <pc:docChg chg="undo redo custSel delSld modSld">
-      <pc:chgData name="Cihan Zeyrek" userId="dd9724baaf2e43d1" providerId="LiveId" clId="{E5A86D5C-552E-4995-AB32-5E49D96B1D3A}" dt="2025-07-04T12:14:56.378" v="4414" actId="1076"/>
+      <pc:chgData name="Cihan Zeyrek" userId="dd9724baaf2e43d1" providerId="LiveId" clId="{E5A86D5C-552E-4995-AB32-5E49D96B1D3A}" dt="2025-07-04T12:59:09.791" v="4429" actId="14100"/>
       <pc:docMkLst>
         <pc:docMk/>
       </pc:docMkLst>
@@ -220,7 +220,7 @@
         </pc:spChg>
       </pc:sldChg>
       <pc:sldChg chg="addSp delSp modSp mod">
-        <pc:chgData name="Cihan Zeyrek" userId="dd9724baaf2e43d1" providerId="LiveId" clId="{E5A86D5C-552E-4995-AB32-5E49D96B1D3A}" dt="2025-07-04T12:14:56.378" v="4414" actId="1076"/>
+        <pc:chgData name="Cihan Zeyrek" userId="dd9724baaf2e43d1" providerId="LiveId" clId="{E5A86D5C-552E-4995-AB32-5E49D96B1D3A}" dt="2025-07-04T12:59:09.791" v="4429" actId="14100"/>
         <pc:sldMkLst>
           <pc:docMk/>
           <pc:sldMk cId="3613911005" sldId="258"/>
@@ -450,7 +450,7 @@
           </ac:spMkLst>
         </pc:spChg>
         <pc:spChg chg="add mod">
-          <ac:chgData name="Cihan Zeyrek" userId="dd9724baaf2e43d1" providerId="LiveId" clId="{E5A86D5C-552E-4995-AB32-5E49D96B1D3A}" dt="2025-07-03T14:16:27.570" v="3691" actId="113"/>
+          <ac:chgData name="Cihan Zeyrek" userId="dd9724baaf2e43d1" providerId="LiveId" clId="{E5A86D5C-552E-4995-AB32-5E49D96B1D3A}" dt="2025-07-04T12:59:09.791" v="4429" actId="14100"/>
           <ac:spMkLst>
             <pc:docMk/>
             <pc:sldMk cId="3613911005" sldId="258"/>
@@ -529,8 +529,8 @@
             <ac:picMk id="46" creationId="{0D302B69-227B-F98A-9C17-505C30F9EF34}"/>
           </ac:picMkLst>
         </pc:picChg>
-        <pc:picChg chg="add mod">
-          <ac:chgData name="Cihan Zeyrek" userId="dd9724baaf2e43d1" providerId="LiveId" clId="{E5A86D5C-552E-4995-AB32-5E49D96B1D3A}" dt="2025-07-03T14:10:34.175" v="3535" actId="1076"/>
+        <pc:picChg chg="add del mod">
+          <ac:chgData name="Cihan Zeyrek" userId="dd9724baaf2e43d1" providerId="LiveId" clId="{E5A86D5C-552E-4995-AB32-5E49D96B1D3A}" dt="2025-07-04T12:58:45.916" v="4423" actId="478"/>
           <ac:picMkLst>
             <pc:docMk/>
             <pc:sldMk cId="3613911005" sldId="258"/>
@@ -543,6 +543,14 @@
             <pc:docMk/>
             <pc:sldMk cId="3613911005" sldId="258"/>
             <ac:picMk id="55" creationId="{2850C1C9-B223-F7BE-1D76-2515B899DD6B}"/>
+          </ac:picMkLst>
+        </pc:picChg>
+        <pc:picChg chg="add mod modCrop">
+          <ac:chgData name="Cihan Zeyrek" userId="dd9724baaf2e43d1" providerId="LiveId" clId="{E5A86D5C-552E-4995-AB32-5E49D96B1D3A}" dt="2025-07-04T12:59:04.179" v="4428" actId="14100"/>
+          <ac:picMkLst>
+            <pc:docMk/>
+            <pc:sldMk cId="3613911005" sldId="258"/>
+            <ac:picMk id="55" creationId="{35A664B3-803F-4536-2EE5-578ED541F8BF}"/>
           </ac:picMkLst>
         </pc:picChg>
         <pc:picChg chg="add del mod">
@@ -7720,42 +7728,6 @@
           </a:p>
         </p:txBody>
       </p:sp>
-      <p:pic>
-        <p:nvPicPr>
-          <p:cNvPr id="53" name="Grafik 52" descr="Ein Bild, das Text, Screenshot, Farbigkeit, Reihe enthält.&#10;&#10;KI-generierte Inhalte können fehlerhaft sein.">
-            <a:extLst>
-              <a:ext uri="{FF2B5EF4-FFF2-40B4-BE49-F238E27FC236}">
-                <a16:creationId xmlns:a16="http://schemas.microsoft.com/office/drawing/2014/main" id="{BAAF9A28-A00D-D8F6-8487-F57CBEA64C0C}"/>
-              </a:ext>
-            </a:extLst>
-          </p:cNvPr>
-          <p:cNvPicPr>
-            <a:picLocks noChangeAspect="1"/>
-          </p:cNvPicPr>
-          <p:nvPr/>
-        </p:nvPicPr>
-        <p:blipFill>
-          <a:blip r:embed="rId17">
-            <a:extLst>
-              <a:ext uri="{28A0092B-C50C-407E-A947-70E740481C1C}">
-                <a14:useLocalDpi xmlns:a14="http://schemas.microsoft.com/office/drawing/2010/main" val="0"/>
-              </a:ext>
-            </a:extLst>
-          </a:blip>
-          <a:stretch>
-            <a:fillRect/>
-          </a:stretch>
-        </p:blipFill>
-        <p:spPr>
-          <a:xfrm>
-            <a:off x="7311060" y="7217510"/>
-            <a:ext cx="7082565" cy="4721710"/>
-          </a:xfrm>
-          <a:prstGeom prst="rect">
-            <a:avLst/>
-          </a:prstGeom>
-        </p:spPr>
-      </p:pic>
       <p:sp>
         <p:nvSpPr>
           <p:cNvPr id="56" name="Textfeld 55">
@@ -7770,8 +7742,8 @@
         </p:nvSpPr>
         <p:spPr>
           <a:xfrm>
-            <a:off x="7278015" y="11954804"/>
-            <a:ext cx="7115610" cy="646331"/>
+            <a:off x="6978285" y="11954804"/>
+            <a:ext cx="7415340" cy="646331"/>
           </a:xfrm>
           <a:prstGeom prst="rect">
             <a:avLst/>
@@ -8058,7 +8030,7 @@
           <p:nvPr/>
         </p:nvPicPr>
         <p:blipFill>
-          <a:blip r:embed="rId18">
+          <a:blip r:embed="rId17">
             <a:extLst>
               <a:ext uri="{28A0092B-C50C-407E-A947-70E740481C1C}">
                 <a14:useLocalDpi xmlns:a14="http://schemas.microsoft.com/office/drawing/2010/main" val="0"/>
@@ -8150,7 +8122,7 @@
           <p:nvPr/>
         </p:nvPicPr>
         <p:blipFill>
-          <a:blip r:embed="rId19">
+          <a:blip r:embed="rId18">
             <a:extLst>
               <a:ext uri="{28A0092B-C50C-407E-A947-70E740481C1C}">
                 <a14:useLocalDpi xmlns:a14="http://schemas.microsoft.com/office/drawing/2010/main" val="0"/>
@@ -8619,7 +8591,7 @@
           <p:nvPr/>
         </p:nvPicPr>
         <p:blipFill>
-          <a:blip r:embed="rId20">
+          <a:blip r:embed="rId19">
             <a:extLst>
               <a:ext uri="{28A0092B-C50C-407E-A947-70E740481C1C}">
                 <a14:useLocalDpi xmlns:a14="http://schemas.microsoft.com/office/drawing/2010/main" val="0"/>
@@ -9161,6 +9133,43 @@
           </a:p>
         </p:txBody>
       </p:sp>
+      <p:pic>
+        <p:nvPicPr>
+          <p:cNvPr id="55" name="Grafik 54" descr="Ein Bild, das Screenshot, Text, Farbigkeit, Reihe enthält.&#10;&#10;KI-generierte Inhalte können fehlerhaft sein.">
+            <a:extLst>
+              <a:ext uri="{FF2B5EF4-FFF2-40B4-BE49-F238E27FC236}">
+                <a16:creationId xmlns:a16="http://schemas.microsoft.com/office/drawing/2014/main" id="{35A664B3-803F-4536-2EE5-578ED541F8BF}"/>
+              </a:ext>
+            </a:extLst>
+          </p:cNvPr>
+          <p:cNvPicPr>
+            <a:picLocks noChangeAspect="1"/>
+          </p:cNvPicPr>
+          <p:nvPr/>
+        </p:nvPicPr>
+        <p:blipFill>
+          <a:blip r:embed="rId20">
+            <a:extLst>
+              <a:ext uri="{28A0092B-C50C-407E-A947-70E740481C1C}">
+                <a14:useLocalDpi xmlns:a14="http://schemas.microsoft.com/office/drawing/2010/main" val="0"/>
+              </a:ext>
+            </a:extLst>
+          </a:blip>
+          <a:srcRect l="2118" t="4855" r="1441" b="4768"/>
+          <a:stretch>
+            <a:fillRect/>
+          </a:stretch>
+        </p:blipFill>
+        <p:spPr>
+          <a:xfrm>
+            <a:off x="6978285" y="7124435"/>
+            <a:ext cx="7762767" cy="4849741"/>
+          </a:xfrm>
+          <a:prstGeom prst="rect">
+            <a:avLst/>
+          </a:prstGeom>
+        </p:spPr>
+      </p:pic>
     </p:spTree>
     <p:extLst>
       <p:ext uri="{BB962C8B-B14F-4D97-AF65-F5344CB8AC3E}">

--- a/RiboZwo.pptx
+++ b/RiboZwo.pptx
@@ -717,7 +717,7 @@
             </c:spPr>
             <c:extLst>
               <c:ext xmlns:c16="http://schemas.microsoft.com/office/drawing/2014/chart" uri="{C3380CC4-5D6E-409C-BE32-E72D297353CC}">
-                <c16:uniqueId val="{00000001-79C9-6C4D-AD61-958EFD168548}"/>
+                <c16:uniqueId val="{00000001-C022-A447-B2AC-64D13C980A4C}"/>
               </c:ext>
             </c:extLst>
           </c:dPt>
@@ -737,7 +737,7 @@
             </c:spPr>
             <c:extLst>
               <c:ext xmlns:c16="http://schemas.microsoft.com/office/drawing/2014/chart" uri="{C3380CC4-5D6E-409C-BE32-E72D297353CC}">
-                <c16:uniqueId val="{00000003-79C9-6C4D-AD61-958EFD168548}"/>
+                <c16:uniqueId val="{00000003-C022-A447-B2AC-64D13C980A4C}"/>
               </c:ext>
             </c:extLst>
           </c:dPt>
@@ -757,7 +757,7 @@
             </c:spPr>
             <c:extLst>
               <c:ext xmlns:c16="http://schemas.microsoft.com/office/drawing/2014/chart" uri="{C3380CC4-5D6E-409C-BE32-E72D297353CC}">
-                <c16:uniqueId val="{00000005-79C9-6C4D-AD61-958EFD168548}"/>
+                <c16:uniqueId val="{00000005-C022-A447-B2AC-64D13C980A4C}"/>
               </c:ext>
             </c:extLst>
           </c:dPt>
@@ -779,7 +779,7 @@
             </c:spPr>
             <c:extLst>
               <c:ext xmlns:c16="http://schemas.microsoft.com/office/drawing/2014/chart" uri="{C3380CC4-5D6E-409C-BE32-E72D297353CC}">
-                <c16:uniqueId val="{00000007-79C9-6C4D-AD61-958EFD168548}"/>
+                <c16:uniqueId val="{00000007-C022-A447-B2AC-64D13C980A4C}"/>
               </c:ext>
             </c:extLst>
           </c:dPt>
@@ -865,7 +865,7 @@
           </c:val>
           <c:extLst>
             <c:ext xmlns:c16="http://schemas.microsoft.com/office/drawing/2014/chart" uri="{C3380CC4-5D6E-409C-BE32-E72D297353CC}">
-              <c16:uniqueId val="{00000008-79C9-6C4D-AD61-958EFD168548}"/>
+              <c16:uniqueId val="{00000008-C022-A447-B2AC-64D13C980A4C}"/>
             </c:ext>
           </c:extLst>
         </c:ser>
@@ -1604,7 +1604,7 @@
           <a:p>
             <a:fld id="{12610477-6C94-4391-BBDC-B8E9BB33E658}" type="datetimeFigureOut">
               <a:rPr lang="de-DE" smtClean="0"/>
-              <a:t>04.07.2025</a:t>
+              <a:t>04.07.25</a:t>
             </a:fld>
             <a:endParaRPr lang="de-DE"/>
           </a:p>
@@ -2110,7 +2110,7 @@
           <a:p>
             <a:fld id="{F9ACF1CB-8064-4AFF-8DFB-49A00122A1FD}" type="datetimeFigureOut">
               <a:rPr lang="de-DE" smtClean="0"/>
-              <a:t>04.07.2025</a:t>
+              <a:t>04.07.25</a:t>
             </a:fld>
             <a:endParaRPr lang="de-DE"/>
           </a:p>
@@ -2280,7 +2280,7 @@
           <a:p>
             <a:fld id="{F9ACF1CB-8064-4AFF-8DFB-49A00122A1FD}" type="datetimeFigureOut">
               <a:rPr lang="de-DE" smtClean="0"/>
-              <a:t>04.07.2025</a:t>
+              <a:t>04.07.25</a:t>
             </a:fld>
             <a:endParaRPr lang="de-DE"/>
           </a:p>
@@ -2460,7 +2460,7 @@
           <a:p>
             <a:fld id="{F9ACF1CB-8064-4AFF-8DFB-49A00122A1FD}" type="datetimeFigureOut">
               <a:rPr lang="de-DE" smtClean="0"/>
-              <a:t>04.07.2025</a:t>
+              <a:t>04.07.25</a:t>
             </a:fld>
             <a:endParaRPr lang="de-DE"/>
           </a:p>
@@ -2630,7 +2630,7 @@
           <a:p>
             <a:fld id="{F9ACF1CB-8064-4AFF-8DFB-49A00122A1FD}" type="datetimeFigureOut">
               <a:rPr lang="de-DE" smtClean="0"/>
-              <a:t>04.07.2025</a:t>
+              <a:t>04.07.25</a:t>
             </a:fld>
             <a:endParaRPr lang="de-DE"/>
           </a:p>
@@ -2876,7 +2876,7 @@
           <a:p>
             <a:fld id="{F9ACF1CB-8064-4AFF-8DFB-49A00122A1FD}" type="datetimeFigureOut">
               <a:rPr lang="de-DE" smtClean="0"/>
-              <a:t>04.07.2025</a:t>
+              <a:t>04.07.25</a:t>
             </a:fld>
             <a:endParaRPr lang="de-DE"/>
           </a:p>
@@ -3108,7 +3108,7 @@
           <a:p>
             <a:fld id="{F9ACF1CB-8064-4AFF-8DFB-49A00122A1FD}" type="datetimeFigureOut">
               <a:rPr lang="de-DE" smtClean="0"/>
-              <a:t>04.07.2025</a:t>
+              <a:t>04.07.25</a:t>
             </a:fld>
             <a:endParaRPr lang="de-DE"/>
           </a:p>
@@ -3475,7 +3475,7 @@
           <a:p>
             <a:fld id="{F9ACF1CB-8064-4AFF-8DFB-49A00122A1FD}" type="datetimeFigureOut">
               <a:rPr lang="de-DE" smtClean="0"/>
-              <a:t>04.07.2025</a:t>
+              <a:t>04.07.25</a:t>
             </a:fld>
             <a:endParaRPr lang="de-DE"/>
           </a:p>
@@ -3593,7 +3593,7 @@
           <a:p>
             <a:fld id="{F9ACF1CB-8064-4AFF-8DFB-49A00122A1FD}" type="datetimeFigureOut">
               <a:rPr lang="de-DE" smtClean="0"/>
-              <a:t>04.07.2025</a:t>
+              <a:t>04.07.25</a:t>
             </a:fld>
             <a:endParaRPr lang="de-DE"/>
           </a:p>
@@ -3688,7 +3688,7 @@
           <a:p>
             <a:fld id="{F9ACF1CB-8064-4AFF-8DFB-49A00122A1FD}" type="datetimeFigureOut">
               <a:rPr lang="de-DE" smtClean="0"/>
-              <a:t>04.07.2025</a:t>
+              <a:t>04.07.25</a:t>
             </a:fld>
             <a:endParaRPr lang="de-DE"/>
           </a:p>
@@ -3965,7 +3965,7 @@
           <a:p>
             <a:fld id="{F9ACF1CB-8064-4AFF-8DFB-49A00122A1FD}" type="datetimeFigureOut">
               <a:rPr lang="de-DE" smtClean="0"/>
-              <a:t>04.07.2025</a:t>
+              <a:t>04.07.25</a:t>
             </a:fld>
             <a:endParaRPr lang="de-DE"/>
           </a:p>
@@ -4222,7 +4222,7 @@
           <a:p>
             <a:fld id="{F9ACF1CB-8064-4AFF-8DFB-49A00122A1FD}" type="datetimeFigureOut">
               <a:rPr lang="de-DE" smtClean="0"/>
-              <a:t>04.07.2025</a:t>
+              <a:t>04.07.25</a:t>
             </a:fld>
             <a:endParaRPr lang="de-DE"/>
           </a:p>
@@ -4507,7 +4507,7 @@
           <a:p>
             <a:fld id="{F9ACF1CB-8064-4AFF-8DFB-49A00122A1FD}" type="datetimeFigureOut">
               <a:rPr lang="de-DE" smtClean="0"/>
-              <a:t>04.07.2025</a:t>
+              <a:t>04.07.25</a:t>
             </a:fld>
             <a:endParaRPr lang="de-DE"/>
           </a:p>
@@ -6416,10 +6416,1507 @@
       </p:pic>
       <p:sp>
         <p:nvSpPr>
-          <p:cNvPr id="2" name="Abgerundetes Rechteck 1">
+          <p:cNvPr id="13" name="Textfeld 12">
             <a:extLst>
               <a:ext uri="{FF2B5EF4-FFF2-40B4-BE49-F238E27FC236}">
-                <a16:creationId xmlns:a16="http://schemas.microsoft.com/office/drawing/2014/main" id="{49A02D2B-FEBA-8240-4F80-1023D79A7ABD}"/>
+                <a16:creationId xmlns:a16="http://schemas.microsoft.com/office/drawing/2014/main" id="{B1FDECB6-1FBA-D64A-249B-C2A37669EFAA}"/>
+              </a:ext>
+            </a:extLst>
+          </p:cNvPr>
+          <p:cNvSpPr txBox="1"/>
+          <p:nvPr/>
+        </p:nvSpPr>
+        <p:spPr>
+          <a:xfrm>
+            <a:off x="830996" y="7194777"/>
+            <a:ext cx="6015282" cy="5262979"/>
+          </a:xfrm>
+          <a:prstGeom prst="rect">
+            <a:avLst/>
+          </a:prstGeom>
+          <a:noFill/>
+        </p:spPr>
+        <p:txBody>
+          <a:bodyPr wrap="square" rtlCol="0">
+            <a:spAutoFit/>
+          </a:bodyPr>
+          <a:lstStyle/>
+          <a:p>
+            <a:r>
+              <a:rPr lang="en-US" sz="2400" noProof="0" dirty="0"/>
+              <a:t>To verify the reproducibility of the triplicates in our dataset, Spearman correlations were calculated between all replicate–fraction combinations. The resulting correlation coefficients (</a:t>
+            </a:r>
+            <a:r>
+              <a:rPr lang="en-US" sz="2400" noProof="0" dirty="0" err="1"/>
+              <a:t>r-values</a:t>
+            </a:r>
+            <a:r>
+              <a:rPr lang="en-US" sz="2400" noProof="0" dirty="0"/>
+              <a:t>) were visualized as two separate heatmaps - one for the RNase treatment (Fig. X on the right) and one for the control condition. </a:t>
+            </a:r>
+            <a:endParaRPr lang="en-US" sz="2400" dirty="0"/>
+          </a:p>
+          <a:p>
+            <a:r>
+              <a:rPr lang="en-US" sz="2400" noProof="0" dirty="0"/>
+              <a:t>Reproducibility is indicated by high correlations within corresponding fractions across replicates, which should appear as prominent diagonal patterns in 3×3 blocks on the heatmaps. </a:t>
+            </a:r>
+            <a:r>
+              <a:rPr lang="en-US" sz="2400" dirty="0"/>
+              <a:t>This diagonal correlation structure was evident in both treatments.</a:t>
+            </a:r>
+            <a:endParaRPr lang="en-US" sz="2400" noProof="0" dirty="0"/>
+          </a:p>
+        </p:txBody>
+      </p:sp>
+      <p:sp>
+        <p:nvSpPr>
+          <p:cNvPr id="56" name="Textfeld 55">
+            <a:extLst>
+              <a:ext uri="{FF2B5EF4-FFF2-40B4-BE49-F238E27FC236}">
+                <a16:creationId xmlns:a16="http://schemas.microsoft.com/office/drawing/2014/main" id="{7866C7D8-BD84-2809-E6DA-3A7BCF109C79}"/>
+              </a:ext>
+            </a:extLst>
+          </p:cNvPr>
+          <p:cNvSpPr txBox="1"/>
+          <p:nvPr/>
+        </p:nvSpPr>
+        <p:spPr>
+          <a:xfrm>
+            <a:off x="6978285" y="11954804"/>
+            <a:ext cx="7415340" cy="646331"/>
+          </a:xfrm>
+          <a:prstGeom prst="rect">
+            <a:avLst/>
+          </a:prstGeom>
+          <a:noFill/>
+        </p:spPr>
+        <p:txBody>
+          <a:bodyPr wrap="square" rtlCol="0">
+            <a:spAutoFit/>
+          </a:bodyPr>
+          <a:lstStyle/>
+          <a:p>
+            <a:r>
+              <a:rPr lang="de-DE" sz="1200" b="1" i="1" dirty="0"/>
+              <a:t>Fig. X </a:t>
+            </a:r>
+            <a:r>
+              <a:rPr lang="de-DE" sz="1200" b="1" i="1" dirty="0" err="1"/>
+              <a:t>Reproducibility</a:t>
+            </a:r>
+            <a:r>
+              <a:rPr lang="de-DE" sz="1200" b="1" i="1" dirty="0"/>
+              <a:t> </a:t>
+            </a:r>
+            <a:r>
+              <a:rPr lang="de-DE" sz="1200" b="1" i="1" dirty="0" err="1"/>
+              <a:t>heatmap</a:t>
+            </a:r>
+            <a:r>
+              <a:rPr lang="de-DE" sz="1200" b="1" i="1" dirty="0"/>
+              <a:t> (</a:t>
+            </a:r>
+            <a:r>
+              <a:rPr lang="de-DE" sz="1200" b="1" i="1" dirty="0" err="1"/>
+              <a:t>RNase</a:t>
+            </a:r>
+            <a:r>
+              <a:rPr lang="de-DE" sz="1200" b="1" i="1" dirty="0"/>
+              <a:t>, Spearman </a:t>
+            </a:r>
+            <a:r>
+              <a:rPr lang="de-DE" sz="1200" b="1" i="1" dirty="0" err="1"/>
+              <a:t>correlation</a:t>
+            </a:r>
+            <a:r>
+              <a:rPr lang="de-DE" sz="1200" b="1" i="1" dirty="0"/>
+              <a:t>): </a:t>
+            </a:r>
+            <a:r>
+              <a:rPr lang="de-DE" sz="1200" dirty="0" err="1"/>
+              <a:t>Heatmap</a:t>
+            </a:r>
+            <a:r>
+              <a:rPr lang="de-DE" sz="1200" dirty="0"/>
+              <a:t> </a:t>
+            </a:r>
+            <a:r>
+              <a:rPr lang="de-DE" sz="1200" dirty="0" err="1"/>
+              <a:t>displays</a:t>
+            </a:r>
+            <a:r>
+              <a:rPr lang="de-DE" sz="1200" dirty="0"/>
+              <a:t> </a:t>
+            </a:r>
+            <a:r>
+              <a:rPr lang="de-DE" sz="1200" dirty="0" err="1"/>
+              <a:t>pairwise</a:t>
+            </a:r>
+            <a:r>
+              <a:rPr lang="de-DE" sz="1200" dirty="0"/>
+              <a:t> Spearman </a:t>
+            </a:r>
+            <a:r>
+              <a:rPr lang="de-DE" sz="1200" dirty="0" err="1"/>
+              <a:t>correlation</a:t>
+            </a:r>
+            <a:r>
+              <a:rPr lang="de-DE" sz="1200" dirty="0"/>
+              <a:t> </a:t>
+            </a:r>
+            <a:r>
+              <a:rPr lang="de-DE" sz="1200" dirty="0" err="1"/>
+              <a:t>coefficients</a:t>
+            </a:r>
+            <a:r>
+              <a:rPr lang="de-DE" sz="1200" dirty="0"/>
+              <a:t> </a:t>
+            </a:r>
+            <a:r>
+              <a:rPr lang="de-DE" sz="1200" dirty="0" err="1"/>
+              <a:t>between</a:t>
+            </a:r>
+            <a:r>
+              <a:rPr lang="de-DE" sz="1200" dirty="0"/>
+              <a:t> all </a:t>
+            </a:r>
+            <a:r>
+              <a:rPr lang="de-DE" sz="1200" dirty="0" err="1"/>
+              <a:t>replicate</a:t>
+            </a:r>
+            <a:r>
+              <a:rPr lang="de-DE" sz="1200" dirty="0"/>
+              <a:t>–</a:t>
+            </a:r>
+            <a:r>
+              <a:rPr lang="de-DE" sz="1200" dirty="0" err="1"/>
+              <a:t>fraction</a:t>
+            </a:r>
+            <a:r>
+              <a:rPr lang="de-DE" sz="1200" dirty="0"/>
+              <a:t> </a:t>
+            </a:r>
+            <a:r>
+              <a:rPr lang="de-DE" sz="1200" dirty="0" err="1"/>
+              <a:t>combinations</a:t>
+            </a:r>
+            <a:r>
+              <a:rPr lang="de-DE" sz="1200" dirty="0"/>
+              <a:t> </a:t>
+            </a:r>
+            <a:r>
+              <a:rPr lang="de-DE" sz="1200" dirty="0" err="1"/>
+              <a:t>under</a:t>
+            </a:r>
+            <a:r>
+              <a:rPr lang="de-DE" sz="1200" dirty="0"/>
+              <a:t> </a:t>
+            </a:r>
+            <a:r>
+              <a:rPr lang="de-DE" sz="1200" dirty="0" err="1"/>
+              <a:t>RNase</a:t>
+            </a:r>
+            <a:r>
+              <a:rPr lang="de-DE" sz="1200" dirty="0"/>
+              <a:t> </a:t>
+            </a:r>
+            <a:r>
+              <a:rPr lang="de-DE" sz="1200" dirty="0" err="1"/>
+              <a:t>treatment</a:t>
+            </a:r>
+            <a:r>
+              <a:rPr lang="de-DE" sz="1200" dirty="0"/>
+              <a:t>. High </a:t>
+            </a:r>
+            <a:r>
+              <a:rPr lang="de-DE" sz="1200" dirty="0" err="1"/>
+              <a:t>correlations</a:t>
+            </a:r>
+            <a:r>
+              <a:rPr lang="de-DE" sz="1200" dirty="0"/>
+              <a:t> </a:t>
+            </a:r>
+            <a:r>
+              <a:rPr lang="de-DE" sz="1200" dirty="0" err="1"/>
+              <a:t>within</a:t>
+            </a:r>
+            <a:r>
+              <a:rPr lang="de-DE" sz="1200" dirty="0"/>
+              <a:t> 3×3 diagonal </a:t>
+            </a:r>
+            <a:r>
+              <a:rPr lang="de-DE" sz="1200" dirty="0" err="1"/>
+              <a:t>blocks</a:t>
+            </a:r>
+            <a:r>
+              <a:rPr lang="de-DE" sz="1200" dirty="0"/>
+              <a:t> </a:t>
+            </a:r>
+            <a:r>
+              <a:rPr lang="de-DE" sz="1200" dirty="0" err="1"/>
+              <a:t>indicate</a:t>
+            </a:r>
+            <a:r>
+              <a:rPr lang="de-DE" sz="1200" dirty="0"/>
+              <a:t> strong </a:t>
+            </a:r>
+            <a:r>
+              <a:rPr lang="de-DE" sz="1200" dirty="0" err="1"/>
+              <a:t>reproducibility</a:t>
+            </a:r>
+            <a:r>
+              <a:rPr lang="de-DE" sz="1200" dirty="0"/>
+              <a:t> </a:t>
+            </a:r>
+            <a:r>
+              <a:rPr lang="de-DE" sz="1200" dirty="0" err="1"/>
+              <a:t>across</a:t>
+            </a:r>
+            <a:r>
+              <a:rPr lang="de-DE" sz="1200" dirty="0"/>
+              <a:t> </a:t>
+            </a:r>
+            <a:r>
+              <a:rPr lang="de-DE" sz="1200" dirty="0" err="1"/>
+              <a:t>corresponding</a:t>
+            </a:r>
+            <a:r>
+              <a:rPr lang="de-DE" sz="1200" dirty="0"/>
+              <a:t> </a:t>
+            </a:r>
+            <a:r>
+              <a:rPr lang="de-DE" sz="1200" dirty="0" err="1"/>
+              <a:t>fractions</a:t>
+            </a:r>
+            <a:r>
+              <a:rPr lang="de-DE" sz="1200" dirty="0"/>
+              <a:t>.</a:t>
+            </a:r>
+            <a:endParaRPr lang="en-US" sz="1200" i="1" noProof="0" dirty="0">
+              <a:latin typeface="Source Sans Pro" panose="020B0503030403020204" pitchFamily="34" charset="0"/>
+              <a:ea typeface="Source Sans Pro" panose="020B0503030403020204" pitchFamily="34" charset="0"/>
+            </a:endParaRPr>
+          </a:p>
+        </p:txBody>
+      </p:sp>
+      <p:sp>
+        <p:nvSpPr>
+          <p:cNvPr id="73" name="Rectangle 72">
+            <a:extLst>
+              <a:ext uri="{FF2B5EF4-FFF2-40B4-BE49-F238E27FC236}">
+                <a16:creationId xmlns:a16="http://schemas.microsoft.com/office/drawing/2014/main" id="{497B7107-C6F9-BC8E-32F9-4EB58EBC3122}"/>
+              </a:ext>
+            </a:extLst>
+          </p:cNvPr>
+          <p:cNvSpPr/>
+          <p:nvPr/>
+        </p:nvSpPr>
+        <p:spPr>
+          <a:xfrm>
+            <a:off x="22687042" y="26194178"/>
+            <a:ext cx="6776884" cy="5105981"/>
+          </a:xfrm>
+          <a:prstGeom prst="rect">
+            <a:avLst/>
+          </a:prstGeom>
+          <a:solidFill>
+            <a:schemeClr val="bg1"/>
+          </a:solidFill>
+          <a:ln>
+            <a:noFill/>
+          </a:ln>
+        </p:spPr>
+        <p:style>
+          <a:lnRef idx="2">
+            <a:schemeClr val="accent1">
+              <a:shade val="15000"/>
+            </a:schemeClr>
+          </a:lnRef>
+          <a:fillRef idx="1">
+            <a:schemeClr val="accent1"/>
+          </a:fillRef>
+          <a:effectRef idx="0">
+            <a:schemeClr val="accent1"/>
+          </a:effectRef>
+          <a:fontRef idx="minor">
+            <a:schemeClr val="lt1"/>
+          </a:fontRef>
+        </p:style>
+        <p:txBody>
+          <a:bodyPr rtlCol="0" anchor="t"/>
+          <a:lstStyle/>
+          <a:p>
+            <a:pPr algn="r"/>
+            <a:endParaRPr lang="en-GB" sz="3600" dirty="0">
+              <a:solidFill>
+                <a:schemeClr val="tx1"/>
+              </a:solidFill>
+            </a:endParaRPr>
+          </a:p>
+        </p:txBody>
+      </p:sp>
+      <p:pic>
+        <p:nvPicPr>
+          <p:cNvPr id="72" name="Picture 71" descr="A screenshot of a video game&#10;&#10;AI-generated content may be incorrect.">
+            <a:extLst>
+              <a:ext uri="{FF2B5EF4-FFF2-40B4-BE49-F238E27FC236}">
+                <a16:creationId xmlns:a16="http://schemas.microsoft.com/office/drawing/2014/main" id="{08B70003-AD1E-4701-456D-41507D8EABB7}"/>
+              </a:ext>
+            </a:extLst>
+          </p:cNvPr>
+          <p:cNvPicPr>
+            <a:picLocks noChangeAspect="1"/>
+          </p:cNvPicPr>
+          <p:nvPr/>
+        </p:nvPicPr>
+        <p:blipFill>
+          <a:blip r:embed="rId10">
+            <a:extLst>
+              <a:ext uri="{28A0092B-C50C-407E-A947-70E740481C1C}">
+                <a14:useLocalDpi xmlns:a14="http://schemas.microsoft.com/office/drawing/2010/main" val="0"/>
+              </a:ext>
+            </a:extLst>
+          </a:blip>
+          <a:stretch>
+            <a:fillRect/>
+          </a:stretch>
+        </p:blipFill>
+        <p:spPr>
+          <a:xfrm>
+            <a:off x="22656645" y="26246968"/>
+            <a:ext cx="6611709" cy="4958783"/>
+          </a:xfrm>
+          <a:prstGeom prst="rect">
+            <a:avLst/>
+          </a:prstGeom>
+        </p:spPr>
+      </p:pic>
+      <p:sp>
+        <p:nvSpPr>
+          <p:cNvPr id="14" name="Rectangle 13">
+            <a:extLst>
+              <a:ext uri="{FF2B5EF4-FFF2-40B4-BE49-F238E27FC236}">
+                <a16:creationId xmlns:a16="http://schemas.microsoft.com/office/drawing/2014/main" id="{AB754934-85BC-3E41-3BC6-0759F2D51BE4}"/>
+              </a:ext>
+            </a:extLst>
+          </p:cNvPr>
+          <p:cNvSpPr/>
+          <p:nvPr/>
+        </p:nvSpPr>
+        <p:spPr>
+          <a:xfrm>
+            <a:off x="15709390" y="32900676"/>
+            <a:ext cx="5005853" cy="3811211"/>
+          </a:xfrm>
+          <a:prstGeom prst="rect">
+            <a:avLst/>
+          </a:prstGeom>
+          <a:solidFill>
+            <a:schemeClr val="bg1"/>
+          </a:solidFill>
+          <a:ln>
+            <a:noFill/>
+          </a:ln>
+        </p:spPr>
+        <p:style>
+          <a:lnRef idx="2">
+            <a:schemeClr val="accent1">
+              <a:shade val="15000"/>
+            </a:schemeClr>
+          </a:lnRef>
+          <a:fillRef idx="1">
+            <a:schemeClr val="accent1"/>
+          </a:fillRef>
+          <a:effectRef idx="0">
+            <a:schemeClr val="accent1"/>
+          </a:effectRef>
+          <a:fontRef idx="minor">
+            <a:schemeClr val="lt1"/>
+          </a:fontRef>
+        </p:style>
+        <p:txBody>
+          <a:bodyPr rtlCol="0" anchor="t"/>
+          <a:lstStyle/>
+          <a:p>
+            <a:pPr algn="r"/>
+            <a:endParaRPr lang="en-GB" sz="3600" dirty="0">
+              <a:solidFill>
+                <a:schemeClr val="tx1"/>
+              </a:solidFill>
+            </a:endParaRPr>
+          </a:p>
+        </p:txBody>
+      </p:sp>
+      <p:pic>
+        <p:nvPicPr>
+          <p:cNvPr id="68" name="Picture 67" descr="A yellow and orange squares&#10;&#10;AI-generated content may be incorrect.">
+            <a:extLst>
+              <a:ext uri="{FF2B5EF4-FFF2-40B4-BE49-F238E27FC236}">
+                <a16:creationId xmlns:a16="http://schemas.microsoft.com/office/drawing/2014/main" id="{288F68B4-DDA1-2EEB-9F23-81C0A0F5FDB5}"/>
+              </a:ext>
+            </a:extLst>
+          </p:cNvPr>
+          <p:cNvPicPr>
+            <a:picLocks noChangeAspect="1"/>
+          </p:cNvPicPr>
+          <p:nvPr/>
+        </p:nvPicPr>
+        <p:blipFill>
+          <a:blip r:embed="rId11">
+            <a:extLst>
+              <a:ext uri="{28A0092B-C50C-407E-A947-70E740481C1C}">
+                <a14:useLocalDpi xmlns:a14="http://schemas.microsoft.com/office/drawing/2010/main" val="0"/>
+              </a:ext>
+            </a:extLst>
+          </a:blip>
+          <a:stretch>
+            <a:fillRect/>
+          </a:stretch>
+        </p:blipFill>
+        <p:spPr>
+          <a:xfrm>
+            <a:off x="15857545" y="32949588"/>
+            <a:ext cx="4857698" cy="3643274"/>
+          </a:xfrm>
+          <a:prstGeom prst="rect">
+            <a:avLst/>
+          </a:prstGeom>
+        </p:spPr>
+      </p:pic>
+      <p:sp>
+        <p:nvSpPr>
+          <p:cNvPr id="46" name="Textfeld 48">
+            <a:extLst>
+              <a:ext uri="{FF2B5EF4-FFF2-40B4-BE49-F238E27FC236}">
+                <a16:creationId xmlns:a16="http://schemas.microsoft.com/office/drawing/2014/main" id="{09012934-17D9-9E1F-A0A5-E6B32DB352BC}"/>
+              </a:ext>
+            </a:extLst>
+          </p:cNvPr>
+          <p:cNvSpPr txBox="1"/>
+          <p:nvPr/>
+        </p:nvSpPr>
+        <p:spPr>
+          <a:xfrm>
+            <a:off x="15360712" y="26807152"/>
+            <a:ext cx="7670217" cy="5909310"/>
+          </a:xfrm>
+          <a:prstGeom prst="rect">
+            <a:avLst/>
+          </a:prstGeom>
+          <a:noFill/>
+        </p:spPr>
+        <p:txBody>
+          <a:bodyPr wrap="square" rtlCol="0">
+            <a:spAutoFit/>
+          </a:bodyPr>
+          <a:lstStyle/>
+          <a:p>
+            <a:pPr algn="just"/>
+            <a:r>
+              <a:rPr lang="en-GB" sz="2400" b="1" dirty="0">
+                <a:latin typeface="Source Sans Pro" panose="020B0503030403020204" pitchFamily="34" charset="0"/>
+                <a:ea typeface="Source Sans Pro" panose="020B0503030403020204" pitchFamily="34" charset="0"/>
+              </a:rPr>
+              <a:t>DBSCAN :</a:t>
+            </a:r>
+          </a:p>
+          <a:p>
+            <a:r>
+              <a:rPr lang="en-GB" sz="2400" dirty="0"/>
+              <a:t>is a clustering algorithm that can classify points in low-density regions as it considers </a:t>
+            </a:r>
+            <a:r>
+              <a:rPr lang="en-GB" sz="2400" b="1" dirty="0"/>
+              <a:t>point density and distance</a:t>
+            </a:r>
+            <a:r>
+              <a:rPr lang="en-GB" sz="2400" dirty="0"/>
+              <a:t>.</a:t>
+            </a:r>
+          </a:p>
+          <a:p>
+            <a:r>
+              <a:rPr lang="en-GB" sz="2400" b="1" dirty="0"/>
+              <a:t>ε (epsilon):</a:t>
+            </a:r>
+            <a:r>
+              <a:rPr lang="en-GB" sz="2400" dirty="0"/>
+              <a:t> The maximum distance between two points to be considered </a:t>
+            </a:r>
+            <a:r>
+              <a:rPr lang="en-GB" sz="2400" dirty="0" err="1"/>
+              <a:t>neighbors</a:t>
+            </a:r>
+            <a:r>
+              <a:rPr lang="en-GB" sz="2400" dirty="0"/>
+              <a:t>.</a:t>
+            </a:r>
+          </a:p>
+          <a:p>
+            <a:pPr marL="800100" lvl="1" indent="-342900">
+              <a:buFont typeface="Arial" panose="020B0604020202020204" pitchFamily="34" charset="0"/>
+              <a:buChar char="•"/>
+            </a:pPr>
+            <a:r>
+              <a:rPr lang="en-GB" sz="2400" dirty="0"/>
+              <a:t>If ε </a:t>
+            </a:r>
+            <a:r>
+              <a:rPr lang="en-GB" sz="2400" b="1" dirty="0"/>
+              <a:t>low </a:t>
+            </a:r>
+            <a:r>
+              <a:rPr lang="en-GB" sz="2400" dirty="0"/>
+              <a:t>=&gt; most points are classified as noise.</a:t>
+            </a:r>
+          </a:p>
+          <a:p>
+            <a:pPr marL="800100" lvl="1" indent="-342900">
+              <a:buFont typeface="Arial" panose="020B0604020202020204" pitchFamily="34" charset="0"/>
+              <a:buChar char="•"/>
+            </a:pPr>
+            <a:r>
+              <a:rPr lang="en-GB" sz="2400" dirty="0"/>
+              <a:t>If ε </a:t>
+            </a:r>
+            <a:r>
+              <a:rPr lang="en-GB" sz="2400" b="1" dirty="0"/>
+              <a:t>high </a:t>
+            </a:r>
+            <a:r>
+              <a:rPr lang="en-GB" sz="2400" dirty="0"/>
+              <a:t>=&gt; noise points may form a single large, meaningless cluster.</a:t>
+            </a:r>
+          </a:p>
+          <a:p>
+            <a:pPr lvl="1"/>
+            <a:r>
+              <a:rPr lang="en-GB" sz="2400" b="1" dirty="0" err="1"/>
+              <a:t>MinPts</a:t>
+            </a:r>
+            <a:r>
+              <a:rPr lang="en-GB" sz="2400" b="1" dirty="0"/>
+              <a:t>:</a:t>
+            </a:r>
+            <a:r>
+              <a:rPr lang="en-GB" sz="2400" dirty="0"/>
+              <a:t> The minimum number of </a:t>
+            </a:r>
+            <a:r>
+              <a:rPr lang="en-GB" sz="2400" dirty="0" err="1"/>
+              <a:t>neighbors</a:t>
+            </a:r>
+            <a:r>
+              <a:rPr lang="en-GB" sz="2400" dirty="0"/>
+              <a:t> (within ε distance) required to form a </a:t>
+            </a:r>
+            <a:r>
+              <a:rPr lang="en-GB" sz="2400" b="1" dirty="0"/>
+              <a:t>core point, border points</a:t>
+            </a:r>
+            <a:r>
+              <a:rPr lang="en-GB" sz="2400" dirty="0"/>
+              <a:t> are those within ε of a core point.</a:t>
+            </a:r>
+          </a:p>
+          <a:p>
+            <a:pPr marL="800100" lvl="1" indent="-342900">
+              <a:buFont typeface="Arial" panose="020B0604020202020204" pitchFamily="34" charset="0"/>
+              <a:buChar char="•"/>
+            </a:pPr>
+            <a:r>
+              <a:rPr lang="en-GB" sz="2400" dirty="0"/>
+              <a:t>If </a:t>
+            </a:r>
+            <a:r>
+              <a:rPr lang="en-GB" sz="2400" dirty="0" err="1"/>
+              <a:t>MinPts</a:t>
+            </a:r>
+            <a:r>
+              <a:rPr lang="en-GB" sz="2400" dirty="0"/>
+              <a:t>  </a:t>
+            </a:r>
+            <a:r>
+              <a:rPr lang="en-GB" sz="2400" b="1" dirty="0"/>
+              <a:t>low</a:t>
+            </a:r>
+            <a:r>
+              <a:rPr lang="en-GB" sz="2400" dirty="0">
+                <a:solidFill>
+                  <a:srgbClr val="B22F28"/>
+                </a:solidFill>
+              </a:rPr>
+              <a:t> </a:t>
+            </a:r>
+            <a:r>
+              <a:rPr lang="en-GB" sz="2400" dirty="0"/>
+              <a:t>=&gt;  isolated points can form clusters.</a:t>
+            </a:r>
+          </a:p>
+          <a:p>
+            <a:pPr marL="800100" lvl="1" indent="-342900">
+              <a:buFont typeface="Arial" panose="020B0604020202020204" pitchFamily="34" charset="0"/>
+              <a:buChar char="•"/>
+            </a:pPr>
+            <a:r>
+              <a:rPr lang="en-GB" sz="2400" dirty="0"/>
+              <a:t>If </a:t>
+            </a:r>
+            <a:r>
+              <a:rPr lang="en-GB" sz="2400" dirty="0" err="1"/>
+              <a:t>MinPts</a:t>
+            </a:r>
+            <a:r>
+              <a:rPr lang="en-GB" sz="2400" dirty="0"/>
+              <a:t>  </a:t>
+            </a:r>
+            <a:r>
+              <a:rPr lang="en-GB" sz="2400" b="1" dirty="0"/>
+              <a:t>high</a:t>
+            </a:r>
+            <a:r>
+              <a:rPr lang="en-GB" sz="2400" dirty="0"/>
+              <a:t> =&gt; large, dense clusters form, smaller ones are missed.</a:t>
+            </a:r>
+          </a:p>
+          <a:p>
+            <a:endParaRPr lang="en-US" noProof="0" dirty="0"/>
+          </a:p>
+        </p:txBody>
+      </p:sp>
+      <p:sp>
+        <p:nvSpPr>
+          <p:cNvPr id="52" name="Textfeld 48">
+            <a:extLst>
+              <a:ext uri="{FF2B5EF4-FFF2-40B4-BE49-F238E27FC236}">
+                <a16:creationId xmlns:a16="http://schemas.microsoft.com/office/drawing/2014/main" id="{0C9E6692-E493-9100-A3A2-2553EE851C05}"/>
+              </a:ext>
+            </a:extLst>
+          </p:cNvPr>
+          <p:cNvSpPr txBox="1"/>
+          <p:nvPr/>
+        </p:nvSpPr>
+        <p:spPr>
+          <a:xfrm>
+            <a:off x="20715243" y="32092643"/>
+            <a:ext cx="10001633" cy="4216539"/>
+          </a:xfrm>
+          <a:prstGeom prst="rect">
+            <a:avLst/>
+          </a:prstGeom>
+          <a:noFill/>
+        </p:spPr>
+        <p:txBody>
+          <a:bodyPr wrap="square" rtlCol="0">
+            <a:spAutoFit/>
+          </a:bodyPr>
+          <a:lstStyle/>
+          <a:p>
+            <a:pPr algn="just"/>
+            <a:r>
+              <a:rPr lang="en-US" sz="2400" b="1" noProof="0" dirty="0">
+                <a:latin typeface="Source Sans Pro" panose="020B0503030403020204" pitchFamily="34" charset="0"/>
+                <a:ea typeface="Source Sans Pro" panose="020B0503030403020204" pitchFamily="34" charset="0"/>
+              </a:rPr>
+              <a:t>Statistical Analysis</a:t>
+            </a:r>
+          </a:p>
+          <a:p>
+            <a:pPr algn="just"/>
+            <a:endParaRPr lang="en-US" sz="1000" noProof="0" dirty="0">
+              <a:latin typeface="Source Sans Pro" panose="020B0503030403020204" pitchFamily="34" charset="0"/>
+              <a:ea typeface="Source Sans Pro" panose="020B0503030403020204" pitchFamily="34" charset="0"/>
+            </a:endParaRPr>
+          </a:p>
+          <a:p>
+            <a:pPr algn="just"/>
+            <a:r>
+              <a:rPr lang="en-US" sz="2400" noProof="0" dirty="0">
+                <a:latin typeface="Source Sans Pro" panose="020B0503030403020204" pitchFamily="34" charset="0"/>
+                <a:ea typeface="Source Sans Pro" panose="020B0503030403020204" pitchFamily="34" charset="0"/>
+              </a:rPr>
+              <a:t>In order to </a:t>
+            </a:r>
+            <a:r>
+              <a:rPr lang="en-US" sz="2400" noProof="0" dirty="0" err="1">
+                <a:latin typeface="Source Sans Pro" panose="020B0503030403020204" pitchFamily="34" charset="0"/>
+                <a:ea typeface="Source Sans Pro" panose="020B0503030403020204" pitchFamily="34" charset="0"/>
+              </a:rPr>
+              <a:t>cualitativly</a:t>
+            </a:r>
+            <a:r>
+              <a:rPr lang="en-US" sz="2400" noProof="0" dirty="0">
+                <a:latin typeface="Source Sans Pro" panose="020B0503030403020204" pitchFamily="34" charset="0"/>
+                <a:ea typeface="Source Sans Pro" panose="020B0503030403020204" pitchFamily="34" charset="0"/>
+              </a:rPr>
+              <a:t> validate the efficiency in clustering of </a:t>
+            </a:r>
+          </a:p>
+          <a:p>
+            <a:pPr algn="just"/>
+            <a:r>
+              <a:rPr lang="en-US" sz="2400" noProof="0" dirty="0">
+                <a:latin typeface="Source Sans Pro" panose="020B0503030403020204" pitchFamily="34" charset="0"/>
+                <a:ea typeface="Source Sans Pro" panose="020B0503030403020204" pitchFamily="34" charset="0"/>
+              </a:rPr>
+              <a:t>the two parameters we created a heatmap with a specific </a:t>
+            </a:r>
+            <a:r>
+              <a:rPr lang="en-US" sz="2400" b="1" noProof="0" dirty="0" err="1">
+                <a:latin typeface="Source Sans Pro" panose="020B0503030403020204" pitchFamily="34" charset="0"/>
+                <a:ea typeface="Source Sans Pro" panose="020B0503030403020204" pitchFamily="34" charset="0"/>
+              </a:rPr>
+              <a:t>sc</a:t>
+            </a:r>
+            <a:r>
+              <a:rPr lang="en-US" sz="2400" b="1" dirty="0" err="1">
+                <a:latin typeface="Source Sans Pro" panose="020B0503030403020204" pitchFamily="34" charset="0"/>
+                <a:ea typeface="Source Sans Pro" panose="020B0503030403020204" pitchFamily="34" charset="0"/>
+              </a:rPr>
+              <a:t>oring</a:t>
+            </a:r>
+            <a:r>
+              <a:rPr lang="en-US" sz="2400" b="1" dirty="0">
+                <a:latin typeface="Source Sans Pro" panose="020B0503030403020204" pitchFamily="34" charset="0"/>
+                <a:ea typeface="Source Sans Pro" panose="020B0503030403020204" pitchFamily="34" charset="0"/>
+              </a:rPr>
+              <a:t> logic</a:t>
+            </a:r>
+          </a:p>
+          <a:p>
+            <a:pPr algn="just"/>
+            <a:endParaRPr lang="en-US" sz="2400" b="1" noProof="0" dirty="0">
+              <a:latin typeface="Source Sans Pro" panose="020B0503030403020204" pitchFamily="34" charset="0"/>
+              <a:ea typeface="Source Sans Pro" panose="020B0503030403020204" pitchFamily="34" charset="0"/>
+            </a:endParaRPr>
+          </a:p>
+          <a:p>
+            <a:pPr algn="just"/>
+            <a:r>
+              <a:rPr lang="en-US" sz="2400" noProof="0" dirty="0">
+                <a:latin typeface="Source Sans Pro" panose="020B0503030403020204" pitchFamily="34" charset="0"/>
+                <a:ea typeface="Source Sans Pro" panose="020B0503030403020204" pitchFamily="34" charset="0"/>
+              </a:rPr>
+              <a:t>And following Proteins (based on CORUM) </a:t>
+            </a:r>
+            <a:r>
+              <a:rPr lang="en-US" sz="2400" dirty="0">
+                <a:latin typeface="Source Sans Pro" panose="020B0503030403020204" pitchFamily="34" charset="0"/>
+                <a:ea typeface="Source Sans Pro" panose="020B0503030403020204" pitchFamily="34" charset="0"/>
+              </a:rPr>
+              <a:t>as … </a:t>
+            </a:r>
+          </a:p>
+          <a:p>
+            <a:pPr algn="just"/>
+            <a:endParaRPr lang="en-US" sz="2400" noProof="0" dirty="0">
+              <a:latin typeface="Source Sans Pro" panose="020B0503030403020204" pitchFamily="34" charset="0"/>
+              <a:ea typeface="Source Sans Pro" panose="020B0503030403020204" pitchFamily="34" charset="0"/>
+            </a:endParaRPr>
+          </a:p>
+          <a:p>
+            <a:pPr algn="just"/>
+            <a:r>
+              <a:rPr lang="en-US" sz="2400" dirty="0" err="1">
+                <a:latin typeface="Source Sans Pro" panose="020B0503030403020204" pitchFamily="34" charset="0"/>
+                <a:ea typeface="Source Sans Pro" panose="020B0503030403020204" pitchFamily="34" charset="0"/>
+              </a:rPr>
+              <a:t>Positv</a:t>
+            </a:r>
+            <a:r>
+              <a:rPr lang="en-US" sz="2400" dirty="0">
+                <a:latin typeface="Source Sans Pro" panose="020B0503030403020204" pitchFamily="34" charset="0"/>
+                <a:ea typeface="Source Sans Pro" panose="020B0503030403020204" pitchFamily="34" charset="0"/>
+              </a:rPr>
+              <a:t>  </a:t>
+            </a:r>
+            <a:r>
+              <a:rPr lang="en-US" sz="2400" dirty="0" err="1">
+                <a:latin typeface="Source Sans Pro" panose="020B0503030403020204" pitchFamily="34" charset="0"/>
+                <a:ea typeface="Source Sans Pro" panose="020B0503030403020204" pitchFamily="34" charset="0"/>
+              </a:rPr>
+              <a:t>Controll</a:t>
+            </a:r>
+            <a:r>
+              <a:rPr lang="en-US" sz="2400" dirty="0">
+                <a:latin typeface="Source Sans Pro" panose="020B0503030403020204" pitchFamily="34" charset="0"/>
+                <a:ea typeface="Source Sans Pro" panose="020B0503030403020204" pitchFamily="34" charset="0"/>
+              </a:rPr>
+              <a:t>:  Proteins from Complex XXX</a:t>
+            </a:r>
+          </a:p>
+          <a:p>
+            <a:pPr algn="just"/>
+            <a:endParaRPr lang="en-US" sz="2400" dirty="0">
+              <a:latin typeface="Source Sans Pro" panose="020B0503030403020204" pitchFamily="34" charset="0"/>
+              <a:ea typeface="Source Sans Pro" panose="020B0503030403020204" pitchFamily="34" charset="0"/>
+            </a:endParaRPr>
+          </a:p>
+          <a:p>
+            <a:pPr algn="just"/>
+            <a:r>
+              <a:rPr lang="en-US" sz="2400" dirty="0" err="1">
+                <a:latin typeface="Source Sans Pro" panose="020B0503030403020204" pitchFamily="34" charset="0"/>
+                <a:ea typeface="Source Sans Pro" panose="020B0503030403020204" pitchFamily="34" charset="0"/>
+              </a:rPr>
+              <a:t>Negativ</a:t>
+            </a:r>
+            <a:r>
+              <a:rPr lang="en-US" sz="2400" dirty="0">
+                <a:latin typeface="Source Sans Pro" panose="020B0503030403020204" pitchFamily="34" charset="0"/>
+                <a:ea typeface="Source Sans Pro" panose="020B0503030403020204" pitchFamily="34" charset="0"/>
+              </a:rPr>
+              <a:t> </a:t>
+            </a:r>
+            <a:r>
+              <a:rPr lang="en-US" sz="2400" dirty="0" err="1">
+                <a:latin typeface="Source Sans Pro" panose="020B0503030403020204" pitchFamily="34" charset="0"/>
+                <a:ea typeface="Source Sans Pro" panose="020B0503030403020204" pitchFamily="34" charset="0"/>
+              </a:rPr>
+              <a:t>Controll</a:t>
+            </a:r>
+            <a:r>
+              <a:rPr lang="en-US" sz="2400" dirty="0">
+                <a:latin typeface="Source Sans Pro" panose="020B0503030403020204" pitchFamily="34" charset="0"/>
+                <a:ea typeface="Source Sans Pro" panose="020B0503030403020204" pitchFamily="34" charset="0"/>
+              </a:rPr>
+              <a:t>:  </a:t>
+            </a:r>
+            <a:r>
+              <a:rPr lang="en-US" sz="2400" dirty="0" err="1">
+                <a:latin typeface="Source Sans Pro" panose="020B0503030403020204" pitchFamily="34" charset="0"/>
+                <a:ea typeface="Source Sans Pro" panose="020B0503030403020204" pitchFamily="34" charset="0"/>
+              </a:rPr>
+              <a:t>Prteins</a:t>
+            </a:r>
+            <a:r>
+              <a:rPr lang="en-US" sz="2400" dirty="0">
+                <a:latin typeface="Source Sans Pro" panose="020B0503030403020204" pitchFamily="34" charset="0"/>
+                <a:ea typeface="Source Sans Pro" panose="020B0503030403020204" pitchFamily="34" charset="0"/>
+              </a:rPr>
+              <a:t> X and Y </a:t>
+            </a:r>
+          </a:p>
+          <a:p>
+            <a:pPr algn="just"/>
+            <a:r>
+              <a:rPr lang="en-US" sz="2400" dirty="0">
+                <a:latin typeface="Source Sans Pro" panose="020B0503030403020204" pitchFamily="34" charset="0"/>
+                <a:ea typeface="Source Sans Pro" panose="020B0503030403020204" pitchFamily="34" charset="0"/>
+              </a:rPr>
+              <a:t> </a:t>
+            </a:r>
+            <a:endParaRPr lang="en-US" sz="2400" noProof="0" dirty="0">
+              <a:latin typeface="Source Sans Pro" panose="020B0503030403020204" pitchFamily="34" charset="0"/>
+              <a:ea typeface="Source Sans Pro" panose="020B0503030403020204" pitchFamily="34" charset="0"/>
+            </a:endParaRPr>
+          </a:p>
+          <a:p>
+            <a:endParaRPr lang="en-US" noProof="0" dirty="0"/>
+          </a:p>
+        </p:txBody>
+      </p:sp>
+      <p:pic>
+        <p:nvPicPr>
+          <p:cNvPr id="58" name="Grafik 57">
+            <a:extLst>
+              <a:ext uri="{FF2B5EF4-FFF2-40B4-BE49-F238E27FC236}">
+                <a16:creationId xmlns:a16="http://schemas.microsoft.com/office/drawing/2014/main" id="{A4E66611-3D6E-9A44-4656-502C42629693}"/>
+              </a:ext>
+            </a:extLst>
+          </p:cNvPr>
+          <p:cNvPicPr>
+            <a:picLocks noChangeAspect="1"/>
+          </p:cNvPicPr>
+          <p:nvPr/>
+        </p:nvPicPr>
+        <p:blipFill>
+          <a:blip r:embed="rId12">
+            <a:extLst>
+              <a:ext uri="{28A0092B-C50C-407E-A947-70E740481C1C}">
+                <a14:useLocalDpi xmlns:a14="http://schemas.microsoft.com/office/drawing/2010/main" val="0"/>
+              </a:ext>
+            </a:extLst>
+          </a:blip>
+          <a:stretch>
+            <a:fillRect/>
+          </a:stretch>
+        </p:blipFill>
+        <p:spPr>
+          <a:xfrm>
+            <a:off x="22074595" y="17620186"/>
+            <a:ext cx="6864416" cy="5148312"/>
+          </a:xfrm>
+          <a:prstGeom prst="rect">
+            <a:avLst/>
+          </a:prstGeom>
+        </p:spPr>
+      </p:pic>
+      <p:sp>
+        <p:nvSpPr>
+          <p:cNvPr id="36" name="Textfeld 35">
+            <a:extLst>
+              <a:ext uri="{FF2B5EF4-FFF2-40B4-BE49-F238E27FC236}">
+                <a16:creationId xmlns:a16="http://schemas.microsoft.com/office/drawing/2014/main" id="{F123235E-33F2-9698-09ED-DD83FD4F8AAD}"/>
+              </a:ext>
+            </a:extLst>
+          </p:cNvPr>
+          <p:cNvSpPr txBox="1"/>
+          <p:nvPr/>
+        </p:nvSpPr>
+        <p:spPr>
+          <a:xfrm>
+            <a:off x="15633676" y="17652922"/>
+            <a:ext cx="6501830" cy="6370975"/>
+          </a:xfrm>
+          <a:prstGeom prst="rect">
+            <a:avLst/>
+          </a:prstGeom>
+          <a:noFill/>
+        </p:spPr>
+        <p:txBody>
+          <a:bodyPr wrap="square" rtlCol="0">
+            <a:spAutoFit/>
+          </a:bodyPr>
+          <a:lstStyle/>
+          <a:p>
+            <a:r>
+              <a:rPr lang="de-DE" sz="2400" b="1" dirty="0" err="1"/>
+              <a:t>Comparative</a:t>
+            </a:r>
+            <a:r>
+              <a:rPr lang="de-DE" sz="2400" b="1" dirty="0"/>
+              <a:t> Shift Analysis</a:t>
+            </a:r>
+            <a:endParaRPr lang="en-US" sz="2400" b="1" dirty="0"/>
+          </a:p>
+          <a:p>
+            <a:r>
+              <a:rPr lang="en-US" sz="2400" dirty="0"/>
+              <a:t>To investigate RNA-binding protein (RBP) activity beyond mitosis, we applied the same shift analysis pipeline to non-synchronized HeLa cells. For each protein, shift distances were calculated using center of mass (</a:t>
+            </a:r>
+            <a:r>
+              <a:rPr lang="en-US" sz="2400" dirty="0" err="1"/>
+              <a:t>CoM</a:t>
+            </a:r>
+            <a:r>
+              <a:rPr lang="en-US" sz="2400" dirty="0"/>
+              <a:t>) values derived from normalized signal distributions across all replicates. Normality was evaluated using the Shapiro–Wilk test, and statistical significance was determined by a one-sided t-test against a defined threshold.</a:t>
+            </a:r>
+          </a:p>
+          <a:p>
+            <a:r>
+              <a:rPr lang="en-US" sz="2400" dirty="0"/>
+              <a:t>This scatterplot visualizes the resulting shift distances for each protein, comparing mitotic and non-synchronized conditions. Each point represents a protein and reflects its condition-specific RNA dependence. </a:t>
+            </a:r>
+          </a:p>
+          <a:p>
+            <a:endParaRPr lang="en-US" sz="2400" dirty="0"/>
+          </a:p>
+        </p:txBody>
+      </p:sp>
+      <p:sp>
+        <p:nvSpPr>
+          <p:cNvPr id="43" name="Textfeld 42">
+            <a:extLst>
+              <a:ext uri="{FF2B5EF4-FFF2-40B4-BE49-F238E27FC236}">
+                <a16:creationId xmlns:a16="http://schemas.microsoft.com/office/drawing/2014/main" id="{9C753B82-7F3B-08F2-D5CA-903A2F39B2EF}"/>
+              </a:ext>
+            </a:extLst>
+          </p:cNvPr>
+          <p:cNvSpPr txBox="1"/>
+          <p:nvPr/>
+        </p:nvSpPr>
+        <p:spPr>
+          <a:xfrm>
+            <a:off x="21952883" y="22885382"/>
+            <a:ext cx="7107839" cy="1015663"/>
+          </a:xfrm>
+          <a:prstGeom prst="rect">
+            <a:avLst/>
+          </a:prstGeom>
+          <a:noFill/>
+        </p:spPr>
+        <p:txBody>
+          <a:bodyPr wrap="square" rtlCol="0">
+            <a:spAutoFit/>
+          </a:bodyPr>
+          <a:lstStyle/>
+          <a:p>
+            <a:r>
+              <a:rPr lang="de-DE" sz="1200" b="1" dirty="0"/>
+              <a:t>Fig. X </a:t>
+            </a:r>
+            <a:r>
+              <a:rPr lang="de-DE" sz="1200" b="1" i="1" dirty="0" err="1"/>
+              <a:t>Comparative</a:t>
+            </a:r>
+            <a:r>
+              <a:rPr lang="de-DE" sz="1200" b="1" i="1" dirty="0"/>
+              <a:t> Shift Scatterplot (</a:t>
+            </a:r>
+            <a:r>
+              <a:rPr lang="de-DE" sz="1200" b="1" i="1" dirty="0" err="1"/>
+              <a:t>Mitosis</a:t>
+            </a:r>
+            <a:r>
+              <a:rPr lang="de-DE" sz="1200" b="1" i="1" dirty="0"/>
+              <a:t> vs. Non-</a:t>
+            </a:r>
+            <a:r>
+              <a:rPr lang="de-DE" sz="1200" b="1" i="1" dirty="0" err="1"/>
+              <a:t>Synchronized</a:t>
+            </a:r>
+            <a:r>
+              <a:rPr lang="de-DE" sz="1200" b="1" i="1" dirty="0"/>
+              <a:t>)</a:t>
+            </a:r>
+            <a:r>
+              <a:rPr lang="de-DE" sz="1200" b="1" dirty="0"/>
+              <a:t>:</a:t>
+            </a:r>
+            <a:r>
+              <a:rPr lang="de-DE" sz="1200" dirty="0"/>
+              <a:t> Scatterplot </a:t>
+            </a:r>
+            <a:r>
+              <a:rPr lang="de-DE" sz="1200" dirty="0" err="1"/>
+              <a:t>displays</a:t>
+            </a:r>
+            <a:r>
+              <a:rPr lang="de-DE" sz="1200" dirty="0"/>
+              <a:t> shift </a:t>
+            </a:r>
+            <a:r>
+              <a:rPr lang="de-DE" sz="1200" dirty="0" err="1"/>
+              <a:t>distances</a:t>
+            </a:r>
+            <a:r>
+              <a:rPr lang="de-DE" sz="1200" dirty="0"/>
+              <a:t> </a:t>
+            </a:r>
+            <a:r>
+              <a:rPr lang="de-DE" sz="1200" dirty="0" err="1"/>
+              <a:t>derived</a:t>
+            </a:r>
+            <a:r>
+              <a:rPr lang="de-DE" sz="1200" dirty="0"/>
+              <a:t> </a:t>
+            </a:r>
+            <a:r>
+              <a:rPr lang="de-DE" sz="1200" dirty="0" err="1"/>
+              <a:t>from</a:t>
+            </a:r>
+            <a:r>
+              <a:rPr lang="de-DE" sz="1200" dirty="0"/>
+              <a:t> </a:t>
+            </a:r>
+            <a:r>
+              <a:rPr lang="de-DE" sz="1200" dirty="0" err="1"/>
+              <a:t>center</a:t>
+            </a:r>
+            <a:r>
+              <a:rPr lang="de-DE" sz="1200" dirty="0"/>
+              <a:t> </a:t>
+            </a:r>
+            <a:r>
+              <a:rPr lang="de-DE" sz="1200" dirty="0" err="1"/>
+              <a:t>of</a:t>
+            </a:r>
+            <a:r>
+              <a:rPr lang="de-DE" sz="1200" dirty="0"/>
+              <a:t> </a:t>
+            </a:r>
+            <a:r>
+              <a:rPr lang="de-DE" sz="1200" dirty="0" err="1"/>
+              <a:t>mass</a:t>
+            </a:r>
+            <a:r>
+              <a:rPr lang="de-DE" sz="1200" dirty="0"/>
+              <a:t> (</a:t>
+            </a:r>
+            <a:r>
+              <a:rPr lang="de-DE" sz="1200" dirty="0" err="1"/>
+              <a:t>CoM</a:t>
+            </a:r>
+            <a:r>
+              <a:rPr lang="de-DE" sz="1200" dirty="0"/>
+              <a:t>) </a:t>
+            </a:r>
+            <a:r>
+              <a:rPr lang="de-DE" sz="1200" dirty="0" err="1"/>
+              <a:t>values</a:t>
+            </a:r>
+            <a:r>
+              <a:rPr lang="de-DE" sz="1200" dirty="0"/>
+              <a:t> </a:t>
+            </a:r>
+            <a:r>
+              <a:rPr lang="de-DE" sz="1200" dirty="0" err="1"/>
+              <a:t>for</a:t>
+            </a:r>
+            <a:r>
+              <a:rPr lang="de-DE" sz="1200" dirty="0"/>
+              <a:t> all </a:t>
+            </a:r>
+            <a:r>
+              <a:rPr lang="de-DE" sz="1200" dirty="0" err="1"/>
+              <a:t>proteins</a:t>
+            </a:r>
+            <a:r>
+              <a:rPr lang="de-DE" sz="1200" dirty="0"/>
+              <a:t> </a:t>
+            </a:r>
+            <a:r>
+              <a:rPr lang="de-DE" sz="1200" dirty="0" err="1"/>
+              <a:t>under</a:t>
+            </a:r>
+            <a:r>
+              <a:rPr lang="de-DE" sz="1200" dirty="0"/>
+              <a:t> </a:t>
+            </a:r>
+            <a:r>
+              <a:rPr lang="de-DE" sz="1200" dirty="0" err="1"/>
+              <a:t>both</a:t>
+            </a:r>
+            <a:r>
+              <a:rPr lang="de-DE" sz="1200" dirty="0"/>
+              <a:t> </a:t>
+            </a:r>
+            <a:r>
+              <a:rPr lang="de-DE" sz="1200" dirty="0" err="1"/>
+              <a:t>conditions</a:t>
+            </a:r>
+            <a:r>
+              <a:rPr lang="de-DE" sz="1200" dirty="0"/>
+              <a:t>. </a:t>
+            </a:r>
+            <a:r>
+              <a:rPr lang="de-DE" sz="1200" dirty="0" err="1"/>
+              <a:t>Each</a:t>
+            </a:r>
+            <a:r>
+              <a:rPr lang="de-DE" sz="1200" dirty="0"/>
+              <a:t> </a:t>
+            </a:r>
+            <a:r>
+              <a:rPr lang="de-DE" sz="1200" dirty="0" err="1"/>
+              <a:t>point</a:t>
+            </a:r>
+            <a:r>
+              <a:rPr lang="de-DE" sz="1200" dirty="0"/>
+              <a:t> </a:t>
+            </a:r>
+            <a:r>
+              <a:rPr lang="de-DE" sz="1200" dirty="0" err="1"/>
+              <a:t>represents</a:t>
+            </a:r>
+            <a:r>
+              <a:rPr lang="de-DE" sz="1200" dirty="0"/>
+              <a:t> </a:t>
+            </a:r>
+            <a:r>
+              <a:rPr lang="de-DE" sz="1200" dirty="0" err="1"/>
+              <a:t>one</a:t>
+            </a:r>
+            <a:r>
+              <a:rPr lang="de-DE" sz="1200" dirty="0"/>
+              <a:t> </a:t>
+            </a:r>
+            <a:r>
+              <a:rPr lang="de-DE" sz="1200" dirty="0" err="1"/>
+              <a:t>protein</a:t>
+            </a:r>
+            <a:r>
+              <a:rPr lang="de-DE" sz="1200" dirty="0"/>
+              <a:t>, color-</a:t>
+            </a:r>
+            <a:r>
+              <a:rPr lang="de-DE" sz="1200" dirty="0" err="1"/>
+              <a:t>coded</a:t>
+            </a:r>
+            <a:r>
+              <a:rPr lang="de-DE" sz="1200" dirty="0"/>
+              <a:t> </a:t>
+            </a:r>
+            <a:r>
+              <a:rPr lang="de-DE" sz="1200" dirty="0" err="1"/>
+              <a:t>by</a:t>
+            </a:r>
+            <a:r>
+              <a:rPr lang="de-DE" sz="1200" dirty="0"/>
+              <a:t> </a:t>
+            </a:r>
+            <a:r>
+              <a:rPr lang="de-DE" sz="1200" dirty="0" err="1"/>
+              <a:t>statistical</a:t>
+            </a:r>
+            <a:r>
+              <a:rPr lang="de-DE" sz="1200" dirty="0"/>
+              <a:t> </a:t>
+            </a:r>
+            <a:r>
+              <a:rPr lang="de-DE" sz="1200" dirty="0" err="1"/>
+              <a:t>significance</a:t>
+            </a:r>
+            <a:r>
+              <a:rPr lang="de-DE" sz="1200" dirty="0"/>
+              <a:t>. The </a:t>
+            </a:r>
+            <a:r>
+              <a:rPr lang="de-DE" sz="1200" dirty="0" err="1"/>
+              <a:t>red</a:t>
+            </a:r>
+            <a:r>
+              <a:rPr lang="de-DE" sz="1200" dirty="0"/>
+              <a:t> </a:t>
+            </a:r>
+            <a:r>
+              <a:rPr lang="de-DE" sz="1200" dirty="0" err="1"/>
+              <a:t>dashed</a:t>
+            </a:r>
+            <a:r>
+              <a:rPr lang="de-DE" sz="1200" dirty="0"/>
+              <a:t> </a:t>
+            </a:r>
+            <a:r>
+              <a:rPr lang="de-DE" sz="1200" dirty="0" err="1"/>
+              <a:t>identity</a:t>
+            </a:r>
+            <a:r>
+              <a:rPr lang="de-DE" sz="1200" dirty="0"/>
+              <a:t> </a:t>
+            </a:r>
+            <a:r>
+              <a:rPr lang="de-DE" sz="1200" dirty="0" err="1"/>
+              <a:t>line</a:t>
+            </a:r>
+            <a:r>
+              <a:rPr lang="de-DE" sz="1200" dirty="0"/>
+              <a:t> </a:t>
+            </a:r>
+            <a:r>
+              <a:rPr lang="de-DE" sz="1200" dirty="0" err="1"/>
+              <a:t>marks</a:t>
+            </a:r>
+            <a:r>
+              <a:rPr lang="de-DE" sz="1200" dirty="0"/>
+              <a:t> </a:t>
+            </a:r>
+            <a:r>
+              <a:rPr lang="de-DE" sz="1200" dirty="0" err="1"/>
+              <a:t>equal</a:t>
+            </a:r>
+            <a:r>
+              <a:rPr lang="de-DE" sz="1200" dirty="0"/>
+              <a:t> shift </a:t>
+            </a:r>
+            <a:r>
+              <a:rPr lang="de-DE" sz="1200" dirty="0" err="1"/>
+              <a:t>behavior</a:t>
+            </a:r>
+            <a:r>
+              <a:rPr lang="de-DE" sz="1200" dirty="0"/>
+              <a:t>; </a:t>
+            </a:r>
+            <a:r>
+              <a:rPr lang="de-DE" sz="1200" dirty="0" err="1"/>
+              <a:t>proteins</a:t>
+            </a:r>
+            <a:r>
+              <a:rPr lang="de-DE" sz="1200" dirty="0"/>
+              <a:t> </a:t>
+            </a:r>
+            <a:r>
+              <a:rPr lang="de-DE" sz="1200" dirty="0" err="1"/>
+              <a:t>below</a:t>
+            </a:r>
+            <a:r>
+              <a:rPr lang="de-DE" sz="1200" dirty="0"/>
+              <a:t> </a:t>
+            </a:r>
+            <a:r>
+              <a:rPr lang="de-DE" sz="1200" dirty="0" err="1"/>
+              <a:t>the</a:t>
+            </a:r>
+            <a:r>
+              <a:rPr lang="de-DE" sz="1200" dirty="0"/>
+              <a:t> </a:t>
+            </a:r>
+            <a:r>
+              <a:rPr lang="de-DE" sz="1200" dirty="0" err="1"/>
+              <a:t>line</a:t>
+            </a:r>
+            <a:r>
+              <a:rPr lang="de-DE" sz="1200" dirty="0"/>
+              <a:t> </a:t>
+            </a:r>
+            <a:r>
+              <a:rPr lang="de-DE" sz="1200" dirty="0" err="1"/>
+              <a:t>show</a:t>
+            </a:r>
+            <a:r>
+              <a:rPr lang="de-DE" sz="1200" dirty="0"/>
+              <a:t> </a:t>
+            </a:r>
+            <a:r>
+              <a:rPr lang="de-DE" sz="1200" dirty="0" err="1"/>
+              <a:t>mitosis-specific</a:t>
+            </a:r>
+            <a:r>
+              <a:rPr lang="de-DE" sz="1200" dirty="0"/>
+              <a:t> </a:t>
+            </a:r>
+            <a:r>
+              <a:rPr lang="de-DE" sz="1200" dirty="0" err="1"/>
+              <a:t>leftward</a:t>
+            </a:r>
+            <a:r>
+              <a:rPr lang="de-DE" sz="1200" dirty="0"/>
+              <a:t> </a:t>
+            </a:r>
+            <a:r>
+              <a:rPr lang="de-DE" sz="1200" dirty="0" err="1"/>
+              <a:t>shifts</a:t>
+            </a:r>
+            <a:r>
+              <a:rPr lang="de-DE" sz="1200" dirty="0"/>
+              <a:t>, </a:t>
+            </a:r>
+            <a:r>
+              <a:rPr lang="de-DE" sz="1200" dirty="0" err="1"/>
+              <a:t>suggesting</a:t>
+            </a:r>
+            <a:r>
+              <a:rPr lang="de-DE" sz="1200" dirty="0"/>
+              <a:t> RNA </a:t>
+            </a:r>
+            <a:r>
+              <a:rPr lang="de-DE" sz="1200" dirty="0" err="1"/>
+              <a:t>dependency</a:t>
+            </a:r>
+            <a:r>
+              <a:rPr lang="de-DE" sz="1200" dirty="0"/>
+              <a:t> </a:t>
+            </a:r>
+            <a:r>
+              <a:rPr lang="de-DE" sz="1200" dirty="0" err="1"/>
+              <a:t>unique</a:t>
+            </a:r>
+            <a:r>
+              <a:rPr lang="de-DE" sz="1200" dirty="0"/>
+              <a:t> </a:t>
+            </a:r>
+            <a:r>
+              <a:rPr lang="de-DE" sz="1200" dirty="0" err="1"/>
+              <a:t>to</a:t>
+            </a:r>
+            <a:r>
+              <a:rPr lang="de-DE" sz="1200" dirty="0"/>
+              <a:t> </a:t>
+            </a:r>
+            <a:r>
+              <a:rPr lang="de-DE" sz="1200" dirty="0" err="1"/>
+              <a:t>mitosis</a:t>
+            </a:r>
+            <a:r>
+              <a:rPr lang="de-DE" sz="1200" dirty="0"/>
+              <a:t>.</a:t>
+            </a:r>
+            <a:endParaRPr lang="en-US" sz="1200" dirty="0"/>
+          </a:p>
+        </p:txBody>
+      </p:sp>
+      <p:sp>
+        <p:nvSpPr>
+          <p:cNvPr id="44" name="Textfeld 43">
+            <a:extLst>
+              <a:ext uri="{FF2B5EF4-FFF2-40B4-BE49-F238E27FC236}">
+                <a16:creationId xmlns:a16="http://schemas.microsoft.com/office/drawing/2014/main" id="{C41FF133-ADEB-E4F3-48D0-CDE044ACB3E5}"/>
+              </a:ext>
+            </a:extLst>
+          </p:cNvPr>
+          <p:cNvSpPr txBox="1"/>
+          <p:nvPr/>
+        </p:nvSpPr>
+        <p:spPr>
+          <a:xfrm>
+            <a:off x="15595757" y="23876888"/>
+            <a:ext cx="13817660" cy="1477328"/>
+          </a:xfrm>
+          <a:prstGeom prst="rect">
+            <a:avLst/>
+          </a:prstGeom>
+          <a:noFill/>
+        </p:spPr>
+        <p:txBody>
+          <a:bodyPr wrap="square" rtlCol="0">
+            <a:spAutoFit/>
+          </a:bodyPr>
+          <a:lstStyle/>
+          <a:p>
+            <a:r>
+              <a:rPr lang="en-US" sz="2400" dirty="0"/>
+              <a:t>The red dashed identity line marks equal shifts across both cell states. Proteins falling below this line such as </a:t>
+            </a:r>
+            <a:r>
+              <a:rPr lang="en-US" sz="2400" b="1" dirty="0" err="1"/>
+              <a:t>RiboSix</a:t>
+            </a:r>
+            <a:r>
+              <a:rPr lang="en-US" sz="2400" dirty="0"/>
+              <a:t> show stronger RNA dependency during mitosis, suggesting their role is tightly linked to this specific cellular phase. Indeed, mitosis appears to be the active season for our little RBP hero.</a:t>
+            </a:r>
+          </a:p>
+          <a:p>
+            <a:endParaRPr lang="en-US" dirty="0"/>
+          </a:p>
+        </p:txBody>
+      </p:sp>
+      <p:pic>
+        <p:nvPicPr>
+          <p:cNvPr id="55" name="Grafik 54" descr="Ein Bild, das Screenshot, Text, Farbigkeit, Reihe enthält.&#10;&#10;KI-generierte Inhalte können fehlerhaft sein.">
+            <a:extLst>
+              <a:ext uri="{FF2B5EF4-FFF2-40B4-BE49-F238E27FC236}">
+                <a16:creationId xmlns:a16="http://schemas.microsoft.com/office/drawing/2014/main" id="{35A664B3-803F-4536-2EE5-578ED541F8BF}"/>
+              </a:ext>
+            </a:extLst>
+          </p:cNvPr>
+          <p:cNvPicPr>
+            <a:picLocks noChangeAspect="1"/>
+          </p:cNvPicPr>
+          <p:nvPr/>
+        </p:nvPicPr>
+        <p:blipFill>
+          <a:blip r:embed="rId13">
+            <a:extLst>
+              <a:ext uri="{28A0092B-C50C-407E-A947-70E740481C1C}">
+                <a14:useLocalDpi xmlns:a14="http://schemas.microsoft.com/office/drawing/2010/main" val="0"/>
+              </a:ext>
+            </a:extLst>
+          </a:blip>
+          <a:srcRect l="2118" t="4855" r="1441" b="4768"/>
+          <a:stretch>
+            <a:fillRect/>
+          </a:stretch>
+        </p:blipFill>
+        <p:spPr>
+          <a:xfrm>
+            <a:off x="6978285" y="7124435"/>
+            <a:ext cx="7762767" cy="4849741"/>
+          </a:xfrm>
+          <a:prstGeom prst="rect">
+            <a:avLst/>
+          </a:prstGeom>
+        </p:spPr>
+      </p:pic>
+      <p:sp>
+        <p:nvSpPr>
+          <p:cNvPr id="53" name="Abgerundetes Rechteck 52">
+            <a:extLst>
+              <a:ext uri="{FF2B5EF4-FFF2-40B4-BE49-F238E27FC236}">
+                <a16:creationId xmlns:a16="http://schemas.microsoft.com/office/drawing/2014/main" id="{9268DEE9-5436-15CA-14E4-ECD8F92A81D9}"/>
               </a:ext>
             </a:extLst>
           </p:cNvPr>
@@ -6478,10 +7975,10 @@
       </p:sp>
       <p:sp>
         <p:nvSpPr>
-          <p:cNvPr id="26" name="Rechteck 25">
+          <p:cNvPr id="54" name="Rechteck 53">
             <a:extLst>
               <a:ext uri="{FF2B5EF4-FFF2-40B4-BE49-F238E27FC236}">
-                <a16:creationId xmlns:a16="http://schemas.microsoft.com/office/drawing/2014/main" id="{BE290EAF-1A4B-D335-43DA-78DE46D94BC7}"/>
+                <a16:creationId xmlns:a16="http://schemas.microsoft.com/office/drawing/2014/main" id="{DA404413-BF56-1993-6DD5-0DDBFE5DD40B}"/>
               </a:ext>
             </a:extLst>
           </p:cNvPr>
@@ -6536,10 +8033,10 @@
       </p:sp>
       <p:pic>
         <p:nvPicPr>
-          <p:cNvPr id="29" name="Grafik 28" descr="Ein Bild, das Reihe, Diagramm, Text, Screenshot enthält.&#10;&#10;KI-generierte Inhalte können fehlerhaft sein.">
+          <p:cNvPr id="57" name="Grafik 56" descr="Ein Bild, das Reihe, Diagramm, Text, Screenshot enthält.&#10;&#10;KI-generierte Inhalte können fehlerhaft sein.">
             <a:extLst>
               <a:ext uri="{FF2B5EF4-FFF2-40B4-BE49-F238E27FC236}">
-                <a16:creationId xmlns:a16="http://schemas.microsoft.com/office/drawing/2014/main" id="{ACBF7A39-3336-9D05-9D48-508D000FD43F}"/>
+                <a16:creationId xmlns:a16="http://schemas.microsoft.com/office/drawing/2014/main" id="{51A301F2-9CC3-A70C-E21D-7315395D6271}"/>
               </a:ext>
             </a:extLst>
           </p:cNvPr>
@@ -6549,7 +8046,7 @@
           <p:nvPr/>
         </p:nvPicPr>
         <p:blipFill>
-          <a:blip r:embed="rId10">
+          <a:blip r:embed="rId14">
             <a:extLst>
               <a:ext uri="{28A0092B-C50C-407E-A947-70E740481C1C}">
                 <a14:useLocalDpi xmlns:a14="http://schemas.microsoft.com/office/drawing/2010/main" val="0"/>
@@ -6562,8 +8059,8 @@
         </p:blipFill>
         <p:spPr>
           <a:xfrm>
-            <a:off x="6043140" y="25426971"/>
-            <a:ext cx="3325770" cy="2301759"/>
+            <a:off x="898621" y="23881386"/>
+            <a:ext cx="5409638" cy="3744000"/>
           </a:xfrm>
           <a:prstGeom prst="rect">
             <a:avLst/>
@@ -6572,10 +8069,10 @@
       </p:pic>
       <p:pic>
         <p:nvPicPr>
-          <p:cNvPr id="31" name="Grafik 30" descr="Ein Bild, das Text, Diagramm, Reihe, Screenshot enthält.&#10;&#10;KI-generierte Inhalte können fehlerhaft sein.">
+          <p:cNvPr id="59" name="Grafik 58" descr="Ein Bild, das Text, Diagramm, Reihe, Screenshot enthält.&#10;&#10;KI-generierte Inhalte können fehlerhaft sein.">
             <a:extLst>
               <a:ext uri="{FF2B5EF4-FFF2-40B4-BE49-F238E27FC236}">
-                <a16:creationId xmlns:a16="http://schemas.microsoft.com/office/drawing/2014/main" id="{A0E5FA54-BA75-9B3C-0580-9B0ACD702D6B}"/>
+                <a16:creationId xmlns:a16="http://schemas.microsoft.com/office/drawing/2014/main" id="{C97D94E5-1402-228D-32D5-79389297DCB5}"/>
               </a:ext>
             </a:extLst>
           </p:cNvPr>
@@ -6585,7 +8082,7 @@
           <p:nvPr/>
         </p:nvPicPr>
         <p:blipFill>
-          <a:blip r:embed="rId11">
+          <a:blip r:embed="rId15">
             <a:extLst>
               <a:ext uri="{28A0092B-C50C-407E-A947-70E740481C1C}">
                 <a14:useLocalDpi xmlns:a14="http://schemas.microsoft.com/office/drawing/2010/main" val="0"/>
@@ -6598,165 +8095,20 @@
         </p:blipFill>
         <p:spPr>
           <a:xfrm>
-            <a:off x="922279" y="22355196"/>
-            <a:ext cx="5033382" cy="3483594"/>
+            <a:off x="898676" y="18970981"/>
+            <a:ext cx="5409583" cy="3743962"/>
           </a:xfrm>
           <a:prstGeom prst="rect">
             <a:avLst/>
           </a:prstGeom>
         </p:spPr>
       </p:pic>
-      <p:grpSp>
-        <p:nvGrpSpPr>
-          <p:cNvPr id="32" name="Gruppieren 31">
+      <p:sp>
+        <p:nvSpPr>
+          <p:cNvPr id="60" name="Textfeld 59">
             <a:extLst>
               <a:ext uri="{FF2B5EF4-FFF2-40B4-BE49-F238E27FC236}">
-                <a16:creationId xmlns:a16="http://schemas.microsoft.com/office/drawing/2014/main" id="{89CCBC6A-B864-9CD5-EAE0-99DF0B68B3EE}"/>
-              </a:ext>
-            </a:extLst>
-          </p:cNvPr>
-          <p:cNvGrpSpPr/>
-          <p:nvPr/>
-        </p:nvGrpSpPr>
-        <p:grpSpPr>
-          <a:xfrm>
-            <a:off x="7361509" y="22683687"/>
-            <a:ext cx="6445233" cy="2826613"/>
-            <a:chOff x="5781935" y="15382625"/>
-            <a:chExt cx="9102943" cy="4004262"/>
-          </a:xfrm>
-        </p:grpSpPr>
-        <p:pic>
-          <p:nvPicPr>
-            <p:cNvPr id="33" name="Grafik 32">
-              <a:extLst>
-                <a:ext uri="{FF2B5EF4-FFF2-40B4-BE49-F238E27FC236}">
-                  <a16:creationId xmlns:a16="http://schemas.microsoft.com/office/drawing/2014/main" id="{EBD00EA7-4C39-028D-529E-493655AA75AB}"/>
-                </a:ext>
-              </a:extLst>
-            </p:cNvPr>
-            <p:cNvPicPr>
-              <a:picLocks noChangeAspect="1"/>
-            </p:cNvPicPr>
-            <p:nvPr/>
-          </p:nvPicPr>
-          <p:blipFill>
-            <a:blip r:embed="rId12"/>
-            <a:stretch>
-              <a:fillRect/>
-            </a:stretch>
-          </p:blipFill>
-          <p:spPr>
-            <a:xfrm>
-              <a:off x="7259397" y="15382625"/>
-              <a:ext cx="5643803" cy="4004262"/>
-            </a:xfrm>
-            <a:prstGeom prst="rect">
-              <a:avLst/>
-            </a:prstGeom>
-          </p:spPr>
-        </p:pic>
-        <p:sp>
-          <p:nvSpPr>
-            <p:cNvPr id="34" name="Textfeld 33">
-              <a:extLst>
-                <a:ext uri="{FF2B5EF4-FFF2-40B4-BE49-F238E27FC236}">
-                  <a16:creationId xmlns:a16="http://schemas.microsoft.com/office/drawing/2014/main" id="{7ED38EB0-8928-F487-679D-DC08BBE8EFFC}"/>
-                </a:ext>
-              </a:extLst>
-            </p:cNvPr>
-            <p:cNvSpPr txBox="1"/>
-            <p:nvPr/>
-          </p:nvSpPr>
-          <p:spPr>
-            <a:xfrm>
-              <a:off x="5781935" y="15436311"/>
-              <a:ext cx="2810933" cy="830997"/>
-            </a:xfrm>
-            <a:prstGeom prst="rect">
-              <a:avLst/>
-            </a:prstGeom>
-            <a:noFill/>
-          </p:spPr>
-          <p:txBody>
-            <a:bodyPr wrap="square" rtlCol="0">
-              <a:spAutoFit/>
-            </a:bodyPr>
-            <a:lstStyle/>
-            <a:p>
-              <a:pPr algn="ctr"/>
-              <a:r>
-                <a:rPr lang="en-US" sz="2400" noProof="0" dirty="0"/>
-                <a:t>Identified </a:t>
-              </a:r>
-            </a:p>
-            <a:p>
-              <a:pPr algn="ctr"/>
-              <a:r>
-                <a:rPr lang="en-US" sz="2400" noProof="0" dirty="0"/>
-                <a:t>RBPs</a:t>
-              </a:r>
-            </a:p>
-          </p:txBody>
-        </p:sp>
-        <p:sp>
-          <p:nvSpPr>
-            <p:cNvPr id="35" name="Textfeld 34">
-              <a:extLst>
-                <a:ext uri="{FF2B5EF4-FFF2-40B4-BE49-F238E27FC236}">
-                  <a16:creationId xmlns:a16="http://schemas.microsoft.com/office/drawing/2014/main" id="{F03FDA52-46F0-5D59-8ACF-A557623994B9}"/>
-                </a:ext>
-              </a:extLst>
-            </p:cNvPr>
-            <p:cNvSpPr txBox="1"/>
-            <p:nvPr/>
-          </p:nvSpPr>
-          <p:spPr>
-            <a:xfrm>
-              <a:off x="11603557" y="18236389"/>
-              <a:ext cx="3281321" cy="830997"/>
-            </a:xfrm>
-            <a:prstGeom prst="rect">
-              <a:avLst/>
-            </a:prstGeom>
-            <a:noFill/>
-          </p:spPr>
-          <p:txBody>
-            <a:bodyPr wrap="square" rtlCol="0">
-              <a:spAutoFit/>
-            </a:bodyPr>
-            <a:lstStyle/>
-            <a:p>
-              <a:pPr algn="ctr"/>
-              <a:r>
-                <a:rPr lang="en-US" sz="2400" noProof="0" dirty="0" err="1"/>
-                <a:t>Analysed</a:t>
-              </a:r>
-              <a:r>
-                <a:rPr lang="en-US" sz="2400" noProof="0" dirty="0"/>
-                <a:t> </a:t>
-              </a:r>
-            </a:p>
-            <a:p>
-              <a:pPr algn="ctr"/>
-              <a:r>
-                <a:rPr lang="en-US" sz="2400" noProof="0" dirty="0" err="1"/>
-                <a:t>UniProt</a:t>
-              </a:r>
-              <a:r>
-                <a:rPr lang="en-US" sz="2400" noProof="0" dirty="0"/>
-                <a:t> RBPs</a:t>
-              </a:r>
-            </a:p>
-          </p:txBody>
-        </p:sp>
-      </p:grpSp>
-      <p:sp>
-        <p:nvSpPr>
-          <p:cNvPr id="37" name="Textfeld 36">
-            <a:extLst>
-              <a:ext uri="{FF2B5EF4-FFF2-40B4-BE49-F238E27FC236}">
-                <a16:creationId xmlns:a16="http://schemas.microsoft.com/office/drawing/2014/main" id="{F88925D1-CFC4-5D93-A097-3F0428360137}"/>
+                <a16:creationId xmlns:a16="http://schemas.microsoft.com/office/drawing/2014/main" id="{B4DB6051-42AB-BFF9-B0F2-47182DBFBD63}"/>
               </a:ext>
             </a:extLst>
           </p:cNvPr>
@@ -6810,10 +8162,10 @@
       </p:sp>
       <p:sp>
         <p:nvSpPr>
-          <p:cNvPr id="39" name="Textfeld 38">
+          <p:cNvPr id="61" name="Textfeld 60">
             <a:extLst>
               <a:ext uri="{FF2B5EF4-FFF2-40B4-BE49-F238E27FC236}">
-                <a16:creationId xmlns:a16="http://schemas.microsoft.com/office/drawing/2014/main" id="{E6EF7BF0-8EEC-4498-FCA6-9E2123BFB423}"/>
+                <a16:creationId xmlns:a16="http://schemas.microsoft.com/office/drawing/2014/main" id="{697CE515-71EB-C31D-3E97-B69A2E4BF8AC}"/>
               </a:ext>
             </a:extLst>
           </p:cNvPr>
@@ -6822,7 +8174,7 @@
         </p:nvSpPr>
         <p:spPr>
           <a:xfrm>
-            <a:off x="802825" y="13825667"/>
+            <a:off x="866279" y="13681713"/>
             <a:ext cx="7385975" cy="2739211"/>
           </a:xfrm>
           <a:prstGeom prst="rect">
@@ -6842,8 +8194,19 @@
                 <a:latin typeface="Source Sans Pro" panose="020B0503030403020204" pitchFamily="34" charset="0"/>
                 <a:ea typeface="Source Sans Pro" panose="020B0503030403020204" pitchFamily="34" charset="0"/>
               </a:rPr>
-              <a:t>Descriptive Analyses</a:t>
-            </a:r>
+              <a:t>Descriptive Analyses – That’s how I look </a:t>
+            </a:r>
+            <a:r>
+              <a:rPr lang="en-US" sz="2400" b="1" dirty="0">
+                <a:latin typeface="Source Sans Pro" panose="020B0503030403020204" pitchFamily="34" charset="0"/>
+                <a:ea typeface="Source Sans Pro" panose="020B0503030403020204" pitchFamily="34" charset="0"/>
+              </a:rPr>
+              <a:t>like</a:t>
+            </a:r>
+            <a:endParaRPr lang="en-US" sz="2400" b="1" noProof="0" dirty="0">
+              <a:latin typeface="Source Sans Pro" panose="020B0503030403020204" pitchFamily="34" charset="0"/>
+              <a:ea typeface="Source Sans Pro" panose="020B0503030403020204" pitchFamily="34" charset="0"/>
+            </a:endParaRPr>
           </a:p>
           <a:p>
             <a:pPr algn="just"/>
@@ -6875,10 +8238,10 @@
       </p:sp>
       <p:sp>
         <p:nvSpPr>
-          <p:cNvPr id="40" name="Textfeld 39">
+          <p:cNvPr id="62" name="Textfeld 61">
             <a:extLst>
               <a:ext uri="{FF2B5EF4-FFF2-40B4-BE49-F238E27FC236}">
-                <a16:creationId xmlns:a16="http://schemas.microsoft.com/office/drawing/2014/main" id="{9E00ACD3-20DA-AFDB-EE91-F0B099D4597C}"/>
+                <a16:creationId xmlns:a16="http://schemas.microsoft.com/office/drawing/2014/main" id="{F5C910CD-E448-4CF1-A6FC-A667BCF57FC2}"/>
               </a:ext>
             </a:extLst>
           </p:cNvPr>
@@ -6887,8 +8250,8 @@
         </p:nvSpPr>
         <p:spPr>
           <a:xfrm>
-            <a:off x="882079" y="16846665"/>
-            <a:ext cx="13908659" cy="1938992"/>
+            <a:off x="808317" y="16106126"/>
+            <a:ext cx="7443938" cy="2677656"/>
           </a:xfrm>
           <a:prstGeom prst="rect">
             <a:avLst/>
@@ -6911,41 +8274,21 @@
                 <a:latin typeface="Source Sans Pro" panose="020B0503030403020204" pitchFamily="34" charset="0"/>
                 <a:ea typeface="Source Sans Pro" panose="020B0503030403020204" pitchFamily="34" charset="0"/>
               </a:rPr>
-              <a:t>Protein distributions were </a:t>
-            </a:r>
-          </a:p>
-          <a:p>
-            <a:pPr algn="just"/>
+              <a:t>Protein distributions were summarized using the Center of Mass (</a:t>
+            </a:r>
+            <a:r>
+              <a:rPr lang="en-US" sz="2400" noProof="0" dirty="0" err="1">
+                <a:latin typeface="Source Sans Pro" panose="020B0503030403020204" pitchFamily="34" charset="0"/>
+                <a:ea typeface="Source Sans Pro" panose="020B0503030403020204" pitchFamily="34" charset="0"/>
+              </a:rPr>
+              <a:t>CoM</a:t>
+            </a:r>
             <a:r>
               <a:rPr lang="en-US" sz="2400" noProof="0" dirty="0">
                 <a:latin typeface="Source Sans Pro" panose="020B0503030403020204" pitchFamily="34" charset="0"/>
                 <a:ea typeface="Source Sans Pro" panose="020B0503030403020204" pitchFamily="34" charset="0"/>
               </a:rPr>
-              <a:t>summarized using the Center of Mass (</a:t>
-            </a:r>
-            <a:r>
-              <a:rPr lang="en-US" sz="2400" noProof="0" dirty="0" err="1">
-                <a:latin typeface="Source Sans Pro" panose="020B0503030403020204" pitchFamily="34" charset="0"/>
-                <a:ea typeface="Source Sans Pro" panose="020B0503030403020204" pitchFamily="34" charset="0"/>
-              </a:rPr>
-              <a:t>CoM</a:t>
-            </a:r>
-            <a:r>
-              <a:rPr lang="en-US" sz="2400" noProof="0" dirty="0">
-                <a:latin typeface="Source Sans Pro" panose="020B0503030403020204" pitchFamily="34" charset="0"/>
-                <a:ea typeface="Source Sans Pro" panose="020B0503030403020204" pitchFamily="34" charset="0"/>
-              </a:rPr>
-              <a:t>), calculated</a:t>
-            </a:r>
-          </a:p>
-          <a:p>
-            <a:pPr algn="just"/>
-            <a:r>
-              <a:rPr lang="en-US" sz="2400" noProof="0" dirty="0">
-                <a:latin typeface="Source Sans Pro" panose="020B0503030403020204" pitchFamily="34" charset="0"/>
-                <a:ea typeface="Source Sans Pro" panose="020B0503030403020204" pitchFamily="34" charset="0"/>
-              </a:rPr>
-              <a:t> as the weighted average across all fractions. Shifts were defined as </a:t>
+              <a:t>), calculated as the weighted average across all fractions. Shifts were defined as </a:t>
             </a:r>
             <a:r>
               <a:rPr lang="en-US" sz="2400" noProof="0" dirty="0" err="1">
@@ -6987,10 +8330,10 @@
       </p:sp>
       <p:pic>
         <p:nvPicPr>
-          <p:cNvPr id="41" name="Grafik 40">
+          <p:cNvPr id="63" name="Grafik 62">
             <a:extLst>
               <a:ext uri="{FF2B5EF4-FFF2-40B4-BE49-F238E27FC236}">
-                <a16:creationId xmlns:a16="http://schemas.microsoft.com/office/drawing/2014/main" id="{085B1AAD-70BC-D43F-DE61-2739306A23EC}"/>
+                <a16:creationId xmlns:a16="http://schemas.microsoft.com/office/drawing/2014/main" id="{FD4CA340-4BD6-84DD-BCCB-37C40C9DF2EB}"/>
               </a:ext>
             </a:extLst>
           </p:cNvPr>
@@ -7000,7 +8343,7 @@
           <p:nvPr/>
         </p:nvPicPr>
         <p:blipFill>
-          <a:blip r:embed="rId13"/>
+          <a:blip r:embed="rId16"/>
           <a:stretch>
             <a:fillRect/>
           </a:stretch>
@@ -7017,10 +8360,10 @@
       </p:pic>
       <p:grpSp>
         <p:nvGrpSpPr>
-          <p:cNvPr id="42" name="Gruppieren 41">
+          <p:cNvPr id="64" name="Gruppieren 63">
             <a:extLst>
               <a:ext uri="{FF2B5EF4-FFF2-40B4-BE49-F238E27FC236}">
-                <a16:creationId xmlns:a16="http://schemas.microsoft.com/office/drawing/2014/main" id="{AF808B17-6572-A307-B9E8-253821F89EE7}"/>
+                <a16:creationId xmlns:a16="http://schemas.microsoft.com/office/drawing/2014/main" id="{D856501A-5BC2-F2AB-77F0-43A8B89637B3}"/>
               </a:ext>
             </a:extLst>
           </p:cNvPr>
@@ -7029,7 +8372,7 @@
         </p:nvGrpSpPr>
         <p:grpSpPr>
           <a:xfrm>
-            <a:off x="4765060" y="18464738"/>
+            <a:off x="9116152" y="17381976"/>
             <a:ext cx="4328867" cy="860116"/>
             <a:chOff x="9061760" y="14098081"/>
             <a:chExt cx="4328867" cy="860116"/>
@@ -7037,10 +8380,10 @@
         </p:grpSpPr>
         <p:sp>
           <p:nvSpPr>
-            <p:cNvPr id="45" name="Abgerundetes Rechteck 44">
+            <p:cNvPr id="65" name="Abgerundetes Rechteck 64">
               <a:extLst>
                 <a:ext uri="{FF2B5EF4-FFF2-40B4-BE49-F238E27FC236}">
-                  <a16:creationId xmlns:a16="http://schemas.microsoft.com/office/drawing/2014/main" id="{383CE23E-E30E-605A-7CAB-C3F82B7FB91A}"/>
+                  <a16:creationId xmlns:a16="http://schemas.microsoft.com/office/drawing/2014/main" id="{0A5EE295-6BA2-1B05-9446-03189047E856}"/>
                 </a:ext>
               </a:extLst>
             </p:cNvPr>
@@ -7097,10 +8440,10 @@
           <mc:Choice Requires="a14">
             <p:sp>
               <p:nvSpPr>
-                <p:cNvPr id="47" name="Textfeld 46">
+                <p:cNvPr id="66" name="Textfeld 65">
                   <a:extLst>
                     <a:ext uri="{FF2B5EF4-FFF2-40B4-BE49-F238E27FC236}">
-                      <a16:creationId xmlns:a16="http://schemas.microsoft.com/office/drawing/2014/main" id="{C8697122-1F57-2A95-C751-74F7E5823F08}"/>
+                      <a16:creationId xmlns:a16="http://schemas.microsoft.com/office/drawing/2014/main" id="{7E381492-9C04-806D-7D26-B6BBDE336E97}"/>
                     </a:ext>
                   </a:extLst>
                 </p:cNvPr>
@@ -7344,7 +8687,7 @@
                   <a:avLst/>
                 </a:prstGeom>
                 <a:blipFill>
-                  <a:blip r:embed="rId15"/>
+                  <a:blip r:embed="rId17"/>
                   <a:stretch>
                     <a:fillRect/>
                   </a:stretch>
@@ -7368,10 +8711,10 @@
       </p:grpSp>
       <p:graphicFrame>
         <p:nvGraphicFramePr>
-          <p:cNvPr id="48" name="Diagramm 47">
+          <p:cNvPr id="67" name="Diagramm 66">
             <a:extLst>
               <a:ext uri="{FF2B5EF4-FFF2-40B4-BE49-F238E27FC236}">
-                <a16:creationId xmlns:a16="http://schemas.microsoft.com/office/drawing/2014/main" id="{B4582048-10B5-61D2-9583-8E75A86FF2D5}"/>
+                <a16:creationId xmlns:a16="http://schemas.microsoft.com/office/drawing/2014/main" id="{8F85B8CE-C1E5-1965-9E71-8E633470BFBE}"/>
               </a:ext>
             </a:extLst>
           </p:cNvPr>
@@ -7379,27 +8722,27 @@
           <p:nvPr>
             <p:extLst>
               <p:ext uri="{D42A27DB-BD31-4B8C-83A1-F6EECF244321}">
-                <p14:modId xmlns:p14="http://schemas.microsoft.com/office/powerpoint/2010/main" val="930634812"/>
+                <p14:modId xmlns:p14="http://schemas.microsoft.com/office/powerpoint/2010/main" val="1586807200"/>
               </p:ext>
             </p:extLst>
           </p:nvPr>
         </p:nvGraphicFramePr>
         <p:xfrm>
-          <a:off x="10284771" y="18443121"/>
+          <a:off x="10073531" y="20533505"/>
           <a:ext cx="4328867" cy="2525627"/>
         </p:xfrm>
         <a:graphic>
           <a:graphicData uri="http://schemas.openxmlformats.org/drawingml/2006/chart">
-            <c:chart xmlns:c="http://schemas.openxmlformats.org/drawingml/2006/chart" xmlns:r="http://schemas.openxmlformats.org/officeDocument/2006/relationships" r:id="rId16"/>
+            <c:chart xmlns:c="http://schemas.openxmlformats.org/drawingml/2006/chart" xmlns:r="http://schemas.openxmlformats.org/officeDocument/2006/relationships" r:id="rId18"/>
           </a:graphicData>
         </a:graphic>
       </p:graphicFrame>
       <p:sp>
         <p:nvSpPr>
-          <p:cNvPr id="49" name="Textfeld 48">
+          <p:cNvPr id="69" name="Textfeld 68">
             <a:extLst>
               <a:ext uri="{FF2B5EF4-FFF2-40B4-BE49-F238E27FC236}">
-                <a16:creationId xmlns:a16="http://schemas.microsoft.com/office/drawing/2014/main" id="{06A51717-529C-69ED-4034-81B1351AD584}"/>
+                <a16:creationId xmlns:a16="http://schemas.microsoft.com/office/drawing/2014/main" id="{190B0290-52A9-218A-F48F-8EAA17CE21A9}"/>
               </a:ext>
             </a:extLst>
           </p:cNvPr>
@@ -7408,8 +8751,8 @@
         </p:nvSpPr>
         <p:spPr>
           <a:xfrm>
-            <a:off x="898676" y="19136735"/>
-            <a:ext cx="9214407" cy="3631763"/>
+            <a:off x="831404" y="18434676"/>
+            <a:ext cx="9214407" cy="461665"/>
           </a:xfrm>
           <a:prstGeom prst="rect">
             <a:avLst/>
@@ -7428,124 +8771,21 @@
                 <a:latin typeface="Source Sans Pro" panose="020B0503030403020204" pitchFamily="34" charset="0"/>
                 <a:ea typeface="Source Sans Pro" panose="020B0503030403020204" pitchFamily="34" charset="0"/>
               </a:rPr>
-              <a:t>Statistical Analysis</a:t>
-            </a:r>
-          </a:p>
-          <a:p>
-            <a:pPr algn="just"/>
-            <a:endParaRPr lang="en-US" sz="1000" noProof="0" dirty="0">
-              <a:latin typeface="Source Sans Pro" panose="020B0503030403020204" pitchFamily="34" charset="0"/>
-              <a:ea typeface="Source Sans Pro" panose="020B0503030403020204" pitchFamily="34" charset="0"/>
-            </a:endParaRPr>
-          </a:p>
-          <a:p>
-            <a:pPr algn="just"/>
-            <a:r>
-              <a:rPr lang="en-US" sz="2400" b="1" noProof="0" dirty="0">
-                <a:latin typeface="Source Sans Pro" panose="020B0503030403020204" pitchFamily="34" charset="0"/>
-                <a:ea typeface="Source Sans Pro" panose="020B0503030403020204" pitchFamily="34" charset="0"/>
-              </a:rPr>
-              <a:t>T-Test: </a:t>
-            </a:r>
-            <a:r>
-              <a:rPr lang="en-US" sz="2400" noProof="0" dirty="0">
-                <a:latin typeface="Source Sans Pro" panose="020B0503030403020204" pitchFamily="34" charset="0"/>
-                <a:ea typeface="Source Sans Pro" panose="020B0503030403020204" pitchFamily="34" charset="0"/>
-              </a:rPr>
-              <a:t>To statistically assess RNA dependence, we computed shift distances from </a:t>
-            </a:r>
-            <a:r>
-              <a:rPr lang="en-US" sz="2400" noProof="0" dirty="0" err="1">
-                <a:latin typeface="Source Sans Pro" panose="020B0503030403020204" pitchFamily="34" charset="0"/>
-                <a:ea typeface="Source Sans Pro" panose="020B0503030403020204" pitchFamily="34" charset="0"/>
-              </a:rPr>
-              <a:t>CoM</a:t>
-            </a:r>
-            <a:r>
-              <a:rPr lang="en-US" sz="2400" noProof="0" dirty="0">
-                <a:latin typeface="Source Sans Pro" panose="020B0503030403020204" pitchFamily="34" charset="0"/>
-                <a:ea typeface="Source Sans Pro" panose="020B0503030403020204" pitchFamily="34" charset="0"/>
-              </a:rPr>
-              <a:t> values across all replicates. A Shapiro-Wilk test was performed to confirm normality. If normally distributed, a one-sided t-test was used to assess whether the mean shift exceeded 1. </a:t>
-            </a:r>
-          </a:p>
-          <a:p>
-            <a:pPr algn="just"/>
-            <a:endParaRPr lang="en-US" sz="1000" noProof="0" dirty="0">
-              <a:latin typeface="Source Sans Pro" panose="020B0503030403020204" pitchFamily="34" charset="0"/>
-              <a:ea typeface="Source Sans Pro" panose="020B0503030403020204" pitchFamily="34" charset="0"/>
-            </a:endParaRPr>
-          </a:p>
-          <a:p>
-            <a:pPr algn="just"/>
-            <a:r>
-              <a:rPr lang="en-US" sz="2400" noProof="0" dirty="0">
-                <a:latin typeface="Source Sans Pro" panose="020B0503030403020204" pitchFamily="34" charset="0"/>
-                <a:ea typeface="Source Sans Pro" panose="020B0503030403020204" pitchFamily="34" charset="0"/>
-              </a:rPr>
-              <a:t>Out of 7159 </a:t>
-            </a:r>
-            <a:r>
-              <a:rPr lang="en-US" sz="2400" noProof="0" dirty="0" err="1">
-                <a:latin typeface="Source Sans Pro" panose="020B0503030403020204" pitchFamily="34" charset="0"/>
-                <a:ea typeface="Source Sans Pro" panose="020B0503030403020204" pitchFamily="34" charset="0"/>
-              </a:rPr>
-              <a:t>analysed</a:t>
-            </a:r>
-            <a:r>
-              <a:rPr lang="en-US" sz="2400" noProof="0" dirty="0">
-                <a:latin typeface="Source Sans Pro" panose="020B0503030403020204" pitchFamily="34" charset="0"/>
-                <a:ea typeface="Source Sans Pro" panose="020B0503030403020204" pitchFamily="34" charset="0"/>
-              </a:rPr>
-              <a:t> Proteins, </a:t>
-            </a:r>
-            <a:r>
-              <a:rPr lang="en-US" sz="2400" b="1" noProof="0" dirty="0">
-                <a:latin typeface="Source Sans Pro" panose="020B0503030403020204" pitchFamily="34" charset="0"/>
-                <a:ea typeface="Source Sans Pro" panose="020B0503030403020204" pitchFamily="34" charset="0"/>
-              </a:rPr>
-              <a:t>794 </a:t>
-            </a:r>
-            <a:r>
-              <a:rPr lang="en-US" sz="2400" b="1" noProof="0" dirty="0" err="1">
-                <a:latin typeface="Source Sans Pro" panose="020B0503030403020204" pitchFamily="34" charset="0"/>
-                <a:ea typeface="Source Sans Pro" panose="020B0503030403020204" pitchFamily="34" charset="0"/>
-              </a:rPr>
-              <a:t>exihibited</a:t>
-            </a:r>
-            <a:r>
-              <a:rPr lang="en-US" sz="2400" b="1" noProof="0" dirty="0">
-                <a:latin typeface="Source Sans Pro" panose="020B0503030403020204" pitchFamily="34" charset="0"/>
-                <a:ea typeface="Source Sans Pro" panose="020B0503030403020204" pitchFamily="34" charset="0"/>
-              </a:rPr>
-              <a:t> a significant shift  </a:t>
-            </a:r>
-            <a:r>
-              <a:rPr lang="en-US" sz="2400" noProof="0" dirty="0">
-                <a:latin typeface="Source Sans Pro" panose="020B0503030403020204" pitchFamily="34" charset="0"/>
-                <a:ea typeface="Source Sans Pro" panose="020B0503030403020204" pitchFamily="34" charset="0"/>
-              </a:rPr>
-              <a:t>and where classified as RBPs. </a:t>
-            </a:r>
-          </a:p>
-          <a:p>
-            <a:pPr algn="just"/>
+              <a:t>Statistical Analysis – Do I have a connection with RNA?</a:t>
+            </a:r>
             <a:endParaRPr lang="en-US" sz="2400" noProof="0" dirty="0">
               <a:latin typeface="Source Sans Pro" panose="020B0503030403020204" pitchFamily="34" charset="0"/>
               <a:ea typeface="Source Sans Pro" panose="020B0503030403020204" pitchFamily="34" charset="0"/>
             </a:endParaRPr>
           </a:p>
-          <a:p>
-            <a:endParaRPr lang="en-US" noProof="0" dirty="0"/>
-          </a:p>
-        </p:txBody>
-      </p:sp>
-      <p:sp>
-        <p:nvSpPr>
-          <p:cNvPr id="50" name="Textfeld 49">
+        </p:txBody>
+      </p:sp>
+      <p:sp>
+        <p:nvSpPr>
+          <p:cNvPr id="70" name="Textfeld 69">
             <a:extLst>
               <a:ext uri="{FF2B5EF4-FFF2-40B4-BE49-F238E27FC236}">
-                <a16:creationId xmlns:a16="http://schemas.microsoft.com/office/drawing/2014/main" id="{71AC231F-D6F1-37AC-E477-4F200AD7EBA5}"/>
+                <a16:creationId xmlns:a16="http://schemas.microsoft.com/office/drawing/2014/main" id="{771C4050-F1B1-E664-8AF7-A54C0A094FC3}"/>
               </a:ext>
             </a:extLst>
           </p:cNvPr>
@@ -7554,8 +8794,8 @@
         </p:nvSpPr>
         <p:spPr>
           <a:xfrm>
-            <a:off x="10205042" y="21096358"/>
-            <a:ext cx="4488326" cy="646331"/>
+            <a:off x="9993802" y="23105006"/>
+            <a:ext cx="4542570" cy="646331"/>
           </a:xfrm>
           <a:prstGeom prst="rect">
             <a:avLst/>
@@ -7609,10 +8849,10 @@
       </p:sp>
       <p:sp>
         <p:nvSpPr>
-          <p:cNvPr id="51" name="Textfeld 50">
+          <p:cNvPr id="71" name="Textfeld 70">
             <a:extLst>
               <a:ext uri="{FF2B5EF4-FFF2-40B4-BE49-F238E27FC236}">
-                <a16:creationId xmlns:a16="http://schemas.microsoft.com/office/drawing/2014/main" id="{1EFE5839-827F-4EE7-93B1-21F410F3AF68}"/>
+                <a16:creationId xmlns:a16="http://schemas.microsoft.com/office/drawing/2014/main" id="{992D0104-04D1-4A62-E4B8-E9663840E2B2}"/>
               </a:ext>
             </a:extLst>
           </p:cNvPr>
@@ -7675,10 +8915,10 @@
       </p:sp>
       <p:sp>
         <p:nvSpPr>
-          <p:cNvPr id="13" name="Textfeld 12">
+          <p:cNvPr id="74" name="Textfeld 73">
             <a:extLst>
               <a:ext uri="{FF2B5EF4-FFF2-40B4-BE49-F238E27FC236}">
-                <a16:creationId xmlns:a16="http://schemas.microsoft.com/office/drawing/2014/main" id="{B1FDECB6-1FBA-D64A-249B-C2A37669EFAA}"/>
+                <a16:creationId xmlns:a16="http://schemas.microsoft.com/office/drawing/2014/main" id="{0B2BAAA9-1313-2619-6D95-6EC020E97840}"/>
               </a:ext>
             </a:extLst>
           </p:cNvPr>
@@ -7687,8 +8927,8 @@
         </p:nvSpPr>
         <p:spPr>
           <a:xfrm>
-            <a:off x="830996" y="7194777"/>
-            <a:ext cx="6015282" cy="5262979"/>
+            <a:off x="6462072" y="18782829"/>
+            <a:ext cx="8276523" cy="2062103"/>
           </a:xfrm>
           <a:prstGeom prst="rect">
             <a:avLst/>
@@ -7701,39 +8941,51 @@
           </a:bodyPr>
           <a:lstStyle/>
           <a:p>
-            <a:r>
-              <a:rPr lang="en-US" sz="2400" noProof="0" dirty="0"/>
-              <a:t>To verify the reproducibility of the triplicates in our dataset, Spearman correlations were calculated between all replicate–fraction combinations. The resulting correlation coefficients (</a:t>
-            </a:r>
-            <a:r>
-              <a:rPr lang="en-US" sz="2400" noProof="0" dirty="0" err="1"/>
-              <a:t>r-values</a:t>
-            </a:r>
-            <a:r>
-              <a:rPr lang="en-US" sz="2400" noProof="0" dirty="0"/>
-              <a:t>) were visualized as two separate heatmaps - one for the RNase treatment (Fig. X on the right) and one for the control condition. </a:t>
-            </a:r>
-            <a:endParaRPr lang="en-US" sz="2400" dirty="0"/>
-          </a:p>
-          <a:p>
-            <a:r>
-              <a:rPr lang="en-US" sz="2400" noProof="0" dirty="0"/>
-              <a:t>Reproducibility is indicated by high correlations within corresponding fractions across replicates, which should appear as prominent diagonal patterns in 3×3 blocks on the heatmaps. </a:t>
-            </a:r>
-            <a:r>
-              <a:rPr lang="en-US" sz="2400" dirty="0"/>
-              <a:t>This diagonal correlation structure was evident in both treatments.</a:t>
-            </a:r>
-            <a:endParaRPr lang="en-US" sz="2400" noProof="0" dirty="0"/>
-          </a:p>
-        </p:txBody>
-      </p:sp>
-      <p:sp>
-        <p:nvSpPr>
-          <p:cNvPr id="56" name="Textfeld 55">
+            <a:pPr algn="just"/>
+            <a:endParaRPr lang="en-US" sz="800" dirty="0">
+              <a:latin typeface="Source Sans Pro" panose="020B0503030403020204" pitchFamily="34" charset="0"/>
+              <a:ea typeface="Source Sans Pro" panose="020B0503030403020204" pitchFamily="34" charset="0"/>
+            </a:endParaRPr>
+          </a:p>
+          <a:p>
+            <a:pPr algn="just"/>
+            <a:r>
+              <a:rPr lang="en-US" sz="2400" b="1" dirty="0">
+                <a:latin typeface="Source Sans Pro" panose="020B0503030403020204" pitchFamily="34" charset="0"/>
+                <a:ea typeface="Source Sans Pro" panose="020B0503030403020204" pitchFamily="34" charset="0"/>
+              </a:rPr>
+              <a:t>T-Test: </a:t>
+            </a:r>
+            <a:r>
+              <a:rPr lang="en-US" sz="2400" dirty="0">
+                <a:latin typeface="Source Sans Pro" panose="020B0503030403020204" pitchFamily="34" charset="0"/>
+                <a:ea typeface="Source Sans Pro" panose="020B0503030403020204" pitchFamily="34" charset="0"/>
+              </a:rPr>
+              <a:t>To statistically assess RNA dependence, we computed shift distances from </a:t>
+            </a:r>
+            <a:r>
+              <a:rPr lang="en-US" sz="2400" dirty="0" err="1">
+                <a:latin typeface="Source Sans Pro" panose="020B0503030403020204" pitchFamily="34" charset="0"/>
+                <a:ea typeface="Source Sans Pro" panose="020B0503030403020204" pitchFamily="34" charset="0"/>
+              </a:rPr>
+              <a:t>CoM</a:t>
+            </a:r>
+            <a:r>
+              <a:rPr lang="en-US" sz="2400" dirty="0">
+                <a:latin typeface="Source Sans Pro" panose="020B0503030403020204" pitchFamily="34" charset="0"/>
+                <a:ea typeface="Source Sans Pro" panose="020B0503030403020204" pitchFamily="34" charset="0"/>
+              </a:rPr>
+              <a:t> values across all replicates. A Shapiro-Wilk test was performed to confirm normality. If normally distributed, a one-sided t-test was used to assess whether the mean shift exceeded 1. </a:t>
+            </a:r>
+          </a:p>
+        </p:txBody>
+      </p:sp>
+      <p:sp>
+        <p:nvSpPr>
+          <p:cNvPr id="75" name="Textfeld 74">
             <a:extLst>
               <a:ext uri="{FF2B5EF4-FFF2-40B4-BE49-F238E27FC236}">
-                <a16:creationId xmlns:a16="http://schemas.microsoft.com/office/drawing/2014/main" id="{7866C7D8-BD84-2809-E6DA-3A7BCF109C79}"/>
+                <a16:creationId xmlns:a16="http://schemas.microsoft.com/office/drawing/2014/main" id="{101E2DCB-9BAF-B230-73B5-03EC787A7D13}"/>
               </a:ext>
             </a:extLst>
           </p:cNvPr>
@@ -7742,8 +8994,8 @@
         </p:nvSpPr>
         <p:spPr>
           <a:xfrm>
-            <a:off x="6978285" y="11954804"/>
-            <a:ext cx="7415340" cy="646331"/>
+            <a:off x="854627" y="22746702"/>
+            <a:ext cx="5409583" cy="461665"/>
           </a:xfrm>
           <a:prstGeom prst="rect">
             <a:avLst/>
@@ -7756,399 +9008,79 @@
           </a:bodyPr>
           <a:lstStyle/>
           <a:p>
-            <a:r>
-              <a:rPr lang="de-DE" sz="1200" b="1" i="1" dirty="0"/>
-              <a:t>Fig. X </a:t>
-            </a:r>
-            <a:r>
-              <a:rPr lang="de-DE" sz="1200" b="1" i="1" dirty="0" err="1"/>
-              <a:t>Reproducibility</a:t>
-            </a:r>
-            <a:r>
-              <a:rPr lang="de-DE" sz="1200" b="1" i="1" dirty="0"/>
-              <a:t> </a:t>
-            </a:r>
-            <a:r>
-              <a:rPr lang="de-DE" sz="1200" b="1" i="1" dirty="0" err="1"/>
-              <a:t>heatmap</a:t>
-            </a:r>
-            <a:r>
-              <a:rPr lang="de-DE" sz="1200" b="1" i="1" dirty="0"/>
-              <a:t> (</a:t>
-            </a:r>
-            <a:r>
-              <a:rPr lang="de-DE" sz="1200" b="1" i="1" dirty="0" err="1"/>
-              <a:t>RNase</a:t>
-            </a:r>
-            <a:r>
-              <a:rPr lang="de-DE" sz="1200" b="1" i="1" dirty="0"/>
-              <a:t>, Spearman </a:t>
-            </a:r>
-            <a:r>
-              <a:rPr lang="de-DE" sz="1200" b="1" i="1" dirty="0" err="1"/>
-              <a:t>correlation</a:t>
-            </a:r>
-            <a:r>
-              <a:rPr lang="de-DE" sz="1200" b="1" i="1" dirty="0"/>
-              <a:t>): </a:t>
-            </a:r>
-            <a:r>
-              <a:rPr lang="de-DE" sz="1200" dirty="0" err="1"/>
-              <a:t>Heatmap</a:t>
-            </a:r>
-            <a:r>
-              <a:rPr lang="de-DE" sz="1200" dirty="0"/>
-              <a:t> </a:t>
-            </a:r>
-            <a:r>
-              <a:rPr lang="de-DE" sz="1200" dirty="0" err="1"/>
-              <a:t>displays</a:t>
-            </a:r>
-            <a:r>
-              <a:rPr lang="de-DE" sz="1200" dirty="0"/>
-              <a:t> </a:t>
-            </a:r>
-            <a:r>
-              <a:rPr lang="de-DE" sz="1200" dirty="0" err="1"/>
-              <a:t>pairwise</a:t>
-            </a:r>
-            <a:r>
-              <a:rPr lang="de-DE" sz="1200" dirty="0"/>
-              <a:t> Spearman </a:t>
-            </a:r>
-            <a:r>
-              <a:rPr lang="de-DE" sz="1200" dirty="0" err="1"/>
-              <a:t>correlation</a:t>
-            </a:r>
-            <a:r>
-              <a:rPr lang="de-DE" sz="1200" dirty="0"/>
-              <a:t> </a:t>
-            </a:r>
-            <a:r>
-              <a:rPr lang="de-DE" sz="1200" dirty="0" err="1"/>
-              <a:t>coefficients</a:t>
-            </a:r>
-            <a:r>
-              <a:rPr lang="de-DE" sz="1200" dirty="0"/>
-              <a:t> </a:t>
-            </a:r>
-            <a:r>
-              <a:rPr lang="de-DE" sz="1200" dirty="0" err="1"/>
-              <a:t>between</a:t>
-            </a:r>
-            <a:r>
-              <a:rPr lang="de-DE" sz="1200" dirty="0"/>
-              <a:t> all </a:t>
-            </a:r>
-            <a:r>
-              <a:rPr lang="de-DE" sz="1200" dirty="0" err="1"/>
-              <a:t>replicate</a:t>
-            </a:r>
-            <a:r>
-              <a:rPr lang="de-DE" sz="1200" dirty="0"/>
-              <a:t>–</a:t>
-            </a:r>
-            <a:r>
-              <a:rPr lang="de-DE" sz="1200" dirty="0" err="1"/>
-              <a:t>fraction</a:t>
-            </a:r>
-            <a:r>
-              <a:rPr lang="de-DE" sz="1200" dirty="0"/>
-              <a:t> </a:t>
-            </a:r>
-            <a:r>
-              <a:rPr lang="de-DE" sz="1200" dirty="0" err="1"/>
-              <a:t>combinations</a:t>
-            </a:r>
-            <a:r>
-              <a:rPr lang="de-DE" sz="1200" dirty="0"/>
-              <a:t> </a:t>
-            </a:r>
-            <a:r>
-              <a:rPr lang="de-DE" sz="1200" dirty="0" err="1"/>
-              <a:t>under</a:t>
-            </a:r>
-            <a:r>
-              <a:rPr lang="de-DE" sz="1200" dirty="0"/>
-              <a:t> </a:t>
-            </a:r>
-            <a:r>
-              <a:rPr lang="de-DE" sz="1200" dirty="0" err="1"/>
-              <a:t>RNase</a:t>
-            </a:r>
-            <a:r>
-              <a:rPr lang="de-DE" sz="1200" dirty="0"/>
-              <a:t> </a:t>
-            </a:r>
-            <a:r>
-              <a:rPr lang="de-DE" sz="1200" dirty="0" err="1"/>
-              <a:t>treatment</a:t>
-            </a:r>
-            <a:r>
-              <a:rPr lang="de-DE" sz="1200" dirty="0"/>
-              <a:t>. High </a:t>
-            </a:r>
-            <a:r>
-              <a:rPr lang="de-DE" sz="1200" dirty="0" err="1"/>
-              <a:t>correlations</a:t>
-            </a:r>
-            <a:r>
-              <a:rPr lang="de-DE" sz="1200" dirty="0"/>
-              <a:t> </a:t>
-            </a:r>
-            <a:r>
-              <a:rPr lang="de-DE" sz="1200" dirty="0" err="1"/>
-              <a:t>within</a:t>
-            </a:r>
-            <a:r>
-              <a:rPr lang="de-DE" sz="1200" dirty="0"/>
-              <a:t> 3×3 diagonal </a:t>
-            </a:r>
-            <a:r>
-              <a:rPr lang="de-DE" sz="1200" dirty="0" err="1"/>
-              <a:t>blocks</a:t>
-            </a:r>
-            <a:r>
-              <a:rPr lang="de-DE" sz="1200" dirty="0"/>
-              <a:t> </a:t>
-            </a:r>
-            <a:r>
-              <a:rPr lang="de-DE" sz="1200" dirty="0" err="1"/>
-              <a:t>indicate</a:t>
-            </a:r>
-            <a:r>
-              <a:rPr lang="de-DE" sz="1200" dirty="0"/>
-              <a:t> strong </a:t>
-            </a:r>
-            <a:r>
-              <a:rPr lang="de-DE" sz="1200" dirty="0" err="1"/>
-              <a:t>reproducibility</a:t>
-            </a:r>
-            <a:r>
-              <a:rPr lang="de-DE" sz="1200" dirty="0"/>
-              <a:t> </a:t>
-            </a:r>
-            <a:r>
-              <a:rPr lang="de-DE" sz="1200" dirty="0" err="1"/>
-              <a:t>across</a:t>
-            </a:r>
-            <a:r>
-              <a:rPr lang="de-DE" sz="1200" dirty="0"/>
-              <a:t> </a:t>
-            </a:r>
-            <a:r>
-              <a:rPr lang="de-DE" sz="1200" dirty="0" err="1"/>
-              <a:t>corresponding</a:t>
-            </a:r>
-            <a:r>
-              <a:rPr lang="de-DE" sz="1200" dirty="0"/>
-              <a:t> </a:t>
-            </a:r>
-            <a:r>
-              <a:rPr lang="de-DE" sz="1200" dirty="0" err="1"/>
-              <a:t>fractions</a:t>
-            </a:r>
-            <a:r>
-              <a:rPr lang="de-DE" sz="1200" dirty="0"/>
-              <a:t>.</a:t>
-            </a:r>
-            <a:endParaRPr lang="en-US" sz="1200" i="1" noProof="0" dirty="0">
-              <a:latin typeface="Source Sans Pro" panose="020B0503030403020204" pitchFamily="34" charset="0"/>
-              <a:ea typeface="Source Sans Pro" panose="020B0503030403020204" pitchFamily="34" charset="0"/>
-            </a:endParaRPr>
-          </a:p>
-        </p:txBody>
-      </p:sp>
-      <p:sp>
-        <p:nvSpPr>
-          <p:cNvPr id="73" name="Rectangle 72">
+            <a:pPr algn="just"/>
+            <a:r>
+              <a:rPr lang="en-US" sz="1200" b="1" i="1" dirty="0">
+                <a:latin typeface="Source Sans Pro" panose="020B0503030403020204" pitchFamily="34" charset="0"/>
+                <a:ea typeface="Source Sans Pro" panose="020B0503030403020204" pitchFamily="34" charset="0"/>
+              </a:rPr>
+              <a:t>Fig</a:t>
+            </a:r>
+            <a:r>
+              <a:rPr lang="en-US" sz="1200" b="1" i="1" noProof="0" dirty="0">
+                <a:latin typeface="Source Sans Pro" panose="020B0503030403020204" pitchFamily="34" charset="0"/>
+                <a:ea typeface="Source Sans Pro" panose="020B0503030403020204" pitchFamily="34" charset="0"/>
+              </a:rPr>
+              <a:t>. X </a:t>
+            </a:r>
+            <a:r>
+              <a:rPr lang="en-US" sz="1200" b="1" i="1" dirty="0">
+                <a:latin typeface="Source Sans Pro" panose="020B0503030403020204" pitchFamily="34" charset="0"/>
+                <a:ea typeface="Source Sans Pro" panose="020B0503030403020204" pitchFamily="34" charset="0"/>
+              </a:rPr>
+              <a:t>Visual Presentation of T-Test Results</a:t>
+            </a:r>
+            <a:r>
+              <a:rPr lang="en-US" sz="1200" b="1" i="1" noProof="0" dirty="0">
+                <a:latin typeface="Source Sans Pro" panose="020B0503030403020204" pitchFamily="34" charset="0"/>
+                <a:ea typeface="Source Sans Pro" panose="020B0503030403020204" pitchFamily="34" charset="0"/>
+              </a:rPr>
+              <a:t>: </a:t>
+            </a:r>
+            <a:r>
+              <a:rPr lang="en-US" sz="1200" i="1" noProof="0" dirty="0">
+                <a:latin typeface="Source Sans Pro" panose="020B0503030403020204" pitchFamily="34" charset="0"/>
+                <a:ea typeface="Source Sans Pro" panose="020B0503030403020204" pitchFamily="34" charset="0"/>
+              </a:rPr>
+              <a:t>Using a scatterplot of </a:t>
+            </a:r>
+            <a:r>
+              <a:rPr lang="en-US" sz="1200" i="1" noProof="0" dirty="0" err="1">
+                <a:latin typeface="Source Sans Pro" panose="020B0503030403020204" pitchFamily="34" charset="0"/>
+                <a:ea typeface="Source Sans Pro" panose="020B0503030403020204" pitchFamily="34" charset="0"/>
+              </a:rPr>
+              <a:t>CoM</a:t>
+            </a:r>
+            <a:r>
+              <a:rPr lang="en-US" sz="1200" i="1" noProof="0" dirty="0">
+                <a:latin typeface="Source Sans Pro" panose="020B0503030403020204" pitchFamily="34" charset="0"/>
+                <a:ea typeface="Source Sans Pro" panose="020B0503030403020204" pitchFamily="34" charset="0"/>
+              </a:rPr>
+              <a:t>-Ctrl and </a:t>
+            </a:r>
+            <a:r>
+              <a:rPr lang="en-US" sz="1200" i="1" noProof="0" dirty="0" err="1">
+                <a:latin typeface="Source Sans Pro" panose="020B0503030403020204" pitchFamily="34" charset="0"/>
+                <a:ea typeface="Source Sans Pro" panose="020B0503030403020204" pitchFamily="34" charset="0"/>
+              </a:rPr>
+              <a:t>CoM</a:t>
+            </a:r>
+            <a:r>
+              <a:rPr lang="en-US" sz="1200" i="1" noProof="0" dirty="0">
+                <a:latin typeface="Source Sans Pro" panose="020B0503030403020204" pitchFamily="34" charset="0"/>
+                <a:ea typeface="Source Sans Pro" panose="020B0503030403020204" pitchFamily="34" charset="0"/>
+              </a:rPr>
+              <a:t>-RNase to visualize shift distance and  direction.</a:t>
+            </a:r>
+          </a:p>
+        </p:txBody>
+      </p:sp>
+      <p:sp>
+        <p:nvSpPr>
+          <p:cNvPr id="76" name="Textfeld 75">
             <a:extLst>
               <a:ext uri="{FF2B5EF4-FFF2-40B4-BE49-F238E27FC236}">
-                <a16:creationId xmlns:a16="http://schemas.microsoft.com/office/drawing/2014/main" id="{497B7107-C6F9-BC8E-32F9-4EB58EBC3122}"/>
-              </a:ext>
-            </a:extLst>
-          </p:cNvPr>
-          <p:cNvSpPr/>
-          <p:nvPr/>
-        </p:nvSpPr>
-        <p:spPr>
-          <a:xfrm>
-            <a:off x="22687042" y="26194178"/>
-            <a:ext cx="6776884" cy="5105981"/>
-          </a:xfrm>
-          <a:prstGeom prst="rect">
-            <a:avLst/>
-          </a:prstGeom>
-          <a:solidFill>
-            <a:schemeClr val="bg1"/>
-          </a:solidFill>
-          <a:ln>
-            <a:noFill/>
-          </a:ln>
-        </p:spPr>
-        <p:style>
-          <a:lnRef idx="2">
-            <a:schemeClr val="accent1">
-              <a:shade val="15000"/>
-            </a:schemeClr>
-          </a:lnRef>
-          <a:fillRef idx="1">
-            <a:schemeClr val="accent1"/>
-          </a:fillRef>
-          <a:effectRef idx="0">
-            <a:schemeClr val="accent1"/>
-          </a:effectRef>
-          <a:fontRef idx="minor">
-            <a:schemeClr val="lt1"/>
-          </a:fontRef>
-        </p:style>
-        <p:txBody>
-          <a:bodyPr rtlCol="0" anchor="t"/>
-          <a:lstStyle/>
-          <a:p>
-            <a:pPr algn="r"/>
-            <a:endParaRPr lang="en-GB" sz="3600" dirty="0">
-              <a:solidFill>
-                <a:schemeClr val="tx1"/>
-              </a:solidFill>
-            </a:endParaRPr>
-          </a:p>
-        </p:txBody>
-      </p:sp>
-      <p:pic>
-        <p:nvPicPr>
-          <p:cNvPr id="72" name="Picture 71" descr="A screenshot of a video game&#10;&#10;AI-generated content may be incorrect.">
-            <a:extLst>
-              <a:ext uri="{FF2B5EF4-FFF2-40B4-BE49-F238E27FC236}">
-                <a16:creationId xmlns:a16="http://schemas.microsoft.com/office/drawing/2014/main" id="{08B70003-AD1E-4701-456D-41507D8EABB7}"/>
-              </a:ext>
-            </a:extLst>
-          </p:cNvPr>
-          <p:cNvPicPr>
-            <a:picLocks noChangeAspect="1"/>
-          </p:cNvPicPr>
-          <p:nvPr/>
-        </p:nvPicPr>
-        <p:blipFill>
-          <a:blip r:embed="rId17">
-            <a:extLst>
-              <a:ext uri="{28A0092B-C50C-407E-A947-70E740481C1C}">
-                <a14:useLocalDpi xmlns:a14="http://schemas.microsoft.com/office/drawing/2010/main" val="0"/>
-              </a:ext>
-            </a:extLst>
-          </a:blip>
-          <a:stretch>
-            <a:fillRect/>
-          </a:stretch>
-        </p:blipFill>
-        <p:spPr>
-          <a:xfrm>
-            <a:off x="22656645" y="26246968"/>
-            <a:ext cx="6611709" cy="4958783"/>
-          </a:xfrm>
-          <a:prstGeom prst="rect">
-            <a:avLst/>
-          </a:prstGeom>
-        </p:spPr>
-      </p:pic>
-      <p:sp>
-        <p:nvSpPr>
-          <p:cNvPr id="14" name="Rectangle 13">
-            <a:extLst>
-              <a:ext uri="{FF2B5EF4-FFF2-40B4-BE49-F238E27FC236}">
-                <a16:creationId xmlns:a16="http://schemas.microsoft.com/office/drawing/2014/main" id="{AB754934-85BC-3E41-3BC6-0759F2D51BE4}"/>
-              </a:ext>
-            </a:extLst>
-          </p:cNvPr>
-          <p:cNvSpPr/>
-          <p:nvPr/>
-        </p:nvSpPr>
-        <p:spPr>
-          <a:xfrm>
-            <a:off x="15709390" y="32900676"/>
-            <a:ext cx="5005853" cy="3811211"/>
-          </a:xfrm>
-          <a:prstGeom prst="rect">
-            <a:avLst/>
-          </a:prstGeom>
-          <a:solidFill>
-            <a:schemeClr val="bg1"/>
-          </a:solidFill>
-          <a:ln>
-            <a:noFill/>
-          </a:ln>
-        </p:spPr>
-        <p:style>
-          <a:lnRef idx="2">
-            <a:schemeClr val="accent1">
-              <a:shade val="15000"/>
-            </a:schemeClr>
-          </a:lnRef>
-          <a:fillRef idx="1">
-            <a:schemeClr val="accent1"/>
-          </a:fillRef>
-          <a:effectRef idx="0">
-            <a:schemeClr val="accent1"/>
-          </a:effectRef>
-          <a:fontRef idx="minor">
-            <a:schemeClr val="lt1"/>
-          </a:fontRef>
-        </p:style>
-        <p:txBody>
-          <a:bodyPr rtlCol="0" anchor="t"/>
-          <a:lstStyle/>
-          <a:p>
-            <a:pPr algn="r"/>
-            <a:endParaRPr lang="en-GB" sz="3600" dirty="0">
-              <a:solidFill>
-                <a:schemeClr val="tx1"/>
-              </a:solidFill>
-            </a:endParaRPr>
-          </a:p>
-        </p:txBody>
-      </p:sp>
-      <p:pic>
-        <p:nvPicPr>
-          <p:cNvPr id="68" name="Picture 67" descr="A yellow and orange squares&#10;&#10;AI-generated content may be incorrect.">
-            <a:extLst>
-              <a:ext uri="{FF2B5EF4-FFF2-40B4-BE49-F238E27FC236}">
-                <a16:creationId xmlns:a16="http://schemas.microsoft.com/office/drawing/2014/main" id="{288F68B4-DDA1-2EEB-9F23-81C0A0F5FDB5}"/>
-              </a:ext>
-            </a:extLst>
-          </p:cNvPr>
-          <p:cNvPicPr>
-            <a:picLocks noChangeAspect="1"/>
-          </p:cNvPicPr>
-          <p:nvPr/>
-        </p:nvPicPr>
-        <p:blipFill>
-          <a:blip r:embed="rId18">
-            <a:extLst>
-              <a:ext uri="{28A0092B-C50C-407E-A947-70E740481C1C}">
-                <a14:useLocalDpi xmlns:a14="http://schemas.microsoft.com/office/drawing/2010/main" val="0"/>
-              </a:ext>
-            </a:extLst>
-          </a:blip>
-          <a:stretch>
-            <a:fillRect/>
-          </a:stretch>
-        </p:blipFill>
-        <p:spPr>
-          <a:xfrm>
-            <a:off x="15857545" y="32949588"/>
-            <a:ext cx="4857698" cy="3643274"/>
-          </a:xfrm>
-          <a:prstGeom prst="rect">
-            <a:avLst/>
-          </a:prstGeom>
-        </p:spPr>
-      </p:pic>
-      <p:sp>
-        <p:nvSpPr>
-          <p:cNvPr id="46" name="Textfeld 48">
-            <a:extLst>
-              <a:ext uri="{FF2B5EF4-FFF2-40B4-BE49-F238E27FC236}">
-                <a16:creationId xmlns:a16="http://schemas.microsoft.com/office/drawing/2014/main" id="{09012934-17D9-9E1F-A0A5-E6B32DB352BC}"/>
+                <a16:creationId xmlns:a16="http://schemas.microsoft.com/office/drawing/2014/main" id="{62FA6F87-8F7A-9640-E584-F8B78E4341C9}"/>
               </a:ext>
             </a:extLst>
           </p:cNvPr>
@@ -8157,8 +9089,8 @@
         </p:nvSpPr>
         <p:spPr>
           <a:xfrm>
-            <a:off x="15360712" y="26807152"/>
-            <a:ext cx="7670217" cy="5909310"/>
+            <a:off x="6462073" y="20805737"/>
+            <a:ext cx="3494467" cy="2585323"/>
           </a:xfrm>
           <a:prstGeom prst="rect">
             <a:avLst/>
@@ -8173,183 +9105,80 @@
           <a:p>
             <a:pPr algn="just"/>
             <a:r>
-              <a:rPr lang="en-GB" sz="2400" b="1" dirty="0">
-                <a:latin typeface="Source Sans Pro" panose="020B0503030403020204" pitchFamily="34" charset="0"/>
-                <a:ea typeface="Source Sans Pro" panose="020B0503030403020204" pitchFamily="34" charset="0"/>
-              </a:rPr>
-              <a:t>DBSCAN :</a:t>
-            </a:r>
-          </a:p>
-          <a:p>
-            <a:r>
-              <a:rPr lang="en-GB" sz="2400" dirty="0"/>
-              <a:t>is a clustering algorithm that can classify points in low-density regions as it considers </a:t>
-            </a:r>
-            <a:r>
-              <a:rPr lang="en-GB" sz="2400" b="1" dirty="0"/>
-              <a:t>point density and distance</a:t>
-            </a:r>
-            <a:r>
-              <a:rPr lang="en-GB" sz="2400" dirty="0"/>
-              <a:t>.</a:t>
-            </a:r>
-          </a:p>
-          <a:p>
-            <a:r>
-              <a:rPr lang="en-GB" sz="2400" b="1" dirty="0"/>
-              <a:t>ε (epsilon):</a:t>
-            </a:r>
-            <a:r>
-              <a:rPr lang="en-GB" sz="2400" dirty="0"/>
-              <a:t> The maximum distance between two points to be considered </a:t>
-            </a:r>
-            <a:r>
-              <a:rPr lang="en-GB" sz="2400" dirty="0" err="1"/>
-              <a:t>neighbors</a:t>
-            </a:r>
-            <a:r>
-              <a:rPr lang="en-GB" sz="2400" dirty="0"/>
-              <a:t>.</a:t>
-            </a:r>
-          </a:p>
-          <a:p>
-            <a:pPr marL="800100" lvl="1" indent="-342900">
-              <a:buFont typeface="Arial" panose="020B0604020202020204" pitchFamily="34" charset="0"/>
-              <a:buChar char="•"/>
-            </a:pPr>
-            <a:r>
-              <a:rPr lang="en-GB" sz="2400" dirty="0"/>
-              <a:t>If ε </a:t>
-            </a:r>
-            <a:r>
-              <a:rPr lang="en-GB" sz="2400" b="1" dirty="0"/>
-              <a:t>low </a:t>
-            </a:r>
-            <a:r>
-              <a:rPr lang="en-GB" sz="2400" dirty="0"/>
-              <a:t>=&gt; most points are classified as noise.</a:t>
-            </a:r>
-          </a:p>
-          <a:p>
-            <a:pPr marL="800100" lvl="1" indent="-342900">
-              <a:buFont typeface="Arial" panose="020B0604020202020204" pitchFamily="34" charset="0"/>
-              <a:buChar char="•"/>
-            </a:pPr>
-            <a:r>
-              <a:rPr lang="en-GB" sz="2400" dirty="0"/>
-              <a:t>If ε </a:t>
-            </a:r>
-            <a:r>
-              <a:rPr lang="en-GB" sz="2400" b="1" dirty="0"/>
-              <a:t>high </a:t>
-            </a:r>
-            <a:r>
-              <a:rPr lang="en-GB" sz="2400" dirty="0"/>
-              <a:t>=&gt; noise points may form a single large, meaningless cluster.</a:t>
-            </a:r>
-          </a:p>
-          <a:p>
-            <a:pPr lvl="1"/>
-            <a:r>
-              <a:rPr lang="en-GB" sz="2400" b="1" dirty="0" err="1"/>
-              <a:t>MinPts</a:t>
-            </a:r>
-            <a:r>
-              <a:rPr lang="en-GB" sz="2400" b="1" dirty="0"/>
-              <a:t>:</a:t>
-            </a:r>
-            <a:r>
-              <a:rPr lang="en-GB" sz="2400" dirty="0"/>
-              <a:t> The minimum number of </a:t>
-            </a:r>
-            <a:r>
-              <a:rPr lang="en-GB" sz="2400" dirty="0" err="1"/>
-              <a:t>neighbors</a:t>
-            </a:r>
-            <a:r>
-              <a:rPr lang="en-GB" sz="2400" dirty="0"/>
-              <a:t> (within ε distance) required to form a </a:t>
-            </a:r>
-            <a:r>
-              <a:rPr lang="en-GB" sz="2400" b="1" dirty="0"/>
-              <a:t>core point, border points</a:t>
-            </a:r>
-            <a:r>
-              <a:rPr lang="en-GB" sz="2400" dirty="0"/>
-              <a:t> are those within ε of a core point.</a:t>
-            </a:r>
-          </a:p>
-          <a:p>
-            <a:pPr marL="800100" lvl="1" indent="-342900">
-              <a:buFont typeface="Arial" panose="020B0604020202020204" pitchFamily="34" charset="0"/>
-              <a:buChar char="•"/>
-            </a:pPr>
-            <a:r>
-              <a:rPr lang="en-GB" sz="2400" dirty="0"/>
-              <a:t>If </a:t>
-            </a:r>
-            <a:r>
-              <a:rPr lang="en-GB" sz="2400" dirty="0" err="1"/>
-              <a:t>MinPts</a:t>
-            </a:r>
-            <a:r>
-              <a:rPr lang="en-GB" sz="2400" dirty="0"/>
-              <a:t>  </a:t>
-            </a:r>
-            <a:r>
-              <a:rPr lang="en-GB" sz="2400" b="1" dirty="0"/>
-              <a:t>low</a:t>
-            </a:r>
-            <a:r>
-              <a:rPr lang="en-GB" sz="2400" dirty="0">
-                <a:solidFill>
-                  <a:srgbClr val="B22F28"/>
-                </a:solidFill>
-              </a:rPr>
-              <a:t> </a:t>
-            </a:r>
-            <a:r>
-              <a:rPr lang="en-GB" sz="2400" dirty="0"/>
-              <a:t>=&gt;  isolated points can form clusters.</a:t>
-            </a:r>
-          </a:p>
-          <a:p>
-            <a:pPr marL="800100" lvl="1" indent="-342900">
-              <a:buFont typeface="Arial" panose="020B0604020202020204" pitchFamily="34" charset="0"/>
-              <a:buChar char="•"/>
-            </a:pPr>
-            <a:r>
-              <a:rPr lang="en-GB" sz="2400" dirty="0"/>
-              <a:t>If </a:t>
-            </a:r>
-            <a:r>
-              <a:rPr lang="en-GB" sz="2400" dirty="0" err="1"/>
-              <a:t>MinPts</a:t>
-            </a:r>
-            <a:r>
-              <a:rPr lang="en-GB" sz="2400" dirty="0"/>
-              <a:t>  </a:t>
-            </a:r>
-            <a:r>
-              <a:rPr lang="en-GB" sz="2400" b="1" dirty="0"/>
-              <a:t>high</a:t>
-            </a:r>
-            <a:r>
-              <a:rPr lang="en-GB" sz="2400" dirty="0"/>
-              <a:t> =&gt; large, dense clusters form, smaller ones are missed.</a:t>
-            </a:r>
-          </a:p>
-          <a:p>
-            <a:endParaRPr lang="en-US" noProof="0" dirty="0"/>
-          </a:p>
-        </p:txBody>
-      </p:sp>
-      <p:sp>
-        <p:nvSpPr>
-          <p:cNvPr id="52" name="Textfeld 48">
+              <a:rPr lang="en-US" sz="2400" dirty="0">
+                <a:latin typeface="Source Sans Pro" panose="020B0503030403020204" pitchFamily="34" charset="0"/>
+                <a:ea typeface="Source Sans Pro" panose="020B0503030403020204" pitchFamily="34" charset="0"/>
+              </a:rPr>
+              <a:t>Out of 7159 </a:t>
+            </a:r>
+            <a:r>
+              <a:rPr lang="en-US" sz="2400" dirty="0" err="1">
+                <a:latin typeface="Source Sans Pro" panose="020B0503030403020204" pitchFamily="34" charset="0"/>
+                <a:ea typeface="Source Sans Pro" panose="020B0503030403020204" pitchFamily="34" charset="0"/>
+              </a:rPr>
+              <a:t>analysed</a:t>
+            </a:r>
+            <a:r>
+              <a:rPr lang="en-US" sz="2400" dirty="0">
+                <a:latin typeface="Source Sans Pro" panose="020B0503030403020204" pitchFamily="34" charset="0"/>
+                <a:ea typeface="Source Sans Pro" panose="020B0503030403020204" pitchFamily="34" charset="0"/>
+              </a:rPr>
+              <a:t> Proteins, </a:t>
+            </a:r>
+            <a:r>
+              <a:rPr lang="en-US" sz="2400" b="1" dirty="0">
+                <a:latin typeface="Source Sans Pro" panose="020B0503030403020204" pitchFamily="34" charset="0"/>
+                <a:ea typeface="Source Sans Pro" panose="020B0503030403020204" pitchFamily="34" charset="0"/>
+              </a:rPr>
+              <a:t>794 </a:t>
+            </a:r>
+            <a:r>
+              <a:rPr lang="en-US" sz="2400" b="1" dirty="0" err="1">
+                <a:latin typeface="Source Sans Pro" panose="020B0503030403020204" pitchFamily="34" charset="0"/>
+                <a:ea typeface="Source Sans Pro" panose="020B0503030403020204" pitchFamily="34" charset="0"/>
+              </a:rPr>
+              <a:t>exihibited</a:t>
+            </a:r>
+            <a:r>
+              <a:rPr lang="en-US" sz="2400" b="1" dirty="0">
+                <a:latin typeface="Source Sans Pro" panose="020B0503030403020204" pitchFamily="34" charset="0"/>
+                <a:ea typeface="Source Sans Pro" panose="020B0503030403020204" pitchFamily="34" charset="0"/>
+              </a:rPr>
+              <a:t> a significant left shift </a:t>
+            </a:r>
+            <a:r>
+              <a:rPr lang="en-US" sz="2400" dirty="0">
+                <a:latin typeface="Source Sans Pro" panose="020B0503030403020204" pitchFamily="34" charset="0"/>
+                <a:ea typeface="Source Sans Pro" panose="020B0503030403020204" pitchFamily="34" charset="0"/>
+              </a:rPr>
+              <a:t>with RNase Treatment and where classified as RBPs (RNA-</a:t>
+            </a:r>
+            <a:r>
+              <a:rPr lang="en-US" sz="2400" dirty="0" err="1">
+                <a:latin typeface="Source Sans Pro" panose="020B0503030403020204" pitchFamily="34" charset="0"/>
+                <a:ea typeface="Source Sans Pro" panose="020B0503030403020204" pitchFamily="34" charset="0"/>
+              </a:rPr>
+              <a:t>dependend</a:t>
+            </a:r>
+            <a:r>
+              <a:rPr lang="en-US" sz="2400" dirty="0">
+                <a:latin typeface="Source Sans Pro" panose="020B0503030403020204" pitchFamily="34" charset="0"/>
+                <a:ea typeface="Source Sans Pro" panose="020B0503030403020204" pitchFamily="34" charset="0"/>
+              </a:rPr>
+              <a:t>). </a:t>
+            </a:r>
+          </a:p>
+          <a:p>
+            <a:endParaRPr lang="en-US" dirty="0"/>
+          </a:p>
+        </p:txBody>
+      </p:sp>
+      <p:sp>
+        <p:nvSpPr>
+          <p:cNvPr id="77" name="Textfeld 76">
             <a:extLst>
               <a:ext uri="{FF2B5EF4-FFF2-40B4-BE49-F238E27FC236}">
-                <a16:creationId xmlns:a16="http://schemas.microsoft.com/office/drawing/2014/main" id="{0C9E6692-E493-9100-A3A2-2553EE851C05}"/>
+                <a16:creationId xmlns:a16="http://schemas.microsoft.com/office/drawing/2014/main" id="{5C42F6A0-88B6-A885-7C99-EAF2846BE389}"/>
               </a:ext>
             </a:extLst>
           </p:cNvPr>
@@ -8358,8 +9187,8 @@
         </p:nvSpPr>
         <p:spPr>
           <a:xfrm>
-            <a:off x="20715243" y="32092643"/>
-            <a:ext cx="10001633" cy="4216539"/>
+            <a:off x="831404" y="23359580"/>
+            <a:ext cx="9214407" cy="461665"/>
           </a:xfrm>
           <a:prstGeom prst="rect">
             <a:avLst/>
@@ -8374,250 +9203,32 @@
           <a:p>
             <a:pPr algn="just"/>
             <a:r>
-              <a:rPr lang="en-US" sz="2400" b="1" noProof="0" dirty="0">
-                <a:latin typeface="Source Sans Pro" panose="020B0503030403020204" pitchFamily="34" charset="0"/>
-                <a:ea typeface="Source Sans Pro" panose="020B0503030403020204" pitchFamily="34" charset="0"/>
-              </a:rPr>
-              <a:t>Statistical Analysis</a:t>
-            </a:r>
-          </a:p>
-          <a:p>
-            <a:pPr algn="just"/>
-            <a:endParaRPr lang="en-US" sz="1000" noProof="0" dirty="0">
-              <a:latin typeface="Source Sans Pro" panose="020B0503030403020204" pitchFamily="34" charset="0"/>
-              <a:ea typeface="Source Sans Pro" panose="020B0503030403020204" pitchFamily="34" charset="0"/>
-            </a:endParaRPr>
-          </a:p>
-          <a:p>
-            <a:pPr algn="just"/>
-            <a:r>
-              <a:rPr lang="en-US" sz="2400" noProof="0" dirty="0">
-                <a:latin typeface="Source Sans Pro" panose="020B0503030403020204" pitchFamily="34" charset="0"/>
-                <a:ea typeface="Source Sans Pro" panose="020B0503030403020204" pitchFamily="34" charset="0"/>
-              </a:rPr>
-              <a:t>In order to </a:t>
-            </a:r>
-            <a:r>
-              <a:rPr lang="en-US" sz="2400" noProof="0" dirty="0" err="1">
-                <a:latin typeface="Source Sans Pro" panose="020B0503030403020204" pitchFamily="34" charset="0"/>
-                <a:ea typeface="Source Sans Pro" panose="020B0503030403020204" pitchFamily="34" charset="0"/>
-              </a:rPr>
-              <a:t>cualitativly</a:t>
-            </a:r>
-            <a:r>
-              <a:rPr lang="en-US" sz="2400" noProof="0" dirty="0">
-                <a:latin typeface="Source Sans Pro" panose="020B0503030403020204" pitchFamily="34" charset="0"/>
-                <a:ea typeface="Source Sans Pro" panose="020B0503030403020204" pitchFamily="34" charset="0"/>
-              </a:rPr>
-              <a:t> validate the efficiency in clustering of </a:t>
-            </a:r>
-          </a:p>
-          <a:p>
-            <a:pPr algn="just"/>
-            <a:r>
-              <a:rPr lang="en-US" sz="2400" noProof="0" dirty="0">
-                <a:latin typeface="Source Sans Pro" panose="020B0503030403020204" pitchFamily="34" charset="0"/>
-                <a:ea typeface="Source Sans Pro" panose="020B0503030403020204" pitchFamily="34" charset="0"/>
-              </a:rPr>
-              <a:t>the two parameters we created a heatmap with a specific </a:t>
-            </a:r>
-            <a:r>
-              <a:rPr lang="en-US" sz="2400" b="1" noProof="0" dirty="0" err="1">
-                <a:latin typeface="Source Sans Pro" panose="020B0503030403020204" pitchFamily="34" charset="0"/>
-                <a:ea typeface="Source Sans Pro" panose="020B0503030403020204" pitchFamily="34" charset="0"/>
-              </a:rPr>
-              <a:t>sc</a:t>
+              <a:rPr lang="en-US" sz="2400" b="1" dirty="0">
+                <a:latin typeface="Source Sans Pro" panose="020B0503030403020204" pitchFamily="34" charset="0"/>
+                <a:ea typeface="Source Sans Pro" panose="020B0503030403020204" pitchFamily="34" charset="0"/>
+              </a:rPr>
+              <a:t>Validation of Test Results – Comparing with </a:t>
             </a:r>
             <a:r>
               <a:rPr lang="en-US" sz="2400" b="1" dirty="0" err="1">
                 <a:latin typeface="Source Sans Pro" panose="020B0503030403020204" pitchFamily="34" charset="0"/>
                 <a:ea typeface="Source Sans Pro" panose="020B0503030403020204" pitchFamily="34" charset="0"/>
               </a:rPr>
-              <a:t>oring</a:t>
-            </a:r>
-            <a:r>
-              <a:rPr lang="en-US" sz="2400" b="1" dirty="0">
-                <a:latin typeface="Source Sans Pro" panose="020B0503030403020204" pitchFamily="34" charset="0"/>
-                <a:ea typeface="Source Sans Pro" panose="020B0503030403020204" pitchFamily="34" charset="0"/>
-              </a:rPr>
-              <a:t> logic</a:t>
-            </a:r>
-          </a:p>
-          <a:p>
-            <a:pPr algn="just"/>
-            <a:endParaRPr lang="en-US" sz="2400" b="1" noProof="0" dirty="0">
-              <a:latin typeface="Source Sans Pro" panose="020B0503030403020204" pitchFamily="34" charset="0"/>
-              <a:ea typeface="Source Sans Pro" panose="020B0503030403020204" pitchFamily="34" charset="0"/>
-            </a:endParaRPr>
-          </a:p>
-          <a:p>
-            <a:pPr algn="just"/>
-            <a:r>
-              <a:rPr lang="en-US" sz="2400" noProof="0" dirty="0">
-                <a:latin typeface="Source Sans Pro" panose="020B0503030403020204" pitchFamily="34" charset="0"/>
-                <a:ea typeface="Source Sans Pro" panose="020B0503030403020204" pitchFamily="34" charset="0"/>
-              </a:rPr>
-              <a:t>And following Proteins (based on CORUM) </a:t>
-            </a:r>
-            <a:r>
-              <a:rPr lang="en-US" sz="2400" dirty="0">
-                <a:latin typeface="Source Sans Pro" panose="020B0503030403020204" pitchFamily="34" charset="0"/>
-                <a:ea typeface="Source Sans Pro" panose="020B0503030403020204" pitchFamily="34" charset="0"/>
-              </a:rPr>
-              <a:t>as … </a:t>
-            </a:r>
-          </a:p>
-          <a:p>
-            <a:pPr algn="just"/>
+              <a:t>UniProt</a:t>
+            </a:r>
             <a:endParaRPr lang="en-US" sz="2400" noProof="0" dirty="0">
               <a:latin typeface="Source Sans Pro" panose="020B0503030403020204" pitchFamily="34" charset="0"/>
               <a:ea typeface="Source Sans Pro" panose="020B0503030403020204" pitchFamily="34" charset="0"/>
             </a:endParaRPr>
           </a:p>
-          <a:p>
-            <a:pPr algn="just"/>
-            <a:r>
-              <a:rPr lang="en-US" sz="2400" dirty="0" err="1">
-                <a:latin typeface="Source Sans Pro" panose="020B0503030403020204" pitchFamily="34" charset="0"/>
-                <a:ea typeface="Source Sans Pro" panose="020B0503030403020204" pitchFamily="34" charset="0"/>
-              </a:rPr>
-              <a:t>Positv</a:t>
-            </a:r>
-            <a:r>
-              <a:rPr lang="en-US" sz="2400" dirty="0">
-                <a:latin typeface="Source Sans Pro" panose="020B0503030403020204" pitchFamily="34" charset="0"/>
-                <a:ea typeface="Source Sans Pro" panose="020B0503030403020204" pitchFamily="34" charset="0"/>
-              </a:rPr>
-              <a:t>  </a:t>
-            </a:r>
-            <a:r>
-              <a:rPr lang="en-US" sz="2400" dirty="0" err="1">
-                <a:latin typeface="Source Sans Pro" panose="020B0503030403020204" pitchFamily="34" charset="0"/>
-                <a:ea typeface="Source Sans Pro" panose="020B0503030403020204" pitchFamily="34" charset="0"/>
-              </a:rPr>
-              <a:t>Controll</a:t>
-            </a:r>
-            <a:r>
-              <a:rPr lang="en-US" sz="2400" dirty="0">
-                <a:latin typeface="Source Sans Pro" panose="020B0503030403020204" pitchFamily="34" charset="0"/>
-                <a:ea typeface="Source Sans Pro" panose="020B0503030403020204" pitchFamily="34" charset="0"/>
-              </a:rPr>
-              <a:t>:  Proteins from Complex XXX</a:t>
-            </a:r>
-          </a:p>
-          <a:p>
-            <a:pPr algn="just"/>
-            <a:endParaRPr lang="en-US" sz="2400" dirty="0">
-              <a:latin typeface="Source Sans Pro" panose="020B0503030403020204" pitchFamily="34" charset="0"/>
-              <a:ea typeface="Source Sans Pro" panose="020B0503030403020204" pitchFamily="34" charset="0"/>
-            </a:endParaRPr>
-          </a:p>
-          <a:p>
-            <a:pPr algn="just"/>
-            <a:r>
-              <a:rPr lang="en-US" sz="2400" dirty="0" err="1">
-                <a:latin typeface="Source Sans Pro" panose="020B0503030403020204" pitchFamily="34" charset="0"/>
-                <a:ea typeface="Source Sans Pro" panose="020B0503030403020204" pitchFamily="34" charset="0"/>
-              </a:rPr>
-              <a:t>Negativ</a:t>
-            </a:r>
-            <a:r>
-              <a:rPr lang="en-US" sz="2400" dirty="0">
-                <a:latin typeface="Source Sans Pro" panose="020B0503030403020204" pitchFamily="34" charset="0"/>
-                <a:ea typeface="Source Sans Pro" panose="020B0503030403020204" pitchFamily="34" charset="0"/>
-              </a:rPr>
-              <a:t> </a:t>
-            </a:r>
-            <a:r>
-              <a:rPr lang="en-US" sz="2400" dirty="0" err="1">
-                <a:latin typeface="Source Sans Pro" panose="020B0503030403020204" pitchFamily="34" charset="0"/>
-                <a:ea typeface="Source Sans Pro" panose="020B0503030403020204" pitchFamily="34" charset="0"/>
-              </a:rPr>
-              <a:t>Controll</a:t>
-            </a:r>
-            <a:r>
-              <a:rPr lang="en-US" sz="2400" dirty="0">
-                <a:latin typeface="Source Sans Pro" panose="020B0503030403020204" pitchFamily="34" charset="0"/>
-                <a:ea typeface="Source Sans Pro" panose="020B0503030403020204" pitchFamily="34" charset="0"/>
-              </a:rPr>
-              <a:t>:  </a:t>
-            </a:r>
-            <a:r>
-              <a:rPr lang="en-US" sz="2400" dirty="0" err="1">
-                <a:latin typeface="Source Sans Pro" panose="020B0503030403020204" pitchFamily="34" charset="0"/>
-                <a:ea typeface="Source Sans Pro" panose="020B0503030403020204" pitchFamily="34" charset="0"/>
-              </a:rPr>
-              <a:t>Prteins</a:t>
-            </a:r>
-            <a:r>
-              <a:rPr lang="en-US" sz="2400" dirty="0">
-                <a:latin typeface="Source Sans Pro" panose="020B0503030403020204" pitchFamily="34" charset="0"/>
-                <a:ea typeface="Source Sans Pro" panose="020B0503030403020204" pitchFamily="34" charset="0"/>
-              </a:rPr>
-              <a:t> X and Y </a:t>
-            </a:r>
-          </a:p>
-          <a:p>
-            <a:pPr algn="just"/>
-            <a:r>
-              <a:rPr lang="en-US" sz="2400" dirty="0">
-                <a:latin typeface="Source Sans Pro" panose="020B0503030403020204" pitchFamily="34" charset="0"/>
-                <a:ea typeface="Source Sans Pro" panose="020B0503030403020204" pitchFamily="34" charset="0"/>
-              </a:rPr>
-              <a:t> </a:t>
-            </a:r>
-            <a:endParaRPr lang="en-US" sz="2400" noProof="0" dirty="0">
-              <a:latin typeface="Source Sans Pro" panose="020B0503030403020204" pitchFamily="34" charset="0"/>
-              <a:ea typeface="Source Sans Pro" panose="020B0503030403020204" pitchFamily="34" charset="0"/>
-            </a:endParaRPr>
-          </a:p>
-          <a:p>
-            <a:endParaRPr lang="en-US" noProof="0" dirty="0"/>
-          </a:p>
-        </p:txBody>
-      </p:sp>
-      <p:pic>
-        <p:nvPicPr>
-          <p:cNvPr id="58" name="Grafik 57">
+        </p:txBody>
+      </p:sp>
+      <p:sp>
+        <p:nvSpPr>
+          <p:cNvPr id="78" name="Textfeld 77">
             <a:extLst>
               <a:ext uri="{FF2B5EF4-FFF2-40B4-BE49-F238E27FC236}">
-                <a16:creationId xmlns:a16="http://schemas.microsoft.com/office/drawing/2014/main" id="{A4E66611-3D6E-9A44-4656-502C42629693}"/>
-              </a:ext>
-            </a:extLst>
-          </p:cNvPr>
-          <p:cNvPicPr>
-            <a:picLocks noChangeAspect="1"/>
-          </p:cNvPicPr>
-          <p:nvPr/>
-        </p:nvPicPr>
-        <p:blipFill>
-          <a:blip r:embed="rId19">
-            <a:extLst>
-              <a:ext uri="{28A0092B-C50C-407E-A947-70E740481C1C}">
-                <a14:useLocalDpi xmlns:a14="http://schemas.microsoft.com/office/drawing/2010/main" val="0"/>
-              </a:ext>
-            </a:extLst>
-          </a:blip>
-          <a:stretch>
-            <a:fillRect/>
-          </a:stretch>
-        </p:blipFill>
-        <p:spPr>
-          <a:xfrm>
-            <a:off x="22074595" y="17620186"/>
-            <a:ext cx="6864416" cy="5148312"/>
-          </a:xfrm>
-          <a:prstGeom prst="rect">
-            <a:avLst/>
-          </a:prstGeom>
-        </p:spPr>
-      </p:pic>
-      <p:sp>
-        <p:nvSpPr>
-          <p:cNvPr id="36" name="Textfeld 35">
-            <a:extLst>
-              <a:ext uri="{FF2B5EF4-FFF2-40B4-BE49-F238E27FC236}">
-                <a16:creationId xmlns:a16="http://schemas.microsoft.com/office/drawing/2014/main" id="{F123235E-33F2-9698-09ED-DD83FD4F8AAD}"/>
+                <a16:creationId xmlns:a16="http://schemas.microsoft.com/office/drawing/2014/main" id="{1BC01E85-65DD-D5FE-439A-A2880E0980C3}"/>
               </a:ext>
             </a:extLst>
           </p:cNvPr>
@@ -8626,8 +9237,8 @@
         </p:nvSpPr>
         <p:spPr>
           <a:xfrm>
-            <a:off x="15633676" y="17652922"/>
-            <a:ext cx="6501830" cy="6370975"/>
+            <a:off x="6399324" y="23877546"/>
+            <a:ext cx="8137048" cy="1569660"/>
           </a:xfrm>
           <a:prstGeom prst="rect">
             <a:avLst/>
@@ -8640,47 +9251,398 @@
           </a:bodyPr>
           <a:lstStyle/>
           <a:p>
-            <a:r>
-              <a:rPr lang="de-DE" sz="2400" b="1" dirty="0" err="1"/>
-              <a:t>Comparative</a:t>
-            </a:r>
-            <a:r>
-              <a:rPr lang="de-DE" sz="2400" b="1" dirty="0"/>
-              <a:t> Shift Analysis</a:t>
-            </a:r>
-            <a:endParaRPr lang="en-US" sz="2400" b="1" dirty="0"/>
-          </a:p>
-          <a:p>
-            <a:r>
-              <a:rPr lang="en-US" sz="2400" dirty="0"/>
-              <a:t>To investigate RNA-binding protein (RBP) activity beyond mitosis, we applied the same shift analysis pipeline to non-synchronized HeLa cells. For each protein, shift distances were calculated using center of mass (</a:t>
-            </a:r>
-            <a:r>
-              <a:rPr lang="en-US" sz="2400" dirty="0" err="1"/>
-              <a:t>CoM</a:t>
-            </a:r>
-            <a:r>
-              <a:rPr lang="en-US" sz="2400" dirty="0"/>
-              <a:t>) values derived from normalized signal distributions across all replicates. Normality was evaluated using the Shapiro–Wilk test, and statistical significance was determined by a one-sided t-test against a defined threshold.</a:t>
-            </a:r>
-          </a:p>
-          <a:p>
-            <a:r>
-              <a:rPr lang="en-US" sz="2400" dirty="0"/>
-              <a:t>This scatterplot visualizes the resulting shift distances for each protein, comparing mitotic and non-synchronized conditions. Each point represents a protein and reflects its condition-specific RNA dependence. </a:t>
-            </a:r>
-          </a:p>
-          <a:p>
-            <a:endParaRPr lang="en-US" sz="2400" dirty="0"/>
-          </a:p>
-        </p:txBody>
-      </p:sp>
-      <p:sp>
-        <p:nvSpPr>
-          <p:cNvPr id="43" name="Textfeld 42">
+            <a:pPr algn="just"/>
+            <a:r>
+              <a:rPr lang="de-DE" sz="2400" dirty="0" err="1">
+                <a:latin typeface="Source Sans Pro" panose="020B0503030403020204" pitchFamily="34" charset="0"/>
+                <a:ea typeface="Source Sans Pro" panose="020B0503030403020204" pitchFamily="34" charset="0"/>
+              </a:rPr>
+              <a:t>We</a:t>
+            </a:r>
+            <a:r>
+              <a:rPr lang="de-DE" sz="2400" dirty="0">
+                <a:latin typeface="Source Sans Pro" panose="020B0503030403020204" pitchFamily="34" charset="0"/>
+                <a:ea typeface="Source Sans Pro" panose="020B0503030403020204" pitchFamily="34" charset="0"/>
+              </a:rPr>
+              <a:t> </a:t>
+            </a:r>
+            <a:r>
+              <a:rPr lang="de-DE" sz="2400" dirty="0" err="1">
+                <a:latin typeface="Source Sans Pro" panose="020B0503030403020204" pitchFamily="34" charset="0"/>
+                <a:ea typeface="Source Sans Pro" panose="020B0503030403020204" pitchFamily="34" charset="0"/>
+              </a:rPr>
+              <a:t>used</a:t>
+            </a:r>
+            <a:r>
+              <a:rPr lang="de-DE" sz="2400" dirty="0">
+                <a:latin typeface="Source Sans Pro" panose="020B0503030403020204" pitchFamily="34" charset="0"/>
+                <a:ea typeface="Source Sans Pro" panose="020B0503030403020204" pitchFamily="34" charset="0"/>
+              </a:rPr>
+              <a:t> </a:t>
+            </a:r>
+            <a:r>
+              <a:rPr lang="de-DE" sz="2400" dirty="0" err="1">
+                <a:latin typeface="Source Sans Pro" panose="020B0503030403020204" pitchFamily="34" charset="0"/>
+                <a:ea typeface="Source Sans Pro" panose="020B0503030403020204" pitchFamily="34" charset="0"/>
+              </a:rPr>
+              <a:t>UniProt</a:t>
+            </a:r>
+            <a:r>
+              <a:rPr lang="de-DE" sz="2400" dirty="0">
+                <a:latin typeface="Source Sans Pro" panose="020B0503030403020204" pitchFamily="34" charset="0"/>
+                <a:ea typeface="Source Sans Pro" panose="020B0503030403020204" pitchFamily="34" charset="0"/>
+              </a:rPr>
+              <a:t> </a:t>
+            </a:r>
+            <a:r>
+              <a:rPr lang="de-DE" sz="2400" dirty="0" err="1">
+                <a:latin typeface="Source Sans Pro" panose="020B0503030403020204" pitchFamily="34" charset="0"/>
+                <a:ea typeface="Source Sans Pro" panose="020B0503030403020204" pitchFamily="34" charset="0"/>
+              </a:rPr>
+              <a:t>as</a:t>
+            </a:r>
+            <a:r>
+              <a:rPr lang="de-DE" sz="2400" dirty="0">
+                <a:latin typeface="Source Sans Pro" panose="020B0503030403020204" pitchFamily="34" charset="0"/>
+                <a:ea typeface="Source Sans Pro" panose="020B0503030403020204" pitchFamily="34" charset="0"/>
+              </a:rPr>
+              <a:t> a </a:t>
+            </a:r>
+            <a:r>
+              <a:rPr lang="de-DE" sz="2400" dirty="0" err="1">
+                <a:latin typeface="Source Sans Pro" panose="020B0503030403020204" pitchFamily="34" charset="0"/>
+                <a:ea typeface="Source Sans Pro" panose="020B0503030403020204" pitchFamily="34" charset="0"/>
+              </a:rPr>
+              <a:t>reference</a:t>
+            </a:r>
+            <a:r>
+              <a:rPr lang="de-DE" sz="2400" dirty="0">
+                <a:latin typeface="Source Sans Pro" panose="020B0503030403020204" pitchFamily="34" charset="0"/>
+                <a:ea typeface="Source Sans Pro" panose="020B0503030403020204" pitchFamily="34" charset="0"/>
+              </a:rPr>
+              <a:t> </a:t>
+            </a:r>
+            <a:r>
+              <a:rPr lang="de-DE" sz="2400" dirty="0" err="1">
+                <a:latin typeface="Source Sans Pro" panose="020B0503030403020204" pitchFamily="34" charset="0"/>
+                <a:ea typeface="Source Sans Pro" panose="020B0503030403020204" pitchFamily="34" charset="0"/>
+              </a:rPr>
+              <a:t>to</a:t>
+            </a:r>
+            <a:r>
+              <a:rPr lang="de-DE" sz="2400" dirty="0">
+                <a:latin typeface="Source Sans Pro" panose="020B0503030403020204" pitchFamily="34" charset="0"/>
+                <a:ea typeface="Source Sans Pro" panose="020B0503030403020204" pitchFamily="34" charset="0"/>
+              </a:rPr>
+              <a:t> </a:t>
+            </a:r>
+            <a:r>
+              <a:rPr lang="de-DE" sz="2400" dirty="0" err="1">
+                <a:latin typeface="Source Sans Pro" panose="020B0503030403020204" pitchFamily="34" charset="0"/>
+                <a:ea typeface="Source Sans Pro" panose="020B0503030403020204" pitchFamily="34" charset="0"/>
+              </a:rPr>
+              <a:t>identify</a:t>
+            </a:r>
+            <a:r>
+              <a:rPr lang="de-DE" sz="2400" dirty="0">
+                <a:latin typeface="Source Sans Pro" panose="020B0503030403020204" pitchFamily="34" charset="0"/>
+                <a:ea typeface="Source Sans Pro" panose="020B0503030403020204" pitchFamily="34" charset="0"/>
+              </a:rPr>
+              <a:t> </a:t>
+            </a:r>
+            <a:r>
+              <a:rPr lang="de-DE" sz="2400" dirty="0" err="1">
+                <a:latin typeface="Source Sans Pro" panose="020B0503030403020204" pitchFamily="34" charset="0"/>
+                <a:ea typeface="Source Sans Pro" panose="020B0503030403020204" pitchFamily="34" charset="0"/>
+              </a:rPr>
+              <a:t>proteins</a:t>
+            </a:r>
+            <a:r>
+              <a:rPr lang="de-DE" sz="2400" dirty="0">
+                <a:latin typeface="Source Sans Pro" panose="020B0503030403020204" pitchFamily="34" charset="0"/>
+                <a:ea typeface="Source Sans Pro" panose="020B0503030403020204" pitchFamily="34" charset="0"/>
+              </a:rPr>
+              <a:t> </a:t>
+            </a:r>
+            <a:r>
+              <a:rPr lang="de-DE" sz="2400" dirty="0" err="1">
+                <a:latin typeface="Source Sans Pro" panose="020B0503030403020204" pitchFamily="34" charset="0"/>
+                <a:ea typeface="Source Sans Pro" panose="020B0503030403020204" pitchFamily="34" charset="0"/>
+              </a:rPr>
+              <a:t>previously</a:t>
+            </a:r>
+            <a:r>
+              <a:rPr lang="de-DE" sz="2400" dirty="0">
+                <a:latin typeface="Source Sans Pro" panose="020B0503030403020204" pitchFamily="34" charset="0"/>
+                <a:ea typeface="Source Sans Pro" panose="020B0503030403020204" pitchFamily="34" charset="0"/>
+              </a:rPr>
+              <a:t> </a:t>
+            </a:r>
+            <a:r>
+              <a:rPr lang="de-DE" sz="2400" dirty="0" err="1">
+                <a:latin typeface="Source Sans Pro" panose="020B0503030403020204" pitchFamily="34" charset="0"/>
+                <a:ea typeface="Source Sans Pro" panose="020B0503030403020204" pitchFamily="34" charset="0"/>
+              </a:rPr>
+              <a:t>annotated</a:t>
+            </a:r>
+            <a:r>
+              <a:rPr lang="de-DE" sz="2400" dirty="0">
+                <a:latin typeface="Source Sans Pro" panose="020B0503030403020204" pitchFamily="34" charset="0"/>
+                <a:ea typeface="Source Sans Pro" panose="020B0503030403020204" pitchFamily="34" charset="0"/>
+              </a:rPr>
+              <a:t> </a:t>
+            </a:r>
+            <a:r>
+              <a:rPr lang="de-DE" sz="2400" dirty="0" err="1">
+                <a:latin typeface="Source Sans Pro" panose="020B0503030403020204" pitchFamily="34" charset="0"/>
+                <a:ea typeface="Source Sans Pro" panose="020B0503030403020204" pitchFamily="34" charset="0"/>
+              </a:rPr>
+              <a:t>as</a:t>
+            </a:r>
+            <a:r>
+              <a:rPr lang="de-DE" sz="2400" dirty="0">
+                <a:latin typeface="Source Sans Pro" panose="020B0503030403020204" pitchFamily="34" charset="0"/>
+                <a:ea typeface="Source Sans Pro" panose="020B0503030403020204" pitchFamily="34" charset="0"/>
+              </a:rPr>
+              <a:t> RNA-</a:t>
+            </a:r>
+            <a:r>
+              <a:rPr lang="de-DE" sz="2400" dirty="0" err="1">
+                <a:latin typeface="Source Sans Pro" panose="020B0503030403020204" pitchFamily="34" charset="0"/>
+                <a:ea typeface="Source Sans Pro" panose="020B0503030403020204" pitchFamily="34" charset="0"/>
+              </a:rPr>
+              <a:t>binding</a:t>
+            </a:r>
+            <a:r>
+              <a:rPr lang="de-DE" sz="2400" dirty="0">
+                <a:latin typeface="Source Sans Pro" panose="020B0503030403020204" pitchFamily="34" charset="0"/>
+                <a:ea typeface="Source Sans Pro" panose="020B0503030403020204" pitchFamily="34" charset="0"/>
+              </a:rPr>
+              <a:t> </a:t>
+            </a:r>
+            <a:r>
+              <a:rPr lang="de-DE" sz="2400" dirty="0" err="1">
+                <a:latin typeface="Source Sans Pro" panose="020B0503030403020204" pitchFamily="34" charset="0"/>
+                <a:ea typeface="Source Sans Pro" panose="020B0503030403020204" pitchFamily="34" charset="0"/>
+              </a:rPr>
+              <a:t>or</a:t>
+            </a:r>
+            <a:r>
+              <a:rPr lang="de-DE" sz="2400" dirty="0">
+                <a:latin typeface="Source Sans Pro" panose="020B0503030403020204" pitchFamily="34" charset="0"/>
+                <a:ea typeface="Source Sans Pro" panose="020B0503030403020204" pitchFamily="34" charset="0"/>
+              </a:rPr>
+              <a:t> RNA-</a:t>
+            </a:r>
+            <a:r>
+              <a:rPr lang="de-DE" sz="2400" dirty="0" err="1">
+                <a:latin typeface="Source Sans Pro" panose="020B0503030403020204" pitchFamily="34" charset="0"/>
+                <a:ea typeface="Source Sans Pro" panose="020B0503030403020204" pitchFamily="34" charset="0"/>
+              </a:rPr>
+              <a:t>interacting</a:t>
+            </a:r>
+            <a:r>
+              <a:rPr lang="de-DE" sz="2400" dirty="0">
+                <a:latin typeface="Source Sans Pro" panose="020B0503030403020204" pitchFamily="34" charset="0"/>
+                <a:ea typeface="Source Sans Pro" panose="020B0503030403020204" pitchFamily="34" charset="0"/>
+              </a:rPr>
+              <a:t>. </a:t>
+            </a:r>
+            <a:r>
+              <a:rPr lang="de-DE" sz="2400" dirty="0" err="1">
+                <a:latin typeface="Source Sans Pro" panose="020B0503030403020204" pitchFamily="34" charset="0"/>
+                <a:ea typeface="Source Sans Pro" panose="020B0503030403020204" pitchFamily="34" charset="0"/>
+              </a:rPr>
+              <a:t>UniProt</a:t>
+            </a:r>
+            <a:r>
+              <a:rPr lang="de-DE" sz="2400" dirty="0">
+                <a:latin typeface="Source Sans Pro" panose="020B0503030403020204" pitchFamily="34" charset="0"/>
+                <a:ea typeface="Source Sans Pro" panose="020B0503030403020204" pitchFamily="34" charset="0"/>
+              </a:rPr>
+              <a:t> </a:t>
+            </a:r>
+            <a:r>
+              <a:rPr lang="de-DE" sz="2400" dirty="0" err="1">
+                <a:latin typeface="Source Sans Pro" panose="020B0503030403020204" pitchFamily="34" charset="0"/>
+                <a:ea typeface="Source Sans Pro" panose="020B0503030403020204" pitchFamily="34" charset="0"/>
+              </a:rPr>
+              <a:t>lists</a:t>
+            </a:r>
+            <a:r>
+              <a:rPr lang="de-DE" sz="2400" dirty="0">
+                <a:latin typeface="Source Sans Pro" panose="020B0503030403020204" pitchFamily="34" charset="0"/>
+                <a:ea typeface="Source Sans Pro" panose="020B0503030403020204" pitchFamily="34" charset="0"/>
+              </a:rPr>
+              <a:t> 3,114 human </a:t>
+            </a:r>
+            <a:r>
+              <a:rPr lang="de-DE" sz="2400" dirty="0" err="1">
+                <a:latin typeface="Source Sans Pro" panose="020B0503030403020204" pitchFamily="34" charset="0"/>
+                <a:ea typeface="Source Sans Pro" panose="020B0503030403020204" pitchFamily="34" charset="0"/>
+              </a:rPr>
+              <a:t>proteins</a:t>
+            </a:r>
+            <a:r>
+              <a:rPr lang="de-DE" sz="2400" dirty="0">
+                <a:latin typeface="Source Sans Pro" panose="020B0503030403020204" pitchFamily="34" charset="0"/>
+                <a:ea typeface="Source Sans Pro" panose="020B0503030403020204" pitchFamily="34" charset="0"/>
+              </a:rPr>
+              <a:t> </a:t>
+            </a:r>
+            <a:r>
+              <a:rPr lang="de-DE" sz="2400" dirty="0" err="1">
+                <a:latin typeface="Source Sans Pro" panose="020B0503030403020204" pitchFamily="34" charset="0"/>
+                <a:ea typeface="Source Sans Pro" panose="020B0503030403020204" pitchFamily="34" charset="0"/>
+              </a:rPr>
+              <a:t>with</a:t>
+            </a:r>
+            <a:r>
+              <a:rPr lang="de-DE" sz="2400" dirty="0">
+                <a:latin typeface="Source Sans Pro" panose="020B0503030403020204" pitchFamily="34" charset="0"/>
+                <a:ea typeface="Source Sans Pro" panose="020B0503030403020204" pitchFamily="34" charset="0"/>
+              </a:rPr>
+              <a:t> RNA-</a:t>
+            </a:r>
+            <a:r>
+              <a:rPr lang="de-DE" sz="2400" dirty="0" err="1">
+                <a:latin typeface="Source Sans Pro" panose="020B0503030403020204" pitchFamily="34" charset="0"/>
+                <a:ea typeface="Source Sans Pro" panose="020B0503030403020204" pitchFamily="34" charset="0"/>
+              </a:rPr>
+              <a:t>binding</a:t>
+            </a:r>
+            <a:r>
+              <a:rPr lang="de-DE" sz="2400" dirty="0">
+                <a:latin typeface="Source Sans Pro" panose="020B0503030403020204" pitchFamily="34" charset="0"/>
+                <a:ea typeface="Source Sans Pro" panose="020B0503030403020204" pitchFamily="34" charset="0"/>
+              </a:rPr>
+              <a:t> </a:t>
+            </a:r>
+            <a:r>
+              <a:rPr lang="de-DE" sz="2400" dirty="0" err="1">
+                <a:latin typeface="Source Sans Pro" panose="020B0503030403020204" pitchFamily="34" charset="0"/>
+                <a:ea typeface="Source Sans Pro" panose="020B0503030403020204" pitchFamily="34" charset="0"/>
+              </a:rPr>
+              <a:t>function</a:t>
+            </a:r>
+            <a:r>
+              <a:rPr lang="de-DE" sz="2400" dirty="0">
+                <a:latin typeface="Source Sans Pro" panose="020B0503030403020204" pitchFamily="34" charset="0"/>
+                <a:ea typeface="Source Sans Pro" panose="020B0503030403020204" pitchFamily="34" charset="0"/>
+              </a:rPr>
+              <a:t> </a:t>
+            </a:r>
+            <a:r>
+              <a:rPr lang="de-DE" sz="2400" dirty="0" err="1">
+                <a:latin typeface="Source Sans Pro" panose="020B0503030403020204" pitchFamily="34" charset="0"/>
+                <a:ea typeface="Source Sans Pro" panose="020B0503030403020204" pitchFamily="34" charset="0"/>
+              </a:rPr>
+              <a:t>based</a:t>
+            </a:r>
+            <a:r>
+              <a:rPr lang="de-DE" sz="2400" dirty="0">
+                <a:latin typeface="Source Sans Pro" panose="020B0503030403020204" pitchFamily="34" charset="0"/>
+                <a:ea typeface="Source Sans Pro" panose="020B0503030403020204" pitchFamily="34" charset="0"/>
+              </a:rPr>
+              <a:t> on experimental </a:t>
+            </a:r>
+            <a:r>
+              <a:rPr lang="de-DE" sz="2400" dirty="0" err="1">
+                <a:latin typeface="Source Sans Pro" panose="020B0503030403020204" pitchFamily="34" charset="0"/>
+                <a:ea typeface="Source Sans Pro" panose="020B0503030403020204" pitchFamily="34" charset="0"/>
+              </a:rPr>
+              <a:t>data</a:t>
+            </a:r>
+            <a:r>
+              <a:rPr lang="de-DE" sz="2400" dirty="0">
+                <a:latin typeface="Source Sans Pro" panose="020B0503030403020204" pitchFamily="34" charset="0"/>
+                <a:ea typeface="Source Sans Pro" panose="020B0503030403020204" pitchFamily="34" charset="0"/>
+              </a:rPr>
+              <a:t> and </a:t>
+            </a:r>
+            <a:r>
+              <a:rPr lang="de-DE" sz="2400" dirty="0" err="1">
+                <a:latin typeface="Source Sans Pro" panose="020B0503030403020204" pitchFamily="34" charset="0"/>
+                <a:ea typeface="Source Sans Pro" panose="020B0503030403020204" pitchFamily="34" charset="0"/>
+              </a:rPr>
+              <a:t>literature</a:t>
+            </a:r>
+            <a:r>
+              <a:rPr lang="de-DE" sz="2400" dirty="0">
+                <a:latin typeface="Source Sans Pro" panose="020B0503030403020204" pitchFamily="34" charset="0"/>
+                <a:ea typeface="Source Sans Pro" panose="020B0503030403020204" pitchFamily="34" charset="0"/>
+              </a:rPr>
+              <a:t>. </a:t>
+            </a:r>
+            <a:r>
+              <a:rPr lang="de-DE" sz="2400" dirty="0" err="1">
+                <a:latin typeface="Source Sans Pro" panose="020B0503030403020204" pitchFamily="34" charset="0"/>
+                <a:ea typeface="Source Sans Pro" panose="020B0503030403020204" pitchFamily="34" charset="0"/>
+              </a:rPr>
+              <a:t>Of</a:t>
+            </a:r>
+            <a:r>
+              <a:rPr lang="de-DE" sz="2400" dirty="0">
+                <a:latin typeface="Source Sans Pro" panose="020B0503030403020204" pitchFamily="34" charset="0"/>
+                <a:ea typeface="Source Sans Pro" panose="020B0503030403020204" pitchFamily="34" charset="0"/>
+              </a:rPr>
+              <a:t> </a:t>
+            </a:r>
+            <a:r>
+              <a:rPr lang="de-DE" sz="2400" dirty="0" err="1">
+                <a:latin typeface="Source Sans Pro" panose="020B0503030403020204" pitchFamily="34" charset="0"/>
+                <a:ea typeface="Source Sans Pro" panose="020B0503030403020204" pitchFamily="34" charset="0"/>
+              </a:rPr>
+              <a:t>these</a:t>
+            </a:r>
+            <a:r>
+              <a:rPr lang="de-DE" sz="2400" dirty="0">
+                <a:latin typeface="Source Sans Pro" panose="020B0503030403020204" pitchFamily="34" charset="0"/>
+                <a:ea typeface="Source Sans Pro" panose="020B0503030403020204" pitchFamily="34" charset="0"/>
+              </a:rPr>
+              <a:t>, 543 </a:t>
+            </a:r>
+            <a:r>
+              <a:rPr lang="de-DE" sz="2400" dirty="0" err="1">
+                <a:latin typeface="Source Sans Pro" panose="020B0503030403020204" pitchFamily="34" charset="0"/>
+                <a:ea typeface="Source Sans Pro" panose="020B0503030403020204" pitchFamily="34" charset="0"/>
+              </a:rPr>
+              <a:t>were</a:t>
+            </a:r>
+            <a:r>
+              <a:rPr lang="de-DE" sz="2400" dirty="0">
+                <a:latin typeface="Source Sans Pro" panose="020B0503030403020204" pitchFamily="34" charset="0"/>
+                <a:ea typeface="Source Sans Pro" panose="020B0503030403020204" pitchFamily="34" charset="0"/>
+              </a:rPr>
+              <a:t> </a:t>
+            </a:r>
+            <a:r>
+              <a:rPr lang="de-DE" sz="2400" dirty="0" err="1">
+                <a:latin typeface="Source Sans Pro" panose="020B0503030403020204" pitchFamily="34" charset="0"/>
+                <a:ea typeface="Source Sans Pro" panose="020B0503030403020204" pitchFamily="34" charset="0"/>
+              </a:rPr>
+              <a:t>present</a:t>
+            </a:r>
+            <a:r>
+              <a:rPr lang="de-DE" sz="2400" dirty="0">
+                <a:latin typeface="Source Sans Pro" panose="020B0503030403020204" pitchFamily="34" charset="0"/>
+                <a:ea typeface="Source Sans Pro" panose="020B0503030403020204" pitchFamily="34" charset="0"/>
+              </a:rPr>
+              <a:t> in</a:t>
+            </a:r>
+            <a:endParaRPr lang="en-US" sz="2400" dirty="0">
+              <a:latin typeface="Source Sans Pro" panose="020B0503030403020204" pitchFamily="34" charset="0"/>
+              <a:ea typeface="Source Sans Pro" panose="020B0503030403020204" pitchFamily="34" charset="0"/>
+            </a:endParaRPr>
+          </a:p>
+        </p:txBody>
+      </p:sp>
+      <p:sp>
+        <p:nvSpPr>
+          <p:cNvPr id="79" name="Textfeld 78">
             <a:extLst>
               <a:ext uri="{FF2B5EF4-FFF2-40B4-BE49-F238E27FC236}">
-                <a16:creationId xmlns:a16="http://schemas.microsoft.com/office/drawing/2014/main" id="{9C753B82-7F3B-08F2-D5CA-903A2F39B2EF}"/>
+                <a16:creationId xmlns:a16="http://schemas.microsoft.com/office/drawing/2014/main" id="{DAF0E2CF-C5A3-B867-D16C-A0C8A7781920}"/>
               </a:ext>
             </a:extLst>
           </p:cNvPr>
@@ -8689,8 +9651,8 @@
         </p:nvSpPr>
         <p:spPr>
           <a:xfrm>
-            <a:off x="21952883" y="22885382"/>
-            <a:ext cx="7107839" cy="1015663"/>
+            <a:off x="6399324" y="25343720"/>
+            <a:ext cx="4682178" cy="2308324"/>
           </a:xfrm>
           <a:prstGeom prst="rect">
             <a:avLst/>
@@ -8703,396 +9665,269 @@
           </a:bodyPr>
           <a:lstStyle/>
           <a:p>
-            <a:r>
-              <a:rPr lang="de-DE" sz="1200" b="1" dirty="0"/>
-              <a:t>Fig. X </a:t>
-            </a:r>
-            <a:r>
-              <a:rPr lang="de-DE" sz="1200" b="1" i="1" dirty="0" err="1"/>
-              <a:t>Comparative</a:t>
-            </a:r>
-            <a:r>
-              <a:rPr lang="de-DE" sz="1200" b="1" i="1" dirty="0"/>
-              <a:t> Shift Scatterplot (</a:t>
-            </a:r>
-            <a:r>
-              <a:rPr lang="de-DE" sz="1200" b="1" i="1" dirty="0" err="1"/>
-              <a:t>Mitosis</a:t>
-            </a:r>
-            <a:r>
-              <a:rPr lang="de-DE" sz="1200" b="1" i="1" dirty="0"/>
-              <a:t> vs. Non-</a:t>
-            </a:r>
-            <a:r>
-              <a:rPr lang="de-DE" sz="1200" b="1" i="1" dirty="0" err="1"/>
-              <a:t>Synchronized</a:t>
-            </a:r>
-            <a:r>
-              <a:rPr lang="de-DE" sz="1200" b="1" i="1" dirty="0"/>
-              <a:t>)</a:t>
-            </a:r>
-            <a:r>
-              <a:rPr lang="de-DE" sz="1200" b="1" dirty="0"/>
-              <a:t>:</a:t>
-            </a:r>
-            <a:r>
-              <a:rPr lang="de-DE" sz="1200" dirty="0"/>
-              <a:t> Scatterplot </a:t>
-            </a:r>
-            <a:r>
-              <a:rPr lang="de-DE" sz="1200" dirty="0" err="1"/>
-              <a:t>displays</a:t>
-            </a:r>
-            <a:r>
-              <a:rPr lang="de-DE" sz="1200" dirty="0"/>
-              <a:t> shift </a:t>
-            </a:r>
-            <a:r>
-              <a:rPr lang="de-DE" sz="1200" dirty="0" err="1"/>
-              <a:t>distances</a:t>
-            </a:r>
-            <a:r>
-              <a:rPr lang="de-DE" sz="1200" dirty="0"/>
+            <a:pPr algn="just"/>
+            <a:r>
+              <a:rPr lang="de-DE" sz="2400" dirty="0" err="1">
+                <a:latin typeface="Source Sans Pro" panose="020B0503030403020204" pitchFamily="34" charset="0"/>
+                <a:ea typeface="Source Sans Pro" panose="020B0503030403020204" pitchFamily="34" charset="0"/>
+              </a:rPr>
+              <a:t>our</a:t>
+            </a:r>
+            <a:r>
+              <a:rPr lang="de-DE" sz="2400" dirty="0">
+                <a:latin typeface="Source Sans Pro" panose="020B0503030403020204" pitchFamily="34" charset="0"/>
+                <a:ea typeface="Source Sans Pro" panose="020B0503030403020204" pitchFamily="34" charset="0"/>
+              </a:rPr>
               <a:t> </a:t>
             </a:r>
             <a:r>
-              <a:rPr lang="de-DE" sz="1200" dirty="0" err="1"/>
-              <a:t>derived</a:t>
-            </a:r>
-            <a:r>
-              <a:rPr lang="de-DE" sz="1200" dirty="0"/>
+              <a:rPr lang="de-DE" sz="2400" dirty="0" err="1">
+                <a:latin typeface="Source Sans Pro" panose="020B0503030403020204" pitchFamily="34" charset="0"/>
+                <a:ea typeface="Source Sans Pro" panose="020B0503030403020204" pitchFamily="34" charset="0"/>
+              </a:rPr>
+              <a:t>dataset</a:t>
+            </a:r>
+            <a:r>
+              <a:rPr lang="de-DE" sz="2400" dirty="0">
+                <a:latin typeface="Source Sans Pro" panose="020B0503030403020204" pitchFamily="34" charset="0"/>
+                <a:ea typeface="Source Sans Pro" panose="020B0503030403020204" pitchFamily="34" charset="0"/>
+              </a:rPr>
+              <a:t>, and 230 </a:t>
+            </a:r>
+            <a:r>
+              <a:rPr lang="de-DE" sz="2400" dirty="0" err="1">
+                <a:latin typeface="Source Sans Pro" panose="020B0503030403020204" pitchFamily="34" charset="0"/>
+                <a:ea typeface="Source Sans Pro" panose="020B0503030403020204" pitchFamily="34" charset="0"/>
+              </a:rPr>
+              <a:t>were</a:t>
+            </a:r>
+            <a:r>
+              <a:rPr lang="de-DE" sz="2400" dirty="0">
+                <a:latin typeface="Source Sans Pro" panose="020B0503030403020204" pitchFamily="34" charset="0"/>
+                <a:ea typeface="Source Sans Pro" panose="020B0503030403020204" pitchFamily="34" charset="0"/>
+              </a:rPr>
               <a:t> </a:t>
             </a:r>
             <a:r>
-              <a:rPr lang="de-DE" sz="1200" dirty="0" err="1"/>
-              <a:t>from</a:t>
-            </a:r>
-            <a:r>
-              <a:rPr lang="de-DE" sz="1200" dirty="0"/>
+              <a:rPr lang="de-DE" sz="2400" dirty="0" err="1">
+                <a:latin typeface="Source Sans Pro" panose="020B0503030403020204" pitchFamily="34" charset="0"/>
+                <a:ea typeface="Source Sans Pro" panose="020B0503030403020204" pitchFamily="34" charset="0"/>
+              </a:rPr>
+              <a:t>correctly</a:t>
+            </a:r>
+            <a:r>
+              <a:rPr lang="de-DE" sz="2400" dirty="0">
+                <a:latin typeface="Source Sans Pro" panose="020B0503030403020204" pitchFamily="34" charset="0"/>
+                <a:ea typeface="Source Sans Pro" panose="020B0503030403020204" pitchFamily="34" charset="0"/>
+              </a:rPr>
               <a:t> </a:t>
             </a:r>
             <a:r>
-              <a:rPr lang="de-DE" sz="1200" dirty="0" err="1"/>
-              <a:t>center</a:t>
-            </a:r>
-            <a:r>
-              <a:rPr lang="de-DE" sz="1200" dirty="0"/>
+              <a:rPr lang="de-DE" sz="2400" dirty="0" err="1">
+                <a:latin typeface="Source Sans Pro" panose="020B0503030403020204" pitchFamily="34" charset="0"/>
+                <a:ea typeface="Source Sans Pro" panose="020B0503030403020204" pitchFamily="34" charset="0"/>
+              </a:rPr>
+              <a:t>identified</a:t>
+            </a:r>
+            <a:r>
+              <a:rPr lang="de-DE" sz="2400" dirty="0">
+                <a:latin typeface="Source Sans Pro" panose="020B0503030403020204" pitchFamily="34" charset="0"/>
+                <a:ea typeface="Source Sans Pro" panose="020B0503030403020204" pitchFamily="34" charset="0"/>
+              </a:rPr>
               <a:t> </a:t>
             </a:r>
             <a:r>
-              <a:rPr lang="de-DE" sz="1200" dirty="0" err="1"/>
-              <a:t>of</a:t>
-            </a:r>
-            <a:r>
-              <a:rPr lang="de-DE" sz="1200" dirty="0"/>
+              <a:rPr lang="de-DE" sz="2400" dirty="0" err="1">
+                <a:latin typeface="Source Sans Pro" panose="020B0503030403020204" pitchFamily="34" charset="0"/>
+                <a:ea typeface="Source Sans Pro" panose="020B0503030403020204" pitchFamily="34" charset="0"/>
+              </a:rPr>
+              <a:t>as</a:t>
+            </a:r>
+            <a:r>
+              <a:rPr lang="de-DE" sz="2400" dirty="0">
+                <a:latin typeface="Source Sans Pro" panose="020B0503030403020204" pitchFamily="34" charset="0"/>
+                <a:ea typeface="Source Sans Pro" panose="020B0503030403020204" pitchFamily="34" charset="0"/>
+              </a:rPr>
+              <a:t> RNA-</a:t>
+            </a:r>
+            <a:r>
+              <a:rPr lang="de-DE" sz="2400" dirty="0" err="1">
+                <a:latin typeface="Source Sans Pro" panose="020B0503030403020204" pitchFamily="34" charset="0"/>
+                <a:ea typeface="Source Sans Pro" panose="020B0503030403020204" pitchFamily="34" charset="0"/>
+              </a:rPr>
+              <a:t>dependent</a:t>
+            </a:r>
+            <a:r>
+              <a:rPr lang="de-DE" sz="2400" dirty="0">
+                <a:latin typeface="Source Sans Pro" panose="020B0503030403020204" pitchFamily="34" charset="0"/>
+                <a:ea typeface="Source Sans Pro" panose="020B0503030403020204" pitchFamily="34" charset="0"/>
+              </a:rPr>
+              <a:t> (</a:t>
+            </a:r>
+            <a:r>
+              <a:rPr lang="de-DE" sz="2400" dirty="0" err="1">
+                <a:latin typeface="Source Sans Pro" panose="020B0503030403020204" pitchFamily="34" charset="0"/>
+                <a:ea typeface="Source Sans Pro" panose="020B0503030403020204" pitchFamily="34" charset="0"/>
+              </a:rPr>
+              <a:t>hit</a:t>
+            </a:r>
+            <a:r>
+              <a:rPr lang="de-DE" sz="2400" dirty="0">
+                <a:latin typeface="Source Sans Pro" panose="020B0503030403020204" pitchFamily="34" charset="0"/>
+                <a:ea typeface="Source Sans Pro" panose="020B0503030403020204" pitchFamily="34" charset="0"/>
+              </a:rPr>
+              <a:t> rate: 42.4%). The </a:t>
+            </a:r>
+            <a:r>
+              <a:rPr lang="de-DE" sz="2400" dirty="0" err="1">
+                <a:latin typeface="Source Sans Pro" panose="020B0503030403020204" pitchFamily="34" charset="0"/>
+                <a:ea typeface="Source Sans Pro" panose="020B0503030403020204" pitchFamily="34" charset="0"/>
+              </a:rPr>
+              <a:t>remaining</a:t>
+            </a:r>
+            <a:r>
+              <a:rPr lang="de-DE" sz="2400" dirty="0">
+                <a:latin typeface="Source Sans Pro" panose="020B0503030403020204" pitchFamily="34" charset="0"/>
+                <a:ea typeface="Source Sans Pro" panose="020B0503030403020204" pitchFamily="34" charset="0"/>
+              </a:rPr>
+              <a:t> 564 RNA-</a:t>
+            </a:r>
+            <a:r>
+              <a:rPr lang="de-DE" sz="2400" dirty="0" err="1">
+                <a:latin typeface="Source Sans Pro" panose="020B0503030403020204" pitchFamily="34" charset="0"/>
+                <a:ea typeface="Source Sans Pro" panose="020B0503030403020204" pitchFamily="34" charset="0"/>
+              </a:rPr>
+              <a:t>dependent</a:t>
+            </a:r>
+            <a:r>
+              <a:rPr lang="de-DE" sz="2400" dirty="0">
+                <a:latin typeface="Source Sans Pro" panose="020B0503030403020204" pitchFamily="34" charset="0"/>
+                <a:ea typeface="Source Sans Pro" panose="020B0503030403020204" pitchFamily="34" charset="0"/>
+              </a:rPr>
               <a:t> </a:t>
             </a:r>
             <a:r>
-              <a:rPr lang="de-DE" sz="1200" dirty="0" err="1"/>
-              <a:t>mass</a:t>
-            </a:r>
-            <a:r>
-              <a:rPr lang="de-DE" sz="1200" dirty="0"/>
-              <a:t> (</a:t>
-            </a:r>
-            <a:r>
-              <a:rPr lang="de-DE" sz="1200" dirty="0" err="1"/>
-              <a:t>CoM</a:t>
-            </a:r>
-            <a:r>
-              <a:rPr lang="de-DE" sz="1200" dirty="0"/>
-              <a:t>) </a:t>
-            </a:r>
-            <a:r>
-              <a:rPr lang="de-DE" sz="1200" dirty="0" err="1"/>
-              <a:t>values</a:t>
-            </a:r>
-            <a:r>
-              <a:rPr lang="de-DE" sz="1200" dirty="0"/>
+              <a:rPr lang="de-DE" sz="2400" dirty="0" err="1">
+                <a:latin typeface="Source Sans Pro" panose="020B0503030403020204" pitchFamily="34" charset="0"/>
+                <a:ea typeface="Source Sans Pro" panose="020B0503030403020204" pitchFamily="34" charset="0"/>
+              </a:rPr>
+              <a:t>proteins</a:t>
+            </a:r>
+            <a:r>
+              <a:rPr lang="de-DE" sz="2400" dirty="0">
+                <a:latin typeface="Source Sans Pro" panose="020B0503030403020204" pitchFamily="34" charset="0"/>
+                <a:ea typeface="Source Sans Pro" panose="020B0503030403020204" pitchFamily="34" charset="0"/>
+              </a:rPr>
               <a:t> </a:t>
             </a:r>
             <a:r>
-              <a:rPr lang="de-DE" sz="1200" dirty="0" err="1"/>
-              <a:t>for</a:t>
-            </a:r>
-            <a:r>
-              <a:rPr lang="de-DE" sz="1200" dirty="0"/>
-              <a:t> all </a:t>
-            </a:r>
-            <a:r>
-              <a:rPr lang="de-DE" sz="1200" dirty="0" err="1"/>
-              <a:t>proteins</a:t>
-            </a:r>
-            <a:r>
-              <a:rPr lang="de-DE" sz="1200" dirty="0"/>
+              <a:rPr lang="de-DE" sz="2400" dirty="0" err="1">
+                <a:latin typeface="Source Sans Pro" panose="020B0503030403020204" pitchFamily="34" charset="0"/>
+                <a:ea typeface="Source Sans Pro" panose="020B0503030403020204" pitchFamily="34" charset="0"/>
+              </a:rPr>
+              <a:t>detected</a:t>
+            </a:r>
+            <a:r>
+              <a:rPr lang="de-DE" sz="2400" dirty="0">
+                <a:latin typeface="Source Sans Pro" panose="020B0503030403020204" pitchFamily="34" charset="0"/>
+                <a:ea typeface="Source Sans Pro" panose="020B0503030403020204" pitchFamily="34" charset="0"/>
+              </a:rPr>
+              <a:t> in </a:t>
+            </a:r>
+            <a:r>
+              <a:rPr lang="de-DE" sz="2400" dirty="0" err="1">
+                <a:latin typeface="Source Sans Pro" panose="020B0503030403020204" pitchFamily="34" charset="0"/>
+                <a:ea typeface="Source Sans Pro" panose="020B0503030403020204" pitchFamily="34" charset="0"/>
+              </a:rPr>
+              <a:t>our</a:t>
+            </a:r>
+            <a:r>
+              <a:rPr lang="de-DE" sz="2400" dirty="0">
+                <a:latin typeface="Source Sans Pro" panose="020B0503030403020204" pitchFamily="34" charset="0"/>
+                <a:ea typeface="Source Sans Pro" panose="020B0503030403020204" pitchFamily="34" charset="0"/>
+              </a:rPr>
               <a:t> </a:t>
             </a:r>
             <a:r>
-              <a:rPr lang="de-DE" sz="1200" dirty="0" err="1"/>
-              <a:t>under</a:t>
-            </a:r>
-            <a:r>
-              <a:rPr lang="de-DE" sz="1200" dirty="0"/>
+              <a:rPr lang="de-DE" sz="2400" dirty="0" err="1">
+                <a:latin typeface="Source Sans Pro" panose="020B0503030403020204" pitchFamily="34" charset="0"/>
+                <a:ea typeface="Source Sans Pro" panose="020B0503030403020204" pitchFamily="34" charset="0"/>
+              </a:rPr>
+              <a:t>analysis</a:t>
+            </a:r>
+            <a:r>
+              <a:rPr lang="de-DE" sz="2400" dirty="0">
+                <a:latin typeface="Source Sans Pro" panose="020B0503030403020204" pitchFamily="34" charset="0"/>
+                <a:ea typeface="Source Sans Pro" panose="020B0503030403020204" pitchFamily="34" charset="0"/>
+              </a:rPr>
               <a:t> </a:t>
             </a:r>
             <a:r>
-              <a:rPr lang="de-DE" sz="1200" dirty="0" err="1"/>
-              <a:t>both</a:t>
-            </a:r>
-            <a:r>
-              <a:rPr lang="de-DE" sz="1200" dirty="0"/>
+              <a:rPr lang="de-DE" sz="2400" dirty="0" err="1">
+                <a:latin typeface="Source Sans Pro" panose="020B0503030403020204" pitchFamily="34" charset="0"/>
+                <a:ea typeface="Source Sans Pro" panose="020B0503030403020204" pitchFamily="34" charset="0"/>
+              </a:rPr>
+              <a:t>might</a:t>
+            </a:r>
+            <a:r>
+              <a:rPr lang="de-DE" sz="2400" dirty="0">
+                <a:latin typeface="Source Sans Pro" panose="020B0503030403020204" pitchFamily="34" charset="0"/>
+                <a:ea typeface="Source Sans Pro" panose="020B0503030403020204" pitchFamily="34" charset="0"/>
+              </a:rPr>
               <a:t> </a:t>
             </a:r>
             <a:r>
-              <a:rPr lang="de-DE" sz="1200" dirty="0" err="1"/>
-              <a:t>conditions</a:t>
-            </a:r>
-            <a:r>
-              <a:rPr lang="de-DE" sz="1200" dirty="0"/>
-              <a:t>. </a:t>
-            </a:r>
-            <a:r>
-              <a:rPr lang="de-DE" sz="1200" dirty="0" err="1"/>
-              <a:t>Each</a:t>
-            </a:r>
-            <a:r>
-              <a:rPr lang="de-DE" sz="1200" dirty="0"/>
+              <a:rPr lang="de-DE" sz="2400" dirty="0" err="1">
+                <a:latin typeface="Source Sans Pro" panose="020B0503030403020204" pitchFamily="34" charset="0"/>
+                <a:ea typeface="Source Sans Pro" panose="020B0503030403020204" pitchFamily="34" charset="0"/>
+              </a:rPr>
+              <a:t>represent</a:t>
+            </a:r>
+            <a:r>
+              <a:rPr lang="de-DE" sz="2400" dirty="0">
+                <a:latin typeface="Source Sans Pro" panose="020B0503030403020204" pitchFamily="34" charset="0"/>
+                <a:ea typeface="Source Sans Pro" panose="020B0503030403020204" pitchFamily="34" charset="0"/>
+              </a:rPr>
               <a:t> </a:t>
             </a:r>
             <a:r>
-              <a:rPr lang="de-DE" sz="1200" dirty="0" err="1"/>
-              <a:t>point</a:t>
-            </a:r>
-            <a:r>
-              <a:rPr lang="de-DE" sz="1200" dirty="0"/>
-              <a:t> </a:t>
-            </a:r>
-            <a:r>
-              <a:rPr lang="de-DE" sz="1200" dirty="0" err="1"/>
-              <a:t>represents</a:t>
-            </a:r>
-            <a:r>
-              <a:rPr lang="de-DE" sz="1200" dirty="0"/>
-              <a:t> </a:t>
-            </a:r>
-            <a:r>
-              <a:rPr lang="de-DE" sz="1200" dirty="0" err="1"/>
-              <a:t>one</a:t>
-            </a:r>
-            <a:r>
-              <a:rPr lang="de-DE" sz="1200" dirty="0"/>
-              <a:t> </a:t>
-            </a:r>
-            <a:r>
-              <a:rPr lang="de-DE" sz="1200" dirty="0" err="1"/>
-              <a:t>protein</a:t>
-            </a:r>
-            <a:r>
-              <a:rPr lang="de-DE" sz="1200" dirty="0"/>
-              <a:t>, color-</a:t>
-            </a:r>
-            <a:r>
-              <a:rPr lang="de-DE" sz="1200" dirty="0" err="1"/>
-              <a:t>coded</a:t>
-            </a:r>
-            <a:r>
-              <a:rPr lang="de-DE" sz="1200" dirty="0"/>
-              <a:t> </a:t>
-            </a:r>
-            <a:r>
-              <a:rPr lang="de-DE" sz="1200" dirty="0" err="1"/>
-              <a:t>by</a:t>
-            </a:r>
-            <a:r>
-              <a:rPr lang="de-DE" sz="1200" dirty="0"/>
-              <a:t> </a:t>
-            </a:r>
-            <a:r>
-              <a:rPr lang="de-DE" sz="1200" dirty="0" err="1"/>
-              <a:t>statistical</a:t>
-            </a:r>
-            <a:r>
-              <a:rPr lang="de-DE" sz="1200" dirty="0"/>
-              <a:t> </a:t>
-            </a:r>
-            <a:r>
-              <a:rPr lang="de-DE" sz="1200" dirty="0" err="1"/>
-              <a:t>significance</a:t>
-            </a:r>
-            <a:r>
-              <a:rPr lang="de-DE" sz="1200" dirty="0"/>
-              <a:t>. The </a:t>
-            </a:r>
-            <a:r>
-              <a:rPr lang="de-DE" sz="1200" dirty="0" err="1"/>
-              <a:t>red</a:t>
-            </a:r>
-            <a:r>
-              <a:rPr lang="de-DE" sz="1200" dirty="0"/>
-              <a:t> </a:t>
-            </a:r>
-            <a:r>
-              <a:rPr lang="de-DE" sz="1200" dirty="0" err="1"/>
-              <a:t>dashed</a:t>
-            </a:r>
-            <a:r>
-              <a:rPr lang="de-DE" sz="1200" dirty="0"/>
-              <a:t> </a:t>
-            </a:r>
-            <a:r>
-              <a:rPr lang="de-DE" sz="1200" dirty="0" err="1"/>
-              <a:t>identity</a:t>
-            </a:r>
-            <a:r>
-              <a:rPr lang="de-DE" sz="1200" dirty="0"/>
-              <a:t> </a:t>
-            </a:r>
-            <a:r>
-              <a:rPr lang="de-DE" sz="1200" dirty="0" err="1"/>
-              <a:t>line</a:t>
-            </a:r>
-            <a:r>
-              <a:rPr lang="de-DE" sz="1200" dirty="0"/>
-              <a:t> </a:t>
-            </a:r>
-            <a:r>
-              <a:rPr lang="de-DE" sz="1200" dirty="0" err="1"/>
-              <a:t>marks</a:t>
-            </a:r>
-            <a:r>
-              <a:rPr lang="de-DE" sz="1200" dirty="0"/>
-              <a:t> </a:t>
-            </a:r>
-            <a:r>
-              <a:rPr lang="de-DE" sz="1200" dirty="0" err="1"/>
-              <a:t>equal</a:t>
-            </a:r>
-            <a:r>
-              <a:rPr lang="de-DE" sz="1200" dirty="0"/>
-              <a:t> shift </a:t>
-            </a:r>
-            <a:r>
-              <a:rPr lang="de-DE" sz="1200" dirty="0" err="1"/>
-              <a:t>behavior</a:t>
-            </a:r>
-            <a:r>
-              <a:rPr lang="de-DE" sz="1200" dirty="0"/>
-              <a:t>; </a:t>
-            </a:r>
-            <a:r>
-              <a:rPr lang="de-DE" sz="1200" dirty="0" err="1"/>
-              <a:t>proteins</a:t>
-            </a:r>
-            <a:r>
-              <a:rPr lang="de-DE" sz="1200" dirty="0"/>
-              <a:t> </a:t>
-            </a:r>
-            <a:r>
-              <a:rPr lang="de-DE" sz="1200" dirty="0" err="1"/>
-              <a:t>below</a:t>
-            </a:r>
-            <a:r>
-              <a:rPr lang="de-DE" sz="1200" dirty="0"/>
-              <a:t> </a:t>
-            </a:r>
-            <a:r>
-              <a:rPr lang="de-DE" sz="1200" dirty="0" err="1"/>
-              <a:t>the</a:t>
-            </a:r>
-            <a:r>
-              <a:rPr lang="de-DE" sz="1200" dirty="0"/>
-              <a:t> </a:t>
-            </a:r>
-            <a:r>
-              <a:rPr lang="de-DE" sz="1200" dirty="0" err="1"/>
-              <a:t>line</a:t>
-            </a:r>
-            <a:r>
-              <a:rPr lang="de-DE" sz="1200" dirty="0"/>
-              <a:t> </a:t>
-            </a:r>
-            <a:r>
-              <a:rPr lang="de-DE" sz="1200" dirty="0" err="1"/>
-              <a:t>show</a:t>
-            </a:r>
-            <a:r>
-              <a:rPr lang="de-DE" sz="1200" dirty="0"/>
-              <a:t> </a:t>
-            </a:r>
-            <a:r>
-              <a:rPr lang="de-DE" sz="1200" dirty="0" err="1"/>
-              <a:t>mitosis-specific</a:t>
-            </a:r>
-            <a:r>
-              <a:rPr lang="de-DE" sz="1200" dirty="0"/>
-              <a:t> </a:t>
-            </a:r>
-            <a:r>
-              <a:rPr lang="de-DE" sz="1200" dirty="0" err="1"/>
-              <a:t>leftward</a:t>
-            </a:r>
-            <a:r>
-              <a:rPr lang="de-DE" sz="1200" dirty="0"/>
-              <a:t> </a:t>
-            </a:r>
-            <a:r>
-              <a:rPr lang="de-DE" sz="1200" dirty="0" err="1"/>
-              <a:t>shifts</a:t>
-            </a:r>
-            <a:r>
-              <a:rPr lang="de-DE" sz="1200" dirty="0"/>
-              <a:t>, </a:t>
-            </a:r>
-            <a:r>
-              <a:rPr lang="de-DE" sz="1200" dirty="0" err="1"/>
-              <a:t>suggesting</a:t>
-            </a:r>
-            <a:r>
-              <a:rPr lang="de-DE" sz="1200" dirty="0"/>
-              <a:t> RNA </a:t>
-            </a:r>
-            <a:r>
-              <a:rPr lang="de-DE" sz="1200" dirty="0" err="1"/>
-              <a:t>dependency</a:t>
-            </a:r>
-            <a:r>
-              <a:rPr lang="de-DE" sz="1200" dirty="0"/>
-              <a:t> </a:t>
-            </a:r>
-            <a:r>
-              <a:rPr lang="de-DE" sz="1200" dirty="0" err="1"/>
-              <a:t>unique</a:t>
-            </a:r>
-            <a:r>
-              <a:rPr lang="de-DE" sz="1200" dirty="0"/>
-              <a:t> </a:t>
-            </a:r>
-            <a:r>
-              <a:rPr lang="de-DE" sz="1200" dirty="0" err="1"/>
-              <a:t>to</a:t>
-            </a:r>
-            <a:r>
-              <a:rPr lang="de-DE" sz="1200" dirty="0"/>
-              <a:t> </a:t>
-            </a:r>
-            <a:r>
-              <a:rPr lang="de-DE" sz="1200" dirty="0" err="1"/>
-              <a:t>mitosis</a:t>
-            </a:r>
-            <a:r>
-              <a:rPr lang="de-DE" sz="1200" dirty="0"/>
+              <a:rPr lang="de-DE" sz="2400" dirty="0" err="1">
+                <a:latin typeface="Source Sans Pro" panose="020B0503030403020204" pitchFamily="34" charset="0"/>
+                <a:ea typeface="Source Sans Pro" panose="020B0503030403020204" pitchFamily="34" charset="0"/>
+              </a:rPr>
+              <a:t>novel</a:t>
+            </a:r>
+            <a:r>
+              <a:rPr lang="de-DE" sz="2400" dirty="0">
+                <a:latin typeface="Source Sans Pro" panose="020B0503030403020204" pitchFamily="34" charset="0"/>
+                <a:ea typeface="Source Sans Pro" panose="020B0503030403020204" pitchFamily="34" charset="0"/>
+              </a:rPr>
+              <a:t> RBP </a:t>
+            </a:r>
+            <a:r>
+              <a:rPr lang="de-DE" sz="2400" dirty="0" err="1">
+                <a:latin typeface="Source Sans Pro" panose="020B0503030403020204" pitchFamily="34" charset="0"/>
+                <a:ea typeface="Source Sans Pro" panose="020B0503030403020204" pitchFamily="34" charset="0"/>
+              </a:rPr>
+              <a:t>candidates</a:t>
+            </a:r>
+            <a:r>
+              <a:rPr lang="de-DE" sz="2400" dirty="0">
+                <a:latin typeface="Source Sans Pro" panose="020B0503030403020204" pitchFamily="34" charset="0"/>
+                <a:ea typeface="Source Sans Pro" panose="020B0503030403020204" pitchFamily="34" charset="0"/>
+              </a:rPr>
               <a:t>.</a:t>
             </a:r>
-            <a:endParaRPr lang="en-US" sz="1200" dirty="0"/>
-          </a:p>
-        </p:txBody>
-      </p:sp>
-      <p:sp>
-        <p:nvSpPr>
-          <p:cNvPr id="44" name="Textfeld 43">
+            <a:endParaRPr lang="en-US" sz="2400" dirty="0"/>
+          </a:p>
+        </p:txBody>
+      </p:sp>
+      <p:sp>
+        <p:nvSpPr>
+          <p:cNvPr id="80" name="Textfeld 79">
             <a:extLst>
               <a:ext uri="{FF2B5EF4-FFF2-40B4-BE49-F238E27FC236}">
-                <a16:creationId xmlns:a16="http://schemas.microsoft.com/office/drawing/2014/main" id="{C41FF133-ADEB-E4F3-48D0-CDE044ACB3E5}"/>
+                <a16:creationId xmlns:a16="http://schemas.microsoft.com/office/drawing/2014/main" id="{2CAA327A-F5A3-F159-6F4D-307089713C81}"/>
               </a:ext>
             </a:extLst>
           </p:cNvPr>
@@ -9101,8 +9936,8 @@
         </p:nvSpPr>
         <p:spPr>
           <a:xfrm>
-            <a:off x="15595757" y="23876888"/>
-            <a:ext cx="13817660" cy="1477328"/>
+            <a:off x="11048389" y="27167228"/>
+            <a:ext cx="3690206" cy="646331"/>
           </a:xfrm>
           <a:prstGeom prst="rect">
             <a:avLst/>
@@ -9115,61 +9950,320 @@
           </a:bodyPr>
           <a:lstStyle/>
           <a:p>
-            <a:r>
-              <a:rPr lang="en-US" sz="2400" dirty="0"/>
-              <a:t>The red dashed identity line marks equal shifts across both cell states. Proteins falling below this line such as </a:t>
-            </a:r>
-            <a:r>
-              <a:rPr lang="en-US" sz="2400" b="1" dirty="0" err="1"/>
-              <a:t>RiboSix</a:t>
-            </a:r>
-            <a:r>
-              <a:rPr lang="en-US" sz="2400" dirty="0"/>
-              <a:t> show stronger RNA dependency during mitosis, suggesting their role is tightly linked to this specific cellular phase. Indeed, mitosis appears to be the active season for our little RBP hero.</a:t>
-            </a:r>
-          </a:p>
-          <a:p>
-            <a:endParaRPr lang="en-US" dirty="0"/>
-          </a:p>
-        </p:txBody>
-      </p:sp>
-      <p:pic>
-        <p:nvPicPr>
-          <p:cNvPr id="55" name="Grafik 54" descr="Ein Bild, das Screenshot, Text, Farbigkeit, Reihe enthält.&#10;&#10;KI-generierte Inhalte können fehlerhaft sein.">
+            <a:pPr algn="just"/>
+            <a:r>
+              <a:rPr lang="en-US" sz="1200" b="1" i="1" dirty="0">
+                <a:latin typeface="Source Sans Pro" panose="020B0503030403020204" pitchFamily="34" charset="0"/>
+                <a:ea typeface="Source Sans Pro" panose="020B0503030403020204" pitchFamily="34" charset="0"/>
+              </a:rPr>
+              <a:t>Fig</a:t>
+            </a:r>
+            <a:r>
+              <a:rPr lang="en-US" sz="1200" b="1" i="1" noProof="0" dirty="0">
+                <a:latin typeface="Source Sans Pro" panose="020B0503030403020204" pitchFamily="34" charset="0"/>
+                <a:ea typeface="Source Sans Pro" panose="020B0503030403020204" pitchFamily="34" charset="0"/>
+              </a:rPr>
+              <a:t>. X Novel Candidates and known RBPs: </a:t>
+            </a:r>
+            <a:r>
+              <a:rPr lang="en-US" sz="1200" i="1" noProof="0" dirty="0">
+                <a:latin typeface="Source Sans Pro" panose="020B0503030403020204" pitchFamily="34" charset="0"/>
+                <a:ea typeface="Source Sans Pro" panose="020B0503030403020204" pitchFamily="34" charset="0"/>
+              </a:rPr>
+              <a:t>Intersecting between previously noted </a:t>
+            </a:r>
+            <a:r>
+              <a:rPr lang="en-US" sz="1200" i="1" noProof="0" dirty="0" err="1">
+                <a:latin typeface="Source Sans Pro" panose="020B0503030403020204" pitchFamily="34" charset="0"/>
+                <a:ea typeface="Source Sans Pro" panose="020B0503030403020204" pitchFamily="34" charset="0"/>
+              </a:rPr>
+              <a:t>UniProt</a:t>
+            </a:r>
+            <a:r>
+              <a:rPr lang="en-US" sz="1200" i="1" noProof="0" dirty="0">
+                <a:latin typeface="Source Sans Pro" panose="020B0503030403020204" pitchFamily="34" charset="0"/>
+                <a:ea typeface="Source Sans Pro" panose="020B0503030403020204" pitchFamily="34" charset="0"/>
+              </a:rPr>
+              <a:t> RBPs </a:t>
+            </a:r>
+            <a:r>
+              <a:rPr lang="en-US" sz="1200" i="1" noProof="0" dirty="0" err="1">
+                <a:latin typeface="Source Sans Pro" panose="020B0503030403020204" pitchFamily="34" charset="0"/>
+                <a:ea typeface="Source Sans Pro" panose="020B0503030403020204" pitchFamily="34" charset="0"/>
+              </a:rPr>
+              <a:t>analysed</a:t>
+            </a:r>
+            <a:r>
+              <a:rPr lang="en-US" sz="1200" i="1" noProof="0" dirty="0">
+                <a:latin typeface="Source Sans Pro" panose="020B0503030403020204" pitchFamily="34" charset="0"/>
+                <a:ea typeface="Source Sans Pro" panose="020B0503030403020204" pitchFamily="34" charset="0"/>
+              </a:rPr>
+              <a:t> in our sample and </a:t>
+            </a:r>
+            <a:r>
+              <a:rPr lang="en-US" sz="1200" i="1" dirty="0">
+                <a:latin typeface="Source Sans Pro" panose="020B0503030403020204" pitchFamily="34" charset="0"/>
+                <a:ea typeface="Source Sans Pro" panose="020B0503030403020204" pitchFamily="34" charset="0"/>
+              </a:rPr>
+              <a:t>RBPs identified by this pipeline</a:t>
+            </a:r>
+            <a:endParaRPr lang="en-US" sz="1200" i="1" noProof="0" dirty="0">
+              <a:latin typeface="Source Sans Pro" panose="020B0503030403020204" pitchFamily="34" charset="0"/>
+              <a:ea typeface="Source Sans Pro" panose="020B0503030403020204" pitchFamily="34" charset="0"/>
+            </a:endParaRPr>
+          </a:p>
+        </p:txBody>
+      </p:sp>
+      <p:grpSp>
+        <p:nvGrpSpPr>
+          <p:cNvPr id="81" name="Gruppieren 80">
             <a:extLst>
               <a:ext uri="{FF2B5EF4-FFF2-40B4-BE49-F238E27FC236}">
-                <a16:creationId xmlns:a16="http://schemas.microsoft.com/office/drawing/2014/main" id="{35A664B3-803F-4536-2EE5-578ED541F8BF}"/>
+                <a16:creationId xmlns:a16="http://schemas.microsoft.com/office/drawing/2014/main" id="{F08C80FC-3647-CD4B-3734-A5A942C68486}"/>
               </a:ext>
             </a:extLst>
           </p:cNvPr>
-          <p:cNvPicPr>
-            <a:picLocks noChangeAspect="1"/>
-          </p:cNvPicPr>
+          <p:cNvGrpSpPr/>
           <p:nvPr/>
-        </p:nvPicPr>
-        <p:blipFill>
-          <a:blip r:embed="rId20">
-            <a:extLst>
-              <a:ext uri="{28A0092B-C50C-407E-A947-70E740481C1C}">
-                <a14:useLocalDpi xmlns:a14="http://schemas.microsoft.com/office/drawing/2010/main" val="0"/>
-              </a:ext>
-            </a:extLst>
-          </a:blip>
-          <a:srcRect l="2118" t="4855" r="1441" b="4768"/>
-          <a:stretch>
-            <a:fillRect/>
-          </a:stretch>
-        </p:blipFill>
-        <p:spPr>
+        </p:nvGrpSpPr>
+        <p:grpSpPr>
           <a:xfrm>
-            <a:off x="6978285" y="7124435"/>
-            <a:ext cx="7762767" cy="4849741"/>
+            <a:off x="10890314" y="25390782"/>
+            <a:ext cx="4029448" cy="1817068"/>
+            <a:chOff x="10890314" y="25390782"/>
+            <a:chExt cx="4029448" cy="1817068"/>
           </a:xfrm>
-          <a:prstGeom prst="rect">
-            <a:avLst/>
-          </a:prstGeom>
-        </p:spPr>
-      </p:pic>
+        </p:grpSpPr>
+        <p:pic>
+          <p:nvPicPr>
+            <p:cNvPr id="82" name="Grafik 81">
+              <a:extLst>
+                <a:ext uri="{FF2B5EF4-FFF2-40B4-BE49-F238E27FC236}">
+                  <a16:creationId xmlns:a16="http://schemas.microsoft.com/office/drawing/2014/main" id="{E5DB0988-DA83-0AA5-1C4E-ACED77EFE952}"/>
+                </a:ext>
+              </a:extLst>
+            </p:cNvPr>
+            <p:cNvPicPr>
+              <a:picLocks noChangeAspect="1"/>
+            </p:cNvPicPr>
+            <p:nvPr/>
+          </p:nvPicPr>
+          <p:blipFill>
+            <a:blip r:embed="rId19"/>
+            <a:stretch>
+              <a:fillRect/>
+            </a:stretch>
+          </p:blipFill>
+          <p:spPr>
+            <a:xfrm>
+              <a:off x="11430000" y="25484539"/>
+              <a:ext cx="3011842" cy="1723311"/>
+            </a:xfrm>
+            <a:prstGeom prst="rect">
+              <a:avLst/>
+            </a:prstGeom>
+          </p:spPr>
+        </p:pic>
+        <p:sp>
+          <p:nvSpPr>
+            <p:cNvPr id="83" name="Textfeld 82">
+              <a:extLst>
+                <a:ext uri="{FF2B5EF4-FFF2-40B4-BE49-F238E27FC236}">
+                  <a16:creationId xmlns:a16="http://schemas.microsoft.com/office/drawing/2014/main" id="{A02FA2E0-55EC-D593-DFF5-1F9734D6C57C}"/>
+                </a:ext>
+              </a:extLst>
+            </p:cNvPr>
+            <p:cNvSpPr txBox="1"/>
+            <p:nvPr/>
+          </p:nvSpPr>
+          <p:spPr>
+            <a:xfrm>
+              <a:off x="11900087" y="26142788"/>
+              <a:ext cx="603050" cy="430887"/>
+            </a:xfrm>
+            <a:prstGeom prst="rect">
+              <a:avLst/>
+            </a:prstGeom>
+            <a:noFill/>
+          </p:spPr>
+          <p:txBody>
+            <a:bodyPr wrap="none" rtlCol="0">
+              <a:spAutoFit/>
+            </a:bodyPr>
+            <a:lstStyle/>
+            <a:p>
+              <a:r>
+                <a:rPr lang="en-US" sz="2200" dirty="0">
+                  <a:latin typeface="Source Sans Pro" panose="020B0503030403020204" pitchFamily="34" charset="0"/>
+                  <a:ea typeface="Source Sans Pro" panose="020B0503030403020204" pitchFamily="34" charset="0"/>
+                </a:rPr>
+                <a:t>564</a:t>
+              </a:r>
+            </a:p>
+          </p:txBody>
+        </p:sp>
+        <p:sp>
+          <p:nvSpPr>
+            <p:cNvPr id="84" name="Textfeld 83">
+              <a:extLst>
+                <a:ext uri="{FF2B5EF4-FFF2-40B4-BE49-F238E27FC236}">
+                  <a16:creationId xmlns:a16="http://schemas.microsoft.com/office/drawing/2014/main" id="{8EED9781-7E8E-20E4-80B7-029626214A93}"/>
+                </a:ext>
+              </a:extLst>
+            </p:cNvPr>
+            <p:cNvSpPr txBox="1"/>
+            <p:nvPr/>
+          </p:nvSpPr>
+          <p:spPr>
+            <a:xfrm>
+              <a:off x="12785535" y="26127453"/>
+              <a:ext cx="603050" cy="430887"/>
+            </a:xfrm>
+            <a:prstGeom prst="rect">
+              <a:avLst/>
+            </a:prstGeom>
+            <a:noFill/>
+          </p:spPr>
+          <p:txBody>
+            <a:bodyPr wrap="none" rtlCol="0">
+              <a:spAutoFit/>
+            </a:bodyPr>
+            <a:lstStyle/>
+            <a:p>
+              <a:r>
+                <a:rPr lang="en-US" sz="2200" dirty="0">
+                  <a:latin typeface="Source Sans Pro" panose="020B0503030403020204" pitchFamily="34" charset="0"/>
+                  <a:ea typeface="Source Sans Pro" panose="020B0503030403020204" pitchFamily="34" charset="0"/>
+                </a:rPr>
+                <a:t>230</a:t>
+              </a:r>
+            </a:p>
+          </p:txBody>
+        </p:sp>
+        <p:sp>
+          <p:nvSpPr>
+            <p:cNvPr id="85" name="Textfeld 84">
+              <a:extLst>
+                <a:ext uri="{FF2B5EF4-FFF2-40B4-BE49-F238E27FC236}">
+                  <a16:creationId xmlns:a16="http://schemas.microsoft.com/office/drawing/2014/main" id="{80A20683-ACAA-A920-DFED-B442253E4D24}"/>
+                </a:ext>
+              </a:extLst>
+            </p:cNvPr>
+            <p:cNvSpPr txBox="1"/>
+            <p:nvPr/>
+          </p:nvSpPr>
+          <p:spPr>
+            <a:xfrm>
+              <a:off x="13557147" y="26127452"/>
+              <a:ext cx="603050" cy="430887"/>
+            </a:xfrm>
+            <a:prstGeom prst="rect">
+              <a:avLst/>
+            </a:prstGeom>
+            <a:noFill/>
+          </p:spPr>
+          <p:txBody>
+            <a:bodyPr wrap="none" rtlCol="0">
+              <a:spAutoFit/>
+            </a:bodyPr>
+            <a:lstStyle/>
+            <a:p>
+              <a:r>
+                <a:rPr lang="en-US" sz="2200" dirty="0">
+                  <a:latin typeface="Source Sans Pro" panose="020B0503030403020204" pitchFamily="34" charset="0"/>
+                  <a:ea typeface="Source Sans Pro" panose="020B0503030403020204" pitchFamily="34" charset="0"/>
+                </a:rPr>
+                <a:t>313</a:t>
+              </a:r>
+            </a:p>
+          </p:txBody>
+        </p:sp>
+        <p:sp>
+          <p:nvSpPr>
+            <p:cNvPr id="86" name="Textfeld 85">
+              <a:extLst>
+                <a:ext uri="{FF2B5EF4-FFF2-40B4-BE49-F238E27FC236}">
+                  <a16:creationId xmlns:a16="http://schemas.microsoft.com/office/drawing/2014/main" id="{F8A7BEC3-F9E8-D095-2C22-CC1B891333F9}"/>
+                </a:ext>
+              </a:extLst>
+            </p:cNvPr>
+            <p:cNvSpPr txBox="1"/>
+            <p:nvPr/>
+          </p:nvSpPr>
+          <p:spPr>
+            <a:xfrm>
+              <a:off x="13693936" y="25390782"/>
+              <a:ext cx="1225826" cy="584775"/>
+            </a:xfrm>
+            <a:prstGeom prst="rect">
+              <a:avLst/>
+            </a:prstGeom>
+            <a:noFill/>
+          </p:spPr>
+          <p:txBody>
+            <a:bodyPr wrap="square" rtlCol="0">
+              <a:spAutoFit/>
+            </a:bodyPr>
+            <a:lstStyle/>
+            <a:p>
+              <a:pPr algn="ctr"/>
+              <a:r>
+                <a:rPr lang="en-US" sz="1600" dirty="0" err="1">
+                  <a:latin typeface="Source Sans Pro" panose="020B0503030403020204" pitchFamily="34" charset="0"/>
+                  <a:ea typeface="Source Sans Pro" panose="020B0503030403020204" pitchFamily="34" charset="0"/>
+                </a:rPr>
+                <a:t>UniProt</a:t>
+              </a:r>
+              <a:r>
+                <a:rPr lang="en-US" sz="1600" dirty="0">
+                  <a:latin typeface="Source Sans Pro" panose="020B0503030403020204" pitchFamily="34" charset="0"/>
+                  <a:ea typeface="Source Sans Pro" panose="020B0503030403020204" pitchFamily="34" charset="0"/>
+                </a:rPr>
+                <a:t> RBPs</a:t>
+              </a:r>
+            </a:p>
+          </p:txBody>
+        </p:sp>
+        <p:sp>
+          <p:nvSpPr>
+            <p:cNvPr id="87" name="Textfeld 86">
+              <a:extLst>
+                <a:ext uri="{FF2B5EF4-FFF2-40B4-BE49-F238E27FC236}">
+                  <a16:creationId xmlns:a16="http://schemas.microsoft.com/office/drawing/2014/main" id="{B2716C97-EE7A-02C4-28A1-BAE37328FC7A}"/>
+                </a:ext>
+              </a:extLst>
+            </p:cNvPr>
+            <p:cNvSpPr txBox="1"/>
+            <p:nvPr/>
+          </p:nvSpPr>
+          <p:spPr>
+            <a:xfrm>
+              <a:off x="10890314" y="25401192"/>
+              <a:ext cx="1225826" cy="584775"/>
+            </a:xfrm>
+            <a:prstGeom prst="rect">
+              <a:avLst/>
+            </a:prstGeom>
+            <a:noFill/>
+          </p:spPr>
+          <p:txBody>
+            <a:bodyPr wrap="square" rtlCol="0">
+              <a:spAutoFit/>
+            </a:bodyPr>
+            <a:lstStyle/>
+            <a:p>
+              <a:pPr algn="ctr"/>
+              <a:r>
+                <a:rPr lang="en-US" sz="1600" dirty="0">
+                  <a:latin typeface="Source Sans Pro" panose="020B0503030403020204" pitchFamily="34" charset="0"/>
+                  <a:ea typeface="Source Sans Pro" panose="020B0503030403020204" pitchFamily="34" charset="0"/>
+                </a:rPr>
+                <a:t>Identified  RBPs</a:t>
+              </a:r>
+            </a:p>
+          </p:txBody>
+        </p:sp>
+      </p:grpSp>
     </p:spTree>
     <p:extLst>
       <p:ext uri="{BB962C8B-B14F-4D97-AF65-F5344CB8AC3E}">

--- a/RiboZwo.pptx
+++ b/RiboZwo.pptx
@@ -4936,7 +4936,7 @@
             </p:custDataLst>
             <p:extLst>
               <p:ext uri="{D42A27DB-BD31-4B8C-83A1-F6EECF244321}">
-                <p14:modId xmlns:p14="http://schemas.microsoft.com/office/powerpoint/2010/main" val="3162330033"/>
+                <p14:modId xmlns:p14="http://schemas.microsoft.com/office/powerpoint/2010/main" val="2896078332"/>
               </p:ext>
             </p:extLst>
           </p:nvPr>
@@ -4990,6 +4990,42 @@
           </a:graphicData>
         </a:graphic>
       </p:graphicFrame>
+      <p:pic>
+        <p:nvPicPr>
+          <p:cNvPr id="2" name="Grafik 1" descr="Ein Bild, das Entwurf, Zeichnung, Darstellung, Clipart enthält.&#10;&#10;KI-generierte Inhalte können fehlerhaft sein.">
+            <a:extLst>
+              <a:ext uri="{FF2B5EF4-FFF2-40B4-BE49-F238E27FC236}">
+                <a16:creationId xmlns:a16="http://schemas.microsoft.com/office/drawing/2014/main" id="{1E876846-DC96-7CDE-EEDF-9EE117498063}"/>
+              </a:ext>
+            </a:extLst>
+          </p:cNvPr>
+          <p:cNvPicPr>
+            <a:picLocks noChangeAspect="1"/>
+          </p:cNvPicPr>
+          <p:nvPr/>
+        </p:nvPicPr>
+        <p:blipFill>
+          <a:blip r:embed="rId6">
+            <a:extLst>
+              <a:ext uri="{28A0092B-C50C-407E-A947-70E740481C1C}">
+                <a14:useLocalDpi xmlns:a14="http://schemas.microsoft.com/office/drawing/2010/main" val="0"/>
+              </a:ext>
+            </a:extLst>
+          </a:blip>
+          <a:stretch>
+            <a:fillRect/>
+          </a:stretch>
+        </p:blipFill>
+        <p:spPr>
+          <a:xfrm>
+            <a:off x="12014357" y="3267290"/>
+            <a:ext cx="3581400" cy="3784600"/>
+          </a:xfrm>
+          <a:prstGeom prst="rect">
+            <a:avLst/>
+          </a:prstGeom>
+        </p:spPr>
+      </p:pic>
       <p:sp>
         <p:nvSpPr>
           <p:cNvPr id="27" name="Rechteck 26">
@@ -5831,7 +5867,7 @@
           <p:nvPr/>
         </p:nvPicPr>
         <p:blipFill>
-          <a:blip r:embed="rId6"/>
+          <a:blip r:embed="rId7"/>
           <a:stretch>
             <a:fillRect/>
           </a:stretch>
@@ -5861,7 +5897,7 @@
           <p:nvPr/>
         </p:nvPicPr>
         <p:blipFill>
-          <a:blip r:embed="rId7"/>
+          <a:blip r:embed="rId8"/>
           <a:stretch>
             <a:fillRect/>
           </a:stretch>
@@ -5890,8 +5926,8 @@
         </p:nvSpPr>
         <p:spPr>
           <a:xfrm>
-            <a:off x="854627" y="3513522"/>
-            <a:ext cx="14528007" cy="3170099"/>
+            <a:off x="509675" y="3331941"/>
+            <a:ext cx="14528007" cy="3539430"/>
           </a:xfrm>
           <a:prstGeom prst="rect">
             <a:avLst/>
@@ -5913,12 +5949,53 @@
             </a:r>
           </a:p>
           <a:p>
+            <a:pPr algn="just"/>
             <a:r>
               <a:rPr lang="en-US" sz="2400" noProof="0" dirty="0">
                 <a:latin typeface="Source Sans Pro" panose="020B0503030403020204" pitchFamily="34" charset="0"/>
                 <a:ea typeface="Source Sans Pro" panose="020B0503030403020204" pitchFamily="34" charset="0"/>
               </a:rPr>
-              <a:t>In a small space called HeLa, there are many small molecules working together creating one unit. They are going through many seasons giving their all to make it work, but not necessarily everyone is working during every season. This is what makes living there for them so beautiful, after a lot of hard work many of them can gather their energy. One season is called mitosis and this is the season of our little protein </a:t>
+              <a:t>In a small space called HeLa, there are many small molecules working together creating </a:t>
+            </a:r>
+          </a:p>
+          <a:p>
+            <a:pPr algn="just"/>
+            <a:r>
+              <a:rPr lang="en-US" sz="2400" noProof="0" dirty="0">
+                <a:latin typeface="Source Sans Pro" panose="020B0503030403020204" pitchFamily="34" charset="0"/>
+                <a:ea typeface="Source Sans Pro" panose="020B0503030403020204" pitchFamily="34" charset="0"/>
+              </a:rPr>
+              <a:t>one unit. They are going through many seasons giving their all to make it work, but not </a:t>
+            </a:r>
+          </a:p>
+          <a:p>
+            <a:pPr algn="just"/>
+            <a:r>
+              <a:rPr lang="en-US" sz="2400" noProof="0" dirty="0">
+                <a:latin typeface="Source Sans Pro" panose="020B0503030403020204" pitchFamily="34" charset="0"/>
+                <a:ea typeface="Source Sans Pro" panose="020B0503030403020204" pitchFamily="34" charset="0"/>
+              </a:rPr>
+              <a:t>necessarily everyone is working during every season. This is what makes living there for </a:t>
+            </a:r>
+          </a:p>
+          <a:p>
+            <a:pPr algn="just"/>
+            <a:r>
+              <a:rPr lang="en-US" sz="2400" noProof="0" dirty="0">
+                <a:latin typeface="Source Sans Pro" panose="020B0503030403020204" pitchFamily="34" charset="0"/>
+                <a:ea typeface="Source Sans Pro" panose="020B0503030403020204" pitchFamily="34" charset="0"/>
+              </a:rPr>
+              <a:t>them so beautiful, after a lot of hard work many of them can gather their energy. One season </a:t>
+            </a:r>
+          </a:p>
+          <a:p>
+            <a:pPr algn="just"/>
+            <a:r>
+              <a:rPr lang="en-US" sz="2400" noProof="0" dirty="0">
+                <a:latin typeface="Source Sans Pro" panose="020B0503030403020204" pitchFamily="34" charset="0"/>
+                <a:ea typeface="Source Sans Pro" panose="020B0503030403020204" pitchFamily="34" charset="0"/>
+              </a:rPr>
+              <a:t>is called mitosis and this is the season of our little protein </a:t>
             </a:r>
             <a:r>
               <a:rPr lang="en-US" sz="2400" noProof="0" dirty="0" err="1">
@@ -5932,16 +6009,17 @@
                 <a:latin typeface="Source Sans Pro" panose="020B0503030403020204" pitchFamily="34" charset="0"/>
                 <a:ea typeface="Source Sans Pro" panose="020B0503030403020204" pitchFamily="34" charset="0"/>
               </a:rPr>
-              <a:t>. </a:t>
-            </a:r>
-          </a:p>
-          <a:p>
+              <a:t>. So, join us on his journey to </a:t>
+            </a:r>
+          </a:p>
+          <a:p>
+            <a:pPr algn="just"/>
             <a:r>
               <a:rPr lang="en-US" sz="2400" noProof="0" dirty="0">
                 <a:latin typeface="Source Sans Pro" panose="020B0503030403020204" pitchFamily="34" charset="0"/>
                 <a:ea typeface="Source Sans Pro" panose="020B0503030403020204" pitchFamily="34" charset="0"/>
               </a:rPr>
-              <a:t>So, join us on his journey to discover the village of HeLa. </a:t>
+              <a:t>discover the village of HeLa. </a:t>
             </a:r>
             <a:endParaRPr lang="en-US" sz="3600" noProof="0" dirty="0">
               <a:latin typeface="Source Sans Pro" panose="020B0503030403020204" pitchFamily="34" charset="0"/>
@@ -5970,7 +6048,7 @@
         </p:nvSpPr>
         <p:spPr>
           <a:xfrm>
-            <a:off x="15764119" y="3807041"/>
+            <a:off x="15585286" y="3683355"/>
             <a:ext cx="13785052" cy="6986528"/>
           </a:xfrm>
           <a:prstGeom prst="rect">
@@ -6363,7 +6441,7 @@
           <p:nvPr/>
         </p:nvPicPr>
         <p:blipFill>
-          <a:blip r:embed="rId8">
+          <a:blip r:embed="rId9">
             <a:extLst>
               <a:ext uri="{28A0092B-C50C-407E-A947-70E740481C1C}">
                 <a14:useLocalDpi xmlns:a14="http://schemas.microsoft.com/office/drawing/2010/main" val="0"/>
@@ -6399,7 +6477,7 @@
           <p:nvPr/>
         </p:nvPicPr>
         <p:blipFill>
-          <a:blip r:embed="rId9"/>
+          <a:blip r:embed="rId10"/>
           <a:stretch>
             <a:fillRect/>
           </a:stretch>
@@ -6442,6 +6520,7 @@
           </a:bodyPr>
           <a:lstStyle/>
           <a:p>
+            <a:pPr algn="just"/>
             <a:r>
               <a:rPr lang="en-US" sz="2400" noProof="0" dirty="0"/>
               <a:t>To verify the reproducibility of the triplicates in our dataset, Spearman correlations were calculated between all replicate–fraction combinations. The resulting correlation coefficients (</a:t>
@@ -6457,6 +6536,7 @@
             <a:endParaRPr lang="en-US" sz="2400" dirty="0"/>
           </a:p>
           <a:p>
+            <a:pPr algn="just"/>
             <a:r>
               <a:rPr lang="en-US" sz="2400" noProof="0" dirty="0"/>
               <a:t>Reproducibility is indicated by high correlations within corresponding fractions across replicates, which should appear as prominent diagonal patterns in 3×3 blocks on the heatmaps. </a:t>
@@ -6771,7 +6851,7 @@
           <p:nvPr/>
         </p:nvPicPr>
         <p:blipFill>
-          <a:blip r:embed="rId10">
+          <a:blip r:embed="rId11">
             <a:extLst>
               <a:ext uri="{28A0092B-C50C-407E-A947-70E740481C1C}">
                 <a14:useLocalDpi xmlns:a14="http://schemas.microsoft.com/office/drawing/2010/main" val="0"/>
@@ -6863,7 +6943,7 @@
           <p:nvPr/>
         </p:nvPicPr>
         <p:blipFill>
-          <a:blip r:embed="rId11">
+          <a:blip r:embed="rId12">
             <a:extLst>
               <a:ext uri="{28A0092B-C50C-407E-A947-70E740481C1C}">
                 <a14:useLocalDpi xmlns:a14="http://schemas.microsoft.com/office/drawing/2010/main" val="0"/>
@@ -7332,7 +7412,7 @@
           <p:nvPr/>
         </p:nvPicPr>
         <p:blipFill>
-          <a:blip r:embed="rId12">
+          <a:blip r:embed="rId13">
             <a:extLst>
               <a:ext uri="{28A0092B-C50C-407E-A947-70E740481C1C}">
                 <a14:useLocalDpi xmlns:a14="http://schemas.microsoft.com/office/drawing/2010/main" val="0"/>
@@ -7889,7 +7969,7 @@
           <p:nvPr/>
         </p:nvPicPr>
         <p:blipFill>
-          <a:blip r:embed="rId13">
+          <a:blip r:embed="rId14">
             <a:extLst>
               <a:ext uri="{28A0092B-C50C-407E-A947-70E740481C1C}">
                 <a14:useLocalDpi xmlns:a14="http://schemas.microsoft.com/office/drawing/2010/main" val="0"/>
@@ -8046,7 +8126,7 @@
           <p:nvPr/>
         </p:nvPicPr>
         <p:blipFill>
-          <a:blip r:embed="rId14">
+          <a:blip r:embed="rId15">
             <a:extLst>
               <a:ext uri="{28A0092B-C50C-407E-A947-70E740481C1C}">
                 <a14:useLocalDpi xmlns:a14="http://schemas.microsoft.com/office/drawing/2010/main" val="0"/>
@@ -8082,7 +8162,7 @@
           <p:nvPr/>
         </p:nvPicPr>
         <p:blipFill>
-          <a:blip r:embed="rId15">
+          <a:blip r:embed="rId16">
             <a:extLst>
               <a:ext uri="{28A0092B-C50C-407E-A947-70E740481C1C}">
                 <a14:useLocalDpi xmlns:a14="http://schemas.microsoft.com/office/drawing/2010/main" val="0"/>
@@ -8328,36 +8408,6 @@
           </a:p>
         </p:txBody>
       </p:sp>
-      <p:pic>
-        <p:nvPicPr>
-          <p:cNvPr id="63" name="Grafik 62">
-            <a:extLst>
-              <a:ext uri="{FF2B5EF4-FFF2-40B4-BE49-F238E27FC236}">
-                <a16:creationId xmlns:a16="http://schemas.microsoft.com/office/drawing/2014/main" id="{FD4CA340-4BD6-84DD-BCCB-37C40C9DF2EB}"/>
-              </a:ext>
-            </a:extLst>
-          </p:cNvPr>
-          <p:cNvPicPr>
-            <a:picLocks noChangeAspect="1"/>
-          </p:cNvPicPr>
-          <p:nvPr/>
-        </p:nvPicPr>
-        <p:blipFill>
-          <a:blip r:embed="rId16"/>
-          <a:stretch>
-            <a:fillRect/>
-          </a:stretch>
-        </p:blipFill>
-        <p:spPr>
-          <a:xfrm>
-            <a:off x="8502076" y="13319527"/>
-            <a:ext cx="6236519" cy="3421957"/>
-          </a:xfrm>
-          <a:prstGeom prst="rect">
-            <a:avLst/>
-          </a:prstGeom>
-        </p:spPr>
-      </p:pic>
       <p:grpSp>
         <p:nvGrpSpPr>
           <p:cNvPr id="64" name="Gruppieren 63">
@@ -8372,7 +8422,7 @@
         </p:nvGrpSpPr>
         <p:grpSpPr>
           <a:xfrm>
-            <a:off x="9116152" y="17381976"/>
+            <a:off x="9104295" y="17824999"/>
             <a:ext cx="4328867" cy="860116"/>
             <a:chOff x="9061760" y="14098081"/>
             <a:chExt cx="4328867" cy="860116"/>
@@ -8722,7 +8772,7 @@
           <p:nvPr>
             <p:extLst>
               <p:ext uri="{D42A27DB-BD31-4B8C-83A1-F6EECF244321}">
-                <p14:modId xmlns:p14="http://schemas.microsoft.com/office/powerpoint/2010/main" val="1586807200"/>
+                <p14:modId xmlns:p14="http://schemas.microsoft.com/office/powerpoint/2010/main" val="3449929746"/>
               </p:ext>
             </p:extLst>
           </p:nvPr>
@@ -8861,8 +8911,8 @@
         </p:nvSpPr>
         <p:spPr>
           <a:xfrm>
-            <a:off x="8478844" y="16779116"/>
-            <a:ext cx="6282985" cy="461665"/>
+            <a:off x="8284652" y="17079159"/>
+            <a:ext cx="6477177" cy="461665"/>
           </a:xfrm>
           <a:prstGeom prst="rect">
             <a:avLst/>
@@ -8894,21 +8944,7 @@
                 <a:latin typeface="Source Sans Pro" panose="020B0503030403020204" pitchFamily="34" charset="0"/>
                 <a:ea typeface="Source Sans Pro" panose="020B0503030403020204" pitchFamily="34" charset="0"/>
               </a:rPr>
-              <a:t>Plot shows normalized signal distributions as well as extracted descriptive parameters such as peak positions, peak heights, and shift distance, t-test </a:t>
-            </a:r>
-            <a:r>
-              <a:rPr lang="en-US" sz="1200" i="1" noProof="0" dirty="0" err="1">
-                <a:latin typeface="Source Sans Pro" panose="020B0503030403020204" pitchFamily="34" charset="0"/>
-                <a:ea typeface="Source Sans Pro" panose="020B0503030403020204" pitchFamily="34" charset="0"/>
-              </a:rPr>
-              <a:t>rsults</a:t>
-            </a:r>
-            <a:r>
-              <a:rPr lang="en-US" sz="1200" i="1" noProof="0" dirty="0">
-                <a:latin typeface="Source Sans Pro" panose="020B0503030403020204" pitchFamily="34" charset="0"/>
-                <a:ea typeface="Source Sans Pro" panose="020B0503030403020204" pitchFamily="34" charset="0"/>
-              </a:rPr>
-              <a:t>, etc. </a:t>
+              <a:t>Plot shows normalized signal distributions as well as extracted descriptive parameters such as peak positions, peak heights, and shift distance, t-test results. </a:t>
             </a:r>
           </a:p>
         </p:txBody>
@@ -10263,6 +10299,212 @@
             </a:p>
           </p:txBody>
         </p:sp>
+      </p:grpSp>
+      <p:pic>
+        <p:nvPicPr>
+          <p:cNvPr id="26" name="Grafik 25">
+            <a:extLst>
+              <a:ext uri="{FF2B5EF4-FFF2-40B4-BE49-F238E27FC236}">
+                <a16:creationId xmlns:a16="http://schemas.microsoft.com/office/drawing/2014/main" id="{FF2B16C0-4D27-B3B0-9EF9-A38D106ADDD4}"/>
+              </a:ext>
+            </a:extLst>
+          </p:cNvPr>
+          <p:cNvPicPr>
+            <a:picLocks noChangeAspect="1"/>
+          </p:cNvPicPr>
+          <p:nvPr/>
+        </p:nvPicPr>
+        <p:blipFill>
+          <a:blip r:embed="rId20"/>
+          <a:stretch>
+            <a:fillRect/>
+          </a:stretch>
+        </p:blipFill>
+        <p:spPr>
+          <a:xfrm>
+            <a:off x="31815832" y="30174766"/>
+            <a:ext cx="7990495" cy="8387688"/>
+          </a:xfrm>
+          <a:prstGeom prst="rect">
+            <a:avLst/>
+          </a:prstGeom>
+        </p:spPr>
+      </p:pic>
+      <p:sp>
+        <p:nvSpPr>
+          <p:cNvPr id="29" name="Textfeld 28">
+            <a:extLst>
+              <a:ext uri="{FF2B5EF4-FFF2-40B4-BE49-F238E27FC236}">
+                <a16:creationId xmlns:a16="http://schemas.microsoft.com/office/drawing/2014/main" id="{D9E3DE17-19D6-C882-BD2B-B4DF7821B309}"/>
+              </a:ext>
+            </a:extLst>
+          </p:cNvPr>
+          <p:cNvSpPr txBox="1"/>
+          <p:nvPr/>
+        </p:nvSpPr>
+        <p:spPr>
+          <a:xfrm>
+            <a:off x="12785535" y="5762230"/>
+            <a:ext cx="2032929" cy="461665"/>
+          </a:xfrm>
+          <a:prstGeom prst="rect">
+            <a:avLst/>
+          </a:prstGeom>
+          <a:noFill/>
+        </p:spPr>
+        <p:txBody>
+          <a:bodyPr wrap="none" rtlCol="0">
+            <a:spAutoFit/>
+          </a:bodyPr>
+          <a:lstStyle/>
+          <a:p>
+            <a:r>
+              <a:rPr lang="en-US" sz="2400" dirty="0">
+                <a:latin typeface="Source Sans Pro" panose="020B0503030403020204" pitchFamily="34" charset="0"/>
+                <a:ea typeface="Source Sans Pro" panose="020B0503030403020204" pitchFamily="34" charset="0"/>
+              </a:rPr>
+              <a:t>Hi, that’s me </a:t>
+            </a:r>
+            <a:r>
+              <a:rPr lang="en-US" sz="2400" dirty="0">
+                <a:latin typeface="Source Sans Pro" panose="020B0503030403020204" pitchFamily="34" charset="0"/>
+                <a:ea typeface="Source Sans Pro" panose="020B0503030403020204" pitchFamily="34" charset="0"/>
+                <a:sym typeface="Wingdings" pitchFamily="2" charset="2"/>
+              </a:rPr>
+              <a:t>:)</a:t>
+            </a:r>
+            <a:endParaRPr lang="en-US" sz="2400" dirty="0">
+              <a:latin typeface="Source Sans Pro" panose="020B0503030403020204" pitchFamily="34" charset="0"/>
+              <a:ea typeface="Source Sans Pro" panose="020B0503030403020204" pitchFamily="34" charset="0"/>
+            </a:endParaRPr>
+          </a:p>
+        </p:txBody>
+      </p:sp>
+      <p:sp>
+        <p:nvSpPr>
+          <p:cNvPr id="31" name="Textfeld 30">
+            <a:extLst>
+              <a:ext uri="{FF2B5EF4-FFF2-40B4-BE49-F238E27FC236}">
+                <a16:creationId xmlns:a16="http://schemas.microsoft.com/office/drawing/2014/main" id="{A3986082-ACAE-E00C-E675-E165A9064923}"/>
+              </a:ext>
+            </a:extLst>
+          </p:cNvPr>
+          <p:cNvSpPr txBox="1"/>
+          <p:nvPr/>
+        </p:nvSpPr>
+        <p:spPr>
+          <a:xfrm>
+            <a:off x="33929397" y="38539060"/>
+            <a:ext cx="5876930" cy="707886"/>
+          </a:xfrm>
+          <a:prstGeom prst="rect">
+            <a:avLst/>
+          </a:prstGeom>
+          <a:noFill/>
+        </p:spPr>
+        <p:txBody>
+          <a:bodyPr wrap="none" rtlCol="0">
+            <a:spAutoFit/>
+          </a:bodyPr>
+          <a:lstStyle/>
+          <a:p>
+            <a:r>
+              <a:rPr lang="en-US" sz="4000" dirty="0"/>
+              <a:t>40S ribosomal </a:t>
+            </a:r>
+            <a:r>
+              <a:rPr lang="en-US" sz="4000" dirty="0" err="1"/>
+              <a:t>Comnples</a:t>
+            </a:r>
+            <a:r>
+              <a:rPr lang="en-US" sz="4000" dirty="0"/>
+              <a:t> </a:t>
+            </a:r>
+          </a:p>
+        </p:txBody>
+      </p:sp>
+      <p:grpSp>
+        <p:nvGrpSpPr>
+          <p:cNvPr id="33" name="Gruppieren 32">
+            <a:extLst>
+              <a:ext uri="{FF2B5EF4-FFF2-40B4-BE49-F238E27FC236}">
+                <a16:creationId xmlns:a16="http://schemas.microsoft.com/office/drawing/2014/main" id="{7EF2C5A0-1A4D-BBE2-68F3-92BA157348B7}"/>
+              </a:ext>
+            </a:extLst>
+          </p:cNvPr>
+          <p:cNvGrpSpPr/>
+          <p:nvPr/>
+        </p:nvGrpSpPr>
+        <p:grpSpPr>
+          <a:xfrm>
+            <a:off x="8330622" y="13316348"/>
+            <a:ext cx="6325335" cy="3697912"/>
+            <a:chOff x="8330622" y="13316348"/>
+            <a:chExt cx="6325335" cy="3697912"/>
+          </a:xfrm>
+        </p:grpSpPr>
+        <p:pic>
+          <p:nvPicPr>
+            <p:cNvPr id="63" name="Grafik 62">
+              <a:extLst>
+                <a:ext uri="{FF2B5EF4-FFF2-40B4-BE49-F238E27FC236}">
+                  <a16:creationId xmlns:a16="http://schemas.microsoft.com/office/drawing/2014/main" id="{FD4CA340-4BD6-84DD-BCCB-37C40C9DF2EB}"/>
+                </a:ext>
+              </a:extLst>
+            </p:cNvPr>
+            <p:cNvPicPr>
+              <a:picLocks noChangeAspect="1"/>
+            </p:cNvPicPr>
+            <p:nvPr/>
+          </p:nvPicPr>
+          <p:blipFill>
+            <a:blip r:embed="rId21"/>
+            <a:srcRect r="35845"/>
+            <a:stretch>
+              <a:fillRect/>
+            </a:stretch>
+          </p:blipFill>
+          <p:spPr>
+            <a:xfrm>
+              <a:off x="8330622" y="13319527"/>
+              <a:ext cx="4320000" cy="3694733"/>
+            </a:xfrm>
+            <a:prstGeom prst="rect">
+              <a:avLst/>
+            </a:prstGeom>
+          </p:spPr>
+        </p:pic>
+        <p:pic>
+          <p:nvPicPr>
+            <p:cNvPr id="32" name="Grafik 31">
+              <a:extLst>
+                <a:ext uri="{FF2B5EF4-FFF2-40B4-BE49-F238E27FC236}">
+                  <a16:creationId xmlns:a16="http://schemas.microsoft.com/office/drawing/2014/main" id="{9D5BFB24-3391-7FAA-58A8-C93CD79023FF}"/>
+                </a:ext>
+              </a:extLst>
+            </p:cNvPr>
+            <p:cNvPicPr>
+              <a:picLocks noChangeAspect="1"/>
+            </p:cNvPicPr>
+            <p:nvPr/>
+          </p:nvPicPr>
+          <p:blipFill>
+            <a:blip r:embed="rId21"/>
+            <a:srcRect l="68080"/>
+            <a:stretch>
+              <a:fillRect/>
+            </a:stretch>
+          </p:blipFill>
+          <p:spPr>
+            <a:xfrm>
+              <a:off x="12507242" y="13316348"/>
+              <a:ext cx="2148715" cy="3693600"/>
+            </a:xfrm>
+            <a:prstGeom prst="rect">
+              <a:avLst/>
+            </a:prstGeom>
+          </p:spPr>
+        </p:pic>
       </p:grpSp>
     </p:spTree>
     <p:extLst>

--- a/RiboZwo.pptx
+++ b/RiboZwo.pptx
@@ -118,7 +118,7 @@
 <file path=ppt/revisionInfo.xml><?xml version="1.0" encoding="utf-8"?>
 <p1510:revInfo xmlns:a="http://schemas.openxmlformats.org/drawingml/2006/main" xmlns:r="http://schemas.openxmlformats.org/officeDocument/2006/relationships" xmlns:p1510="http://schemas.microsoft.com/office/powerpoint/2015/10/main">
   <p1510:revLst>
-    <p1510:client id="{E5A86D5C-552E-4995-AB32-5E49D96B1D3A}" v="31" dt="2025-07-04T12:58:18.777"/>
+    <p1510:client id="{E5A86D5C-552E-4995-AB32-5E49D96B1D3A}" v="33" dt="2025-07-04T15:29:38.462"/>
   </p1510:revLst>
 </p1510:revInfo>
 </file>
@@ -128,7 +128,7 @@
   <pc:docChgLst>
     <pc:chgData name="Cihan Zeyrek" userId="dd9724baaf2e43d1" providerId="LiveId" clId="{E5A86D5C-552E-4995-AB32-5E49D96B1D3A}"/>
     <pc:docChg chg="undo redo custSel delSld modSld">
-      <pc:chgData name="Cihan Zeyrek" userId="dd9724baaf2e43d1" providerId="LiveId" clId="{E5A86D5C-552E-4995-AB32-5E49D96B1D3A}" dt="2025-07-04T12:59:09.791" v="4429" actId="14100"/>
+      <pc:chgData name="Cihan Zeyrek" userId="dd9724baaf2e43d1" providerId="LiveId" clId="{E5A86D5C-552E-4995-AB32-5E49D96B1D3A}" dt="2025-07-04T15:33:10.495" v="4652" actId="113"/>
       <pc:docMkLst>
         <pc:docMk/>
       </pc:docMkLst>
@@ -220,7 +220,7 @@
         </pc:spChg>
       </pc:sldChg>
       <pc:sldChg chg="addSp delSp modSp mod">
-        <pc:chgData name="Cihan Zeyrek" userId="dd9724baaf2e43d1" providerId="LiveId" clId="{E5A86D5C-552E-4995-AB32-5E49D96B1D3A}" dt="2025-07-04T12:59:09.791" v="4429" actId="14100"/>
+        <pc:chgData name="Cihan Zeyrek" userId="dd9724baaf2e43d1" providerId="LiveId" clId="{E5A86D5C-552E-4995-AB32-5E49D96B1D3A}" dt="2025-07-04T15:33:10.495" v="4652" actId="113"/>
         <pc:sldMkLst>
           <pc:docMk/>
           <pc:sldMk cId="3613911005" sldId="258"/>
@@ -354,7 +354,7 @@
           </ac:spMkLst>
         </pc:spChg>
         <pc:spChg chg="add mod">
-          <ac:chgData name="Cihan Zeyrek" userId="dd9724baaf2e43d1" providerId="LiveId" clId="{E5A86D5C-552E-4995-AB32-5E49D96B1D3A}" dt="2025-07-04T12:11:53.989" v="4380" actId="1076"/>
+          <ac:chgData name="Cihan Zeyrek" userId="dd9724baaf2e43d1" providerId="LiveId" clId="{E5A86D5C-552E-4995-AB32-5E49D96B1D3A}" dt="2025-07-04T15:31:27.354" v="4566" actId="1076"/>
           <ac:spMkLst>
             <pc:docMk/>
             <pc:sldMk cId="3613911005" sldId="258"/>
@@ -386,7 +386,7 @@
           </ac:spMkLst>
         </pc:spChg>
         <pc:spChg chg="add mod">
-          <ac:chgData name="Cihan Zeyrek" userId="dd9724baaf2e43d1" providerId="LiveId" clId="{E5A86D5C-552E-4995-AB32-5E49D96B1D3A}" dt="2025-07-04T12:12:00.166" v="4381" actId="1076"/>
+          <ac:chgData name="Cihan Zeyrek" userId="dd9724baaf2e43d1" providerId="LiveId" clId="{E5A86D5C-552E-4995-AB32-5E49D96B1D3A}" dt="2025-07-04T15:33:10.495" v="4652" actId="113"/>
           <ac:spMkLst>
             <pc:docMk/>
             <pc:sldMk cId="3613911005" sldId="258"/>
@@ -1604,7 +1604,7 @@
           <a:p>
             <a:fld id="{12610477-6C94-4391-BBDC-B8E9BB33E658}" type="datetimeFigureOut">
               <a:rPr lang="de-DE" smtClean="0"/>
-              <a:t>04.07.25</a:t>
+              <a:t>04.07.2025</a:t>
             </a:fld>
             <a:endParaRPr lang="de-DE"/>
           </a:p>
@@ -2110,7 +2110,7 @@
           <a:p>
             <a:fld id="{F9ACF1CB-8064-4AFF-8DFB-49A00122A1FD}" type="datetimeFigureOut">
               <a:rPr lang="de-DE" smtClean="0"/>
-              <a:t>04.07.25</a:t>
+              <a:t>04.07.2025</a:t>
             </a:fld>
             <a:endParaRPr lang="de-DE"/>
           </a:p>
@@ -2280,7 +2280,7 @@
           <a:p>
             <a:fld id="{F9ACF1CB-8064-4AFF-8DFB-49A00122A1FD}" type="datetimeFigureOut">
               <a:rPr lang="de-DE" smtClean="0"/>
-              <a:t>04.07.25</a:t>
+              <a:t>04.07.2025</a:t>
             </a:fld>
             <a:endParaRPr lang="de-DE"/>
           </a:p>
@@ -2460,7 +2460,7 @@
           <a:p>
             <a:fld id="{F9ACF1CB-8064-4AFF-8DFB-49A00122A1FD}" type="datetimeFigureOut">
               <a:rPr lang="de-DE" smtClean="0"/>
-              <a:t>04.07.25</a:t>
+              <a:t>04.07.2025</a:t>
             </a:fld>
             <a:endParaRPr lang="de-DE"/>
           </a:p>
@@ -2630,7 +2630,7 @@
           <a:p>
             <a:fld id="{F9ACF1CB-8064-4AFF-8DFB-49A00122A1FD}" type="datetimeFigureOut">
               <a:rPr lang="de-DE" smtClean="0"/>
-              <a:t>04.07.25</a:t>
+              <a:t>04.07.2025</a:t>
             </a:fld>
             <a:endParaRPr lang="de-DE"/>
           </a:p>
@@ -2876,7 +2876,7 @@
           <a:p>
             <a:fld id="{F9ACF1CB-8064-4AFF-8DFB-49A00122A1FD}" type="datetimeFigureOut">
               <a:rPr lang="de-DE" smtClean="0"/>
-              <a:t>04.07.25</a:t>
+              <a:t>04.07.2025</a:t>
             </a:fld>
             <a:endParaRPr lang="de-DE"/>
           </a:p>
@@ -3108,7 +3108,7 @@
           <a:p>
             <a:fld id="{F9ACF1CB-8064-4AFF-8DFB-49A00122A1FD}" type="datetimeFigureOut">
               <a:rPr lang="de-DE" smtClean="0"/>
-              <a:t>04.07.25</a:t>
+              <a:t>04.07.2025</a:t>
             </a:fld>
             <a:endParaRPr lang="de-DE"/>
           </a:p>
@@ -3475,7 +3475,7 @@
           <a:p>
             <a:fld id="{F9ACF1CB-8064-4AFF-8DFB-49A00122A1FD}" type="datetimeFigureOut">
               <a:rPr lang="de-DE" smtClean="0"/>
-              <a:t>04.07.25</a:t>
+              <a:t>04.07.2025</a:t>
             </a:fld>
             <a:endParaRPr lang="de-DE"/>
           </a:p>
@@ -3593,7 +3593,7 @@
           <a:p>
             <a:fld id="{F9ACF1CB-8064-4AFF-8DFB-49A00122A1FD}" type="datetimeFigureOut">
               <a:rPr lang="de-DE" smtClean="0"/>
-              <a:t>04.07.25</a:t>
+              <a:t>04.07.2025</a:t>
             </a:fld>
             <a:endParaRPr lang="de-DE"/>
           </a:p>
@@ -3688,7 +3688,7 @@
           <a:p>
             <a:fld id="{F9ACF1CB-8064-4AFF-8DFB-49A00122A1FD}" type="datetimeFigureOut">
               <a:rPr lang="de-DE" smtClean="0"/>
-              <a:t>04.07.25</a:t>
+              <a:t>04.07.2025</a:t>
             </a:fld>
             <a:endParaRPr lang="de-DE"/>
           </a:p>
@@ -3965,7 +3965,7 @@
           <a:p>
             <a:fld id="{F9ACF1CB-8064-4AFF-8DFB-49A00122A1FD}" type="datetimeFigureOut">
               <a:rPr lang="de-DE" smtClean="0"/>
-              <a:t>04.07.25</a:t>
+              <a:t>04.07.2025</a:t>
             </a:fld>
             <a:endParaRPr lang="de-DE"/>
           </a:p>
@@ -4222,7 +4222,7 @@
           <a:p>
             <a:fld id="{F9ACF1CB-8064-4AFF-8DFB-49A00122A1FD}" type="datetimeFigureOut">
               <a:rPr lang="de-DE" smtClean="0"/>
-              <a:t>04.07.25</a:t>
+              <a:t>04.07.2025</a:t>
             </a:fld>
             <a:endParaRPr lang="de-DE"/>
           </a:p>
@@ -4507,7 +4507,7 @@
           <a:p>
             <a:fld id="{F9ACF1CB-8064-4AFF-8DFB-49A00122A1FD}" type="datetimeFigureOut">
               <a:rPr lang="de-DE" smtClean="0"/>
-              <a:t>04.07.25</a:t>
+              <a:t>04.07.2025</a:t>
             </a:fld>
             <a:endParaRPr lang="de-DE"/>
           </a:p>
@@ -7447,8 +7447,8 @@
         </p:nvSpPr>
         <p:spPr>
           <a:xfrm>
-            <a:off x="15633676" y="17652922"/>
-            <a:ext cx="6501830" cy="6370975"/>
+            <a:off x="15525487" y="17351590"/>
+            <a:ext cx="6440919" cy="7109639"/>
           </a:xfrm>
           <a:prstGeom prst="rect">
             <a:avLst/>
@@ -7488,7 +7488,7 @@
           <a:p>
             <a:r>
               <a:rPr lang="en-US" sz="2400" dirty="0"/>
-              <a:t>This scatterplot visualizes the resulting shift distances for each protein, comparing mitotic and non-synchronized conditions. Each point represents a protein and reflects its condition-specific RNA dependence. </a:t>
+              <a:t>This scatterplot visualizes the resulting shift distances for each protein, comparing mitotic and non-synchronized conditions. Each point represents a protein and reflects its condition-specific RNA dependence. The red dashed identity line marks equal shifts across both cell states. </a:t>
             </a:r>
           </a:p>
           <a:p>
@@ -7922,8 +7922,8 @@
         </p:nvSpPr>
         <p:spPr>
           <a:xfrm>
-            <a:off x="15595757" y="23876888"/>
-            <a:ext cx="13817660" cy="1477328"/>
+            <a:off x="15525487" y="23932563"/>
+            <a:ext cx="14181095" cy="1477328"/>
           </a:xfrm>
           <a:prstGeom prst="rect">
             <a:avLst/>
@@ -7938,7 +7938,15 @@
           <a:p>
             <a:r>
               <a:rPr lang="en-US" sz="2400" dirty="0"/>
-              <a:t>The red dashed identity line marks equal shifts across both cell states. Proteins falling below this line such as </a:t>
+              <a:t>Proteins falling below this line show significant RNA dependency exclusively during mitosis, suggesting that their activity is tightly linked to this specific cellular phase. In total </a:t>
+            </a:r>
+            <a:r>
+              <a:rPr lang="en-US" sz="2400" b="1" dirty="0"/>
+              <a:t>237 of the previous determined RBPs </a:t>
+            </a:r>
+            <a:r>
+              <a:rPr lang="en-US" sz="2400" dirty="0"/>
+              <a:t>fall below this line. One of them is </a:t>
             </a:r>
             <a:r>
               <a:rPr lang="en-US" sz="2400" b="1" dirty="0" err="1"/>
@@ -7946,7 +7954,7 @@
             </a:r>
             <a:r>
               <a:rPr lang="en-US" sz="2400" dirty="0"/>
-              <a:t> show stronger RNA dependency during mitosis, suggesting their role is tightly linked to this specific cellular phase. Indeed, mitosis appears to be the active season for our little RBP hero.</a:t>
+              <a:t>, so indeed mitosis appears to be his active season.</a:t>
             </a:r>
           </a:p>
           <a:p>

--- a/RiboZwo.pptx
+++ b/RiboZwo.pptx
@@ -717,7 +717,7 @@
             </c:spPr>
             <c:extLst>
               <c:ext xmlns:c16="http://schemas.microsoft.com/office/drawing/2014/chart" uri="{C3380CC4-5D6E-409C-BE32-E72D297353CC}">
-                <c16:uniqueId val="{00000001-C022-A447-B2AC-64D13C980A4C}"/>
+                <c16:uniqueId val="{00000001-119A-4941-8679-1565425C9F55}"/>
               </c:ext>
             </c:extLst>
           </c:dPt>
@@ -737,7 +737,7 @@
             </c:spPr>
             <c:extLst>
               <c:ext xmlns:c16="http://schemas.microsoft.com/office/drawing/2014/chart" uri="{C3380CC4-5D6E-409C-BE32-E72D297353CC}">
-                <c16:uniqueId val="{00000003-C022-A447-B2AC-64D13C980A4C}"/>
+                <c16:uniqueId val="{00000003-119A-4941-8679-1565425C9F55}"/>
               </c:ext>
             </c:extLst>
           </c:dPt>
@@ -757,7 +757,7 @@
             </c:spPr>
             <c:extLst>
               <c:ext xmlns:c16="http://schemas.microsoft.com/office/drawing/2014/chart" uri="{C3380CC4-5D6E-409C-BE32-E72D297353CC}">
-                <c16:uniqueId val="{00000005-C022-A447-B2AC-64D13C980A4C}"/>
+                <c16:uniqueId val="{00000005-119A-4941-8679-1565425C9F55}"/>
               </c:ext>
             </c:extLst>
           </c:dPt>
@@ -779,7 +779,7 @@
             </c:spPr>
             <c:extLst>
               <c:ext xmlns:c16="http://schemas.microsoft.com/office/drawing/2014/chart" uri="{C3380CC4-5D6E-409C-BE32-E72D297353CC}">
-                <c16:uniqueId val="{00000007-C022-A447-B2AC-64D13C980A4C}"/>
+                <c16:uniqueId val="{00000007-119A-4941-8679-1565425C9F55}"/>
               </c:ext>
             </c:extLst>
           </c:dPt>
@@ -865,7 +865,7 @@
           </c:val>
           <c:extLst>
             <c:ext xmlns:c16="http://schemas.microsoft.com/office/drawing/2014/chart" uri="{C3380CC4-5D6E-409C-BE32-E72D297353CC}">
-              <c16:uniqueId val="{00000008-C022-A447-B2AC-64D13C980A4C}"/>
+              <c16:uniqueId val="{00000008-119A-4941-8679-1565425C9F55}"/>
             </c:ext>
           </c:extLst>
         </c:ser>
@@ -1604,7 +1604,7 @@
           <a:p>
             <a:fld id="{12610477-6C94-4391-BBDC-B8E9BB33E658}" type="datetimeFigureOut">
               <a:rPr lang="de-DE" smtClean="0"/>
-              <a:t>04.07.2025</a:t>
+              <a:t>05.07.25</a:t>
             </a:fld>
             <a:endParaRPr lang="de-DE"/>
           </a:p>
@@ -2110,7 +2110,7 @@
           <a:p>
             <a:fld id="{F9ACF1CB-8064-4AFF-8DFB-49A00122A1FD}" type="datetimeFigureOut">
               <a:rPr lang="de-DE" smtClean="0"/>
-              <a:t>04.07.2025</a:t>
+              <a:t>05.07.25</a:t>
             </a:fld>
             <a:endParaRPr lang="de-DE"/>
           </a:p>
@@ -2280,7 +2280,7 @@
           <a:p>
             <a:fld id="{F9ACF1CB-8064-4AFF-8DFB-49A00122A1FD}" type="datetimeFigureOut">
               <a:rPr lang="de-DE" smtClean="0"/>
-              <a:t>04.07.2025</a:t>
+              <a:t>05.07.25</a:t>
             </a:fld>
             <a:endParaRPr lang="de-DE"/>
           </a:p>
@@ -2460,7 +2460,7 @@
           <a:p>
             <a:fld id="{F9ACF1CB-8064-4AFF-8DFB-49A00122A1FD}" type="datetimeFigureOut">
               <a:rPr lang="de-DE" smtClean="0"/>
-              <a:t>04.07.2025</a:t>
+              <a:t>05.07.25</a:t>
             </a:fld>
             <a:endParaRPr lang="de-DE"/>
           </a:p>
@@ -2630,7 +2630,7 @@
           <a:p>
             <a:fld id="{F9ACF1CB-8064-4AFF-8DFB-49A00122A1FD}" type="datetimeFigureOut">
               <a:rPr lang="de-DE" smtClean="0"/>
-              <a:t>04.07.2025</a:t>
+              <a:t>05.07.25</a:t>
             </a:fld>
             <a:endParaRPr lang="de-DE"/>
           </a:p>
@@ -2876,7 +2876,7 @@
           <a:p>
             <a:fld id="{F9ACF1CB-8064-4AFF-8DFB-49A00122A1FD}" type="datetimeFigureOut">
               <a:rPr lang="de-DE" smtClean="0"/>
-              <a:t>04.07.2025</a:t>
+              <a:t>05.07.25</a:t>
             </a:fld>
             <a:endParaRPr lang="de-DE"/>
           </a:p>
@@ -3108,7 +3108,7 @@
           <a:p>
             <a:fld id="{F9ACF1CB-8064-4AFF-8DFB-49A00122A1FD}" type="datetimeFigureOut">
               <a:rPr lang="de-DE" smtClean="0"/>
-              <a:t>04.07.2025</a:t>
+              <a:t>05.07.25</a:t>
             </a:fld>
             <a:endParaRPr lang="de-DE"/>
           </a:p>
@@ -3475,7 +3475,7 @@
           <a:p>
             <a:fld id="{F9ACF1CB-8064-4AFF-8DFB-49A00122A1FD}" type="datetimeFigureOut">
               <a:rPr lang="de-DE" smtClean="0"/>
-              <a:t>04.07.2025</a:t>
+              <a:t>05.07.25</a:t>
             </a:fld>
             <a:endParaRPr lang="de-DE"/>
           </a:p>
@@ -3593,7 +3593,7 @@
           <a:p>
             <a:fld id="{F9ACF1CB-8064-4AFF-8DFB-49A00122A1FD}" type="datetimeFigureOut">
               <a:rPr lang="de-DE" smtClean="0"/>
-              <a:t>04.07.2025</a:t>
+              <a:t>05.07.25</a:t>
             </a:fld>
             <a:endParaRPr lang="de-DE"/>
           </a:p>
@@ -3688,7 +3688,7 @@
           <a:p>
             <a:fld id="{F9ACF1CB-8064-4AFF-8DFB-49A00122A1FD}" type="datetimeFigureOut">
               <a:rPr lang="de-DE" smtClean="0"/>
-              <a:t>04.07.2025</a:t>
+              <a:t>05.07.25</a:t>
             </a:fld>
             <a:endParaRPr lang="de-DE"/>
           </a:p>
@@ -3965,7 +3965,7 @@
           <a:p>
             <a:fld id="{F9ACF1CB-8064-4AFF-8DFB-49A00122A1FD}" type="datetimeFigureOut">
               <a:rPr lang="de-DE" smtClean="0"/>
-              <a:t>04.07.2025</a:t>
+              <a:t>05.07.25</a:t>
             </a:fld>
             <a:endParaRPr lang="de-DE"/>
           </a:p>
@@ -4222,7 +4222,7 @@
           <a:p>
             <a:fld id="{F9ACF1CB-8064-4AFF-8DFB-49A00122A1FD}" type="datetimeFigureOut">
               <a:rPr lang="de-DE" smtClean="0"/>
-              <a:t>04.07.2025</a:t>
+              <a:t>05.07.25</a:t>
             </a:fld>
             <a:endParaRPr lang="de-DE"/>
           </a:p>
@@ -4507,7 +4507,7 @@
           <a:p>
             <a:fld id="{F9ACF1CB-8064-4AFF-8DFB-49A00122A1FD}" type="datetimeFigureOut">
               <a:rPr lang="de-DE" smtClean="0"/>
-              <a:t>04.07.2025</a:t>
+              <a:t>05.07.25</a:t>
             </a:fld>
             <a:endParaRPr lang="de-DE"/>
           </a:p>
@@ -5332,68 +5332,6 @@
       </p:sp>
       <p:sp>
         <p:nvSpPr>
-          <p:cNvPr id="23" name="Abgerundetes Rechteck 22">
-            <a:extLst>
-              <a:ext uri="{FF2B5EF4-FFF2-40B4-BE49-F238E27FC236}">
-                <a16:creationId xmlns:a16="http://schemas.microsoft.com/office/drawing/2014/main" id="{05D3A7DB-93DD-7817-A586-701FA44BDDE8}"/>
-              </a:ext>
-            </a:extLst>
-          </p:cNvPr>
-          <p:cNvSpPr/>
-          <p:nvPr/>
-        </p:nvSpPr>
-        <p:spPr>
-          <a:xfrm>
-            <a:off x="563913" y="28191603"/>
-            <a:ext cx="14217724" cy="10003290"/>
-          </a:xfrm>
-          <a:prstGeom prst="roundRect">
-            <a:avLst>
-              <a:gd name="adj" fmla="val 5966"/>
-            </a:avLst>
-          </a:prstGeom>
-          <a:solidFill>
-            <a:srgbClr val="E49596">
-              <a:alpha val="12907"/>
-            </a:srgbClr>
-          </a:solidFill>
-          <a:ln w="63500">
-            <a:solidFill>
-              <a:srgbClr val="B22F28"/>
-            </a:solidFill>
-          </a:ln>
-        </p:spPr>
-        <p:style>
-          <a:lnRef idx="2">
-            <a:schemeClr val="accent1">
-              <a:shade val="15000"/>
-            </a:schemeClr>
-          </a:lnRef>
-          <a:fillRef idx="1">
-            <a:schemeClr val="accent1"/>
-          </a:fillRef>
-          <a:effectRef idx="0">
-            <a:schemeClr val="accent1"/>
-          </a:effectRef>
-          <a:fontRef idx="minor">
-            <a:schemeClr val="lt1"/>
-          </a:fontRef>
-        </p:style>
-        <p:txBody>
-          <a:bodyPr rtlCol="0" anchor="t"/>
-          <a:lstStyle/>
-          <a:p>
-            <a:pPr algn="r"/>
-            <a:endParaRPr lang="en-US" sz="3600" noProof="0" dirty="0">
-              <a:solidFill>
-                <a:schemeClr val="tx1"/>
-              </a:solidFill>
-            </a:endParaRPr>
-          </a:p>
-        </p:txBody>
-      </p:sp>
-      <p:sp>
-        <p:nvSpPr>
           <p:cNvPr id="4" name="Rechteck 3">
             <a:extLst>
               <a:ext uri="{FF2B5EF4-FFF2-40B4-BE49-F238E27FC236}">
@@ -5791,64 +5729,6 @@
               <a:latin typeface="Source Sans Pro" panose="020B0503030403020204" pitchFamily="34" charset="0"/>
               <a:ea typeface="Source Sans Pro" panose="020B0503030403020204" pitchFamily="34" charset="0"/>
             </a:endParaRPr>
-          </a:p>
-        </p:txBody>
-      </p:sp>
-      <p:sp>
-        <p:nvSpPr>
-          <p:cNvPr id="17" name="Rechteck 16">
-            <a:extLst>
-              <a:ext uri="{FF2B5EF4-FFF2-40B4-BE49-F238E27FC236}">
-                <a16:creationId xmlns:a16="http://schemas.microsoft.com/office/drawing/2014/main" id="{78BA0288-07D1-398D-6200-42A4A63DE015}"/>
-              </a:ext>
-            </a:extLst>
-          </p:cNvPr>
-          <p:cNvSpPr/>
-          <p:nvPr/>
-        </p:nvSpPr>
-        <p:spPr>
-          <a:xfrm>
-            <a:off x="854627" y="28439764"/>
-            <a:ext cx="12383450" cy="7837827"/>
-          </a:xfrm>
-          <a:prstGeom prst="rect">
-            <a:avLst/>
-          </a:prstGeom>
-          <a:noFill/>
-          <a:ln w="44450">
-            <a:noFill/>
-          </a:ln>
-        </p:spPr>
-        <p:style>
-          <a:lnRef idx="2">
-            <a:schemeClr val="accent1">
-              <a:shade val="15000"/>
-            </a:schemeClr>
-          </a:lnRef>
-          <a:fillRef idx="1">
-            <a:schemeClr val="accent1"/>
-          </a:fillRef>
-          <a:effectRef idx="0">
-            <a:schemeClr val="accent1"/>
-          </a:effectRef>
-          <a:fontRef idx="minor">
-            <a:schemeClr val="lt1"/>
-          </a:fontRef>
-        </p:style>
-        <p:txBody>
-          <a:bodyPr rtlCol="0" anchor="t"/>
-          <a:lstStyle/>
-          <a:p>
-            <a:r>
-              <a:rPr lang="en-US" sz="4000" noProof="0" dirty="0">
-                <a:solidFill>
-                  <a:schemeClr val="tx1"/>
-                </a:solidFill>
-                <a:latin typeface="Source Sans Pro" panose="020B0503030403020204" pitchFamily="34" charset="0"/>
-                <a:ea typeface="Source Sans Pro" panose="020B0503030403020204" pitchFamily="34" charset="0"/>
-              </a:rPr>
-              <a:t>Linear Regression: Determining my weight</a:t>
-            </a:r>
           </a:p>
         </p:txBody>
       </p:sp>
@@ -6462,36 +6342,6 @@
           </a:prstGeom>
         </p:spPr>
       </p:pic>
-      <p:pic>
-        <p:nvPicPr>
-          <p:cNvPr id="38" name="Grafik 37">
-            <a:extLst>
-              <a:ext uri="{FF2B5EF4-FFF2-40B4-BE49-F238E27FC236}">
-                <a16:creationId xmlns:a16="http://schemas.microsoft.com/office/drawing/2014/main" id="{E5FDED8C-E7AC-C058-2B47-E49642388937}"/>
-              </a:ext>
-            </a:extLst>
-          </p:cNvPr>
-          <p:cNvPicPr>
-            <a:picLocks noChangeAspect="1"/>
-          </p:cNvPicPr>
-          <p:nvPr/>
-        </p:nvPicPr>
-        <p:blipFill>
-          <a:blip r:embed="rId10"/>
-          <a:stretch>
-            <a:fillRect/>
-          </a:stretch>
-        </p:blipFill>
-        <p:spPr>
-          <a:xfrm>
-            <a:off x="6929493" y="31010872"/>
-            <a:ext cx="6449752" cy="4364752"/>
-          </a:xfrm>
-          <a:prstGeom prst="rect">
-            <a:avLst/>
-          </a:prstGeom>
-        </p:spPr>
-      </p:pic>
       <p:sp>
         <p:nvSpPr>
           <p:cNvPr id="13" name="Textfeld 12">
@@ -6851,7 +6701,7 @@
           <p:nvPr/>
         </p:nvPicPr>
         <p:blipFill>
-          <a:blip r:embed="rId11">
+          <a:blip r:embed="rId10">
             <a:extLst>
               <a:ext uri="{28A0092B-C50C-407E-A947-70E740481C1C}">
                 <a14:useLocalDpi xmlns:a14="http://schemas.microsoft.com/office/drawing/2010/main" val="0"/>
@@ -6943,7 +6793,7 @@
           <p:nvPr/>
         </p:nvPicPr>
         <p:blipFill>
-          <a:blip r:embed="rId12">
+          <a:blip r:embed="rId11">
             <a:extLst>
               <a:ext uri="{28A0092B-C50C-407E-A947-70E740481C1C}">
                 <a14:useLocalDpi xmlns:a14="http://schemas.microsoft.com/office/drawing/2010/main" val="0"/>
@@ -7412,7 +7262,7 @@
           <p:nvPr/>
         </p:nvPicPr>
         <p:blipFill>
-          <a:blip r:embed="rId13">
+          <a:blip r:embed="rId12">
             <a:extLst>
               <a:ext uri="{28A0092B-C50C-407E-A947-70E740481C1C}">
                 <a14:useLocalDpi xmlns:a14="http://schemas.microsoft.com/office/drawing/2010/main" val="0"/>
@@ -7461,6 +7311,7 @@
           </a:bodyPr>
           <a:lstStyle/>
           <a:p>
+            <a:pPr algn="just"/>
             <a:r>
               <a:rPr lang="de-DE" sz="2400" b="1" dirty="0" err="1"/>
               <a:t>Comparative</a:t>
@@ -7472,6 +7323,7 @@
             <a:endParaRPr lang="en-US" sz="2400" b="1" dirty="0"/>
           </a:p>
           <a:p>
+            <a:pPr algn="just"/>
             <a:r>
               <a:rPr lang="en-US" sz="2400" dirty="0"/>
               <a:t>To investigate RNA-binding protein (RBP) activity beyond mitosis, we applied the same shift analysis pipeline to non-synchronized HeLa cells. For each protein, shift distances were calculated using center of mass (</a:t>
@@ -7486,12 +7338,14 @@
             </a:r>
           </a:p>
           <a:p>
+            <a:pPr algn="just"/>
             <a:r>
               <a:rPr lang="en-US" sz="2400" dirty="0"/>
               <a:t>This scatterplot visualizes the resulting shift distances for each protein, comparing mitotic and non-synchronized conditions. Each point represents a protein and reflects its condition-specific RNA dependence. The red dashed identity line marks equal shifts across both cell states. </a:t>
             </a:r>
           </a:p>
           <a:p>
+            <a:pPr algn="just"/>
             <a:endParaRPr lang="en-US" sz="2400" dirty="0"/>
           </a:p>
         </p:txBody>
@@ -7936,6 +7790,7 @@
           </a:bodyPr>
           <a:lstStyle/>
           <a:p>
+            <a:pPr algn="just"/>
             <a:r>
               <a:rPr lang="en-US" sz="2400" dirty="0"/>
               <a:t>Proteins falling below this line show significant RNA dependency exclusively during mitosis, suggesting that their activity is tightly linked to this specific cellular phase. In total </a:t>
@@ -7958,6 +7813,7 @@
             </a:r>
           </a:p>
           <a:p>
+            <a:pPr algn="just"/>
             <a:endParaRPr lang="en-US" dirty="0"/>
           </a:p>
         </p:txBody>
@@ -7977,7 +7833,7 @@
           <p:nvPr/>
         </p:nvPicPr>
         <p:blipFill>
-          <a:blip r:embed="rId14">
+          <a:blip r:embed="rId13">
             <a:extLst>
               <a:ext uri="{28A0092B-C50C-407E-A947-70E740481C1C}">
                 <a14:useLocalDpi xmlns:a14="http://schemas.microsoft.com/office/drawing/2010/main" val="0"/>
@@ -7999,12 +7855,255 @@
           </a:prstGeom>
         </p:spPr>
       </p:pic>
-      <p:sp>
-        <p:nvSpPr>
-          <p:cNvPr id="53" name="Abgerundetes Rechteck 52">
+      <p:pic>
+        <p:nvPicPr>
+          <p:cNvPr id="26" name="Grafik 25">
             <a:extLst>
               <a:ext uri="{FF2B5EF4-FFF2-40B4-BE49-F238E27FC236}">
-                <a16:creationId xmlns:a16="http://schemas.microsoft.com/office/drawing/2014/main" id="{9268DEE9-5436-15CA-14E4-ECD8F92A81D9}"/>
+                <a16:creationId xmlns:a16="http://schemas.microsoft.com/office/drawing/2014/main" id="{FF2B16C0-4D27-B3B0-9EF9-A38D106ADDD4}"/>
+              </a:ext>
+            </a:extLst>
+          </p:cNvPr>
+          <p:cNvPicPr>
+            <a:picLocks noChangeAspect="1"/>
+          </p:cNvPicPr>
+          <p:nvPr/>
+        </p:nvPicPr>
+        <p:blipFill>
+          <a:blip r:embed="rId14"/>
+          <a:stretch>
+            <a:fillRect/>
+          </a:stretch>
+        </p:blipFill>
+        <p:spPr>
+          <a:xfrm>
+            <a:off x="31815832" y="30174766"/>
+            <a:ext cx="7990495" cy="8387688"/>
+          </a:xfrm>
+          <a:prstGeom prst="rect">
+            <a:avLst/>
+          </a:prstGeom>
+        </p:spPr>
+      </p:pic>
+      <p:sp>
+        <p:nvSpPr>
+          <p:cNvPr id="29" name="Textfeld 28">
+            <a:extLst>
+              <a:ext uri="{FF2B5EF4-FFF2-40B4-BE49-F238E27FC236}">
+                <a16:creationId xmlns:a16="http://schemas.microsoft.com/office/drawing/2014/main" id="{D9E3DE17-19D6-C882-BD2B-B4DF7821B309}"/>
+              </a:ext>
+            </a:extLst>
+          </p:cNvPr>
+          <p:cNvSpPr txBox="1"/>
+          <p:nvPr/>
+        </p:nvSpPr>
+        <p:spPr>
+          <a:xfrm>
+            <a:off x="12785535" y="5762230"/>
+            <a:ext cx="2032929" cy="461665"/>
+          </a:xfrm>
+          <a:prstGeom prst="rect">
+            <a:avLst/>
+          </a:prstGeom>
+          <a:noFill/>
+        </p:spPr>
+        <p:txBody>
+          <a:bodyPr wrap="none" rtlCol="0">
+            <a:spAutoFit/>
+          </a:bodyPr>
+          <a:lstStyle/>
+          <a:p>
+            <a:r>
+              <a:rPr lang="en-US" sz="2400" dirty="0">
+                <a:latin typeface="Source Sans Pro" panose="020B0503030403020204" pitchFamily="34" charset="0"/>
+                <a:ea typeface="Source Sans Pro" panose="020B0503030403020204" pitchFamily="34" charset="0"/>
+              </a:rPr>
+              <a:t>Hi, that’s me </a:t>
+            </a:r>
+            <a:r>
+              <a:rPr lang="en-US" sz="2400" dirty="0">
+                <a:latin typeface="Source Sans Pro" panose="020B0503030403020204" pitchFamily="34" charset="0"/>
+                <a:ea typeface="Source Sans Pro" panose="020B0503030403020204" pitchFamily="34" charset="0"/>
+                <a:sym typeface="Wingdings" pitchFamily="2" charset="2"/>
+              </a:rPr>
+              <a:t>:)</a:t>
+            </a:r>
+            <a:endParaRPr lang="en-US" sz="2400" dirty="0">
+              <a:latin typeface="Source Sans Pro" panose="020B0503030403020204" pitchFamily="34" charset="0"/>
+              <a:ea typeface="Source Sans Pro" panose="020B0503030403020204" pitchFamily="34" charset="0"/>
+            </a:endParaRPr>
+          </a:p>
+        </p:txBody>
+      </p:sp>
+      <p:sp>
+        <p:nvSpPr>
+          <p:cNvPr id="31" name="Textfeld 30">
+            <a:extLst>
+              <a:ext uri="{FF2B5EF4-FFF2-40B4-BE49-F238E27FC236}">
+                <a16:creationId xmlns:a16="http://schemas.microsoft.com/office/drawing/2014/main" id="{A3986082-ACAE-E00C-E675-E165A9064923}"/>
+              </a:ext>
+            </a:extLst>
+          </p:cNvPr>
+          <p:cNvSpPr txBox="1"/>
+          <p:nvPr/>
+        </p:nvSpPr>
+        <p:spPr>
+          <a:xfrm>
+            <a:off x="33929397" y="38539060"/>
+            <a:ext cx="5876930" cy="707886"/>
+          </a:xfrm>
+          <a:prstGeom prst="rect">
+            <a:avLst/>
+          </a:prstGeom>
+          <a:noFill/>
+        </p:spPr>
+        <p:txBody>
+          <a:bodyPr wrap="none" rtlCol="0">
+            <a:spAutoFit/>
+          </a:bodyPr>
+          <a:lstStyle/>
+          <a:p>
+            <a:r>
+              <a:rPr lang="en-US" sz="4000" dirty="0"/>
+              <a:t>40S ribosomal </a:t>
+            </a:r>
+            <a:r>
+              <a:rPr lang="en-US" sz="4000" dirty="0" err="1"/>
+              <a:t>Comnples</a:t>
+            </a:r>
+            <a:r>
+              <a:rPr lang="en-US" sz="4000" dirty="0"/>
+              <a:t> </a:t>
+            </a:r>
+          </a:p>
+        </p:txBody>
+      </p:sp>
+      <p:sp>
+        <p:nvSpPr>
+          <p:cNvPr id="34" name="Abgerundetes Rechteck 33">
+            <a:extLst>
+              <a:ext uri="{FF2B5EF4-FFF2-40B4-BE49-F238E27FC236}">
+                <a16:creationId xmlns:a16="http://schemas.microsoft.com/office/drawing/2014/main" id="{E57C5735-A839-978B-E97E-C40A03C77A4E}"/>
+              </a:ext>
+            </a:extLst>
+          </p:cNvPr>
+          <p:cNvSpPr/>
+          <p:nvPr/>
+        </p:nvSpPr>
+        <p:spPr>
+          <a:xfrm>
+            <a:off x="563913" y="28191603"/>
+            <a:ext cx="14217724" cy="10272348"/>
+          </a:xfrm>
+          <a:prstGeom prst="roundRect">
+            <a:avLst>
+              <a:gd name="adj" fmla="val 5966"/>
+            </a:avLst>
+          </a:prstGeom>
+          <a:solidFill>
+            <a:srgbClr val="E49596">
+              <a:alpha val="12907"/>
+            </a:srgbClr>
+          </a:solidFill>
+          <a:ln w="63500">
+            <a:solidFill>
+              <a:srgbClr val="B22F28"/>
+            </a:solidFill>
+          </a:ln>
+        </p:spPr>
+        <p:style>
+          <a:lnRef idx="2">
+            <a:schemeClr val="accent1">
+              <a:shade val="15000"/>
+            </a:schemeClr>
+          </a:lnRef>
+          <a:fillRef idx="1">
+            <a:schemeClr val="accent1"/>
+          </a:fillRef>
+          <a:effectRef idx="0">
+            <a:schemeClr val="accent1"/>
+          </a:effectRef>
+          <a:fontRef idx="minor">
+            <a:schemeClr val="lt1"/>
+          </a:fontRef>
+        </p:style>
+        <p:txBody>
+          <a:bodyPr rtlCol="0" anchor="t"/>
+          <a:lstStyle/>
+          <a:p>
+            <a:pPr algn="r"/>
+            <a:endParaRPr lang="en-US" sz="3600" noProof="0" dirty="0">
+              <a:solidFill>
+                <a:schemeClr val="tx1"/>
+              </a:solidFill>
+            </a:endParaRPr>
+          </a:p>
+        </p:txBody>
+      </p:sp>
+      <p:sp>
+        <p:nvSpPr>
+          <p:cNvPr id="35" name="Rechteck 34">
+            <a:extLst>
+              <a:ext uri="{FF2B5EF4-FFF2-40B4-BE49-F238E27FC236}">
+                <a16:creationId xmlns:a16="http://schemas.microsoft.com/office/drawing/2014/main" id="{885F0DB2-E77C-87F4-8AD3-6F6934502130}"/>
+              </a:ext>
+            </a:extLst>
+          </p:cNvPr>
+          <p:cNvSpPr/>
+          <p:nvPr/>
+        </p:nvSpPr>
+        <p:spPr>
+          <a:xfrm>
+            <a:off x="854627" y="28439764"/>
+            <a:ext cx="12383450" cy="7837827"/>
+          </a:xfrm>
+          <a:prstGeom prst="rect">
+            <a:avLst/>
+          </a:prstGeom>
+          <a:noFill/>
+          <a:ln w="44450">
+            <a:noFill/>
+          </a:ln>
+        </p:spPr>
+        <p:style>
+          <a:lnRef idx="2">
+            <a:schemeClr val="accent1">
+              <a:shade val="15000"/>
+            </a:schemeClr>
+          </a:lnRef>
+          <a:fillRef idx="1">
+            <a:schemeClr val="accent1"/>
+          </a:fillRef>
+          <a:effectRef idx="0">
+            <a:schemeClr val="accent1"/>
+          </a:effectRef>
+          <a:fontRef idx="minor">
+            <a:schemeClr val="lt1"/>
+          </a:fontRef>
+        </p:style>
+        <p:txBody>
+          <a:bodyPr rtlCol="0" anchor="t"/>
+          <a:lstStyle/>
+          <a:p>
+            <a:r>
+              <a:rPr lang="en-US" sz="4000" noProof="0" dirty="0">
+                <a:solidFill>
+                  <a:schemeClr val="tx1"/>
+                </a:solidFill>
+                <a:latin typeface="Source Sans Pro" panose="020B0503030403020204" pitchFamily="34" charset="0"/>
+                <a:ea typeface="Source Sans Pro" panose="020B0503030403020204" pitchFamily="34" charset="0"/>
+              </a:rPr>
+              <a:t>Linear Regression: Determining my weight</a:t>
+            </a:r>
+          </a:p>
+        </p:txBody>
+      </p:sp>
+      <p:sp>
+        <p:nvSpPr>
+          <p:cNvPr id="37" name="Abgerundetes Rechteck 36">
+            <a:extLst>
+              <a:ext uri="{FF2B5EF4-FFF2-40B4-BE49-F238E27FC236}">
+                <a16:creationId xmlns:a16="http://schemas.microsoft.com/office/drawing/2014/main" id="{04B7D9EB-4904-836D-8358-7A7A4B5DF89F}"/>
               </a:ext>
             </a:extLst>
           </p:cNvPr>
@@ -8063,10 +8162,10 @@
       </p:sp>
       <p:sp>
         <p:nvSpPr>
-          <p:cNvPr id="54" name="Rechteck 53">
+          <p:cNvPr id="39" name="Rechteck 38">
             <a:extLst>
               <a:ext uri="{FF2B5EF4-FFF2-40B4-BE49-F238E27FC236}">
-                <a16:creationId xmlns:a16="http://schemas.microsoft.com/office/drawing/2014/main" id="{DA404413-BF56-1993-6DD5-0DDBFE5DD40B}"/>
+                <a16:creationId xmlns:a16="http://schemas.microsoft.com/office/drawing/2014/main" id="{0604AFDE-5E6E-0DBF-7E4A-46F622D5C0E2}"/>
               </a:ext>
             </a:extLst>
           </p:cNvPr>
@@ -8121,10 +8220,10 @@
       </p:sp>
       <p:pic>
         <p:nvPicPr>
-          <p:cNvPr id="57" name="Grafik 56" descr="Ein Bild, das Reihe, Diagramm, Text, Screenshot enthält.&#10;&#10;KI-generierte Inhalte können fehlerhaft sein.">
+          <p:cNvPr id="40" name="Grafik 39" descr="Ein Bild, das Reihe, Diagramm, Text, Screenshot enthält.&#10;&#10;KI-generierte Inhalte können fehlerhaft sein.">
             <a:extLst>
               <a:ext uri="{FF2B5EF4-FFF2-40B4-BE49-F238E27FC236}">
-                <a16:creationId xmlns:a16="http://schemas.microsoft.com/office/drawing/2014/main" id="{51A301F2-9CC3-A70C-E21D-7315395D6271}"/>
+                <a16:creationId xmlns:a16="http://schemas.microsoft.com/office/drawing/2014/main" id="{DCE33149-2988-B52D-D295-37B4094A7844}"/>
               </a:ext>
             </a:extLst>
           </p:cNvPr>
@@ -8157,10 +8256,10 @@
       </p:pic>
       <p:pic>
         <p:nvPicPr>
-          <p:cNvPr id="59" name="Grafik 58" descr="Ein Bild, das Text, Diagramm, Reihe, Screenshot enthält.&#10;&#10;KI-generierte Inhalte können fehlerhaft sein.">
+          <p:cNvPr id="41" name="Grafik 40" descr="Ein Bild, das Text, Diagramm, Reihe, Screenshot enthält.&#10;&#10;KI-generierte Inhalte können fehlerhaft sein.">
             <a:extLst>
               <a:ext uri="{FF2B5EF4-FFF2-40B4-BE49-F238E27FC236}">
-                <a16:creationId xmlns:a16="http://schemas.microsoft.com/office/drawing/2014/main" id="{C97D94E5-1402-228D-32D5-79389297DCB5}"/>
+                <a16:creationId xmlns:a16="http://schemas.microsoft.com/office/drawing/2014/main" id="{1B380F06-B40B-35F2-0DD9-E52EE3F334FD}"/>
               </a:ext>
             </a:extLst>
           </p:cNvPr>
@@ -8193,10 +8292,10 @@
       </p:pic>
       <p:sp>
         <p:nvSpPr>
-          <p:cNvPr id="60" name="Textfeld 59">
+          <p:cNvPr id="42" name="Textfeld 41">
             <a:extLst>
               <a:ext uri="{FF2B5EF4-FFF2-40B4-BE49-F238E27FC236}">
-                <a16:creationId xmlns:a16="http://schemas.microsoft.com/office/drawing/2014/main" id="{B4DB6051-42AB-BFF9-B0F2-47182DBFBD63}"/>
+                <a16:creationId xmlns:a16="http://schemas.microsoft.com/office/drawing/2014/main" id="{977ABD07-B626-BE38-008D-9E64B5C1CABF}"/>
               </a:ext>
             </a:extLst>
           </p:cNvPr>
@@ -8250,10 +8349,10 @@
       </p:sp>
       <p:sp>
         <p:nvSpPr>
-          <p:cNvPr id="61" name="Textfeld 60">
+          <p:cNvPr id="45" name="Textfeld 44">
             <a:extLst>
               <a:ext uri="{FF2B5EF4-FFF2-40B4-BE49-F238E27FC236}">
-                <a16:creationId xmlns:a16="http://schemas.microsoft.com/office/drawing/2014/main" id="{697CE515-71EB-C31D-3E97-B69A2E4BF8AC}"/>
+                <a16:creationId xmlns:a16="http://schemas.microsoft.com/office/drawing/2014/main" id="{5452B7C8-DF77-7401-3D02-10FC4CE350DC}"/>
               </a:ext>
             </a:extLst>
           </p:cNvPr>
@@ -8263,7 +8362,7 @@
         <p:spPr>
           <a:xfrm>
             <a:off x="866279" y="13681713"/>
-            <a:ext cx="7385975" cy="2739211"/>
+            <a:ext cx="7293979" cy="2369880"/>
           </a:xfrm>
           <a:prstGeom prst="rect">
             <a:avLst/>
@@ -8308,7 +8407,11 @@
             </a:r>
             <a:r>
               <a:rPr lang="en-US" sz="2400" noProof="0" dirty="0"/>
-              <a:t>For each protein profile, up to 6 peaks were identified using a slope-based function. </a:t>
+              <a:t>For each protein profile, up to 6 peaks were identified using a slope-based function on all normalized values for control- and RNase-treatment. </a:t>
+            </a:r>
+            <a:r>
+              <a:rPr lang="en-US" sz="2400" dirty="0"/>
+              <a:t>(</a:t>
             </a:r>
             <a:r>
               <a:rPr lang="en-US" sz="2400" noProof="0" dirty="0" err="1"/>
@@ -8316,8 +8419,13 @@
             </a:r>
             <a:r>
               <a:rPr lang="en-US" sz="2400" noProof="0" dirty="0"/>
-              <a:t> for peak detection was set at 3% of maximal signal intensity. Applied to normalized values for control and RNase-treated sample. </a:t>
-            </a:r>
+              <a:t> : 3% of maximal signal intensity</a:t>
+            </a:r>
+            <a:r>
+              <a:rPr lang="en-US" sz="2400" dirty="0"/>
+              <a:t>) </a:t>
+            </a:r>
+            <a:endParaRPr lang="en-US" sz="2400" noProof="0" dirty="0"/>
           </a:p>
           <a:p>
             <a:endParaRPr lang="en-US" noProof="0" dirty="0"/>
@@ -8326,10 +8434,10 @@
       </p:sp>
       <p:sp>
         <p:nvSpPr>
-          <p:cNvPr id="62" name="Textfeld 61">
+          <p:cNvPr id="47" name="Textfeld 46">
             <a:extLst>
               <a:ext uri="{FF2B5EF4-FFF2-40B4-BE49-F238E27FC236}">
-                <a16:creationId xmlns:a16="http://schemas.microsoft.com/office/drawing/2014/main" id="{F5C910CD-E448-4CF1-A6FC-A667BCF57FC2}"/>
+                <a16:creationId xmlns:a16="http://schemas.microsoft.com/office/drawing/2014/main" id="{25F20A8E-0F55-8861-3CA2-87C4F976915A}"/>
               </a:ext>
             </a:extLst>
           </p:cNvPr>
@@ -8338,8 +8446,8 @@
         </p:nvSpPr>
         <p:spPr>
           <a:xfrm>
-            <a:off x="808317" y="16106126"/>
-            <a:ext cx="7443938" cy="2677656"/>
+            <a:off x="808317" y="15923243"/>
+            <a:ext cx="7276706" cy="1200329"/>
           </a:xfrm>
           <a:prstGeom prst="rect">
             <a:avLst/>
@@ -8376,52 +8484,17 @@
                 <a:latin typeface="Source Sans Pro" panose="020B0503030403020204" pitchFamily="34" charset="0"/>
                 <a:ea typeface="Source Sans Pro" panose="020B0503030403020204" pitchFamily="34" charset="0"/>
               </a:rPr>
-              <a:t>), calculated as the weighted average across all fractions. Shifts were defined as </a:t>
-            </a:r>
-            <a:r>
-              <a:rPr lang="en-US" sz="2400" noProof="0" dirty="0" err="1">
-                <a:latin typeface="Source Sans Pro" panose="020B0503030403020204" pitchFamily="34" charset="0"/>
-                <a:ea typeface="Source Sans Pro" panose="020B0503030403020204" pitchFamily="34" charset="0"/>
-              </a:rPr>
-              <a:t>CoM_Ctrl</a:t>
-            </a:r>
-            <a:r>
-              <a:rPr lang="en-US" sz="2400" noProof="0" dirty="0">
-                <a:latin typeface="Source Sans Pro" panose="020B0503030403020204" pitchFamily="34" charset="0"/>
-                <a:ea typeface="Source Sans Pro" panose="020B0503030403020204" pitchFamily="34" charset="0"/>
-              </a:rPr>
-              <a:t> – </a:t>
-            </a:r>
-            <a:r>
-              <a:rPr lang="en-US" sz="2400" noProof="0" dirty="0" err="1">
-                <a:latin typeface="Source Sans Pro" panose="020B0503030403020204" pitchFamily="34" charset="0"/>
-                <a:ea typeface="Source Sans Pro" panose="020B0503030403020204" pitchFamily="34" charset="0"/>
-              </a:rPr>
-              <a:t>CoM_RNase</a:t>
-            </a:r>
-            <a:r>
-              <a:rPr lang="en-US" sz="2400" noProof="0" dirty="0">
-                <a:latin typeface="Source Sans Pro" panose="020B0503030403020204" pitchFamily="34" charset="0"/>
-                <a:ea typeface="Source Sans Pro" panose="020B0503030403020204" pitchFamily="34" charset="0"/>
-              </a:rPr>
-              <a:t>: positive values indicated a leftward shift, negative values a rightward shift, and values near zero no change in distribution.</a:t>
-            </a:r>
-          </a:p>
-          <a:p>
-            <a:pPr algn="just"/>
-            <a:endParaRPr lang="en-US" sz="2400" noProof="0" dirty="0">
-              <a:latin typeface="Source Sans Pro" panose="020B0503030403020204" pitchFamily="34" charset="0"/>
-              <a:ea typeface="Source Sans Pro" panose="020B0503030403020204" pitchFamily="34" charset="0"/>
-            </a:endParaRPr>
+              <a:t>), calculated as the weighted average across all fractions. </a:t>
+            </a:r>
           </a:p>
         </p:txBody>
       </p:sp>
       <p:grpSp>
         <p:nvGrpSpPr>
-          <p:cNvPr id="64" name="Gruppieren 63">
+          <p:cNvPr id="48" name="Gruppieren 47">
             <a:extLst>
               <a:ext uri="{FF2B5EF4-FFF2-40B4-BE49-F238E27FC236}">
-                <a16:creationId xmlns:a16="http://schemas.microsoft.com/office/drawing/2014/main" id="{D856501A-5BC2-F2AB-77F0-43A8B89637B3}"/>
+                <a16:creationId xmlns:a16="http://schemas.microsoft.com/office/drawing/2014/main" id="{88E7CB0B-40D2-38E0-1AEC-ED99CE7AEF55}"/>
               </a:ext>
             </a:extLst>
           </p:cNvPr>
@@ -8430,7 +8503,7 @@
         </p:nvGrpSpPr>
         <p:grpSpPr>
           <a:xfrm>
-            <a:off x="9104295" y="17824999"/>
+            <a:off x="10171113" y="17813136"/>
             <a:ext cx="4328867" cy="860116"/>
             <a:chOff x="9061760" y="14098081"/>
             <a:chExt cx="4328867" cy="860116"/>
@@ -8438,10 +8511,10 @@
         </p:grpSpPr>
         <p:sp>
           <p:nvSpPr>
-            <p:cNvPr id="65" name="Abgerundetes Rechteck 64">
+            <p:cNvPr id="49" name="Abgerundetes Rechteck 48">
               <a:extLst>
                 <a:ext uri="{FF2B5EF4-FFF2-40B4-BE49-F238E27FC236}">
-                  <a16:creationId xmlns:a16="http://schemas.microsoft.com/office/drawing/2014/main" id="{0A5EE295-6BA2-1B05-9446-03189047E856}"/>
+                  <a16:creationId xmlns:a16="http://schemas.microsoft.com/office/drawing/2014/main" id="{7B9F909F-3835-9C4F-4BEA-77047B4B7B29}"/>
                 </a:ext>
               </a:extLst>
             </p:cNvPr>
@@ -8494,14 +8567,14 @@
             </a:p>
           </p:txBody>
         </p:sp>
-        <mc:AlternateContent xmlns:mc="http://schemas.openxmlformats.org/markup-compatibility/2006" xmlns:a14="http://schemas.microsoft.com/office/drawing/2010/main">
-          <mc:Choice Requires="a14">
+        <mc:AlternateContent xmlns:mc="http://schemas.openxmlformats.org/markup-compatibility/2006">
+          <mc:Choice xmlns:a14="http://schemas.microsoft.com/office/drawing/2010/main" Requires="a14">
             <p:sp>
               <p:nvSpPr>
-                <p:cNvPr id="66" name="Textfeld 65">
+                <p:cNvPr id="50" name="Textfeld 49">
                   <a:extLst>
                     <a:ext uri="{FF2B5EF4-FFF2-40B4-BE49-F238E27FC236}">
-                      <a16:creationId xmlns:a16="http://schemas.microsoft.com/office/drawing/2014/main" id="{7E381492-9C04-806D-7D26-B6BBDE336E97}"/>
+                      <a16:creationId xmlns:a16="http://schemas.microsoft.com/office/drawing/2014/main" id="{5C3ECA6D-9A69-8DEB-2334-F51E083438B5}"/>
                     </a:ext>
                   </a:extLst>
                 </p:cNvPr>
@@ -8721,13 +8794,13 @@
               </p:txBody>
             </p:sp>
           </mc:Choice>
-          <mc:Fallback xmlns="">
+          <mc:Fallback>
             <p:sp>
               <p:nvSpPr>
-                <p:cNvPr id="47" name="Textfeld 46">
+                <p:cNvPr id="50" name="Textfeld 49">
                   <a:extLst>
                     <a:ext uri="{FF2B5EF4-FFF2-40B4-BE49-F238E27FC236}">
-                      <a16:creationId xmlns:a16="http://schemas.microsoft.com/office/drawing/2014/main" id="{C8697122-1F57-2A95-C751-74F7E5823F08}"/>
+                      <a16:creationId xmlns:a16="http://schemas.microsoft.com/office/drawing/2014/main" id="{5C3ECA6D-9A69-8DEB-2334-F51E083438B5}"/>
                     </a:ext>
                   </a:extLst>
                 </p:cNvPr>
@@ -8747,7 +8820,7 @@
                 <a:blipFill>
                   <a:blip r:embed="rId17"/>
                   <a:stretch>
-                    <a:fillRect/>
+                    <a:fillRect l="-949" t="-68421" b="-107018"/>
                   </a:stretch>
                 </a:blipFill>
               </p:spPr>
@@ -8756,7 +8829,7 @@
                 <a:lstStyle/>
                 <a:p>
                   <a:r>
-                    <a:rPr lang="de-DE">
+                    <a:rPr lang="en-US">
                       <a:noFill/>
                     </a:rPr>
                     <a:t> </a:t>
@@ -8769,10 +8842,10 @@
       </p:grpSp>
       <p:graphicFrame>
         <p:nvGraphicFramePr>
-          <p:cNvPr id="67" name="Diagramm 66">
+          <p:cNvPr id="51" name="Diagramm 50">
             <a:extLst>
               <a:ext uri="{FF2B5EF4-FFF2-40B4-BE49-F238E27FC236}">
-                <a16:creationId xmlns:a16="http://schemas.microsoft.com/office/drawing/2014/main" id="{8F85B8CE-C1E5-1965-9E71-8E633470BFBE}"/>
+                <a16:creationId xmlns:a16="http://schemas.microsoft.com/office/drawing/2014/main" id="{F5E15E89-5A32-4670-83FE-4E930365CA82}"/>
               </a:ext>
             </a:extLst>
           </p:cNvPr>
@@ -8780,7 +8853,7 @@
           <p:nvPr>
             <p:extLst>
               <p:ext uri="{D42A27DB-BD31-4B8C-83A1-F6EECF244321}">
-                <p14:modId xmlns:p14="http://schemas.microsoft.com/office/powerpoint/2010/main" val="3449929746"/>
+                <p14:modId xmlns:p14="http://schemas.microsoft.com/office/powerpoint/2010/main" val="3078974244"/>
               </p:ext>
             </p:extLst>
           </p:nvPr>
@@ -8797,10 +8870,10 @@
       </p:graphicFrame>
       <p:sp>
         <p:nvSpPr>
-          <p:cNvPr id="69" name="Textfeld 68">
+          <p:cNvPr id="88" name="Textfeld 87">
             <a:extLst>
               <a:ext uri="{FF2B5EF4-FFF2-40B4-BE49-F238E27FC236}">
-                <a16:creationId xmlns:a16="http://schemas.microsoft.com/office/drawing/2014/main" id="{190B0290-52A9-218A-F48F-8EAA17CE21A9}"/>
+                <a16:creationId xmlns:a16="http://schemas.microsoft.com/office/drawing/2014/main" id="{A47FC829-4485-8309-93A0-B7DFF86CB1B1}"/>
               </a:ext>
             </a:extLst>
           </p:cNvPr>
@@ -8840,10 +8913,10 @@
       </p:sp>
       <p:sp>
         <p:nvSpPr>
-          <p:cNvPr id="70" name="Textfeld 69">
+          <p:cNvPr id="89" name="Textfeld 88">
             <a:extLst>
               <a:ext uri="{FF2B5EF4-FFF2-40B4-BE49-F238E27FC236}">
-                <a16:creationId xmlns:a16="http://schemas.microsoft.com/office/drawing/2014/main" id="{771C4050-F1B1-E664-8AF7-A54C0A094FC3}"/>
+                <a16:creationId xmlns:a16="http://schemas.microsoft.com/office/drawing/2014/main" id="{0F6CB962-DF40-E19B-4991-FC5E60B15C2F}"/>
               </a:ext>
             </a:extLst>
           </p:cNvPr>
@@ -8907,10 +8980,10 @@
       </p:sp>
       <p:sp>
         <p:nvSpPr>
-          <p:cNvPr id="71" name="Textfeld 70">
+          <p:cNvPr id="90" name="Textfeld 89">
             <a:extLst>
               <a:ext uri="{FF2B5EF4-FFF2-40B4-BE49-F238E27FC236}">
-                <a16:creationId xmlns:a16="http://schemas.microsoft.com/office/drawing/2014/main" id="{992D0104-04D1-4A62-E4B8-E9663840E2B2}"/>
+                <a16:creationId xmlns:a16="http://schemas.microsoft.com/office/drawing/2014/main" id="{7FF8AA61-D748-B07F-E7B2-8666AE9E7F5F}"/>
               </a:ext>
             </a:extLst>
           </p:cNvPr>
@@ -8919,7 +8992,7 @@
         </p:nvSpPr>
         <p:spPr>
           <a:xfrm>
-            <a:off x="8284652" y="17079159"/>
+            <a:off x="8284652" y="17118345"/>
             <a:ext cx="6477177" cy="461665"/>
           </a:xfrm>
           <a:prstGeom prst="rect">
@@ -8959,10 +9032,10 @@
       </p:sp>
       <p:sp>
         <p:nvSpPr>
-          <p:cNvPr id="74" name="Textfeld 73">
+          <p:cNvPr id="91" name="Textfeld 90">
             <a:extLst>
               <a:ext uri="{FF2B5EF4-FFF2-40B4-BE49-F238E27FC236}">
-                <a16:creationId xmlns:a16="http://schemas.microsoft.com/office/drawing/2014/main" id="{0B2BAAA9-1313-2619-6D95-6EC020E97840}"/>
+                <a16:creationId xmlns:a16="http://schemas.microsoft.com/office/drawing/2014/main" id="{B2569326-46D1-0238-E5AF-1ADB0221C671}"/>
               </a:ext>
             </a:extLst>
           </p:cNvPr>
@@ -8986,7 +9059,7 @@
           <a:lstStyle/>
           <a:p>
             <a:pPr algn="just"/>
-            <a:endParaRPr lang="en-US" sz="800" dirty="0">
+            <a:endParaRPr lang="en-US" sz="800" noProof="0" dirty="0">
               <a:latin typeface="Source Sans Pro" panose="020B0503030403020204" pitchFamily="34" charset="0"/>
               <a:ea typeface="Source Sans Pro" panose="020B0503030403020204" pitchFamily="34" charset="0"/>
             </a:endParaRPr>
@@ -8994,28 +9067,28 @@
           <a:p>
             <a:pPr algn="just"/>
             <a:r>
-              <a:rPr lang="en-US" sz="2400" b="1" dirty="0">
+              <a:rPr lang="en-US" sz="2400" b="1" noProof="0" dirty="0">
                 <a:latin typeface="Source Sans Pro" panose="020B0503030403020204" pitchFamily="34" charset="0"/>
                 <a:ea typeface="Source Sans Pro" panose="020B0503030403020204" pitchFamily="34" charset="0"/>
               </a:rPr>
               <a:t>T-Test: </a:t>
             </a:r>
             <a:r>
-              <a:rPr lang="en-US" sz="2400" dirty="0">
+              <a:rPr lang="en-US" sz="2400" noProof="0" dirty="0">
                 <a:latin typeface="Source Sans Pro" panose="020B0503030403020204" pitchFamily="34" charset="0"/>
                 <a:ea typeface="Source Sans Pro" panose="020B0503030403020204" pitchFamily="34" charset="0"/>
               </a:rPr>
               <a:t>To statistically assess RNA dependence, we computed shift distances from </a:t>
             </a:r>
             <a:r>
-              <a:rPr lang="en-US" sz="2400" dirty="0" err="1">
+              <a:rPr lang="en-US" sz="2400" noProof="0" dirty="0" err="1">
                 <a:latin typeface="Source Sans Pro" panose="020B0503030403020204" pitchFamily="34" charset="0"/>
                 <a:ea typeface="Source Sans Pro" panose="020B0503030403020204" pitchFamily="34" charset="0"/>
               </a:rPr>
               <a:t>CoM</a:t>
             </a:r>
             <a:r>
-              <a:rPr lang="en-US" sz="2400" dirty="0">
+              <a:rPr lang="en-US" sz="2400" noProof="0" dirty="0">
                 <a:latin typeface="Source Sans Pro" panose="020B0503030403020204" pitchFamily="34" charset="0"/>
                 <a:ea typeface="Source Sans Pro" panose="020B0503030403020204" pitchFamily="34" charset="0"/>
               </a:rPr>
@@ -9026,10 +9099,10 @@
       </p:sp>
       <p:sp>
         <p:nvSpPr>
-          <p:cNvPr id="75" name="Textfeld 74">
+          <p:cNvPr id="92" name="Textfeld 91">
             <a:extLst>
               <a:ext uri="{FF2B5EF4-FFF2-40B4-BE49-F238E27FC236}">
-                <a16:creationId xmlns:a16="http://schemas.microsoft.com/office/drawing/2014/main" id="{101E2DCB-9BAF-B230-73B5-03EC787A7D13}"/>
+                <a16:creationId xmlns:a16="http://schemas.microsoft.com/office/drawing/2014/main" id="{A4E3878A-4638-187E-A5D6-3BE4E3294B27}"/>
               </a:ext>
             </a:extLst>
           </p:cNvPr>
@@ -9121,10 +9194,10 @@
       </p:sp>
       <p:sp>
         <p:nvSpPr>
-          <p:cNvPr id="76" name="Textfeld 75">
+          <p:cNvPr id="93" name="Textfeld 92">
             <a:extLst>
               <a:ext uri="{FF2B5EF4-FFF2-40B4-BE49-F238E27FC236}">
-                <a16:creationId xmlns:a16="http://schemas.microsoft.com/office/drawing/2014/main" id="{62FA6F87-8F7A-9640-E584-F8B78E4341C9}"/>
+                <a16:creationId xmlns:a16="http://schemas.microsoft.com/office/drawing/2014/main" id="{4FA06F05-872B-4A1A-2AF4-177FE4330B32}"/>
               </a:ext>
             </a:extLst>
           </p:cNvPr>
@@ -9149,63 +9222,63 @@
           <a:p>
             <a:pPr algn="just"/>
             <a:r>
-              <a:rPr lang="en-US" sz="2400" dirty="0">
+              <a:rPr lang="en-US" sz="2400" noProof="0" dirty="0">
                 <a:latin typeface="Source Sans Pro" panose="020B0503030403020204" pitchFamily="34" charset="0"/>
                 <a:ea typeface="Source Sans Pro" panose="020B0503030403020204" pitchFamily="34" charset="0"/>
               </a:rPr>
               <a:t>Out of 7159 </a:t>
             </a:r>
             <a:r>
-              <a:rPr lang="en-US" sz="2400" dirty="0" err="1">
+              <a:rPr lang="en-US" sz="2400" noProof="0" dirty="0" err="1">
                 <a:latin typeface="Source Sans Pro" panose="020B0503030403020204" pitchFamily="34" charset="0"/>
                 <a:ea typeface="Source Sans Pro" panose="020B0503030403020204" pitchFamily="34" charset="0"/>
               </a:rPr>
               <a:t>analysed</a:t>
             </a:r>
             <a:r>
-              <a:rPr lang="en-US" sz="2400" dirty="0">
+              <a:rPr lang="en-US" sz="2400" noProof="0" dirty="0">
                 <a:latin typeface="Source Sans Pro" panose="020B0503030403020204" pitchFamily="34" charset="0"/>
                 <a:ea typeface="Source Sans Pro" panose="020B0503030403020204" pitchFamily="34" charset="0"/>
               </a:rPr>
               <a:t> Proteins, </a:t>
             </a:r>
             <a:r>
-              <a:rPr lang="en-US" sz="2400" b="1" dirty="0">
+              <a:rPr lang="en-US" sz="2400" b="1" noProof="0" dirty="0">
                 <a:latin typeface="Source Sans Pro" panose="020B0503030403020204" pitchFamily="34" charset="0"/>
                 <a:ea typeface="Source Sans Pro" panose="020B0503030403020204" pitchFamily="34" charset="0"/>
               </a:rPr>
               <a:t>794 </a:t>
             </a:r>
             <a:r>
-              <a:rPr lang="en-US" sz="2400" b="1" dirty="0" err="1">
+              <a:rPr lang="en-US" sz="2400" b="1" noProof="0" dirty="0" err="1">
                 <a:latin typeface="Source Sans Pro" panose="020B0503030403020204" pitchFamily="34" charset="0"/>
                 <a:ea typeface="Source Sans Pro" panose="020B0503030403020204" pitchFamily="34" charset="0"/>
               </a:rPr>
               <a:t>exihibited</a:t>
             </a:r>
             <a:r>
-              <a:rPr lang="en-US" sz="2400" b="1" dirty="0">
+              <a:rPr lang="en-US" sz="2400" b="1" noProof="0" dirty="0">
                 <a:latin typeface="Source Sans Pro" panose="020B0503030403020204" pitchFamily="34" charset="0"/>
                 <a:ea typeface="Source Sans Pro" panose="020B0503030403020204" pitchFamily="34" charset="0"/>
               </a:rPr>
               <a:t> a significant left shift </a:t>
             </a:r>
             <a:r>
-              <a:rPr lang="en-US" sz="2400" dirty="0">
+              <a:rPr lang="en-US" sz="2400" noProof="0" dirty="0">
                 <a:latin typeface="Source Sans Pro" panose="020B0503030403020204" pitchFamily="34" charset="0"/>
                 <a:ea typeface="Source Sans Pro" panose="020B0503030403020204" pitchFamily="34" charset="0"/>
               </a:rPr>
               <a:t>with RNase Treatment and where classified as RBPs (RNA-</a:t>
             </a:r>
             <a:r>
-              <a:rPr lang="en-US" sz="2400" dirty="0" err="1">
+              <a:rPr lang="en-US" sz="2400" noProof="0" dirty="0" err="1">
                 <a:latin typeface="Source Sans Pro" panose="020B0503030403020204" pitchFamily="34" charset="0"/>
                 <a:ea typeface="Source Sans Pro" panose="020B0503030403020204" pitchFamily="34" charset="0"/>
               </a:rPr>
               <a:t>dependend</a:t>
             </a:r>
             <a:r>
-              <a:rPr lang="en-US" sz="2400" dirty="0">
+              <a:rPr lang="en-US" sz="2400" noProof="0" dirty="0">
                 <a:latin typeface="Source Sans Pro" panose="020B0503030403020204" pitchFamily="34" charset="0"/>
                 <a:ea typeface="Source Sans Pro" panose="020B0503030403020204" pitchFamily="34" charset="0"/>
               </a:rPr>
@@ -9213,16 +9286,16 @@
             </a:r>
           </a:p>
           <a:p>
-            <a:endParaRPr lang="en-US" dirty="0"/>
-          </a:p>
-        </p:txBody>
-      </p:sp>
-      <p:sp>
-        <p:nvSpPr>
-          <p:cNvPr id="77" name="Textfeld 76">
+            <a:endParaRPr lang="en-US" noProof="0" dirty="0"/>
+          </a:p>
+        </p:txBody>
+      </p:sp>
+      <p:sp>
+        <p:nvSpPr>
+          <p:cNvPr id="94" name="Textfeld 93">
             <a:extLst>
               <a:ext uri="{FF2B5EF4-FFF2-40B4-BE49-F238E27FC236}">
-                <a16:creationId xmlns:a16="http://schemas.microsoft.com/office/drawing/2014/main" id="{5C42F6A0-88B6-A885-7C99-EAF2846BE389}"/>
+                <a16:creationId xmlns:a16="http://schemas.microsoft.com/office/drawing/2014/main" id="{921EEF46-DFD7-966E-3D60-2EEEB9F6754B}"/>
               </a:ext>
             </a:extLst>
           </p:cNvPr>
@@ -9269,10 +9342,10 @@
       </p:sp>
       <p:sp>
         <p:nvSpPr>
-          <p:cNvPr id="78" name="Textfeld 77">
+          <p:cNvPr id="95" name="Textfeld 94">
             <a:extLst>
               <a:ext uri="{FF2B5EF4-FFF2-40B4-BE49-F238E27FC236}">
-                <a16:creationId xmlns:a16="http://schemas.microsoft.com/office/drawing/2014/main" id="{1BC01E85-65DD-D5FE-439A-A2880E0980C3}"/>
+                <a16:creationId xmlns:a16="http://schemas.microsoft.com/office/drawing/2014/main" id="{3058F7ED-0D6C-32F7-8538-0560E9719CA5}"/>
               </a:ext>
             </a:extLst>
           </p:cNvPr>
@@ -9297,396 +9370,49 @@
           <a:p>
             <a:pPr algn="just"/>
             <a:r>
-              <a:rPr lang="de-DE" sz="2400" dirty="0" err="1">
-                <a:latin typeface="Source Sans Pro" panose="020B0503030403020204" pitchFamily="34" charset="0"/>
-                <a:ea typeface="Source Sans Pro" panose="020B0503030403020204" pitchFamily="34" charset="0"/>
-              </a:rPr>
-              <a:t>We</a:t>
-            </a:r>
-            <a:r>
-              <a:rPr lang="de-DE" sz="2400" dirty="0">
-                <a:latin typeface="Source Sans Pro" panose="020B0503030403020204" pitchFamily="34" charset="0"/>
-                <a:ea typeface="Source Sans Pro" panose="020B0503030403020204" pitchFamily="34" charset="0"/>
-              </a:rPr>
-              <a:t> </a:t>
-            </a:r>
-            <a:r>
-              <a:rPr lang="de-DE" sz="2400" dirty="0" err="1">
-                <a:latin typeface="Source Sans Pro" panose="020B0503030403020204" pitchFamily="34" charset="0"/>
-                <a:ea typeface="Source Sans Pro" panose="020B0503030403020204" pitchFamily="34" charset="0"/>
-              </a:rPr>
-              <a:t>used</a:t>
-            </a:r>
-            <a:r>
-              <a:rPr lang="de-DE" sz="2400" dirty="0">
-                <a:latin typeface="Source Sans Pro" panose="020B0503030403020204" pitchFamily="34" charset="0"/>
-                <a:ea typeface="Source Sans Pro" panose="020B0503030403020204" pitchFamily="34" charset="0"/>
-              </a:rPr>
-              <a:t> </a:t>
-            </a:r>
-            <a:r>
-              <a:rPr lang="de-DE" sz="2400" dirty="0" err="1">
+              <a:rPr lang="en-US" sz="2400" noProof="0" dirty="0">
+                <a:latin typeface="Source Sans Pro" panose="020B0503030403020204" pitchFamily="34" charset="0"/>
+                <a:ea typeface="Source Sans Pro" panose="020B0503030403020204" pitchFamily="34" charset="0"/>
+              </a:rPr>
+              <a:t>We used </a:t>
+            </a:r>
+            <a:r>
+              <a:rPr lang="en-US" sz="2400" noProof="0" dirty="0" err="1">
                 <a:latin typeface="Source Sans Pro" panose="020B0503030403020204" pitchFamily="34" charset="0"/>
                 <a:ea typeface="Source Sans Pro" panose="020B0503030403020204" pitchFamily="34" charset="0"/>
               </a:rPr>
               <a:t>UniProt</a:t>
             </a:r>
             <a:r>
-              <a:rPr lang="de-DE" sz="2400" dirty="0">
-                <a:latin typeface="Source Sans Pro" panose="020B0503030403020204" pitchFamily="34" charset="0"/>
-                <a:ea typeface="Source Sans Pro" panose="020B0503030403020204" pitchFamily="34" charset="0"/>
-              </a:rPr>
-              <a:t> </a:t>
-            </a:r>
-            <a:r>
-              <a:rPr lang="de-DE" sz="2400" dirty="0" err="1">
-                <a:latin typeface="Source Sans Pro" panose="020B0503030403020204" pitchFamily="34" charset="0"/>
-                <a:ea typeface="Source Sans Pro" panose="020B0503030403020204" pitchFamily="34" charset="0"/>
-              </a:rPr>
-              <a:t>as</a:t>
-            </a:r>
-            <a:r>
-              <a:rPr lang="de-DE" sz="2400" dirty="0">
-                <a:latin typeface="Source Sans Pro" panose="020B0503030403020204" pitchFamily="34" charset="0"/>
-                <a:ea typeface="Source Sans Pro" panose="020B0503030403020204" pitchFamily="34" charset="0"/>
-              </a:rPr>
-              <a:t> a </a:t>
-            </a:r>
-            <a:r>
-              <a:rPr lang="de-DE" sz="2400" dirty="0" err="1">
-                <a:latin typeface="Source Sans Pro" panose="020B0503030403020204" pitchFamily="34" charset="0"/>
-                <a:ea typeface="Source Sans Pro" panose="020B0503030403020204" pitchFamily="34" charset="0"/>
-              </a:rPr>
-              <a:t>reference</a:t>
-            </a:r>
-            <a:r>
-              <a:rPr lang="de-DE" sz="2400" dirty="0">
-                <a:latin typeface="Source Sans Pro" panose="020B0503030403020204" pitchFamily="34" charset="0"/>
-                <a:ea typeface="Source Sans Pro" panose="020B0503030403020204" pitchFamily="34" charset="0"/>
-              </a:rPr>
-              <a:t> </a:t>
-            </a:r>
-            <a:r>
-              <a:rPr lang="de-DE" sz="2400" dirty="0" err="1">
-                <a:latin typeface="Source Sans Pro" panose="020B0503030403020204" pitchFamily="34" charset="0"/>
-                <a:ea typeface="Source Sans Pro" panose="020B0503030403020204" pitchFamily="34" charset="0"/>
-              </a:rPr>
-              <a:t>to</a:t>
-            </a:r>
-            <a:r>
-              <a:rPr lang="de-DE" sz="2400" dirty="0">
-                <a:latin typeface="Source Sans Pro" panose="020B0503030403020204" pitchFamily="34" charset="0"/>
-                <a:ea typeface="Source Sans Pro" panose="020B0503030403020204" pitchFamily="34" charset="0"/>
-              </a:rPr>
-              <a:t> </a:t>
-            </a:r>
-            <a:r>
-              <a:rPr lang="de-DE" sz="2400" dirty="0" err="1">
-                <a:latin typeface="Source Sans Pro" panose="020B0503030403020204" pitchFamily="34" charset="0"/>
-                <a:ea typeface="Source Sans Pro" panose="020B0503030403020204" pitchFamily="34" charset="0"/>
-              </a:rPr>
-              <a:t>identify</a:t>
-            </a:r>
-            <a:r>
-              <a:rPr lang="de-DE" sz="2400" dirty="0">
-                <a:latin typeface="Source Sans Pro" panose="020B0503030403020204" pitchFamily="34" charset="0"/>
-                <a:ea typeface="Source Sans Pro" panose="020B0503030403020204" pitchFamily="34" charset="0"/>
-              </a:rPr>
-              <a:t> </a:t>
-            </a:r>
-            <a:r>
-              <a:rPr lang="de-DE" sz="2400" dirty="0" err="1">
-                <a:latin typeface="Source Sans Pro" panose="020B0503030403020204" pitchFamily="34" charset="0"/>
-                <a:ea typeface="Source Sans Pro" panose="020B0503030403020204" pitchFamily="34" charset="0"/>
-              </a:rPr>
-              <a:t>proteins</a:t>
-            </a:r>
-            <a:r>
-              <a:rPr lang="de-DE" sz="2400" dirty="0">
-                <a:latin typeface="Source Sans Pro" panose="020B0503030403020204" pitchFamily="34" charset="0"/>
-                <a:ea typeface="Source Sans Pro" panose="020B0503030403020204" pitchFamily="34" charset="0"/>
-              </a:rPr>
-              <a:t> </a:t>
-            </a:r>
-            <a:r>
-              <a:rPr lang="de-DE" sz="2400" dirty="0" err="1">
-                <a:latin typeface="Source Sans Pro" panose="020B0503030403020204" pitchFamily="34" charset="0"/>
-                <a:ea typeface="Source Sans Pro" panose="020B0503030403020204" pitchFamily="34" charset="0"/>
-              </a:rPr>
-              <a:t>previously</a:t>
-            </a:r>
-            <a:r>
-              <a:rPr lang="de-DE" sz="2400" dirty="0">
-                <a:latin typeface="Source Sans Pro" panose="020B0503030403020204" pitchFamily="34" charset="0"/>
-                <a:ea typeface="Source Sans Pro" panose="020B0503030403020204" pitchFamily="34" charset="0"/>
-              </a:rPr>
-              <a:t> </a:t>
-            </a:r>
-            <a:r>
-              <a:rPr lang="de-DE" sz="2400" dirty="0" err="1">
-                <a:latin typeface="Source Sans Pro" panose="020B0503030403020204" pitchFamily="34" charset="0"/>
-                <a:ea typeface="Source Sans Pro" panose="020B0503030403020204" pitchFamily="34" charset="0"/>
-              </a:rPr>
-              <a:t>annotated</a:t>
-            </a:r>
-            <a:r>
-              <a:rPr lang="de-DE" sz="2400" dirty="0">
-                <a:latin typeface="Source Sans Pro" panose="020B0503030403020204" pitchFamily="34" charset="0"/>
-                <a:ea typeface="Source Sans Pro" panose="020B0503030403020204" pitchFamily="34" charset="0"/>
-              </a:rPr>
-              <a:t> </a:t>
-            </a:r>
-            <a:r>
-              <a:rPr lang="de-DE" sz="2400" dirty="0" err="1">
-                <a:latin typeface="Source Sans Pro" panose="020B0503030403020204" pitchFamily="34" charset="0"/>
-                <a:ea typeface="Source Sans Pro" panose="020B0503030403020204" pitchFamily="34" charset="0"/>
-              </a:rPr>
-              <a:t>as</a:t>
-            </a:r>
-            <a:r>
-              <a:rPr lang="de-DE" sz="2400" dirty="0">
-                <a:latin typeface="Source Sans Pro" panose="020B0503030403020204" pitchFamily="34" charset="0"/>
-                <a:ea typeface="Source Sans Pro" panose="020B0503030403020204" pitchFamily="34" charset="0"/>
-              </a:rPr>
-              <a:t> RNA-</a:t>
-            </a:r>
-            <a:r>
-              <a:rPr lang="de-DE" sz="2400" dirty="0" err="1">
-                <a:latin typeface="Source Sans Pro" panose="020B0503030403020204" pitchFamily="34" charset="0"/>
-                <a:ea typeface="Source Sans Pro" panose="020B0503030403020204" pitchFamily="34" charset="0"/>
-              </a:rPr>
-              <a:t>binding</a:t>
-            </a:r>
-            <a:r>
-              <a:rPr lang="de-DE" sz="2400" dirty="0">
-                <a:latin typeface="Source Sans Pro" panose="020B0503030403020204" pitchFamily="34" charset="0"/>
-                <a:ea typeface="Source Sans Pro" panose="020B0503030403020204" pitchFamily="34" charset="0"/>
-              </a:rPr>
-              <a:t> </a:t>
-            </a:r>
-            <a:r>
-              <a:rPr lang="de-DE" sz="2400" dirty="0" err="1">
-                <a:latin typeface="Source Sans Pro" panose="020B0503030403020204" pitchFamily="34" charset="0"/>
-                <a:ea typeface="Source Sans Pro" panose="020B0503030403020204" pitchFamily="34" charset="0"/>
-              </a:rPr>
-              <a:t>or</a:t>
-            </a:r>
-            <a:r>
-              <a:rPr lang="de-DE" sz="2400" dirty="0">
-                <a:latin typeface="Source Sans Pro" panose="020B0503030403020204" pitchFamily="34" charset="0"/>
-                <a:ea typeface="Source Sans Pro" panose="020B0503030403020204" pitchFamily="34" charset="0"/>
-              </a:rPr>
-              <a:t> RNA-</a:t>
-            </a:r>
-            <a:r>
-              <a:rPr lang="de-DE" sz="2400" dirty="0" err="1">
-                <a:latin typeface="Source Sans Pro" panose="020B0503030403020204" pitchFamily="34" charset="0"/>
-                <a:ea typeface="Source Sans Pro" panose="020B0503030403020204" pitchFamily="34" charset="0"/>
-              </a:rPr>
-              <a:t>interacting</a:t>
-            </a:r>
-            <a:r>
-              <a:rPr lang="de-DE" sz="2400" dirty="0">
-                <a:latin typeface="Source Sans Pro" panose="020B0503030403020204" pitchFamily="34" charset="0"/>
-                <a:ea typeface="Source Sans Pro" panose="020B0503030403020204" pitchFamily="34" charset="0"/>
-              </a:rPr>
-              <a:t>. </a:t>
-            </a:r>
-            <a:r>
-              <a:rPr lang="de-DE" sz="2400" dirty="0" err="1">
+              <a:rPr lang="en-US" sz="2400" noProof="0" dirty="0">
+                <a:latin typeface="Source Sans Pro" panose="020B0503030403020204" pitchFamily="34" charset="0"/>
+                <a:ea typeface="Source Sans Pro" panose="020B0503030403020204" pitchFamily="34" charset="0"/>
+              </a:rPr>
+              <a:t> as a reference to identify proteins previously annotated as RNA-binding or RNA-interacting. </a:t>
+            </a:r>
+            <a:r>
+              <a:rPr lang="en-US" sz="2400" noProof="0" dirty="0" err="1">
                 <a:latin typeface="Source Sans Pro" panose="020B0503030403020204" pitchFamily="34" charset="0"/>
                 <a:ea typeface="Source Sans Pro" panose="020B0503030403020204" pitchFamily="34" charset="0"/>
               </a:rPr>
               <a:t>UniProt</a:t>
             </a:r>
             <a:r>
-              <a:rPr lang="de-DE" sz="2400" dirty="0">
-                <a:latin typeface="Source Sans Pro" panose="020B0503030403020204" pitchFamily="34" charset="0"/>
-                <a:ea typeface="Source Sans Pro" panose="020B0503030403020204" pitchFamily="34" charset="0"/>
-              </a:rPr>
-              <a:t> </a:t>
-            </a:r>
-            <a:r>
-              <a:rPr lang="de-DE" sz="2400" dirty="0" err="1">
-                <a:latin typeface="Source Sans Pro" panose="020B0503030403020204" pitchFamily="34" charset="0"/>
-                <a:ea typeface="Source Sans Pro" panose="020B0503030403020204" pitchFamily="34" charset="0"/>
-              </a:rPr>
-              <a:t>lists</a:t>
-            </a:r>
-            <a:r>
-              <a:rPr lang="de-DE" sz="2400" dirty="0">
-                <a:latin typeface="Source Sans Pro" panose="020B0503030403020204" pitchFamily="34" charset="0"/>
-                <a:ea typeface="Source Sans Pro" panose="020B0503030403020204" pitchFamily="34" charset="0"/>
-              </a:rPr>
-              <a:t> 3,114 human </a:t>
-            </a:r>
-            <a:r>
-              <a:rPr lang="de-DE" sz="2400" dirty="0" err="1">
-                <a:latin typeface="Source Sans Pro" panose="020B0503030403020204" pitchFamily="34" charset="0"/>
-                <a:ea typeface="Source Sans Pro" panose="020B0503030403020204" pitchFamily="34" charset="0"/>
-              </a:rPr>
-              <a:t>proteins</a:t>
-            </a:r>
-            <a:r>
-              <a:rPr lang="de-DE" sz="2400" dirty="0">
-                <a:latin typeface="Source Sans Pro" panose="020B0503030403020204" pitchFamily="34" charset="0"/>
-                <a:ea typeface="Source Sans Pro" panose="020B0503030403020204" pitchFamily="34" charset="0"/>
-              </a:rPr>
-              <a:t> </a:t>
-            </a:r>
-            <a:r>
-              <a:rPr lang="de-DE" sz="2400" dirty="0" err="1">
-                <a:latin typeface="Source Sans Pro" panose="020B0503030403020204" pitchFamily="34" charset="0"/>
-                <a:ea typeface="Source Sans Pro" panose="020B0503030403020204" pitchFamily="34" charset="0"/>
-              </a:rPr>
-              <a:t>with</a:t>
-            </a:r>
-            <a:r>
-              <a:rPr lang="de-DE" sz="2400" dirty="0">
-                <a:latin typeface="Source Sans Pro" panose="020B0503030403020204" pitchFamily="34" charset="0"/>
-                <a:ea typeface="Source Sans Pro" panose="020B0503030403020204" pitchFamily="34" charset="0"/>
-              </a:rPr>
-              <a:t> RNA-</a:t>
-            </a:r>
-            <a:r>
-              <a:rPr lang="de-DE" sz="2400" dirty="0" err="1">
-                <a:latin typeface="Source Sans Pro" panose="020B0503030403020204" pitchFamily="34" charset="0"/>
-                <a:ea typeface="Source Sans Pro" panose="020B0503030403020204" pitchFamily="34" charset="0"/>
-              </a:rPr>
-              <a:t>binding</a:t>
-            </a:r>
-            <a:r>
-              <a:rPr lang="de-DE" sz="2400" dirty="0">
-                <a:latin typeface="Source Sans Pro" panose="020B0503030403020204" pitchFamily="34" charset="0"/>
-                <a:ea typeface="Source Sans Pro" panose="020B0503030403020204" pitchFamily="34" charset="0"/>
-              </a:rPr>
-              <a:t> </a:t>
-            </a:r>
-            <a:r>
-              <a:rPr lang="de-DE" sz="2400" dirty="0" err="1">
-                <a:latin typeface="Source Sans Pro" panose="020B0503030403020204" pitchFamily="34" charset="0"/>
-                <a:ea typeface="Source Sans Pro" panose="020B0503030403020204" pitchFamily="34" charset="0"/>
-              </a:rPr>
-              <a:t>function</a:t>
-            </a:r>
-            <a:r>
-              <a:rPr lang="de-DE" sz="2400" dirty="0">
-                <a:latin typeface="Source Sans Pro" panose="020B0503030403020204" pitchFamily="34" charset="0"/>
-                <a:ea typeface="Source Sans Pro" panose="020B0503030403020204" pitchFamily="34" charset="0"/>
-              </a:rPr>
-              <a:t> </a:t>
-            </a:r>
-            <a:r>
-              <a:rPr lang="de-DE" sz="2400" dirty="0" err="1">
-                <a:latin typeface="Source Sans Pro" panose="020B0503030403020204" pitchFamily="34" charset="0"/>
-                <a:ea typeface="Source Sans Pro" panose="020B0503030403020204" pitchFamily="34" charset="0"/>
-              </a:rPr>
-              <a:t>based</a:t>
-            </a:r>
-            <a:r>
-              <a:rPr lang="de-DE" sz="2400" dirty="0">
-                <a:latin typeface="Source Sans Pro" panose="020B0503030403020204" pitchFamily="34" charset="0"/>
-                <a:ea typeface="Source Sans Pro" panose="020B0503030403020204" pitchFamily="34" charset="0"/>
-              </a:rPr>
-              <a:t> on experimental </a:t>
-            </a:r>
-            <a:r>
-              <a:rPr lang="de-DE" sz="2400" dirty="0" err="1">
-                <a:latin typeface="Source Sans Pro" panose="020B0503030403020204" pitchFamily="34" charset="0"/>
-                <a:ea typeface="Source Sans Pro" panose="020B0503030403020204" pitchFamily="34" charset="0"/>
-              </a:rPr>
-              <a:t>data</a:t>
-            </a:r>
-            <a:r>
-              <a:rPr lang="de-DE" sz="2400" dirty="0">
-                <a:latin typeface="Source Sans Pro" panose="020B0503030403020204" pitchFamily="34" charset="0"/>
-                <a:ea typeface="Source Sans Pro" panose="020B0503030403020204" pitchFamily="34" charset="0"/>
-              </a:rPr>
-              <a:t> and </a:t>
-            </a:r>
-            <a:r>
-              <a:rPr lang="de-DE" sz="2400" dirty="0" err="1">
-                <a:latin typeface="Source Sans Pro" panose="020B0503030403020204" pitchFamily="34" charset="0"/>
-                <a:ea typeface="Source Sans Pro" panose="020B0503030403020204" pitchFamily="34" charset="0"/>
-              </a:rPr>
-              <a:t>literature</a:t>
-            </a:r>
-            <a:r>
-              <a:rPr lang="de-DE" sz="2400" dirty="0">
-                <a:latin typeface="Source Sans Pro" panose="020B0503030403020204" pitchFamily="34" charset="0"/>
-                <a:ea typeface="Source Sans Pro" panose="020B0503030403020204" pitchFamily="34" charset="0"/>
-              </a:rPr>
-              <a:t>. </a:t>
-            </a:r>
-            <a:r>
-              <a:rPr lang="de-DE" sz="2400" dirty="0" err="1">
-                <a:latin typeface="Source Sans Pro" panose="020B0503030403020204" pitchFamily="34" charset="0"/>
-                <a:ea typeface="Source Sans Pro" panose="020B0503030403020204" pitchFamily="34" charset="0"/>
-              </a:rPr>
-              <a:t>Of</a:t>
-            </a:r>
-            <a:r>
-              <a:rPr lang="de-DE" sz="2400" dirty="0">
-                <a:latin typeface="Source Sans Pro" panose="020B0503030403020204" pitchFamily="34" charset="0"/>
-                <a:ea typeface="Source Sans Pro" panose="020B0503030403020204" pitchFamily="34" charset="0"/>
-              </a:rPr>
-              <a:t> </a:t>
-            </a:r>
-            <a:r>
-              <a:rPr lang="de-DE" sz="2400" dirty="0" err="1">
-                <a:latin typeface="Source Sans Pro" panose="020B0503030403020204" pitchFamily="34" charset="0"/>
-                <a:ea typeface="Source Sans Pro" panose="020B0503030403020204" pitchFamily="34" charset="0"/>
-              </a:rPr>
-              <a:t>these</a:t>
-            </a:r>
-            <a:r>
-              <a:rPr lang="de-DE" sz="2400" dirty="0">
-                <a:latin typeface="Source Sans Pro" panose="020B0503030403020204" pitchFamily="34" charset="0"/>
-                <a:ea typeface="Source Sans Pro" panose="020B0503030403020204" pitchFamily="34" charset="0"/>
-              </a:rPr>
-              <a:t>, 543 </a:t>
-            </a:r>
-            <a:r>
-              <a:rPr lang="de-DE" sz="2400" dirty="0" err="1">
-                <a:latin typeface="Source Sans Pro" panose="020B0503030403020204" pitchFamily="34" charset="0"/>
-                <a:ea typeface="Source Sans Pro" panose="020B0503030403020204" pitchFamily="34" charset="0"/>
-              </a:rPr>
-              <a:t>were</a:t>
-            </a:r>
-            <a:r>
-              <a:rPr lang="de-DE" sz="2400" dirty="0">
-                <a:latin typeface="Source Sans Pro" panose="020B0503030403020204" pitchFamily="34" charset="0"/>
-                <a:ea typeface="Source Sans Pro" panose="020B0503030403020204" pitchFamily="34" charset="0"/>
-              </a:rPr>
-              <a:t> </a:t>
-            </a:r>
-            <a:r>
-              <a:rPr lang="de-DE" sz="2400" dirty="0" err="1">
-                <a:latin typeface="Source Sans Pro" panose="020B0503030403020204" pitchFamily="34" charset="0"/>
-                <a:ea typeface="Source Sans Pro" panose="020B0503030403020204" pitchFamily="34" charset="0"/>
-              </a:rPr>
-              <a:t>present</a:t>
-            </a:r>
-            <a:r>
-              <a:rPr lang="de-DE" sz="2400" dirty="0">
-                <a:latin typeface="Source Sans Pro" panose="020B0503030403020204" pitchFamily="34" charset="0"/>
-                <a:ea typeface="Source Sans Pro" panose="020B0503030403020204" pitchFamily="34" charset="0"/>
-              </a:rPr>
-              <a:t> in</a:t>
-            </a:r>
-            <a:endParaRPr lang="en-US" sz="2400" dirty="0">
-              <a:latin typeface="Source Sans Pro" panose="020B0503030403020204" pitchFamily="34" charset="0"/>
-              <a:ea typeface="Source Sans Pro" panose="020B0503030403020204" pitchFamily="34" charset="0"/>
-            </a:endParaRPr>
-          </a:p>
-        </p:txBody>
-      </p:sp>
-      <p:sp>
-        <p:nvSpPr>
-          <p:cNvPr id="79" name="Textfeld 78">
+              <a:rPr lang="en-US" sz="2400" noProof="0" dirty="0">
+                <a:latin typeface="Source Sans Pro" panose="020B0503030403020204" pitchFamily="34" charset="0"/>
+                <a:ea typeface="Source Sans Pro" panose="020B0503030403020204" pitchFamily="34" charset="0"/>
+              </a:rPr>
+              <a:t> lists 3,114 human proteins with RNA-binding function based on experimental data and literature. Of these, 543 were present in</a:t>
+            </a:r>
+          </a:p>
+        </p:txBody>
+      </p:sp>
+      <p:sp>
+        <p:nvSpPr>
+          <p:cNvPr id="96" name="Textfeld 95">
             <a:extLst>
               <a:ext uri="{FF2B5EF4-FFF2-40B4-BE49-F238E27FC236}">
-                <a16:creationId xmlns:a16="http://schemas.microsoft.com/office/drawing/2014/main" id="{DAF0E2CF-C5A3-B867-D16C-A0C8A7781920}"/>
+                <a16:creationId xmlns:a16="http://schemas.microsoft.com/office/drawing/2014/main" id="{EB0425DE-93D5-254C-5867-D734203B9BA2}"/>
               </a:ext>
             </a:extLst>
           </p:cNvPr>
@@ -9711,267 +9437,22 @@
           <a:p>
             <a:pPr algn="just"/>
             <a:r>
-              <a:rPr lang="de-DE" sz="2400" dirty="0" err="1">
-                <a:latin typeface="Source Sans Pro" panose="020B0503030403020204" pitchFamily="34" charset="0"/>
-                <a:ea typeface="Source Sans Pro" panose="020B0503030403020204" pitchFamily="34" charset="0"/>
-              </a:rPr>
-              <a:t>our</a:t>
-            </a:r>
-            <a:r>
-              <a:rPr lang="de-DE" sz="2400" dirty="0">
-                <a:latin typeface="Source Sans Pro" panose="020B0503030403020204" pitchFamily="34" charset="0"/>
-                <a:ea typeface="Source Sans Pro" panose="020B0503030403020204" pitchFamily="34" charset="0"/>
-              </a:rPr>
-              <a:t> </a:t>
-            </a:r>
-            <a:r>
-              <a:rPr lang="de-DE" sz="2400" dirty="0" err="1">
-                <a:latin typeface="Source Sans Pro" panose="020B0503030403020204" pitchFamily="34" charset="0"/>
-                <a:ea typeface="Source Sans Pro" panose="020B0503030403020204" pitchFamily="34" charset="0"/>
-              </a:rPr>
-              <a:t>dataset</a:t>
-            </a:r>
-            <a:r>
-              <a:rPr lang="de-DE" sz="2400" dirty="0">
-                <a:latin typeface="Source Sans Pro" panose="020B0503030403020204" pitchFamily="34" charset="0"/>
-                <a:ea typeface="Source Sans Pro" panose="020B0503030403020204" pitchFamily="34" charset="0"/>
-              </a:rPr>
-              <a:t>, and 230 </a:t>
-            </a:r>
-            <a:r>
-              <a:rPr lang="de-DE" sz="2400" dirty="0" err="1">
-                <a:latin typeface="Source Sans Pro" panose="020B0503030403020204" pitchFamily="34" charset="0"/>
-                <a:ea typeface="Source Sans Pro" panose="020B0503030403020204" pitchFamily="34" charset="0"/>
-              </a:rPr>
-              <a:t>were</a:t>
-            </a:r>
-            <a:r>
-              <a:rPr lang="de-DE" sz="2400" dirty="0">
-                <a:latin typeface="Source Sans Pro" panose="020B0503030403020204" pitchFamily="34" charset="0"/>
-                <a:ea typeface="Source Sans Pro" panose="020B0503030403020204" pitchFamily="34" charset="0"/>
-              </a:rPr>
-              <a:t> </a:t>
-            </a:r>
-            <a:r>
-              <a:rPr lang="de-DE" sz="2400" dirty="0" err="1">
-                <a:latin typeface="Source Sans Pro" panose="020B0503030403020204" pitchFamily="34" charset="0"/>
-                <a:ea typeface="Source Sans Pro" panose="020B0503030403020204" pitchFamily="34" charset="0"/>
-              </a:rPr>
-              <a:t>correctly</a:t>
-            </a:r>
-            <a:r>
-              <a:rPr lang="de-DE" sz="2400" dirty="0">
-                <a:latin typeface="Source Sans Pro" panose="020B0503030403020204" pitchFamily="34" charset="0"/>
-                <a:ea typeface="Source Sans Pro" panose="020B0503030403020204" pitchFamily="34" charset="0"/>
-              </a:rPr>
-              <a:t> </a:t>
-            </a:r>
-            <a:r>
-              <a:rPr lang="de-DE" sz="2400" dirty="0" err="1">
-                <a:latin typeface="Source Sans Pro" panose="020B0503030403020204" pitchFamily="34" charset="0"/>
-                <a:ea typeface="Source Sans Pro" panose="020B0503030403020204" pitchFamily="34" charset="0"/>
-              </a:rPr>
-              <a:t>identified</a:t>
-            </a:r>
-            <a:r>
-              <a:rPr lang="de-DE" sz="2400" dirty="0">
-                <a:latin typeface="Source Sans Pro" panose="020B0503030403020204" pitchFamily="34" charset="0"/>
-                <a:ea typeface="Source Sans Pro" panose="020B0503030403020204" pitchFamily="34" charset="0"/>
-              </a:rPr>
-              <a:t> </a:t>
-            </a:r>
-            <a:r>
-              <a:rPr lang="de-DE" sz="2400" dirty="0" err="1">
-                <a:latin typeface="Source Sans Pro" panose="020B0503030403020204" pitchFamily="34" charset="0"/>
-                <a:ea typeface="Source Sans Pro" panose="020B0503030403020204" pitchFamily="34" charset="0"/>
-              </a:rPr>
-              <a:t>as</a:t>
-            </a:r>
-            <a:r>
-              <a:rPr lang="de-DE" sz="2400" dirty="0">
-                <a:latin typeface="Source Sans Pro" panose="020B0503030403020204" pitchFamily="34" charset="0"/>
-                <a:ea typeface="Source Sans Pro" panose="020B0503030403020204" pitchFamily="34" charset="0"/>
-              </a:rPr>
-              <a:t> RNA-</a:t>
-            </a:r>
-            <a:r>
-              <a:rPr lang="de-DE" sz="2400" dirty="0" err="1">
-                <a:latin typeface="Source Sans Pro" panose="020B0503030403020204" pitchFamily="34" charset="0"/>
-                <a:ea typeface="Source Sans Pro" panose="020B0503030403020204" pitchFamily="34" charset="0"/>
-              </a:rPr>
-              <a:t>dependent</a:t>
-            </a:r>
-            <a:r>
-              <a:rPr lang="de-DE" sz="2400" dirty="0">
-                <a:latin typeface="Source Sans Pro" panose="020B0503030403020204" pitchFamily="34" charset="0"/>
-                <a:ea typeface="Source Sans Pro" panose="020B0503030403020204" pitchFamily="34" charset="0"/>
-              </a:rPr>
-              <a:t> (</a:t>
-            </a:r>
-            <a:r>
-              <a:rPr lang="de-DE" sz="2400" dirty="0" err="1">
-                <a:latin typeface="Source Sans Pro" panose="020B0503030403020204" pitchFamily="34" charset="0"/>
-                <a:ea typeface="Source Sans Pro" panose="020B0503030403020204" pitchFamily="34" charset="0"/>
-              </a:rPr>
-              <a:t>hit</a:t>
-            </a:r>
-            <a:r>
-              <a:rPr lang="de-DE" sz="2400" dirty="0">
-                <a:latin typeface="Source Sans Pro" panose="020B0503030403020204" pitchFamily="34" charset="0"/>
-                <a:ea typeface="Source Sans Pro" panose="020B0503030403020204" pitchFamily="34" charset="0"/>
-              </a:rPr>
-              <a:t> rate: 42.4%). The </a:t>
-            </a:r>
-            <a:r>
-              <a:rPr lang="de-DE" sz="2400" dirty="0" err="1">
-                <a:latin typeface="Source Sans Pro" panose="020B0503030403020204" pitchFamily="34" charset="0"/>
-                <a:ea typeface="Source Sans Pro" panose="020B0503030403020204" pitchFamily="34" charset="0"/>
-              </a:rPr>
-              <a:t>remaining</a:t>
-            </a:r>
-            <a:r>
-              <a:rPr lang="de-DE" sz="2400" dirty="0">
-                <a:latin typeface="Source Sans Pro" panose="020B0503030403020204" pitchFamily="34" charset="0"/>
-                <a:ea typeface="Source Sans Pro" panose="020B0503030403020204" pitchFamily="34" charset="0"/>
-              </a:rPr>
-              <a:t> 564 RNA-</a:t>
-            </a:r>
-            <a:r>
-              <a:rPr lang="de-DE" sz="2400" dirty="0" err="1">
-                <a:latin typeface="Source Sans Pro" panose="020B0503030403020204" pitchFamily="34" charset="0"/>
-                <a:ea typeface="Source Sans Pro" panose="020B0503030403020204" pitchFamily="34" charset="0"/>
-              </a:rPr>
-              <a:t>dependent</a:t>
-            </a:r>
-            <a:r>
-              <a:rPr lang="de-DE" sz="2400" dirty="0">
-                <a:latin typeface="Source Sans Pro" panose="020B0503030403020204" pitchFamily="34" charset="0"/>
-                <a:ea typeface="Source Sans Pro" panose="020B0503030403020204" pitchFamily="34" charset="0"/>
-              </a:rPr>
-              <a:t> </a:t>
-            </a:r>
-            <a:r>
-              <a:rPr lang="de-DE" sz="2400" dirty="0" err="1">
-                <a:latin typeface="Source Sans Pro" panose="020B0503030403020204" pitchFamily="34" charset="0"/>
-                <a:ea typeface="Source Sans Pro" panose="020B0503030403020204" pitchFamily="34" charset="0"/>
-              </a:rPr>
-              <a:t>proteins</a:t>
-            </a:r>
-            <a:r>
-              <a:rPr lang="de-DE" sz="2400" dirty="0">
-                <a:latin typeface="Source Sans Pro" panose="020B0503030403020204" pitchFamily="34" charset="0"/>
-                <a:ea typeface="Source Sans Pro" panose="020B0503030403020204" pitchFamily="34" charset="0"/>
-              </a:rPr>
-              <a:t> </a:t>
-            </a:r>
-            <a:r>
-              <a:rPr lang="de-DE" sz="2400" dirty="0" err="1">
-                <a:latin typeface="Source Sans Pro" panose="020B0503030403020204" pitchFamily="34" charset="0"/>
-                <a:ea typeface="Source Sans Pro" panose="020B0503030403020204" pitchFamily="34" charset="0"/>
-              </a:rPr>
-              <a:t>detected</a:t>
-            </a:r>
-            <a:r>
-              <a:rPr lang="de-DE" sz="2400" dirty="0">
-                <a:latin typeface="Source Sans Pro" panose="020B0503030403020204" pitchFamily="34" charset="0"/>
-                <a:ea typeface="Source Sans Pro" panose="020B0503030403020204" pitchFamily="34" charset="0"/>
-              </a:rPr>
-              <a:t> in </a:t>
-            </a:r>
-            <a:r>
-              <a:rPr lang="de-DE" sz="2400" dirty="0" err="1">
-                <a:latin typeface="Source Sans Pro" panose="020B0503030403020204" pitchFamily="34" charset="0"/>
-                <a:ea typeface="Source Sans Pro" panose="020B0503030403020204" pitchFamily="34" charset="0"/>
-              </a:rPr>
-              <a:t>our</a:t>
-            </a:r>
-            <a:r>
-              <a:rPr lang="de-DE" sz="2400" dirty="0">
-                <a:latin typeface="Source Sans Pro" panose="020B0503030403020204" pitchFamily="34" charset="0"/>
-                <a:ea typeface="Source Sans Pro" panose="020B0503030403020204" pitchFamily="34" charset="0"/>
-              </a:rPr>
-              <a:t> </a:t>
-            </a:r>
-            <a:r>
-              <a:rPr lang="de-DE" sz="2400" dirty="0" err="1">
-                <a:latin typeface="Source Sans Pro" panose="020B0503030403020204" pitchFamily="34" charset="0"/>
-                <a:ea typeface="Source Sans Pro" panose="020B0503030403020204" pitchFamily="34" charset="0"/>
-              </a:rPr>
-              <a:t>analysis</a:t>
-            </a:r>
-            <a:r>
-              <a:rPr lang="de-DE" sz="2400" dirty="0">
-                <a:latin typeface="Source Sans Pro" panose="020B0503030403020204" pitchFamily="34" charset="0"/>
-                <a:ea typeface="Source Sans Pro" panose="020B0503030403020204" pitchFamily="34" charset="0"/>
-              </a:rPr>
-              <a:t> </a:t>
-            </a:r>
-            <a:r>
-              <a:rPr lang="de-DE" sz="2400" dirty="0" err="1">
-                <a:latin typeface="Source Sans Pro" panose="020B0503030403020204" pitchFamily="34" charset="0"/>
-                <a:ea typeface="Source Sans Pro" panose="020B0503030403020204" pitchFamily="34" charset="0"/>
-              </a:rPr>
-              <a:t>might</a:t>
-            </a:r>
-            <a:r>
-              <a:rPr lang="de-DE" sz="2400" dirty="0">
-                <a:latin typeface="Source Sans Pro" panose="020B0503030403020204" pitchFamily="34" charset="0"/>
-                <a:ea typeface="Source Sans Pro" panose="020B0503030403020204" pitchFamily="34" charset="0"/>
-              </a:rPr>
-              <a:t> </a:t>
-            </a:r>
-            <a:r>
-              <a:rPr lang="de-DE" sz="2400" dirty="0" err="1">
-                <a:latin typeface="Source Sans Pro" panose="020B0503030403020204" pitchFamily="34" charset="0"/>
-                <a:ea typeface="Source Sans Pro" panose="020B0503030403020204" pitchFamily="34" charset="0"/>
-              </a:rPr>
-              <a:t>represent</a:t>
-            </a:r>
-            <a:r>
-              <a:rPr lang="de-DE" sz="2400" dirty="0">
-                <a:latin typeface="Source Sans Pro" panose="020B0503030403020204" pitchFamily="34" charset="0"/>
-                <a:ea typeface="Source Sans Pro" panose="020B0503030403020204" pitchFamily="34" charset="0"/>
-              </a:rPr>
-              <a:t> </a:t>
-            </a:r>
-            <a:r>
-              <a:rPr lang="de-DE" sz="2400" dirty="0" err="1">
-                <a:latin typeface="Source Sans Pro" panose="020B0503030403020204" pitchFamily="34" charset="0"/>
-                <a:ea typeface="Source Sans Pro" panose="020B0503030403020204" pitchFamily="34" charset="0"/>
-              </a:rPr>
-              <a:t>novel</a:t>
-            </a:r>
-            <a:r>
-              <a:rPr lang="de-DE" sz="2400" dirty="0">
-                <a:latin typeface="Source Sans Pro" panose="020B0503030403020204" pitchFamily="34" charset="0"/>
-                <a:ea typeface="Source Sans Pro" panose="020B0503030403020204" pitchFamily="34" charset="0"/>
-              </a:rPr>
-              <a:t> RBP </a:t>
-            </a:r>
-            <a:r>
-              <a:rPr lang="de-DE" sz="2400" dirty="0" err="1">
-                <a:latin typeface="Source Sans Pro" panose="020B0503030403020204" pitchFamily="34" charset="0"/>
-                <a:ea typeface="Source Sans Pro" panose="020B0503030403020204" pitchFamily="34" charset="0"/>
-              </a:rPr>
-              <a:t>candidates</a:t>
-            </a:r>
-            <a:r>
-              <a:rPr lang="de-DE" sz="2400" dirty="0">
-                <a:latin typeface="Source Sans Pro" panose="020B0503030403020204" pitchFamily="34" charset="0"/>
-                <a:ea typeface="Source Sans Pro" panose="020B0503030403020204" pitchFamily="34" charset="0"/>
-              </a:rPr>
-              <a:t>.</a:t>
-            </a:r>
-            <a:endParaRPr lang="en-US" sz="2400" dirty="0"/>
-          </a:p>
-        </p:txBody>
-      </p:sp>
-      <p:sp>
-        <p:nvSpPr>
-          <p:cNvPr id="80" name="Textfeld 79">
+              <a:rPr lang="en-US" sz="2400" noProof="0" dirty="0">
+                <a:latin typeface="Source Sans Pro" panose="020B0503030403020204" pitchFamily="34" charset="0"/>
+                <a:ea typeface="Source Sans Pro" panose="020B0503030403020204" pitchFamily="34" charset="0"/>
+              </a:rPr>
+              <a:t>our dataset, and 230 were correctly identified as RNA-dependent (hit rate: 42.4%). The remaining 564 RNA-dependent proteins detected in our analysis might represent novel RBP candidates.</a:t>
+            </a:r>
+            <a:endParaRPr lang="en-US" sz="2400" noProof="0" dirty="0"/>
+          </a:p>
+        </p:txBody>
+      </p:sp>
+      <p:sp>
+        <p:nvSpPr>
+          <p:cNvPr id="97" name="Textfeld 96">
             <a:extLst>
               <a:ext uri="{FF2B5EF4-FFF2-40B4-BE49-F238E27FC236}">
-                <a16:creationId xmlns:a16="http://schemas.microsoft.com/office/drawing/2014/main" id="{2CAA327A-F5A3-F159-6F4D-307089713C81}"/>
+                <a16:creationId xmlns:a16="http://schemas.microsoft.com/office/drawing/2014/main" id="{C7A76FD5-DC5D-A28A-5118-3324BF58DF33}"/>
               </a:ext>
             </a:extLst>
           </p:cNvPr>
@@ -10060,10 +9541,10 @@
       </p:sp>
       <p:grpSp>
         <p:nvGrpSpPr>
-          <p:cNvPr id="81" name="Gruppieren 80">
+          <p:cNvPr id="98" name="Gruppieren 97">
             <a:extLst>
               <a:ext uri="{FF2B5EF4-FFF2-40B4-BE49-F238E27FC236}">
-                <a16:creationId xmlns:a16="http://schemas.microsoft.com/office/drawing/2014/main" id="{F08C80FC-3647-CD4B-3734-A5A942C68486}"/>
+                <a16:creationId xmlns:a16="http://schemas.microsoft.com/office/drawing/2014/main" id="{50D09A9A-C67A-22E7-DE7E-23034AD74CC7}"/>
               </a:ext>
             </a:extLst>
           </p:cNvPr>
@@ -10080,10 +9561,10 @@
         </p:grpSpPr>
         <p:pic>
           <p:nvPicPr>
-            <p:cNvPr id="82" name="Grafik 81">
+            <p:cNvPr id="99" name="Grafik 98">
               <a:extLst>
                 <a:ext uri="{FF2B5EF4-FFF2-40B4-BE49-F238E27FC236}">
-                  <a16:creationId xmlns:a16="http://schemas.microsoft.com/office/drawing/2014/main" id="{E5DB0988-DA83-0AA5-1C4E-ACED77EFE952}"/>
+                  <a16:creationId xmlns:a16="http://schemas.microsoft.com/office/drawing/2014/main" id="{4A29EDF5-2CD1-2484-5857-467F3608C7CB}"/>
                 </a:ext>
               </a:extLst>
             </p:cNvPr>
@@ -10110,10 +9591,10 @@
         </p:pic>
         <p:sp>
           <p:nvSpPr>
-            <p:cNvPr id="83" name="Textfeld 82">
+            <p:cNvPr id="100" name="Textfeld 99">
               <a:extLst>
                 <a:ext uri="{FF2B5EF4-FFF2-40B4-BE49-F238E27FC236}">
-                  <a16:creationId xmlns:a16="http://schemas.microsoft.com/office/drawing/2014/main" id="{A02FA2E0-55EC-D593-DFF5-1F9734D6C57C}"/>
+                  <a16:creationId xmlns:a16="http://schemas.microsoft.com/office/drawing/2014/main" id="{9496E45E-A884-CF13-0316-2134080FB5F4}"/>
                 </a:ext>
               </a:extLst>
             </p:cNvPr>
@@ -10148,10 +9629,10 @@
         </p:sp>
         <p:sp>
           <p:nvSpPr>
-            <p:cNvPr id="84" name="Textfeld 83">
+            <p:cNvPr id="101" name="Textfeld 100">
               <a:extLst>
                 <a:ext uri="{FF2B5EF4-FFF2-40B4-BE49-F238E27FC236}">
-                  <a16:creationId xmlns:a16="http://schemas.microsoft.com/office/drawing/2014/main" id="{8EED9781-7E8E-20E4-80B7-029626214A93}"/>
+                  <a16:creationId xmlns:a16="http://schemas.microsoft.com/office/drawing/2014/main" id="{74C70080-6711-41EF-FC1F-140FD5FD95DE}"/>
                 </a:ext>
               </a:extLst>
             </p:cNvPr>
@@ -10186,10 +9667,10 @@
         </p:sp>
         <p:sp>
           <p:nvSpPr>
-            <p:cNvPr id="85" name="Textfeld 84">
+            <p:cNvPr id="102" name="Textfeld 101">
               <a:extLst>
                 <a:ext uri="{FF2B5EF4-FFF2-40B4-BE49-F238E27FC236}">
-                  <a16:creationId xmlns:a16="http://schemas.microsoft.com/office/drawing/2014/main" id="{80A20683-ACAA-A920-DFED-B442253E4D24}"/>
+                  <a16:creationId xmlns:a16="http://schemas.microsoft.com/office/drawing/2014/main" id="{F81092BD-C600-4048-279F-C8215B771948}"/>
                 </a:ext>
               </a:extLst>
             </p:cNvPr>
@@ -10224,10 +9705,10 @@
         </p:sp>
         <p:sp>
           <p:nvSpPr>
-            <p:cNvPr id="86" name="Textfeld 85">
+            <p:cNvPr id="103" name="Textfeld 102">
               <a:extLst>
                 <a:ext uri="{FF2B5EF4-FFF2-40B4-BE49-F238E27FC236}">
-                  <a16:creationId xmlns:a16="http://schemas.microsoft.com/office/drawing/2014/main" id="{F8A7BEC3-F9E8-D095-2C22-CC1B891333F9}"/>
+                  <a16:creationId xmlns:a16="http://schemas.microsoft.com/office/drawing/2014/main" id="{3407EAF6-BD4B-5762-FD00-7DAA249102F6}"/>
                 </a:ext>
               </a:extLst>
             </p:cNvPr>
@@ -10270,10 +9751,10 @@
         </p:sp>
         <p:sp>
           <p:nvSpPr>
-            <p:cNvPr id="87" name="Textfeld 86">
+            <p:cNvPr id="104" name="Textfeld 103">
               <a:extLst>
                 <a:ext uri="{FF2B5EF4-FFF2-40B4-BE49-F238E27FC236}">
-                  <a16:creationId xmlns:a16="http://schemas.microsoft.com/office/drawing/2014/main" id="{B2716C97-EE7A-02C4-28A1-BAE37328FC7A}"/>
+                  <a16:creationId xmlns:a16="http://schemas.microsoft.com/office/drawing/2014/main" id="{C6480412-5847-B979-B1AF-6E35C49C8732}"/>
                 </a:ext>
               </a:extLst>
             </p:cNvPr>
@@ -10308,135 +9789,12 @@
           </p:txBody>
         </p:sp>
       </p:grpSp>
-      <p:pic>
-        <p:nvPicPr>
-          <p:cNvPr id="26" name="Grafik 25">
+      <p:grpSp>
+        <p:nvGrpSpPr>
+          <p:cNvPr id="105" name="Gruppieren 104">
             <a:extLst>
               <a:ext uri="{FF2B5EF4-FFF2-40B4-BE49-F238E27FC236}">
-                <a16:creationId xmlns:a16="http://schemas.microsoft.com/office/drawing/2014/main" id="{FF2B16C0-4D27-B3B0-9EF9-A38D106ADDD4}"/>
-              </a:ext>
-            </a:extLst>
-          </p:cNvPr>
-          <p:cNvPicPr>
-            <a:picLocks noChangeAspect="1"/>
-          </p:cNvPicPr>
-          <p:nvPr/>
-        </p:nvPicPr>
-        <p:blipFill>
-          <a:blip r:embed="rId20"/>
-          <a:stretch>
-            <a:fillRect/>
-          </a:stretch>
-        </p:blipFill>
-        <p:spPr>
-          <a:xfrm>
-            <a:off x="31815832" y="30174766"/>
-            <a:ext cx="7990495" cy="8387688"/>
-          </a:xfrm>
-          <a:prstGeom prst="rect">
-            <a:avLst/>
-          </a:prstGeom>
-        </p:spPr>
-      </p:pic>
-      <p:sp>
-        <p:nvSpPr>
-          <p:cNvPr id="29" name="Textfeld 28">
-            <a:extLst>
-              <a:ext uri="{FF2B5EF4-FFF2-40B4-BE49-F238E27FC236}">
-                <a16:creationId xmlns:a16="http://schemas.microsoft.com/office/drawing/2014/main" id="{D9E3DE17-19D6-C882-BD2B-B4DF7821B309}"/>
-              </a:ext>
-            </a:extLst>
-          </p:cNvPr>
-          <p:cNvSpPr txBox="1"/>
-          <p:nvPr/>
-        </p:nvSpPr>
-        <p:spPr>
-          <a:xfrm>
-            <a:off x="12785535" y="5762230"/>
-            <a:ext cx="2032929" cy="461665"/>
-          </a:xfrm>
-          <a:prstGeom prst="rect">
-            <a:avLst/>
-          </a:prstGeom>
-          <a:noFill/>
-        </p:spPr>
-        <p:txBody>
-          <a:bodyPr wrap="none" rtlCol="0">
-            <a:spAutoFit/>
-          </a:bodyPr>
-          <a:lstStyle/>
-          <a:p>
-            <a:r>
-              <a:rPr lang="en-US" sz="2400" dirty="0">
-                <a:latin typeface="Source Sans Pro" panose="020B0503030403020204" pitchFamily="34" charset="0"/>
-                <a:ea typeface="Source Sans Pro" panose="020B0503030403020204" pitchFamily="34" charset="0"/>
-              </a:rPr>
-              <a:t>Hi, that’s me </a:t>
-            </a:r>
-            <a:r>
-              <a:rPr lang="en-US" sz="2400" dirty="0">
-                <a:latin typeface="Source Sans Pro" panose="020B0503030403020204" pitchFamily="34" charset="0"/>
-                <a:ea typeface="Source Sans Pro" panose="020B0503030403020204" pitchFamily="34" charset="0"/>
-                <a:sym typeface="Wingdings" pitchFamily="2" charset="2"/>
-              </a:rPr>
-              <a:t>:)</a:t>
-            </a:r>
-            <a:endParaRPr lang="en-US" sz="2400" dirty="0">
-              <a:latin typeface="Source Sans Pro" panose="020B0503030403020204" pitchFamily="34" charset="0"/>
-              <a:ea typeface="Source Sans Pro" panose="020B0503030403020204" pitchFamily="34" charset="0"/>
-            </a:endParaRPr>
-          </a:p>
-        </p:txBody>
-      </p:sp>
-      <p:sp>
-        <p:nvSpPr>
-          <p:cNvPr id="31" name="Textfeld 30">
-            <a:extLst>
-              <a:ext uri="{FF2B5EF4-FFF2-40B4-BE49-F238E27FC236}">
-                <a16:creationId xmlns:a16="http://schemas.microsoft.com/office/drawing/2014/main" id="{A3986082-ACAE-E00C-E675-E165A9064923}"/>
-              </a:ext>
-            </a:extLst>
-          </p:cNvPr>
-          <p:cNvSpPr txBox="1"/>
-          <p:nvPr/>
-        </p:nvSpPr>
-        <p:spPr>
-          <a:xfrm>
-            <a:off x="33929397" y="38539060"/>
-            <a:ext cx="5876930" cy="707886"/>
-          </a:xfrm>
-          <a:prstGeom prst="rect">
-            <a:avLst/>
-          </a:prstGeom>
-          <a:noFill/>
-        </p:spPr>
-        <p:txBody>
-          <a:bodyPr wrap="none" rtlCol="0">
-            <a:spAutoFit/>
-          </a:bodyPr>
-          <a:lstStyle/>
-          <a:p>
-            <a:r>
-              <a:rPr lang="en-US" sz="4000" dirty="0"/>
-              <a:t>40S ribosomal </a:t>
-            </a:r>
-            <a:r>
-              <a:rPr lang="en-US" sz="4000" dirty="0" err="1"/>
-              <a:t>Comnples</a:t>
-            </a:r>
-            <a:r>
-              <a:rPr lang="en-US" sz="4000" dirty="0"/>
-              <a:t> </a:t>
-            </a:r>
-          </a:p>
-        </p:txBody>
-      </p:sp>
-      <p:grpSp>
-        <p:nvGrpSpPr>
-          <p:cNvPr id="33" name="Gruppieren 32">
-            <a:extLst>
-              <a:ext uri="{FF2B5EF4-FFF2-40B4-BE49-F238E27FC236}">
-                <a16:creationId xmlns:a16="http://schemas.microsoft.com/office/drawing/2014/main" id="{7EF2C5A0-1A4D-BBE2-68F3-92BA157348B7}"/>
+                <a16:creationId xmlns:a16="http://schemas.microsoft.com/office/drawing/2014/main" id="{2060B862-0D85-CC3C-77AD-C8B940D93328}"/>
               </a:ext>
             </a:extLst>
           </p:cNvPr>
@@ -10445,7 +9803,7 @@
         </p:nvGrpSpPr>
         <p:grpSpPr>
           <a:xfrm>
-            <a:off x="8330622" y="13316348"/>
+            <a:off x="8330622" y="13355534"/>
             <a:ext cx="6325335" cy="3697912"/>
             <a:chOff x="8330622" y="13316348"/>
             <a:chExt cx="6325335" cy="3697912"/>
@@ -10453,10 +9811,10 @@
         </p:grpSpPr>
         <p:pic>
           <p:nvPicPr>
-            <p:cNvPr id="63" name="Grafik 62">
+            <p:cNvPr id="106" name="Grafik 105">
               <a:extLst>
                 <a:ext uri="{FF2B5EF4-FFF2-40B4-BE49-F238E27FC236}">
-                  <a16:creationId xmlns:a16="http://schemas.microsoft.com/office/drawing/2014/main" id="{FD4CA340-4BD6-84DD-BCCB-37C40C9DF2EB}"/>
+                  <a16:creationId xmlns:a16="http://schemas.microsoft.com/office/drawing/2014/main" id="{B0163D62-75B9-8F8B-93F4-C5A65ED2A8B5}"/>
                 </a:ext>
               </a:extLst>
             </p:cNvPr>
@@ -10466,7 +9824,7 @@
             <p:nvPr/>
           </p:nvPicPr>
           <p:blipFill>
-            <a:blip r:embed="rId21"/>
+            <a:blip r:embed="rId20"/>
             <a:srcRect r="35845"/>
             <a:stretch>
               <a:fillRect/>
@@ -10484,10 +9842,10 @@
         </p:pic>
         <p:pic>
           <p:nvPicPr>
-            <p:cNvPr id="32" name="Grafik 31">
+            <p:cNvPr id="107" name="Grafik 106">
               <a:extLst>
                 <a:ext uri="{FF2B5EF4-FFF2-40B4-BE49-F238E27FC236}">
-                  <a16:creationId xmlns:a16="http://schemas.microsoft.com/office/drawing/2014/main" id="{9D5BFB24-3391-7FAA-58A8-C93CD79023FF}"/>
+                  <a16:creationId xmlns:a16="http://schemas.microsoft.com/office/drawing/2014/main" id="{D685EABF-3605-D655-A5B6-E9DC2D316662}"/>
                 </a:ext>
               </a:extLst>
             </p:cNvPr>
@@ -10497,7 +9855,7 @@
             <p:nvPr/>
           </p:nvPicPr>
           <p:blipFill>
-            <a:blip r:embed="rId21"/>
+            <a:blip r:embed="rId20"/>
             <a:srcRect l="68080"/>
             <a:stretch>
               <a:fillRect/>
@@ -10514,6 +9872,752 @@
           </p:spPr>
         </p:pic>
       </p:grpSp>
+      <p:pic>
+        <p:nvPicPr>
+          <p:cNvPr id="108" name="Grafik 107" descr="Ein Bild, das Text, Reihe, Diagramm, Screenshot enthält.&#10;&#10;KI-generierte Inhalte können fehlerhaft sein.">
+            <a:extLst>
+              <a:ext uri="{FF2B5EF4-FFF2-40B4-BE49-F238E27FC236}">
+                <a16:creationId xmlns:a16="http://schemas.microsoft.com/office/drawing/2014/main" id="{4634A122-A0C1-ABB6-659E-A0ED2D1D39A9}"/>
+              </a:ext>
+            </a:extLst>
+          </p:cNvPr>
+          <p:cNvPicPr>
+            <a:picLocks noChangeAspect="1"/>
+          </p:cNvPicPr>
+          <p:nvPr/>
+        </p:nvPicPr>
+        <p:blipFill>
+          <a:blip r:embed="rId21">
+            <a:extLst>
+              <a:ext uri="{28A0092B-C50C-407E-A947-70E740481C1C}">
+                <a14:useLocalDpi xmlns:a14="http://schemas.microsoft.com/office/drawing/2010/main" val="0"/>
+              </a:ext>
+            </a:extLst>
+          </a:blip>
+          <a:stretch>
+            <a:fillRect/>
+          </a:stretch>
+        </p:blipFill>
+        <p:spPr>
+          <a:xfrm>
+            <a:off x="7647088" y="31666361"/>
+            <a:ext cx="6888091" cy="5045526"/>
+          </a:xfrm>
+          <a:prstGeom prst="rect">
+            <a:avLst/>
+          </a:prstGeom>
+        </p:spPr>
+      </p:pic>
+      <p:sp>
+        <p:nvSpPr>
+          <p:cNvPr id="109" name="Textfeld 108">
+            <a:extLst>
+              <a:ext uri="{FF2B5EF4-FFF2-40B4-BE49-F238E27FC236}">
+                <a16:creationId xmlns:a16="http://schemas.microsoft.com/office/drawing/2014/main" id="{B7A0B59E-9BE4-C013-2F92-DC7283BC667A}"/>
+              </a:ext>
+            </a:extLst>
+          </p:cNvPr>
+          <p:cNvSpPr txBox="1"/>
+          <p:nvPr/>
+        </p:nvSpPr>
+        <p:spPr>
+          <a:xfrm>
+            <a:off x="830996" y="29129819"/>
+            <a:ext cx="13824961" cy="1938992"/>
+          </a:xfrm>
+          <a:prstGeom prst="rect">
+            <a:avLst/>
+          </a:prstGeom>
+          <a:noFill/>
+        </p:spPr>
+        <p:txBody>
+          <a:bodyPr wrap="square" rtlCol="0">
+            <a:spAutoFit/>
+          </a:bodyPr>
+          <a:lstStyle/>
+          <a:p>
+            <a:pPr algn="just"/>
+            <a:r>
+              <a:rPr lang="en-US" sz="2400" b="1" noProof="0"/>
+              <a:t>Hypothesis: </a:t>
+            </a:r>
+            <a:r>
+              <a:rPr lang="en-US" sz="2400" noProof="0"/>
+              <a:t>In theory, heavier proteins migrate to deeper fractions in a sucrose gradient, so we therefore hypothesized, that a protein‘s peak position after RNase treatment might </a:t>
+            </a:r>
+            <a:r>
+              <a:rPr lang="en-US" sz="2400" noProof="0" dirty="0" err="1"/>
+              <a:t>reflectits</a:t>
+            </a:r>
+            <a:r>
+              <a:rPr lang="en-US" sz="2400" noProof="0" dirty="0"/>
+              <a:t> molecular weight. </a:t>
+            </a:r>
+            <a:r>
+              <a:rPr lang="en-US" sz="2400" noProof="0" dirty="0">
+                <a:latin typeface="Source Sans Pro" panose="020B0503030403020204" pitchFamily="34" charset="0"/>
+                <a:ea typeface="Source Sans Pro" panose="020B0503030403020204" pitchFamily="34" charset="0"/>
+              </a:rPr>
+              <a:t>Monomeric molecular weights were retrieved from </a:t>
+            </a:r>
+            <a:r>
+              <a:rPr lang="en-US" sz="2400" noProof="0" dirty="0" err="1">
+                <a:latin typeface="Source Sans Pro" panose="020B0503030403020204" pitchFamily="34" charset="0"/>
+                <a:ea typeface="Source Sans Pro" panose="020B0503030403020204" pitchFamily="34" charset="0"/>
+              </a:rPr>
+              <a:t>UniProt</a:t>
+            </a:r>
+            <a:r>
+              <a:rPr lang="en-US" sz="2400" noProof="0" dirty="0">
+                <a:latin typeface="Source Sans Pro" panose="020B0503030403020204" pitchFamily="34" charset="0"/>
+                <a:ea typeface="Source Sans Pro" panose="020B0503030403020204" pitchFamily="34" charset="0"/>
+              </a:rPr>
+              <a:t>. To illustrate the expected relationship, we included five standard reference proteins from </a:t>
+            </a:r>
+            <a:r>
+              <a:rPr lang="en-US" sz="2400" i="1" noProof="0" dirty="0">
+                <a:latin typeface="Source Sans Pro" panose="020B0503030403020204" pitchFamily="34" charset="0"/>
+                <a:ea typeface="Source Sans Pro" panose="020B0503030403020204" pitchFamily="34" charset="0"/>
+              </a:rPr>
+              <a:t>Caudron- Herger et al. (2019) </a:t>
+            </a:r>
+            <a:r>
+              <a:rPr lang="en-US" sz="2400" noProof="0" dirty="0">
+                <a:latin typeface="Source Sans Pro" panose="020B0503030403020204" pitchFamily="34" charset="0"/>
+                <a:ea typeface="Source Sans Pro" panose="020B0503030403020204" pitchFamily="34" charset="0"/>
+              </a:rPr>
+              <a:t>with known mass and elution positions. </a:t>
+            </a:r>
+            <a:endParaRPr lang="en-US" sz="2400" noProof="0" dirty="0"/>
+          </a:p>
+        </p:txBody>
+      </p:sp>
+      <p:sp>
+        <p:nvSpPr>
+          <p:cNvPr id="110" name="Textfeld 109">
+            <a:extLst>
+              <a:ext uri="{FF2B5EF4-FFF2-40B4-BE49-F238E27FC236}">
+                <a16:creationId xmlns:a16="http://schemas.microsoft.com/office/drawing/2014/main" id="{9B8B6E5F-9EA6-A072-0588-A30765D13209}"/>
+              </a:ext>
+            </a:extLst>
+          </p:cNvPr>
+          <p:cNvSpPr txBox="1"/>
+          <p:nvPr/>
+        </p:nvSpPr>
+        <p:spPr>
+          <a:xfrm>
+            <a:off x="6512381" y="30711489"/>
+            <a:ext cx="8143576" cy="461665"/>
+          </a:xfrm>
+          <a:prstGeom prst="rect">
+            <a:avLst/>
+          </a:prstGeom>
+          <a:noFill/>
+        </p:spPr>
+        <p:txBody>
+          <a:bodyPr wrap="none" rtlCol="0">
+            <a:spAutoFit/>
+          </a:bodyPr>
+          <a:lstStyle/>
+          <a:p>
+            <a:r>
+              <a:rPr lang="en-US" sz="2400" b="1" dirty="0">
+                <a:latin typeface="Source Sans Pro" panose="020B0503030403020204" pitchFamily="34" charset="0"/>
+                <a:ea typeface="Source Sans Pro" panose="020B0503030403020204" pitchFamily="34" charset="0"/>
+              </a:rPr>
+              <a:t>However, most proteins did not follow the expected trend!</a:t>
+            </a:r>
+            <a:endParaRPr lang="en-US" sz="2400" b="1" dirty="0"/>
+          </a:p>
+        </p:txBody>
+      </p:sp>
+      <p:sp>
+        <p:nvSpPr>
+          <p:cNvPr id="111" name="Textfeld 110">
+            <a:extLst>
+              <a:ext uri="{FF2B5EF4-FFF2-40B4-BE49-F238E27FC236}">
+                <a16:creationId xmlns:a16="http://schemas.microsoft.com/office/drawing/2014/main" id="{3BAF4636-9EBB-F137-C77E-EF3F109F9CD9}"/>
+              </a:ext>
+            </a:extLst>
+          </p:cNvPr>
+          <p:cNvSpPr txBox="1"/>
+          <p:nvPr/>
+        </p:nvSpPr>
+        <p:spPr>
+          <a:xfrm>
+            <a:off x="830996" y="31191817"/>
+            <a:ext cx="13847641" cy="1569660"/>
+          </a:xfrm>
+          <a:prstGeom prst="rect">
+            <a:avLst/>
+          </a:prstGeom>
+          <a:noFill/>
+        </p:spPr>
+        <p:txBody>
+          <a:bodyPr wrap="square" rtlCol="0">
+            <a:spAutoFit/>
+          </a:bodyPr>
+          <a:lstStyle/>
+          <a:p>
+            <a:pPr algn="just"/>
+            <a:r>
+              <a:rPr lang="en-US" sz="2400" b="1" dirty="0">
+                <a:latin typeface="Source Sans Pro" panose="020B0503030403020204" pitchFamily="34" charset="0"/>
+                <a:ea typeface="Source Sans Pro" panose="020B0503030403020204" pitchFamily="34" charset="0"/>
+              </a:rPr>
+              <a:t>Results: </a:t>
+            </a:r>
+            <a:r>
+              <a:rPr lang="en-US" sz="2400" dirty="0">
+                <a:latin typeface="Source Sans Pro" panose="020B0503030403020204" pitchFamily="34" charset="0"/>
+                <a:ea typeface="Source Sans Pro" panose="020B0503030403020204" pitchFamily="34" charset="0"/>
+              </a:rPr>
+              <a:t>Predicting molecular weight by maximal peak position</a:t>
+            </a:r>
+          </a:p>
+          <a:p>
+            <a:pPr marL="342900" indent="-342900" algn="just">
+              <a:buFont typeface="Arial" panose="020B0604020202020204" pitchFamily="34" charset="0"/>
+              <a:buChar char="•"/>
+            </a:pPr>
+            <a:r>
+              <a:rPr lang="en-US" sz="2400" dirty="0">
+                <a:latin typeface="Source Sans Pro" panose="020B0503030403020204" pitchFamily="34" charset="0"/>
+                <a:ea typeface="Source Sans Pro" panose="020B0503030403020204" pitchFamily="34" charset="0"/>
+              </a:rPr>
+              <a:t>Spearman Correlation</a:t>
+            </a:r>
+            <a:r>
+              <a:rPr lang="en-US" sz="2400" i="1" dirty="0">
+                <a:latin typeface="Source Sans Pro" panose="020B0503030403020204" pitchFamily="34" charset="0"/>
+                <a:ea typeface="Source Sans Pro" panose="020B0503030403020204" pitchFamily="34" charset="0"/>
+              </a:rPr>
+              <a:t>: </a:t>
+            </a:r>
+            <a:r>
+              <a:rPr lang="el-GR" sz="2400" i="1" dirty="0">
+                <a:ea typeface="Source Sans Pro" panose="020B0503030403020204" pitchFamily="34" charset="0"/>
+              </a:rPr>
+              <a:t>ρ</a:t>
+            </a:r>
+            <a:r>
+              <a:rPr lang="de-DE" sz="2400" i="1" dirty="0">
+                <a:latin typeface="Source Sans Pro" panose="020B0503030403020204" pitchFamily="34" charset="0"/>
+                <a:ea typeface="Source Sans Pro" panose="020B0503030403020204" pitchFamily="34" charset="0"/>
+              </a:rPr>
+              <a:t> </a:t>
+            </a:r>
+            <a:r>
+              <a:rPr lang="el-GR" sz="2400" i="1" dirty="0">
+                <a:latin typeface="Source Sans Pro" panose="020B0503030403020204" pitchFamily="34" charset="0"/>
+                <a:ea typeface="Source Sans Pro" panose="020B0503030403020204" pitchFamily="34" charset="0"/>
+              </a:rPr>
+              <a:t>= 0.014, </a:t>
+            </a:r>
+            <a:r>
+              <a:rPr lang="de-DE" sz="2400" i="1" dirty="0">
+                <a:latin typeface="Source Sans Pro" panose="020B0503030403020204" pitchFamily="34" charset="0"/>
+                <a:ea typeface="Source Sans Pro" panose="020B0503030403020204" pitchFamily="34" charset="0"/>
+              </a:rPr>
+              <a:t>p = 0.25</a:t>
+            </a:r>
+          </a:p>
+          <a:p>
+            <a:pPr marL="342900" indent="-342900" algn="just">
+              <a:buFont typeface="Arial" panose="020B0604020202020204" pitchFamily="34" charset="0"/>
+              <a:buChar char="•"/>
+            </a:pPr>
+            <a:r>
+              <a:rPr lang="de-DE" sz="2400" dirty="0">
+                <a:latin typeface="Source Sans Pro" panose="020B0503030403020204" pitchFamily="34" charset="0"/>
+                <a:ea typeface="Source Sans Pro" panose="020B0503030403020204" pitchFamily="34" charset="0"/>
+              </a:rPr>
+              <a:t>Linear Regression:  </a:t>
+            </a:r>
+            <a:r>
+              <a:rPr lang="de-DE" sz="2400" i="1" dirty="0">
+                <a:latin typeface="Source Sans Pro" panose="020B0503030403020204" pitchFamily="34" charset="0"/>
+                <a:ea typeface="Source Sans Pro" panose="020B0503030403020204" pitchFamily="34" charset="0"/>
+              </a:rPr>
+              <a:t>R² = 0.00017, p = 0.26 (F-Test)</a:t>
+            </a:r>
+          </a:p>
+          <a:p>
+            <a:pPr algn="just"/>
+            <a:endParaRPr lang="en-US" sz="2400" dirty="0">
+              <a:latin typeface="Source Sans Pro" panose="020B0503030403020204" pitchFamily="34" charset="0"/>
+              <a:ea typeface="Source Sans Pro" panose="020B0503030403020204" pitchFamily="34" charset="0"/>
+            </a:endParaRPr>
+          </a:p>
+        </p:txBody>
+      </p:sp>
+      <p:sp>
+        <p:nvSpPr>
+          <p:cNvPr id="112" name="Textfeld 111">
+            <a:extLst>
+              <a:ext uri="{FF2B5EF4-FFF2-40B4-BE49-F238E27FC236}">
+                <a16:creationId xmlns:a16="http://schemas.microsoft.com/office/drawing/2014/main" id="{66BBB3C3-E763-14EF-3644-939273F9DCFD}"/>
+              </a:ext>
+            </a:extLst>
+          </p:cNvPr>
+          <p:cNvSpPr txBox="1"/>
+          <p:nvPr/>
+        </p:nvSpPr>
+        <p:spPr>
+          <a:xfrm>
+            <a:off x="830996" y="32472462"/>
+            <a:ext cx="6504395" cy="3785652"/>
+          </a:xfrm>
+          <a:prstGeom prst="rect">
+            <a:avLst/>
+          </a:prstGeom>
+          <a:noFill/>
+        </p:spPr>
+        <p:txBody>
+          <a:bodyPr wrap="square" rtlCol="0">
+            <a:spAutoFit/>
+          </a:bodyPr>
+          <a:lstStyle/>
+          <a:p>
+            <a:pPr algn="just"/>
+            <a:r>
+              <a:rPr lang="en-US" sz="2400" b="1" dirty="0">
+                <a:latin typeface="Source Sans Pro" panose="020B0503030403020204" pitchFamily="34" charset="0"/>
+                <a:ea typeface="Source Sans Pro" panose="020B0503030403020204" pitchFamily="34" charset="0"/>
+              </a:rPr>
+              <a:t>Further Analysis:  </a:t>
+            </a:r>
+          </a:p>
+          <a:p>
+            <a:pPr marL="342900" indent="-342900" algn="just">
+              <a:buFont typeface="Arial" panose="020B0604020202020204" pitchFamily="34" charset="0"/>
+              <a:buChar char="•"/>
+            </a:pPr>
+            <a:r>
+              <a:rPr lang="en-US" sz="2400" dirty="0">
+                <a:latin typeface="Source Sans Pro" panose="020B0503030403020204" pitchFamily="34" charset="0"/>
+                <a:ea typeface="Source Sans Pro" panose="020B0503030403020204" pitchFamily="34" charset="0"/>
+              </a:rPr>
+              <a:t>All tests we repeated using the Center of Mass (</a:t>
+            </a:r>
+            <a:r>
+              <a:rPr lang="en-US" sz="2400" dirty="0" err="1">
+                <a:latin typeface="Source Sans Pro" panose="020B0503030403020204" pitchFamily="34" charset="0"/>
+                <a:ea typeface="Source Sans Pro" panose="020B0503030403020204" pitchFamily="34" charset="0"/>
+              </a:rPr>
+              <a:t>CoM</a:t>
+            </a:r>
+            <a:r>
+              <a:rPr lang="en-US" sz="2400" dirty="0">
+                <a:latin typeface="Source Sans Pro" panose="020B0503030403020204" pitchFamily="34" charset="0"/>
+                <a:ea typeface="Source Sans Pro" panose="020B0503030403020204" pitchFamily="34" charset="0"/>
+              </a:rPr>
+              <a:t>) instead of peak position. </a:t>
+            </a:r>
+          </a:p>
+          <a:p>
+            <a:pPr marL="342900" indent="-342900" algn="just">
+              <a:buFont typeface="Arial" panose="020B0604020202020204" pitchFamily="34" charset="0"/>
+              <a:buChar char="•"/>
+            </a:pPr>
+            <a:r>
+              <a:rPr lang="en-US" sz="2400" dirty="0">
+                <a:latin typeface="Source Sans Pro" panose="020B0503030403020204" pitchFamily="34" charset="0"/>
+                <a:ea typeface="Source Sans Pro" panose="020B0503030403020204" pitchFamily="34" charset="0"/>
+              </a:rPr>
+              <a:t>We also tested the hypothesis that many proteins may remain in RNA-independent complexes after RNase treatment, which could distort elution profiles. To test this, we removed all 2200 proteins listed in the CORUM</a:t>
+            </a:r>
+            <a:r>
+              <a:rPr lang="en-US" sz="2400" b="1" dirty="0">
+                <a:latin typeface="Source Sans Pro" panose="020B0503030403020204" pitchFamily="34" charset="0"/>
+                <a:ea typeface="Source Sans Pro" panose="020B0503030403020204" pitchFamily="34" charset="0"/>
+              </a:rPr>
+              <a:t>* </a:t>
+            </a:r>
+            <a:r>
+              <a:rPr lang="en-US" sz="2400" dirty="0">
+                <a:latin typeface="Source Sans Pro" panose="020B0503030403020204" pitchFamily="34" charset="0"/>
+                <a:ea typeface="Source Sans Pro" panose="020B0503030403020204" pitchFamily="34" charset="0"/>
+              </a:rPr>
+              <a:t>database. </a:t>
+            </a:r>
+          </a:p>
+          <a:p>
+            <a:pPr marL="342900" indent="-342900" algn="just">
+              <a:buFont typeface="Wingdings" pitchFamily="2" charset="2"/>
+              <a:buChar char="à"/>
+            </a:pPr>
+            <a:r>
+              <a:rPr lang="en-US" sz="2400" dirty="0">
+                <a:latin typeface="Source Sans Pro" panose="020B0503030403020204" pitchFamily="34" charset="0"/>
+                <a:ea typeface="Source Sans Pro" panose="020B0503030403020204" pitchFamily="34" charset="0"/>
+              </a:rPr>
+              <a:t>No improvement in correlation or regression</a:t>
+            </a:r>
+          </a:p>
+        </p:txBody>
+      </p:sp>
+      <p:sp>
+        <p:nvSpPr>
+          <p:cNvPr id="113" name="Textfeld 112">
+            <a:extLst>
+              <a:ext uri="{FF2B5EF4-FFF2-40B4-BE49-F238E27FC236}">
+                <a16:creationId xmlns:a16="http://schemas.microsoft.com/office/drawing/2014/main" id="{C27E6C31-2091-75C9-29FC-ACC3C11D87ED}"/>
+              </a:ext>
+            </a:extLst>
+          </p:cNvPr>
+          <p:cNvSpPr txBox="1"/>
+          <p:nvPr/>
+        </p:nvSpPr>
+        <p:spPr>
+          <a:xfrm>
+            <a:off x="830996" y="36276838"/>
+            <a:ext cx="6728934" cy="1938992"/>
+          </a:xfrm>
+          <a:prstGeom prst="rect">
+            <a:avLst/>
+          </a:prstGeom>
+          <a:noFill/>
+        </p:spPr>
+        <p:txBody>
+          <a:bodyPr wrap="square" rtlCol="0">
+            <a:spAutoFit/>
+          </a:bodyPr>
+          <a:lstStyle/>
+          <a:p>
+            <a:pPr algn="just"/>
+            <a:r>
+              <a:rPr lang="en-US" sz="2400" b="1" dirty="0" err="1">
+                <a:latin typeface="Source Sans Pro" panose="020B0503030403020204" pitchFamily="34" charset="0"/>
+                <a:ea typeface="Source Sans Pro" panose="020B0503030403020204" pitchFamily="34" charset="0"/>
+              </a:rPr>
+              <a:t>Disscussion</a:t>
+            </a:r>
+            <a:r>
+              <a:rPr lang="en-US" sz="2400" b="1" dirty="0">
+                <a:latin typeface="Source Sans Pro" panose="020B0503030403020204" pitchFamily="34" charset="0"/>
+                <a:ea typeface="Source Sans Pro" panose="020B0503030403020204" pitchFamily="34" charset="0"/>
+              </a:rPr>
+              <a:t>:</a:t>
+            </a:r>
+          </a:p>
+          <a:p>
+            <a:pPr algn="just"/>
+            <a:r>
+              <a:rPr lang="en-US" sz="2400" dirty="0">
+                <a:latin typeface="Source Sans Pro" panose="020B0503030403020204" pitchFamily="34" charset="0"/>
+                <a:ea typeface="Source Sans Pro" panose="020B0503030403020204" pitchFamily="34" charset="0"/>
+              </a:rPr>
+              <a:t>Elution does not only depend on size, but also on shape and density, so peak based features might be to simplistic. Plus CORUM does not </a:t>
+            </a:r>
+            <a:r>
+              <a:rPr lang="en-US" sz="2400" dirty="0" err="1">
+                <a:latin typeface="Source Sans Pro" panose="020B0503030403020204" pitchFamily="34" charset="0"/>
+                <a:ea typeface="Source Sans Pro" panose="020B0503030403020204" pitchFamily="34" charset="0"/>
+              </a:rPr>
+              <a:t>reflekt</a:t>
+            </a:r>
+            <a:r>
+              <a:rPr lang="en-US" sz="2400" dirty="0">
+                <a:latin typeface="Source Sans Pro" panose="020B0503030403020204" pitchFamily="34" charset="0"/>
+                <a:ea typeface="Source Sans Pro" panose="020B0503030403020204" pitchFamily="34" charset="0"/>
+              </a:rPr>
+              <a:t> all protein interactions, that might influence elution. </a:t>
+            </a:r>
+          </a:p>
+        </p:txBody>
+      </p:sp>
+      <p:sp>
+        <p:nvSpPr>
+          <p:cNvPr id="114" name="Textfeld 113">
+            <a:extLst>
+              <a:ext uri="{FF2B5EF4-FFF2-40B4-BE49-F238E27FC236}">
+                <a16:creationId xmlns:a16="http://schemas.microsoft.com/office/drawing/2014/main" id="{7D2E3FE3-C136-CF6C-8450-5576613DE338}"/>
+              </a:ext>
+            </a:extLst>
+          </p:cNvPr>
+          <p:cNvSpPr txBox="1"/>
+          <p:nvPr/>
+        </p:nvSpPr>
+        <p:spPr>
+          <a:xfrm>
+            <a:off x="7632618" y="36829537"/>
+            <a:ext cx="6888091" cy="1292662"/>
+          </a:xfrm>
+          <a:prstGeom prst="rect">
+            <a:avLst/>
+          </a:prstGeom>
+          <a:noFill/>
+        </p:spPr>
+        <p:txBody>
+          <a:bodyPr wrap="square" rtlCol="0">
+            <a:spAutoFit/>
+          </a:bodyPr>
+          <a:lstStyle/>
+          <a:p>
+            <a:pPr algn="just"/>
+            <a:r>
+              <a:rPr lang="en-US" sz="1200" b="1" i="1" dirty="0">
+                <a:latin typeface="Source Sans Pro" panose="020B0503030403020204" pitchFamily="34" charset="0"/>
+                <a:ea typeface="Source Sans Pro" panose="020B0503030403020204" pitchFamily="34" charset="0"/>
+              </a:rPr>
+              <a:t>Fig</a:t>
+            </a:r>
+            <a:r>
+              <a:rPr lang="en-US" sz="1200" b="1" i="1" noProof="0" dirty="0">
+                <a:latin typeface="Source Sans Pro" panose="020B0503030403020204" pitchFamily="34" charset="0"/>
+                <a:ea typeface="Source Sans Pro" panose="020B0503030403020204" pitchFamily="34" charset="0"/>
+              </a:rPr>
+              <a:t>. X Relation of monomeric molecular weight and maximal peak position : </a:t>
+            </a:r>
+            <a:r>
+              <a:rPr lang="en-US" sz="1200" i="1" dirty="0">
+                <a:latin typeface="Source Sans Pro" panose="020B0503030403020204" pitchFamily="34" charset="0"/>
+                <a:ea typeface="Source Sans Pro" panose="020B0503030403020204" pitchFamily="34" charset="0"/>
+              </a:rPr>
+              <a:t>Scatterplot</a:t>
+            </a:r>
+            <a:r>
+              <a:rPr lang="en-US" dirty="0"/>
+              <a:t> </a:t>
+            </a:r>
+            <a:r>
+              <a:rPr lang="en-US" sz="1200" i="1" dirty="0">
+                <a:latin typeface="Source Sans Pro" panose="020B0503030403020204" pitchFamily="34" charset="0"/>
+                <a:ea typeface="Source Sans Pro" panose="020B0503030403020204" pitchFamily="34" charset="0"/>
+              </a:rPr>
+              <a:t>of all analyzed proteins, showing their monomeric molecular weight (</a:t>
+            </a:r>
+            <a:r>
+              <a:rPr lang="en-US" sz="1200" i="1" dirty="0" err="1">
+                <a:latin typeface="Source Sans Pro" panose="020B0503030403020204" pitchFamily="34" charset="0"/>
+                <a:ea typeface="Source Sans Pro" panose="020B0503030403020204" pitchFamily="34" charset="0"/>
+              </a:rPr>
+              <a:t>UniProt</a:t>
+            </a:r>
+            <a:r>
+              <a:rPr lang="en-US" sz="1200" i="1" dirty="0">
+                <a:latin typeface="Source Sans Pro" panose="020B0503030403020204" pitchFamily="34" charset="0"/>
+                <a:ea typeface="Source Sans Pro" panose="020B0503030403020204" pitchFamily="34" charset="0"/>
+              </a:rPr>
+              <a:t>) versus maximal peak position in the RNase condition. Red line shows expected linear trend based on five reference proteins (Caudron-Herger et al., 2019). </a:t>
+            </a:r>
+          </a:p>
+          <a:p>
+            <a:pPr algn="just"/>
+            <a:endParaRPr lang="en-US" sz="1200" i="1" dirty="0">
+              <a:latin typeface="Source Sans Pro" panose="020B0503030403020204" pitchFamily="34" charset="0"/>
+              <a:ea typeface="Source Sans Pro" panose="020B0503030403020204" pitchFamily="34" charset="0"/>
+            </a:endParaRPr>
+          </a:p>
+          <a:p>
+            <a:pPr algn="just"/>
+            <a:r>
+              <a:rPr lang="en-US" sz="1200" i="1" dirty="0">
+                <a:latin typeface="Source Sans Pro" panose="020B0503030403020204" pitchFamily="34" charset="0"/>
+                <a:ea typeface="Source Sans Pro" panose="020B0503030403020204" pitchFamily="34" charset="0"/>
+              </a:rPr>
+              <a:t>* CORUM is a curated database of experimentally validated protein complexes in mammals. </a:t>
+            </a:r>
+          </a:p>
+        </p:txBody>
+      </p:sp>
+      <mc:AlternateContent xmlns:mc="http://schemas.openxmlformats.org/markup-compatibility/2006">
+        <mc:Choice xmlns:a14="http://schemas.microsoft.com/office/drawing/2010/main" Requires="a14">
+          <p:sp>
+            <p:nvSpPr>
+              <p:cNvPr id="115" name="Textfeld 114">
+                <a:extLst>
+                  <a:ext uri="{FF2B5EF4-FFF2-40B4-BE49-F238E27FC236}">
+                    <a16:creationId xmlns:a16="http://schemas.microsoft.com/office/drawing/2014/main" id="{8F533B4F-BBEB-D386-3798-B9B942681A67}"/>
+                  </a:ext>
+                </a:extLst>
+              </p:cNvPr>
+              <p:cNvSpPr txBox="1"/>
+              <p:nvPr/>
+            </p:nvSpPr>
+            <p:spPr>
+              <a:xfrm>
+                <a:off x="854627" y="17233374"/>
+                <a:ext cx="5771644" cy="369332"/>
+              </a:xfrm>
+              <a:prstGeom prst="rect">
+                <a:avLst/>
+              </a:prstGeom>
+              <a:noFill/>
+            </p:spPr>
+            <p:txBody>
+              <a:bodyPr wrap="none" lIns="0" tIns="0" rIns="0" bIns="0" rtlCol="0">
+                <a:spAutoFit/>
+              </a:bodyPr>
+              <a:lstStyle/>
+              <a:p>
+                <a14:m>
+                  <m:oMathPara xmlns:m="http://schemas.openxmlformats.org/officeDocument/2006/math">
+                    <m:oMathParaPr>
+                      <m:jc m:val="centerGroup"/>
+                    </m:oMathParaPr>
+                    <m:oMath xmlns:m="http://schemas.openxmlformats.org/officeDocument/2006/math">
+                      <m:r>
+                        <a:rPr lang="de-DE" sz="2400" b="0" i="1" smtClean="0">
+                          <a:latin typeface="Cambria Math" panose="02040503050406030204" pitchFamily="18" charset="0"/>
+                        </a:rPr>
+                        <m:t>𝑆h𝑖𝑓𝑡</m:t>
+                      </m:r>
+                      <m:r>
+                        <a:rPr lang="de-DE" sz="2400" b="0" i="1" smtClean="0">
+                          <a:latin typeface="Cambria Math" panose="02040503050406030204" pitchFamily="18" charset="0"/>
+                        </a:rPr>
+                        <m:t> </m:t>
+                      </m:r>
+                      <m:r>
+                        <a:rPr lang="de-DE" sz="2400" b="0" i="1" smtClean="0">
+                          <a:latin typeface="Cambria Math" panose="02040503050406030204" pitchFamily="18" charset="0"/>
+                        </a:rPr>
+                        <m:t>𝑑𝑖𝑠𝑡𝑎𝑛𝑐𝑒</m:t>
+                      </m:r>
+                      <m:r>
+                        <a:rPr lang="de-DE" sz="2400" b="0" i="1" smtClean="0">
+                          <a:latin typeface="Cambria Math" panose="02040503050406030204" pitchFamily="18" charset="0"/>
+                        </a:rPr>
+                        <m:t> =</m:t>
+                      </m:r>
+                      <m:r>
+                        <a:rPr lang="de-DE" sz="2400" b="0" i="1" smtClean="0">
+                          <a:latin typeface="Cambria Math" panose="02040503050406030204" pitchFamily="18" charset="0"/>
+                        </a:rPr>
+                        <m:t>𝐶𝑜𝑀</m:t>
+                      </m:r>
+                      <m:r>
+                        <a:rPr lang="de-DE" sz="2400" b="0" i="1" smtClean="0">
+                          <a:latin typeface="Cambria Math" panose="02040503050406030204" pitchFamily="18" charset="0"/>
+                        </a:rPr>
+                        <m:t> </m:t>
+                      </m:r>
+                      <m:r>
+                        <a:rPr lang="de-DE" sz="2400" b="0" i="1" smtClean="0">
+                          <a:latin typeface="Cambria Math" panose="02040503050406030204" pitchFamily="18" charset="0"/>
+                        </a:rPr>
+                        <m:t>𝐶𝑡𝑟𝑙</m:t>
+                      </m:r>
+                      <m:r>
+                        <a:rPr lang="de-DE" sz="2400" b="0" i="1" smtClean="0">
+                          <a:latin typeface="Cambria Math" panose="02040503050406030204" pitchFamily="18" charset="0"/>
+                        </a:rPr>
+                        <m:t> −</m:t>
+                      </m:r>
+                      <m:r>
+                        <a:rPr lang="de-DE" sz="2400" b="0" i="1" smtClean="0">
+                          <a:latin typeface="Cambria Math" panose="02040503050406030204" pitchFamily="18" charset="0"/>
+                        </a:rPr>
+                        <m:t>𝐶𝑜𝑀</m:t>
+                      </m:r>
+                      <m:r>
+                        <a:rPr lang="de-DE" sz="2400" b="0" i="1" smtClean="0">
+                          <a:latin typeface="Cambria Math" panose="02040503050406030204" pitchFamily="18" charset="0"/>
+                        </a:rPr>
+                        <m:t> </m:t>
+                      </m:r>
+                      <m:r>
+                        <a:rPr lang="de-DE" sz="2400" b="0" i="1" smtClean="0">
+                          <a:latin typeface="Cambria Math" panose="02040503050406030204" pitchFamily="18" charset="0"/>
+                        </a:rPr>
+                        <m:t>𝑅𝑁𝑎𝑠𝑒</m:t>
+                      </m:r>
+                    </m:oMath>
+                  </m:oMathPara>
+                </a14:m>
+                <a:endParaRPr lang="en-US" sz="2400" dirty="0"/>
+              </a:p>
+            </p:txBody>
+          </p:sp>
+        </mc:Choice>
+        <mc:Fallback>
+          <p:sp>
+            <p:nvSpPr>
+              <p:cNvPr id="115" name="Textfeld 114">
+                <a:extLst>
+                  <a:ext uri="{FF2B5EF4-FFF2-40B4-BE49-F238E27FC236}">
+                    <a16:creationId xmlns:a16="http://schemas.microsoft.com/office/drawing/2014/main" id="{8F533B4F-BBEB-D386-3798-B9B942681A67}"/>
+                  </a:ext>
+                </a:extLst>
+              </p:cNvPr>
+              <p:cNvSpPr txBox="1">
+                <a:spLocks noRot="1" noChangeAspect="1" noMove="1" noResize="1" noEditPoints="1" noAdjustHandles="1" noChangeArrowheads="1" noChangeShapeType="1" noTextEdit="1"/>
+              </p:cNvSpPr>
+              <p:nvPr/>
+            </p:nvSpPr>
+            <p:spPr>
+              <a:xfrm>
+                <a:off x="854627" y="17233374"/>
+                <a:ext cx="5771644" cy="369332"/>
+              </a:xfrm>
+              <a:prstGeom prst="rect">
+                <a:avLst/>
+              </a:prstGeom>
+              <a:blipFill>
+                <a:blip r:embed="rId22"/>
+                <a:stretch>
+                  <a:fillRect l="-1538" t="-6452" r="-659" b="-32258"/>
+                </a:stretch>
+              </a:blipFill>
+            </p:spPr>
+            <p:txBody>
+              <a:bodyPr/>
+              <a:lstStyle/>
+              <a:p>
+                <a:r>
+                  <a:rPr lang="en-US">
+                    <a:noFill/>
+                  </a:rPr>
+                  <a:t> </a:t>
+                </a:r>
+              </a:p>
+            </p:txBody>
+          </p:sp>
+        </mc:Fallback>
+      </mc:AlternateContent>
+      <p:sp>
+        <p:nvSpPr>
+          <p:cNvPr id="116" name="Textfeld 115">
+            <a:extLst>
+              <a:ext uri="{FF2B5EF4-FFF2-40B4-BE49-F238E27FC236}">
+                <a16:creationId xmlns:a16="http://schemas.microsoft.com/office/drawing/2014/main" id="{AF8FA4C3-475A-92E9-EDC7-F9CD63EC36EE}"/>
+              </a:ext>
+            </a:extLst>
+          </p:cNvPr>
+          <p:cNvSpPr txBox="1"/>
+          <p:nvPr/>
+        </p:nvSpPr>
+        <p:spPr>
+          <a:xfrm>
+            <a:off x="808316" y="17738200"/>
+            <a:ext cx="9038052" cy="830997"/>
+          </a:xfrm>
+          <a:prstGeom prst="rect">
+            <a:avLst/>
+          </a:prstGeom>
+          <a:noFill/>
+        </p:spPr>
+        <p:txBody>
+          <a:bodyPr wrap="none" rtlCol="0">
+            <a:spAutoFit/>
+          </a:bodyPr>
+          <a:lstStyle/>
+          <a:p>
+            <a:r>
+              <a:rPr lang="en-US" sz="2400" dirty="0">
+                <a:latin typeface="Source Sans Pro" panose="020B0503030403020204" pitchFamily="34" charset="0"/>
+                <a:ea typeface="Source Sans Pro" panose="020B0503030403020204" pitchFamily="34" charset="0"/>
+              </a:rPr>
+              <a:t>Left shift: distance &gt; 0 ; Right shift: distance &lt; 0 ; No shift: distance ~ 0 </a:t>
+            </a:r>
+          </a:p>
+          <a:p>
+            <a:endParaRPr lang="en-US" sz="2400" dirty="0"/>
+          </a:p>
+        </p:txBody>
+      </p:sp>
     </p:spTree>
     <p:extLst>
       <p:ext uri="{BB962C8B-B14F-4D97-AF65-F5344CB8AC3E}">

--- a/RiboZwo.pptx
+++ b/RiboZwo.pptx
@@ -594,7 +594,7 @@
 <file path=ppt/charts/chart1.xml><?xml version="1.0" encoding="utf-8"?>
 <c:chartSpace xmlns:c="http://schemas.openxmlformats.org/drawingml/2006/chart" xmlns:a="http://schemas.openxmlformats.org/drawingml/2006/main" xmlns:r="http://schemas.openxmlformats.org/officeDocument/2006/relationships" xmlns:c16r2="http://schemas.microsoft.com/office/drawing/2015/06/chart">
   <c:date1904 val="0"/>
-  <c:lang val="de-DE"/>
+  <c:lang val="en-GB"/>
   <c:roundedCorners val="0"/>
   <mc:AlternateContent xmlns:mc="http://schemas.openxmlformats.org/markup-compatibility/2006">
     <mc:Choice xmlns:c14="http://schemas.microsoft.com/office/drawing/2007/8/2/chart" Requires="c14">
@@ -1604,7 +1604,7 @@
           <a:p>
             <a:fld id="{12610477-6C94-4391-BBDC-B8E9BB33E658}" type="datetimeFigureOut">
               <a:rPr lang="de-DE" smtClean="0"/>
-              <a:t>05.07.25</a:t>
+              <a:t>05.07.2025</a:t>
             </a:fld>
             <a:endParaRPr lang="de-DE"/>
           </a:p>
@@ -1762,7 +1762,7 @@
           <a:p>
             <a:fld id="{B23F8280-8283-495D-A659-9194DB8B63EA}" type="slidenum">
               <a:rPr lang="de-DE" smtClean="0"/>
-              <a:t>‹Nr.›</a:t>
+              <a:t>‹#›</a:t>
             </a:fld>
             <a:endParaRPr lang="de-DE"/>
           </a:p>
@@ -2110,7 +2110,7 @@
           <a:p>
             <a:fld id="{F9ACF1CB-8064-4AFF-8DFB-49A00122A1FD}" type="datetimeFigureOut">
               <a:rPr lang="de-DE" smtClean="0"/>
-              <a:t>05.07.25</a:t>
+              <a:t>05.07.2025</a:t>
             </a:fld>
             <a:endParaRPr lang="de-DE"/>
           </a:p>
@@ -2152,7 +2152,7 @@
           <a:p>
             <a:fld id="{79580C82-F813-4CCE-B4AC-52ACFAE55A43}" type="slidenum">
               <a:rPr lang="de-DE" smtClean="0"/>
-              <a:t>‹Nr.›</a:t>
+              <a:t>‹#›</a:t>
             </a:fld>
             <a:endParaRPr lang="de-DE"/>
           </a:p>
@@ -2280,7 +2280,7 @@
           <a:p>
             <a:fld id="{F9ACF1CB-8064-4AFF-8DFB-49A00122A1FD}" type="datetimeFigureOut">
               <a:rPr lang="de-DE" smtClean="0"/>
-              <a:t>05.07.25</a:t>
+              <a:t>05.07.2025</a:t>
             </a:fld>
             <a:endParaRPr lang="de-DE"/>
           </a:p>
@@ -2322,7 +2322,7 @@
           <a:p>
             <a:fld id="{79580C82-F813-4CCE-B4AC-52ACFAE55A43}" type="slidenum">
               <a:rPr lang="de-DE" smtClean="0"/>
-              <a:t>‹Nr.›</a:t>
+              <a:t>‹#›</a:t>
             </a:fld>
             <a:endParaRPr lang="de-DE"/>
           </a:p>
@@ -2460,7 +2460,7 @@
           <a:p>
             <a:fld id="{F9ACF1CB-8064-4AFF-8DFB-49A00122A1FD}" type="datetimeFigureOut">
               <a:rPr lang="de-DE" smtClean="0"/>
-              <a:t>05.07.25</a:t>
+              <a:t>05.07.2025</a:t>
             </a:fld>
             <a:endParaRPr lang="de-DE"/>
           </a:p>
@@ -2502,7 +2502,7 @@
           <a:p>
             <a:fld id="{79580C82-F813-4CCE-B4AC-52ACFAE55A43}" type="slidenum">
               <a:rPr lang="de-DE" smtClean="0"/>
-              <a:t>‹Nr.›</a:t>
+              <a:t>‹#›</a:t>
             </a:fld>
             <a:endParaRPr lang="de-DE"/>
           </a:p>
@@ -2630,7 +2630,7 @@
           <a:p>
             <a:fld id="{F9ACF1CB-8064-4AFF-8DFB-49A00122A1FD}" type="datetimeFigureOut">
               <a:rPr lang="de-DE" smtClean="0"/>
-              <a:t>05.07.25</a:t>
+              <a:t>05.07.2025</a:t>
             </a:fld>
             <a:endParaRPr lang="de-DE"/>
           </a:p>
@@ -2672,7 +2672,7 @@
           <a:p>
             <a:fld id="{79580C82-F813-4CCE-B4AC-52ACFAE55A43}" type="slidenum">
               <a:rPr lang="de-DE" smtClean="0"/>
-              <a:t>‹Nr.›</a:t>
+              <a:t>‹#›</a:t>
             </a:fld>
             <a:endParaRPr lang="de-DE"/>
           </a:p>
@@ -2876,7 +2876,7 @@
           <a:p>
             <a:fld id="{F9ACF1CB-8064-4AFF-8DFB-49A00122A1FD}" type="datetimeFigureOut">
               <a:rPr lang="de-DE" smtClean="0"/>
-              <a:t>05.07.25</a:t>
+              <a:t>05.07.2025</a:t>
             </a:fld>
             <a:endParaRPr lang="de-DE"/>
           </a:p>
@@ -2918,7 +2918,7 @@
           <a:p>
             <a:fld id="{79580C82-F813-4CCE-B4AC-52ACFAE55A43}" type="slidenum">
               <a:rPr lang="de-DE" smtClean="0"/>
-              <a:t>‹Nr.›</a:t>
+              <a:t>‹#›</a:t>
             </a:fld>
             <a:endParaRPr lang="de-DE"/>
           </a:p>
@@ -3108,7 +3108,7 @@
           <a:p>
             <a:fld id="{F9ACF1CB-8064-4AFF-8DFB-49A00122A1FD}" type="datetimeFigureOut">
               <a:rPr lang="de-DE" smtClean="0"/>
-              <a:t>05.07.25</a:t>
+              <a:t>05.07.2025</a:t>
             </a:fld>
             <a:endParaRPr lang="de-DE"/>
           </a:p>
@@ -3150,7 +3150,7 @@
           <a:p>
             <a:fld id="{79580C82-F813-4CCE-B4AC-52ACFAE55A43}" type="slidenum">
               <a:rPr lang="de-DE" smtClean="0"/>
-              <a:t>‹Nr.›</a:t>
+              <a:t>‹#›</a:t>
             </a:fld>
             <a:endParaRPr lang="de-DE"/>
           </a:p>
@@ -3475,7 +3475,7 @@
           <a:p>
             <a:fld id="{F9ACF1CB-8064-4AFF-8DFB-49A00122A1FD}" type="datetimeFigureOut">
               <a:rPr lang="de-DE" smtClean="0"/>
-              <a:t>05.07.25</a:t>
+              <a:t>05.07.2025</a:t>
             </a:fld>
             <a:endParaRPr lang="de-DE"/>
           </a:p>
@@ -3517,7 +3517,7 @@
           <a:p>
             <a:fld id="{79580C82-F813-4CCE-B4AC-52ACFAE55A43}" type="slidenum">
               <a:rPr lang="de-DE" smtClean="0"/>
-              <a:t>‹Nr.›</a:t>
+              <a:t>‹#›</a:t>
             </a:fld>
             <a:endParaRPr lang="de-DE"/>
           </a:p>
@@ -3593,7 +3593,7 @@
           <a:p>
             <a:fld id="{F9ACF1CB-8064-4AFF-8DFB-49A00122A1FD}" type="datetimeFigureOut">
               <a:rPr lang="de-DE" smtClean="0"/>
-              <a:t>05.07.25</a:t>
+              <a:t>05.07.2025</a:t>
             </a:fld>
             <a:endParaRPr lang="de-DE"/>
           </a:p>
@@ -3635,7 +3635,7 @@
           <a:p>
             <a:fld id="{79580C82-F813-4CCE-B4AC-52ACFAE55A43}" type="slidenum">
               <a:rPr lang="de-DE" smtClean="0"/>
-              <a:t>‹Nr.›</a:t>
+              <a:t>‹#›</a:t>
             </a:fld>
             <a:endParaRPr lang="de-DE"/>
           </a:p>
@@ -3688,7 +3688,7 @@
           <a:p>
             <a:fld id="{F9ACF1CB-8064-4AFF-8DFB-49A00122A1FD}" type="datetimeFigureOut">
               <a:rPr lang="de-DE" smtClean="0"/>
-              <a:t>05.07.25</a:t>
+              <a:t>05.07.2025</a:t>
             </a:fld>
             <a:endParaRPr lang="de-DE"/>
           </a:p>
@@ -3730,7 +3730,7 @@
           <a:p>
             <a:fld id="{79580C82-F813-4CCE-B4AC-52ACFAE55A43}" type="slidenum">
               <a:rPr lang="de-DE" smtClean="0"/>
-              <a:t>‹Nr.›</a:t>
+              <a:t>‹#›</a:t>
             </a:fld>
             <a:endParaRPr lang="de-DE"/>
           </a:p>
@@ -3965,7 +3965,7 @@
           <a:p>
             <a:fld id="{F9ACF1CB-8064-4AFF-8DFB-49A00122A1FD}" type="datetimeFigureOut">
               <a:rPr lang="de-DE" smtClean="0"/>
-              <a:t>05.07.25</a:t>
+              <a:t>05.07.2025</a:t>
             </a:fld>
             <a:endParaRPr lang="de-DE"/>
           </a:p>
@@ -4007,7 +4007,7 @@
           <a:p>
             <a:fld id="{79580C82-F813-4CCE-B4AC-52ACFAE55A43}" type="slidenum">
               <a:rPr lang="de-DE" smtClean="0"/>
-              <a:t>‹Nr.›</a:t>
+              <a:t>‹#›</a:t>
             </a:fld>
             <a:endParaRPr lang="de-DE"/>
           </a:p>
@@ -4222,7 +4222,7 @@
           <a:p>
             <a:fld id="{F9ACF1CB-8064-4AFF-8DFB-49A00122A1FD}" type="datetimeFigureOut">
               <a:rPr lang="de-DE" smtClean="0"/>
-              <a:t>05.07.25</a:t>
+              <a:t>05.07.2025</a:t>
             </a:fld>
             <a:endParaRPr lang="de-DE"/>
           </a:p>
@@ -4264,7 +4264,7 @@
           <a:p>
             <a:fld id="{79580C82-F813-4CCE-B4AC-52ACFAE55A43}" type="slidenum">
               <a:rPr lang="de-DE" smtClean="0"/>
-              <a:t>‹Nr.›</a:t>
+              <a:t>‹#›</a:t>
             </a:fld>
             <a:endParaRPr lang="de-DE"/>
           </a:p>
@@ -4507,7 +4507,7 @@
           <a:p>
             <a:fld id="{F9ACF1CB-8064-4AFF-8DFB-49A00122A1FD}" type="datetimeFigureOut">
               <a:rPr lang="de-DE" smtClean="0"/>
-              <a:t>05.07.25</a:t>
+              <a:t>05.07.2025</a:t>
             </a:fld>
             <a:endParaRPr lang="de-DE"/>
           </a:p>
@@ -4585,7 +4585,7 @@
           <a:p>
             <a:fld id="{79580C82-F813-4CCE-B4AC-52ACFAE55A43}" type="slidenum">
               <a:rPr lang="de-DE" smtClean="0"/>
-              <a:t>‹Nr.›</a:t>
+              <a:t>‹#›</a:t>
             </a:fld>
             <a:endParaRPr lang="de-DE"/>
           </a:p>
@@ -5270,68 +5270,6 @@
       </p:sp>
       <p:sp>
         <p:nvSpPr>
-          <p:cNvPr id="22" name="Abgerundetes Rechteck 21">
-            <a:extLst>
-              <a:ext uri="{FF2B5EF4-FFF2-40B4-BE49-F238E27FC236}">
-                <a16:creationId xmlns:a16="http://schemas.microsoft.com/office/drawing/2014/main" id="{CADA5048-84E9-7610-1363-103CE5D313B8}"/>
-              </a:ext>
-            </a:extLst>
-          </p:cNvPr>
-          <p:cNvSpPr/>
-          <p:nvPr/>
-        </p:nvSpPr>
-        <p:spPr>
-          <a:xfrm>
-            <a:off x="15286763" y="25651859"/>
-            <a:ext cx="14528007" cy="12645545"/>
-          </a:xfrm>
-          <a:prstGeom prst="roundRect">
-            <a:avLst>
-              <a:gd name="adj" fmla="val 5015"/>
-            </a:avLst>
-          </a:prstGeom>
-          <a:solidFill>
-            <a:srgbClr val="E49596">
-              <a:alpha val="33168"/>
-            </a:srgbClr>
-          </a:solidFill>
-          <a:ln w="63500">
-            <a:solidFill>
-              <a:srgbClr val="B22F28"/>
-            </a:solidFill>
-          </a:ln>
-        </p:spPr>
-        <p:style>
-          <a:lnRef idx="2">
-            <a:schemeClr val="accent1">
-              <a:shade val="15000"/>
-            </a:schemeClr>
-          </a:lnRef>
-          <a:fillRef idx="1">
-            <a:schemeClr val="accent1"/>
-          </a:fillRef>
-          <a:effectRef idx="0">
-            <a:schemeClr val="accent1"/>
-          </a:effectRef>
-          <a:fontRef idx="minor">
-            <a:schemeClr val="lt1"/>
-          </a:fontRef>
-        </p:style>
-        <p:txBody>
-          <a:bodyPr rtlCol="0" anchor="t"/>
-          <a:lstStyle/>
-          <a:p>
-            <a:pPr algn="r"/>
-            <a:endParaRPr lang="en-US" sz="3600" noProof="0" dirty="0">
-              <a:solidFill>
-                <a:schemeClr val="tx1"/>
-              </a:solidFill>
-            </a:endParaRPr>
-          </a:p>
-        </p:txBody>
-      </p:sp>
-      <p:sp>
-        <p:nvSpPr>
           <p:cNvPr id="4" name="Rechteck 3">
             <a:extLst>
               <a:ext uri="{FF2B5EF4-FFF2-40B4-BE49-F238E27FC236}">
@@ -6688,10 +6626,10 @@
       </p:sp>
       <p:pic>
         <p:nvPicPr>
-          <p:cNvPr id="72" name="Picture 71" descr="A screenshot of a video game&#10;&#10;AI-generated content may be incorrect.">
+          <p:cNvPr id="58" name="Grafik 57">
             <a:extLst>
               <a:ext uri="{FF2B5EF4-FFF2-40B4-BE49-F238E27FC236}">
-                <a16:creationId xmlns:a16="http://schemas.microsoft.com/office/drawing/2014/main" id="{08B70003-AD1E-4701-456D-41507D8EABB7}"/>
+                <a16:creationId xmlns:a16="http://schemas.microsoft.com/office/drawing/2014/main" id="{A4E66611-3D6E-9A44-4656-502C42629693}"/>
               </a:ext>
             </a:extLst>
           </p:cNvPr>
@@ -6714,567 +6652,6 @@
         </p:blipFill>
         <p:spPr>
           <a:xfrm>
-            <a:off x="22656645" y="26246968"/>
-            <a:ext cx="6611709" cy="4958783"/>
-          </a:xfrm>
-          <a:prstGeom prst="rect">
-            <a:avLst/>
-          </a:prstGeom>
-        </p:spPr>
-      </p:pic>
-      <p:sp>
-        <p:nvSpPr>
-          <p:cNvPr id="14" name="Rectangle 13">
-            <a:extLst>
-              <a:ext uri="{FF2B5EF4-FFF2-40B4-BE49-F238E27FC236}">
-                <a16:creationId xmlns:a16="http://schemas.microsoft.com/office/drawing/2014/main" id="{AB754934-85BC-3E41-3BC6-0759F2D51BE4}"/>
-              </a:ext>
-            </a:extLst>
-          </p:cNvPr>
-          <p:cNvSpPr/>
-          <p:nvPr/>
-        </p:nvSpPr>
-        <p:spPr>
-          <a:xfrm>
-            <a:off x="15709390" y="32900676"/>
-            <a:ext cx="5005853" cy="3811211"/>
-          </a:xfrm>
-          <a:prstGeom prst="rect">
-            <a:avLst/>
-          </a:prstGeom>
-          <a:solidFill>
-            <a:schemeClr val="bg1"/>
-          </a:solidFill>
-          <a:ln>
-            <a:noFill/>
-          </a:ln>
-        </p:spPr>
-        <p:style>
-          <a:lnRef idx="2">
-            <a:schemeClr val="accent1">
-              <a:shade val="15000"/>
-            </a:schemeClr>
-          </a:lnRef>
-          <a:fillRef idx="1">
-            <a:schemeClr val="accent1"/>
-          </a:fillRef>
-          <a:effectRef idx="0">
-            <a:schemeClr val="accent1"/>
-          </a:effectRef>
-          <a:fontRef idx="minor">
-            <a:schemeClr val="lt1"/>
-          </a:fontRef>
-        </p:style>
-        <p:txBody>
-          <a:bodyPr rtlCol="0" anchor="t"/>
-          <a:lstStyle/>
-          <a:p>
-            <a:pPr algn="r"/>
-            <a:endParaRPr lang="en-GB" sz="3600" dirty="0">
-              <a:solidFill>
-                <a:schemeClr val="tx1"/>
-              </a:solidFill>
-            </a:endParaRPr>
-          </a:p>
-        </p:txBody>
-      </p:sp>
-      <p:pic>
-        <p:nvPicPr>
-          <p:cNvPr id="68" name="Picture 67" descr="A yellow and orange squares&#10;&#10;AI-generated content may be incorrect.">
-            <a:extLst>
-              <a:ext uri="{FF2B5EF4-FFF2-40B4-BE49-F238E27FC236}">
-                <a16:creationId xmlns:a16="http://schemas.microsoft.com/office/drawing/2014/main" id="{288F68B4-DDA1-2EEB-9F23-81C0A0F5FDB5}"/>
-              </a:ext>
-            </a:extLst>
-          </p:cNvPr>
-          <p:cNvPicPr>
-            <a:picLocks noChangeAspect="1"/>
-          </p:cNvPicPr>
-          <p:nvPr/>
-        </p:nvPicPr>
-        <p:blipFill>
-          <a:blip r:embed="rId11">
-            <a:extLst>
-              <a:ext uri="{28A0092B-C50C-407E-A947-70E740481C1C}">
-                <a14:useLocalDpi xmlns:a14="http://schemas.microsoft.com/office/drawing/2010/main" val="0"/>
-              </a:ext>
-            </a:extLst>
-          </a:blip>
-          <a:stretch>
-            <a:fillRect/>
-          </a:stretch>
-        </p:blipFill>
-        <p:spPr>
-          <a:xfrm>
-            <a:off x="15857545" y="32949588"/>
-            <a:ext cx="4857698" cy="3643274"/>
-          </a:xfrm>
-          <a:prstGeom prst="rect">
-            <a:avLst/>
-          </a:prstGeom>
-        </p:spPr>
-      </p:pic>
-      <p:sp>
-        <p:nvSpPr>
-          <p:cNvPr id="46" name="Textfeld 48">
-            <a:extLst>
-              <a:ext uri="{FF2B5EF4-FFF2-40B4-BE49-F238E27FC236}">
-                <a16:creationId xmlns:a16="http://schemas.microsoft.com/office/drawing/2014/main" id="{09012934-17D9-9E1F-A0A5-E6B32DB352BC}"/>
-              </a:ext>
-            </a:extLst>
-          </p:cNvPr>
-          <p:cNvSpPr txBox="1"/>
-          <p:nvPr/>
-        </p:nvSpPr>
-        <p:spPr>
-          <a:xfrm>
-            <a:off x="15360712" y="26807152"/>
-            <a:ext cx="7670217" cy="5909310"/>
-          </a:xfrm>
-          <a:prstGeom prst="rect">
-            <a:avLst/>
-          </a:prstGeom>
-          <a:noFill/>
-        </p:spPr>
-        <p:txBody>
-          <a:bodyPr wrap="square" rtlCol="0">
-            <a:spAutoFit/>
-          </a:bodyPr>
-          <a:lstStyle/>
-          <a:p>
-            <a:pPr algn="just"/>
-            <a:r>
-              <a:rPr lang="en-GB" sz="2400" b="1" dirty="0">
-                <a:latin typeface="Source Sans Pro" panose="020B0503030403020204" pitchFamily="34" charset="0"/>
-                <a:ea typeface="Source Sans Pro" panose="020B0503030403020204" pitchFamily="34" charset="0"/>
-              </a:rPr>
-              <a:t>DBSCAN :</a:t>
-            </a:r>
-          </a:p>
-          <a:p>
-            <a:r>
-              <a:rPr lang="en-GB" sz="2400" dirty="0"/>
-              <a:t>is a clustering algorithm that can classify points in low-density regions as it considers </a:t>
-            </a:r>
-            <a:r>
-              <a:rPr lang="en-GB" sz="2400" b="1" dirty="0"/>
-              <a:t>point density and distance</a:t>
-            </a:r>
-            <a:r>
-              <a:rPr lang="en-GB" sz="2400" dirty="0"/>
-              <a:t>.</a:t>
-            </a:r>
-          </a:p>
-          <a:p>
-            <a:r>
-              <a:rPr lang="en-GB" sz="2400" b="1" dirty="0"/>
-              <a:t>ε (epsilon):</a:t>
-            </a:r>
-            <a:r>
-              <a:rPr lang="en-GB" sz="2400" dirty="0"/>
-              <a:t> The maximum distance between two points to be considered </a:t>
-            </a:r>
-            <a:r>
-              <a:rPr lang="en-GB" sz="2400" dirty="0" err="1"/>
-              <a:t>neighbors</a:t>
-            </a:r>
-            <a:r>
-              <a:rPr lang="en-GB" sz="2400" dirty="0"/>
-              <a:t>.</a:t>
-            </a:r>
-          </a:p>
-          <a:p>
-            <a:pPr marL="800100" lvl="1" indent="-342900">
-              <a:buFont typeface="Arial" panose="020B0604020202020204" pitchFamily="34" charset="0"/>
-              <a:buChar char="•"/>
-            </a:pPr>
-            <a:r>
-              <a:rPr lang="en-GB" sz="2400" dirty="0"/>
-              <a:t>If ε </a:t>
-            </a:r>
-            <a:r>
-              <a:rPr lang="en-GB" sz="2400" b="1" dirty="0"/>
-              <a:t>low </a:t>
-            </a:r>
-            <a:r>
-              <a:rPr lang="en-GB" sz="2400" dirty="0"/>
-              <a:t>=&gt; most points are classified as noise.</a:t>
-            </a:r>
-          </a:p>
-          <a:p>
-            <a:pPr marL="800100" lvl="1" indent="-342900">
-              <a:buFont typeface="Arial" panose="020B0604020202020204" pitchFamily="34" charset="0"/>
-              <a:buChar char="•"/>
-            </a:pPr>
-            <a:r>
-              <a:rPr lang="en-GB" sz="2400" dirty="0"/>
-              <a:t>If ε </a:t>
-            </a:r>
-            <a:r>
-              <a:rPr lang="en-GB" sz="2400" b="1" dirty="0"/>
-              <a:t>high </a:t>
-            </a:r>
-            <a:r>
-              <a:rPr lang="en-GB" sz="2400" dirty="0"/>
-              <a:t>=&gt; noise points may form a single large, meaningless cluster.</a:t>
-            </a:r>
-          </a:p>
-          <a:p>
-            <a:pPr lvl="1"/>
-            <a:r>
-              <a:rPr lang="en-GB" sz="2400" b="1" dirty="0" err="1"/>
-              <a:t>MinPts</a:t>
-            </a:r>
-            <a:r>
-              <a:rPr lang="en-GB" sz="2400" b="1" dirty="0"/>
-              <a:t>:</a:t>
-            </a:r>
-            <a:r>
-              <a:rPr lang="en-GB" sz="2400" dirty="0"/>
-              <a:t> The minimum number of </a:t>
-            </a:r>
-            <a:r>
-              <a:rPr lang="en-GB" sz="2400" dirty="0" err="1"/>
-              <a:t>neighbors</a:t>
-            </a:r>
-            <a:r>
-              <a:rPr lang="en-GB" sz="2400" dirty="0"/>
-              <a:t> (within ε distance) required to form a </a:t>
-            </a:r>
-            <a:r>
-              <a:rPr lang="en-GB" sz="2400" b="1" dirty="0"/>
-              <a:t>core point, border points</a:t>
-            </a:r>
-            <a:r>
-              <a:rPr lang="en-GB" sz="2400" dirty="0"/>
-              <a:t> are those within ε of a core point.</a:t>
-            </a:r>
-          </a:p>
-          <a:p>
-            <a:pPr marL="800100" lvl="1" indent="-342900">
-              <a:buFont typeface="Arial" panose="020B0604020202020204" pitchFamily="34" charset="0"/>
-              <a:buChar char="•"/>
-            </a:pPr>
-            <a:r>
-              <a:rPr lang="en-GB" sz="2400" dirty="0"/>
-              <a:t>If </a:t>
-            </a:r>
-            <a:r>
-              <a:rPr lang="en-GB" sz="2400" dirty="0" err="1"/>
-              <a:t>MinPts</a:t>
-            </a:r>
-            <a:r>
-              <a:rPr lang="en-GB" sz="2400" dirty="0"/>
-              <a:t>  </a:t>
-            </a:r>
-            <a:r>
-              <a:rPr lang="en-GB" sz="2400" b="1" dirty="0"/>
-              <a:t>low</a:t>
-            </a:r>
-            <a:r>
-              <a:rPr lang="en-GB" sz="2400" dirty="0">
-                <a:solidFill>
-                  <a:srgbClr val="B22F28"/>
-                </a:solidFill>
-              </a:rPr>
-              <a:t> </a:t>
-            </a:r>
-            <a:r>
-              <a:rPr lang="en-GB" sz="2400" dirty="0"/>
-              <a:t>=&gt;  isolated points can form clusters.</a:t>
-            </a:r>
-          </a:p>
-          <a:p>
-            <a:pPr marL="800100" lvl="1" indent="-342900">
-              <a:buFont typeface="Arial" panose="020B0604020202020204" pitchFamily="34" charset="0"/>
-              <a:buChar char="•"/>
-            </a:pPr>
-            <a:r>
-              <a:rPr lang="en-GB" sz="2400" dirty="0"/>
-              <a:t>If </a:t>
-            </a:r>
-            <a:r>
-              <a:rPr lang="en-GB" sz="2400" dirty="0" err="1"/>
-              <a:t>MinPts</a:t>
-            </a:r>
-            <a:r>
-              <a:rPr lang="en-GB" sz="2400" dirty="0"/>
-              <a:t>  </a:t>
-            </a:r>
-            <a:r>
-              <a:rPr lang="en-GB" sz="2400" b="1" dirty="0"/>
-              <a:t>high</a:t>
-            </a:r>
-            <a:r>
-              <a:rPr lang="en-GB" sz="2400" dirty="0"/>
-              <a:t> =&gt; large, dense clusters form, smaller ones are missed.</a:t>
-            </a:r>
-          </a:p>
-          <a:p>
-            <a:endParaRPr lang="en-US" noProof="0" dirty="0"/>
-          </a:p>
-        </p:txBody>
-      </p:sp>
-      <p:sp>
-        <p:nvSpPr>
-          <p:cNvPr id="52" name="Textfeld 48">
-            <a:extLst>
-              <a:ext uri="{FF2B5EF4-FFF2-40B4-BE49-F238E27FC236}">
-                <a16:creationId xmlns:a16="http://schemas.microsoft.com/office/drawing/2014/main" id="{0C9E6692-E493-9100-A3A2-2553EE851C05}"/>
-              </a:ext>
-            </a:extLst>
-          </p:cNvPr>
-          <p:cNvSpPr txBox="1"/>
-          <p:nvPr/>
-        </p:nvSpPr>
-        <p:spPr>
-          <a:xfrm>
-            <a:off x="20715243" y="32092643"/>
-            <a:ext cx="10001633" cy="4216539"/>
-          </a:xfrm>
-          <a:prstGeom prst="rect">
-            <a:avLst/>
-          </a:prstGeom>
-          <a:noFill/>
-        </p:spPr>
-        <p:txBody>
-          <a:bodyPr wrap="square" rtlCol="0">
-            <a:spAutoFit/>
-          </a:bodyPr>
-          <a:lstStyle/>
-          <a:p>
-            <a:pPr algn="just"/>
-            <a:r>
-              <a:rPr lang="en-US" sz="2400" b="1" noProof="0" dirty="0">
-                <a:latin typeface="Source Sans Pro" panose="020B0503030403020204" pitchFamily="34" charset="0"/>
-                <a:ea typeface="Source Sans Pro" panose="020B0503030403020204" pitchFamily="34" charset="0"/>
-              </a:rPr>
-              <a:t>Statistical Analysis</a:t>
-            </a:r>
-          </a:p>
-          <a:p>
-            <a:pPr algn="just"/>
-            <a:endParaRPr lang="en-US" sz="1000" noProof="0" dirty="0">
-              <a:latin typeface="Source Sans Pro" panose="020B0503030403020204" pitchFamily="34" charset="0"/>
-              <a:ea typeface="Source Sans Pro" panose="020B0503030403020204" pitchFamily="34" charset="0"/>
-            </a:endParaRPr>
-          </a:p>
-          <a:p>
-            <a:pPr algn="just"/>
-            <a:r>
-              <a:rPr lang="en-US" sz="2400" noProof="0" dirty="0">
-                <a:latin typeface="Source Sans Pro" panose="020B0503030403020204" pitchFamily="34" charset="0"/>
-                <a:ea typeface="Source Sans Pro" panose="020B0503030403020204" pitchFamily="34" charset="0"/>
-              </a:rPr>
-              <a:t>In order to </a:t>
-            </a:r>
-            <a:r>
-              <a:rPr lang="en-US" sz="2400" noProof="0" dirty="0" err="1">
-                <a:latin typeface="Source Sans Pro" panose="020B0503030403020204" pitchFamily="34" charset="0"/>
-                <a:ea typeface="Source Sans Pro" panose="020B0503030403020204" pitchFamily="34" charset="0"/>
-              </a:rPr>
-              <a:t>cualitativly</a:t>
-            </a:r>
-            <a:r>
-              <a:rPr lang="en-US" sz="2400" noProof="0" dirty="0">
-                <a:latin typeface="Source Sans Pro" panose="020B0503030403020204" pitchFamily="34" charset="0"/>
-                <a:ea typeface="Source Sans Pro" panose="020B0503030403020204" pitchFamily="34" charset="0"/>
-              </a:rPr>
-              <a:t> validate the efficiency in clustering of </a:t>
-            </a:r>
-          </a:p>
-          <a:p>
-            <a:pPr algn="just"/>
-            <a:r>
-              <a:rPr lang="en-US" sz="2400" noProof="0" dirty="0">
-                <a:latin typeface="Source Sans Pro" panose="020B0503030403020204" pitchFamily="34" charset="0"/>
-                <a:ea typeface="Source Sans Pro" panose="020B0503030403020204" pitchFamily="34" charset="0"/>
-              </a:rPr>
-              <a:t>the two parameters we created a heatmap with a specific </a:t>
-            </a:r>
-            <a:r>
-              <a:rPr lang="en-US" sz="2400" b="1" noProof="0" dirty="0" err="1">
-                <a:latin typeface="Source Sans Pro" panose="020B0503030403020204" pitchFamily="34" charset="0"/>
-                <a:ea typeface="Source Sans Pro" panose="020B0503030403020204" pitchFamily="34" charset="0"/>
-              </a:rPr>
-              <a:t>sc</a:t>
-            </a:r>
-            <a:r>
-              <a:rPr lang="en-US" sz="2400" b="1" dirty="0" err="1">
-                <a:latin typeface="Source Sans Pro" panose="020B0503030403020204" pitchFamily="34" charset="0"/>
-                <a:ea typeface="Source Sans Pro" panose="020B0503030403020204" pitchFamily="34" charset="0"/>
-              </a:rPr>
-              <a:t>oring</a:t>
-            </a:r>
-            <a:r>
-              <a:rPr lang="en-US" sz="2400" b="1" dirty="0">
-                <a:latin typeface="Source Sans Pro" panose="020B0503030403020204" pitchFamily="34" charset="0"/>
-                <a:ea typeface="Source Sans Pro" panose="020B0503030403020204" pitchFamily="34" charset="0"/>
-              </a:rPr>
-              <a:t> logic</a:t>
-            </a:r>
-          </a:p>
-          <a:p>
-            <a:pPr algn="just"/>
-            <a:endParaRPr lang="en-US" sz="2400" b="1" noProof="0" dirty="0">
-              <a:latin typeface="Source Sans Pro" panose="020B0503030403020204" pitchFamily="34" charset="0"/>
-              <a:ea typeface="Source Sans Pro" panose="020B0503030403020204" pitchFamily="34" charset="0"/>
-            </a:endParaRPr>
-          </a:p>
-          <a:p>
-            <a:pPr algn="just"/>
-            <a:r>
-              <a:rPr lang="en-US" sz="2400" noProof="0" dirty="0">
-                <a:latin typeface="Source Sans Pro" panose="020B0503030403020204" pitchFamily="34" charset="0"/>
-                <a:ea typeface="Source Sans Pro" panose="020B0503030403020204" pitchFamily="34" charset="0"/>
-              </a:rPr>
-              <a:t>And following Proteins (based on CORUM) </a:t>
-            </a:r>
-            <a:r>
-              <a:rPr lang="en-US" sz="2400" dirty="0">
-                <a:latin typeface="Source Sans Pro" panose="020B0503030403020204" pitchFamily="34" charset="0"/>
-                <a:ea typeface="Source Sans Pro" panose="020B0503030403020204" pitchFamily="34" charset="0"/>
-              </a:rPr>
-              <a:t>as … </a:t>
-            </a:r>
-          </a:p>
-          <a:p>
-            <a:pPr algn="just"/>
-            <a:endParaRPr lang="en-US" sz="2400" noProof="0" dirty="0">
-              <a:latin typeface="Source Sans Pro" panose="020B0503030403020204" pitchFamily="34" charset="0"/>
-              <a:ea typeface="Source Sans Pro" panose="020B0503030403020204" pitchFamily="34" charset="0"/>
-            </a:endParaRPr>
-          </a:p>
-          <a:p>
-            <a:pPr algn="just"/>
-            <a:r>
-              <a:rPr lang="en-US" sz="2400" dirty="0" err="1">
-                <a:latin typeface="Source Sans Pro" panose="020B0503030403020204" pitchFamily="34" charset="0"/>
-                <a:ea typeface="Source Sans Pro" panose="020B0503030403020204" pitchFamily="34" charset="0"/>
-              </a:rPr>
-              <a:t>Positv</a:t>
-            </a:r>
-            <a:r>
-              <a:rPr lang="en-US" sz="2400" dirty="0">
-                <a:latin typeface="Source Sans Pro" panose="020B0503030403020204" pitchFamily="34" charset="0"/>
-                <a:ea typeface="Source Sans Pro" panose="020B0503030403020204" pitchFamily="34" charset="0"/>
-              </a:rPr>
-              <a:t>  </a:t>
-            </a:r>
-            <a:r>
-              <a:rPr lang="en-US" sz="2400" dirty="0" err="1">
-                <a:latin typeface="Source Sans Pro" panose="020B0503030403020204" pitchFamily="34" charset="0"/>
-                <a:ea typeface="Source Sans Pro" panose="020B0503030403020204" pitchFamily="34" charset="0"/>
-              </a:rPr>
-              <a:t>Controll</a:t>
-            </a:r>
-            <a:r>
-              <a:rPr lang="en-US" sz="2400" dirty="0">
-                <a:latin typeface="Source Sans Pro" panose="020B0503030403020204" pitchFamily="34" charset="0"/>
-                <a:ea typeface="Source Sans Pro" panose="020B0503030403020204" pitchFamily="34" charset="0"/>
-              </a:rPr>
-              <a:t>:  Proteins from Complex XXX</a:t>
-            </a:r>
-          </a:p>
-          <a:p>
-            <a:pPr algn="just"/>
-            <a:endParaRPr lang="en-US" sz="2400" dirty="0">
-              <a:latin typeface="Source Sans Pro" panose="020B0503030403020204" pitchFamily="34" charset="0"/>
-              <a:ea typeface="Source Sans Pro" panose="020B0503030403020204" pitchFamily="34" charset="0"/>
-            </a:endParaRPr>
-          </a:p>
-          <a:p>
-            <a:pPr algn="just"/>
-            <a:r>
-              <a:rPr lang="en-US" sz="2400" dirty="0" err="1">
-                <a:latin typeface="Source Sans Pro" panose="020B0503030403020204" pitchFamily="34" charset="0"/>
-                <a:ea typeface="Source Sans Pro" panose="020B0503030403020204" pitchFamily="34" charset="0"/>
-              </a:rPr>
-              <a:t>Negativ</a:t>
-            </a:r>
-            <a:r>
-              <a:rPr lang="en-US" sz="2400" dirty="0">
-                <a:latin typeface="Source Sans Pro" panose="020B0503030403020204" pitchFamily="34" charset="0"/>
-                <a:ea typeface="Source Sans Pro" panose="020B0503030403020204" pitchFamily="34" charset="0"/>
-              </a:rPr>
-              <a:t> </a:t>
-            </a:r>
-            <a:r>
-              <a:rPr lang="en-US" sz="2400" dirty="0" err="1">
-                <a:latin typeface="Source Sans Pro" panose="020B0503030403020204" pitchFamily="34" charset="0"/>
-                <a:ea typeface="Source Sans Pro" panose="020B0503030403020204" pitchFamily="34" charset="0"/>
-              </a:rPr>
-              <a:t>Controll</a:t>
-            </a:r>
-            <a:r>
-              <a:rPr lang="en-US" sz="2400" dirty="0">
-                <a:latin typeface="Source Sans Pro" panose="020B0503030403020204" pitchFamily="34" charset="0"/>
-                <a:ea typeface="Source Sans Pro" panose="020B0503030403020204" pitchFamily="34" charset="0"/>
-              </a:rPr>
-              <a:t>:  </a:t>
-            </a:r>
-            <a:r>
-              <a:rPr lang="en-US" sz="2400" dirty="0" err="1">
-                <a:latin typeface="Source Sans Pro" panose="020B0503030403020204" pitchFamily="34" charset="0"/>
-                <a:ea typeface="Source Sans Pro" panose="020B0503030403020204" pitchFamily="34" charset="0"/>
-              </a:rPr>
-              <a:t>Prteins</a:t>
-            </a:r>
-            <a:r>
-              <a:rPr lang="en-US" sz="2400" dirty="0">
-                <a:latin typeface="Source Sans Pro" panose="020B0503030403020204" pitchFamily="34" charset="0"/>
-                <a:ea typeface="Source Sans Pro" panose="020B0503030403020204" pitchFamily="34" charset="0"/>
-              </a:rPr>
-              <a:t> X and Y </a:t>
-            </a:r>
-          </a:p>
-          <a:p>
-            <a:pPr algn="just"/>
-            <a:r>
-              <a:rPr lang="en-US" sz="2400" dirty="0">
-                <a:latin typeface="Source Sans Pro" panose="020B0503030403020204" pitchFamily="34" charset="0"/>
-                <a:ea typeface="Source Sans Pro" panose="020B0503030403020204" pitchFamily="34" charset="0"/>
-              </a:rPr>
-              <a:t> </a:t>
-            </a:r>
-            <a:endParaRPr lang="en-US" sz="2400" noProof="0" dirty="0">
-              <a:latin typeface="Source Sans Pro" panose="020B0503030403020204" pitchFamily="34" charset="0"/>
-              <a:ea typeface="Source Sans Pro" panose="020B0503030403020204" pitchFamily="34" charset="0"/>
-            </a:endParaRPr>
-          </a:p>
-          <a:p>
-            <a:endParaRPr lang="en-US" noProof="0" dirty="0"/>
-          </a:p>
-        </p:txBody>
-      </p:sp>
-      <p:pic>
-        <p:nvPicPr>
-          <p:cNvPr id="58" name="Grafik 57">
-            <a:extLst>
-              <a:ext uri="{FF2B5EF4-FFF2-40B4-BE49-F238E27FC236}">
-                <a16:creationId xmlns:a16="http://schemas.microsoft.com/office/drawing/2014/main" id="{A4E66611-3D6E-9A44-4656-502C42629693}"/>
-              </a:ext>
-            </a:extLst>
-          </p:cNvPr>
-          <p:cNvPicPr>
-            <a:picLocks noChangeAspect="1"/>
-          </p:cNvPicPr>
-          <p:nvPr/>
-        </p:nvPicPr>
-        <p:blipFill>
-          <a:blip r:embed="rId12">
-            <a:extLst>
-              <a:ext uri="{28A0092B-C50C-407E-A947-70E740481C1C}">
-                <a14:useLocalDpi xmlns:a14="http://schemas.microsoft.com/office/drawing/2010/main" val="0"/>
-              </a:ext>
-            </a:extLst>
-          </a:blip>
-          <a:stretch>
-            <a:fillRect/>
-          </a:stretch>
-        </p:blipFill>
-        <p:spPr>
-          <a:xfrm>
             <a:off x="22074595" y="17620186"/>
             <a:ext cx="6864416" cy="5148312"/>
           </a:xfrm>
@@ -7833,7 +7210,7 @@
           <p:nvPr/>
         </p:nvPicPr>
         <p:blipFill>
-          <a:blip r:embed="rId13">
+          <a:blip r:embed="rId11">
             <a:extLst>
               <a:ext uri="{28A0092B-C50C-407E-A947-70E740481C1C}">
                 <a14:useLocalDpi xmlns:a14="http://schemas.microsoft.com/office/drawing/2010/main" val="0"/>
@@ -7870,7 +7247,7 @@
           <p:nvPr/>
         </p:nvPicPr>
         <p:blipFill>
-          <a:blip r:embed="rId14"/>
+          <a:blip r:embed="rId12"/>
           <a:stretch>
             <a:fillRect/>
           </a:stretch>
@@ -8233,7 +7610,7 @@
           <p:nvPr/>
         </p:nvPicPr>
         <p:blipFill>
-          <a:blip r:embed="rId15">
+          <a:blip r:embed="rId13">
             <a:extLst>
               <a:ext uri="{28A0092B-C50C-407E-A947-70E740481C1C}">
                 <a14:useLocalDpi xmlns:a14="http://schemas.microsoft.com/office/drawing/2010/main" val="0"/>
@@ -8269,7 +7646,7 @@
           <p:nvPr/>
         </p:nvPicPr>
         <p:blipFill>
-          <a:blip r:embed="rId16">
+          <a:blip r:embed="rId14">
             <a:extLst>
               <a:ext uri="{28A0092B-C50C-407E-A947-70E740481C1C}">
                 <a14:useLocalDpi xmlns:a14="http://schemas.microsoft.com/office/drawing/2010/main" val="0"/>
@@ -8567,8 +7944,8 @@
             </a:p>
           </p:txBody>
         </p:sp>
-        <mc:AlternateContent xmlns:mc="http://schemas.openxmlformats.org/markup-compatibility/2006">
-          <mc:Choice xmlns:a14="http://schemas.microsoft.com/office/drawing/2010/main" Requires="a14">
+        <mc:AlternateContent xmlns:mc="http://schemas.openxmlformats.org/markup-compatibility/2006" xmlns:a14="http://schemas.microsoft.com/office/drawing/2010/main">
+          <mc:Choice Requires="a14">
             <p:sp>
               <p:nvSpPr>
                 <p:cNvPr id="50" name="Textfeld 49">
@@ -8794,7 +8171,7 @@
               </p:txBody>
             </p:sp>
           </mc:Choice>
-          <mc:Fallback>
+          <mc:Fallback xmlns="">
             <p:sp>
               <p:nvSpPr>
                 <p:cNvPr id="50" name="Textfeld 49">
@@ -10422,8 +9799,8 @@
           </a:p>
         </p:txBody>
       </p:sp>
-      <mc:AlternateContent xmlns:mc="http://schemas.openxmlformats.org/markup-compatibility/2006">
-        <mc:Choice xmlns:a14="http://schemas.microsoft.com/office/drawing/2010/main" Requires="a14">
+      <mc:AlternateContent xmlns:mc="http://schemas.openxmlformats.org/markup-compatibility/2006" xmlns:a14="http://schemas.microsoft.com/office/drawing/2010/main">
+        <mc:Choice Requires="a14">
           <p:sp>
             <p:nvSpPr>
               <p:cNvPr id="115" name="Textfeld 114">
@@ -10452,6 +9829,7 @@
               </a:bodyPr>
               <a:lstStyle/>
               <a:p>
+                <a:pPr/>
                 <a14:m>
                   <m:oMathPara xmlns:m="http://schemas.openxmlformats.org/officeDocument/2006/math">
                     <m:oMathParaPr>
@@ -10532,7 +9910,7 @@
             </p:txBody>
           </p:sp>
         </mc:Choice>
-        <mc:Fallback>
+        <mc:Fallback xmlns="">
           <p:sp>
             <p:nvSpPr>
               <p:cNvPr id="115" name="Textfeld 114">
@@ -10615,6 +9993,1021 @@
           </a:p>
           <a:p>
             <a:endParaRPr lang="en-US" sz="2400" dirty="0"/>
+          </a:p>
+        </p:txBody>
+      </p:sp>
+      <p:sp>
+        <p:nvSpPr>
+          <p:cNvPr id="17" name="Abgerundetes Rechteck 21">
+            <a:extLst>
+              <a:ext uri="{FF2B5EF4-FFF2-40B4-BE49-F238E27FC236}">
+                <a16:creationId xmlns:a16="http://schemas.microsoft.com/office/drawing/2014/main" id="{CADA5048-84E9-7610-1363-103CE5D313B8}"/>
+              </a:ext>
+            </a:extLst>
+          </p:cNvPr>
+          <p:cNvSpPr/>
+          <p:nvPr/>
+        </p:nvSpPr>
+        <p:spPr>
+          <a:xfrm>
+            <a:off x="15213808" y="25798474"/>
+            <a:ext cx="14528007" cy="12396420"/>
+          </a:xfrm>
+          <a:prstGeom prst="roundRect">
+            <a:avLst>
+              <a:gd name="adj" fmla="val 5015"/>
+            </a:avLst>
+          </a:prstGeom>
+          <a:solidFill>
+            <a:srgbClr val="E49596">
+              <a:alpha val="33168"/>
+            </a:srgbClr>
+          </a:solidFill>
+          <a:ln w="63500">
+            <a:solidFill>
+              <a:srgbClr val="B22F28"/>
+            </a:solidFill>
+          </a:ln>
+        </p:spPr>
+        <p:style>
+          <a:lnRef idx="2">
+            <a:schemeClr val="accent1">
+              <a:shade val="15000"/>
+            </a:schemeClr>
+          </a:lnRef>
+          <a:fillRef idx="1">
+            <a:schemeClr val="accent1"/>
+          </a:fillRef>
+          <a:effectRef idx="0">
+            <a:schemeClr val="accent1"/>
+          </a:effectRef>
+          <a:fontRef idx="minor">
+            <a:schemeClr val="lt1"/>
+          </a:fontRef>
+        </p:style>
+        <p:txBody>
+          <a:bodyPr rtlCol="0" anchor="t"/>
+          <a:lstStyle/>
+          <a:p>
+            <a:pPr algn="r"/>
+            <a:endParaRPr lang="en-US" sz="3600" noProof="0" dirty="0">
+              <a:solidFill>
+                <a:schemeClr val="tx1"/>
+              </a:solidFill>
+            </a:endParaRPr>
+          </a:p>
+        </p:txBody>
+      </p:sp>
+      <p:sp>
+        <p:nvSpPr>
+          <p:cNvPr id="23" name="Rectangle 22">
+            <a:extLst>
+              <a:ext uri="{FF2B5EF4-FFF2-40B4-BE49-F238E27FC236}">
+                <a16:creationId xmlns:a16="http://schemas.microsoft.com/office/drawing/2014/main" id="{497B7107-C6F9-BC8E-32F9-4EB58EBC3122}"/>
+              </a:ext>
+            </a:extLst>
+          </p:cNvPr>
+          <p:cNvSpPr/>
+          <p:nvPr/>
+        </p:nvSpPr>
+        <p:spPr>
+          <a:xfrm>
+            <a:off x="23799288" y="25973133"/>
+            <a:ext cx="5656553" cy="4159284"/>
+          </a:xfrm>
+          <a:prstGeom prst="rect">
+            <a:avLst/>
+          </a:prstGeom>
+          <a:solidFill>
+            <a:schemeClr val="bg1"/>
+          </a:solidFill>
+          <a:ln>
+            <a:noFill/>
+          </a:ln>
+        </p:spPr>
+        <p:style>
+          <a:lnRef idx="2">
+            <a:schemeClr val="accent1">
+              <a:shade val="15000"/>
+            </a:schemeClr>
+          </a:lnRef>
+          <a:fillRef idx="1">
+            <a:schemeClr val="accent1"/>
+          </a:fillRef>
+          <a:effectRef idx="0">
+            <a:schemeClr val="accent1"/>
+          </a:effectRef>
+          <a:fontRef idx="minor">
+            <a:schemeClr val="lt1"/>
+          </a:fontRef>
+        </p:style>
+        <p:txBody>
+          <a:bodyPr rtlCol="0" anchor="t"/>
+          <a:lstStyle/>
+          <a:p>
+            <a:pPr algn="r"/>
+            <a:endParaRPr lang="en-GB" sz="3600" dirty="0">
+              <a:solidFill>
+                <a:schemeClr val="tx1"/>
+              </a:solidFill>
+            </a:endParaRPr>
+          </a:p>
+        </p:txBody>
+      </p:sp>
+      <p:pic>
+        <p:nvPicPr>
+          <p:cNvPr id="32" name="Picture 31" descr="A screenshot of a video game&#10;&#10;AI-generated content may be incorrect.">
+            <a:extLst>
+              <a:ext uri="{FF2B5EF4-FFF2-40B4-BE49-F238E27FC236}">
+                <a16:creationId xmlns:a16="http://schemas.microsoft.com/office/drawing/2014/main" id="{08B70003-AD1E-4701-456D-41507D8EABB7}"/>
+              </a:ext>
+            </a:extLst>
+          </p:cNvPr>
+          <p:cNvPicPr>
+            <a:picLocks noChangeAspect="1"/>
+          </p:cNvPicPr>
+          <p:nvPr/>
+        </p:nvPicPr>
+        <p:blipFill>
+          <a:blip r:embed="rId23">
+            <a:extLst>
+              <a:ext uri="{28A0092B-C50C-407E-A947-70E740481C1C}">
+                <a14:useLocalDpi xmlns:a14="http://schemas.microsoft.com/office/drawing/2010/main" val="0"/>
+              </a:ext>
+            </a:extLst>
+          </a:blip>
+          <a:stretch>
+            <a:fillRect/>
+          </a:stretch>
+        </p:blipFill>
+        <p:spPr>
+          <a:xfrm>
+            <a:off x="23827897" y="26008271"/>
+            <a:ext cx="5542441" cy="4156832"/>
+          </a:xfrm>
+          <a:prstGeom prst="rect">
+            <a:avLst/>
+          </a:prstGeom>
+        </p:spPr>
+      </p:pic>
+      <p:sp>
+        <p:nvSpPr>
+          <p:cNvPr id="33" name="Rectangle 32">
+            <a:extLst>
+              <a:ext uri="{FF2B5EF4-FFF2-40B4-BE49-F238E27FC236}">
+                <a16:creationId xmlns:a16="http://schemas.microsoft.com/office/drawing/2014/main" id="{AB754934-85BC-3E41-3BC6-0759F2D51BE4}"/>
+              </a:ext>
+            </a:extLst>
+          </p:cNvPr>
+          <p:cNvSpPr/>
+          <p:nvPr/>
+        </p:nvSpPr>
+        <p:spPr>
+          <a:xfrm>
+            <a:off x="15725617" y="34315537"/>
+            <a:ext cx="4508066" cy="3264631"/>
+          </a:xfrm>
+          <a:prstGeom prst="rect">
+            <a:avLst/>
+          </a:prstGeom>
+          <a:solidFill>
+            <a:schemeClr val="bg1"/>
+          </a:solidFill>
+          <a:ln>
+            <a:noFill/>
+          </a:ln>
+        </p:spPr>
+        <p:style>
+          <a:lnRef idx="2">
+            <a:schemeClr val="accent1">
+              <a:shade val="15000"/>
+            </a:schemeClr>
+          </a:lnRef>
+          <a:fillRef idx="1">
+            <a:schemeClr val="accent1"/>
+          </a:fillRef>
+          <a:effectRef idx="0">
+            <a:schemeClr val="accent1"/>
+          </a:effectRef>
+          <a:fontRef idx="minor">
+            <a:schemeClr val="lt1"/>
+          </a:fontRef>
+        </p:style>
+        <p:txBody>
+          <a:bodyPr rtlCol="0" anchor="t"/>
+          <a:lstStyle/>
+          <a:p>
+            <a:pPr algn="r"/>
+            <a:endParaRPr lang="en-GB" sz="3600" dirty="0">
+              <a:solidFill>
+                <a:schemeClr val="tx1"/>
+              </a:solidFill>
+            </a:endParaRPr>
+          </a:p>
+        </p:txBody>
+      </p:sp>
+      <p:pic>
+        <p:nvPicPr>
+          <p:cNvPr id="38" name="Picture 37" descr="A yellow and orange squares&#10;&#10;AI-generated content may be incorrect.">
+            <a:extLst>
+              <a:ext uri="{FF2B5EF4-FFF2-40B4-BE49-F238E27FC236}">
+                <a16:creationId xmlns:a16="http://schemas.microsoft.com/office/drawing/2014/main" id="{288F68B4-DDA1-2EEB-9F23-81C0A0F5FDB5}"/>
+              </a:ext>
+            </a:extLst>
+          </p:cNvPr>
+          <p:cNvPicPr>
+            <a:picLocks noChangeAspect="1"/>
+          </p:cNvPicPr>
+          <p:nvPr/>
+        </p:nvPicPr>
+        <p:blipFill>
+          <a:blip r:embed="rId24">
+            <a:extLst>
+              <a:ext uri="{28A0092B-C50C-407E-A947-70E740481C1C}">
+                <a14:useLocalDpi xmlns:a14="http://schemas.microsoft.com/office/drawing/2010/main" val="0"/>
+              </a:ext>
+            </a:extLst>
+          </a:blip>
+          <a:stretch>
+            <a:fillRect/>
+          </a:stretch>
+        </p:blipFill>
+        <p:spPr>
+          <a:xfrm>
+            <a:off x="15839213" y="34379540"/>
+            <a:ext cx="4280873" cy="3210655"/>
+          </a:xfrm>
+          <a:prstGeom prst="rect">
+            <a:avLst/>
+          </a:prstGeom>
+        </p:spPr>
+      </p:pic>
+      <p:sp>
+        <p:nvSpPr>
+          <p:cNvPr id="53" name="Textfeld 48">
+            <a:extLst>
+              <a:ext uri="{FF2B5EF4-FFF2-40B4-BE49-F238E27FC236}">
+                <a16:creationId xmlns:a16="http://schemas.microsoft.com/office/drawing/2014/main" id="{09012934-17D9-9E1F-A0A5-E6B32DB352BC}"/>
+              </a:ext>
+            </a:extLst>
+          </p:cNvPr>
+          <p:cNvSpPr txBox="1"/>
+          <p:nvPr/>
+        </p:nvSpPr>
+        <p:spPr>
+          <a:xfrm>
+            <a:off x="15457632" y="26456645"/>
+            <a:ext cx="8341656" cy="3323987"/>
+          </a:xfrm>
+          <a:prstGeom prst="rect">
+            <a:avLst/>
+          </a:prstGeom>
+          <a:noFill/>
+        </p:spPr>
+        <p:txBody>
+          <a:bodyPr wrap="square" rtlCol="0">
+            <a:spAutoFit/>
+          </a:bodyPr>
+          <a:lstStyle/>
+          <a:p>
+            <a:pPr algn="just"/>
+            <a:r>
+              <a:rPr lang="en-GB" sz="2400" b="1" dirty="0">
+                <a:latin typeface="Source Sans Pro" panose="020B0503030403020204" pitchFamily="34" charset="0"/>
+                <a:ea typeface="Source Sans Pro" panose="020B0503030403020204" pitchFamily="34" charset="0"/>
+              </a:rPr>
+              <a:t>DBSCAN :</a:t>
+            </a:r>
+          </a:p>
+          <a:p>
+            <a:r>
+              <a:rPr lang="en-GB" sz="2400" dirty="0">
+                <a:latin typeface="Source Sans Pro" panose="020B0503030403020204" pitchFamily="34" charset="0"/>
+                <a:ea typeface="Source Sans Pro" panose="020B0503030403020204" pitchFamily="34" charset="0"/>
+              </a:rPr>
+              <a:t>is a clustering algorithm that can classify points in low-density regions as it considers point density and distance.</a:t>
+            </a:r>
+          </a:p>
+          <a:p>
+            <a:pPr marL="342900" indent="-342900">
+              <a:buFont typeface="Arial" panose="020B0604020202020204" pitchFamily="34" charset="0"/>
+              <a:buChar char="•"/>
+            </a:pPr>
+            <a:r>
+              <a:rPr lang="en-GB" sz="2400" b="1" dirty="0">
+                <a:latin typeface="Source Sans Pro" panose="020B0503030403020204" pitchFamily="34" charset="0"/>
+                <a:ea typeface="Source Sans Pro" panose="020B0503030403020204" pitchFamily="34" charset="0"/>
+              </a:rPr>
+              <a:t>ε (epsilon): </a:t>
+            </a:r>
+            <a:r>
+              <a:rPr lang="en-GB" sz="2400" dirty="0">
+                <a:latin typeface="Source Sans Pro" panose="020B0503030403020204" pitchFamily="34" charset="0"/>
+                <a:ea typeface="Source Sans Pro" panose="020B0503030403020204" pitchFamily="34" charset="0"/>
+              </a:rPr>
+              <a:t>The maximum distance between two points to be considered </a:t>
+            </a:r>
+            <a:r>
+              <a:rPr lang="en-GB" sz="2400" dirty="0" err="1">
+                <a:latin typeface="Source Sans Pro" panose="020B0503030403020204" pitchFamily="34" charset="0"/>
+                <a:ea typeface="Source Sans Pro" panose="020B0503030403020204" pitchFamily="34" charset="0"/>
+              </a:rPr>
+              <a:t>neighbors</a:t>
+            </a:r>
+            <a:r>
+              <a:rPr lang="en-GB" sz="2400" dirty="0">
+                <a:latin typeface="Source Sans Pro" panose="020B0503030403020204" pitchFamily="34" charset="0"/>
+                <a:ea typeface="Source Sans Pro" panose="020B0503030403020204" pitchFamily="34" charset="0"/>
+              </a:rPr>
+              <a:t>. </a:t>
+            </a:r>
+          </a:p>
+          <a:p>
+            <a:pPr marL="342900" indent="-342900">
+              <a:buFont typeface="Arial" panose="020B0604020202020204" pitchFamily="34" charset="0"/>
+              <a:buChar char="•"/>
+            </a:pPr>
+            <a:r>
+              <a:rPr lang="en-GB" sz="2400" b="1" dirty="0" err="1">
+                <a:latin typeface="Source Sans Pro" panose="020B0503030403020204" pitchFamily="34" charset="0"/>
+                <a:ea typeface="Source Sans Pro" panose="020B0503030403020204" pitchFamily="34" charset="0"/>
+              </a:rPr>
+              <a:t>MinPts</a:t>
+            </a:r>
+            <a:r>
+              <a:rPr lang="en-GB" sz="2400" b="1" dirty="0">
+                <a:latin typeface="Source Sans Pro" panose="020B0503030403020204" pitchFamily="34" charset="0"/>
+                <a:ea typeface="Source Sans Pro" panose="020B0503030403020204" pitchFamily="34" charset="0"/>
+              </a:rPr>
+              <a:t>: </a:t>
+            </a:r>
+            <a:r>
+              <a:rPr lang="en-GB" sz="2400" dirty="0">
+                <a:latin typeface="Source Sans Pro" panose="020B0503030403020204" pitchFamily="34" charset="0"/>
+                <a:ea typeface="Source Sans Pro" panose="020B0503030403020204" pitchFamily="34" charset="0"/>
+              </a:rPr>
+              <a:t>The minimum number of </a:t>
+            </a:r>
+            <a:r>
+              <a:rPr lang="en-GB" sz="2400" dirty="0" err="1">
+                <a:latin typeface="Source Sans Pro" panose="020B0503030403020204" pitchFamily="34" charset="0"/>
+                <a:ea typeface="Source Sans Pro" panose="020B0503030403020204" pitchFamily="34" charset="0"/>
+              </a:rPr>
+              <a:t>neighbors</a:t>
+            </a:r>
+            <a:r>
+              <a:rPr lang="en-GB" sz="2400" dirty="0">
+                <a:latin typeface="Source Sans Pro" panose="020B0503030403020204" pitchFamily="34" charset="0"/>
+                <a:ea typeface="Source Sans Pro" panose="020B0503030403020204" pitchFamily="34" charset="0"/>
+              </a:rPr>
+              <a:t> (within ε distance) to form a core point, border points are those within ε of a core point.</a:t>
+            </a:r>
+          </a:p>
+          <a:p>
+            <a:endParaRPr lang="en-US" noProof="0" dirty="0"/>
+          </a:p>
+        </p:txBody>
+      </p:sp>
+      <p:sp>
+        <p:nvSpPr>
+          <p:cNvPr id="54" name="Textfeld 48">
+            <a:extLst>
+              <a:ext uri="{FF2B5EF4-FFF2-40B4-BE49-F238E27FC236}">
+                <a16:creationId xmlns:a16="http://schemas.microsoft.com/office/drawing/2014/main" id="{0C9E6692-E493-9100-A3A2-2553EE851C05}"/>
+              </a:ext>
+            </a:extLst>
+          </p:cNvPr>
+          <p:cNvSpPr txBox="1"/>
+          <p:nvPr/>
+        </p:nvSpPr>
+        <p:spPr>
+          <a:xfrm>
+            <a:off x="15469068" y="29296448"/>
+            <a:ext cx="8330220" cy="3416320"/>
+          </a:xfrm>
+          <a:prstGeom prst="rect">
+            <a:avLst/>
+          </a:prstGeom>
+          <a:noFill/>
+        </p:spPr>
+        <p:txBody>
+          <a:bodyPr wrap="square" rtlCol="0">
+            <a:spAutoFit/>
+          </a:bodyPr>
+          <a:lstStyle/>
+          <a:p>
+            <a:pPr algn="just"/>
+            <a:r>
+              <a:rPr lang="en-US" sz="2400" b="1" dirty="0">
+                <a:latin typeface="Source Sans Pro" panose="020B0503030403020204" pitchFamily="34" charset="0"/>
+                <a:ea typeface="Source Sans Pro" panose="020B0503030403020204" pitchFamily="34" charset="0"/>
+              </a:rPr>
+              <a:t>Choosing parameters </a:t>
+            </a:r>
+            <a:endParaRPr lang="en-US" sz="2400" dirty="0">
+              <a:latin typeface="Source Sans Pro" panose="020B0503030403020204" pitchFamily="34" charset="0"/>
+              <a:ea typeface="Source Sans Pro" panose="020B0503030403020204" pitchFamily="34" charset="0"/>
+            </a:endParaRPr>
+          </a:p>
+          <a:p>
+            <a:pPr algn="just"/>
+            <a:r>
+              <a:rPr lang="en-US" sz="2400" dirty="0">
+                <a:latin typeface="Source Sans Pro" panose="020B0503030403020204" pitchFamily="34" charset="0"/>
+                <a:ea typeface="Source Sans Pro" panose="020B0503030403020204" pitchFamily="34" charset="0"/>
+              </a:rPr>
+              <a:t>To validate the efficiency in clustering we created a heatmap with a specific scoring logic. We adjusted our DBSCAN </a:t>
+            </a:r>
+            <a:r>
+              <a:rPr lang="en-US" sz="2400" b="1" dirty="0">
+                <a:latin typeface="Source Sans Pro" panose="020B0503030403020204" pitchFamily="34" charset="0"/>
+                <a:ea typeface="Source Sans Pro" panose="020B0503030403020204" pitchFamily="34" charset="0"/>
+              </a:rPr>
+              <a:t>to </a:t>
+            </a:r>
+            <a:r>
+              <a:rPr lang="en-GB" sz="2400" b="1" dirty="0">
+                <a:latin typeface="Source Sans Pro" panose="020B0503030403020204" pitchFamily="34" charset="0"/>
+                <a:ea typeface="Source Sans Pro" panose="020B0503030403020204" pitchFamily="34" charset="0"/>
+              </a:rPr>
+              <a:t>ε = 0.7 and </a:t>
+            </a:r>
+            <a:r>
+              <a:rPr lang="en-GB" sz="2400" b="1" dirty="0" err="1">
+                <a:latin typeface="Source Sans Pro" panose="020B0503030403020204" pitchFamily="34" charset="0"/>
+                <a:ea typeface="Source Sans Pro" panose="020B0503030403020204" pitchFamily="34" charset="0"/>
+              </a:rPr>
+              <a:t>MintPts</a:t>
+            </a:r>
+            <a:r>
+              <a:rPr lang="en-GB" sz="2400" b="1" dirty="0">
+                <a:latin typeface="Source Sans Pro" panose="020B0503030403020204" pitchFamily="34" charset="0"/>
+                <a:ea typeface="Source Sans Pro" panose="020B0503030403020204" pitchFamily="34" charset="0"/>
+              </a:rPr>
+              <a:t> = 4. </a:t>
+            </a:r>
+          </a:p>
+          <a:p>
+            <a:pPr algn="just"/>
+            <a:endParaRPr lang="en-GB" sz="2400" dirty="0">
+              <a:latin typeface="Source Sans Pro" panose="020B0503030403020204" pitchFamily="34" charset="0"/>
+              <a:ea typeface="Source Sans Pro" panose="020B0503030403020204" pitchFamily="34" charset="0"/>
+            </a:endParaRPr>
+          </a:p>
+          <a:p>
+            <a:pPr algn="just"/>
+            <a:endParaRPr lang="en-GB" sz="2400" b="1" dirty="0"/>
+          </a:p>
+          <a:p>
+            <a:pPr algn="just"/>
+            <a:endParaRPr lang="en-GB" sz="2400" b="1" dirty="0">
+              <a:latin typeface="Source Sans Pro" panose="020B0503030403020204" pitchFamily="34" charset="0"/>
+              <a:ea typeface="Source Sans Pro" panose="020B0503030403020204" pitchFamily="34" charset="0"/>
+            </a:endParaRPr>
+          </a:p>
+          <a:p>
+            <a:pPr algn="just"/>
+            <a:endParaRPr lang="en-US" sz="2400" b="1" dirty="0">
+              <a:latin typeface="Source Sans Pro" panose="020B0503030403020204" pitchFamily="34" charset="0"/>
+              <a:ea typeface="Source Sans Pro" panose="020B0503030403020204" pitchFamily="34" charset="0"/>
+            </a:endParaRPr>
+          </a:p>
+          <a:p>
+            <a:pPr algn="just"/>
+            <a:endParaRPr lang="en-US" sz="2400" b="1" noProof="0" dirty="0">
+              <a:latin typeface="Source Sans Pro" panose="020B0503030403020204" pitchFamily="34" charset="0"/>
+              <a:ea typeface="Source Sans Pro" panose="020B0503030403020204" pitchFamily="34" charset="0"/>
+            </a:endParaRPr>
+          </a:p>
+        </p:txBody>
+      </p:sp>
+      <p:pic>
+        <p:nvPicPr>
+          <p:cNvPr id="57" name="Picture 56" descr="A graph with lines and numbers&#10;&#10;AI-generated content may be incorrect.">
+            <a:extLst>
+              <a:ext uri="{FF2B5EF4-FFF2-40B4-BE49-F238E27FC236}">
+                <a16:creationId xmlns:a16="http://schemas.microsoft.com/office/drawing/2014/main" id="{BA45D2D3-0CCB-F156-B9E7-9449A21DFDC2}"/>
+              </a:ext>
+            </a:extLst>
+          </p:cNvPr>
+          <p:cNvPicPr>
+            <a:picLocks noChangeAspect="1"/>
+          </p:cNvPicPr>
+          <p:nvPr/>
+        </p:nvPicPr>
+        <p:blipFill>
+          <a:blip r:embed="rId25">
+            <a:extLst>
+              <a:ext uri="{28A0092B-C50C-407E-A947-70E740481C1C}">
+                <a14:useLocalDpi xmlns:a14="http://schemas.microsoft.com/office/drawing/2010/main" val="0"/>
+              </a:ext>
+            </a:extLst>
+          </a:blip>
+          <a:stretch>
+            <a:fillRect/>
+          </a:stretch>
+        </p:blipFill>
+        <p:spPr>
+          <a:xfrm>
+            <a:off x="26843963" y="30952853"/>
+            <a:ext cx="2734251" cy="2050688"/>
+          </a:xfrm>
+          <a:prstGeom prst="rect">
+            <a:avLst/>
+          </a:prstGeom>
+        </p:spPr>
+      </p:pic>
+      <p:pic>
+        <p:nvPicPr>
+          <p:cNvPr id="59" name="Picture 58" descr="A graph of a number of lines&#10;&#10;AI-generated content may be incorrect.">
+            <a:extLst>
+              <a:ext uri="{FF2B5EF4-FFF2-40B4-BE49-F238E27FC236}">
+                <a16:creationId xmlns:a16="http://schemas.microsoft.com/office/drawing/2014/main" id="{C670D429-FCC7-1BE6-830C-944CA7885502}"/>
+              </a:ext>
+            </a:extLst>
+          </p:cNvPr>
+          <p:cNvPicPr>
+            <a:picLocks noChangeAspect="1"/>
+          </p:cNvPicPr>
+          <p:nvPr/>
+        </p:nvPicPr>
+        <p:blipFill>
+          <a:blip r:embed="rId26">
+            <a:extLst>
+              <a:ext uri="{28A0092B-C50C-407E-A947-70E740481C1C}">
+                <a14:useLocalDpi xmlns:a14="http://schemas.microsoft.com/office/drawing/2010/main" val="0"/>
+              </a:ext>
+            </a:extLst>
+          </a:blip>
+          <a:stretch>
+            <a:fillRect/>
+          </a:stretch>
+        </p:blipFill>
+        <p:spPr>
+          <a:xfrm>
+            <a:off x="20976465" y="30973884"/>
+            <a:ext cx="2711946" cy="2033959"/>
+          </a:xfrm>
+          <a:prstGeom prst="rect">
+            <a:avLst/>
+          </a:prstGeom>
+        </p:spPr>
+      </p:pic>
+      <p:pic>
+        <p:nvPicPr>
+          <p:cNvPr id="60" name="Picture 59" descr="A graph of a number of fractions&#10;&#10;AI-generated content may be incorrect.">
+            <a:extLst>
+              <a:ext uri="{FF2B5EF4-FFF2-40B4-BE49-F238E27FC236}">
+                <a16:creationId xmlns:a16="http://schemas.microsoft.com/office/drawing/2014/main" id="{EE66F933-BDCC-0514-DC0C-7AA0C7AAAC36}"/>
+              </a:ext>
+            </a:extLst>
+          </p:cNvPr>
+          <p:cNvPicPr>
+            <a:picLocks noChangeAspect="1"/>
+          </p:cNvPicPr>
+          <p:nvPr/>
+        </p:nvPicPr>
+        <p:blipFill>
+          <a:blip r:embed="rId27">
+            <a:extLst>
+              <a:ext uri="{28A0092B-C50C-407E-A947-70E740481C1C}">
+                <a14:useLocalDpi xmlns:a14="http://schemas.microsoft.com/office/drawing/2010/main" val="0"/>
+              </a:ext>
+            </a:extLst>
+          </a:blip>
+          <a:stretch>
+            <a:fillRect/>
+          </a:stretch>
+        </p:blipFill>
+        <p:spPr>
+          <a:xfrm>
+            <a:off x="20976465" y="35551084"/>
+            <a:ext cx="2711946" cy="2033959"/>
+          </a:xfrm>
+          <a:prstGeom prst="rect">
+            <a:avLst/>
+          </a:prstGeom>
+        </p:spPr>
+      </p:pic>
+      <p:pic>
+        <p:nvPicPr>
+          <p:cNvPr id="61" name="Picture 60" descr="A graph of a number of people&#10;&#10;AI-generated content may be incorrect.">
+            <a:extLst>
+              <a:ext uri="{FF2B5EF4-FFF2-40B4-BE49-F238E27FC236}">
+                <a16:creationId xmlns:a16="http://schemas.microsoft.com/office/drawing/2014/main" id="{8B99C15E-AF69-C01B-6273-40520FCDE5F6}"/>
+              </a:ext>
+            </a:extLst>
+          </p:cNvPr>
+          <p:cNvPicPr>
+            <a:picLocks noChangeAspect="1"/>
+          </p:cNvPicPr>
+          <p:nvPr/>
+        </p:nvPicPr>
+        <p:blipFill>
+          <a:blip r:embed="rId28">
+            <a:extLst>
+              <a:ext uri="{28A0092B-C50C-407E-A947-70E740481C1C}">
+                <a14:useLocalDpi xmlns:a14="http://schemas.microsoft.com/office/drawing/2010/main" val="0"/>
+              </a:ext>
+            </a:extLst>
+          </a:blip>
+          <a:stretch>
+            <a:fillRect/>
+          </a:stretch>
+        </p:blipFill>
+        <p:spPr>
+          <a:xfrm>
+            <a:off x="20976465" y="33228377"/>
+            <a:ext cx="2711946" cy="2033959"/>
+          </a:xfrm>
+          <a:prstGeom prst="rect">
+            <a:avLst/>
+          </a:prstGeom>
+        </p:spPr>
+      </p:pic>
+      <p:pic>
+        <p:nvPicPr>
+          <p:cNvPr id="62" name="Picture 61" descr="A graph with lines and numbers&#10;&#10;AI-generated content may be incorrect.">
+            <a:extLst>
+              <a:ext uri="{FF2B5EF4-FFF2-40B4-BE49-F238E27FC236}">
+                <a16:creationId xmlns:a16="http://schemas.microsoft.com/office/drawing/2014/main" id="{788EBA3F-04C0-8072-0F06-18147B6CBB7C}"/>
+              </a:ext>
+            </a:extLst>
+          </p:cNvPr>
+          <p:cNvPicPr>
+            <a:picLocks noChangeAspect="1"/>
+          </p:cNvPicPr>
+          <p:nvPr/>
+        </p:nvPicPr>
+        <p:blipFill>
+          <a:blip r:embed="rId29">
+            <a:extLst>
+              <a:ext uri="{28A0092B-C50C-407E-A947-70E740481C1C}">
+                <a14:useLocalDpi xmlns:a14="http://schemas.microsoft.com/office/drawing/2010/main" val="0"/>
+              </a:ext>
+            </a:extLst>
+          </a:blip>
+          <a:stretch>
+            <a:fillRect/>
+          </a:stretch>
+        </p:blipFill>
+        <p:spPr>
+          <a:xfrm>
+            <a:off x="23900842" y="30973884"/>
+            <a:ext cx="2711946" cy="2033960"/>
+          </a:xfrm>
+          <a:prstGeom prst="rect">
+            <a:avLst/>
+          </a:prstGeom>
+        </p:spPr>
+      </p:pic>
+      <p:sp>
+        <p:nvSpPr>
+          <p:cNvPr id="63" name="TextBox 62">
+            <a:extLst>
+              <a:ext uri="{FF2B5EF4-FFF2-40B4-BE49-F238E27FC236}">
+                <a16:creationId xmlns:a16="http://schemas.microsoft.com/office/drawing/2014/main" id="{FB6012F1-D660-D8EE-62F5-079445394ECC}"/>
+              </a:ext>
+            </a:extLst>
+          </p:cNvPr>
+          <p:cNvSpPr txBox="1"/>
+          <p:nvPr/>
+        </p:nvSpPr>
+        <p:spPr>
+          <a:xfrm>
+            <a:off x="23799972" y="32790300"/>
+            <a:ext cx="5749199" cy="3693319"/>
+          </a:xfrm>
+          <a:prstGeom prst="rect">
+            <a:avLst/>
+          </a:prstGeom>
+          <a:noFill/>
+        </p:spPr>
+        <p:txBody>
+          <a:bodyPr wrap="square" rtlCol="0">
+            <a:spAutoFit/>
+          </a:bodyPr>
+          <a:lstStyle/>
+          <a:p>
+            <a:endParaRPr lang="en-GB" sz="2400" b="1" dirty="0"/>
+          </a:p>
+          <a:p>
+            <a:pPr algn="just"/>
+            <a:r>
+              <a:rPr lang="en-GB" sz="2400" b="1" dirty="0">
+                <a:latin typeface="Source Sans Pro" panose="020B0503030403020204" pitchFamily="34" charset="0"/>
+                <a:ea typeface="Source Sans Pro" panose="020B0503030403020204" pitchFamily="34" charset="0"/>
+              </a:rPr>
+              <a:t>Outcome</a:t>
+            </a:r>
+            <a:r>
+              <a:rPr lang="en-GB" sz="2400" dirty="0">
+                <a:latin typeface="Source Sans Pro" panose="020B0503030403020204" pitchFamily="34" charset="0"/>
+                <a:ea typeface="Source Sans Pro" panose="020B0503030403020204" pitchFamily="34" charset="0"/>
+              </a:rPr>
+              <a:t>: - did I find my Family? </a:t>
+            </a:r>
+          </a:p>
+          <a:p>
+            <a:pPr marL="342900" indent="-342900" algn="just">
+              <a:buFont typeface="Arial" panose="020B0604020202020204" pitchFamily="34" charset="0"/>
+              <a:buChar char="•"/>
+            </a:pPr>
+            <a:r>
+              <a:rPr lang="en-GB" sz="2400" b="1" dirty="0">
+                <a:latin typeface="Source Sans Pro" panose="020B0503030403020204" pitchFamily="34" charset="0"/>
+                <a:ea typeface="Source Sans Pro" panose="020B0503030403020204" pitchFamily="34" charset="0"/>
+              </a:rPr>
+              <a:t>From 40S Ribosomal Complex</a:t>
+            </a:r>
+            <a:r>
+              <a:rPr lang="en-GB" sz="2400" dirty="0">
+                <a:latin typeface="Source Sans Pro" panose="020B0503030403020204" pitchFamily="34" charset="0"/>
+                <a:ea typeface="Source Sans Pro" panose="020B0503030403020204" pitchFamily="34" charset="0"/>
+              </a:rPr>
+              <a:t>: 3 out of 4 proteins where </a:t>
+            </a:r>
+            <a:r>
+              <a:rPr lang="en-GB" sz="2400" dirty="0" err="1">
+                <a:latin typeface="Source Sans Pro" panose="020B0503030403020204" pitchFamily="34" charset="0"/>
+                <a:ea typeface="Source Sans Pro" panose="020B0503030403020204" pitchFamily="34" charset="0"/>
+              </a:rPr>
+              <a:t>clusterd</a:t>
+            </a:r>
+            <a:r>
+              <a:rPr lang="en-GB" sz="2400" dirty="0">
+                <a:latin typeface="Source Sans Pro" panose="020B0503030403020204" pitchFamily="34" charset="0"/>
+                <a:ea typeface="Source Sans Pro" panose="020B0503030403020204" pitchFamily="34" charset="0"/>
+              </a:rPr>
+              <a:t> together (cluster 4)</a:t>
+            </a:r>
+          </a:p>
+          <a:p>
+            <a:pPr marL="342900" indent="-342900" algn="just">
+              <a:buFont typeface="Arial" panose="020B0604020202020204" pitchFamily="34" charset="0"/>
+              <a:buChar char="•"/>
+            </a:pPr>
+            <a:r>
+              <a:rPr lang="en-GB" sz="2400" b="1" dirty="0">
+                <a:latin typeface="Source Sans Pro" panose="020B0503030403020204" pitchFamily="34" charset="0"/>
+                <a:ea typeface="Source Sans Pro" panose="020B0503030403020204" pitchFamily="34" charset="0"/>
+              </a:rPr>
+              <a:t>From Nop56p-associated pre-rRNA complex: </a:t>
+            </a:r>
+            <a:r>
+              <a:rPr lang="en-GB" sz="2400" dirty="0">
+                <a:latin typeface="Source Sans Pro" panose="020B0503030403020204" pitchFamily="34" charset="0"/>
+                <a:ea typeface="Source Sans Pro" panose="020B0503030403020204" pitchFamily="34" charset="0"/>
+              </a:rPr>
+              <a:t>4 out of 9 where </a:t>
+            </a:r>
+            <a:r>
+              <a:rPr lang="en-GB" sz="2400" dirty="0" err="1">
+                <a:latin typeface="Source Sans Pro" panose="020B0503030403020204" pitchFamily="34" charset="0"/>
+                <a:ea typeface="Source Sans Pro" panose="020B0503030403020204" pitchFamily="34" charset="0"/>
+              </a:rPr>
+              <a:t>clusterd</a:t>
+            </a:r>
+            <a:r>
+              <a:rPr lang="en-GB" sz="2400" dirty="0">
+                <a:latin typeface="Source Sans Pro" panose="020B0503030403020204" pitchFamily="34" charset="0"/>
+                <a:ea typeface="Source Sans Pro" panose="020B0503030403020204" pitchFamily="34" charset="0"/>
+              </a:rPr>
+              <a:t> together. </a:t>
+            </a:r>
+          </a:p>
+          <a:p>
+            <a:pPr marL="342900" indent="-342900" algn="just">
+              <a:buFont typeface="Arial" panose="020B0604020202020204" pitchFamily="34" charset="0"/>
+              <a:buChar char="•"/>
+            </a:pPr>
+            <a:r>
+              <a:rPr lang="en-GB" sz="2400" dirty="0">
+                <a:latin typeface="Source Sans Pro" panose="020B0503030403020204" pitchFamily="34" charset="0"/>
+                <a:ea typeface="Source Sans Pro" panose="020B0503030403020204" pitchFamily="34" charset="0"/>
+              </a:rPr>
+              <a:t>Total number of Proteins in cluster 4: 13 </a:t>
+            </a:r>
+          </a:p>
+          <a:p>
+            <a:endParaRPr lang="en-GB" dirty="0"/>
+          </a:p>
+        </p:txBody>
+      </p:sp>
+      <p:sp>
+        <p:nvSpPr>
+          <p:cNvPr id="64" name="TextBox 63">
+            <a:extLst>
+              <a:ext uri="{FF2B5EF4-FFF2-40B4-BE49-F238E27FC236}">
+                <a16:creationId xmlns:a16="http://schemas.microsoft.com/office/drawing/2014/main" id="{0692B99A-25D6-876B-977C-49A97151F2D1}"/>
+              </a:ext>
+            </a:extLst>
+          </p:cNvPr>
+          <p:cNvSpPr txBox="1"/>
+          <p:nvPr/>
+        </p:nvSpPr>
+        <p:spPr>
+          <a:xfrm>
+            <a:off x="15490782" y="30943641"/>
+            <a:ext cx="5397475" cy="3693319"/>
+          </a:xfrm>
+          <a:prstGeom prst="rect">
+            <a:avLst/>
+          </a:prstGeom>
+          <a:noFill/>
+        </p:spPr>
+        <p:txBody>
+          <a:bodyPr wrap="square" rtlCol="0">
+            <a:spAutoFit/>
+          </a:bodyPr>
+          <a:lstStyle/>
+          <a:p>
+            <a:pPr algn="just"/>
+            <a:r>
+              <a:rPr lang="en-GB" sz="2400" b="1" dirty="0">
+                <a:latin typeface="Source Sans Pro" panose="020B0503030403020204" pitchFamily="34" charset="0"/>
+                <a:ea typeface="Source Sans Pro" panose="020B0503030403020204" pitchFamily="34" charset="0"/>
+              </a:rPr>
+              <a:t>Choosing a control :  - there I am again</a:t>
+            </a:r>
+          </a:p>
+          <a:p>
+            <a:pPr marL="342900" indent="-342900">
+              <a:buFont typeface="Arial" panose="020B0604020202020204" pitchFamily="34" charset="0"/>
+              <a:buChar char="•"/>
+            </a:pPr>
+            <a:r>
+              <a:rPr lang="en-GB" sz="2400" b="1" dirty="0"/>
+              <a:t>40S Ribosomal Complex</a:t>
+            </a:r>
+            <a:r>
+              <a:rPr lang="en-GB" sz="2400" dirty="0"/>
+              <a:t>: A complex that, according to CORUM data, exists and includes 4 proteins from our RBS (ribosome binding site) during mitosis </a:t>
+            </a:r>
+            <a:r>
+              <a:rPr lang="en-GB" sz="2400" b="1" dirty="0"/>
+              <a:t>positive control </a:t>
+            </a:r>
+            <a:endParaRPr lang="en-GB" sz="2400" dirty="0"/>
+          </a:p>
+          <a:p>
+            <a:pPr marL="342900" indent="-342900">
+              <a:buFont typeface="Arial" panose="020B0604020202020204" pitchFamily="34" charset="0"/>
+              <a:buChar char="•"/>
+            </a:pPr>
+            <a:r>
+              <a:rPr lang="en-GB" sz="2400" dirty="0"/>
+              <a:t>The proteins </a:t>
+            </a:r>
+            <a:r>
+              <a:rPr lang="en-GB" sz="2400" b="1" dirty="0"/>
+              <a:t>UIMC1_HUMAN</a:t>
+            </a:r>
+            <a:r>
+              <a:rPr lang="en-GB" sz="2400" dirty="0"/>
+              <a:t> and </a:t>
+            </a:r>
+            <a:r>
+              <a:rPr lang="en-GB" sz="2400" b="1" dirty="0"/>
+              <a:t>LPPRC_HUMAN</a:t>
+            </a:r>
+            <a:r>
+              <a:rPr lang="en-GB" sz="2400" dirty="0"/>
+              <a:t> were used as </a:t>
+            </a:r>
+            <a:r>
+              <a:rPr lang="en-GB" sz="2400" b="1" dirty="0"/>
+              <a:t>negative controls</a:t>
+            </a:r>
+          </a:p>
+          <a:p>
+            <a:endParaRPr lang="en-GB" dirty="0"/>
+          </a:p>
+        </p:txBody>
+      </p:sp>
+      <p:sp>
+        <p:nvSpPr>
+          <p:cNvPr id="65" name="Textfeld 42">
+            <a:extLst>
+              <a:ext uri="{FF2B5EF4-FFF2-40B4-BE49-F238E27FC236}">
+                <a16:creationId xmlns:a16="http://schemas.microsoft.com/office/drawing/2014/main" id="{51C0C865-513A-31B1-BC04-D65F54F85A14}"/>
+              </a:ext>
+            </a:extLst>
+          </p:cNvPr>
+          <p:cNvSpPr txBox="1"/>
+          <p:nvPr/>
+        </p:nvSpPr>
+        <p:spPr>
+          <a:xfrm>
+            <a:off x="15725617" y="37580168"/>
+            <a:ext cx="4630034" cy="646331"/>
+          </a:xfrm>
+          <a:prstGeom prst="rect">
+            <a:avLst/>
+          </a:prstGeom>
+          <a:noFill/>
+        </p:spPr>
+        <p:txBody>
+          <a:bodyPr wrap="square" rtlCol="0">
+            <a:spAutoFit/>
+          </a:bodyPr>
+          <a:lstStyle/>
+          <a:p>
+            <a:r>
+              <a:rPr lang="de-DE" sz="1200" b="1" dirty="0"/>
+              <a:t>Fig. X </a:t>
+            </a:r>
+            <a:r>
+              <a:rPr lang="de-DE" sz="1200" b="1" i="1" dirty="0"/>
+              <a:t>Heatmap of  accuracy for  comibantions of Parameters for DBSCAN: </a:t>
+            </a:r>
+            <a:r>
+              <a:rPr lang="de-DE" sz="1200" i="1" dirty="0"/>
+              <a:t>Accuaracy calculated on pos. and neg. controls, from </a:t>
+            </a:r>
+            <a:r>
+              <a:rPr lang="en-GB" sz="1200" dirty="0">
+                <a:latin typeface="Source Sans Pro" panose="020B0503030403020204" pitchFamily="34" charset="0"/>
+                <a:ea typeface="Source Sans Pro" panose="020B0503030403020204" pitchFamily="34" charset="0"/>
+              </a:rPr>
+              <a:t>ε (0.5-1.5) and </a:t>
+            </a:r>
+            <a:r>
+              <a:rPr lang="en-GB" sz="1200" dirty="0" err="1">
+                <a:latin typeface="Source Sans Pro" panose="020B0503030403020204" pitchFamily="34" charset="0"/>
+                <a:ea typeface="Source Sans Pro" panose="020B0503030403020204" pitchFamily="34" charset="0"/>
+              </a:rPr>
+              <a:t>MintPts</a:t>
+            </a:r>
+            <a:r>
+              <a:rPr lang="en-GB" sz="1200" dirty="0">
+                <a:latin typeface="Source Sans Pro" panose="020B0503030403020204" pitchFamily="34" charset="0"/>
+                <a:ea typeface="Source Sans Pro" panose="020B0503030403020204" pitchFamily="34" charset="0"/>
+              </a:rPr>
+              <a:t> (1-10).  Lower and higher ε lower the accuracy. </a:t>
+            </a:r>
+            <a:endParaRPr lang="en-US" sz="1200" dirty="0"/>
+          </a:p>
+        </p:txBody>
+      </p:sp>
+      <p:sp>
+        <p:nvSpPr>
+          <p:cNvPr id="66" name="Textfeld 42">
+            <a:extLst>
+              <a:ext uri="{FF2B5EF4-FFF2-40B4-BE49-F238E27FC236}">
+                <a16:creationId xmlns:a16="http://schemas.microsoft.com/office/drawing/2014/main" id="{E7E3BFD5-B88F-923D-A725-BF06D94A593E}"/>
+              </a:ext>
+            </a:extLst>
+          </p:cNvPr>
+          <p:cNvSpPr txBox="1"/>
+          <p:nvPr/>
+        </p:nvSpPr>
+        <p:spPr>
+          <a:xfrm>
+            <a:off x="23725031" y="30174604"/>
+            <a:ext cx="5730810" cy="646331"/>
+          </a:xfrm>
+          <a:prstGeom prst="rect">
+            <a:avLst/>
+          </a:prstGeom>
+          <a:noFill/>
+        </p:spPr>
+        <p:txBody>
+          <a:bodyPr wrap="square" rtlCol="0">
+            <a:spAutoFit/>
+          </a:bodyPr>
+          <a:lstStyle/>
+          <a:p>
+            <a:r>
+              <a:rPr lang="de-DE" sz="1200" b="1" dirty="0"/>
+              <a:t>Fig. X Proteins in 2D Pca showing results from clustering method DBSCAN: </a:t>
+            </a:r>
+            <a:r>
+              <a:rPr lang="de-DE" sz="1200" dirty="0"/>
+              <a:t>Only Proteins from RBPs in Mitosis where clustered. Dimension reduction on Data from Ctrl : COM and Peak hight. </a:t>
+            </a:r>
+            <a:r>
+              <a:rPr lang="en-GB" sz="1200" b="1" dirty="0">
+                <a:latin typeface="Source Sans Pro" panose="020B0503030403020204" pitchFamily="34" charset="0"/>
+                <a:ea typeface="Source Sans Pro" panose="020B0503030403020204" pitchFamily="34" charset="0"/>
+              </a:rPr>
+              <a:t>ε = 0.7 and </a:t>
+            </a:r>
+            <a:r>
+              <a:rPr lang="en-GB" sz="1200" b="1" dirty="0" err="1">
+                <a:latin typeface="Source Sans Pro" panose="020B0503030403020204" pitchFamily="34" charset="0"/>
+                <a:ea typeface="Source Sans Pro" panose="020B0503030403020204" pitchFamily="34" charset="0"/>
+              </a:rPr>
+              <a:t>MintPts</a:t>
+            </a:r>
+            <a:r>
+              <a:rPr lang="en-GB" sz="1200" b="1" dirty="0">
+                <a:latin typeface="Source Sans Pro" panose="020B0503030403020204" pitchFamily="34" charset="0"/>
+                <a:ea typeface="Source Sans Pro" panose="020B0503030403020204" pitchFamily="34" charset="0"/>
+              </a:rPr>
+              <a:t> = 4.</a:t>
+            </a:r>
+            <a:endParaRPr lang="en-US" sz="1200" dirty="0"/>
           </a:p>
         </p:txBody>
       </p:sp>

--- a/RiboZwo.pptx
+++ b/RiboZwo.pptx
@@ -5146,68 +5146,6 @@
       </p:sp>
       <p:sp>
         <p:nvSpPr>
-          <p:cNvPr id="19" name="Abgerundetes Rechteck 18">
-            <a:extLst>
-              <a:ext uri="{FF2B5EF4-FFF2-40B4-BE49-F238E27FC236}">
-                <a16:creationId xmlns:a16="http://schemas.microsoft.com/office/drawing/2014/main" id="{A79DB282-97A5-4F70-6071-974EECF280C5}"/>
-              </a:ext>
-            </a:extLst>
-          </p:cNvPr>
-          <p:cNvSpPr/>
-          <p:nvPr/>
-        </p:nvSpPr>
-        <p:spPr>
-          <a:xfrm>
-            <a:off x="15330252" y="9094236"/>
-            <a:ext cx="14295120" cy="7288578"/>
-          </a:xfrm>
-          <a:prstGeom prst="roundRect">
-            <a:avLst>
-              <a:gd name="adj" fmla="val 9636"/>
-            </a:avLst>
-          </a:prstGeom>
-          <a:solidFill>
-            <a:srgbClr val="E49596">
-              <a:alpha val="33168"/>
-            </a:srgbClr>
-          </a:solidFill>
-          <a:ln w="63500">
-            <a:solidFill>
-              <a:srgbClr val="B22F28"/>
-            </a:solidFill>
-          </a:ln>
-        </p:spPr>
-        <p:style>
-          <a:lnRef idx="2">
-            <a:schemeClr val="accent1">
-              <a:shade val="15000"/>
-            </a:schemeClr>
-          </a:lnRef>
-          <a:fillRef idx="1">
-            <a:schemeClr val="accent1"/>
-          </a:fillRef>
-          <a:effectRef idx="0">
-            <a:schemeClr val="accent1"/>
-          </a:effectRef>
-          <a:fontRef idx="minor">
-            <a:schemeClr val="lt1"/>
-          </a:fontRef>
-        </p:style>
-        <p:txBody>
-          <a:bodyPr rtlCol="0" anchor="t"/>
-          <a:lstStyle/>
-          <a:p>
-            <a:pPr algn="r"/>
-            <a:endParaRPr lang="en-US" sz="3600" noProof="0" dirty="0">
-              <a:solidFill>
-                <a:schemeClr val="tx1"/>
-              </a:solidFill>
-            </a:endParaRPr>
-          </a:p>
-        </p:txBody>
-      </p:sp>
-      <p:sp>
-        <p:nvSpPr>
           <p:cNvPr id="21" name="Abgerundetes Rechteck 20">
             <a:extLst>
               <a:ext uri="{FF2B5EF4-FFF2-40B4-BE49-F238E27FC236}">
@@ -5385,102 +5323,6 @@
               </a:rPr>
               <a:t>Reproducibility Analysis: Am I real? </a:t>
             </a:r>
-          </a:p>
-        </p:txBody>
-      </p:sp>
-      <p:sp>
-        <p:nvSpPr>
-          <p:cNvPr id="6" name="Rechteck 5">
-            <a:extLst>
-              <a:ext uri="{FF2B5EF4-FFF2-40B4-BE49-F238E27FC236}">
-                <a16:creationId xmlns:a16="http://schemas.microsoft.com/office/drawing/2014/main" id="{E69F82B7-9325-55F2-F381-69F57FF389B3}"/>
-              </a:ext>
-            </a:extLst>
-          </p:cNvPr>
-          <p:cNvSpPr/>
-          <p:nvPr/>
-        </p:nvSpPr>
-        <p:spPr>
-          <a:xfrm>
-            <a:off x="15848412" y="9507867"/>
-            <a:ext cx="12574188" cy="2197105"/>
-          </a:xfrm>
-          <a:prstGeom prst="rect">
-            <a:avLst/>
-          </a:prstGeom>
-          <a:noFill/>
-          <a:ln w="44450">
-            <a:noFill/>
-          </a:ln>
-        </p:spPr>
-        <p:style>
-          <a:lnRef idx="2">
-            <a:schemeClr val="accent1">
-              <a:shade val="15000"/>
-            </a:schemeClr>
-          </a:lnRef>
-          <a:fillRef idx="1">
-            <a:schemeClr val="accent1"/>
-          </a:fillRef>
-          <a:effectRef idx="0">
-            <a:schemeClr val="accent1"/>
-          </a:effectRef>
-          <a:fontRef idx="minor">
-            <a:schemeClr val="lt1"/>
-          </a:fontRef>
-        </p:style>
-        <p:txBody>
-          <a:bodyPr rtlCol="0" anchor="t"/>
-          <a:lstStyle/>
-          <a:p>
-            <a:r>
-              <a:rPr lang="en-US" sz="4000" noProof="0" dirty="0">
-                <a:solidFill>
-                  <a:schemeClr val="tx1"/>
-                </a:solidFill>
-                <a:latin typeface="Source Sans Pro" panose="020B0503030403020204" pitchFamily="34" charset="0"/>
-                <a:ea typeface="Source Sans Pro" panose="020B0503030403020204" pitchFamily="34" charset="0"/>
-              </a:rPr>
-              <a:t>Normalization: Finding the right fit for the day </a:t>
-            </a:r>
-          </a:p>
-          <a:p>
-            <a:endParaRPr lang="en-US" sz="4000" noProof="0" dirty="0">
-              <a:solidFill>
-                <a:schemeClr val="tx1"/>
-              </a:solidFill>
-              <a:latin typeface="Source Sans Pro" panose="020B0503030403020204" pitchFamily="34" charset="0"/>
-              <a:ea typeface="Source Sans Pro" panose="020B0503030403020204" pitchFamily="34" charset="0"/>
-            </a:endParaRPr>
-          </a:p>
-          <a:p>
-            <a:pPr marL="571500" indent="-571500">
-              <a:buFontTx/>
-              <a:buChar char="-"/>
-            </a:pPr>
-            <a:r>
-              <a:rPr lang="en-US" sz="4000" noProof="0" dirty="0">
-                <a:solidFill>
-                  <a:schemeClr val="tx1"/>
-                </a:solidFill>
-                <a:latin typeface="Source Sans Pro" panose="020B0503030403020204" pitchFamily="34" charset="0"/>
-                <a:ea typeface="Source Sans Pro" panose="020B0503030403020204" pitchFamily="34" charset="0"/>
-              </a:rPr>
-              <a:t>SD + Mean</a:t>
-            </a:r>
-          </a:p>
-          <a:p>
-            <a:pPr marL="571500" indent="-571500">
-              <a:buFontTx/>
-              <a:buChar char="-"/>
-            </a:pPr>
-            <a:endParaRPr lang="en-US" sz="4000" noProof="0" dirty="0">
-              <a:solidFill>
-                <a:schemeClr val="tx1"/>
-              </a:solidFill>
-              <a:latin typeface="Source Sans Pro" panose="020B0503030403020204" pitchFamily="34" charset="0"/>
-              <a:ea typeface="Source Sans Pro" panose="020B0503030403020204" pitchFamily="34" charset="0"/>
-            </a:endParaRPr>
           </a:p>
         </p:txBody>
       </p:sp>
@@ -6190,66 +6032,298 @@
       </p:sp>
       <p:sp>
         <p:nvSpPr>
-          <p:cNvPr id="12" name="Rectangle 11">
+          <p:cNvPr id="13" name="Textfeld 12">
             <a:extLst>
               <a:ext uri="{FF2B5EF4-FFF2-40B4-BE49-F238E27FC236}">
-                <a16:creationId xmlns:a16="http://schemas.microsoft.com/office/drawing/2014/main" id="{B9A6FAFB-7C49-7213-7BD8-8E66DBEDBBBF}"/>
+                <a16:creationId xmlns:a16="http://schemas.microsoft.com/office/drawing/2014/main" id="{B1FDECB6-1FBA-D64A-249B-C2A37669EFAA}"/>
               </a:ext>
             </a:extLst>
           </p:cNvPr>
-          <p:cNvSpPr/>
+          <p:cNvSpPr txBox="1"/>
           <p:nvPr/>
         </p:nvSpPr>
         <p:spPr>
           <a:xfrm>
-            <a:off x="15848412" y="11927105"/>
-            <a:ext cx="5359001" cy="3924705"/>
+            <a:off x="830996" y="7194777"/>
+            <a:ext cx="6015282" cy="5262979"/>
           </a:xfrm>
           <a:prstGeom prst="rect">
             <a:avLst/>
           </a:prstGeom>
-          <a:solidFill>
-            <a:schemeClr val="bg1"/>
-          </a:solidFill>
-          <a:ln>
-            <a:noFill/>
-          </a:ln>
+          <a:noFill/>
         </p:spPr>
-        <p:style>
-          <a:lnRef idx="2">
-            <a:schemeClr val="accent1">
-              <a:shade val="15000"/>
-            </a:schemeClr>
-          </a:lnRef>
-          <a:fillRef idx="1">
-            <a:schemeClr val="accent1"/>
-          </a:fillRef>
-          <a:effectRef idx="0">
-            <a:schemeClr val="accent1"/>
-          </a:effectRef>
-          <a:fontRef idx="minor">
-            <a:schemeClr val="lt1"/>
-          </a:fontRef>
-        </p:style>
-        <p:txBody>
-          <a:bodyPr rtlCol="0" anchor="t"/>
+        <p:txBody>
+          <a:bodyPr wrap="square" rtlCol="0">
+            <a:spAutoFit/>
+          </a:bodyPr>
           <a:lstStyle/>
           <a:p>
-            <a:pPr algn="r"/>
-            <a:endParaRPr lang="en-US" sz="3600" noProof="0" dirty="0">
-              <a:solidFill>
-                <a:schemeClr val="tx1"/>
-              </a:solidFill>
+            <a:pPr algn="just"/>
+            <a:r>
+              <a:rPr lang="en-US" sz="2400" noProof="0" dirty="0"/>
+              <a:t>To verify the reproducibility of the triplicates in our dataset, Spearman correlations were calculated between all replicate–fraction combinations. The resulting correlation coefficients (</a:t>
+            </a:r>
+            <a:r>
+              <a:rPr lang="en-US" sz="2400" noProof="0" dirty="0" err="1"/>
+              <a:t>r-values</a:t>
+            </a:r>
+            <a:r>
+              <a:rPr lang="en-US" sz="2400" noProof="0" dirty="0"/>
+              <a:t>) were visualized as two separate heatmaps - one for the RNase treatment (Fig. X on the right) and one for the control condition. </a:t>
+            </a:r>
+            <a:endParaRPr lang="en-US" sz="2400" dirty="0"/>
+          </a:p>
+          <a:p>
+            <a:pPr algn="just"/>
+            <a:r>
+              <a:rPr lang="en-US" sz="2400" noProof="0" dirty="0"/>
+              <a:t>Reproducibility is indicated by high correlations within corresponding fractions across replicates, which should appear as prominent diagonal patterns in 3×3 blocks on the heatmaps. </a:t>
+            </a:r>
+            <a:r>
+              <a:rPr lang="en-US" sz="2400" dirty="0"/>
+              <a:t>This diagonal correlation structure was evident in both treatments.</a:t>
+            </a:r>
+            <a:endParaRPr lang="en-US" sz="2400" noProof="0" dirty="0"/>
+          </a:p>
+        </p:txBody>
+      </p:sp>
+      <p:sp>
+        <p:nvSpPr>
+          <p:cNvPr id="56" name="Textfeld 55">
+            <a:extLst>
+              <a:ext uri="{FF2B5EF4-FFF2-40B4-BE49-F238E27FC236}">
+                <a16:creationId xmlns:a16="http://schemas.microsoft.com/office/drawing/2014/main" id="{7866C7D8-BD84-2809-E6DA-3A7BCF109C79}"/>
+              </a:ext>
+            </a:extLst>
+          </p:cNvPr>
+          <p:cNvSpPr txBox="1"/>
+          <p:nvPr/>
+        </p:nvSpPr>
+        <p:spPr>
+          <a:xfrm>
+            <a:off x="6978285" y="11954804"/>
+            <a:ext cx="7415340" cy="646331"/>
+          </a:xfrm>
+          <a:prstGeom prst="rect">
+            <a:avLst/>
+          </a:prstGeom>
+          <a:noFill/>
+        </p:spPr>
+        <p:txBody>
+          <a:bodyPr wrap="square" rtlCol="0">
+            <a:spAutoFit/>
+          </a:bodyPr>
+          <a:lstStyle/>
+          <a:p>
+            <a:r>
+              <a:rPr lang="de-DE" sz="1200" b="1" i="1" dirty="0"/>
+              <a:t>Fig. X </a:t>
+            </a:r>
+            <a:r>
+              <a:rPr lang="de-DE" sz="1200" b="1" i="1" dirty="0" err="1"/>
+              <a:t>Reproducibility</a:t>
+            </a:r>
+            <a:r>
+              <a:rPr lang="de-DE" sz="1200" b="1" i="1" dirty="0"/>
+              <a:t> </a:t>
+            </a:r>
+            <a:r>
+              <a:rPr lang="de-DE" sz="1200" b="1" i="1" dirty="0" err="1"/>
+              <a:t>heatmap</a:t>
+            </a:r>
+            <a:r>
+              <a:rPr lang="de-DE" sz="1200" b="1" i="1" dirty="0"/>
+              <a:t> (</a:t>
+            </a:r>
+            <a:r>
+              <a:rPr lang="de-DE" sz="1200" b="1" i="1" dirty="0" err="1"/>
+              <a:t>RNase</a:t>
+            </a:r>
+            <a:r>
+              <a:rPr lang="de-DE" sz="1200" b="1" i="1" dirty="0"/>
+              <a:t>, Spearman </a:t>
+            </a:r>
+            <a:r>
+              <a:rPr lang="de-DE" sz="1200" b="1" i="1" dirty="0" err="1"/>
+              <a:t>correlation</a:t>
+            </a:r>
+            <a:r>
+              <a:rPr lang="de-DE" sz="1200" b="1" i="1" dirty="0"/>
+              <a:t>): </a:t>
+            </a:r>
+            <a:r>
+              <a:rPr lang="de-DE" sz="1200" dirty="0" err="1"/>
+              <a:t>Heatmap</a:t>
+            </a:r>
+            <a:r>
+              <a:rPr lang="de-DE" sz="1200" dirty="0"/>
+              <a:t> </a:t>
+            </a:r>
+            <a:r>
+              <a:rPr lang="de-DE" sz="1200" dirty="0" err="1"/>
+              <a:t>displays</a:t>
+            </a:r>
+            <a:r>
+              <a:rPr lang="de-DE" sz="1200" dirty="0"/>
+              <a:t> </a:t>
+            </a:r>
+            <a:r>
+              <a:rPr lang="de-DE" sz="1200" dirty="0" err="1"/>
+              <a:t>pairwise</a:t>
+            </a:r>
+            <a:r>
+              <a:rPr lang="de-DE" sz="1200" dirty="0"/>
+              <a:t> Spearman </a:t>
+            </a:r>
+            <a:r>
+              <a:rPr lang="de-DE" sz="1200" dirty="0" err="1"/>
+              <a:t>correlation</a:t>
+            </a:r>
+            <a:r>
+              <a:rPr lang="de-DE" sz="1200" dirty="0"/>
+              <a:t> </a:t>
+            </a:r>
+            <a:r>
+              <a:rPr lang="de-DE" sz="1200" dirty="0" err="1"/>
+              <a:t>coefficients</a:t>
+            </a:r>
+            <a:r>
+              <a:rPr lang="de-DE" sz="1200" dirty="0"/>
+              <a:t> </a:t>
+            </a:r>
+            <a:r>
+              <a:rPr lang="de-DE" sz="1200" dirty="0" err="1"/>
+              <a:t>between</a:t>
+            </a:r>
+            <a:r>
+              <a:rPr lang="de-DE" sz="1200" dirty="0"/>
+              <a:t> all </a:t>
+            </a:r>
+            <a:r>
+              <a:rPr lang="de-DE" sz="1200" dirty="0" err="1"/>
+              <a:t>replicate</a:t>
+            </a:r>
+            <a:r>
+              <a:rPr lang="de-DE" sz="1200" dirty="0"/>
+              <a:t>–</a:t>
+            </a:r>
+            <a:r>
+              <a:rPr lang="de-DE" sz="1200" dirty="0" err="1"/>
+              <a:t>fraction</a:t>
+            </a:r>
+            <a:r>
+              <a:rPr lang="de-DE" sz="1200" dirty="0"/>
+              <a:t> </a:t>
+            </a:r>
+            <a:r>
+              <a:rPr lang="de-DE" sz="1200" dirty="0" err="1"/>
+              <a:t>combinations</a:t>
+            </a:r>
+            <a:r>
+              <a:rPr lang="de-DE" sz="1200" dirty="0"/>
+              <a:t> </a:t>
+            </a:r>
+            <a:r>
+              <a:rPr lang="de-DE" sz="1200" dirty="0" err="1"/>
+              <a:t>under</a:t>
+            </a:r>
+            <a:r>
+              <a:rPr lang="de-DE" sz="1200" dirty="0"/>
+              <a:t> </a:t>
+            </a:r>
+            <a:r>
+              <a:rPr lang="de-DE" sz="1200" dirty="0" err="1"/>
+              <a:t>RNase</a:t>
+            </a:r>
+            <a:r>
+              <a:rPr lang="de-DE" sz="1200" dirty="0"/>
+              <a:t> </a:t>
+            </a:r>
+            <a:r>
+              <a:rPr lang="de-DE" sz="1200" dirty="0" err="1"/>
+              <a:t>treatment</a:t>
+            </a:r>
+            <a:r>
+              <a:rPr lang="de-DE" sz="1200" dirty="0"/>
+              <a:t>. High </a:t>
+            </a:r>
+            <a:r>
+              <a:rPr lang="de-DE" sz="1200" dirty="0" err="1"/>
+              <a:t>correlations</a:t>
+            </a:r>
+            <a:r>
+              <a:rPr lang="de-DE" sz="1200" dirty="0"/>
+              <a:t> </a:t>
+            </a:r>
+            <a:r>
+              <a:rPr lang="de-DE" sz="1200" dirty="0" err="1"/>
+              <a:t>within</a:t>
+            </a:r>
+            <a:r>
+              <a:rPr lang="de-DE" sz="1200" dirty="0"/>
+              <a:t> 3×3 diagonal </a:t>
+            </a:r>
+            <a:r>
+              <a:rPr lang="de-DE" sz="1200" dirty="0" err="1"/>
+              <a:t>blocks</a:t>
+            </a:r>
+            <a:r>
+              <a:rPr lang="de-DE" sz="1200" dirty="0"/>
+              <a:t> </a:t>
+            </a:r>
+            <a:r>
+              <a:rPr lang="de-DE" sz="1200" dirty="0" err="1"/>
+              <a:t>indicate</a:t>
+            </a:r>
+            <a:r>
+              <a:rPr lang="de-DE" sz="1200" dirty="0"/>
+              <a:t> strong </a:t>
+            </a:r>
+            <a:r>
+              <a:rPr lang="de-DE" sz="1200" dirty="0" err="1"/>
+              <a:t>reproducibility</a:t>
+            </a:r>
+            <a:r>
+              <a:rPr lang="de-DE" sz="1200" dirty="0"/>
+              <a:t> </a:t>
+            </a:r>
+            <a:r>
+              <a:rPr lang="de-DE" sz="1200" dirty="0" err="1"/>
+              <a:t>across</a:t>
+            </a:r>
+            <a:r>
+              <a:rPr lang="de-DE" sz="1200" dirty="0"/>
+              <a:t> </a:t>
+            </a:r>
+            <a:r>
+              <a:rPr lang="de-DE" sz="1200" dirty="0" err="1"/>
+              <a:t>corresponding</a:t>
+            </a:r>
+            <a:r>
+              <a:rPr lang="de-DE" sz="1200" dirty="0"/>
+              <a:t> </a:t>
+            </a:r>
+            <a:r>
+              <a:rPr lang="de-DE" sz="1200" dirty="0" err="1"/>
+              <a:t>fractions</a:t>
+            </a:r>
+            <a:r>
+              <a:rPr lang="de-DE" sz="1200" dirty="0"/>
+              <a:t>.</a:t>
+            </a:r>
+            <a:endParaRPr lang="en-US" sz="1200" i="1" noProof="0" dirty="0">
+              <a:latin typeface="Source Sans Pro" panose="020B0503030403020204" pitchFamily="34" charset="0"/>
+              <a:ea typeface="Source Sans Pro" panose="020B0503030403020204" pitchFamily="34" charset="0"/>
             </a:endParaRPr>
           </a:p>
         </p:txBody>
       </p:sp>
       <p:pic>
         <p:nvPicPr>
-          <p:cNvPr id="8" name="Picture 7" descr="A graph with red dots&#10;&#10;AI-generated content may be incorrect.">
+          <p:cNvPr id="58" name="Grafik 57">
             <a:extLst>
               <a:ext uri="{FF2B5EF4-FFF2-40B4-BE49-F238E27FC236}">
-                <a16:creationId xmlns:a16="http://schemas.microsoft.com/office/drawing/2014/main" id="{58FC2CD0-6EDD-4966-192D-536096C3635D}"/>
+                <a16:creationId xmlns:a16="http://schemas.microsoft.com/office/drawing/2014/main" id="{A4E66611-3D6E-9A44-4656-502C42629693}"/>
               </a:ext>
             </a:extLst>
           </p:cNvPr>
@@ -6272,386 +6346,6 @@
         </p:blipFill>
         <p:spPr>
           <a:xfrm>
-            <a:off x="15902479" y="11965102"/>
-            <a:ext cx="5232939" cy="3924704"/>
-          </a:xfrm>
-          <a:prstGeom prst="rect">
-            <a:avLst/>
-          </a:prstGeom>
-        </p:spPr>
-      </p:pic>
-      <p:sp>
-        <p:nvSpPr>
-          <p:cNvPr id="13" name="Textfeld 12">
-            <a:extLst>
-              <a:ext uri="{FF2B5EF4-FFF2-40B4-BE49-F238E27FC236}">
-                <a16:creationId xmlns:a16="http://schemas.microsoft.com/office/drawing/2014/main" id="{B1FDECB6-1FBA-D64A-249B-C2A37669EFAA}"/>
-              </a:ext>
-            </a:extLst>
-          </p:cNvPr>
-          <p:cNvSpPr txBox="1"/>
-          <p:nvPr/>
-        </p:nvSpPr>
-        <p:spPr>
-          <a:xfrm>
-            <a:off x="830996" y="7194777"/>
-            <a:ext cx="6015282" cy="5262979"/>
-          </a:xfrm>
-          <a:prstGeom prst="rect">
-            <a:avLst/>
-          </a:prstGeom>
-          <a:noFill/>
-        </p:spPr>
-        <p:txBody>
-          <a:bodyPr wrap="square" rtlCol="0">
-            <a:spAutoFit/>
-          </a:bodyPr>
-          <a:lstStyle/>
-          <a:p>
-            <a:pPr algn="just"/>
-            <a:r>
-              <a:rPr lang="en-US" sz="2400" noProof="0" dirty="0"/>
-              <a:t>To verify the reproducibility of the triplicates in our dataset, Spearman correlations were calculated between all replicate–fraction combinations. The resulting correlation coefficients (</a:t>
-            </a:r>
-            <a:r>
-              <a:rPr lang="en-US" sz="2400" noProof="0" dirty="0" err="1"/>
-              <a:t>r-values</a:t>
-            </a:r>
-            <a:r>
-              <a:rPr lang="en-US" sz="2400" noProof="0" dirty="0"/>
-              <a:t>) were visualized as two separate heatmaps - one for the RNase treatment (Fig. X on the right) and one for the control condition. </a:t>
-            </a:r>
-            <a:endParaRPr lang="en-US" sz="2400" dirty="0"/>
-          </a:p>
-          <a:p>
-            <a:pPr algn="just"/>
-            <a:r>
-              <a:rPr lang="en-US" sz="2400" noProof="0" dirty="0"/>
-              <a:t>Reproducibility is indicated by high correlations within corresponding fractions across replicates, which should appear as prominent diagonal patterns in 3×3 blocks on the heatmaps. </a:t>
-            </a:r>
-            <a:r>
-              <a:rPr lang="en-US" sz="2400" dirty="0"/>
-              <a:t>This diagonal correlation structure was evident in both treatments.</a:t>
-            </a:r>
-            <a:endParaRPr lang="en-US" sz="2400" noProof="0" dirty="0"/>
-          </a:p>
-        </p:txBody>
-      </p:sp>
-      <p:sp>
-        <p:nvSpPr>
-          <p:cNvPr id="56" name="Textfeld 55">
-            <a:extLst>
-              <a:ext uri="{FF2B5EF4-FFF2-40B4-BE49-F238E27FC236}">
-                <a16:creationId xmlns:a16="http://schemas.microsoft.com/office/drawing/2014/main" id="{7866C7D8-BD84-2809-E6DA-3A7BCF109C79}"/>
-              </a:ext>
-            </a:extLst>
-          </p:cNvPr>
-          <p:cNvSpPr txBox="1"/>
-          <p:nvPr/>
-        </p:nvSpPr>
-        <p:spPr>
-          <a:xfrm>
-            <a:off x="6978285" y="11954804"/>
-            <a:ext cx="7415340" cy="646331"/>
-          </a:xfrm>
-          <a:prstGeom prst="rect">
-            <a:avLst/>
-          </a:prstGeom>
-          <a:noFill/>
-        </p:spPr>
-        <p:txBody>
-          <a:bodyPr wrap="square" rtlCol="0">
-            <a:spAutoFit/>
-          </a:bodyPr>
-          <a:lstStyle/>
-          <a:p>
-            <a:r>
-              <a:rPr lang="de-DE" sz="1200" b="1" i="1" dirty="0"/>
-              <a:t>Fig. X </a:t>
-            </a:r>
-            <a:r>
-              <a:rPr lang="de-DE" sz="1200" b="1" i="1" dirty="0" err="1"/>
-              <a:t>Reproducibility</a:t>
-            </a:r>
-            <a:r>
-              <a:rPr lang="de-DE" sz="1200" b="1" i="1" dirty="0"/>
-              <a:t> </a:t>
-            </a:r>
-            <a:r>
-              <a:rPr lang="de-DE" sz="1200" b="1" i="1" dirty="0" err="1"/>
-              <a:t>heatmap</a:t>
-            </a:r>
-            <a:r>
-              <a:rPr lang="de-DE" sz="1200" b="1" i="1" dirty="0"/>
-              <a:t> (</a:t>
-            </a:r>
-            <a:r>
-              <a:rPr lang="de-DE" sz="1200" b="1" i="1" dirty="0" err="1"/>
-              <a:t>RNase</a:t>
-            </a:r>
-            <a:r>
-              <a:rPr lang="de-DE" sz="1200" b="1" i="1" dirty="0"/>
-              <a:t>, Spearman </a:t>
-            </a:r>
-            <a:r>
-              <a:rPr lang="de-DE" sz="1200" b="1" i="1" dirty="0" err="1"/>
-              <a:t>correlation</a:t>
-            </a:r>
-            <a:r>
-              <a:rPr lang="de-DE" sz="1200" b="1" i="1" dirty="0"/>
-              <a:t>): </a:t>
-            </a:r>
-            <a:r>
-              <a:rPr lang="de-DE" sz="1200" dirty="0" err="1"/>
-              <a:t>Heatmap</a:t>
-            </a:r>
-            <a:r>
-              <a:rPr lang="de-DE" sz="1200" dirty="0"/>
-              <a:t> </a:t>
-            </a:r>
-            <a:r>
-              <a:rPr lang="de-DE" sz="1200" dirty="0" err="1"/>
-              <a:t>displays</a:t>
-            </a:r>
-            <a:r>
-              <a:rPr lang="de-DE" sz="1200" dirty="0"/>
-              <a:t> </a:t>
-            </a:r>
-            <a:r>
-              <a:rPr lang="de-DE" sz="1200" dirty="0" err="1"/>
-              <a:t>pairwise</a:t>
-            </a:r>
-            <a:r>
-              <a:rPr lang="de-DE" sz="1200" dirty="0"/>
-              <a:t> Spearman </a:t>
-            </a:r>
-            <a:r>
-              <a:rPr lang="de-DE" sz="1200" dirty="0" err="1"/>
-              <a:t>correlation</a:t>
-            </a:r>
-            <a:r>
-              <a:rPr lang="de-DE" sz="1200" dirty="0"/>
-              <a:t> </a:t>
-            </a:r>
-            <a:r>
-              <a:rPr lang="de-DE" sz="1200" dirty="0" err="1"/>
-              <a:t>coefficients</a:t>
-            </a:r>
-            <a:r>
-              <a:rPr lang="de-DE" sz="1200" dirty="0"/>
-              <a:t> </a:t>
-            </a:r>
-            <a:r>
-              <a:rPr lang="de-DE" sz="1200" dirty="0" err="1"/>
-              <a:t>between</a:t>
-            </a:r>
-            <a:r>
-              <a:rPr lang="de-DE" sz="1200" dirty="0"/>
-              <a:t> all </a:t>
-            </a:r>
-            <a:r>
-              <a:rPr lang="de-DE" sz="1200" dirty="0" err="1"/>
-              <a:t>replicate</a:t>
-            </a:r>
-            <a:r>
-              <a:rPr lang="de-DE" sz="1200" dirty="0"/>
-              <a:t>–</a:t>
-            </a:r>
-            <a:r>
-              <a:rPr lang="de-DE" sz="1200" dirty="0" err="1"/>
-              <a:t>fraction</a:t>
-            </a:r>
-            <a:r>
-              <a:rPr lang="de-DE" sz="1200" dirty="0"/>
-              <a:t> </a:t>
-            </a:r>
-            <a:r>
-              <a:rPr lang="de-DE" sz="1200" dirty="0" err="1"/>
-              <a:t>combinations</a:t>
-            </a:r>
-            <a:r>
-              <a:rPr lang="de-DE" sz="1200" dirty="0"/>
-              <a:t> </a:t>
-            </a:r>
-            <a:r>
-              <a:rPr lang="de-DE" sz="1200" dirty="0" err="1"/>
-              <a:t>under</a:t>
-            </a:r>
-            <a:r>
-              <a:rPr lang="de-DE" sz="1200" dirty="0"/>
-              <a:t> </a:t>
-            </a:r>
-            <a:r>
-              <a:rPr lang="de-DE" sz="1200" dirty="0" err="1"/>
-              <a:t>RNase</a:t>
-            </a:r>
-            <a:r>
-              <a:rPr lang="de-DE" sz="1200" dirty="0"/>
-              <a:t> </a:t>
-            </a:r>
-            <a:r>
-              <a:rPr lang="de-DE" sz="1200" dirty="0" err="1"/>
-              <a:t>treatment</a:t>
-            </a:r>
-            <a:r>
-              <a:rPr lang="de-DE" sz="1200" dirty="0"/>
-              <a:t>. High </a:t>
-            </a:r>
-            <a:r>
-              <a:rPr lang="de-DE" sz="1200" dirty="0" err="1"/>
-              <a:t>correlations</a:t>
-            </a:r>
-            <a:r>
-              <a:rPr lang="de-DE" sz="1200" dirty="0"/>
-              <a:t> </a:t>
-            </a:r>
-            <a:r>
-              <a:rPr lang="de-DE" sz="1200" dirty="0" err="1"/>
-              <a:t>within</a:t>
-            </a:r>
-            <a:r>
-              <a:rPr lang="de-DE" sz="1200" dirty="0"/>
-              <a:t> 3×3 diagonal </a:t>
-            </a:r>
-            <a:r>
-              <a:rPr lang="de-DE" sz="1200" dirty="0" err="1"/>
-              <a:t>blocks</a:t>
-            </a:r>
-            <a:r>
-              <a:rPr lang="de-DE" sz="1200" dirty="0"/>
-              <a:t> </a:t>
-            </a:r>
-            <a:r>
-              <a:rPr lang="de-DE" sz="1200" dirty="0" err="1"/>
-              <a:t>indicate</a:t>
-            </a:r>
-            <a:r>
-              <a:rPr lang="de-DE" sz="1200" dirty="0"/>
-              <a:t> strong </a:t>
-            </a:r>
-            <a:r>
-              <a:rPr lang="de-DE" sz="1200" dirty="0" err="1"/>
-              <a:t>reproducibility</a:t>
-            </a:r>
-            <a:r>
-              <a:rPr lang="de-DE" sz="1200" dirty="0"/>
-              <a:t> </a:t>
-            </a:r>
-            <a:r>
-              <a:rPr lang="de-DE" sz="1200" dirty="0" err="1"/>
-              <a:t>across</a:t>
-            </a:r>
-            <a:r>
-              <a:rPr lang="de-DE" sz="1200" dirty="0"/>
-              <a:t> </a:t>
-            </a:r>
-            <a:r>
-              <a:rPr lang="de-DE" sz="1200" dirty="0" err="1"/>
-              <a:t>corresponding</a:t>
-            </a:r>
-            <a:r>
-              <a:rPr lang="de-DE" sz="1200" dirty="0"/>
-              <a:t> </a:t>
-            </a:r>
-            <a:r>
-              <a:rPr lang="de-DE" sz="1200" dirty="0" err="1"/>
-              <a:t>fractions</a:t>
-            </a:r>
-            <a:r>
-              <a:rPr lang="de-DE" sz="1200" dirty="0"/>
-              <a:t>.</a:t>
-            </a:r>
-            <a:endParaRPr lang="en-US" sz="1200" i="1" noProof="0" dirty="0">
-              <a:latin typeface="Source Sans Pro" panose="020B0503030403020204" pitchFamily="34" charset="0"/>
-              <a:ea typeface="Source Sans Pro" panose="020B0503030403020204" pitchFamily="34" charset="0"/>
-            </a:endParaRPr>
-          </a:p>
-        </p:txBody>
-      </p:sp>
-      <p:sp>
-        <p:nvSpPr>
-          <p:cNvPr id="73" name="Rectangle 72">
-            <a:extLst>
-              <a:ext uri="{FF2B5EF4-FFF2-40B4-BE49-F238E27FC236}">
-                <a16:creationId xmlns:a16="http://schemas.microsoft.com/office/drawing/2014/main" id="{497B7107-C6F9-BC8E-32F9-4EB58EBC3122}"/>
-              </a:ext>
-            </a:extLst>
-          </p:cNvPr>
-          <p:cNvSpPr/>
-          <p:nvPr/>
-        </p:nvSpPr>
-        <p:spPr>
-          <a:xfrm>
-            <a:off x="22687042" y="26194178"/>
-            <a:ext cx="6776884" cy="5105981"/>
-          </a:xfrm>
-          <a:prstGeom prst="rect">
-            <a:avLst/>
-          </a:prstGeom>
-          <a:solidFill>
-            <a:schemeClr val="bg1"/>
-          </a:solidFill>
-          <a:ln>
-            <a:noFill/>
-          </a:ln>
-        </p:spPr>
-        <p:style>
-          <a:lnRef idx="2">
-            <a:schemeClr val="accent1">
-              <a:shade val="15000"/>
-            </a:schemeClr>
-          </a:lnRef>
-          <a:fillRef idx="1">
-            <a:schemeClr val="accent1"/>
-          </a:fillRef>
-          <a:effectRef idx="0">
-            <a:schemeClr val="accent1"/>
-          </a:effectRef>
-          <a:fontRef idx="minor">
-            <a:schemeClr val="lt1"/>
-          </a:fontRef>
-        </p:style>
-        <p:txBody>
-          <a:bodyPr rtlCol="0" anchor="t"/>
-          <a:lstStyle/>
-          <a:p>
-            <a:pPr algn="r"/>
-            <a:endParaRPr lang="en-GB" sz="3600" dirty="0">
-              <a:solidFill>
-                <a:schemeClr val="tx1"/>
-              </a:solidFill>
-            </a:endParaRPr>
-          </a:p>
-        </p:txBody>
-      </p:sp>
-      <p:pic>
-        <p:nvPicPr>
-          <p:cNvPr id="58" name="Grafik 57">
-            <a:extLst>
-              <a:ext uri="{FF2B5EF4-FFF2-40B4-BE49-F238E27FC236}">
-                <a16:creationId xmlns:a16="http://schemas.microsoft.com/office/drawing/2014/main" id="{A4E66611-3D6E-9A44-4656-502C42629693}"/>
-              </a:ext>
-            </a:extLst>
-          </p:cNvPr>
-          <p:cNvPicPr>
-            <a:picLocks noChangeAspect="1"/>
-          </p:cNvPicPr>
-          <p:nvPr/>
-        </p:nvPicPr>
-        <p:blipFill>
-          <a:blip r:embed="rId10">
-            <a:extLst>
-              <a:ext uri="{28A0092B-C50C-407E-A947-70E740481C1C}">
-                <a14:useLocalDpi xmlns:a14="http://schemas.microsoft.com/office/drawing/2010/main" val="0"/>
-              </a:ext>
-            </a:extLst>
-          </a:blip>
-          <a:stretch>
-            <a:fillRect/>
-          </a:stretch>
-        </p:blipFill>
-        <p:spPr>
-          <a:xfrm>
             <a:off x="22074595" y="17620186"/>
             <a:ext cx="6864416" cy="5148312"/>
           </a:xfrm>
@@ -7210,7 +6904,7 @@
           <p:nvPr/>
         </p:nvPicPr>
         <p:blipFill>
-          <a:blip r:embed="rId11">
+          <a:blip r:embed="rId10">
             <a:extLst>
               <a:ext uri="{28A0092B-C50C-407E-A947-70E740481C1C}">
                 <a14:useLocalDpi xmlns:a14="http://schemas.microsoft.com/office/drawing/2010/main" val="0"/>
@@ -7247,7 +6941,7 @@
           <p:nvPr/>
         </p:nvPicPr>
         <p:blipFill>
-          <a:blip r:embed="rId12"/>
+          <a:blip r:embed="rId11"/>
           <a:stretch>
             <a:fillRect/>
           </a:stretch>
@@ -7610,7 +7304,7 @@
           <p:nvPr/>
         </p:nvPicPr>
         <p:blipFill>
-          <a:blip r:embed="rId13">
+          <a:blip r:embed="rId12">
             <a:extLst>
               <a:ext uri="{28A0092B-C50C-407E-A947-70E740481C1C}">
                 <a14:useLocalDpi xmlns:a14="http://schemas.microsoft.com/office/drawing/2010/main" val="0"/>
@@ -7646,7 +7340,7 @@
           <p:nvPr/>
         </p:nvPicPr>
         <p:blipFill>
-          <a:blip r:embed="rId14">
+          <a:blip r:embed="rId13">
             <a:extLst>
               <a:ext uri="{28A0092B-C50C-407E-A947-70E740481C1C}">
                 <a14:useLocalDpi xmlns:a14="http://schemas.microsoft.com/office/drawing/2010/main" val="0"/>
@@ -9998,7 +9692,483 @@
       </p:sp>
       <p:sp>
         <p:nvSpPr>
-          <p:cNvPr id="17" name="Abgerundetes Rechteck 21">
+          <p:cNvPr id="14" name="Abgerundetes Rechteck 18">
+            <a:extLst>
+              <a:ext uri="{FF2B5EF4-FFF2-40B4-BE49-F238E27FC236}">
+                <a16:creationId xmlns:a16="http://schemas.microsoft.com/office/drawing/2014/main" id="{A79DB282-97A5-4F70-6071-974EECF280C5}"/>
+              </a:ext>
+            </a:extLst>
+          </p:cNvPr>
+          <p:cNvSpPr/>
+          <p:nvPr/>
+        </p:nvSpPr>
+        <p:spPr>
+          <a:xfrm>
+            <a:off x="15330252" y="9094236"/>
+            <a:ext cx="14295120" cy="7288578"/>
+          </a:xfrm>
+          <a:prstGeom prst="roundRect">
+            <a:avLst>
+              <a:gd name="adj" fmla="val 9636"/>
+            </a:avLst>
+          </a:prstGeom>
+          <a:solidFill>
+            <a:srgbClr val="E49596">
+              <a:alpha val="33168"/>
+            </a:srgbClr>
+          </a:solidFill>
+          <a:ln w="63500">
+            <a:solidFill>
+              <a:srgbClr val="B22F28"/>
+            </a:solidFill>
+          </a:ln>
+        </p:spPr>
+        <p:style>
+          <a:lnRef idx="2">
+            <a:schemeClr val="accent1">
+              <a:shade val="15000"/>
+            </a:schemeClr>
+          </a:lnRef>
+          <a:fillRef idx="1">
+            <a:schemeClr val="accent1"/>
+          </a:fillRef>
+          <a:effectRef idx="0">
+            <a:schemeClr val="accent1"/>
+          </a:effectRef>
+          <a:fontRef idx="minor">
+            <a:schemeClr val="lt1"/>
+          </a:fontRef>
+        </p:style>
+        <p:txBody>
+          <a:bodyPr rtlCol="0" anchor="t"/>
+          <a:lstStyle/>
+          <a:p>
+            <a:pPr algn="r"/>
+            <a:endParaRPr lang="en-US" sz="3600" noProof="0" dirty="0">
+              <a:solidFill>
+                <a:schemeClr val="tx1"/>
+              </a:solidFill>
+            </a:endParaRPr>
+          </a:p>
+        </p:txBody>
+      </p:sp>
+      <p:sp>
+        <p:nvSpPr>
+          <p:cNvPr id="22" name="Rechteck 5">
+            <a:extLst>
+              <a:ext uri="{FF2B5EF4-FFF2-40B4-BE49-F238E27FC236}">
+                <a16:creationId xmlns:a16="http://schemas.microsoft.com/office/drawing/2014/main" id="{E69F82B7-9325-55F2-F381-69F57FF389B3}"/>
+              </a:ext>
+            </a:extLst>
+          </p:cNvPr>
+          <p:cNvSpPr/>
+          <p:nvPr/>
+        </p:nvSpPr>
+        <p:spPr>
+          <a:xfrm>
+            <a:off x="15848412" y="9507867"/>
+            <a:ext cx="12574188" cy="2197105"/>
+          </a:xfrm>
+          <a:prstGeom prst="rect">
+            <a:avLst/>
+          </a:prstGeom>
+          <a:noFill/>
+          <a:ln w="44450">
+            <a:noFill/>
+          </a:ln>
+        </p:spPr>
+        <p:style>
+          <a:lnRef idx="2">
+            <a:schemeClr val="accent1">
+              <a:shade val="15000"/>
+            </a:schemeClr>
+          </a:lnRef>
+          <a:fillRef idx="1">
+            <a:schemeClr val="accent1"/>
+          </a:fillRef>
+          <a:effectRef idx="0">
+            <a:schemeClr val="accent1"/>
+          </a:effectRef>
+          <a:fontRef idx="minor">
+            <a:schemeClr val="lt1"/>
+          </a:fontRef>
+        </p:style>
+        <p:txBody>
+          <a:bodyPr rtlCol="0" anchor="t"/>
+          <a:lstStyle/>
+          <a:p>
+            <a:r>
+              <a:rPr lang="en-US" sz="4000" noProof="0" dirty="0">
+                <a:solidFill>
+                  <a:schemeClr val="tx1"/>
+                </a:solidFill>
+                <a:latin typeface="Source Sans Pro" panose="020B0503030403020204" pitchFamily="34" charset="0"/>
+                <a:ea typeface="Source Sans Pro" panose="020B0503030403020204" pitchFamily="34" charset="0"/>
+              </a:rPr>
+              <a:t>Normalization: Finding the right fit for the day </a:t>
+            </a:r>
+          </a:p>
+          <a:p>
+            <a:endParaRPr lang="en-US" sz="4000" noProof="0" dirty="0">
+              <a:solidFill>
+                <a:schemeClr val="tx1"/>
+              </a:solidFill>
+              <a:latin typeface="Source Sans Pro" panose="020B0503030403020204" pitchFamily="34" charset="0"/>
+              <a:ea typeface="Source Sans Pro" panose="020B0503030403020204" pitchFamily="34" charset="0"/>
+            </a:endParaRPr>
+          </a:p>
+          <a:p>
+            <a:endParaRPr lang="en-US" sz="4000" noProof="0" dirty="0">
+              <a:solidFill>
+                <a:schemeClr val="tx1"/>
+              </a:solidFill>
+              <a:latin typeface="Source Sans Pro" panose="020B0503030403020204" pitchFamily="34" charset="0"/>
+              <a:ea typeface="Source Sans Pro" panose="020B0503030403020204" pitchFamily="34" charset="0"/>
+            </a:endParaRPr>
+          </a:p>
+        </p:txBody>
+      </p:sp>
+      <p:sp>
+        <p:nvSpPr>
+          <p:cNvPr id="46" name="Rectangle 45">
+            <a:extLst>
+              <a:ext uri="{FF2B5EF4-FFF2-40B4-BE49-F238E27FC236}">
+                <a16:creationId xmlns:a16="http://schemas.microsoft.com/office/drawing/2014/main" id="{B9A6FAFB-7C49-7213-7BD8-8E66DBEDBBBF}"/>
+              </a:ext>
+            </a:extLst>
+          </p:cNvPr>
+          <p:cNvSpPr/>
+          <p:nvPr/>
+        </p:nvSpPr>
+        <p:spPr>
+          <a:xfrm>
+            <a:off x="15804632" y="10370519"/>
+            <a:ext cx="5359001" cy="3924705"/>
+          </a:xfrm>
+          <a:prstGeom prst="rect">
+            <a:avLst/>
+          </a:prstGeom>
+          <a:solidFill>
+            <a:schemeClr val="bg1"/>
+          </a:solidFill>
+          <a:ln>
+            <a:noFill/>
+          </a:ln>
+        </p:spPr>
+        <p:style>
+          <a:lnRef idx="2">
+            <a:schemeClr val="accent1">
+              <a:shade val="15000"/>
+            </a:schemeClr>
+          </a:lnRef>
+          <a:fillRef idx="1">
+            <a:schemeClr val="accent1"/>
+          </a:fillRef>
+          <a:effectRef idx="0">
+            <a:schemeClr val="accent1"/>
+          </a:effectRef>
+          <a:fontRef idx="minor">
+            <a:schemeClr val="lt1"/>
+          </a:fontRef>
+        </p:style>
+        <p:txBody>
+          <a:bodyPr rtlCol="0" anchor="t"/>
+          <a:lstStyle/>
+          <a:p>
+            <a:pPr algn="r"/>
+            <a:endParaRPr lang="en-US" sz="3600" noProof="0" dirty="0">
+              <a:solidFill>
+                <a:schemeClr val="tx1"/>
+              </a:solidFill>
+            </a:endParaRPr>
+          </a:p>
+        </p:txBody>
+      </p:sp>
+      <p:pic>
+        <p:nvPicPr>
+          <p:cNvPr id="52" name="Picture 51" descr="A graph with red dots&#10;&#10;AI-generated content may be incorrect.">
+            <a:extLst>
+              <a:ext uri="{FF2B5EF4-FFF2-40B4-BE49-F238E27FC236}">
+                <a16:creationId xmlns:a16="http://schemas.microsoft.com/office/drawing/2014/main" id="{58FC2CD0-6EDD-4966-192D-536096C3635D}"/>
+              </a:ext>
+            </a:extLst>
+          </p:cNvPr>
+          <p:cNvPicPr>
+            <a:picLocks noChangeAspect="1"/>
+          </p:cNvPicPr>
+          <p:nvPr/>
+        </p:nvPicPr>
+        <p:blipFill>
+          <a:blip r:embed="rId23">
+            <a:extLst>
+              <a:ext uri="{28A0092B-C50C-407E-A947-70E740481C1C}">
+                <a14:useLocalDpi xmlns:a14="http://schemas.microsoft.com/office/drawing/2010/main" val="0"/>
+              </a:ext>
+            </a:extLst>
+          </a:blip>
+          <a:stretch>
+            <a:fillRect/>
+          </a:stretch>
+        </p:blipFill>
+        <p:spPr>
+          <a:xfrm>
+            <a:off x="15885797" y="10518058"/>
+            <a:ext cx="5232939" cy="3924704"/>
+          </a:xfrm>
+          <a:prstGeom prst="rect">
+            <a:avLst/>
+          </a:prstGeom>
+        </p:spPr>
+      </p:pic>
+      <p:sp>
+        <p:nvSpPr>
+          <p:cNvPr id="80" name="Textfeld 35">
+            <a:extLst>
+              <a:ext uri="{FF2B5EF4-FFF2-40B4-BE49-F238E27FC236}">
+                <a16:creationId xmlns:a16="http://schemas.microsoft.com/office/drawing/2014/main" id="{5F87CEC2-C09A-D583-E252-B532722A3A72}"/>
+              </a:ext>
+            </a:extLst>
+          </p:cNvPr>
+          <p:cNvSpPr txBox="1"/>
+          <p:nvPr/>
+        </p:nvSpPr>
+        <p:spPr>
+          <a:xfrm>
+            <a:off x="21666340" y="10318293"/>
+            <a:ext cx="7258967" cy="5262979"/>
+          </a:xfrm>
+          <a:prstGeom prst="rect">
+            <a:avLst/>
+          </a:prstGeom>
+          <a:noFill/>
+        </p:spPr>
+        <p:txBody>
+          <a:bodyPr wrap="square" rtlCol="0">
+            <a:spAutoFit/>
+          </a:bodyPr>
+          <a:lstStyle/>
+          <a:p>
+            <a:pPr algn="just"/>
+            <a:r>
+              <a:rPr lang="en-US" sz="2400" b="1" dirty="0"/>
+              <a:t>Information about Data</a:t>
+            </a:r>
+          </a:p>
+          <a:p>
+            <a:pPr marL="342900" indent="-342900" algn="just">
+              <a:buFont typeface="Arial" panose="020B0604020202020204" pitchFamily="34" charset="0"/>
+              <a:buChar char="•"/>
+            </a:pPr>
+            <a:r>
+              <a:rPr lang="en-US" sz="2400" dirty="0"/>
+              <a:t>Total number of Proteins: </a:t>
+            </a:r>
+          </a:p>
+          <a:p>
+            <a:pPr marL="342900" indent="-342900" algn="just">
+              <a:buFont typeface="Arial" panose="020B0604020202020204" pitchFamily="34" charset="0"/>
+              <a:buChar char="•"/>
+            </a:pPr>
+            <a:r>
+              <a:rPr lang="en-US" sz="2400" dirty="0"/>
+              <a:t>Number of Fractions: 25 Fractions </a:t>
+            </a:r>
+          </a:p>
+          <a:p>
+            <a:pPr marL="342900" indent="-342900" algn="just">
+              <a:buFont typeface="Arial" panose="020B0604020202020204" pitchFamily="34" charset="0"/>
+              <a:buChar char="•"/>
+            </a:pPr>
+            <a:r>
+              <a:rPr lang="en-US" sz="2400" dirty="0"/>
+              <a:t>Overall maximum intensity: 1514642849 (au.?) representing signal strength</a:t>
+            </a:r>
+          </a:p>
+          <a:p>
+            <a:pPr marL="342900" indent="-342900" algn="just">
+              <a:buFont typeface="Arial" panose="020B0604020202020204" pitchFamily="34" charset="0"/>
+              <a:buChar char="•"/>
+            </a:pPr>
+            <a:r>
+              <a:rPr lang="en-US" sz="2400" dirty="0"/>
+              <a:t>Overall minimum intensity: 0</a:t>
+            </a:r>
+          </a:p>
+          <a:p>
+            <a:pPr marL="342900" indent="-342900" algn="just">
+              <a:buFont typeface="Arial" panose="020B0604020202020204" pitchFamily="34" charset="0"/>
+              <a:buChar char="•"/>
+            </a:pPr>
+            <a:r>
+              <a:rPr lang="en-US" sz="2400" dirty="0"/>
+              <a:t>Number of Na: 0</a:t>
+            </a:r>
+          </a:p>
+          <a:p>
+            <a:pPr algn="just"/>
+            <a:endParaRPr lang="en-US" sz="2400" dirty="0"/>
+          </a:p>
+          <a:p>
+            <a:pPr algn="just"/>
+            <a:r>
+              <a:rPr lang="en-US" sz="2400" b="1" dirty="0"/>
+              <a:t>How we adapted our data for our </a:t>
+            </a:r>
+            <a:r>
+              <a:rPr lang="en-US" sz="2400" b="1" dirty="0" err="1"/>
+              <a:t>analisis</a:t>
+            </a:r>
+            <a:endParaRPr lang="en-US" sz="2400" b="1" dirty="0"/>
+          </a:p>
+          <a:p>
+            <a:pPr marL="342900" indent="-342900" algn="just">
+              <a:buFont typeface="Arial" panose="020B0604020202020204" pitchFamily="34" charset="0"/>
+              <a:buChar char="•"/>
+            </a:pPr>
+            <a:r>
+              <a:rPr lang="en-US" sz="2400" dirty="0" err="1"/>
+              <a:t>Averedging</a:t>
+            </a:r>
+            <a:r>
+              <a:rPr lang="en-US" sz="2400" dirty="0"/>
+              <a:t> over all Triplicates</a:t>
+            </a:r>
+          </a:p>
+          <a:p>
+            <a:pPr marL="342900" indent="-342900" algn="just">
+              <a:buFont typeface="Arial" panose="020B0604020202020204" pitchFamily="34" charset="0"/>
+              <a:buChar char="•"/>
+            </a:pPr>
+            <a:r>
+              <a:rPr lang="en-US" sz="2400" dirty="0"/>
+              <a:t>Normalizing to 100: </a:t>
+            </a:r>
+            <a:r>
+              <a:rPr lang="en-GB" sz="2400" dirty="0"/>
+              <a:t>each protein is scaled so that the distribution within the Ctrl and </a:t>
+            </a:r>
+            <a:r>
+              <a:rPr lang="en-GB" sz="2400" dirty="0" err="1"/>
+              <a:t>RNAse</a:t>
+            </a:r>
+            <a:r>
+              <a:rPr lang="en-GB" sz="2400" dirty="0"/>
+              <a:t> conditions each sums to 100</a:t>
+            </a:r>
+            <a:r>
+              <a:rPr lang="en-US" sz="2400" dirty="0"/>
+              <a:t> (for every Protein) </a:t>
+            </a:r>
+          </a:p>
+          <a:p>
+            <a:pPr algn="just"/>
+            <a:endParaRPr lang="en-GB" sz="2400" b="1" dirty="0"/>
+          </a:p>
+        </p:txBody>
+      </p:sp>
+      <p:sp>
+        <p:nvSpPr>
+          <p:cNvPr id="81" name="Textfeld 42">
+            <a:extLst>
+              <a:ext uri="{FF2B5EF4-FFF2-40B4-BE49-F238E27FC236}">
+                <a16:creationId xmlns:a16="http://schemas.microsoft.com/office/drawing/2014/main" id="{41369DCA-196A-371D-5FD4-AD524426A0EC}"/>
+              </a:ext>
+            </a:extLst>
+          </p:cNvPr>
+          <p:cNvSpPr txBox="1"/>
+          <p:nvPr/>
+        </p:nvSpPr>
+        <p:spPr>
+          <a:xfrm>
+            <a:off x="15725618" y="14446249"/>
+            <a:ext cx="5438016" cy="1384995"/>
+          </a:xfrm>
+          <a:prstGeom prst="rect">
+            <a:avLst/>
+          </a:prstGeom>
+          <a:noFill/>
+        </p:spPr>
+        <p:txBody>
+          <a:bodyPr wrap="square" rtlCol="0">
+            <a:spAutoFit/>
+          </a:bodyPr>
+          <a:lstStyle/>
+          <a:p>
+            <a:r>
+              <a:rPr lang="de-DE" sz="1200" b="1" dirty="0"/>
+              <a:t>Fig. X </a:t>
+            </a:r>
+            <a:r>
+              <a:rPr lang="en-GB" sz="1200" b="1" dirty="0"/>
+              <a:t>Mean protein intensities across 25 fractions under control conditions: </a:t>
+            </a:r>
+            <a:r>
+              <a:rPr lang="en-GB" sz="1200" dirty="0"/>
+              <a:t>Bar plot showing the average intensity for 25 randomly selected proteins measured across 25 fractions in the Ctrl condition. All Reps were averaged already. Each bar represents the mean intensity per protein, with error bars indicating the standard error of the mean (SEM) across fractions. This visualization highlights the variability in abundance profiles among different proteins across the cellular gradient. </a:t>
+            </a:r>
+            <a:endParaRPr lang="en-US" sz="1200" dirty="0"/>
+          </a:p>
+        </p:txBody>
+      </p:sp>
+      <p:sp>
+        <p:nvSpPr>
+          <p:cNvPr id="67" name="Rectangle 66">
+            <a:extLst>
+              <a:ext uri="{FF2B5EF4-FFF2-40B4-BE49-F238E27FC236}">
+                <a16:creationId xmlns:a16="http://schemas.microsoft.com/office/drawing/2014/main" id="{497B7107-C6F9-BC8E-32F9-4EB58EBC3122}"/>
+              </a:ext>
+            </a:extLst>
+          </p:cNvPr>
+          <p:cNvSpPr/>
+          <p:nvPr/>
+        </p:nvSpPr>
+        <p:spPr>
+          <a:xfrm>
+            <a:off x="22687042" y="26194178"/>
+            <a:ext cx="6776884" cy="5105981"/>
+          </a:xfrm>
+          <a:prstGeom prst="rect">
+            <a:avLst/>
+          </a:prstGeom>
+          <a:solidFill>
+            <a:schemeClr val="bg1"/>
+          </a:solidFill>
+          <a:ln>
+            <a:noFill/>
+          </a:ln>
+        </p:spPr>
+        <p:style>
+          <a:lnRef idx="2">
+            <a:schemeClr val="accent1">
+              <a:shade val="15000"/>
+            </a:schemeClr>
+          </a:lnRef>
+          <a:fillRef idx="1">
+            <a:schemeClr val="accent1"/>
+          </a:fillRef>
+          <a:effectRef idx="0">
+            <a:schemeClr val="accent1"/>
+          </a:effectRef>
+          <a:fontRef idx="minor">
+            <a:schemeClr val="lt1"/>
+          </a:fontRef>
+        </p:style>
+        <p:txBody>
+          <a:bodyPr rtlCol="0" anchor="t"/>
+          <a:lstStyle/>
+          <a:p>
+            <a:pPr algn="r"/>
+            <a:endParaRPr lang="en-GB" sz="3600" dirty="0">
+              <a:solidFill>
+                <a:schemeClr val="tx1"/>
+              </a:solidFill>
+            </a:endParaRPr>
+          </a:p>
+        </p:txBody>
+      </p:sp>
+      <p:sp>
+        <p:nvSpPr>
+          <p:cNvPr id="68" name="Abgerundetes Rechteck 21">
             <a:extLst>
               <a:ext uri="{FF2B5EF4-FFF2-40B4-BE49-F238E27FC236}">
                 <a16:creationId xmlns:a16="http://schemas.microsoft.com/office/drawing/2014/main" id="{CADA5048-84E9-7610-1363-103CE5D313B8}"/>
@@ -10060,7 +10230,7 @@
       </p:sp>
       <p:sp>
         <p:nvSpPr>
-          <p:cNvPr id="23" name="Rectangle 22">
+          <p:cNvPr id="69" name="Rectangle 68">
             <a:extLst>
               <a:ext uri="{FF2B5EF4-FFF2-40B4-BE49-F238E27FC236}">
                 <a16:creationId xmlns:a16="http://schemas.microsoft.com/office/drawing/2014/main" id="{497B7107-C6F9-BC8E-32F9-4EB58EBC3122}"/>
@@ -10116,7 +10286,7 @@
       </p:sp>
       <p:pic>
         <p:nvPicPr>
-          <p:cNvPr id="32" name="Picture 31" descr="A screenshot of a video game&#10;&#10;AI-generated content may be incorrect.">
+          <p:cNvPr id="70" name="Picture 69" descr="A screenshot of a video game&#10;&#10;AI-generated content may be incorrect.">
             <a:extLst>
               <a:ext uri="{FF2B5EF4-FFF2-40B4-BE49-F238E27FC236}">
                 <a16:creationId xmlns:a16="http://schemas.microsoft.com/office/drawing/2014/main" id="{08B70003-AD1E-4701-456D-41507D8EABB7}"/>
@@ -10129,7 +10299,7 @@
           <p:nvPr/>
         </p:nvPicPr>
         <p:blipFill>
-          <a:blip r:embed="rId23">
+          <a:blip r:embed="rId24">
             <a:extLst>
               <a:ext uri="{28A0092B-C50C-407E-A947-70E740481C1C}">
                 <a14:useLocalDpi xmlns:a14="http://schemas.microsoft.com/office/drawing/2010/main" val="0"/>
@@ -10152,7 +10322,7 @@
       </p:pic>
       <p:sp>
         <p:nvSpPr>
-          <p:cNvPr id="33" name="Rectangle 32">
+          <p:cNvPr id="71" name="Rectangle 70">
             <a:extLst>
               <a:ext uri="{FF2B5EF4-FFF2-40B4-BE49-F238E27FC236}">
                 <a16:creationId xmlns:a16="http://schemas.microsoft.com/office/drawing/2014/main" id="{AB754934-85BC-3E41-3BC6-0759F2D51BE4}"/>
@@ -10208,285 +10378,10 @@
       </p:sp>
       <p:pic>
         <p:nvPicPr>
-          <p:cNvPr id="38" name="Picture 37" descr="A yellow and orange squares&#10;&#10;AI-generated content may be incorrect.">
+          <p:cNvPr id="72" name="Picture 71" descr="A yellow and orange squares&#10;&#10;AI-generated content may be incorrect.">
             <a:extLst>
               <a:ext uri="{FF2B5EF4-FFF2-40B4-BE49-F238E27FC236}">
                 <a16:creationId xmlns:a16="http://schemas.microsoft.com/office/drawing/2014/main" id="{288F68B4-DDA1-2EEB-9F23-81C0A0F5FDB5}"/>
-              </a:ext>
-            </a:extLst>
-          </p:cNvPr>
-          <p:cNvPicPr>
-            <a:picLocks noChangeAspect="1"/>
-          </p:cNvPicPr>
-          <p:nvPr/>
-        </p:nvPicPr>
-        <p:blipFill>
-          <a:blip r:embed="rId24">
-            <a:extLst>
-              <a:ext uri="{28A0092B-C50C-407E-A947-70E740481C1C}">
-                <a14:useLocalDpi xmlns:a14="http://schemas.microsoft.com/office/drawing/2010/main" val="0"/>
-              </a:ext>
-            </a:extLst>
-          </a:blip>
-          <a:stretch>
-            <a:fillRect/>
-          </a:stretch>
-        </p:blipFill>
-        <p:spPr>
-          <a:xfrm>
-            <a:off x="15839213" y="34379540"/>
-            <a:ext cx="4280873" cy="3210655"/>
-          </a:xfrm>
-          <a:prstGeom prst="rect">
-            <a:avLst/>
-          </a:prstGeom>
-        </p:spPr>
-      </p:pic>
-      <p:sp>
-        <p:nvSpPr>
-          <p:cNvPr id="53" name="Textfeld 48">
-            <a:extLst>
-              <a:ext uri="{FF2B5EF4-FFF2-40B4-BE49-F238E27FC236}">
-                <a16:creationId xmlns:a16="http://schemas.microsoft.com/office/drawing/2014/main" id="{09012934-17D9-9E1F-A0A5-E6B32DB352BC}"/>
-              </a:ext>
-            </a:extLst>
-          </p:cNvPr>
-          <p:cNvSpPr txBox="1"/>
-          <p:nvPr/>
-        </p:nvSpPr>
-        <p:spPr>
-          <a:xfrm>
-            <a:off x="15457632" y="26456645"/>
-            <a:ext cx="8341656" cy="3323987"/>
-          </a:xfrm>
-          <a:prstGeom prst="rect">
-            <a:avLst/>
-          </a:prstGeom>
-          <a:noFill/>
-        </p:spPr>
-        <p:txBody>
-          <a:bodyPr wrap="square" rtlCol="0">
-            <a:spAutoFit/>
-          </a:bodyPr>
-          <a:lstStyle/>
-          <a:p>
-            <a:pPr algn="just"/>
-            <a:r>
-              <a:rPr lang="en-GB" sz="2400" b="1" dirty="0">
-                <a:latin typeface="Source Sans Pro" panose="020B0503030403020204" pitchFamily="34" charset="0"/>
-                <a:ea typeface="Source Sans Pro" panose="020B0503030403020204" pitchFamily="34" charset="0"/>
-              </a:rPr>
-              <a:t>DBSCAN :</a:t>
-            </a:r>
-          </a:p>
-          <a:p>
-            <a:r>
-              <a:rPr lang="en-GB" sz="2400" dirty="0">
-                <a:latin typeface="Source Sans Pro" panose="020B0503030403020204" pitchFamily="34" charset="0"/>
-                <a:ea typeface="Source Sans Pro" panose="020B0503030403020204" pitchFamily="34" charset="0"/>
-              </a:rPr>
-              <a:t>is a clustering algorithm that can classify points in low-density regions as it considers point density and distance.</a:t>
-            </a:r>
-          </a:p>
-          <a:p>
-            <a:pPr marL="342900" indent="-342900">
-              <a:buFont typeface="Arial" panose="020B0604020202020204" pitchFamily="34" charset="0"/>
-              <a:buChar char="•"/>
-            </a:pPr>
-            <a:r>
-              <a:rPr lang="en-GB" sz="2400" b="1" dirty="0">
-                <a:latin typeface="Source Sans Pro" panose="020B0503030403020204" pitchFamily="34" charset="0"/>
-                <a:ea typeface="Source Sans Pro" panose="020B0503030403020204" pitchFamily="34" charset="0"/>
-              </a:rPr>
-              <a:t>ε (epsilon): </a:t>
-            </a:r>
-            <a:r>
-              <a:rPr lang="en-GB" sz="2400" dirty="0">
-                <a:latin typeface="Source Sans Pro" panose="020B0503030403020204" pitchFamily="34" charset="0"/>
-                <a:ea typeface="Source Sans Pro" panose="020B0503030403020204" pitchFamily="34" charset="0"/>
-              </a:rPr>
-              <a:t>The maximum distance between two points to be considered </a:t>
-            </a:r>
-            <a:r>
-              <a:rPr lang="en-GB" sz="2400" dirty="0" err="1">
-                <a:latin typeface="Source Sans Pro" panose="020B0503030403020204" pitchFamily="34" charset="0"/>
-                <a:ea typeface="Source Sans Pro" panose="020B0503030403020204" pitchFamily="34" charset="0"/>
-              </a:rPr>
-              <a:t>neighbors</a:t>
-            </a:r>
-            <a:r>
-              <a:rPr lang="en-GB" sz="2400" dirty="0">
-                <a:latin typeface="Source Sans Pro" panose="020B0503030403020204" pitchFamily="34" charset="0"/>
-                <a:ea typeface="Source Sans Pro" panose="020B0503030403020204" pitchFamily="34" charset="0"/>
-              </a:rPr>
-              <a:t>. </a:t>
-            </a:r>
-          </a:p>
-          <a:p>
-            <a:pPr marL="342900" indent="-342900">
-              <a:buFont typeface="Arial" panose="020B0604020202020204" pitchFamily="34" charset="0"/>
-              <a:buChar char="•"/>
-            </a:pPr>
-            <a:r>
-              <a:rPr lang="en-GB" sz="2400" b="1" dirty="0" err="1">
-                <a:latin typeface="Source Sans Pro" panose="020B0503030403020204" pitchFamily="34" charset="0"/>
-                <a:ea typeface="Source Sans Pro" panose="020B0503030403020204" pitchFamily="34" charset="0"/>
-              </a:rPr>
-              <a:t>MinPts</a:t>
-            </a:r>
-            <a:r>
-              <a:rPr lang="en-GB" sz="2400" b="1" dirty="0">
-                <a:latin typeface="Source Sans Pro" panose="020B0503030403020204" pitchFamily="34" charset="0"/>
-                <a:ea typeface="Source Sans Pro" panose="020B0503030403020204" pitchFamily="34" charset="0"/>
-              </a:rPr>
-              <a:t>: </a:t>
-            </a:r>
-            <a:r>
-              <a:rPr lang="en-GB" sz="2400" dirty="0">
-                <a:latin typeface="Source Sans Pro" panose="020B0503030403020204" pitchFamily="34" charset="0"/>
-                <a:ea typeface="Source Sans Pro" panose="020B0503030403020204" pitchFamily="34" charset="0"/>
-              </a:rPr>
-              <a:t>The minimum number of </a:t>
-            </a:r>
-            <a:r>
-              <a:rPr lang="en-GB" sz="2400" dirty="0" err="1">
-                <a:latin typeface="Source Sans Pro" panose="020B0503030403020204" pitchFamily="34" charset="0"/>
-                <a:ea typeface="Source Sans Pro" panose="020B0503030403020204" pitchFamily="34" charset="0"/>
-              </a:rPr>
-              <a:t>neighbors</a:t>
-            </a:r>
-            <a:r>
-              <a:rPr lang="en-GB" sz="2400" dirty="0">
-                <a:latin typeface="Source Sans Pro" panose="020B0503030403020204" pitchFamily="34" charset="0"/>
-                <a:ea typeface="Source Sans Pro" panose="020B0503030403020204" pitchFamily="34" charset="0"/>
-              </a:rPr>
-              <a:t> (within ε distance) to form a core point, border points are those within ε of a core point.</a:t>
-            </a:r>
-          </a:p>
-          <a:p>
-            <a:endParaRPr lang="en-US" noProof="0" dirty="0"/>
-          </a:p>
-        </p:txBody>
-      </p:sp>
-      <p:sp>
-        <p:nvSpPr>
-          <p:cNvPr id="54" name="Textfeld 48">
-            <a:extLst>
-              <a:ext uri="{FF2B5EF4-FFF2-40B4-BE49-F238E27FC236}">
-                <a16:creationId xmlns:a16="http://schemas.microsoft.com/office/drawing/2014/main" id="{0C9E6692-E493-9100-A3A2-2553EE851C05}"/>
-              </a:ext>
-            </a:extLst>
-          </p:cNvPr>
-          <p:cNvSpPr txBox="1"/>
-          <p:nvPr/>
-        </p:nvSpPr>
-        <p:spPr>
-          <a:xfrm>
-            <a:off x="15469068" y="29296448"/>
-            <a:ext cx="8330220" cy="3416320"/>
-          </a:xfrm>
-          <a:prstGeom prst="rect">
-            <a:avLst/>
-          </a:prstGeom>
-          <a:noFill/>
-        </p:spPr>
-        <p:txBody>
-          <a:bodyPr wrap="square" rtlCol="0">
-            <a:spAutoFit/>
-          </a:bodyPr>
-          <a:lstStyle/>
-          <a:p>
-            <a:pPr algn="just"/>
-            <a:r>
-              <a:rPr lang="en-US" sz="2400" b="1" dirty="0">
-                <a:latin typeface="Source Sans Pro" panose="020B0503030403020204" pitchFamily="34" charset="0"/>
-                <a:ea typeface="Source Sans Pro" panose="020B0503030403020204" pitchFamily="34" charset="0"/>
-              </a:rPr>
-              <a:t>Choosing parameters </a:t>
-            </a:r>
-            <a:endParaRPr lang="en-US" sz="2400" dirty="0">
-              <a:latin typeface="Source Sans Pro" panose="020B0503030403020204" pitchFamily="34" charset="0"/>
-              <a:ea typeface="Source Sans Pro" panose="020B0503030403020204" pitchFamily="34" charset="0"/>
-            </a:endParaRPr>
-          </a:p>
-          <a:p>
-            <a:pPr algn="just"/>
-            <a:r>
-              <a:rPr lang="en-US" sz="2400" dirty="0">
-                <a:latin typeface="Source Sans Pro" panose="020B0503030403020204" pitchFamily="34" charset="0"/>
-                <a:ea typeface="Source Sans Pro" panose="020B0503030403020204" pitchFamily="34" charset="0"/>
-              </a:rPr>
-              <a:t>To validate the efficiency in clustering we created a heatmap with a specific scoring logic. We adjusted our DBSCAN </a:t>
-            </a:r>
-            <a:r>
-              <a:rPr lang="en-US" sz="2400" b="1" dirty="0">
-                <a:latin typeface="Source Sans Pro" panose="020B0503030403020204" pitchFamily="34" charset="0"/>
-                <a:ea typeface="Source Sans Pro" panose="020B0503030403020204" pitchFamily="34" charset="0"/>
-              </a:rPr>
-              <a:t>to </a:t>
-            </a:r>
-            <a:r>
-              <a:rPr lang="en-GB" sz="2400" b="1" dirty="0">
-                <a:latin typeface="Source Sans Pro" panose="020B0503030403020204" pitchFamily="34" charset="0"/>
-                <a:ea typeface="Source Sans Pro" panose="020B0503030403020204" pitchFamily="34" charset="0"/>
-              </a:rPr>
-              <a:t>ε = 0.7 and </a:t>
-            </a:r>
-            <a:r>
-              <a:rPr lang="en-GB" sz="2400" b="1" dirty="0" err="1">
-                <a:latin typeface="Source Sans Pro" panose="020B0503030403020204" pitchFamily="34" charset="0"/>
-                <a:ea typeface="Source Sans Pro" panose="020B0503030403020204" pitchFamily="34" charset="0"/>
-              </a:rPr>
-              <a:t>MintPts</a:t>
-            </a:r>
-            <a:r>
-              <a:rPr lang="en-GB" sz="2400" b="1" dirty="0">
-                <a:latin typeface="Source Sans Pro" panose="020B0503030403020204" pitchFamily="34" charset="0"/>
-                <a:ea typeface="Source Sans Pro" panose="020B0503030403020204" pitchFamily="34" charset="0"/>
-              </a:rPr>
-              <a:t> = 4. </a:t>
-            </a:r>
-          </a:p>
-          <a:p>
-            <a:pPr algn="just"/>
-            <a:endParaRPr lang="en-GB" sz="2400" dirty="0">
-              <a:latin typeface="Source Sans Pro" panose="020B0503030403020204" pitchFamily="34" charset="0"/>
-              <a:ea typeface="Source Sans Pro" panose="020B0503030403020204" pitchFamily="34" charset="0"/>
-            </a:endParaRPr>
-          </a:p>
-          <a:p>
-            <a:pPr algn="just"/>
-            <a:endParaRPr lang="en-GB" sz="2400" b="1" dirty="0"/>
-          </a:p>
-          <a:p>
-            <a:pPr algn="just"/>
-            <a:endParaRPr lang="en-GB" sz="2400" b="1" dirty="0">
-              <a:latin typeface="Source Sans Pro" panose="020B0503030403020204" pitchFamily="34" charset="0"/>
-              <a:ea typeface="Source Sans Pro" panose="020B0503030403020204" pitchFamily="34" charset="0"/>
-            </a:endParaRPr>
-          </a:p>
-          <a:p>
-            <a:pPr algn="just"/>
-            <a:endParaRPr lang="en-US" sz="2400" b="1" dirty="0">
-              <a:latin typeface="Source Sans Pro" panose="020B0503030403020204" pitchFamily="34" charset="0"/>
-              <a:ea typeface="Source Sans Pro" panose="020B0503030403020204" pitchFamily="34" charset="0"/>
-            </a:endParaRPr>
-          </a:p>
-          <a:p>
-            <a:pPr algn="just"/>
-            <a:endParaRPr lang="en-US" sz="2400" b="1" noProof="0" dirty="0">
-              <a:latin typeface="Source Sans Pro" panose="020B0503030403020204" pitchFamily="34" charset="0"/>
-              <a:ea typeface="Source Sans Pro" panose="020B0503030403020204" pitchFamily="34" charset="0"/>
-            </a:endParaRPr>
-          </a:p>
-        </p:txBody>
-      </p:sp>
-      <p:pic>
-        <p:nvPicPr>
-          <p:cNvPr id="57" name="Picture 56" descr="A graph with lines and numbers&#10;&#10;AI-generated content may be incorrect.">
-            <a:extLst>
-              <a:ext uri="{FF2B5EF4-FFF2-40B4-BE49-F238E27FC236}">
-                <a16:creationId xmlns:a16="http://schemas.microsoft.com/office/drawing/2014/main" id="{BA45D2D3-0CCB-F156-B9E7-9449A21DFDC2}"/>
               </a:ext>
             </a:extLst>
           </p:cNvPr>
@@ -10509,20 +10404,259 @@
         </p:blipFill>
         <p:spPr>
           <a:xfrm>
-            <a:off x="26843963" y="30952853"/>
-            <a:ext cx="2734251" cy="2050688"/>
+            <a:off x="15839213" y="34379540"/>
+            <a:ext cx="4280873" cy="3210655"/>
           </a:xfrm>
           <a:prstGeom prst="rect">
             <a:avLst/>
           </a:prstGeom>
         </p:spPr>
       </p:pic>
+      <p:sp>
+        <p:nvSpPr>
+          <p:cNvPr id="74" name="Textfeld 48">
+            <a:extLst>
+              <a:ext uri="{FF2B5EF4-FFF2-40B4-BE49-F238E27FC236}">
+                <a16:creationId xmlns:a16="http://schemas.microsoft.com/office/drawing/2014/main" id="{09012934-17D9-9E1F-A0A5-E6B32DB352BC}"/>
+              </a:ext>
+            </a:extLst>
+          </p:cNvPr>
+          <p:cNvSpPr txBox="1"/>
+          <p:nvPr/>
+        </p:nvSpPr>
+        <p:spPr>
+          <a:xfrm>
+            <a:off x="15457632" y="26340900"/>
+            <a:ext cx="8341656" cy="3323987"/>
+          </a:xfrm>
+          <a:prstGeom prst="rect">
+            <a:avLst/>
+          </a:prstGeom>
+          <a:noFill/>
+        </p:spPr>
+        <p:txBody>
+          <a:bodyPr wrap="square" rtlCol="0">
+            <a:spAutoFit/>
+          </a:bodyPr>
+          <a:lstStyle/>
+          <a:p>
+            <a:pPr algn="just"/>
+            <a:r>
+              <a:rPr lang="en-GB" sz="2400" b="1" dirty="0">
+                <a:latin typeface="Source Sans Pro" panose="020B0503030403020204" pitchFamily="34" charset="0"/>
+                <a:ea typeface="Source Sans Pro" panose="020B0503030403020204" pitchFamily="34" charset="0"/>
+              </a:rPr>
+              <a:t>DBSCAN :</a:t>
+            </a:r>
+          </a:p>
+          <a:p>
+            <a:r>
+              <a:rPr lang="en-GB" sz="2400" dirty="0">
+                <a:latin typeface="Source Sans Pro" panose="020B0503030403020204" pitchFamily="34" charset="0"/>
+                <a:ea typeface="Source Sans Pro" panose="020B0503030403020204" pitchFamily="34" charset="0"/>
+              </a:rPr>
+              <a:t>is a clustering algorithm that considers point density and distance.</a:t>
+            </a:r>
+          </a:p>
+          <a:p>
+            <a:pPr marL="342900" indent="-342900">
+              <a:buFont typeface="Arial" panose="020B0604020202020204" pitchFamily="34" charset="0"/>
+              <a:buChar char="•"/>
+            </a:pPr>
+            <a:r>
+              <a:rPr lang="en-GB" sz="2400" b="1" dirty="0">
+                <a:latin typeface="Source Sans Pro" panose="020B0503030403020204" pitchFamily="34" charset="0"/>
+                <a:ea typeface="Source Sans Pro" panose="020B0503030403020204" pitchFamily="34" charset="0"/>
+              </a:rPr>
+              <a:t>ε (epsilon): </a:t>
+            </a:r>
+            <a:r>
+              <a:rPr lang="en-GB" sz="2400" dirty="0">
+                <a:latin typeface="Source Sans Pro" panose="020B0503030403020204" pitchFamily="34" charset="0"/>
+                <a:ea typeface="Source Sans Pro" panose="020B0503030403020204" pitchFamily="34" charset="0"/>
+              </a:rPr>
+              <a:t>The maximum distance between two points to be considered </a:t>
+            </a:r>
+            <a:r>
+              <a:rPr lang="en-GB" sz="2400" dirty="0" err="1">
+                <a:latin typeface="Source Sans Pro" panose="020B0503030403020204" pitchFamily="34" charset="0"/>
+                <a:ea typeface="Source Sans Pro" panose="020B0503030403020204" pitchFamily="34" charset="0"/>
+              </a:rPr>
+              <a:t>neighbors</a:t>
+            </a:r>
+            <a:r>
+              <a:rPr lang="en-GB" sz="2400" dirty="0">
+                <a:latin typeface="Source Sans Pro" panose="020B0503030403020204" pitchFamily="34" charset="0"/>
+                <a:ea typeface="Source Sans Pro" panose="020B0503030403020204" pitchFamily="34" charset="0"/>
+              </a:rPr>
+              <a:t>. </a:t>
+            </a:r>
+          </a:p>
+          <a:p>
+            <a:pPr marL="342900" indent="-342900">
+              <a:buFont typeface="Arial" panose="020B0604020202020204" pitchFamily="34" charset="0"/>
+              <a:buChar char="•"/>
+            </a:pPr>
+            <a:r>
+              <a:rPr lang="en-GB" sz="2400" b="1" dirty="0" err="1">
+                <a:latin typeface="Source Sans Pro" panose="020B0503030403020204" pitchFamily="34" charset="0"/>
+                <a:ea typeface="Source Sans Pro" panose="020B0503030403020204" pitchFamily="34" charset="0"/>
+              </a:rPr>
+              <a:t>MinPts</a:t>
+            </a:r>
+            <a:r>
+              <a:rPr lang="en-GB" sz="2400" b="1" dirty="0">
+                <a:latin typeface="Source Sans Pro" panose="020B0503030403020204" pitchFamily="34" charset="0"/>
+                <a:ea typeface="Source Sans Pro" panose="020B0503030403020204" pitchFamily="34" charset="0"/>
+              </a:rPr>
+              <a:t>: </a:t>
+            </a:r>
+            <a:r>
+              <a:rPr lang="en-GB" sz="2400" dirty="0">
+                <a:latin typeface="Source Sans Pro" panose="020B0503030403020204" pitchFamily="34" charset="0"/>
+                <a:ea typeface="Source Sans Pro" panose="020B0503030403020204" pitchFamily="34" charset="0"/>
+              </a:rPr>
+              <a:t>The minimum number of </a:t>
+            </a:r>
+            <a:r>
+              <a:rPr lang="en-GB" sz="2400" dirty="0" err="1">
+                <a:latin typeface="Source Sans Pro" panose="020B0503030403020204" pitchFamily="34" charset="0"/>
+                <a:ea typeface="Source Sans Pro" panose="020B0503030403020204" pitchFamily="34" charset="0"/>
+              </a:rPr>
+              <a:t>neighbors</a:t>
+            </a:r>
+            <a:r>
+              <a:rPr lang="en-GB" sz="2400" dirty="0">
+                <a:latin typeface="Source Sans Pro" panose="020B0503030403020204" pitchFamily="34" charset="0"/>
+                <a:ea typeface="Source Sans Pro" panose="020B0503030403020204" pitchFamily="34" charset="0"/>
+              </a:rPr>
+              <a:t> (within ε distance) to form a core point, border points are those within ε of a core point.</a:t>
+            </a:r>
+          </a:p>
+          <a:p>
+            <a:endParaRPr lang="en-US" noProof="0" dirty="0"/>
+          </a:p>
+        </p:txBody>
+      </p:sp>
+      <p:sp>
+        <p:nvSpPr>
+          <p:cNvPr id="75" name="Textfeld 48">
+            <a:extLst>
+              <a:ext uri="{FF2B5EF4-FFF2-40B4-BE49-F238E27FC236}">
+                <a16:creationId xmlns:a16="http://schemas.microsoft.com/office/drawing/2014/main" id="{0C9E6692-E493-9100-A3A2-2553EE851C05}"/>
+              </a:ext>
+            </a:extLst>
+          </p:cNvPr>
+          <p:cNvSpPr txBox="1"/>
+          <p:nvPr/>
+        </p:nvSpPr>
+        <p:spPr>
+          <a:xfrm>
+            <a:off x="15469068" y="29287839"/>
+            <a:ext cx="8330220" cy="3416320"/>
+          </a:xfrm>
+          <a:prstGeom prst="rect">
+            <a:avLst/>
+          </a:prstGeom>
+          <a:noFill/>
+        </p:spPr>
+        <p:txBody>
+          <a:bodyPr wrap="square" rtlCol="0">
+            <a:spAutoFit/>
+          </a:bodyPr>
+          <a:lstStyle/>
+          <a:p>
+            <a:pPr algn="just"/>
+            <a:r>
+              <a:rPr lang="en-US" sz="2400" b="1" dirty="0">
+                <a:latin typeface="Source Sans Pro" panose="020B0503030403020204" pitchFamily="34" charset="0"/>
+                <a:ea typeface="Source Sans Pro" panose="020B0503030403020204" pitchFamily="34" charset="0"/>
+              </a:rPr>
+              <a:t>Choosing parameters </a:t>
+            </a:r>
+            <a:endParaRPr lang="en-US" sz="2400" dirty="0">
+              <a:latin typeface="Source Sans Pro" panose="020B0503030403020204" pitchFamily="34" charset="0"/>
+              <a:ea typeface="Source Sans Pro" panose="020B0503030403020204" pitchFamily="34" charset="0"/>
+            </a:endParaRPr>
+          </a:p>
+          <a:p>
+            <a:pPr algn="just"/>
+            <a:r>
+              <a:rPr lang="en-US" sz="2400" dirty="0">
+                <a:latin typeface="Source Sans Pro" panose="020B0503030403020204" pitchFamily="34" charset="0"/>
+                <a:ea typeface="Source Sans Pro" panose="020B0503030403020204" pitchFamily="34" charset="0"/>
+              </a:rPr>
+              <a:t>To validate the efficiency in clustering we created a heatmap with a specific scoring logic. We adjusted our DBSCAN </a:t>
+            </a:r>
+            <a:r>
+              <a:rPr lang="en-US" sz="2400" b="1" dirty="0">
+                <a:latin typeface="Source Sans Pro" panose="020B0503030403020204" pitchFamily="34" charset="0"/>
+                <a:ea typeface="Source Sans Pro" panose="020B0503030403020204" pitchFamily="34" charset="0"/>
+              </a:rPr>
+              <a:t>to </a:t>
+            </a:r>
+            <a:r>
+              <a:rPr lang="en-GB" sz="2400" b="1" dirty="0">
+                <a:latin typeface="Source Sans Pro" panose="020B0503030403020204" pitchFamily="34" charset="0"/>
+                <a:ea typeface="Source Sans Pro" panose="020B0503030403020204" pitchFamily="34" charset="0"/>
+              </a:rPr>
+              <a:t>ε = 0.7 and </a:t>
+            </a:r>
+            <a:r>
+              <a:rPr lang="en-GB" sz="2400" b="1" dirty="0" err="1">
+                <a:latin typeface="Source Sans Pro" panose="020B0503030403020204" pitchFamily="34" charset="0"/>
+                <a:ea typeface="Source Sans Pro" panose="020B0503030403020204" pitchFamily="34" charset="0"/>
+              </a:rPr>
+              <a:t>MintPts</a:t>
+            </a:r>
+            <a:r>
+              <a:rPr lang="en-GB" sz="2400" b="1" dirty="0">
+                <a:latin typeface="Source Sans Pro" panose="020B0503030403020204" pitchFamily="34" charset="0"/>
+                <a:ea typeface="Source Sans Pro" panose="020B0503030403020204" pitchFamily="34" charset="0"/>
+              </a:rPr>
+              <a:t> = 4. </a:t>
+            </a:r>
+          </a:p>
+          <a:p>
+            <a:pPr algn="just"/>
+            <a:endParaRPr lang="en-GB" sz="2400" dirty="0">
+              <a:latin typeface="Source Sans Pro" panose="020B0503030403020204" pitchFamily="34" charset="0"/>
+              <a:ea typeface="Source Sans Pro" panose="020B0503030403020204" pitchFamily="34" charset="0"/>
+            </a:endParaRPr>
+          </a:p>
+          <a:p>
+            <a:pPr algn="just"/>
+            <a:endParaRPr lang="en-GB" sz="2400" b="1" dirty="0"/>
+          </a:p>
+          <a:p>
+            <a:pPr algn="just"/>
+            <a:endParaRPr lang="en-GB" sz="2400" b="1" dirty="0">
+              <a:latin typeface="Source Sans Pro" panose="020B0503030403020204" pitchFamily="34" charset="0"/>
+              <a:ea typeface="Source Sans Pro" panose="020B0503030403020204" pitchFamily="34" charset="0"/>
+            </a:endParaRPr>
+          </a:p>
+          <a:p>
+            <a:pPr algn="just"/>
+            <a:endParaRPr lang="en-US" sz="2400" b="1" dirty="0">
+              <a:latin typeface="Source Sans Pro" panose="020B0503030403020204" pitchFamily="34" charset="0"/>
+              <a:ea typeface="Source Sans Pro" panose="020B0503030403020204" pitchFamily="34" charset="0"/>
+            </a:endParaRPr>
+          </a:p>
+          <a:p>
+            <a:pPr algn="just"/>
+            <a:endParaRPr lang="en-US" sz="2400" b="1" noProof="0" dirty="0">
+              <a:latin typeface="Source Sans Pro" panose="020B0503030403020204" pitchFamily="34" charset="0"/>
+              <a:ea typeface="Source Sans Pro" panose="020B0503030403020204" pitchFamily="34" charset="0"/>
+            </a:endParaRPr>
+          </a:p>
+        </p:txBody>
+      </p:sp>
       <p:pic>
         <p:nvPicPr>
-          <p:cNvPr id="59" name="Picture 58" descr="A graph of a number of lines&#10;&#10;AI-generated content may be incorrect.">
+          <p:cNvPr id="76" name="Picture 75" descr="A graph with lines and numbers&#10;&#10;AI-generated content may be incorrect.">
             <a:extLst>
               <a:ext uri="{FF2B5EF4-FFF2-40B4-BE49-F238E27FC236}">
-                <a16:creationId xmlns:a16="http://schemas.microsoft.com/office/drawing/2014/main" id="{C670D429-FCC7-1BE6-830C-944CA7885502}"/>
+                <a16:creationId xmlns:a16="http://schemas.microsoft.com/office/drawing/2014/main" id="{BA45D2D3-0CCB-F156-B9E7-9449A21DFDC2}"/>
               </a:ext>
             </a:extLst>
           </p:cNvPr>
@@ -10545,8 +10679,8 @@
         </p:blipFill>
         <p:spPr>
           <a:xfrm>
-            <a:off x="20976465" y="30973884"/>
-            <a:ext cx="2711946" cy="2033959"/>
+            <a:off x="26843963" y="30952853"/>
+            <a:ext cx="2734251" cy="2050688"/>
           </a:xfrm>
           <a:prstGeom prst="rect">
             <a:avLst/>
@@ -10555,10 +10689,10 @@
       </p:pic>
       <p:pic>
         <p:nvPicPr>
-          <p:cNvPr id="60" name="Picture 59" descr="A graph of a number of fractions&#10;&#10;AI-generated content may be incorrect.">
+          <p:cNvPr id="77" name="Picture 76" descr="A graph of a number of lines&#10;&#10;AI-generated content may be incorrect.">
             <a:extLst>
               <a:ext uri="{FF2B5EF4-FFF2-40B4-BE49-F238E27FC236}">
-                <a16:creationId xmlns:a16="http://schemas.microsoft.com/office/drawing/2014/main" id="{EE66F933-BDCC-0514-DC0C-7AA0C7AAAC36}"/>
+                <a16:creationId xmlns:a16="http://schemas.microsoft.com/office/drawing/2014/main" id="{C670D429-FCC7-1BE6-830C-944CA7885502}"/>
               </a:ext>
             </a:extLst>
           </p:cNvPr>
@@ -10581,7 +10715,7 @@
         </p:blipFill>
         <p:spPr>
           <a:xfrm>
-            <a:off x="20976465" y="35551084"/>
+            <a:off x="20976465" y="30973884"/>
             <a:ext cx="2711946" cy="2033959"/>
           </a:xfrm>
           <a:prstGeom prst="rect">
@@ -10591,10 +10725,10 @@
       </p:pic>
       <p:pic>
         <p:nvPicPr>
-          <p:cNvPr id="61" name="Picture 60" descr="A graph of a number of people&#10;&#10;AI-generated content may be incorrect.">
+          <p:cNvPr id="78" name="Picture 77" descr="A graph of a number of fractions&#10;&#10;AI-generated content may be incorrect.">
             <a:extLst>
               <a:ext uri="{FF2B5EF4-FFF2-40B4-BE49-F238E27FC236}">
-                <a16:creationId xmlns:a16="http://schemas.microsoft.com/office/drawing/2014/main" id="{8B99C15E-AF69-C01B-6273-40520FCDE5F6}"/>
+                <a16:creationId xmlns:a16="http://schemas.microsoft.com/office/drawing/2014/main" id="{EE66F933-BDCC-0514-DC0C-7AA0C7AAAC36}"/>
               </a:ext>
             </a:extLst>
           </p:cNvPr>
@@ -10617,7 +10751,7 @@
         </p:blipFill>
         <p:spPr>
           <a:xfrm>
-            <a:off x="20976465" y="33228377"/>
+            <a:off x="23893073" y="33228376"/>
             <a:ext cx="2711946" cy="2033959"/>
           </a:xfrm>
           <a:prstGeom prst="rect">
@@ -10627,10 +10761,10 @@
       </p:pic>
       <p:pic>
         <p:nvPicPr>
-          <p:cNvPr id="62" name="Picture 61" descr="A graph with lines and numbers&#10;&#10;AI-generated content may be incorrect.">
+          <p:cNvPr id="79" name="Picture 78" descr="A graph of a number of people&#10;&#10;AI-generated content may be incorrect.">
             <a:extLst>
               <a:ext uri="{FF2B5EF4-FFF2-40B4-BE49-F238E27FC236}">
-                <a16:creationId xmlns:a16="http://schemas.microsoft.com/office/drawing/2014/main" id="{788EBA3F-04C0-8072-0F06-18147B6CBB7C}"/>
+                <a16:creationId xmlns:a16="http://schemas.microsoft.com/office/drawing/2014/main" id="{8B99C15E-AF69-C01B-6273-40520FCDE5F6}"/>
               </a:ext>
             </a:extLst>
           </p:cNvPr>
@@ -10653,6 +10787,42 @@
         </p:blipFill>
         <p:spPr>
           <a:xfrm>
+            <a:off x="20976465" y="33228377"/>
+            <a:ext cx="2711946" cy="2033959"/>
+          </a:xfrm>
+          <a:prstGeom prst="rect">
+            <a:avLst/>
+          </a:prstGeom>
+        </p:spPr>
+      </p:pic>
+      <p:pic>
+        <p:nvPicPr>
+          <p:cNvPr id="82" name="Picture 81" descr="A graph with lines and numbers&#10;&#10;AI-generated content may be incorrect.">
+            <a:extLst>
+              <a:ext uri="{FF2B5EF4-FFF2-40B4-BE49-F238E27FC236}">
+                <a16:creationId xmlns:a16="http://schemas.microsoft.com/office/drawing/2014/main" id="{788EBA3F-04C0-8072-0F06-18147B6CBB7C}"/>
+              </a:ext>
+            </a:extLst>
+          </p:cNvPr>
+          <p:cNvPicPr>
+            <a:picLocks noChangeAspect="1"/>
+          </p:cNvPicPr>
+          <p:nvPr/>
+        </p:nvPicPr>
+        <p:blipFill>
+          <a:blip r:embed="rId30">
+            <a:extLst>
+              <a:ext uri="{28A0092B-C50C-407E-A947-70E740481C1C}">
+                <a14:useLocalDpi xmlns:a14="http://schemas.microsoft.com/office/drawing/2010/main" val="0"/>
+              </a:ext>
+            </a:extLst>
+          </a:blip>
+          <a:stretch>
+            <a:fillRect/>
+          </a:stretch>
+        </p:blipFill>
+        <p:spPr>
+          <a:xfrm>
             <a:off x="23900842" y="30973884"/>
             <a:ext cx="2711946" cy="2033960"/>
           </a:xfrm>
@@ -10663,7 +10833,7 @@
       </p:pic>
       <p:sp>
         <p:nvSpPr>
-          <p:cNvPr id="63" name="TextBox 62">
+          <p:cNvPr id="83" name="TextBox 82">
             <a:extLst>
               <a:ext uri="{FF2B5EF4-FFF2-40B4-BE49-F238E27FC236}">
                 <a16:creationId xmlns:a16="http://schemas.microsoft.com/office/drawing/2014/main" id="{FB6012F1-D660-D8EE-62F5-079445394ECC}"/>
@@ -10675,8 +10845,8 @@
         </p:nvSpPr>
         <p:spPr>
           <a:xfrm>
-            <a:off x="23799972" y="32790300"/>
-            <a:ext cx="5749199" cy="3693319"/>
+            <a:off x="20509335" y="35206051"/>
+            <a:ext cx="8863450" cy="2954655"/>
           </a:xfrm>
           <a:prstGeom prst="rect">
             <a:avLst/>
@@ -10796,7 +10966,7 @@
       </p:sp>
       <p:sp>
         <p:nvSpPr>
-          <p:cNvPr id="64" name="TextBox 63">
+          <p:cNvPr id="84" name="TextBox 83">
             <a:extLst>
               <a:ext uri="{FF2B5EF4-FFF2-40B4-BE49-F238E27FC236}">
                 <a16:creationId xmlns:a16="http://schemas.microsoft.com/office/drawing/2014/main" id="{0692B99A-25D6-876B-977C-49A97151F2D1}"/>
@@ -10887,7 +11057,7 @@
       </p:sp>
       <p:sp>
         <p:nvSpPr>
-          <p:cNvPr id="65" name="Textfeld 42">
+          <p:cNvPr id="85" name="Textfeld 42">
             <a:extLst>
               <a:ext uri="{FF2B5EF4-FFF2-40B4-BE49-F238E27FC236}">
                 <a16:creationId xmlns:a16="http://schemas.microsoft.com/office/drawing/2014/main" id="{51C0C865-513A-31B1-BC04-D65F54F85A14}"/>
@@ -10952,7 +11122,7 @@
       </p:sp>
       <p:sp>
         <p:nvSpPr>
-          <p:cNvPr id="66" name="Textfeld 42">
+          <p:cNvPr id="86" name="Textfeld 42">
             <a:extLst>
               <a:ext uri="{FF2B5EF4-FFF2-40B4-BE49-F238E27FC236}">
                 <a16:creationId xmlns:a16="http://schemas.microsoft.com/office/drawing/2014/main" id="{E7E3BFD5-B88F-923D-A725-BF06D94A593E}"/>
@@ -11011,6 +11181,36 @@
           </a:p>
         </p:txBody>
       </p:sp>
+      <p:pic>
+        <p:nvPicPr>
+          <p:cNvPr id="87" name="Grafik 25">
+            <a:extLst>
+              <a:ext uri="{FF2B5EF4-FFF2-40B4-BE49-F238E27FC236}">
+                <a16:creationId xmlns:a16="http://schemas.microsoft.com/office/drawing/2014/main" id="{FF2B16C0-4D27-B3B0-9EF9-A38D106ADDD4}"/>
+              </a:ext>
+            </a:extLst>
+          </p:cNvPr>
+          <p:cNvPicPr>
+            <a:picLocks noChangeAspect="1"/>
+          </p:cNvPicPr>
+          <p:nvPr/>
+        </p:nvPicPr>
+        <p:blipFill>
+          <a:blip r:embed="rId11"/>
+          <a:stretch>
+            <a:fillRect/>
+          </a:stretch>
+        </p:blipFill>
+        <p:spPr>
+          <a:xfrm>
+            <a:off x="26906569" y="33253913"/>
+            <a:ext cx="1935132" cy="2031324"/>
+          </a:xfrm>
+          <a:prstGeom prst="rect">
+            <a:avLst/>
+          </a:prstGeom>
+        </p:spPr>
+      </p:pic>
     </p:spTree>
     <p:extLst>
       <p:ext uri="{BB962C8B-B14F-4D97-AF65-F5344CB8AC3E}">

--- a/RiboZwo.pptx
+++ b/RiboZwo.pptx
@@ -118,7 +118,7 @@
 <file path=ppt/revisionInfo.xml><?xml version="1.0" encoding="utf-8"?>
 <p1510:revInfo xmlns:a="http://schemas.openxmlformats.org/drawingml/2006/main" xmlns:r="http://schemas.openxmlformats.org/officeDocument/2006/relationships" xmlns:p1510="http://schemas.microsoft.com/office/powerpoint/2015/10/main">
   <p1510:revLst>
-    <p1510:client id="{E5A86D5C-552E-4995-AB32-5E49D96B1D3A}" v="33" dt="2025-07-04T15:29:38.462"/>
+    <p1510:client id="{E5A86D5C-552E-4995-AB32-5E49D96B1D3A}" v="36" dt="2025-07-05T12:46:48.731"/>
   </p1510:revLst>
 </p1510:revInfo>
 </file>
@@ -128,7 +128,7 @@
   <pc:docChgLst>
     <pc:chgData name="Cihan Zeyrek" userId="dd9724baaf2e43d1" providerId="LiveId" clId="{E5A86D5C-552E-4995-AB32-5E49D96B1D3A}"/>
     <pc:docChg chg="undo redo custSel delSld modSld">
-      <pc:chgData name="Cihan Zeyrek" userId="dd9724baaf2e43d1" providerId="LiveId" clId="{E5A86D5C-552E-4995-AB32-5E49D96B1D3A}" dt="2025-07-04T15:33:10.495" v="4652" actId="113"/>
+      <pc:chgData name="Cihan Zeyrek" userId="dd9724baaf2e43d1" providerId="LiveId" clId="{E5A86D5C-552E-4995-AB32-5E49D96B1D3A}" dt="2025-07-05T12:48:31.086" v="4725" actId="1076"/>
       <pc:docMkLst>
         <pc:docMk/>
       </pc:docMkLst>
@@ -138,101 +138,13 @@
           <pc:docMk/>
           <pc:sldMk cId="4168340417" sldId="256"/>
         </pc:sldMkLst>
-        <pc:spChg chg="add mod">
-          <ac:chgData name="Cihan Zeyrek" userId="dd9724baaf2e43d1" providerId="LiveId" clId="{E5A86D5C-552E-4995-AB32-5E49D96B1D3A}" dt="2025-07-03T13:41:54.663" v="2908" actId="790"/>
-          <ac:spMkLst>
-            <pc:docMk/>
-            <pc:sldMk cId="4168340417" sldId="256"/>
-            <ac:spMk id="2" creationId="{0D5FB33D-C847-FE6A-05CF-01F05979D75A}"/>
-          </ac:spMkLst>
-        </pc:spChg>
-        <pc:spChg chg="add mod">
-          <ac:chgData name="Cihan Zeyrek" userId="dd9724baaf2e43d1" providerId="LiveId" clId="{E5A86D5C-552E-4995-AB32-5E49D96B1D3A}" dt="2025-07-03T13:41:54.663" v="2908" actId="790"/>
-          <ac:spMkLst>
-            <pc:docMk/>
-            <pc:sldMk cId="4168340417" sldId="256"/>
-            <ac:spMk id="3" creationId="{04624BEE-2D85-D971-6B0E-6AFB63D073B6}"/>
-          </ac:spMkLst>
-        </pc:spChg>
-        <pc:spChg chg="mod">
-          <ac:chgData name="Cihan Zeyrek" userId="dd9724baaf2e43d1" providerId="LiveId" clId="{E5A86D5C-552E-4995-AB32-5E49D96B1D3A}" dt="2025-07-03T13:41:54.663" v="2908" actId="790"/>
-          <ac:spMkLst>
-            <pc:docMk/>
-            <pc:sldMk cId="4168340417" sldId="256"/>
-            <ac:spMk id="4" creationId="{D8639449-219D-AED7-D04A-B775BF5F50B3}"/>
-          </ac:spMkLst>
-        </pc:spChg>
-        <pc:spChg chg="mod">
-          <ac:chgData name="Cihan Zeyrek" userId="dd9724baaf2e43d1" providerId="LiveId" clId="{E5A86D5C-552E-4995-AB32-5E49D96B1D3A}" dt="2025-07-03T13:41:54.663" v="2908" actId="790"/>
-          <ac:spMkLst>
-            <pc:docMk/>
-            <pc:sldMk cId="4168340417" sldId="256"/>
-            <ac:spMk id="5" creationId="{3F162AEF-046C-CB92-39EA-A5D9F1BED53C}"/>
-          </ac:spMkLst>
-        </pc:spChg>
-        <pc:spChg chg="mod">
-          <ac:chgData name="Cihan Zeyrek" userId="dd9724baaf2e43d1" providerId="LiveId" clId="{E5A86D5C-552E-4995-AB32-5E49D96B1D3A}" dt="2025-07-03T13:41:54.663" v="2908" actId="790"/>
-          <ac:spMkLst>
-            <pc:docMk/>
-            <pc:sldMk cId="4168340417" sldId="256"/>
-            <ac:spMk id="6" creationId="{C4639C69-68ED-0C86-8FE4-B1B8B32B2740}"/>
-          </ac:spMkLst>
-        </pc:spChg>
-        <pc:spChg chg="add mod">
-          <ac:chgData name="Cihan Zeyrek" userId="dd9724baaf2e43d1" providerId="LiveId" clId="{E5A86D5C-552E-4995-AB32-5E49D96B1D3A}" dt="2025-07-03T13:41:54.663" v="2908" actId="790"/>
-          <ac:spMkLst>
-            <pc:docMk/>
-            <pc:sldMk cId="4168340417" sldId="256"/>
-            <ac:spMk id="7" creationId="{E825588A-E12C-8099-3FB3-5077EFD79267}"/>
-          </ac:spMkLst>
-        </pc:spChg>
-        <pc:spChg chg="mod">
-          <ac:chgData name="Cihan Zeyrek" userId="dd9724baaf2e43d1" providerId="LiveId" clId="{E5A86D5C-552E-4995-AB32-5E49D96B1D3A}" dt="2025-07-03T13:41:54.663" v="2908" actId="790"/>
-          <ac:spMkLst>
-            <pc:docMk/>
-            <pc:sldMk cId="4168340417" sldId="256"/>
-            <ac:spMk id="11" creationId="{5A24B293-A65B-2C8C-6344-768FE9D9C774}"/>
-          </ac:spMkLst>
-        </pc:spChg>
-        <pc:spChg chg="mod">
-          <ac:chgData name="Cihan Zeyrek" userId="dd9724baaf2e43d1" providerId="LiveId" clId="{E5A86D5C-552E-4995-AB32-5E49D96B1D3A}" dt="2025-07-03T13:41:54.663" v="2908" actId="790"/>
-          <ac:spMkLst>
-            <pc:docMk/>
-            <pc:sldMk cId="4168340417" sldId="256"/>
-            <ac:spMk id="14" creationId="{0A5B7BE7-83E4-B6D7-8980-BFFDA0A4A35E}"/>
-          </ac:spMkLst>
-        </pc:spChg>
-        <pc:spChg chg="mod">
-          <ac:chgData name="Cihan Zeyrek" userId="dd9724baaf2e43d1" providerId="LiveId" clId="{E5A86D5C-552E-4995-AB32-5E49D96B1D3A}" dt="2025-07-03T13:41:54.663" v="2908" actId="790"/>
-          <ac:spMkLst>
-            <pc:docMk/>
-            <pc:sldMk cId="4168340417" sldId="256"/>
-            <ac:spMk id="16" creationId="{79FCF681-1FB2-0C9B-5601-1D3FF2E0617B}"/>
-          </ac:spMkLst>
-        </pc:spChg>
-        <pc:spChg chg="mod">
-          <ac:chgData name="Cihan Zeyrek" userId="dd9724baaf2e43d1" providerId="LiveId" clId="{E5A86D5C-552E-4995-AB32-5E49D96B1D3A}" dt="2025-07-03T13:41:54.663" v="2908" actId="790"/>
-          <ac:spMkLst>
-            <pc:docMk/>
-            <pc:sldMk cId="4168340417" sldId="256"/>
-            <ac:spMk id="17" creationId="{3D4251CA-B37E-2ADC-3EC4-92CDFC656422}"/>
-          </ac:spMkLst>
-        </pc:spChg>
       </pc:sldChg>
       <pc:sldChg chg="addSp delSp modSp mod">
-        <pc:chgData name="Cihan Zeyrek" userId="dd9724baaf2e43d1" providerId="LiveId" clId="{E5A86D5C-552E-4995-AB32-5E49D96B1D3A}" dt="2025-07-04T15:33:10.495" v="4652" actId="113"/>
+        <pc:chgData name="Cihan Zeyrek" userId="dd9724baaf2e43d1" providerId="LiveId" clId="{E5A86D5C-552E-4995-AB32-5E49D96B1D3A}" dt="2025-07-05T12:48:31.086" v="4725" actId="1076"/>
         <pc:sldMkLst>
           <pc:docMk/>
           <pc:sldMk cId="3613911005" sldId="258"/>
         </pc:sldMkLst>
-        <pc:spChg chg="mod">
-          <ac:chgData name="Cihan Zeyrek" userId="dd9724baaf2e43d1" providerId="LiveId" clId="{E5A86D5C-552E-4995-AB32-5E49D96B1D3A}" dt="2025-07-03T13:41:54.663" v="2908" actId="790"/>
-          <ac:spMkLst>
-            <pc:docMk/>
-            <pc:sldMk cId="3613911005" sldId="258"/>
-            <ac:spMk id="2" creationId="{49A02D2B-FEBA-8240-4F80-1023D79A7ABD}"/>
-          </ac:spMkLst>
-        </pc:spChg>
         <pc:spChg chg="mod">
           <ac:chgData name="Cihan Zeyrek" userId="dd9724baaf2e43d1" providerId="LiveId" clId="{E5A86D5C-552E-4995-AB32-5E49D96B1D3A}" dt="2025-07-03T13:41:54.663" v="2908" actId="790"/>
           <ac:spMkLst>
@@ -249,12 +161,28 @@
             <ac:spMk id="5" creationId="{D04637A8-2720-C09A-253F-D30767B31FFF}"/>
           </ac:spMkLst>
         </pc:spChg>
+        <pc:spChg chg="add mod">
+          <ac:chgData name="Cihan Zeyrek" userId="dd9724baaf2e43d1" providerId="LiveId" clId="{E5A86D5C-552E-4995-AB32-5E49D96B1D3A}" dt="2025-07-05T12:48:31.086" v="4725" actId="1076"/>
+          <ac:spMkLst>
+            <pc:docMk/>
+            <pc:sldMk cId="3613911005" sldId="258"/>
+            <ac:spMk id="6" creationId="{61B3F6F8-8981-FA8F-4671-E329864AA8D1}"/>
+          </ac:spMkLst>
+        </pc:spChg>
         <pc:spChg chg="mod">
           <ac:chgData name="Cihan Zeyrek" userId="dd9724baaf2e43d1" providerId="LiveId" clId="{E5A86D5C-552E-4995-AB32-5E49D96B1D3A}" dt="2025-07-04T07:00:05.051" v="4318" actId="20577"/>
           <ac:spMkLst>
             <pc:docMk/>
             <pc:sldMk cId="3613911005" sldId="258"/>
             <ac:spMk id="7" creationId="{04DB3D5B-799E-DEB3-55A1-77E0B672A6B4}"/>
+          </ac:spMkLst>
+        </pc:spChg>
+        <pc:spChg chg="add mod">
+          <ac:chgData name="Cihan Zeyrek" userId="dd9724baaf2e43d1" providerId="LiveId" clId="{E5A86D5C-552E-4995-AB32-5E49D96B1D3A}" dt="2025-07-05T12:46:17.259" v="4656"/>
+          <ac:spMkLst>
+            <pc:docMk/>
+            <pc:sldMk cId="3613911005" sldId="258"/>
+            <ac:spMk id="8" creationId="{2AA4E3EC-2BE2-89BA-4E22-85412F733920}"/>
           </ac:spMkLst>
         </pc:spChg>
         <pc:spChg chg="mod">
@@ -274,7 +202,15 @@
           </ac:spMkLst>
         </pc:spChg>
         <pc:spChg chg="add mod">
-          <ac:chgData name="Cihan Zeyrek" userId="dd9724baaf2e43d1" providerId="LiveId" clId="{E5A86D5C-552E-4995-AB32-5E49D96B1D3A}" dt="2025-07-03T14:15:26.543" v="3686" actId="20577"/>
+          <ac:chgData name="Cihan Zeyrek" userId="dd9724baaf2e43d1" providerId="LiveId" clId="{E5A86D5C-552E-4995-AB32-5E49D96B1D3A}" dt="2025-07-05T12:47:22.564" v="4661" actId="20577"/>
+          <ac:spMkLst>
+            <pc:docMk/>
+            <pc:sldMk cId="3613911005" sldId="258"/>
+            <ac:spMk id="12" creationId="{07BA545E-FE79-BC08-D94C-8D9CD8317AFA}"/>
+          </ac:spMkLst>
+        </pc:spChg>
+        <pc:spChg chg="add del mod">
+          <ac:chgData name="Cihan Zeyrek" userId="dd9724baaf2e43d1" providerId="LiveId" clId="{E5A86D5C-552E-4995-AB32-5E49D96B1D3A}" dt="2025-07-05T12:45:37.480" v="4653" actId="478"/>
           <ac:spMkLst>
             <pc:docMk/>
             <pc:sldMk cId="3613911005" sldId="258"/>
@@ -345,60 +281,28 @@
             <ac:spMk id="23" creationId="{05D3A7DB-93DD-7817-A586-701FA44BDDE8}"/>
           </ac:spMkLst>
         </pc:spChg>
-        <pc:spChg chg="mod">
-          <ac:chgData name="Cihan Zeyrek" userId="dd9724baaf2e43d1" providerId="LiveId" clId="{E5A86D5C-552E-4995-AB32-5E49D96B1D3A}" dt="2025-07-03T13:38:33.064" v="2870" actId="1076"/>
-          <ac:spMkLst>
-            <pc:docMk/>
-            <pc:sldMk cId="3613911005" sldId="258"/>
-            <ac:spMk id="26" creationId="{BE290EAF-1A4B-D335-43DA-78DE46D94BC7}"/>
-          </ac:spMkLst>
-        </pc:spChg>
-        <pc:spChg chg="add mod">
-          <ac:chgData name="Cihan Zeyrek" userId="dd9724baaf2e43d1" providerId="LiveId" clId="{E5A86D5C-552E-4995-AB32-5E49D96B1D3A}" dt="2025-07-04T15:31:27.354" v="4566" actId="1076"/>
+        <pc:spChg chg="add del mod">
+          <ac:chgData name="Cihan Zeyrek" userId="dd9724baaf2e43d1" providerId="LiveId" clId="{E5A86D5C-552E-4995-AB32-5E49D96B1D3A}" dt="2025-07-05T12:46:15.802" v="4655" actId="478"/>
           <ac:spMkLst>
             <pc:docMk/>
             <pc:sldMk cId="3613911005" sldId="258"/>
             <ac:spMk id="36" creationId="{F123235E-33F2-9698-09ED-DD83FD4F8AAD}"/>
           </ac:spMkLst>
         </pc:spChg>
-        <pc:spChg chg="mod">
-          <ac:chgData name="Cihan Zeyrek" userId="dd9724baaf2e43d1" providerId="LiveId" clId="{E5A86D5C-552E-4995-AB32-5E49D96B1D3A}" dt="2025-07-03T13:39:50.039" v="2883" actId="1076"/>
-          <ac:spMkLst>
-            <pc:docMk/>
-            <pc:sldMk cId="3613911005" sldId="258"/>
-            <ac:spMk id="39" creationId="{E6EF7BF0-8EEC-4498-FCA6-9E2123BFB423}"/>
-          </ac:spMkLst>
-        </pc:spChg>
-        <pc:spChg chg="mod">
-          <ac:chgData name="Cihan Zeyrek" userId="dd9724baaf2e43d1" providerId="LiveId" clId="{E5A86D5C-552E-4995-AB32-5E49D96B1D3A}" dt="2025-07-03T13:40:37.904" v="2889" actId="1076"/>
-          <ac:spMkLst>
-            <pc:docMk/>
-            <pc:sldMk cId="3613911005" sldId="258"/>
-            <ac:spMk id="40" creationId="{9E00ACD3-20DA-AFDB-EE91-F0B099D4597C}"/>
-          </ac:spMkLst>
-        </pc:spChg>
         <pc:spChg chg="add mod">
-          <ac:chgData name="Cihan Zeyrek" userId="dd9724baaf2e43d1" providerId="LiveId" clId="{E5A86D5C-552E-4995-AB32-5E49D96B1D3A}" dt="2025-07-04T12:11:35.975" v="4377" actId="1076"/>
+          <ac:chgData name="Cihan Zeyrek" userId="dd9724baaf2e43d1" providerId="LiveId" clId="{E5A86D5C-552E-4995-AB32-5E49D96B1D3A}" dt="2025-07-05T12:46:33.751" v="4658" actId="1076"/>
           <ac:spMkLst>
             <pc:docMk/>
             <pc:sldMk cId="3613911005" sldId="258"/>
             <ac:spMk id="43" creationId="{9C753B82-7F3B-08F2-D5CA-903A2F39B2EF}"/>
           </ac:spMkLst>
         </pc:spChg>
-        <pc:spChg chg="add mod">
-          <ac:chgData name="Cihan Zeyrek" userId="dd9724baaf2e43d1" providerId="LiveId" clId="{E5A86D5C-552E-4995-AB32-5E49D96B1D3A}" dt="2025-07-04T15:33:10.495" v="4652" actId="113"/>
+        <pc:spChg chg="add del mod">
+          <ac:chgData name="Cihan Zeyrek" userId="dd9724baaf2e43d1" providerId="LiveId" clId="{E5A86D5C-552E-4995-AB32-5E49D96B1D3A}" dt="2025-07-05T12:46:37.085" v="4659" actId="478"/>
           <ac:spMkLst>
             <pc:docMk/>
             <pc:sldMk cId="3613911005" sldId="258"/>
             <ac:spMk id="44" creationId="{C41FF133-ADEB-E4F3-48D0-CDE044ACB3E5}"/>
-          </ac:spMkLst>
-        </pc:spChg>
-        <pc:spChg chg="mod">
-          <ac:chgData name="Cihan Zeyrek" userId="dd9724baaf2e43d1" providerId="LiveId" clId="{E5A86D5C-552E-4995-AB32-5E49D96B1D3A}" dt="2025-07-03T13:41:54.663" v="2908" actId="790"/>
-          <ac:spMkLst>
-            <pc:docMk/>
-            <pc:sldMk cId="3613911005" sldId="258"/>
-            <ac:spMk id="45" creationId="{383CE23E-E30E-605A-7CAB-C3F82B7FB91A}"/>
           </ac:spMkLst>
         </pc:spChg>
         <pc:spChg chg="mod">
@@ -407,38 +311,6 @@
             <pc:docMk/>
             <pc:sldMk cId="3613911005" sldId="258"/>
             <ac:spMk id="46" creationId="{09012934-17D9-9E1F-A0A5-E6B32DB352BC}"/>
-          </ac:spMkLst>
-        </pc:spChg>
-        <pc:spChg chg="mod">
-          <ac:chgData name="Cihan Zeyrek" userId="dd9724baaf2e43d1" providerId="LiveId" clId="{E5A86D5C-552E-4995-AB32-5E49D96B1D3A}" dt="2025-07-03T13:41:54.663" v="2908" actId="790"/>
-          <ac:spMkLst>
-            <pc:docMk/>
-            <pc:sldMk cId="3613911005" sldId="258"/>
-            <ac:spMk id="47" creationId="{C8697122-1F57-2A95-C751-74F7E5823F08}"/>
-          </ac:spMkLst>
-        </pc:spChg>
-        <pc:spChg chg="mod">
-          <ac:chgData name="Cihan Zeyrek" userId="dd9724baaf2e43d1" providerId="LiveId" clId="{E5A86D5C-552E-4995-AB32-5E49D96B1D3A}" dt="2025-07-03T13:40:14.839" v="2885" actId="1076"/>
-          <ac:spMkLst>
-            <pc:docMk/>
-            <pc:sldMk cId="3613911005" sldId="258"/>
-            <ac:spMk id="49" creationId="{06A51717-529C-69ED-4034-81B1351AD584}"/>
-          </ac:spMkLst>
-        </pc:spChg>
-        <pc:spChg chg="mod">
-          <ac:chgData name="Cihan Zeyrek" userId="dd9724baaf2e43d1" providerId="LiveId" clId="{E5A86D5C-552E-4995-AB32-5E49D96B1D3A}" dt="2025-07-03T14:14:28.529" v="3680" actId="20577"/>
-          <ac:spMkLst>
-            <pc:docMk/>
-            <pc:sldMk cId="3613911005" sldId="258"/>
-            <ac:spMk id="50" creationId="{71AC231F-D6F1-37AC-E477-4F200AD7EBA5}"/>
-          </ac:spMkLst>
-        </pc:spChg>
-        <pc:spChg chg="mod">
-          <ac:chgData name="Cihan Zeyrek" userId="dd9724baaf2e43d1" providerId="LiveId" clId="{E5A86D5C-552E-4995-AB32-5E49D96B1D3A}" dt="2025-07-03T14:14:20.122" v="3674" actId="20577"/>
-          <ac:spMkLst>
-            <pc:docMk/>
-            <pc:sldMk cId="3613911005" sldId="258"/>
-            <ac:spMk id="51" creationId="{1EFE5839-827F-4EE7-93B1-21F410F3AF68}"/>
           </ac:spMkLst>
         </pc:spChg>
         <pc:spChg chg="mod">
@@ -465,14 +337,6 @@
             <ac:spMk id="73" creationId="{497B7107-C6F9-BC8E-32F9-4EB58EBC3122}"/>
           </ac:spMkLst>
         </pc:spChg>
-        <pc:grpChg chg="mod">
-          <ac:chgData name="Cihan Zeyrek" userId="dd9724baaf2e43d1" providerId="LiveId" clId="{E5A86D5C-552E-4995-AB32-5E49D96B1D3A}" dt="2025-07-03T13:40:34.252" v="2888" actId="1076"/>
-          <ac:grpSpMkLst>
-            <pc:docMk/>
-            <pc:sldMk cId="3613911005" sldId="258"/>
-            <ac:grpSpMk id="42" creationId="{AF808B17-6572-A307-B9E8-253821F89EE7}"/>
-          </ac:grpSpMkLst>
-        </pc:grpChg>
         <pc:grpChg chg="del mod">
           <ac:chgData name="Cihan Zeyrek" userId="dd9724baaf2e43d1" providerId="LiveId" clId="{E5A86D5C-552E-4995-AB32-5E49D96B1D3A}" dt="2025-07-04T07:16:55.680" v="4338" actId="478"/>
           <ac:grpSpMkLst>
@@ -481,14 +345,6 @@
             <ac:grpSpMk id="44" creationId="{40211F4B-E423-2BFB-9135-28A3C8361C2A}"/>
           </ac:grpSpMkLst>
         </pc:grpChg>
-        <pc:graphicFrameChg chg="mod">
-          <ac:chgData name="Cihan Zeyrek" userId="dd9724baaf2e43d1" providerId="LiveId" clId="{E5A86D5C-552E-4995-AB32-5E49D96B1D3A}" dt="2025-07-03T13:40:26.857" v="2887" actId="1076"/>
-          <ac:graphicFrameMkLst>
-            <pc:docMk/>
-            <pc:sldMk cId="3613911005" sldId="258"/>
-            <ac:graphicFrameMk id="48" creationId="{B4582048-10B5-61D2-9583-8E75A86FF2D5}"/>
-          </ac:graphicFrameMkLst>
-        </pc:graphicFrameChg>
         <pc:picChg chg="mod">
           <ac:chgData name="Cihan Zeyrek" userId="dd9724baaf2e43d1" providerId="LiveId" clId="{E5A86D5C-552E-4995-AB32-5E49D96B1D3A}" dt="2025-07-04T07:08:38.727" v="4328" actId="1076"/>
           <ac:picMkLst>
@@ -513,22 +369,6 @@
             <ac:picMk id="38" creationId="{E5FDED8C-E7AC-C058-2B47-E49642388937}"/>
           </ac:picMkLst>
         </pc:picChg>
-        <pc:picChg chg="mod">
-          <ac:chgData name="Cihan Zeyrek" userId="dd9724baaf2e43d1" providerId="LiveId" clId="{E5A86D5C-552E-4995-AB32-5E49D96B1D3A}" dt="2025-07-03T13:40:43.839" v="2891" actId="1076"/>
-          <ac:picMkLst>
-            <pc:docMk/>
-            <pc:sldMk cId="3613911005" sldId="258"/>
-            <ac:picMk id="41" creationId="{085B1AAD-70BC-D43F-DE61-2739306A23EC}"/>
-          </ac:picMkLst>
-        </pc:picChg>
-        <pc:picChg chg="add del mod">
-          <ac:chgData name="Cihan Zeyrek" userId="dd9724baaf2e43d1" providerId="LiveId" clId="{E5A86D5C-552E-4995-AB32-5E49D96B1D3A}" dt="2025-07-03T14:03:55.686" v="3500" actId="478"/>
-          <ac:picMkLst>
-            <pc:docMk/>
-            <pc:sldMk cId="3613911005" sldId="258"/>
-            <ac:picMk id="46" creationId="{0D302B69-227B-F98A-9C17-505C30F9EF34}"/>
-          </ac:picMkLst>
-        </pc:picChg>
         <pc:picChg chg="add del mod">
           <ac:chgData name="Cihan Zeyrek" userId="dd9724baaf2e43d1" providerId="LiveId" clId="{E5A86D5C-552E-4995-AB32-5E49D96B1D3A}" dt="2025-07-04T12:58:45.916" v="4423" actId="478"/>
           <ac:picMkLst>
@@ -537,16 +377,8 @@
             <ac:picMk id="53" creationId="{BAAF9A28-A00D-D8F6-8487-F57CBEA64C0C}"/>
           </ac:picMkLst>
         </pc:picChg>
-        <pc:picChg chg="add del mod">
-          <ac:chgData name="Cihan Zeyrek" userId="dd9724baaf2e43d1" providerId="LiveId" clId="{E5A86D5C-552E-4995-AB32-5E49D96B1D3A}" dt="2025-07-03T14:10:27.546" v="3533" actId="478"/>
-          <ac:picMkLst>
-            <pc:docMk/>
-            <pc:sldMk cId="3613911005" sldId="258"/>
-            <ac:picMk id="55" creationId="{2850C1C9-B223-F7BE-1D76-2515B899DD6B}"/>
-          </ac:picMkLst>
-        </pc:picChg>
         <pc:picChg chg="add mod modCrop">
-          <ac:chgData name="Cihan Zeyrek" userId="dd9724baaf2e43d1" providerId="LiveId" clId="{E5A86D5C-552E-4995-AB32-5E49D96B1D3A}" dt="2025-07-04T12:59:04.179" v="4428" actId="14100"/>
+          <ac:chgData name="Cihan Zeyrek" userId="dd9724baaf2e43d1" providerId="LiveId" clId="{E5A86D5C-552E-4995-AB32-5E49D96B1D3A}" dt="2025-07-05T12:48:19.757" v="4724" actId="1076"/>
           <ac:picMkLst>
             <pc:docMk/>
             <pc:sldMk cId="3613911005" sldId="258"/>
@@ -562,7 +394,7 @@
           </ac:picMkLst>
         </pc:picChg>
         <pc:picChg chg="add mod">
-          <ac:chgData name="Cihan Zeyrek" userId="dd9724baaf2e43d1" providerId="LiveId" clId="{E5A86D5C-552E-4995-AB32-5E49D96B1D3A}" dt="2025-07-04T12:11:32.745" v="4376" actId="1076"/>
+          <ac:chgData name="Cihan Zeyrek" userId="dd9724baaf2e43d1" providerId="LiveId" clId="{E5A86D5C-552E-4995-AB32-5E49D96B1D3A}" dt="2025-07-05T12:46:26.502" v="4657" actId="1076"/>
           <ac:picMkLst>
             <pc:docMk/>
             <pc:sldMk cId="3613911005" sldId="258"/>
@@ -594,7 +426,7 @@
 <file path=ppt/charts/chart1.xml><?xml version="1.0" encoding="utf-8"?>
 <c:chartSpace xmlns:c="http://schemas.openxmlformats.org/drawingml/2006/chart" xmlns:a="http://schemas.openxmlformats.org/drawingml/2006/main" xmlns:r="http://schemas.openxmlformats.org/officeDocument/2006/relationships" xmlns:c16r2="http://schemas.microsoft.com/office/drawing/2015/06/chart">
   <c:date1904 val="0"/>
-  <c:lang val="en-GB"/>
+  <c:lang val="de-DE"/>
   <c:roundedCorners val="0"/>
   <mc:AlternateContent xmlns:mc="http://schemas.openxmlformats.org/markup-compatibility/2006">
     <mc:Choice xmlns:c14="http://schemas.microsoft.com/office/drawing/2007/8/2/chart" Requires="c14">
@@ -1762,7 +1594,7 @@
           <a:p>
             <a:fld id="{B23F8280-8283-495D-A659-9194DB8B63EA}" type="slidenum">
               <a:rPr lang="de-DE" smtClean="0"/>
-              <a:t>‹#›</a:t>
+              <a:t>‹Nr.›</a:t>
             </a:fld>
             <a:endParaRPr lang="de-DE"/>
           </a:p>
@@ -2152,7 +1984,7 @@
           <a:p>
             <a:fld id="{79580C82-F813-4CCE-B4AC-52ACFAE55A43}" type="slidenum">
               <a:rPr lang="de-DE" smtClean="0"/>
-              <a:t>‹#›</a:t>
+              <a:t>‹Nr.›</a:t>
             </a:fld>
             <a:endParaRPr lang="de-DE"/>
           </a:p>
@@ -2322,7 +2154,7 @@
           <a:p>
             <a:fld id="{79580C82-F813-4CCE-B4AC-52ACFAE55A43}" type="slidenum">
               <a:rPr lang="de-DE" smtClean="0"/>
-              <a:t>‹#›</a:t>
+              <a:t>‹Nr.›</a:t>
             </a:fld>
             <a:endParaRPr lang="de-DE"/>
           </a:p>
@@ -2502,7 +2334,7 @@
           <a:p>
             <a:fld id="{79580C82-F813-4CCE-B4AC-52ACFAE55A43}" type="slidenum">
               <a:rPr lang="de-DE" smtClean="0"/>
-              <a:t>‹#›</a:t>
+              <a:t>‹Nr.›</a:t>
             </a:fld>
             <a:endParaRPr lang="de-DE"/>
           </a:p>
@@ -2672,7 +2504,7 @@
           <a:p>
             <a:fld id="{79580C82-F813-4CCE-B4AC-52ACFAE55A43}" type="slidenum">
               <a:rPr lang="de-DE" smtClean="0"/>
-              <a:t>‹#›</a:t>
+              <a:t>‹Nr.›</a:t>
             </a:fld>
             <a:endParaRPr lang="de-DE"/>
           </a:p>
@@ -2918,7 +2750,7 @@
           <a:p>
             <a:fld id="{79580C82-F813-4CCE-B4AC-52ACFAE55A43}" type="slidenum">
               <a:rPr lang="de-DE" smtClean="0"/>
-              <a:t>‹#›</a:t>
+              <a:t>‹Nr.›</a:t>
             </a:fld>
             <a:endParaRPr lang="de-DE"/>
           </a:p>
@@ -3150,7 +2982,7 @@
           <a:p>
             <a:fld id="{79580C82-F813-4CCE-B4AC-52ACFAE55A43}" type="slidenum">
               <a:rPr lang="de-DE" smtClean="0"/>
-              <a:t>‹#›</a:t>
+              <a:t>‹Nr.›</a:t>
             </a:fld>
             <a:endParaRPr lang="de-DE"/>
           </a:p>
@@ -3517,7 +3349,7 @@
           <a:p>
             <a:fld id="{79580C82-F813-4CCE-B4AC-52ACFAE55A43}" type="slidenum">
               <a:rPr lang="de-DE" smtClean="0"/>
-              <a:t>‹#›</a:t>
+              <a:t>‹Nr.›</a:t>
             </a:fld>
             <a:endParaRPr lang="de-DE"/>
           </a:p>
@@ -3635,7 +3467,7 @@
           <a:p>
             <a:fld id="{79580C82-F813-4CCE-B4AC-52ACFAE55A43}" type="slidenum">
               <a:rPr lang="de-DE" smtClean="0"/>
-              <a:t>‹#›</a:t>
+              <a:t>‹Nr.›</a:t>
             </a:fld>
             <a:endParaRPr lang="de-DE"/>
           </a:p>
@@ -3730,7 +3562,7 @@
           <a:p>
             <a:fld id="{79580C82-F813-4CCE-B4AC-52ACFAE55A43}" type="slidenum">
               <a:rPr lang="de-DE" smtClean="0"/>
-              <a:t>‹#›</a:t>
+              <a:t>‹Nr.›</a:t>
             </a:fld>
             <a:endParaRPr lang="de-DE"/>
           </a:p>
@@ -4007,7 +3839,7 @@
           <a:p>
             <a:fld id="{79580C82-F813-4CCE-B4AC-52ACFAE55A43}" type="slidenum">
               <a:rPr lang="de-DE" smtClean="0"/>
-              <a:t>‹#›</a:t>
+              <a:t>‹Nr.›</a:t>
             </a:fld>
             <a:endParaRPr lang="de-DE"/>
           </a:p>
@@ -4264,7 +4096,7 @@
           <a:p>
             <a:fld id="{79580C82-F813-4CCE-B4AC-52ACFAE55A43}" type="slidenum">
               <a:rPr lang="de-DE" smtClean="0"/>
-              <a:t>‹#›</a:t>
+              <a:t>‹Nr.›</a:t>
             </a:fld>
             <a:endParaRPr lang="de-DE"/>
           </a:p>
@@ -4585,7 +4417,7 @@
           <a:p>
             <a:fld id="{79580C82-F813-4CCE-B4AC-52ACFAE55A43}" type="slidenum">
               <a:rPr lang="de-DE" smtClean="0"/>
-              <a:t>‹#›</a:t>
+              <a:t>‹Nr.›</a:t>
             </a:fld>
             <a:endParaRPr lang="de-DE"/>
           </a:p>
@@ -6032,63 +5864,6 @@
       </p:sp>
       <p:sp>
         <p:nvSpPr>
-          <p:cNvPr id="13" name="Textfeld 12">
-            <a:extLst>
-              <a:ext uri="{FF2B5EF4-FFF2-40B4-BE49-F238E27FC236}">
-                <a16:creationId xmlns:a16="http://schemas.microsoft.com/office/drawing/2014/main" id="{B1FDECB6-1FBA-D64A-249B-C2A37669EFAA}"/>
-              </a:ext>
-            </a:extLst>
-          </p:cNvPr>
-          <p:cNvSpPr txBox="1"/>
-          <p:nvPr/>
-        </p:nvSpPr>
-        <p:spPr>
-          <a:xfrm>
-            <a:off x="830996" y="7194777"/>
-            <a:ext cx="6015282" cy="5262979"/>
-          </a:xfrm>
-          <a:prstGeom prst="rect">
-            <a:avLst/>
-          </a:prstGeom>
-          <a:noFill/>
-        </p:spPr>
-        <p:txBody>
-          <a:bodyPr wrap="square" rtlCol="0">
-            <a:spAutoFit/>
-          </a:bodyPr>
-          <a:lstStyle/>
-          <a:p>
-            <a:pPr algn="just"/>
-            <a:r>
-              <a:rPr lang="en-US" sz="2400" noProof="0" dirty="0"/>
-              <a:t>To verify the reproducibility of the triplicates in our dataset, Spearman correlations were calculated between all replicate–fraction combinations. The resulting correlation coefficients (</a:t>
-            </a:r>
-            <a:r>
-              <a:rPr lang="en-US" sz="2400" noProof="0" dirty="0" err="1"/>
-              <a:t>r-values</a:t>
-            </a:r>
-            <a:r>
-              <a:rPr lang="en-US" sz="2400" noProof="0" dirty="0"/>
-              <a:t>) were visualized as two separate heatmaps - one for the RNase treatment (Fig. X on the right) and one for the control condition. </a:t>
-            </a:r>
-            <a:endParaRPr lang="en-US" sz="2400" dirty="0"/>
-          </a:p>
-          <a:p>
-            <a:pPr algn="just"/>
-            <a:r>
-              <a:rPr lang="en-US" sz="2400" noProof="0" dirty="0"/>
-              <a:t>Reproducibility is indicated by high correlations within corresponding fractions across replicates, which should appear as prominent diagonal patterns in 3×3 blocks on the heatmaps. </a:t>
-            </a:r>
-            <a:r>
-              <a:rPr lang="en-US" sz="2400" dirty="0"/>
-              <a:t>This diagonal correlation structure was evident in both treatments.</a:t>
-            </a:r>
-            <a:endParaRPr lang="en-US" sz="2400" noProof="0" dirty="0"/>
-          </a:p>
-        </p:txBody>
-      </p:sp>
-      <p:sp>
-        <p:nvSpPr>
           <p:cNvPr id="56" name="Textfeld 55">
             <a:extLst>
               <a:ext uri="{FF2B5EF4-FFF2-40B4-BE49-F238E27FC236}">
@@ -6346,7 +6121,7 @@
         </p:blipFill>
         <p:spPr>
           <a:xfrm>
-            <a:off x="22074595" y="17620186"/>
+            <a:off x="22332438" y="17610890"/>
             <a:ext cx="6864416" cy="5148312"/>
           </a:xfrm>
           <a:prstGeom prst="rect">
@@ -6354,73 +6129,6 @@
           </a:prstGeom>
         </p:spPr>
       </p:pic>
-      <p:sp>
-        <p:nvSpPr>
-          <p:cNvPr id="36" name="Textfeld 35">
-            <a:extLst>
-              <a:ext uri="{FF2B5EF4-FFF2-40B4-BE49-F238E27FC236}">
-                <a16:creationId xmlns:a16="http://schemas.microsoft.com/office/drawing/2014/main" id="{F123235E-33F2-9698-09ED-DD83FD4F8AAD}"/>
-              </a:ext>
-            </a:extLst>
-          </p:cNvPr>
-          <p:cNvSpPr txBox="1"/>
-          <p:nvPr/>
-        </p:nvSpPr>
-        <p:spPr>
-          <a:xfrm>
-            <a:off x="15525487" y="17351590"/>
-            <a:ext cx="6440919" cy="7109639"/>
-          </a:xfrm>
-          <a:prstGeom prst="rect">
-            <a:avLst/>
-          </a:prstGeom>
-          <a:noFill/>
-        </p:spPr>
-        <p:txBody>
-          <a:bodyPr wrap="square" rtlCol="0">
-            <a:spAutoFit/>
-          </a:bodyPr>
-          <a:lstStyle/>
-          <a:p>
-            <a:pPr algn="just"/>
-            <a:r>
-              <a:rPr lang="de-DE" sz="2400" b="1" dirty="0" err="1"/>
-              <a:t>Comparative</a:t>
-            </a:r>
-            <a:r>
-              <a:rPr lang="de-DE" sz="2400" b="1" dirty="0"/>
-              <a:t> Shift Analysis</a:t>
-            </a:r>
-            <a:endParaRPr lang="en-US" sz="2400" b="1" dirty="0"/>
-          </a:p>
-          <a:p>
-            <a:pPr algn="just"/>
-            <a:r>
-              <a:rPr lang="en-US" sz="2400" dirty="0"/>
-              <a:t>To investigate RNA-binding protein (RBP) activity beyond mitosis, we applied the same shift analysis pipeline to non-synchronized HeLa cells. For each protein, shift distances were calculated using center of mass (</a:t>
-            </a:r>
-            <a:r>
-              <a:rPr lang="en-US" sz="2400" dirty="0" err="1"/>
-              <a:t>CoM</a:t>
-            </a:r>
-            <a:r>
-              <a:rPr lang="en-US" sz="2400" dirty="0"/>
-              <a:t>) values derived from normalized signal distributions across all replicates. Normality was evaluated using the Shapiro–Wilk test, and statistical significance was determined by a one-sided t-test against a defined threshold.</a:t>
-            </a:r>
-          </a:p>
-          <a:p>
-            <a:pPr algn="just"/>
-            <a:r>
-              <a:rPr lang="en-US" sz="2400" dirty="0"/>
-              <a:t>This scatterplot visualizes the resulting shift distances for each protein, comparing mitotic and non-synchronized conditions. Each point represents a protein and reflects its condition-specific RNA dependence. The red dashed identity line marks equal shifts across both cell states. </a:t>
-            </a:r>
-          </a:p>
-          <a:p>
-            <a:pPr algn="just"/>
-            <a:endParaRPr lang="en-US" sz="2400" dirty="0"/>
-          </a:p>
-        </p:txBody>
-      </p:sp>
       <p:sp>
         <p:nvSpPr>
           <p:cNvPr id="43" name="Textfeld 42">
@@ -6435,7 +6143,7 @@
         </p:nvSpPr>
         <p:spPr>
           <a:xfrm>
-            <a:off x="21952883" y="22885382"/>
+            <a:off x="22312747" y="22769077"/>
             <a:ext cx="7107839" cy="1015663"/>
           </a:xfrm>
           <a:prstGeom prst="rect">
@@ -6830,62 +6538,6 @@
               <a:t>.</a:t>
             </a:r>
             <a:endParaRPr lang="en-US" sz="1200" dirty="0"/>
-          </a:p>
-        </p:txBody>
-      </p:sp>
-      <p:sp>
-        <p:nvSpPr>
-          <p:cNvPr id="44" name="Textfeld 43">
-            <a:extLst>
-              <a:ext uri="{FF2B5EF4-FFF2-40B4-BE49-F238E27FC236}">
-                <a16:creationId xmlns:a16="http://schemas.microsoft.com/office/drawing/2014/main" id="{C41FF133-ADEB-E4F3-48D0-CDE044ACB3E5}"/>
-              </a:ext>
-            </a:extLst>
-          </p:cNvPr>
-          <p:cNvSpPr txBox="1"/>
-          <p:nvPr/>
-        </p:nvSpPr>
-        <p:spPr>
-          <a:xfrm>
-            <a:off x="15525487" y="23932563"/>
-            <a:ext cx="14181095" cy="1477328"/>
-          </a:xfrm>
-          <a:prstGeom prst="rect">
-            <a:avLst/>
-          </a:prstGeom>
-          <a:noFill/>
-        </p:spPr>
-        <p:txBody>
-          <a:bodyPr wrap="square" rtlCol="0">
-            <a:spAutoFit/>
-          </a:bodyPr>
-          <a:lstStyle/>
-          <a:p>
-            <a:pPr algn="just"/>
-            <a:r>
-              <a:rPr lang="en-US" sz="2400" dirty="0"/>
-              <a:t>Proteins falling below this line show significant RNA dependency exclusively during mitosis, suggesting that their activity is tightly linked to this specific cellular phase. In total </a:t>
-            </a:r>
-            <a:r>
-              <a:rPr lang="en-US" sz="2400" b="1" dirty="0"/>
-              <a:t>237 of the previous determined RBPs </a:t>
-            </a:r>
-            <a:r>
-              <a:rPr lang="en-US" sz="2400" dirty="0"/>
-              <a:t>fall below this line. One of them is </a:t>
-            </a:r>
-            <a:r>
-              <a:rPr lang="en-US" sz="2400" b="1" dirty="0" err="1"/>
-              <a:t>RiboSix</a:t>
-            </a:r>
-            <a:r>
-              <a:rPr lang="en-US" sz="2400" dirty="0"/>
-              <a:t>, so indeed mitosis appears to be his active season.</a:t>
-            </a:r>
-          </a:p>
-          <a:p>
-            <a:pPr algn="just"/>
-            <a:endParaRPr lang="en-US" dirty="0"/>
           </a:p>
         </p:txBody>
       </p:sp>
@@ -6918,7 +6570,7 @@
         </p:blipFill>
         <p:spPr>
           <a:xfrm>
-            <a:off x="6978285" y="7124435"/>
+            <a:off x="7012343" y="7111806"/>
             <a:ext cx="7762767" cy="4849741"/>
           </a:xfrm>
           <a:prstGeom prst="rect">
@@ -11211,6 +10863,318 @@
           </a:prstGeom>
         </p:spPr>
       </p:pic>
+      <p:sp>
+        <p:nvSpPr>
+          <p:cNvPr id="6" name="Textfeld 5">
+            <a:extLst>
+              <a:ext uri="{FF2B5EF4-FFF2-40B4-BE49-F238E27FC236}">
+                <a16:creationId xmlns:a16="http://schemas.microsoft.com/office/drawing/2014/main" id="{61B3F6F8-8981-FA8F-4671-E329864AA8D1}"/>
+              </a:ext>
+            </a:extLst>
+          </p:cNvPr>
+          <p:cNvSpPr txBox="1"/>
+          <p:nvPr/>
+        </p:nvSpPr>
+        <p:spPr>
+          <a:xfrm>
+            <a:off x="649841" y="7218353"/>
+            <a:ext cx="6487588" cy="5262979"/>
+          </a:xfrm>
+          <a:prstGeom prst="rect">
+            <a:avLst/>
+          </a:prstGeom>
+          <a:noFill/>
+        </p:spPr>
+        <p:txBody>
+          <a:bodyPr wrap="square" rtlCol="0">
+            <a:spAutoFit/>
+          </a:bodyPr>
+          <a:lstStyle/>
+          <a:p>
+            <a:pPr marL="342900" indent="-342900">
+              <a:buFont typeface="Arial" panose="020B0604020202020204" pitchFamily="34" charset="0"/>
+              <a:buChar char="•"/>
+            </a:pPr>
+            <a:r>
+              <a:rPr lang="en-US" sz="2400" dirty="0"/>
+              <a:t>Reproducibility assessed via Spearman correlation between all replicate–fraction combinations</a:t>
+            </a:r>
+          </a:p>
+          <a:p>
+            <a:pPr marL="342900" indent="-342900">
+              <a:buFont typeface="Arial" panose="020B0604020202020204" pitchFamily="34" charset="0"/>
+              <a:buChar char="•"/>
+            </a:pPr>
+            <a:r>
+              <a:rPr lang="en-US" sz="2400" dirty="0"/>
+              <a:t>Analysis performed separately for RNase and control conditions</a:t>
+            </a:r>
+          </a:p>
+          <a:p>
+            <a:pPr marL="342900" indent="-342900">
+              <a:buFont typeface="Arial" panose="020B0604020202020204" pitchFamily="34" charset="0"/>
+              <a:buChar char="•"/>
+            </a:pPr>
+            <a:r>
+              <a:rPr lang="en-US" sz="2400" dirty="0"/>
+              <a:t>Resulting correlation coefficients (r-values) were visualized in heatmap</a:t>
+            </a:r>
+          </a:p>
+          <a:p>
+            <a:pPr marL="342900" indent="-342900">
+              <a:buFont typeface="Arial" panose="020B0604020202020204" pitchFamily="34" charset="0"/>
+              <a:buChar char="•"/>
+            </a:pPr>
+            <a:r>
+              <a:rPr lang="en-US" sz="2400" dirty="0"/>
+              <a:t>High reproducibility indicated by strong correlations between replicates of the same fraction</a:t>
+            </a:r>
+          </a:p>
+          <a:p>
+            <a:pPr marL="342900" indent="-342900">
+              <a:buFont typeface="Arial" panose="020B0604020202020204" pitchFamily="34" charset="0"/>
+              <a:buChar char="•"/>
+            </a:pPr>
+            <a:r>
+              <a:rPr lang="en-US" sz="2400" dirty="0"/>
+              <a:t>Appears on the heatmap as a diagonal patter in 3x3 blocks, evident in both treatments</a:t>
+            </a:r>
+          </a:p>
+          <a:p>
+            <a:pPr marL="342900" indent="-342900">
+              <a:buFont typeface="Arial" panose="020B0604020202020204" pitchFamily="34" charset="0"/>
+              <a:buChar char="•"/>
+            </a:pPr>
+            <a:r>
+              <a:rPr lang="en-US" sz="2400" dirty="0"/>
+              <a:t>So the RBPs are very much real, including </a:t>
+            </a:r>
+            <a:r>
+              <a:rPr lang="en-US" sz="2400" dirty="0" err="1"/>
+              <a:t>RiboSix</a:t>
+            </a:r>
+            <a:endParaRPr lang="en-US" sz="2400" dirty="0"/>
+          </a:p>
+        </p:txBody>
+      </p:sp>
+      <p:sp>
+        <p:nvSpPr>
+          <p:cNvPr id="8" name="Textfeld 7">
+            <a:extLst>
+              <a:ext uri="{FF2B5EF4-FFF2-40B4-BE49-F238E27FC236}">
+                <a16:creationId xmlns:a16="http://schemas.microsoft.com/office/drawing/2014/main" id="{2AA4E3EC-2BE2-89BA-4E22-85412F733920}"/>
+              </a:ext>
+            </a:extLst>
+          </p:cNvPr>
+          <p:cNvSpPr txBox="1"/>
+          <p:nvPr/>
+        </p:nvSpPr>
+        <p:spPr>
+          <a:xfrm>
+            <a:off x="15571016" y="17407315"/>
+            <a:ext cx="6594503" cy="7109639"/>
+          </a:xfrm>
+          <a:prstGeom prst="rect">
+            <a:avLst/>
+          </a:prstGeom>
+          <a:noFill/>
+        </p:spPr>
+        <p:txBody>
+          <a:bodyPr wrap="square" rtlCol="0">
+            <a:spAutoFit/>
+          </a:bodyPr>
+          <a:lstStyle/>
+          <a:p>
+            <a:endParaRPr lang="de-DE" sz="2400" b="1" dirty="0"/>
+          </a:p>
+          <a:p>
+            <a:r>
+              <a:rPr lang="de-DE" sz="2400" b="1" dirty="0" err="1"/>
+              <a:t>Comparative</a:t>
+            </a:r>
+            <a:r>
+              <a:rPr lang="de-DE" sz="2400" b="1" dirty="0"/>
+              <a:t> Shift Analysis</a:t>
+            </a:r>
+            <a:endParaRPr lang="en-US" sz="2400" dirty="0"/>
+          </a:p>
+          <a:p>
+            <a:pPr marL="285750" indent="-285750">
+              <a:buFont typeface="Arial" panose="020B0604020202020204" pitchFamily="34" charset="0"/>
+              <a:buChar char="•"/>
+            </a:pPr>
+            <a:r>
+              <a:rPr lang="en-US" sz="2400" dirty="0"/>
+              <a:t>The same shift analysis pipeline was applied to non-synchronized HeLa cells </a:t>
+            </a:r>
+          </a:p>
+          <a:p>
+            <a:pPr marL="285750" indent="-285750">
+              <a:buFont typeface="Arial" panose="020B0604020202020204" pitchFamily="34" charset="0"/>
+              <a:buChar char="•"/>
+            </a:pPr>
+            <a:r>
+              <a:rPr lang="en-US" sz="2400" dirty="0"/>
+              <a:t>Scatterplot compares shift distances between mitotic and non-synchronized conditions</a:t>
+            </a:r>
+          </a:p>
+          <a:p>
+            <a:pPr marL="285750" indent="-285750">
+              <a:buFont typeface="Arial" panose="020B0604020202020204" pitchFamily="34" charset="0"/>
+              <a:buChar char="•"/>
+            </a:pPr>
+            <a:r>
+              <a:rPr lang="en-US" sz="2400" dirty="0"/>
+              <a:t>Each point = one protein; position reflects condition-specific RNA dependence</a:t>
+            </a:r>
+          </a:p>
+          <a:p>
+            <a:pPr marL="285750" indent="-285750">
+              <a:buFont typeface="Arial" panose="020B0604020202020204" pitchFamily="34" charset="0"/>
+              <a:buChar char="•"/>
+            </a:pPr>
+            <a:r>
+              <a:rPr lang="en-US" sz="2400" dirty="0"/>
+              <a:t>Red dashed identity line represents equal shift in both conditions</a:t>
+            </a:r>
+          </a:p>
+          <a:p>
+            <a:pPr marL="285750" indent="-285750">
+              <a:buFont typeface="Arial" panose="020B0604020202020204" pitchFamily="34" charset="0"/>
+              <a:buChar char="•"/>
+            </a:pPr>
+            <a:r>
+              <a:rPr lang="en-US" sz="2400" dirty="0"/>
+              <a:t>Proteins highlighted in dark red below the identity line show significant RNA dependency exclusively during mitosis</a:t>
+            </a:r>
+          </a:p>
+          <a:p>
+            <a:pPr marL="285750" indent="-285750">
+              <a:buFont typeface="Arial" panose="020B0604020202020204" pitchFamily="34" charset="0"/>
+              <a:buChar char="•"/>
+            </a:pPr>
+            <a:r>
+              <a:rPr lang="en-US" sz="2400" dirty="0"/>
+              <a:t>These proteins likely exhibit mitosis-specific activity, as no significant shift was observed in the non-synchronized condition </a:t>
+            </a:r>
+          </a:p>
+          <a:p>
+            <a:pPr marL="285750" indent="-285750">
+              <a:buFont typeface="Arial" panose="020B0604020202020204" pitchFamily="34" charset="0"/>
+              <a:buChar char="•"/>
+            </a:pPr>
+            <a:endParaRPr lang="en-US" sz="2400" dirty="0"/>
+          </a:p>
+          <a:p>
+            <a:pPr marL="285750" indent="-285750">
+              <a:buFont typeface="Arial" panose="020B0604020202020204" pitchFamily="34" charset="0"/>
+              <a:buChar char="•"/>
+            </a:pPr>
+            <a:endParaRPr lang="en-US" sz="2400" dirty="0"/>
+          </a:p>
+          <a:p>
+            <a:pPr marL="285750" indent="-285750">
+              <a:buFont typeface="Arial" panose="020B0604020202020204" pitchFamily="34" charset="0"/>
+              <a:buChar char="•"/>
+            </a:pPr>
+            <a:endParaRPr lang="en-US" sz="2400" dirty="0"/>
+          </a:p>
+        </p:txBody>
+      </p:sp>
+      <p:sp>
+        <p:nvSpPr>
+          <p:cNvPr id="12" name="Textfeld 11">
+            <a:extLst>
+              <a:ext uri="{FF2B5EF4-FFF2-40B4-BE49-F238E27FC236}">
+                <a16:creationId xmlns:a16="http://schemas.microsoft.com/office/drawing/2014/main" id="{07BA545E-FE79-BC08-D94C-8D9CD8317AFA}"/>
+              </a:ext>
+            </a:extLst>
+          </p:cNvPr>
+          <p:cNvSpPr txBox="1"/>
+          <p:nvPr/>
+        </p:nvSpPr>
+        <p:spPr>
+          <a:xfrm>
+            <a:off x="15698166" y="23600530"/>
+            <a:ext cx="13226290" cy="1200329"/>
+          </a:xfrm>
+          <a:prstGeom prst="rect">
+            <a:avLst/>
+          </a:prstGeom>
+          <a:noFill/>
+        </p:spPr>
+        <p:txBody>
+          <a:bodyPr wrap="square" rtlCol="0">
+            <a:spAutoFit/>
+          </a:bodyPr>
+          <a:lstStyle/>
+          <a:p>
+            <a:pPr marR="0" lvl="0" algn="l" defTabSz="457200" rtl="0" eaLnBrk="1" fontAlgn="auto" latinLnBrk="0" hangingPunct="1">
+              <a:lnSpc>
+                <a:spcPct val="100000"/>
+              </a:lnSpc>
+              <a:spcBef>
+                <a:spcPts val="0"/>
+              </a:spcBef>
+              <a:spcAft>
+                <a:spcPts val="0"/>
+              </a:spcAft>
+              <a:buClrTx/>
+              <a:buSzTx/>
+              <a:tabLst/>
+              <a:defRPr/>
+            </a:pPr>
+            <a:r>
+              <a:rPr kumimoji="0" lang="en-US" sz="2400" b="1" i="0" u="none" strike="noStrike" kern="1200" cap="none" spc="0" normalizeH="0" baseline="0" noProof="0" dirty="0">
+                <a:ln>
+                  <a:noFill/>
+                </a:ln>
+                <a:solidFill>
+                  <a:prstClr val="black"/>
+                </a:solidFill>
+                <a:effectLst/>
+                <a:uLnTx/>
+                <a:uFillTx/>
+                <a:latin typeface="Aptos" panose="02110004020202020204"/>
+                <a:ea typeface="+mn-ea"/>
+                <a:cs typeface="+mn-cs"/>
+              </a:rPr>
+              <a:t>Results</a:t>
+            </a:r>
+          </a:p>
+          <a:p>
+            <a:pPr lvl="0">
+              <a:defRPr/>
+            </a:pPr>
+            <a:r>
+              <a:rPr lang="en-US" sz="2400" dirty="0"/>
+              <a:t>In total, 237 RBPs previously classified as significant fall into the group of only active in mitosis. One of them is </a:t>
+            </a:r>
+            <a:r>
+              <a:rPr lang="en-US" sz="2400" dirty="0" err="1"/>
+              <a:t>RiboSix</a:t>
+            </a:r>
+            <a:r>
+              <a:rPr lang="en-US" sz="2400" dirty="0"/>
+              <a:t>, suggesting that mitosis is his active season in the village of HeLa.</a:t>
+            </a:r>
+            <a:endParaRPr kumimoji="0" lang="en-US" sz="2400" i="0" u="none" strike="noStrike" kern="1200" cap="none" spc="0" normalizeH="0" baseline="0" noProof="0" dirty="0">
+              <a:ln>
+                <a:noFill/>
+              </a:ln>
+              <a:solidFill>
+                <a:prstClr val="black"/>
+              </a:solidFill>
+              <a:effectLst/>
+              <a:uLnTx/>
+              <a:uFillTx/>
+              <a:latin typeface="Aptos" panose="02110004020202020204"/>
+              <a:ea typeface="+mn-ea"/>
+              <a:cs typeface="+mn-cs"/>
+            </a:endParaRPr>
+          </a:p>
+        </p:txBody>
+      </p:sp>
     </p:spTree>
     <p:extLst>
       <p:ext uri="{BB962C8B-B14F-4D97-AF65-F5344CB8AC3E}">

--- a/RiboZwo.pptx
+++ b/RiboZwo.pptx
@@ -128,7 +128,7 @@
   <pc:docChgLst>
     <pc:chgData name="Cihan Zeyrek" userId="dd9724baaf2e43d1" providerId="LiveId" clId="{E5A86D5C-552E-4995-AB32-5E49D96B1D3A}"/>
     <pc:docChg chg="undo redo custSel delSld modSld">
-      <pc:chgData name="Cihan Zeyrek" userId="dd9724baaf2e43d1" providerId="LiveId" clId="{E5A86D5C-552E-4995-AB32-5E49D96B1D3A}" dt="2025-07-05T12:48:31.086" v="4725" actId="1076"/>
+      <pc:chgData name="Cihan Zeyrek" userId="dd9724baaf2e43d1" providerId="LiveId" clId="{E5A86D5C-552E-4995-AB32-5E49D96B1D3A}" dt="2025-07-05T14:36:50.720" v="4811" actId="313"/>
       <pc:docMkLst>
         <pc:docMk/>
       </pc:docMkLst>
@@ -140,7 +140,7 @@
         </pc:sldMkLst>
       </pc:sldChg>
       <pc:sldChg chg="addSp delSp modSp mod">
-        <pc:chgData name="Cihan Zeyrek" userId="dd9724baaf2e43d1" providerId="LiveId" clId="{E5A86D5C-552E-4995-AB32-5E49D96B1D3A}" dt="2025-07-05T12:48:31.086" v="4725" actId="1076"/>
+        <pc:chgData name="Cihan Zeyrek" userId="dd9724baaf2e43d1" providerId="LiveId" clId="{E5A86D5C-552E-4995-AB32-5E49D96B1D3A}" dt="2025-07-05T14:36:50.720" v="4811" actId="313"/>
         <pc:sldMkLst>
           <pc:docMk/>
           <pc:sldMk cId="3613911005" sldId="258"/>
@@ -186,7 +186,7 @@
           </ac:spMkLst>
         </pc:spChg>
         <pc:spChg chg="mod">
-          <ac:chgData name="Cihan Zeyrek" userId="dd9724baaf2e43d1" providerId="LiveId" clId="{E5A86D5C-552E-4995-AB32-5E49D96B1D3A}" dt="2025-07-03T14:06:21.345" v="3514" actId="1076"/>
+          <ac:chgData name="Cihan Zeyrek" userId="dd9724baaf2e43d1" providerId="LiveId" clId="{E5A86D5C-552E-4995-AB32-5E49D96B1D3A}" dt="2025-07-05T14:36:24.755" v="4800" actId="790"/>
           <ac:spMkLst>
             <pc:docMk/>
             <pc:sldMk cId="3613911005" sldId="258"/>
@@ -234,7 +234,7 @@
           </ac:spMkLst>
         </pc:spChg>
         <pc:spChg chg="mod">
-          <ac:chgData name="Cihan Zeyrek" userId="dd9724baaf2e43d1" providerId="LiveId" clId="{E5A86D5C-552E-4995-AB32-5E49D96B1D3A}" dt="2025-07-04T12:14:14.797" v="4403" actId="1076"/>
+          <ac:chgData name="Cihan Zeyrek" userId="dd9724baaf2e43d1" providerId="LiveId" clId="{E5A86D5C-552E-4995-AB32-5E49D96B1D3A}" dt="2025-07-05T14:33:09.134" v="4761" actId="20577"/>
           <ac:spMkLst>
             <pc:docMk/>
             <pc:sldMk cId="3613911005" sldId="258"/>
@@ -274,11 +274,43 @@
           </ac:spMkLst>
         </pc:spChg>
         <pc:spChg chg="mod">
+          <ac:chgData name="Cihan Zeyrek" userId="dd9724baaf2e43d1" providerId="LiveId" clId="{E5A86D5C-552E-4995-AB32-5E49D96B1D3A}" dt="2025-07-05T14:36:32.926" v="4809" actId="20577"/>
+          <ac:spMkLst>
+            <pc:docMk/>
+            <pc:sldMk cId="3613911005" sldId="258"/>
+            <ac:spMk id="22" creationId="{E69F82B7-9325-55F2-F381-69F57FF389B3}"/>
+          </ac:spMkLst>
+        </pc:spChg>
+        <pc:spChg chg="mod">
           <ac:chgData name="Cihan Zeyrek" userId="dd9724baaf2e43d1" providerId="LiveId" clId="{E5A86D5C-552E-4995-AB32-5E49D96B1D3A}" dt="2025-07-04T12:13:54.121" v="4398" actId="14100"/>
           <ac:spMkLst>
             <pc:docMk/>
             <pc:sldMk cId="3613911005" sldId="258"/>
             <ac:spMk id="23" creationId="{05D3A7DB-93DD-7817-A586-701FA44BDDE8}"/>
+          </ac:spMkLst>
+        </pc:spChg>
+        <pc:spChg chg="mod">
+          <ac:chgData name="Cihan Zeyrek" userId="dd9724baaf2e43d1" providerId="LiveId" clId="{E5A86D5C-552E-4995-AB32-5E49D96B1D3A}" dt="2025-07-05T14:36:24.755" v="4800" actId="790"/>
+          <ac:spMkLst>
+            <pc:docMk/>
+            <pc:sldMk cId="3613911005" sldId="258"/>
+            <ac:spMk id="28" creationId="{723992D3-EA95-7C1B-4D4F-818583FBA106}"/>
+          </ac:spMkLst>
+        </pc:spChg>
+        <pc:spChg chg="mod">
+          <ac:chgData name="Cihan Zeyrek" userId="dd9724baaf2e43d1" providerId="LiveId" clId="{E5A86D5C-552E-4995-AB32-5E49D96B1D3A}" dt="2025-07-05T14:36:24.755" v="4800" actId="790"/>
+          <ac:spMkLst>
+            <pc:docMk/>
+            <pc:sldMk cId="3613911005" sldId="258"/>
+            <ac:spMk id="31" creationId="{A3986082-ACAE-E00C-E675-E165A9064923}"/>
+          </ac:spMkLst>
+        </pc:spChg>
+        <pc:spChg chg="mod">
+          <ac:chgData name="Cihan Zeyrek" userId="dd9724baaf2e43d1" providerId="LiveId" clId="{E5A86D5C-552E-4995-AB32-5E49D96B1D3A}" dt="2025-07-05T14:36:24.755" v="4800" actId="790"/>
+          <ac:spMkLst>
+            <pc:docMk/>
+            <pc:sldMk cId="3613911005" sldId="258"/>
+            <ac:spMk id="35" creationId="{885F0DB2-E77C-87F4-8AD3-6F6934502130}"/>
           </ac:spMkLst>
         </pc:spChg>
         <pc:spChg chg="add del mod">
@@ -287,6 +319,14 @@
             <pc:docMk/>
             <pc:sldMk cId="3613911005" sldId="258"/>
             <ac:spMk id="36" creationId="{F123235E-33F2-9698-09ED-DD83FD4F8AAD}"/>
+          </ac:spMkLst>
+        </pc:spChg>
+        <pc:spChg chg="mod">
+          <ac:chgData name="Cihan Zeyrek" userId="dd9724baaf2e43d1" providerId="LiveId" clId="{E5A86D5C-552E-4995-AB32-5E49D96B1D3A}" dt="2025-07-05T14:34:05.834" v="4780" actId="20577"/>
+          <ac:spMkLst>
+            <pc:docMk/>
+            <pc:sldMk cId="3613911005" sldId="258"/>
+            <ac:spMk id="39" creationId="{0604AFDE-5E6E-0DBF-7E4A-46F622D5C0E2}"/>
           </ac:spMkLst>
         </pc:spChg>
         <pc:spChg chg="add mod">
@@ -303,6 +343,14 @@
             <pc:docMk/>
             <pc:sldMk cId="3613911005" sldId="258"/>
             <ac:spMk id="44" creationId="{C41FF133-ADEB-E4F3-48D0-CDE044ACB3E5}"/>
+          </ac:spMkLst>
+        </pc:spChg>
+        <pc:spChg chg="mod">
+          <ac:chgData name="Cihan Zeyrek" userId="dd9724baaf2e43d1" providerId="LiveId" clId="{E5A86D5C-552E-4995-AB32-5E49D96B1D3A}" dt="2025-07-05T14:34:37.793" v="4786" actId="313"/>
+          <ac:spMkLst>
+            <pc:docMk/>
+            <pc:sldMk cId="3613911005" sldId="258"/>
+            <ac:spMk id="45" creationId="{5452B7C8-DF77-7401-3D02-10FC4CE350DC}"/>
           </ac:spMkLst>
         </pc:spChg>
         <pc:spChg chg="mod">
@@ -329,12 +377,124 @@
             <ac:spMk id="56" creationId="{7866C7D8-BD84-2809-E6DA-3A7BCF109C79}"/>
           </ac:spMkLst>
         </pc:spChg>
+        <pc:spChg chg="del mod">
+          <ac:chgData name="Cihan Zeyrek" userId="dd9724baaf2e43d1" providerId="LiveId" clId="{E5A86D5C-552E-4995-AB32-5E49D96B1D3A}" dt="2025-07-05T14:34:10.006" v="4781" actId="478"/>
+          <ac:spMkLst>
+            <pc:docMk/>
+            <pc:sldMk cId="3613911005" sldId="258"/>
+            <ac:spMk id="67" creationId="{497B7107-C6F9-BC8E-32F9-4EB58EBC3122}"/>
+          </ac:spMkLst>
+        </pc:spChg>
+        <pc:spChg chg="mod">
+          <ac:chgData name="Cihan Zeyrek" userId="dd9724baaf2e43d1" providerId="LiveId" clId="{E5A86D5C-552E-4995-AB32-5E49D96B1D3A}" dt="2025-07-05T14:33:25.478" v="4763" actId="1076"/>
+          <ac:spMkLst>
+            <pc:docMk/>
+            <pc:sldMk cId="3613911005" sldId="258"/>
+            <ac:spMk id="68" creationId="{CADA5048-84E9-7610-1363-103CE5D313B8}"/>
+          </ac:spMkLst>
+        </pc:spChg>
+        <pc:spChg chg="mod">
+          <ac:chgData name="Cihan Zeyrek" userId="dd9724baaf2e43d1" providerId="LiveId" clId="{E5A86D5C-552E-4995-AB32-5E49D96B1D3A}" dt="2025-07-05T14:33:46.323" v="4766" actId="14100"/>
+          <ac:spMkLst>
+            <pc:docMk/>
+            <pc:sldMk cId="3613911005" sldId="258"/>
+            <ac:spMk id="69" creationId="{497B7107-C6F9-BC8E-32F9-4EB58EBC3122}"/>
+          </ac:spMkLst>
+        </pc:spChg>
         <pc:spChg chg="mod">
           <ac:chgData name="Cihan Zeyrek" userId="dd9724baaf2e43d1" providerId="LiveId" clId="{E5A86D5C-552E-4995-AB32-5E49D96B1D3A}" dt="2025-07-04T12:14:56.378" v="4414" actId="1076"/>
           <ac:spMkLst>
             <pc:docMk/>
             <pc:sldMk cId="3613911005" sldId="258"/>
             <ac:spMk id="73" creationId="{497B7107-C6F9-BC8E-32F9-4EB58EBC3122}"/>
+          </ac:spMkLst>
+        </pc:spChg>
+        <pc:spChg chg="mod">
+          <ac:chgData name="Cihan Zeyrek" userId="dd9724baaf2e43d1" providerId="LiveId" clId="{E5A86D5C-552E-4995-AB32-5E49D96B1D3A}" dt="2025-07-05T14:36:50.720" v="4811" actId="313"/>
+          <ac:spMkLst>
+            <pc:docMk/>
+            <pc:sldMk cId="3613911005" sldId="258"/>
+            <ac:spMk id="74" creationId="{09012934-17D9-9E1F-A0A5-E6B32DB352BC}"/>
+          </ac:spMkLst>
+        </pc:spChg>
+        <pc:spChg chg="mod">
+          <ac:chgData name="Cihan Zeyrek" userId="dd9724baaf2e43d1" providerId="LiveId" clId="{E5A86D5C-552E-4995-AB32-5E49D96B1D3A}" dt="2025-07-05T14:36:24.755" v="4800" actId="790"/>
+          <ac:spMkLst>
+            <pc:docMk/>
+            <pc:sldMk cId="3613911005" sldId="258"/>
+            <ac:spMk id="75" creationId="{0C9E6692-E493-9100-A3A2-2553EE851C05}"/>
+          </ac:spMkLst>
+        </pc:spChg>
+        <pc:spChg chg="mod">
+          <ac:chgData name="Cihan Zeyrek" userId="dd9724baaf2e43d1" providerId="LiveId" clId="{E5A86D5C-552E-4995-AB32-5E49D96B1D3A}" dt="2025-07-05T14:34:32.437" v="4785" actId="20577"/>
+          <ac:spMkLst>
+            <pc:docMk/>
+            <pc:sldMk cId="3613911005" sldId="258"/>
+            <ac:spMk id="80" creationId="{5F87CEC2-C09A-D583-E252-B532722A3A72}"/>
+          </ac:spMkLst>
+        </pc:spChg>
+        <pc:spChg chg="mod">
+          <ac:chgData name="Cihan Zeyrek" userId="dd9724baaf2e43d1" providerId="LiveId" clId="{E5A86D5C-552E-4995-AB32-5E49D96B1D3A}" dt="2025-07-05T14:36:24.755" v="4800" actId="790"/>
+          <ac:spMkLst>
+            <pc:docMk/>
+            <pc:sldMk cId="3613911005" sldId="258"/>
+            <ac:spMk id="81" creationId="{41369DCA-196A-371D-5FD4-AD524426A0EC}"/>
+          </ac:spMkLst>
+        </pc:spChg>
+        <pc:spChg chg="mod">
+          <ac:chgData name="Cihan Zeyrek" userId="dd9724baaf2e43d1" providerId="LiveId" clId="{E5A86D5C-552E-4995-AB32-5E49D96B1D3A}" dt="2025-07-05T14:35:57.010" v="4799" actId="20577"/>
+          <ac:spMkLst>
+            <pc:docMk/>
+            <pc:sldMk cId="3613911005" sldId="258"/>
+            <ac:spMk id="83" creationId="{FB6012F1-D660-D8EE-62F5-079445394ECC}"/>
+          </ac:spMkLst>
+        </pc:spChg>
+        <pc:spChg chg="mod">
+          <ac:chgData name="Cihan Zeyrek" userId="dd9724baaf2e43d1" providerId="LiveId" clId="{E5A86D5C-552E-4995-AB32-5E49D96B1D3A}" dt="2025-07-05T14:35:03.017" v="4789" actId="20577"/>
+          <ac:spMkLst>
+            <pc:docMk/>
+            <pc:sldMk cId="3613911005" sldId="258"/>
+            <ac:spMk id="93" creationId="{4FA06F05-872B-4A1A-2AF4-177FE4330B32}"/>
+          </ac:spMkLst>
+        </pc:spChg>
+        <pc:spChg chg="mod">
+          <ac:chgData name="Cihan Zeyrek" userId="dd9724baaf2e43d1" providerId="LiveId" clId="{E5A86D5C-552E-4995-AB32-5E49D96B1D3A}" dt="2025-07-05T14:36:24.755" v="4800" actId="790"/>
+          <ac:spMkLst>
+            <pc:docMk/>
+            <pc:sldMk cId="3613911005" sldId="258"/>
+            <ac:spMk id="96" creationId="{EB0425DE-93D5-254C-5867-D734203B9BA2}"/>
+          </ac:spMkLst>
+        </pc:spChg>
+        <pc:spChg chg="mod">
+          <ac:chgData name="Cihan Zeyrek" userId="dd9724baaf2e43d1" providerId="LiveId" clId="{E5A86D5C-552E-4995-AB32-5E49D96B1D3A}" dt="2025-07-05T14:36:24.755" v="4800" actId="790"/>
+          <ac:spMkLst>
+            <pc:docMk/>
+            <pc:sldMk cId="3613911005" sldId="258"/>
+            <ac:spMk id="109" creationId="{B7A0B59E-9BE4-C013-2F92-DC7283BC667A}"/>
+          </ac:spMkLst>
+        </pc:spChg>
+        <pc:spChg chg="mod">
+          <ac:chgData name="Cihan Zeyrek" userId="dd9724baaf2e43d1" providerId="LiveId" clId="{E5A86D5C-552E-4995-AB32-5E49D96B1D3A}" dt="2025-07-05T14:36:24.755" v="4800" actId="790"/>
+          <ac:spMkLst>
+            <pc:docMk/>
+            <pc:sldMk cId="3613911005" sldId="258"/>
+            <ac:spMk id="111" creationId="{3BAF4636-9EBB-F137-C77E-EF3F109F9CD9}"/>
+          </ac:spMkLst>
+        </pc:spChg>
+        <pc:spChg chg="mod">
+          <ac:chgData name="Cihan Zeyrek" userId="dd9724baaf2e43d1" providerId="LiveId" clId="{E5A86D5C-552E-4995-AB32-5E49D96B1D3A}" dt="2025-07-05T14:36:24.755" v="4800" actId="790"/>
+          <ac:spMkLst>
+            <pc:docMk/>
+            <pc:sldMk cId="3613911005" sldId="258"/>
+            <ac:spMk id="112" creationId="{66BBB3C3-E763-14EF-3644-939273F9DCFD}"/>
+          </ac:spMkLst>
+        </pc:spChg>
+        <pc:spChg chg="mod">
+          <ac:chgData name="Cihan Zeyrek" userId="dd9724baaf2e43d1" providerId="LiveId" clId="{E5A86D5C-552E-4995-AB32-5E49D96B1D3A}" dt="2025-07-05T14:35:33.527" v="4791" actId="313"/>
+          <ac:spMkLst>
+            <pc:docMk/>
+            <pc:sldMk cId="3613911005" sldId="258"/>
+            <ac:spMk id="113" creationId="{C27E6C31-2091-75C9-29FC-ACC3C11D87ED}"/>
           </ac:spMkLst>
         </pc:spChg>
         <pc:grpChg chg="del mod">
@@ -407,6 +567,14 @@
             <pc:docMk/>
             <pc:sldMk cId="3613911005" sldId="258"/>
             <ac:picMk id="68" creationId="{288F68B4-DDA1-2EEB-9F23-81C0A0F5FDB5}"/>
+          </ac:picMkLst>
+        </pc:picChg>
+        <pc:picChg chg="mod">
+          <ac:chgData name="Cihan Zeyrek" userId="dd9724baaf2e43d1" providerId="LiveId" clId="{E5A86D5C-552E-4995-AB32-5E49D96B1D3A}" dt="2025-07-05T14:33:32.097" v="4764" actId="14100"/>
+          <ac:picMkLst>
+            <pc:docMk/>
+            <pc:sldMk cId="3613911005" sldId="258"/>
+            <ac:picMk id="70" creationId="{08B70003-AD1E-4701-456D-41507D8EABB7}"/>
           </ac:picMkLst>
         </pc:picChg>
         <pc:picChg chg="mod">
@@ -5256,7 +5424,7 @@
           <a:lstStyle/>
           <a:p>
             <a:r>
-              <a:rPr lang="en-US" sz="4000" dirty="0">
+              <a:rPr lang="en-US" sz="4000" noProof="0" dirty="0">
                 <a:solidFill>
                   <a:schemeClr val="tx1"/>
                 </a:solidFill>
@@ -5291,7 +5459,7 @@
         </p:nvSpPr>
         <p:spPr>
           <a:xfrm>
-            <a:off x="15449965" y="25898532"/>
+            <a:off x="15330252" y="25914878"/>
             <a:ext cx="15355262" cy="9995591"/>
           </a:xfrm>
           <a:prstGeom prst="rect">
@@ -5330,7 +5498,7 @@
                 <a:latin typeface="Source Sans Pro" panose="020B0503030403020204" pitchFamily="34" charset="0"/>
                 <a:ea typeface="Source Sans Pro" panose="020B0503030403020204" pitchFamily="34" charset="0"/>
               </a:rPr>
-              <a:t>Complex Analysis: Finding Friends</a:t>
+              <a:t>Complex Analysis: Finding my Family </a:t>
             </a:r>
           </a:p>
           <a:p>
@@ -5561,13 +5729,13 @@
           </a:p>
           <a:p>
             <a:r>
-              <a:rPr lang="en-US" sz="2400" dirty="0"/>
+              <a:rPr lang="en-US" sz="2400" noProof="0" dirty="0"/>
               <a:t>The main goal of our project was to identify RNA-binding proteins (RBPs) in mitotic HeLa cells. To achieve this, proteins were fractionated with and without RNase treatment. Each sample was separated into 25 fractions, and protein intensities were measured using mass spectrometry in triplicates.</a:t>
             </a:r>
           </a:p>
           <a:p>
             <a:r>
-              <a:rPr lang="en-US" sz="2400" dirty="0"/>
+              <a:rPr lang="en-US" sz="2400" noProof="0" dirty="0"/>
               <a:t>To uncover potential RBPs, we performed the following key steps:</a:t>
             </a:r>
           </a:p>
@@ -5577,7 +5745,7 @@
               <a:buChar char="•"/>
             </a:pPr>
             <a:r>
-              <a:rPr lang="en-US" sz="2400" dirty="0"/>
+              <a:rPr lang="en-US" sz="2400" noProof="0" dirty="0"/>
               <a:t>Reproducibility analysis</a:t>
             </a:r>
           </a:p>
@@ -5587,7 +5755,7 @@
               <a:buChar char="•"/>
             </a:pPr>
             <a:r>
-              <a:rPr lang="en-US" sz="2400" dirty="0"/>
+              <a:rPr lang="en-US" sz="2400" noProof="0" dirty="0"/>
               <a:t>Normalization of the data</a:t>
             </a:r>
           </a:p>
@@ -5597,7 +5765,7 @@
               <a:buChar char="•"/>
             </a:pPr>
             <a:r>
-              <a:rPr lang="en-US" sz="2400" dirty="0"/>
+              <a:rPr lang="en-US" sz="2400" noProof="0" dirty="0"/>
               <a:t>Peak characterization</a:t>
             </a:r>
           </a:p>
@@ -5607,13 +5775,13 @@
               <a:buChar char="•"/>
             </a:pPr>
             <a:r>
-              <a:rPr lang="en-US" sz="2400" dirty="0"/>
+              <a:rPr lang="en-US" sz="2400" noProof="0" dirty="0"/>
               <a:t>Shift analysis, where a left shift in the RNase condition indicates RBP behavior</a:t>
             </a:r>
           </a:p>
           <a:p>
             <a:r>
-              <a:rPr lang="en-US" sz="2400" dirty="0"/>
+              <a:rPr lang="en-US" sz="2400" noProof="0" dirty="0"/>
               <a:t>To gain deeper insights, we extended the analysis by:</a:t>
             </a:r>
           </a:p>
@@ -5623,7 +5791,7 @@
               <a:buChar char="•"/>
             </a:pPr>
             <a:r>
-              <a:rPr lang="en-US" sz="2400" dirty="0"/>
+              <a:rPr lang="en-US" sz="2400" noProof="0" dirty="0"/>
               <a:t>Identifying RBPs specifically active during mitosis</a:t>
             </a:r>
           </a:p>
@@ -5633,7 +5801,7 @@
               <a:buChar char="•"/>
             </a:pPr>
             <a:r>
-              <a:rPr lang="en-US" sz="2400" dirty="0"/>
+              <a:rPr lang="en-US" sz="2400" noProof="0" dirty="0"/>
               <a:t>Clustering peak characteristics to reveal potential complexes</a:t>
             </a:r>
           </a:p>
@@ -5643,7 +5811,7 @@
               <a:buChar char="•"/>
             </a:pPr>
             <a:r>
-              <a:rPr lang="en-US" sz="2400" dirty="0"/>
+              <a:rPr lang="en-US" sz="2400" noProof="0" dirty="0"/>
               <a:t>Performing linear regression to predict molecular weight from peak data</a:t>
             </a:r>
           </a:p>
@@ -5652,13 +5820,13 @@
               <a:buFont typeface="Arial" panose="020B0604020202020204" pitchFamily="34" charset="0"/>
               <a:buChar char="•"/>
             </a:pPr>
-            <a:endParaRPr lang="en-US" sz="2400" dirty="0"/>
-          </a:p>
-          <a:p>
             <a:endParaRPr lang="en-US" sz="2400" noProof="0" dirty="0"/>
           </a:p>
           <a:p>
-            <a:endParaRPr lang="en-US" sz="2400" dirty="0"/>
+            <a:endParaRPr lang="en-US" sz="2400" noProof="0" dirty="0"/>
+          </a:p>
+          <a:p>
+            <a:endParaRPr lang="en-US" sz="2400" noProof="0" dirty="0"/>
           </a:p>
           <a:p>
             <a:endParaRPr lang="en-US" sz="2400" noProof="0" dirty="0"/>
@@ -5891,200 +6059,12 @@
           <a:lstStyle/>
           <a:p>
             <a:r>
-              <a:rPr lang="de-DE" sz="1200" b="1" i="1" dirty="0"/>
-              <a:t>Fig. X </a:t>
-            </a:r>
-            <a:r>
-              <a:rPr lang="de-DE" sz="1200" b="1" i="1" dirty="0" err="1"/>
-              <a:t>Reproducibility</a:t>
-            </a:r>
-            <a:r>
-              <a:rPr lang="de-DE" sz="1200" b="1" i="1" dirty="0"/>
-              <a:t> </a:t>
-            </a:r>
-            <a:r>
-              <a:rPr lang="de-DE" sz="1200" b="1" i="1" dirty="0" err="1"/>
-              <a:t>heatmap</a:t>
-            </a:r>
-            <a:r>
-              <a:rPr lang="de-DE" sz="1200" b="1" i="1" dirty="0"/>
-              <a:t> (</a:t>
-            </a:r>
-            <a:r>
-              <a:rPr lang="de-DE" sz="1200" b="1" i="1" dirty="0" err="1"/>
-              <a:t>RNase</a:t>
-            </a:r>
-            <a:r>
-              <a:rPr lang="de-DE" sz="1200" b="1" i="1" dirty="0"/>
-              <a:t>, Spearman </a:t>
-            </a:r>
-            <a:r>
-              <a:rPr lang="de-DE" sz="1200" b="1" i="1" dirty="0" err="1"/>
-              <a:t>correlation</a:t>
-            </a:r>
-            <a:r>
-              <a:rPr lang="de-DE" sz="1200" b="1" i="1" dirty="0"/>
-              <a:t>): </a:t>
-            </a:r>
-            <a:r>
-              <a:rPr lang="de-DE" sz="1200" dirty="0" err="1"/>
-              <a:t>Heatmap</a:t>
-            </a:r>
-            <a:r>
-              <a:rPr lang="de-DE" sz="1200" dirty="0"/>
-              <a:t> </a:t>
-            </a:r>
-            <a:r>
-              <a:rPr lang="de-DE" sz="1200" dirty="0" err="1"/>
-              <a:t>displays</a:t>
-            </a:r>
-            <a:r>
-              <a:rPr lang="de-DE" sz="1200" dirty="0"/>
-              <a:t> </a:t>
-            </a:r>
-            <a:r>
-              <a:rPr lang="de-DE" sz="1200" dirty="0" err="1"/>
-              <a:t>pairwise</a:t>
-            </a:r>
-            <a:r>
-              <a:rPr lang="de-DE" sz="1200" dirty="0"/>
-              <a:t> Spearman </a:t>
-            </a:r>
-            <a:r>
-              <a:rPr lang="de-DE" sz="1200" dirty="0" err="1"/>
-              <a:t>correlation</a:t>
-            </a:r>
-            <a:r>
-              <a:rPr lang="de-DE" sz="1200" dirty="0"/>
-              <a:t> </a:t>
-            </a:r>
-            <a:r>
-              <a:rPr lang="de-DE" sz="1200" dirty="0" err="1"/>
-              <a:t>coefficients</a:t>
-            </a:r>
-            <a:r>
-              <a:rPr lang="de-DE" sz="1200" dirty="0"/>
-              <a:t> </a:t>
-            </a:r>
-            <a:r>
-              <a:rPr lang="de-DE" sz="1200" dirty="0" err="1"/>
-              <a:t>between</a:t>
-            </a:r>
-            <a:r>
-              <a:rPr lang="de-DE" sz="1200" dirty="0"/>
-              <a:t> all </a:t>
-            </a:r>
-            <a:r>
-              <a:rPr lang="de-DE" sz="1200" dirty="0" err="1"/>
-              <a:t>replicate</a:t>
-            </a:r>
-            <a:r>
-              <a:rPr lang="de-DE" sz="1200" dirty="0"/>
-              <a:t>–</a:t>
-            </a:r>
-            <a:r>
-              <a:rPr lang="de-DE" sz="1200" dirty="0" err="1"/>
-              <a:t>fraction</a:t>
-            </a:r>
-            <a:r>
-              <a:rPr lang="de-DE" sz="1200" dirty="0"/>
-              <a:t> </a:t>
-            </a:r>
-            <a:r>
-              <a:rPr lang="de-DE" sz="1200" dirty="0" err="1"/>
-              <a:t>combinations</a:t>
-            </a:r>
-            <a:r>
-              <a:rPr lang="de-DE" sz="1200" dirty="0"/>
-              <a:t> </a:t>
-            </a:r>
-            <a:r>
-              <a:rPr lang="de-DE" sz="1200" dirty="0" err="1"/>
-              <a:t>under</a:t>
-            </a:r>
-            <a:r>
-              <a:rPr lang="de-DE" sz="1200" dirty="0"/>
-              <a:t> </a:t>
-            </a:r>
-            <a:r>
-              <a:rPr lang="de-DE" sz="1200" dirty="0" err="1"/>
-              <a:t>RNase</a:t>
-            </a:r>
-            <a:r>
-              <a:rPr lang="de-DE" sz="1200" dirty="0"/>
-              <a:t> </a:t>
-            </a:r>
-            <a:r>
-              <a:rPr lang="de-DE" sz="1200" dirty="0" err="1"/>
-              <a:t>treatment</a:t>
-            </a:r>
-            <a:r>
-              <a:rPr lang="de-DE" sz="1200" dirty="0"/>
-              <a:t>. High </a:t>
-            </a:r>
-            <a:r>
-              <a:rPr lang="de-DE" sz="1200" dirty="0" err="1"/>
-              <a:t>correlations</a:t>
-            </a:r>
-            <a:r>
-              <a:rPr lang="de-DE" sz="1200" dirty="0"/>
-              <a:t> </a:t>
-            </a:r>
-            <a:r>
-              <a:rPr lang="de-DE" sz="1200" dirty="0" err="1"/>
-              <a:t>within</a:t>
-            </a:r>
-            <a:r>
-              <a:rPr lang="de-DE" sz="1200" dirty="0"/>
-              <a:t> 3×3 diagonal </a:t>
-            </a:r>
-            <a:r>
-              <a:rPr lang="de-DE" sz="1200" dirty="0" err="1"/>
-              <a:t>blocks</a:t>
-            </a:r>
-            <a:r>
-              <a:rPr lang="de-DE" sz="1200" dirty="0"/>
-              <a:t> </a:t>
-            </a:r>
-            <a:r>
-              <a:rPr lang="de-DE" sz="1200" dirty="0" err="1"/>
-              <a:t>indicate</a:t>
-            </a:r>
-            <a:r>
-              <a:rPr lang="de-DE" sz="1200" dirty="0"/>
-              <a:t> strong </a:t>
-            </a:r>
-            <a:r>
-              <a:rPr lang="de-DE" sz="1200" dirty="0" err="1"/>
-              <a:t>reproducibility</a:t>
-            </a:r>
-            <a:r>
-              <a:rPr lang="de-DE" sz="1200" dirty="0"/>
-              <a:t> </a:t>
-            </a:r>
-            <a:r>
-              <a:rPr lang="de-DE" sz="1200" dirty="0" err="1"/>
-              <a:t>across</a:t>
-            </a:r>
-            <a:r>
-              <a:rPr lang="de-DE" sz="1200" dirty="0"/>
-              <a:t> </a:t>
-            </a:r>
-            <a:r>
-              <a:rPr lang="de-DE" sz="1200" dirty="0" err="1"/>
-              <a:t>corresponding</a:t>
-            </a:r>
-            <a:r>
-              <a:rPr lang="de-DE" sz="1200" dirty="0"/>
-              <a:t> </a:t>
-            </a:r>
-            <a:r>
-              <a:rPr lang="de-DE" sz="1200" dirty="0" err="1"/>
-              <a:t>fractions</a:t>
-            </a:r>
-            <a:r>
-              <a:rPr lang="de-DE" sz="1200" dirty="0"/>
-              <a:t>.</a:t>
+              <a:rPr lang="en-US" sz="1200" b="1" i="1" noProof="0" dirty="0"/>
+              <a:t>Fig. X Reproducibility heatmap (RNase, Spearman correlation): </a:t>
+            </a:r>
+            <a:r>
+              <a:rPr lang="en-US" sz="1200" noProof="0" dirty="0"/>
+              <a:t>Heatmap displays pairwise Spearman correlation coefficients between all replicate–fraction combinations under RNase treatment. High correlations within 3×3 diagonal blocks indicate strong reproducibility across corresponding fractions.</a:t>
             </a:r>
             <a:endParaRPr lang="en-US" sz="1200" i="1" noProof="0" dirty="0">
               <a:latin typeface="Source Sans Pro" panose="020B0503030403020204" pitchFamily="34" charset="0"/>
@@ -6158,386 +6138,29 @@
           <a:lstStyle/>
           <a:p>
             <a:r>
-              <a:rPr lang="de-DE" sz="1200" b="1" dirty="0"/>
+              <a:rPr lang="en-US" sz="1200" b="1" noProof="0" dirty="0"/>
               <a:t>Fig. X </a:t>
             </a:r>
             <a:r>
-              <a:rPr lang="de-DE" sz="1200" b="1" i="1" dirty="0" err="1"/>
-              <a:t>Comparative</a:t>
-            </a:r>
-            <a:r>
-              <a:rPr lang="de-DE" sz="1200" b="1" i="1" dirty="0"/>
-              <a:t> Shift Scatterplot (</a:t>
-            </a:r>
-            <a:r>
-              <a:rPr lang="de-DE" sz="1200" b="1" i="1" dirty="0" err="1"/>
-              <a:t>Mitosis</a:t>
-            </a:r>
-            <a:r>
-              <a:rPr lang="de-DE" sz="1200" b="1" i="1" dirty="0"/>
-              <a:t> vs. Non-</a:t>
-            </a:r>
-            <a:r>
-              <a:rPr lang="de-DE" sz="1200" b="1" i="1" dirty="0" err="1"/>
-              <a:t>Synchronized</a:t>
-            </a:r>
-            <a:r>
-              <a:rPr lang="de-DE" sz="1200" b="1" i="1" dirty="0"/>
-              <a:t>)</a:t>
-            </a:r>
-            <a:r>
-              <a:rPr lang="de-DE" sz="1200" b="1" dirty="0"/>
+              <a:rPr lang="en-US" sz="1200" b="1" i="1" noProof="0" dirty="0"/>
+              <a:t>Comparative Shift Scatterplot (Mitosis vs. Non-Synchronized)</a:t>
+            </a:r>
+            <a:r>
+              <a:rPr lang="en-US" sz="1200" b="1" noProof="0" dirty="0"/>
               <a:t>:</a:t>
             </a:r>
             <a:r>
-              <a:rPr lang="de-DE" sz="1200" dirty="0"/>
-              <a:t> Scatterplot </a:t>
-            </a:r>
-            <a:r>
-              <a:rPr lang="de-DE" sz="1200" dirty="0" err="1"/>
-              <a:t>displays</a:t>
-            </a:r>
-            <a:r>
-              <a:rPr lang="de-DE" sz="1200" dirty="0"/>
-              <a:t> shift </a:t>
-            </a:r>
-            <a:r>
-              <a:rPr lang="de-DE" sz="1200" dirty="0" err="1"/>
-              <a:t>distances</a:t>
-            </a:r>
-            <a:r>
-              <a:rPr lang="de-DE" sz="1200" dirty="0"/>
-              <a:t> </a:t>
-            </a:r>
-            <a:r>
-              <a:rPr lang="de-DE" sz="1200" dirty="0" err="1"/>
-              <a:t>derived</a:t>
-            </a:r>
-            <a:r>
-              <a:rPr lang="de-DE" sz="1200" dirty="0"/>
-              <a:t> </a:t>
-            </a:r>
-            <a:r>
-              <a:rPr lang="de-DE" sz="1200" dirty="0" err="1"/>
-              <a:t>from</a:t>
-            </a:r>
-            <a:r>
-              <a:rPr lang="de-DE" sz="1200" dirty="0"/>
-              <a:t> </a:t>
-            </a:r>
-            <a:r>
-              <a:rPr lang="de-DE" sz="1200" dirty="0" err="1"/>
-              <a:t>center</a:t>
-            </a:r>
-            <a:r>
-              <a:rPr lang="de-DE" sz="1200" dirty="0"/>
-              <a:t> </a:t>
-            </a:r>
-            <a:r>
-              <a:rPr lang="de-DE" sz="1200" dirty="0" err="1"/>
-              <a:t>of</a:t>
-            </a:r>
-            <a:r>
-              <a:rPr lang="de-DE" sz="1200" dirty="0"/>
-              <a:t> </a:t>
-            </a:r>
-            <a:r>
-              <a:rPr lang="de-DE" sz="1200" dirty="0" err="1"/>
-              <a:t>mass</a:t>
-            </a:r>
-            <a:r>
-              <a:rPr lang="de-DE" sz="1200" dirty="0"/>
-              <a:t> (</a:t>
-            </a:r>
-            <a:r>
-              <a:rPr lang="de-DE" sz="1200" dirty="0" err="1"/>
+              <a:rPr lang="en-US" sz="1200" noProof="0" dirty="0"/>
+              <a:t> Scatterplot displays shift distances derived from center of mass (</a:t>
+            </a:r>
+            <a:r>
+              <a:rPr lang="en-US" sz="1200" noProof="0" dirty="0" err="1"/>
               <a:t>CoM</a:t>
             </a:r>
             <a:r>
-              <a:rPr lang="de-DE" sz="1200" dirty="0"/>
-              <a:t>) </a:t>
-            </a:r>
-            <a:r>
-              <a:rPr lang="de-DE" sz="1200" dirty="0" err="1"/>
-              <a:t>values</a:t>
-            </a:r>
-            <a:r>
-              <a:rPr lang="de-DE" sz="1200" dirty="0"/>
-              <a:t> </a:t>
-            </a:r>
-            <a:r>
-              <a:rPr lang="de-DE" sz="1200" dirty="0" err="1"/>
-              <a:t>for</a:t>
-            </a:r>
-            <a:r>
-              <a:rPr lang="de-DE" sz="1200" dirty="0"/>
-              <a:t> all </a:t>
-            </a:r>
-            <a:r>
-              <a:rPr lang="de-DE" sz="1200" dirty="0" err="1"/>
-              <a:t>proteins</a:t>
-            </a:r>
-            <a:r>
-              <a:rPr lang="de-DE" sz="1200" dirty="0"/>
-              <a:t> </a:t>
-            </a:r>
-            <a:r>
-              <a:rPr lang="de-DE" sz="1200" dirty="0" err="1"/>
-              <a:t>under</a:t>
-            </a:r>
-            <a:r>
-              <a:rPr lang="de-DE" sz="1200" dirty="0"/>
-              <a:t> </a:t>
-            </a:r>
-            <a:r>
-              <a:rPr lang="de-DE" sz="1200" dirty="0" err="1"/>
-              <a:t>both</a:t>
-            </a:r>
-            <a:r>
-              <a:rPr lang="de-DE" sz="1200" dirty="0"/>
-              <a:t> </a:t>
-            </a:r>
-            <a:r>
-              <a:rPr lang="de-DE" sz="1200" dirty="0" err="1"/>
-              <a:t>conditions</a:t>
-            </a:r>
-            <a:r>
-              <a:rPr lang="de-DE" sz="1200" dirty="0"/>
-              <a:t>. </a:t>
-            </a:r>
-            <a:r>
-              <a:rPr lang="de-DE" sz="1200" dirty="0" err="1"/>
-              <a:t>Each</a:t>
-            </a:r>
-            <a:r>
-              <a:rPr lang="de-DE" sz="1200" dirty="0"/>
-              <a:t> </a:t>
-            </a:r>
-            <a:r>
-              <a:rPr lang="de-DE" sz="1200" dirty="0" err="1"/>
-              <a:t>point</a:t>
-            </a:r>
-            <a:r>
-              <a:rPr lang="de-DE" sz="1200" dirty="0"/>
-              <a:t> </a:t>
-            </a:r>
-            <a:r>
-              <a:rPr lang="de-DE" sz="1200" dirty="0" err="1"/>
-              <a:t>represents</a:t>
-            </a:r>
-            <a:r>
-              <a:rPr lang="de-DE" sz="1200" dirty="0"/>
-              <a:t> </a:t>
-            </a:r>
-            <a:r>
-              <a:rPr lang="de-DE" sz="1200" dirty="0" err="1"/>
-              <a:t>one</a:t>
-            </a:r>
-            <a:r>
-              <a:rPr lang="de-DE" sz="1200" dirty="0"/>
-              <a:t> </a:t>
-            </a:r>
-            <a:r>
-              <a:rPr lang="de-DE" sz="1200" dirty="0" err="1"/>
-              <a:t>protein</a:t>
-            </a:r>
-            <a:r>
-              <a:rPr lang="de-DE" sz="1200" dirty="0"/>
-              <a:t>, color-</a:t>
-            </a:r>
-            <a:r>
-              <a:rPr lang="de-DE" sz="1200" dirty="0" err="1"/>
-              <a:t>coded</a:t>
-            </a:r>
-            <a:r>
-              <a:rPr lang="de-DE" sz="1200" dirty="0"/>
-              <a:t> </a:t>
-            </a:r>
-            <a:r>
-              <a:rPr lang="de-DE" sz="1200" dirty="0" err="1"/>
-              <a:t>by</a:t>
-            </a:r>
-            <a:r>
-              <a:rPr lang="de-DE" sz="1200" dirty="0"/>
-              <a:t> </a:t>
-            </a:r>
-            <a:r>
-              <a:rPr lang="de-DE" sz="1200" dirty="0" err="1"/>
-              <a:t>statistical</a:t>
-            </a:r>
-            <a:r>
-              <a:rPr lang="de-DE" sz="1200" dirty="0"/>
-              <a:t> </a:t>
-            </a:r>
-            <a:r>
-              <a:rPr lang="de-DE" sz="1200" dirty="0" err="1"/>
-              <a:t>significance</a:t>
-            </a:r>
-            <a:r>
-              <a:rPr lang="de-DE" sz="1200" dirty="0"/>
-              <a:t>. The </a:t>
-            </a:r>
-            <a:r>
-              <a:rPr lang="de-DE" sz="1200" dirty="0" err="1"/>
-              <a:t>red</a:t>
-            </a:r>
-            <a:r>
-              <a:rPr lang="de-DE" sz="1200" dirty="0"/>
-              <a:t> </a:t>
-            </a:r>
-            <a:r>
-              <a:rPr lang="de-DE" sz="1200" dirty="0" err="1"/>
-              <a:t>dashed</a:t>
-            </a:r>
-            <a:r>
-              <a:rPr lang="de-DE" sz="1200" dirty="0"/>
-              <a:t> </a:t>
-            </a:r>
-            <a:r>
-              <a:rPr lang="de-DE" sz="1200" dirty="0" err="1"/>
-              <a:t>identity</a:t>
-            </a:r>
-            <a:r>
-              <a:rPr lang="de-DE" sz="1200" dirty="0"/>
-              <a:t> </a:t>
-            </a:r>
-            <a:r>
-              <a:rPr lang="de-DE" sz="1200" dirty="0" err="1"/>
-              <a:t>line</a:t>
-            </a:r>
-            <a:r>
-              <a:rPr lang="de-DE" sz="1200" dirty="0"/>
-              <a:t> </a:t>
-            </a:r>
-            <a:r>
-              <a:rPr lang="de-DE" sz="1200" dirty="0" err="1"/>
-              <a:t>marks</a:t>
-            </a:r>
-            <a:r>
-              <a:rPr lang="de-DE" sz="1200" dirty="0"/>
-              <a:t> </a:t>
-            </a:r>
-            <a:r>
-              <a:rPr lang="de-DE" sz="1200" dirty="0" err="1"/>
-              <a:t>equal</a:t>
-            </a:r>
-            <a:r>
-              <a:rPr lang="de-DE" sz="1200" dirty="0"/>
-              <a:t> shift </a:t>
-            </a:r>
-            <a:r>
-              <a:rPr lang="de-DE" sz="1200" dirty="0" err="1"/>
-              <a:t>behavior</a:t>
-            </a:r>
-            <a:r>
-              <a:rPr lang="de-DE" sz="1200" dirty="0"/>
-              <a:t>; </a:t>
-            </a:r>
-            <a:r>
-              <a:rPr lang="de-DE" sz="1200" dirty="0" err="1"/>
-              <a:t>proteins</a:t>
-            </a:r>
-            <a:r>
-              <a:rPr lang="de-DE" sz="1200" dirty="0"/>
-              <a:t> </a:t>
-            </a:r>
-            <a:r>
-              <a:rPr lang="de-DE" sz="1200" dirty="0" err="1"/>
-              <a:t>below</a:t>
-            </a:r>
-            <a:r>
-              <a:rPr lang="de-DE" sz="1200" dirty="0"/>
-              <a:t> </a:t>
-            </a:r>
-            <a:r>
-              <a:rPr lang="de-DE" sz="1200" dirty="0" err="1"/>
-              <a:t>the</a:t>
-            </a:r>
-            <a:r>
-              <a:rPr lang="de-DE" sz="1200" dirty="0"/>
-              <a:t> </a:t>
-            </a:r>
-            <a:r>
-              <a:rPr lang="de-DE" sz="1200" dirty="0" err="1"/>
-              <a:t>line</a:t>
-            </a:r>
-            <a:r>
-              <a:rPr lang="de-DE" sz="1200" dirty="0"/>
-              <a:t> </a:t>
-            </a:r>
-            <a:r>
-              <a:rPr lang="de-DE" sz="1200" dirty="0" err="1"/>
-              <a:t>show</a:t>
-            </a:r>
-            <a:r>
-              <a:rPr lang="de-DE" sz="1200" dirty="0"/>
-              <a:t> </a:t>
-            </a:r>
-            <a:r>
-              <a:rPr lang="de-DE" sz="1200" dirty="0" err="1"/>
-              <a:t>mitosis-specific</a:t>
-            </a:r>
-            <a:r>
-              <a:rPr lang="de-DE" sz="1200" dirty="0"/>
-              <a:t> </a:t>
-            </a:r>
-            <a:r>
-              <a:rPr lang="de-DE" sz="1200" dirty="0" err="1"/>
-              <a:t>leftward</a:t>
-            </a:r>
-            <a:r>
-              <a:rPr lang="de-DE" sz="1200" dirty="0"/>
-              <a:t> </a:t>
-            </a:r>
-            <a:r>
-              <a:rPr lang="de-DE" sz="1200" dirty="0" err="1"/>
-              <a:t>shifts</a:t>
-            </a:r>
-            <a:r>
-              <a:rPr lang="de-DE" sz="1200" dirty="0"/>
-              <a:t>, </a:t>
-            </a:r>
-            <a:r>
-              <a:rPr lang="de-DE" sz="1200" dirty="0" err="1"/>
-              <a:t>suggesting</a:t>
-            </a:r>
-            <a:r>
-              <a:rPr lang="de-DE" sz="1200" dirty="0"/>
-              <a:t> RNA </a:t>
-            </a:r>
-            <a:r>
-              <a:rPr lang="de-DE" sz="1200" dirty="0" err="1"/>
-              <a:t>dependency</a:t>
-            </a:r>
-            <a:r>
-              <a:rPr lang="de-DE" sz="1200" dirty="0"/>
-              <a:t> </a:t>
-            </a:r>
-            <a:r>
-              <a:rPr lang="de-DE" sz="1200" dirty="0" err="1"/>
-              <a:t>unique</a:t>
-            </a:r>
-            <a:r>
-              <a:rPr lang="de-DE" sz="1200" dirty="0"/>
-              <a:t> </a:t>
-            </a:r>
-            <a:r>
-              <a:rPr lang="de-DE" sz="1200" dirty="0" err="1"/>
-              <a:t>to</a:t>
-            </a:r>
-            <a:r>
-              <a:rPr lang="de-DE" sz="1200" dirty="0"/>
-              <a:t> </a:t>
-            </a:r>
-            <a:r>
-              <a:rPr lang="de-DE" sz="1200" dirty="0" err="1"/>
-              <a:t>mitosis</a:t>
-            </a:r>
-            <a:r>
-              <a:rPr lang="de-DE" sz="1200" dirty="0"/>
-              <a:t>.</a:t>
-            </a:r>
-            <a:endParaRPr lang="en-US" sz="1200" dirty="0"/>
+              <a:rPr lang="en-US" sz="1200" noProof="0" dirty="0"/>
+              <a:t>) values for all proteins under both conditions. Each point represents one protein, color-coded by statistical significance. The red dashed identity line marks equal shift behavior; proteins below the line show mitosis-specific leftward shifts, suggesting RNA dependency unique to mitosis.</a:t>
+            </a:r>
           </a:p>
         </p:txBody>
       </p:sp>
@@ -6637,21 +6260,21 @@
           <a:lstStyle/>
           <a:p>
             <a:r>
-              <a:rPr lang="en-US" sz="2400" dirty="0">
+              <a:rPr lang="en-US" sz="2400" noProof="0" dirty="0">
                 <a:latin typeface="Source Sans Pro" panose="020B0503030403020204" pitchFamily="34" charset="0"/>
                 <a:ea typeface="Source Sans Pro" panose="020B0503030403020204" pitchFamily="34" charset="0"/>
               </a:rPr>
               <a:t>Hi, that’s me </a:t>
             </a:r>
             <a:r>
-              <a:rPr lang="en-US" sz="2400" dirty="0">
+              <a:rPr lang="en-US" sz="2400" noProof="0" dirty="0">
                 <a:latin typeface="Source Sans Pro" panose="020B0503030403020204" pitchFamily="34" charset="0"/>
                 <a:ea typeface="Source Sans Pro" panose="020B0503030403020204" pitchFamily="34" charset="0"/>
                 <a:sym typeface="Wingdings" pitchFamily="2" charset="2"/>
               </a:rPr>
               <a:t>:)</a:t>
             </a:r>
-            <a:endParaRPr lang="en-US" sz="2400" dirty="0">
+            <a:endParaRPr lang="en-US" sz="2400" noProof="0" dirty="0">
               <a:latin typeface="Source Sans Pro" panose="020B0503030403020204" pitchFamily="34" charset="0"/>
               <a:ea typeface="Source Sans Pro" panose="020B0503030403020204" pitchFamily="34" charset="0"/>
             </a:endParaRPr>
@@ -6687,15 +6310,15 @@
           <a:lstStyle/>
           <a:p>
             <a:r>
-              <a:rPr lang="en-US" sz="4000" dirty="0"/>
+              <a:rPr lang="en-US" sz="4000" noProof="0" dirty="0"/>
               <a:t>40S ribosomal </a:t>
             </a:r>
             <a:r>
-              <a:rPr lang="en-US" sz="4000" dirty="0" err="1"/>
+              <a:rPr lang="en-US" sz="4000" noProof="0" dirty="0" err="1"/>
               <a:t>Comnples</a:t>
             </a:r>
             <a:r>
-              <a:rPr lang="en-US" sz="4000" dirty="0"/>
+              <a:rPr lang="en-US" sz="4000" noProof="0" dirty="0"/>
               <a:t> </a:t>
             </a:r>
           </a:p>
@@ -6936,7 +6559,7 @@
                 <a:latin typeface="Source Sans Pro" panose="020B0503030403020204" pitchFamily="34" charset="0"/>
                 <a:ea typeface="Source Sans Pro" panose="020B0503030403020204" pitchFamily="34" charset="0"/>
               </a:rPr>
-              <a:t>Shift Analysis: Finding my species </a:t>
+              <a:t>Shift Analysis: Finding my friends </a:t>
             </a:r>
           </a:p>
         </p:txBody>
@@ -7104,19 +6727,8 @@
                 <a:latin typeface="Source Sans Pro" panose="020B0503030403020204" pitchFamily="34" charset="0"/>
                 <a:ea typeface="Source Sans Pro" panose="020B0503030403020204" pitchFamily="34" charset="0"/>
               </a:rPr>
-              <a:t>Descriptive Analyses – That’s how I look </a:t>
-            </a:r>
-            <a:r>
-              <a:rPr lang="en-US" sz="2400" b="1" dirty="0">
-                <a:latin typeface="Source Sans Pro" panose="020B0503030403020204" pitchFamily="34" charset="0"/>
-                <a:ea typeface="Source Sans Pro" panose="020B0503030403020204" pitchFamily="34" charset="0"/>
-              </a:rPr>
-              <a:t>like</a:t>
-            </a:r>
-            <a:endParaRPr lang="en-US" sz="2400" b="1" noProof="0" dirty="0">
-              <a:latin typeface="Source Sans Pro" panose="020B0503030403020204" pitchFamily="34" charset="0"/>
-              <a:ea typeface="Source Sans Pro" panose="020B0503030403020204" pitchFamily="34" charset="0"/>
-            </a:endParaRPr>
+              <a:t>Descriptive Analyses – That’s how I look like</a:t>
+            </a:r>
           </a:p>
           <a:p>
             <a:pPr algn="just"/>
@@ -7130,25 +6742,8 @@
             </a:r>
             <a:r>
               <a:rPr lang="en-US" sz="2400" noProof="0" dirty="0"/>
-              <a:t>For each protein profile, up to 6 peaks were identified using a slope-based function on all normalized values for control- and RNase-treatment. </a:t>
-            </a:r>
-            <a:r>
-              <a:rPr lang="en-US" sz="2400" dirty="0"/>
-              <a:t>(</a:t>
-            </a:r>
-            <a:r>
-              <a:rPr lang="en-US" sz="2400" noProof="0" dirty="0" err="1"/>
-              <a:t>Treshold</a:t>
-            </a:r>
-            <a:r>
-              <a:rPr lang="en-US" sz="2400" noProof="0" dirty="0"/>
-              <a:t> : 3% of maximal signal intensity</a:t>
-            </a:r>
-            <a:r>
-              <a:rPr lang="en-US" sz="2400" dirty="0"/>
-              <a:t>) </a:t>
-            </a:r>
-            <a:endParaRPr lang="en-US" sz="2400" noProof="0" dirty="0"/>
+              <a:t>For each protein profile, up to 6 peaks were identified using a slope-based function on all normalized values for control- and RNase-treatment. (Threshold : 3% of maximal signal intensity) </a:t>
+            </a:r>
           </a:p>
           <a:p>
             <a:endParaRPr lang="en-US" noProof="0" dirty="0"/>
@@ -7290,8 +6885,8 @@
             </a:p>
           </p:txBody>
         </p:sp>
-        <mc:AlternateContent xmlns:mc="http://schemas.openxmlformats.org/markup-compatibility/2006" xmlns:a14="http://schemas.microsoft.com/office/drawing/2010/main">
-          <mc:Choice Requires="a14">
+        <mc:AlternateContent xmlns:mc="http://schemas.openxmlformats.org/markup-compatibility/2006">
+          <mc:Choice xmlns:a14="http://schemas.microsoft.com/office/drawing/2010/main" Requires="a14">
             <p:sp>
               <p:nvSpPr>
                 <p:cNvPr id="50" name="Textfeld 49">
@@ -7517,7 +7112,7 @@
               </p:txBody>
             </p:sp>
           </mc:Choice>
-          <mc:Fallback xmlns="">
+          <mc:Fallback>
             <p:sp>
               <p:nvSpPr>
                 <p:cNvPr id="50" name="Textfeld 49">
@@ -7541,9 +7136,9 @@
                   <a:avLst/>
                 </a:prstGeom>
                 <a:blipFill>
-                  <a:blip r:embed="rId17"/>
+                  <a:blip r:embed="rId14"/>
                   <a:stretch>
-                    <a:fillRect l="-949" t="-68421" b="-107018"/>
+                    <a:fillRect/>
                   </a:stretch>
                 </a:blipFill>
               </p:spPr>
@@ -7576,7 +7171,7 @@
           <p:nvPr>
             <p:extLst>
               <p:ext uri="{D42A27DB-BD31-4B8C-83A1-F6EECF244321}">
-                <p14:modId xmlns:p14="http://schemas.microsoft.com/office/powerpoint/2010/main" val="3078974244"/>
+                <p14:modId xmlns:p14="http://schemas.microsoft.com/office/powerpoint/2010/main" val="4178222974"/>
               </p:ext>
             </p:extLst>
           </p:nvPr>
@@ -7587,7 +7182,7 @@
         </p:xfrm>
         <a:graphic>
           <a:graphicData uri="http://schemas.openxmlformats.org/drawingml/2006/chart">
-            <c:chart xmlns:c="http://schemas.openxmlformats.org/drawingml/2006/chart" xmlns:r="http://schemas.openxmlformats.org/officeDocument/2006/relationships" r:id="rId18"/>
+            <c:chart xmlns:c="http://schemas.openxmlformats.org/drawingml/2006/chart" xmlns:r="http://schemas.openxmlformats.org/officeDocument/2006/relationships" r:id="rId15"/>
           </a:graphicData>
         </a:graphic>
       </p:graphicFrame>
@@ -7664,18 +7259,11 @@
           <a:p>
             <a:pPr algn="just"/>
             <a:r>
-              <a:rPr lang="en-US" sz="1200" b="1" i="1" dirty="0">
-                <a:latin typeface="Source Sans Pro" panose="020B0503030403020204" pitchFamily="34" charset="0"/>
-                <a:ea typeface="Source Sans Pro" panose="020B0503030403020204" pitchFamily="34" charset="0"/>
-              </a:rPr>
-              <a:t>Fig</a:t>
-            </a:r>
-            <a:r>
               <a:rPr lang="en-US" sz="1200" b="1" i="1" noProof="0" dirty="0">
                 <a:latin typeface="Source Sans Pro" panose="020B0503030403020204" pitchFamily="34" charset="0"/>
                 <a:ea typeface="Source Sans Pro" panose="020B0503030403020204" pitchFamily="34" charset="0"/>
               </a:rPr>
-              <a:t>. X Results and Limitations of Shift </a:t>
+              <a:t>Fig. X Results and Limitations of Shift </a:t>
             </a:r>
             <a:r>
               <a:rPr lang="en-US" sz="1200" b="1" i="1" noProof="0" dirty="0" err="1">
@@ -7730,18 +7318,11 @@
           <a:lstStyle/>
           <a:p>
             <a:r>
-              <a:rPr lang="en-US" sz="1200" b="1" i="1" dirty="0">
-                <a:latin typeface="Source Sans Pro" panose="020B0503030403020204" pitchFamily="34" charset="0"/>
-                <a:ea typeface="Source Sans Pro" panose="020B0503030403020204" pitchFamily="34" charset="0"/>
-              </a:rPr>
-              <a:t>Fig</a:t>
-            </a:r>
-            <a:r>
               <a:rPr lang="en-US" sz="1200" b="1" i="1" noProof="0" dirty="0">
                 <a:latin typeface="Source Sans Pro" panose="020B0503030403020204" pitchFamily="34" charset="0"/>
                 <a:ea typeface="Source Sans Pro" panose="020B0503030403020204" pitchFamily="34" charset="0"/>
               </a:rPr>
-              <a:t>. X  Intensity profile of RS6 : </a:t>
+              <a:t>Fig. X  Intensity profile of RS6 : </a:t>
             </a:r>
             <a:r>
               <a:rPr lang="en-US" sz="1200" i="1" noProof="0" dirty="0">
@@ -7850,32 +7431,11 @@
           <a:p>
             <a:pPr algn="just"/>
             <a:r>
-              <a:rPr lang="en-US" sz="1200" b="1" i="1" dirty="0">
-                <a:latin typeface="Source Sans Pro" panose="020B0503030403020204" pitchFamily="34" charset="0"/>
-                <a:ea typeface="Source Sans Pro" panose="020B0503030403020204" pitchFamily="34" charset="0"/>
-              </a:rPr>
-              <a:t>Fig</a:t>
-            </a:r>
-            <a:r>
               <a:rPr lang="en-US" sz="1200" b="1" i="1" noProof="0" dirty="0">
                 <a:latin typeface="Source Sans Pro" panose="020B0503030403020204" pitchFamily="34" charset="0"/>
                 <a:ea typeface="Source Sans Pro" panose="020B0503030403020204" pitchFamily="34" charset="0"/>
               </a:rPr>
-              <a:t>. X </a:t>
-            </a:r>
-            <a:r>
-              <a:rPr lang="en-US" sz="1200" b="1" i="1" dirty="0">
-                <a:latin typeface="Source Sans Pro" panose="020B0503030403020204" pitchFamily="34" charset="0"/>
-                <a:ea typeface="Source Sans Pro" panose="020B0503030403020204" pitchFamily="34" charset="0"/>
-              </a:rPr>
-              <a:t>Visual Presentation of T-Test Results</a:t>
-            </a:r>
-            <a:r>
-              <a:rPr lang="en-US" sz="1200" b="1" i="1" noProof="0" dirty="0">
-                <a:latin typeface="Source Sans Pro" panose="020B0503030403020204" pitchFamily="34" charset="0"/>
-                <a:ea typeface="Source Sans Pro" panose="020B0503030403020204" pitchFamily="34" charset="0"/>
-              </a:rPr>
-              <a:t>: </a:t>
+              <a:t>Fig. X Visual Presentation of T-Test Results: </a:t>
             </a:r>
             <a:r>
               <a:rPr lang="en-US" sz="1200" i="1" noProof="0" dirty="0">
@@ -7970,21 +7530,7 @@
                 <a:latin typeface="Source Sans Pro" panose="020B0503030403020204" pitchFamily="34" charset="0"/>
                 <a:ea typeface="Source Sans Pro" panose="020B0503030403020204" pitchFamily="34" charset="0"/>
               </a:rPr>
-              <a:t>794 </a:t>
-            </a:r>
-            <a:r>
-              <a:rPr lang="en-US" sz="2400" b="1" noProof="0" dirty="0" err="1">
-                <a:latin typeface="Source Sans Pro" panose="020B0503030403020204" pitchFamily="34" charset="0"/>
-                <a:ea typeface="Source Sans Pro" panose="020B0503030403020204" pitchFamily="34" charset="0"/>
-              </a:rPr>
-              <a:t>exihibited</a:t>
-            </a:r>
-            <a:r>
-              <a:rPr lang="en-US" sz="2400" b="1" noProof="0" dirty="0">
-                <a:latin typeface="Source Sans Pro" panose="020B0503030403020204" pitchFamily="34" charset="0"/>
-                <a:ea typeface="Source Sans Pro" panose="020B0503030403020204" pitchFamily="34" charset="0"/>
-              </a:rPr>
-              <a:t> a significant left shift </a:t>
+              <a:t>794 exhibited a significant left shift </a:t>
             </a:r>
             <a:r>
               <a:rPr lang="en-US" sz="2400" noProof="0" dirty="0">
@@ -8043,14 +7589,14 @@
           <a:p>
             <a:pPr algn="just"/>
             <a:r>
-              <a:rPr lang="en-US" sz="2400" b="1" dirty="0">
+              <a:rPr lang="en-US" sz="2400" b="1" noProof="0" dirty="0">
                 <a:latin typeface="Source Sans Pro" panose="020B0503030403020204" pitchFamily="34" charset="0"/>
                 <a:ea typeface="Source Sans Pro" panose="020B0503030403020204" pitchFamily="34" charset="0"/>
               </a:rPr>
               <a:t>Validation of Test Results – Comparing with </a:t>
             </a:r>
             <a:r>
-              <a:rPr lang="en-US" sz="2400" b="1" dirty="0" err="1">
+              <a:rPr lang="en-US" sz="2400" b="1" noProof="0" dirty="0" err="1">
                 <a:latin typeface="Source Sans Pro" panose="020B0503030403020204" pitchFamily="34" charset="0"/>
                 <a:ea typeface="Source Sans Pro" panose="020B0503030403020204" pitchFamily="34" charset="0"/>
               </a:rPr>
@@ -8200,18 +7746,11 @@
           <a:p>
             <a:pPr algn="just"/>
             <a:r>
-              <a:rPr lang="en-US" sz="1200" b="1" i="1" dirty="0">
-                <a:latin typeface="Source Sans Pro" panose="020B0503030403020204" pitchFamily="34" charset="0"/>
-                <a:ea typeface="Source Sans Pro" panose="020B0503030403020204" pitchFamily="34" charset="0"/>
-              </a:rPr>
-              <a:t>Fig</a:t>
-            </a:r>
-            <a:r>
               <a:rPr lang="en-US" sz="1200" b="1" i="1" noProof="0" dirty="0">
                 <a:latin typeface="Source Sans Pro" panose="020B0503030403020204" pitchFamily="34" charset="0"/>
                 <a:ea typeface="Source Sans Pro" panose="020B0503030403020204" pitchFamily="34" charset="0"/>
               </a:rPr>
-              <a:t>. X Novel Candidates and known RBPs: </a:t>
+              <a:t>Fig. X Novel Candidates and known RBPs: </a:t>
             </a:r>
             <a:r>
               <a:rPr lang="en-US" sz="1200" i="1" noProof="0" dirty="0">
@@ -8246,19 +7785,8 @@
                 <a:latin typeface="Source Sans Pro" panose="020B0503030403020204" pitchFamily="34" charset="0"/>
                 <a:ea typeface="Source Sans Pro" panose="020B0503030403020204" pitchFamily="34" charset="0"/>
               </a:rPr>
-              <a:t> in our sample and </a:t>
-            </a:r>
-            <a:r>
-              <a:rPr lang="en-US" sz="1200" i="1" dirty="0">
-                <a:latin typeface="Source Sans Pro" panose="020B0503030403020204" pitchFamily="34" charset="0"/>
-                <a:ea typeface="Source Sans Pro" panose="020B0503030403020204" pitchFamily="34" charset="0"/>
-              </a:rPr>
-              <a:t>RBPs identified by this pipeline</a:t>
-            </a:r>
-            <a:endParaRPr lang="en-US" sz="1200" i="1" noProof="0" dirty="0">
-              <a:latin typeface="Source Sans Pro" panose="020B0503030403020204" pitchFamily="34" charset="0"/>
-              <a:ea typeface="Source Sans Pro" panose="020B0503030403020204" pitchFamily="34" charset="0"/>
-            </a:endParaRPr>
+              <a:t> in our sample and RBPs identified by this pipeline</a:t>
+            </a:r>
           </a:p>
         </p:txBody>
       </p:sp>
@@ -8297,7 +7825,7 @@
             <p:nvPr/>
           </p:nvPicPr>
           <p:blipFill>
-            <a:blip r:embed="rId19"/>
+            <a:blip r:embed="rId16"/>
             <a:stretch>
               <a:fillRect/>
             </a:stretch>
@@ -8341,7 +7869,7 @@
             <a:lstStyle/>
             <a:p>
               <a:r>
-                <a:rPr lang="en-US" sz="2200" dirty="0">
+                <a:rPr lang="en-US" sz="2200" noProof="0" dirty="0">
                   <a:latin typeface="Source Sans Pro" panose="020B0503030403020204" pitchFamily="34" charset="0"/>
                   <a:ea typeface="Source Sans Pro" panose="020B0503030403020204" pitchFamily="34" charset="0"/>
                 </a:rPr>
@@ -8379,7 +7907,7 @@
             <a:lstStyle/>
             <a:p>
               <a:r>
-                <a:rPr lang="en-US" sz="2200" dirty="0">
+                <a:rPr lang="en-US" sz="2200" noProof="0" dirty="0">
                   <a:latin typeface="Source Sans Pro" panose="020B0503030403020204" pitchFamily="34" charset="0"/>
                   <a:ea typeface="Source Sans Pro" panose="020B0503030403020204" pitchFamily="34" charset="0"/>
                 </a:rPr>
@@ -8417,7 +7945,7 @@
             <a:lstStyle/>
             <a:p>
               <a:r>
-                <a:rPr lang="en-US" sz="2200" dirty="0">
+                <a:rPr lang="en-US" sz="2200" noProof="0" dirty="0">
                   <a:latin typeface="Source Sans Pro" panose="020B0503030403020204" pitchFamily="34" charset="0"/>
                   <a:ea typeface="Source Sans Pro" panose="020B0503030403020204" pitchFamily="34" charset="0"/>
                 </a:rPr>
@@ -8456,14 +7984,14 @@
             <a:p>
               <a:pPr algn="ctr"/>
               <a:r>
-                <a:rPr lang="en-US" sz="1600" dirty="0" err="1">
+                <a:rPr lang="en-US" sz="1600" noProof="0" dirty="0" err="1">
                   <a:latin typeface="Source Sans Pro" panose="020B0503030403020204" pitchFamily="34" charset="0"/>
                   <a:ea typeface="Source Sans Pro" panose="020B0503030403020204" pitchFamily="34" charset="0"/>
                 </a:rPr>
                 <a:t>UniProt</a:t>
               </a:r>
               <a:r>
-                <a:rPr lang="en-US" sz="1600" dirty="0">
+                <a:rPr lang="en-US" sz="1600" noProof="0" dirty="0">
                   <a:latin typeface="Source Sans Pro" panose="020B0503030403020204" pitchFamily="34" charset="0"/>
                   <a:ea typeface="Source Sans Pro" panose="020B0503030403020204" pitchFamily="34" charset="0"/>
                 </a:rPr>
@@ -8502,7 +8030,7 @@
             <a:p>
               <a:pPr algn="ctr"/>
               <a:r>
-                <a:rPr lang="en-US" sz="1600" dirty="0">
+                <a:rPr lang="en-US" sz="1600" noProof="0" dirty="0">
                   <a:latin typeface="Source Sans Pro" panose="020B0503030403020204" pitchFamily="34" charset="0"/>
                   <a:ea typeface="Source Sans Pro" panose="020B0503030403020204" pitchFamily="34" charset="0"/>
                 </a:rPr>
@@ -8547,7 +8075,7 @@
             <p:nvPr/>
           </p:nvPicPr>
           <p:blipFill>
-            <a:blip r:embed="rId20"/>
+            <a:blip r:embed="rId17"/>
             <a:srcRect r="35845"/>
             <a:stretch>
               <a:fillRect/>
@@ -8578,7 +8106,7 @@
             <p:nvPr/>
           </p:nvPicPr>
           <p:blipFill>
-            <a:blip r:embed="rId20"/>
+            <a:blip r:embed="rId17"/>
             <a:srcRect l="68080"/>
             <a:stretch>
               <a:fillRect/>
@@ -8610,7 +8138,7 @@
           <p:nvPr/>
         </p:nvPicPr>
         <p:blipFill>
-          <a:blip r:embed="rId21">
+          <a:blip r:embed="rId18">
             <a:extLst>
               <a:ext uri="{28A0092B-C50C-407E-A947-70E740481C1C}">
                 <a14:useLocalDpi xmlns:a14="http://schemas.microsoft.com/office/drawing/2010/main" val="0"/>
@@ -8661,20 +8189,12 @@
           <a:p>
             <a:pPr algn="just"/>
             <a:r>
-              <a:rPr lang="en-US" sz="2400" b="1" noProof="0"/>
+              <a:rPr lang="en-US" sz="2400" b="1" noProof="0" dirty="0"/>
               <a:t>Hypothesis: </a:t>
             </a:r>
             <a:r>
-              <a:rPr lang="en-US" sz="2400" noProof="0"/>
-              <a:t>In theory, heavier proteins migrate to deeper fractions in a sucrose gradient, so we therefore hypothesized, that a protein‘s peak position after RNase treatment might </a:t>
-            </a:r>
-            <a:r>
-              <a:rPr lang="en-US" sz="2400" noProof="0" dirty="0" err="1"/>
-              <a:t>reflectits</a:t>
-            </a:r>
-            <a:r>
               <a:rPr lang="en-US" sz="2400" noProof="0" dirty="0"/>
-              <a:t> molecular weight. </a:t>
+              <a:t>In theory, heavier proteins migrate to deeper fractions in a sucrose gradient, so we therefore hypothesized, that a protein‘s peak position after RNase treatment might reflect its molecular weight. </a:t>
             </a:r>
             <a:r>
               <a:rPr lang="en-US" sz="2400" noProof="0" dirty="0">
@@ -8744,13 +8264,13 @@
           <a:lstStyle/>
           <a:p>
             <a:r>
-              <a:rPr lang="en-US" sz="2400" b="1" dirty="0">
+              <a:rPr lang="en-US" sz="2400" b="1" noProof="0" dirty="0">
                 <a:latin typeface="Source Sans Pro" panose="020B0503030403020204" pitchFamily="34" charset="0"/>
                 <a:ea typeface="Source Sans Pro" panose="020B0503030403020204" pitchFamily="34" charset="0"/>
               </a:rPr>
               <a:t>However, most proteins did not follow the expected trend!</a:t>
             </a:r>
-            <a:endParaRPr lang="en-US" sz="2400" b="1" dirty="0"/>
+            <a:endParaRPr lang="en-US" sz="2400" b="1" noProof="0" dirty="0"/>
           </a:p>
         </p:txBody>
       </p:sp>
@@ -8784,14 +8304,14 @@
           <a:p>
             <a:pPr algn="just"/>
             <a:r>
-              <a:rPr lang="en-US" sz="2400" b="1" dirty="0">
+              <a:rPr lang="en-US" sz="2400" b="1" noProof="0" dirty="0">
                 <a:latin typeface="Source Sans Pro" panose="020B0503030403020204" pitchFamily="34" charset="0"/>
                 <a:ea typeface="Source Sans Pro" panose="020B0503030403020204" pitchFamily="34" charset="0"/>
               </a:rPr>
               <a:t>Results: </a:t>
             </a:r>
             <a:r>
-              <a:rPr lang="en-US" sz="2400" dirty="0">
+              <a:rPr lang="en-US" sz="2400" noProof="0" dirty="0">
                 <a:latin typeface="Source Sans Pro" panose="020B0503030403020204" pitchFamily="34" charset="0"/>
                 <a:ea typeface="Source Sans Pro" panose="020B0503030403020204" pitchFamily="34" charset="0"/>
               </a:rPr>
@@ -8804,45 +8324,31 @@
               <a:buChar char="•"/>
             </a:pPr>
             <a:r>
-              <a:rPr lang="en-US" sz="2400" dirty="0">
+              <a:rPr lang="en-US" sz="2400" noProof="0" dirty="0">
                 <a:latin typeface="Source Sans Pro" panose="020B0503030403020204" pitchFamily="34" charset="0"/>
                 <a:ea typeface="Source Sans Pro" panose="020B0503030403020204" pitchFamily="34" charset="0"/>
               </a:rPr>
               <a:t>Spearman Correlation</a:t>
             </a:r>
             <a:r>
-              <a:rPr lang="en-US" sz="2400" i="1" dirty="0">
+              <a:rPr lang="en-US" sz="2400" i="1" noProof="0" dirty="0">
                 <a:latin typeface="Source Sans Pro" panose="020B0503030403020204" pitchFamily="34" charset="0"/>
                 <a:ea typeface="Source Sans Pro" panose="020B0503030403020204" pitchFamily="34" charset="0"/>
               </a:rPr>
               <a:t>: </a:t>
             </a:r>
             <a:r>
-              <a:rPr lang="el-GR" sz="2400" i="1" dirty="0">
+              <a:rPr lang="en-US" sz="2400" i="1" noProof="0" dirty="0">
                 <a:ea typeface="Source Sans Pro" panose="020B0503030403020204" pitchFamily="34" charset="0"/>
               </a:rPr>
               <a:t>ρ</a:t>
             </a:r>
             <a:r>
-              <a:rPr lang="de-DE" sz="2400" i="1" dirty="0">
-                <a:latin typeface="Source Sans Pro" panose="020B0503030403020204" pitchFamily="34" charset="0"/>
-                <a:ea typeface="Source Sans Pro" panose="020B0503030403020204" pitchFamily="34" charset="0"/>
-              </a:rPr>
-              <a:t> </a:t>
-            </a:r>
-            <a:r>
-              <a:rPr lang="el-GR" sz="2400" i="1" dirty="0">
-                <a:latin typeface="Source Sans Pro" panose="020B0503030403020204" pitchFamily="34" charset="0"/>
-                <a:ea typeface="Source Sans Pro" panose="020B0503030403020204" pitchFamily="34" charset="0"/>
-              </a:rPr>
-              <a:t>= 0.014, </a:t>
-            </a:r>
-            <a:r>
-              <a:rPr lang="de-DE" sz="2400" i="1" dirty="0">
-                <a:latin typeface="Source Sans Pro" panose="020B0503030403020204" pitchFamily="34" charset="0"/>
-                <a:ea typeface="Source Sans Pro" panose="020B0503030403020204" pitchFamily="34" charset="0"/>
-              </a:rPr>
-              <a:t>p = 0.25</a:t>
+              <a:rPr lang="en-US" sz="2400" i="1" noProof="0" dirty="0">
+                <a:latin typeface="Source Sans Pro" panose="020B0503030403020204" pitchFamily="34" charset="0"/>
+                <a:ea typeface="Source Sans Pro" panose="020B0503030403020204" pitchFamily="34" charset="0"/>
+              </a:rPr>
+              <a:t> = 0.014, p = 0.25</a:t>
             </a:r>
           </a:p>
           <a:p>
@@ -8851,14 +8357,14 @@
               <a:buChar char="•"/>
             </a:pPr>
             <a:r>
-              <a:rPr lang="de-DE" sz="2400" dirty="0">
+              <a:rPr lang="en-US" sz="2400" noProof="0" dirty="0">
                 <a:latin typeface="Source Sans Pro" panose="020B0503030403020204" pitchFamily="34" charset="0"/>
                 <a:ea typeface="Source Sans Pro" panose="020B0503030403020204" pitchFamily="34" charset="0"/>
               </a:rPr>
               <a:t>Linear Regression:  </a:t>
             </a:r>
             <a:r>
-              <a:rPr lang="de-DE" sz="2400" i="1" dirty="0">
+              <a:rPr lang="en-US" sz="2400" i="1" noProof="0" dirty="0">
                 <a:latin typeface="Source Sans Pro" panose="020B0503030403020204" pitchFamily="34" charset="0"/>
                 <a:ea typeface="Source Sans Pro" panose="020B0503030403020204" pitchFamily="34" charset="0"/>
               </a:rPr>
@@ -8867,7 +8373,7 @@
           </a:p>
           <a:p>
             <a:pPr algn="just"/>
-            <a:endParaRPr lang="en-US" sz="2400" dirty="0">
+            <a:endParaRPr lang="en-US" sz="2400" noProof="0" dirty="0">
               <a:latin typeface="Source Sans Pro" panose="020B0503030403020204" pitchFamily="34" charset="0"/>
               <a:ea typeface="Source Sans Pro" panose="020B0503030403020204" pitchFamily="34" charset="0"/>
             </a:endParaRPr>
@@ -8904,7 +8410,7 @@
           <a:p>
             <a:pPr algn="just"/>
             <a:r>
-              <a:rPr lang="en-US" sz="2400" b="1" dirty="0">
+              <a:rPr lang="en-US" sz="2400" b="1" noProof="0" dirty="0">
                 <a:latin typeface="Source Sans Pro" panose="020B0503030403020204" pitchFamily="34" charset="0"/>
                 <a:ea typeface="Source Sans Pro" panose="020B0503030403020204" pitchFamily="34" charset="0"/>
               </a:rPr>
@@ -8917,21 +8423,21 @@
               <a:buChar char="•"/>
             </a:pPr>
             <a:r>
-              <a:rPr lang="en-US" sz="2400" dirty="0">
+              <a:rPr lang="en-US" sz="2400" noProof="0" dirty="0">
                 <a:latin typeface="Source Sans Pro" panose="020B0503030403020204" pitchFamily="34" charset="0"/>
                 <a:ea typeface="Source Sans Pro" panose="020B0503030403020204" pitchFamily="34" charset="0"/>
               </a:rPr>
               <a:t>All tests we repeated using the Center of Mass (</a:t>
             </a:r>
             <a:r>
-              <a:rPr lang="en-US" sz="2400" dirty="0" err="1">
+              <a:rPr lang="en-US" sz="2400" noProof="0" dirty="0" err="1">
                 <a:latin typeface="Source Sans Pro" panose="020B0503030403020204" pitchFamily="34" charset="0"/>
                 <a:ea typeface="Source Sans Pro" panose="020B0503030403020204" pitchFamily="34" charset="0"/>
               </a:rPr>
               <a:t>CoM</a:t>
             </a:r>
             <a:r>
-              <a:rPr lang="en-US" sz="2400" dirty="0">
+              <a:rPr lang="en-US" sz="2400" noProof="0" dirty="0">
                 <a:latin typeface="Source Sans Pro" panose="020B0503030403020204" pitchFamily="34" charset="0"/>
                 <a:ea typeface="Source Sans Pro" panose="020B0503030403020204" pitchFamily="34" charset="0"/>
               </a:rPr>
@@ -8944,21 +8450,21 @@
               <a:buChar char="•"/>
             </a:pPr>
             <a:r>
-              <a:rPr lang="en-US" sz="2400" dirty="0">
+              <a:rPr lang="en-US" sz="2400" noProof="0" dirty="0">
                 <a:latin typeface="Source Sans Pro" panose="020B0503030403020204" pitchFamily="34" charset="0"/>
                 <a:ea typeface="Source Sans Pro" panose="020B0503030403020204" pitchFamily="34" charset="0"/>
               </a:rPr>
               <a:t>We also tested the hypothesis that many proteins may remain in RNA-independent complexes after RNase treatment, which could distort elution profiles. To test this, we removed all 2200 proteins listed in the CORUM</a:t>
             </a:r>
             <a:r>
-              <a:rPr lang="en-US" sz="2400" b="1" dirty="0">
+              <a:rPr lang="en-US" sz="2400" b="1" noProof="0" dirty="0">
                 <a:latin typeface="Source Sans Pro" panose="020B0503030403020204" pitchFamily="34" charset="0"/>
                 <a:ea typeface="Source Sans Pro" panose="020B0503030403020204" pitchFamily="34" charset="0"/>
               </a:rPr>
               <a:t>* </a:t>
             </a:r>
             <a:r>
-              <a:rPr lang="en-US" sz="2400" dirty="0">
+              <a:rPr lang="en-US" sz="2400" noProof="0" dirty="0">
                 <a:latin typeface="Source Sans Pro" panose="020B0503030403020204" pitchFamily="34" charset="0"/>
                 <a:ea typeface="Source Sans Pro" panose="020B0503030403020204" pitchFamily="34" charset="0"/>
               </a:rPr>
@@ -8971,7 +8477,7 @@
               <a:buChar char="à"/>
             </a:pPr>
             <a:r>
-              <a:rPr lang="en-US" sz="2400" dirty="0">
+              <a:rPr lang="en-US" sz="2400" noProof="0" dirty="0">
                 <a:latin typeface="Source Sans Pro" panose="020B0503030403020204" pitchFamily="34" charset="0"/>
                 <a:ea typeface="Source Sans Pro" panose="020B0503030403020204" pitchFamily="34" charset="0"/>
               </a:rPr>
@@ -9010,38 +8516,31 @@
           <a:p>
             <a:pPr algn="just"/>
             <a:r>
-              <a:rPr lang="en-US" sz="2400" b="1" dirty="0" err="1">
-                <a:latin typeface="Source Sans Pro" panose="020B0503030403020204" pitchFamily="34" charset="0"/>
-                <a:ea typeface="Source Sans Pro" panose="020B0503030403020204" pitchFamily="34" charset="0"/>
-              </a:rPr>
-              <a:t>Disscussion</a:t>
-            </a:r>
-            <a:r>
-              <a:rPr lang="en-US" sz="2400" b="1" dirty="0">
-                <a:latin typeface="Source Sans Pro" panose="020B0503030403020204" pitchFamily="34" charset="0"/>
-                <a:ea typeface="Source Sans Pro" panose="020B0503030403020204" pitchFamily="34" charset="0"/>
-              </a:rPr>
-              <a:t>:</a:t>
+              <a:rPr lang="en-US" sz="2400" b="1" noProof="0" dirty="0">
+                <a:latin typeface="Source Sans Pro" panose="020B0503030403020204" pitchFamily="34" charset="0"/>
+                <a:ea typeface="Source Sans Pro" panose="020B0503030403020204" pitchFamily="34" charset="0"/>
+              </a:rPr>
+              <a:t>Discussion:</a:t>
             </a:r>
           </a:p>
           <a:p>
             <a:pPr algn="just"/>
             <a:r>
-              <a:rPr lang="en-US" sz="2400" dirty="0">
+              <a:rPr lang="en-US" sz="2400" noProof="0" dirty="0">
                 <a:latin typeface="Source Sans Pro" panose="020B0503030403020204" pitchFamily="34" charset="0"/>
                 <a:ea typeface="Source Sans Pro" panose="020B0503030403020204" pitchFamily="34" charset="0"/>
               </a:rPr>
               <a:t>Elution does not only depend on size, but also on shape and density, so peak based features might be to simplistic. Plus CORUM does not </a:t>
             </a:r>
             <a:r>
-              <a:rPr lang="en-US" sz="2400" dirty="0" err="1">
+              <a:rPr lang="en-US" sz="2400" noProof="0" dirty="0" err="1">
                 <a:latin typeface="Source Sans Pro" panose="020B0503030403020204" pitchFamily="34" charset="0"/>
                 <a:ea typeface="Source Sans Pro" panose="020B0503030403020204" pitchFamily="34" charset="0"/>
               </a:rPr>
               <a:t>reflekt</a:t>
             </a:r>
             <a:r>
-              <a:rPr lang="en-US" sz="2400" dirty="0">
+              <a:rPr lang="en-US" sz="2400" noProof="0" dirty="0">
                 <a:latin typeface="Source Sans Pro" panose="020B0503030403020204" pitchFamily="34" charset="0"/>
                 <a:ea typeface="Source Sans Pro" panose="020B0503030403020204" pitchFamily="34" charset="0"/>
               </a:rPr>
@@ -9080,46 +8579,39 @@
           <a:p>
             <a:pPr algn="just"/>
             <a:r>
-              <a:rPr lang="en-US" sz="1200" b="1" i="1" dirty="0">
-                <a:latin typeface="Source Sans Pro" panose="020B0503030403020204" pitchFamily="34" charset="0"/>
-                <a:ea typeface="Source Sans Pro" panose="020B0503030403020204" pitchFamily="34" charset="0"/>
-              </a:rPr>
-              <a:t>Fig</a:t>
-            </a:r>
-            <a:r>
               <a:rPr lang="en-US" sz="1200" b="1" i="1" noProof="0" dirty="0">
                 <a:latin typeface="Source Sans Pro" panose="020B0503030403020204" pitchFamily="34" charset="0"/>
                 <a:ea typeface="Source Sans Pro" panose="020B0503030403020204" pitchFamily="34" charset="0"/>
               </a:rPr>
-              <a:t>. X Relation of monomeric molecular weight and maximal peak position : </a:t>
-            </a:r>
-            <a:r>
-              <a:rPr lang="en-US" sz="1200" i="1" dirty="0">
+              <a:t>Fig. X Relation of monomeric molecular weight and maximal peak position : </a:t>
+            </a:r>
+            <a:r>
+              <a:rPr lang="en-US" sz="1200" i="1" noProof="0" dirty="0">
                 <a:latin typeface="Source Sans Pro" panose="020B0503030403020204" pitchFamily="34" charset="0"/>
                 <a:ea typeface="Source Sans Pro" panose="020B0503030403020204" pitchFamily="34" charset="0"/>
               </a:rPr>
               <a:t>Scatterplot</a:t>
             </a:r>
             <a:r>
-              <a:rPr lang="en-US" dirty="0"/>
+              <a:rPr lang="en-US" noProof="0" dirty="0"/>
               <a:t> </a:t>
             </a:r>
             <a:r>
-              <a:rPr lang="en-US" sz="1200" i="1" dirty="0">
+              <a:rPr lang="en-US" sz="1200" i="1" noProof="0" dirty="0">
                 <a:latin typeface="Source Sans Pro" panose="020B0503030403020204" pitchFamily="34" charset="0"/>
                 <a:ea typeface="Source Sans Pro" panose="020B0503030403020204" pitchFamily="34" charset="0"/>
               </a:rPr>
               <a:t>of all analyzed proteins, showing their monomeric molecular weight (</a:t>
             </a:r>
             <a:r>
-              <a:rPr lang="en-US" sz="1200" i="1" dirty="0" err="1">
+              <a:rPr lang="en-US" sz="1200" i="1" noProof="0" dirty="0" err="1">
                 <a:latin typeface="Source Sans Pro" panose="020B0503030403020204" pitchFamily="34" charset="0"/>
                 <a:ea typeface="Source Sans Pro" panose="020B0503030403020204" pitchFamily="34" charset="0"/>
               </a:rPr>
               <a:t>UniProt</a:t>
             </a:r>
             <a:r>
-              <a:rPr lang="en-US" sz="1200" i="1" dirty="0">
+              <a:rPr lang="en-US" sz="1200" i="1" noProof="0" dirty="0">
                 <a:latin typeface="Source Sans Pro" panose="020B0503030403020204" pitchFamily="34" charset="0"/>
                 <a:ea typeface="Source Sans Pro" panose="020B0503030403020204" pitchFamily="34" charset="0"/>
               </a:rPr>
@@ -9128,7 +8620,7 @@
           </a:p>
           <a:p>
             <a:pPr algn="just"/>
-            <a:endParaRPr lang="en-US" sz="1200" i="1" dirty="0">
+            <a:endParaRPr lang="en-US" sz="1200" i="1" noProof="0" dirty="0">
               <a:latin typeface="Source Sans Pro" panose="020B0503030403020204" pitchFamily="34" charset="0"/>
               <a:ea typeface="Source Sans Pro" panose="020B0503030403020204" pitchFamily="34" charset="0"/>
             </a:endParaRPr>
@@ -9136,7 +8628,7 @@
           <a:p>
             <a:pPr algn="just"/>
             <a:r>
-              <a:rPr lang="en-US" sz="1200" i="1" dirty="0">
+              <a:rPr lang="en-US" sz="1200" i="1" noProof="0" dirty="0">
                 <a:latin typeface="Source Sans Pro" panose="020B0503030403020204" pitchFamily="34" charset="0"/>
                 <a:ea typeface="Source Sans Pro" panose="020B0503030403020204" pitchFamily="34" charset="0"/>
               </a:rPr>
@@ -9145,8 +8637,8 @@
           </a:p>
         </p:txBody>
       </p:sp>
-      <mc:AlternateContent xmlns:mc="http://schemas.openxmlformats.org/markup-compatibility/2006" xmlns:a14="http://schemas.microsoft.com/office/drawing/2010/main">
-        <mc:Choice Requires="a14">
+      <mc:AlternateContent xmlns:mc="http://schemas.openxmlformats.org/markup-compatibility/2006">
+        <mc:Choice xmlns:a14="http://schemas.microsoft.com/office/drawing/2010/main" Requires="a14">
           <p:sp>
             <p:nvSpPr>
               <p:cNvPr id="115" name="Textfeld 114">
@@ -9183,67 +8675,67 @@
                     </m:oMathParaPr>
                     <m:oMath xmlns:m="http://schemas.openxmlformats.org/officeDocument/2006/math">
                       <m:r>
-                        <a:rPr lang="de-DE" sz="2400" b="0" i="1" smtClean="0">
+                        <a:rPr lang="en-US" sz="2400" b="0" i="1" noProof="0" smtClean="0">
                           <a:latin typeface="Cambria Math" panose="02040503050406030204" pitchFamily="18" charset="0"/>
                         </a:rPr>
                         <m:t>𝑆h𝑖𝑓𝑡</m:t>
                       </m:r>
                       <m:r>
-                        <a:rPr lang="de-DE" sz="2400" b="0" i="1" smtClean="0">
+                        <a:rPr lang="en-US" sz="2400" b="0" i="1" noProof="0" smtClean="0">
                           <a:latin typeface="Cambria Math" panose="02040503050406030204" pitchFamily="18" charset="0"/>
                         </a:rPr>
                         <m:t> </m:t>
                       </m:r>
                       <m:r>
-                        <a:rPr lang="de-DE" sz="2400" b="0" i="1" smtClean="0">
+                        <a:rPr lang="en-US" sz="2400" b="0" i="1" noProof="0" smtClean="0">
                           <a:latin typeface="Cambria Math" panose="02040503050406030204" pitchFamily="18" charset="0"/>
                         </a:rPr>
                         <m:t>𝑑𝑖𝑠𝑡𝑎𝑛𝑐𝑒</m:t>
                       </m:r>
                       <m:r>
-                        <a:rPr lang="de-DE" sz="2400" b="0" i="1" smtClean="0">
+                        <a:rPr lang="en-US" sz="2400" b="0" i="1" noProof="0" smtClean="0">
                           <a:latin typeface="Cambria Math" panose="02040503050406030204" pitchFamily="18" charset="0"/>
                         </a:rPr>
                         <m:t> =</m:t>
                       </m:r>
                       <m:r>
-                        <a:rPr lang="de-DE" sz="2400" b="0" i="1" smtClean="0">
+                        <a:rPr lang="en-US" sz="2400" b="0" i="1" noProof="0" smtClean="0">
                           <a:latin typeface="Cambria Math" panose="02040503050406030204" pitchFamily="18" charset="0"/>
                         </a:rPr>
                         <m:t>𝐶𝑜𝑀</m:t>
                       </m:r>
                       <m:r>
-                        <a:rPr lang="de-DE" sz="2400" b="0" i="1" smtClean="0">
+                        <a:rPr lang="en-US" sz="2400" b="0" i="1" noProof="0" smtClean="0">
                           <a:latin typeface="Cambria Math" panose="02040503050406030204" pitchFamily="18" charset="0"/>
                         </a:rPr>
                         <m:t> </m:t>
                       </m:r>
                       <m:r>
-                        <a:rPr lang="de-DE" sz="2400" b="0" i="1" smtClean="0">
+                        <a:rPr lang="en-US" sz="2400" b="0" i="1" noProof="0" smtClean="0">
                           <a:latin typeface="Cambria Math" panose="02040503050406030204" pitchFamily="18" charset="0"/>
                         </a:rPr>
                         <m:t>𝐶𝑡𝑟𝑙</m:t>
                       </m:r>
                       <m:r>
-                        <a:rPr lang="de-DE" sz="2400" b="0" i="1" smtClean="0">
+                        <a:rPr lang="en-US" sz="2400" b="0" i="1" noProof="0" smtClean="0">
                           <a:latin typeface="Cambria Math" panose="02040503050406030204" pitchFamily="18" charset="0"/>
                         </a:rPr>
                         <m:t> −</m:t>
                       </m:r>
                       <m:r>
-                        <a:rPr lang="de-DE" sz="2400" b="0" i="1" smtClean="0">
+                        <a:rPr lang="en-US" sz="2400" b="0" i="1" noProof="0" smtClean="0">
                           <a:latin typeface="Cambria Math" panose="02040503050406030204" pitchFamily="18" charset="0"/>
                         </a:rPr>
                         <m:t>𝐶𝑜𝑀</m:t>
                       </m:r>
                       <m:r>
-                        <a:rPr lang="de-DE" sz="2400" b="0" i="1" smtClean="0">
+                        <a:rPr lang="en-US" sz="2400" b="0" i="1" noProof="0" smtClean="0">
                           <a:latin typeface="Cambria Math" panose="02040503050406030204" pitchFamily="18" charset="0"/>
                         </a:rPr>
                         <m:t> </m:t>
                       </m:r>
                       <m:r>
-                        <a:rPr lang="de-DE" sz="2400" b="0" i="1" smtClean="0">
+                        <a:rPr lang="en-US" sz="2400" b="0" i="1" noProof="0" smtClean="0">
                           <a:latin typeface="Cambria Math" panose="02040503050406030204" pitchFamily="18" charset="0"/>
                         </a:rPr>
                         <m:t>𝑅𝑁𝑎𝑠𝑒</m:t>
@@ -9251,12 +8743,12 @@
                     </m:oMath>
                   </m:oMathPara>
                 </a14:m>
-                <a:endParaRPr lang="en-US" sz="2400" dirty="0"/>
+                <a:endParaRPr lang="en-US" sz="2400" noProof="0" dirty="0"/>
               </a:p>
             </p:txBody>
           </p:sp>
         </mc:Choice>
-        <mc:Fallback xmlns="">
+        <mc:Fallback>
           <p:sp>
             <p:nvSpPr>
               <p:cNvPr id="115" name="Textfeld 114">
@@ -9280,9 +8772,9 @@
                 <a:avLst/>
               </a:prstGeom>
               <a:blipFill>
-                <a:blip r:embed="rId22"/>
+                <a:blip r:embed="rId19"/>
                 <a:stretch>
-                  <a:fillRect l="-1538" t="-6452" r="-659" b="-32258"/>
+                  <a:fillRect l="-1478" t="-1639" r="-845" b="-31148"/>
                 </a:stretch>
               </a:blipFill>
             </p:spPr>
@@ -9330,7 +8822,7 @@
           <a:lstStyle/>
           <a:p>
             <a:r>
-              <a:rPr lang="en-US" sz="2400" dirty="0">
+              <a:rPr lang="en-US" sz="2400" noProof="0" dirty="0">
                 <a:latin typeface="Source Sans Pro" panose="020B0503030403020204" pitchFamily="34" charset="0"/>
                 <a:ea typeface="Source Sans Pro" panose="020B0503030403020204" pitchFamily="34" charset="0"/>
               </a:rPr>
@@ -9338,7 +8830,7 @@
             </a:r>
           </a:p>
           <a:p>
-            <a:endParaRPr lang="en-US" sz="2400" dirty="0"/>
+            <a:endParaRPr lang="en-US" sz="2400" noProof="0" dirty="0"/>
           </a:p>
         </p:txBody>
       </p:sp>
@@ -9457,7 +8949,27 @@
                 <a:latin typeface="Source Sans Pro" panose="020B0503030403020204" pitchFamily="34" charset="0"/>
                 <a:ea typeface="Source Sans Pro" panose="020B0503030403020204" pitchFamily="34" charset="0"/>
               </a:rPr>
-              <a:t>Normalization: Finding the right fit for the day </a:t>
+              <a:t>Normalization: Finding the right fit for the </a:t>
+            </a:r>
+            <a:r>
+              <a:rPr lang="en-US" sz="4000" dirty="0">
+                <a:solidFill>
+                  <a:schemeClr val="tx1"/>
+                </a:solidFill>
+                <a:latin typeface="Source Sans Pro" panose="020B0503030403020204" pitchFamily="34" charset="0"/>
+                <a:ea typeface="Source Sans Pro" panose="020B0503030403020204" pitchFamily="34" charset="0"/>
+              </a:rPr>
+              <a:t>season</a:t>
+            </a:r>
+            <a:r>
+              <a:rPr lang="en-US" sz="4000" noProof="0" dirty="0">
+                <a:solidFill>
+                  <a:schemeClr val="tx1"/>
+                </a:solidFill>
+                <a:latin typeface="Source Sans Pro" panose="020B0503030403020204" pitchFamily="34" charset="0"/>
+                <a:ea typeface="Source Sans Pro" panose="020B0503030403020204" pitchFamily="34" charset="0"/>
+              </a:rPr>
+              <a:t> </a:t>
             </a:r>
           </a:p>
           <a:p>
@@ -9551,7 +9063,7 @@
           <p:nvPr/>
         </p:nvPicPr>
         <p:blipFill>
-          <a:blip r:embed="rId23">
+          <a:blip r:embed="rId20">
             <a:extLst>
               <a:ext uri="{28A0092B-C50C-407E-A947-70E740481C1C}">
                 <a14:useLocalDpi xmlns:a14="http://schemas.microsoft.com/office/drawing/2010/main" val="0"/>
@@ -9602,7 +9114,7 @@
           <a:p>
             <a:pPr algn="just"/>
             <a:r>
-              <a:rPr lang="en-US" sz="2400" b="1" dirty="0"/>
+              <a:rPr lang="en-US" sz="2400" b="1" noProof="0" dirty="0"/>
               <a:t>Information about Data</a:t>
             </a:r>
           </a:p>
@@ -9612,7 +9124,7 @@
               <a:buChar char="•"/>
             </a:pPr>
             <a:r>
-              <a:rPr lang="en-US" sz="2400" dirty="0"/>
+              <a:rPr lang="en-US" sz="2400" noProof="0" dirty="0"/>
               <a:t>Total number of Proteins: </a:t>
             </a:r>
           </a:p>
@@ -9622,7 +9134,7 @@
               <a:buChar char="•"/>
             </a:pPr>
             <a:r>
-              <a:rPr lang="en-US" sz="2400" dirty="0"/>
+              <a:rPr lang="en-US" sz="2400" noProof="0" dirty="0"/>
               <a:t>Number of Fractions: 25 Fractions </a:t>
             </a:r>
           </a:p>
@@ -9632,7 +9144,7 @@
               <a:buChar char="•"/>
             </a:pPr>
             <a:r>
-              <a:rPr lang="en-US" sz="2400" dirty="0"/>
+              <a:rPr lang="en-US" sz="2400" noProof="0" dirty="0"/>
               <a:t>Overall maximum intensity: 1514642849 (au.?) representing signal strength</a:t>
             </a:r>
           </a:p>
@@ -9642,7 +9154,7 @@
               <a:buChar char="•"/>
             </a:pPr>
             <a:r>
-              <a:rPr lang="en-US" sz="2400" dirty="0"/>
+              <a:rPr lang="en-US" sz="2400" noProof="0" dirty="0"/>
               <a:t>Overall minimum intensity: 0</a:t>
             </a:r>
           </a:p>
@@ -9652,25 +9164,20 @@
               <a:buChar char="•"/>
             </a:pPr>
             <a:r>
-              <a:rPr lang="en-US" sz="2400" dirty="0"/>
+              <a:rPr lang="en-US" sz="2400" noProof="0" dirty="0"/>
               <a:t>Number of Na: 0</a:t>
             </a:r>
           </a:p>
           <a:p>
             <a:pPr algn="just"/>
-            <a:endParaRPr lang="en-US" sz="2400" dirty="0"/>
+            <a:endParaRPr lang="en-US" sz="2400" noProof="0" dirty="0"/>
           </a:p>
           <a:p>
             <a:pPr algn="just"/>
             <a:r>
-              <a:rPr lang="en-US" sz="2400" b="1" dirty="0"/>
-              <a:t>How we adapted our data for our </a:t>
-            </a:r>
-            <a:r>
-              <a:rPr lang="en-US" sz="2400" b="1" dirty="0" err="1"/>
-              <a:t>analisis</a:t>
-            </a:r>
-            <a:endParaRPr lang="en-US" sz="2400" b="1" dirty="0"/>
+              <a:rPr lang="en-US" sz="2400" b="1" noProof="0" dirty="0"/>
+              <a:t>How we adapted our data for our analysis</a:t>
+            </a:r>
           </a:p>
           <a:p>
             <a:pPr marL="342900" indent="-342900" algn="just">
@@ -9678,12 +9185,8 @@
               <a:buChar char="•"/>
             </a:pPr>
             <a:r>
-              <a:rPr lang="en-US" sz="2400" dirty="0" err="1"/>
-              <a:t>Averedging</a:t>
-            </a:r>
-            <a:r>
-              <a:rPr lang="en-US" sz="2400" dirty="0"/>
-              <a:t> over all Triplicates</a:t>
+              <a:rPr lang="en-US" sz="2400" noProof="0" dirty="0"/>
+              <a:t>Averaging over all Triplicates</a:t>
             </a:r>
           </a:p>
           <a:p>
@@ -9692,29 +9195,13 @@
               <a:buChar char="•"/>
             </a:pPr>
             <a:r>
-              <a:rPr lang="en-US" sz="2400" dirty="0"/>
-              <a:t>Normalizing to 100: </a:t>
-            </a:r>
-            <a:r>
-              <a:rPr lang="en-GB" sz="2400" dirty="0"/>
-              <a:t>each protein is scaled so that the distribution within the Ctrl and </a:t>
-            </a:r>
-            <a:r>
-              <a:rPr lang="en-GB" sz="2400" dirty="0" err="1"/>
-              <a:t>RNAse</a:t>
-            </a:r>
-            <a:r>
-              <a:rPr lang="en-GB" sz="2400" dirty="0"/>
-              <a:t> conditions each sums to 100</a:t>
-            </a:r>
-            <a:r>
-              <a:rPr lang="en-US" sz="2400" dirty="0"/>
-              <a:t> (for every Protein) </a:t>
+              <a:rPr lang="en-US" sz="2400" noProof="0" dirty="0"/>
+              <a:t>Normalizing to 100: each protein is scaled so that the distribution within the Ctrl and RNase conditions each sums to 100 (for every Protein) </a:t>
             </a:r>
           </a:p>
           <a:p>
             <a:pPr algn="just"/>
-            <a:endParaRPr lang="en-GB" sz="2400" b="1" dirty="0"/>
+            <a:endParaRPr lang="en-US" sz="2400" b="1" noProof="0" dirty="0"/>
           </a:p>
         </p:txBody>
       </p:sp>
@@ -9747,74 +9234,13 @@
           <a:lstStyle/>
           <a:p>
             <a:r>
-              <a:rPr lang="de-DE" sz="1200" b="1" dirty="0"/>
-              <a:t>Fig. X </a:t>
-            </a:r>
-            <a:r>
-              <a:rPr lang="en-GB" sz="1200" b="1" dirty="0"/>
-              <a:t>Mean protein intensities across 25 fractions under control conditions: </a:t>
-            </a:r>
-            <a:r>
-              <a:rPr lang="en-GB" sz="1200" dirty="0"/>
+              <a:rPr lang="en-US" sz="1200" b="1" noProof="0" dirty="0"/>
+              <a:t>Fig. X Mean protein intensities across 25 fractions under control conditions: </a:t>
+            </a:r>
+            <a:r>
+              <a:rPr lang="en-US" sz="1200" noProof="0" dirty="0"/>
               <a:t>Bar plot showing the average intensity for 25 randomly selected proteins measured across 25 fractions in the Ctrl condition. All Reps were averaged already. Each bar represents the mean intensity per protein, with error bars indicating the standard error of the mean (SEM) across fractions. This visualization highlights the variability in abundance profiles among different proteins across the cellular gradient. </a:t>
             </a:r>
-            <a:endParaRPr lang="en-US" sz="1200" dirty="0"/>
-          </a:p>
-        </p:txBody>
-      </p:sp>
-      <p:sp>
-        <p:nvSpPr>
-          <p:cNvPr id="67" name="Rectangle 66">
-            <a:extLst>
-              <a:ext uri="{FF2B5EF4-FFF2-40B4-BE49-F238E27FC236}">
-                <a16:creationId xmlns:a16="http://schemas.microsoft.com/office/drawing/2014/main" id="{497B7107-C6F9-BC8E-32F9-4EB58EBC3122}"/>
-              </a:ext>
-            </a:extLst>
-          </p:cNvPr>
-          <p:cNvSpPr/>
-          <p:nvPr/>
-        </p:nvSpPr>
-        <p:spPr>
-          <a:xfrm>
-            <a:off x="22687042" y="26194178"/>
-            <a:ext cx="6776884" cy="5105981"/>
-          </a:xfrm>
-          <a:prstGeom prst="rect">
-            <a:avLst/>
-          </a:prstGeom>
-          <a:solidFill>
-            <a:schemeClr val="bg1"/>
-          </a:solidFill>
-          <a:ln>
-            <a:noFill/>
-          </a:ln>
-        </p:spPr>
-        <p:style>
-          <a:lnRef idx="2">
-            <a:schemeClr val="accent1">
-              <a:shade val="15000"/>
-            </a:schemeClr>
-          </a:lnRef>
-          <a:fillRef idx="1">
-            <a:schemeClr val="accent1"/>
-          </a:fillRef>
-          <a:effectRef idx="0">
-            <a:schemeClr val="accent1"/>
-          </a:effectRef>
-          <a:fontRef idx="minor">
-            <a:schemeClr val="lt1"/>
-          </a:fontRef>
-        </p:style>
-        <p:txBody>
-          <a:bodyPr rtlCol="0" anchor="t"/>
-          <a:lstStyle/>
-          <a:p>
-            <a:pPr algn="r"/>
-            <a:endParaRPr lang="en-GB" sz="3600" dirty="0">
-              <a:solidFill>
-                <a:schemeClr val="tx1"/>
-              </a:solidFill>
-            </a:endParaRPr>
           </a:p>
         </p:txBody>
       </p:sp>
@@ -9832,7 +9258,7 @@
         </p:nvSpPr>
         <p:spPr>
           <a:xfrm>
-            <a:off x="15213808" y="25798474"/>
+            <a:off x="15058074" y="25819410"/>
             <a:ext cx="14528007" cy="12396420"/>
           </a:xfrm>
           <a:prstGeom prst="roundRect">
@@ -9894,8 +9320,8 @@
         </p:nvSpPr>
         <p:spPr>
           <a:xfrm>
-            <a:off x="23799288" y="25973133"/>
-            <a:ext cx="5656553" cy="4159284"/>
+            <a:off x="23799289" y="26105699"/>
+            <a:ext cx="5571050" cy="4026718"/>
           </a:xfrm>
           <a:prstGeom prst="rect">
             <a:avLst/>
@@ -9928,7 +9354,7 @@
           <a:lstStyle/>
           <a:p>
             <a:pPr algn="r"/>
-            <a:endParaRPr lang="en-GB" sz="3600" dirty="0">
+            <a:endParaRPr lang="en-US" sz="3600" noProof="0" dirty="0">
               <a:solidFill>
                 <a:schemeClr val="tx1"/>
               </a:solidFill>
@@ -9951,7 +9377,7 @@
           <p:nvPr/>
         </p:nvPicPr>
         <p:blipFill>
-          <a:blip r:embed="rId24">
+          <a:blip r:embed="rId21">
             <a:extLst>
               <a:ext uri="{28A0092B-C50C-407E-A947-70E740481C1C}">
                 <a14:useLocalDpi xmlns:a14="http://schemas.microsoft.com/office/drawing/2010/main" val="0"/>
@@ -9964,8 +9390,8 @@
         </p:blipFill>
         <p:spPr>
           <a:xfrm>
-            <a:off x="23827897" y="26008271"/>
-            <a:ext cx="5542441" cy="4156832"/>
+            <a:off x="23827897" y="26138383"/>
+            <a:ext cx="5368957" cy="4026719"/>
           </a:xfrm>
           <a:prstGeom prst="rect">
             <a:avLst/>
@@ -10020,7 +9446,7 @@
           <a:lstStyle/>
           <a:p>
             <a:pPr algn="r"/>
-            <a:endParaRPr lang="en-GB" sz="3600" dirty="0">
+            <a:endParaRPr lang="en-US" sz="3600" noProof="0" dirty="0">
               <a:solidFill>
                 <a:schemeClr val="tx1"/>
               </a:solidFill>
@@ -10043,7 +9469,7 @@
           <p:nvPr/>
         </p:nvPicPr>
         <p:blipFill>
-          <a:blip r:embed="rId25">
+          <a:blip r:embed="rId22">
             <a:extLst>
               <a:ext uri="{28A0092B-C50C-407E-A947-70E740481C1C}">
                 <a14:useLocalDpi xmlns:a14="http://schemas.microsoft.com/office/drawing/2010/main" val="0"/>
@@ -10078,7 +9504,7 @@
         </p:nvSpPr>
         <p:spPr>
           <a:xfrm>
-            <a:off x="15457632" y="26340900"/>
+            <a:off x="15412762" y="26485813"/>
             <a:ext cx="8341656" cy="3323987"/>
           </a:xfrm>
           <a:prstGeom prst="rect">
@@ -10094,7 +9520,7 @@
           <a:p>
             <a:pPr algn="just"/>
             <a:r>
-              <a:rPr lang="en-GB" sz="2400" b="1" dirty="0">
+              <a:rPr lang="en-US" sz="2400" b="1" noProof="0" dirty="0">
                 <a:latin typeface="Source Sans Pro" panose="020B0503030403020204" pitchFamily="34" charset="0"/>
                 <a:ea typeface="Source Sans Pro" panose="020B0503030403020204" pitchFamily="34" charset="0"/>
               </a:rPr>
@@ -10103,7 +9529,7 @@
           </a:p>
           <a:p>
             <a:r>
-              <a:rPr lang="en-GB" sz="2400" dirty="0">
+              <a:rPr lang="en-US" sz="2400" noProof="0" dirty="0">
                 <a:latin typeface="Source Sans Pro" panose="020B0503030403020204" pitchFamily="34" charset="0"/>
                 <a:ea typeface="Source Sans Pro" panose="020B0503030403020204" pitchFamily="34" charset="0"/>
               </a:rPr>
@@ -10116,32 +9542,18 @@
               <a:buChar char="•"/>
             </a:pPr>
             <a:r>
-              <a:rPr lang="en-GB" sz="2400" b="1" dirty="0">
+              <a:rPr lang="en-US" sz="2400" b="1" noProof="0" dirty="0">
                 <a:latin typeface="Source Sans Pro" panose="020B0503030403020204" pitchFamily="34" charset="0"/>
                 <a:ea typeface="Source Sans Pro" panose="020B0503030403020204" pitchFamily="34" charset="0"/>
               </a:rPr>
               <a:t>ε (epsilon): </a:t>
             </a:r>
             <a:r>
-              <a:rPr lang="en-GB" sz="2400" dirty="0">
-                <a:latin typeface="Source Sans Pro" panose="020B0503030403020204" pitchFamily="34" charset="0"/>
-                <a:ea typeface="Source Sans Pro" panose="020B0503030403020204" pitchFamily="34" charset="0"/>
-              </a:rPr>
-              <a:t>The maximum distance between two points to be considered </a:t>
-            </a:r>
-            <a:r>
-              <a:rPr lang="en-GB" sz="2400" dirty="0" err="1">
-                <a:latin typeface="Source Sans Pro" panose="020B0503030403020204" pitchFamily="34" charset="0"/>
-                <a:ea typeface="Source Sans Pro" panose="020B0503030403020204" pitchFamily="34" charset="0"/>
-              </a:rPr>
-              <a:t>neighbors</a:t>
-            </a:r>
-            <a:r>
-              <a:rPr lang="en-GB" sz="2400" dirty="0">
-                <a:latin typeface="Source Sans Pro" panose="020B0503030403020204" pitchFamily="34" charset="0"/>
-                <a:ea typeface="Source Sans Pro" panose="020B0503030403020204" pitchFamily="34" charset="0"/>
-              </a:rPr>
-              <a:t>. </a:t>
+              <a:rPr lang="en-US" sz="2400" noProof="0" dirty="0">
+                <a:latin typeface="Source Sans Pro" panose="020B0503030403020204" pitchFamily="34" charset="0"/>
+                <a:ea typeface="Source Sans Pro" panose="020B0503030403020204" pitchFamily="34" charset="0"/>
+              </a:rPr>
+              <a:t>The maximum distance between two points to be considered neighbors. </a:t>
             </a:r>
           </a:p>
           <a:p>
@@ -10150,39 +9562,25 @@
               <a:buChar char="•"/>
             </a:pPr>
             <a:r>
-              <a:rPr lang="en-GB" sz="2400" b="1" dirty="0" err="1">
+              <a:rPr lang="en-US" sz="2400" b="1" noProof="0" dirty="0" err="1">
                 <a:latin typeface="Source Sans Pro" panose="020B0503030403020204" pitchFamily="34" charset="0"/>
                 <a:ea typeface="Source Sans Pro" panose="020B0503030403020204" pitchFamily="34" charset="0"/>
               </a:rPr>
               <a:t>MinPts</a:t>
             </a:r>
             <a:r>
-              <a:rPr lang="en-GB" sz="2400" b="1" dirty="0">
+              <a:rPr lang="en-US" sz="2400" b="1" noProof="0" dirty="0">
                 <a:latin typeface="Source Sans Pro" panose="020B0503030403020204" pitchFamily="34" charset="0"/>
                 <a:ea typeface="Source Sans Pro" panose="020B0503030403020204" pitchFamily="34" charset="0"/>
               </a:rPr>
               <a:t>: </a:t>
             </a:r>
             <a:r>
-              <a:rPr lang="en-GB" sz="2400" dirty="0">
-                <a:latin typeface="Source Sans Pro" panose="020B0503030403020204" pitchFamily="34" charset="0"/>
-                <a:ea typeface="Source Sans Pro" panose="020B0503030403020204" pitchFamily="34" charset="0"/>
-              </a:rPr>
-              <a:t>The minimum number of </a:t>
-            </a:r>
-            <a:r>
-              <a:rPr lang="en-GB" sz="2400" dirty="0" err="1">
-                <a:latin typeface="Source Sans Pro" panose="020B0503030403020204" pitchFamily="34" charset="0"/>
-                <a:ea typeface="Source Sans Pro" panose="020B0503030403020204" pitchFamily="34" charset="0"/>
-              </a:rPr>
-              <a:t>neighbors</a:t>
-            </a:r>
-            <a:r>
-              <a:rPr lang="en-GB" sz="2400" dirty="0">
-                <a:latin typeface="Source Sans Pro" panose="020B0503030403020204" pitchFamily="34" charset="0"/>
-                <a:ea typeface="Source Sans Pro" panose="020B0503030403020204" pitchFamily="34" charset="0"/>
-              </a:rPr>
-              <a:t> (within ε distance) to form a core point, border points are those within ε of a core point.</a:t>
+              <a:rPr lang="en-US" sz="2400" noProof="0" dirty="0">
+                <a:latin typeface="Source Sans Pro" panose="020B0503030403020204" pitchFamily="34" charset="0"/>
+                <a:ea typeface="Source Sans Pro" panose="020B0503030403020204" pitchFamily="34" charset="0"/>
+              </a:rPr>
+              <a:t>The minimum number of neighbors (within ε distance) to form a core point, border points are those within ε of a core point.</a:t>
             </a:r>
           </a:p>
           <a:p>
@@ -10204,7 +9602,7 @@
         </p:nvSpPr>
         <p:spPr>
           <a:xfrm>
-            <a:off x="15469068" y="29287839"/>
+            <a:off x="15469068" y="29381085"/>
             <a:ext cx="8330220" cy="3416320"/>
           </a:xfrm>
           <a:prstGeom prst="rect">
@@ -10220,13 +9618,13 @@
           <a:p>
             <a:pPr algn="just"/>
             <a:r>
-              <a:rPr lang="en-US" sz="2400" b="1" dirty="0">
+              <a:rPr lang="en-US" sz="2400" b="1" noProof="0" dirty="0">
                 <a:latin typeface="Source Sans Pro" panose="020B0503030403020204" pitchFamily="34" charset="0"/>
                 <a:ea typeface="Source Sans Pro" panose="020B0503030403020204" pitchFamily="34" charset="0"/>
               </a:rPr>
               <a:t>Choosing parameters </a:t>
             </a:r>
-            <a:endParaRPr lang="en-US" sz="2400" dirty="0">
+            <a:endParaRPr lang="en-US" sz="2400" noProof="0" dirty="0">
               <a:latin typeface="Source Sans Pro" panose="020B0503030403020204" pitchFamily="34" charset="0"/>
               <a:ea typeface="Source Sans Pro" panose="020B0503030403020204" pitchFamily="34" charset="0"/>
             </a:endParaRPr>
@@ -10234,35 +9632,28 @@
           <a:p>
             <a:pPr algn="just"/>
             <a:r>
-              <a:rPr lang="en-US" sz="2400" dirty="0">
+              <a:rPr lang="en-US" sz="2400" noProof="0" dirty="0">
                 <a:latin typeface="Source Sans Pro" panose="020B0503030403020204" pitchFamily="34" charset="0"/>
                 <a:ea typeface="Source Sans Pro" panose="020B0503030403020204" pitchFamily="34" charset="0"/>
               </a:rPr>
               <a:t>To validate the efficiency in clustering we created a heatmap with a specific scoring logic. We adjusted our DBSCAN </a:t>
             </a:r>
             <a:r>
-              <a:rPr lang="en-US" sz="2400" b="1" dirty="0">
-                <a:latin typeface="Source Sans Pro" panose="020B0503030403020204" pitchFamily="34" charset="0"/>
-                <a:ea typeface="Source Sans Pro" panose="020B0503030403020204" pitchFamily="34" charset="0"/>
-              </a:rPr>
-              <a:t>to </a:t>
-            </a:r>
-            <a:r>
-              <a:rPr lang="en-GB" sz="2400" b="1" dirty="0">
-                <a:latin typeface="Source Sans Pro" panose="020B0503030403020204" pitchFamily="34" charset="0"/>
-                <a:ea typeface="Source Sans Pro" panose="020B0503030403020204" pitchFamily="34" charset="0"/>
-              </a:rPr>
-              <a:t>ε = 0.7 and </a:t>
-            </a:r>
-            <a:r>
-              <a:rPr lang="en-GB" sz="2400" b="1" dirty="0" err="1">
+              <a:rPr lang="en-US" sz="2400" b="1" noProof="0" dirty="0">
+                <a:latin typeface="Source Sans Pro" panose="020B0503030403020204" pitchFamily="34" charset="0"/>
+                <a:ea typeface="Source Sans Pro" panose="020B0503030403020204" pitchFamily="34" charset="0"/>
+              </a:rPr>
+              <a:t>to ε = 0.7 and </a:t>
+            </a:r>
+            <a:r>
+              <a:rPr lang="en-US" sz="2400" b="1" noProof="0" dirty="0" err="1">
                 <a:latin typeface="Source Sans Pro" panose="020B0503030403020204" pitchFamily="34" charset="0"/>
                 <a:ea typeface="Source Sans Pro" panose="020B0503030403020204" pitchFamily="34" charset="0"/>
               </a:rPr>
               <a:t>MintPts</a:t>
             </a:r>
             <a:r>
-              <a:rPr lang="en-GB" sz="2400" b="1" dirty="0">
+              <a:rPr lang="en-US" sz="2400" b="1" noProof="0" dirty="0">
                 <a:latin typeface="Source Sans Pro" panose="020B0503030403020204" pitchFamily="34" charset="0"/>
                 <a:ea typeface="Source Sans Pro" panose="020B0503030403020204" pitchFamily="34" charset="0"/>
               </a:rPr>
@@ -10271,25 +9662,25 @@
           </a:p>
           <a:p>
             <a:pPr algn="just"/>
-            <a:endParaRPr lang="en-GB" sz="2400" dirty="0">
+            <a:endParaRPr lang="en-US" sz="2400" noProof="0" dirty="0">
               <a:latin typeface="Source Sans Pro" panose="020B0503030403020204" pitchFamily="34" charset="0"/>
               <a:ea typeface="Source Sans Pro" panose="020B0503030403020204" pitchFamily="34" charset="0"/>
             </a:endParaRPr>
           </a:p>
           <a:p>
             <a:pPr algn="just"/>
-            <a:endParaRPr lang="en-GB" sz="2400" b="1" dirty="0"/>
+            <a:endParaRPr lang="en-US" sz="2400" b="1" noProof="0" dirty="0"/>
           </a:p>
           <a:p>
             <a:pPr algn="just"/>
-            <a:endParaRPr lang="en-GB" sz="2400" b="1" dirty="0">
+            <a:endParaRPr lang="en-US" sz="2400" b="1" noProof="0" dirty="0">
               <a:latin typeface="Source Sans Pro" panose="020B0503030403020204" pitchFamily="34" charset="0"/>
               <a:ea typeface="Source Sans Pro" panose="020B0503030403020204" pitchFamily="34" charset="0"/>
             </a:endParaRPr>
           </a:p>
           <a:p>
             <a:pPr algn="just"/>
-            <a:endParaRPr lang="en-US" sz="2400" b="1" dirty="0">
+            <a:endParaRPr lang="en-US" sz="2400" b="1" noProof="0" dirty="0">
               <a:latin typeface="Source Sans Pro" panose="020B0503030403020204" pitchFamily="34" charset="0"/>
               <a:ea typeface="Source Sans Pro" panose="020B0503030403020204" pitchFamily="34" charset="0"/>
             </a:endParaRPr>
@@ -10318,7 +9709,7 @@
           <p:nvPr/>
         </p:nvPicPr>
         <p:blipFill>
-          <a:blip r:embed="rId26">
+          <a:blip r:embed="rId23">
             <a:extLst>
               <a:ext uri="{28A0092B-C50C-407E-A947-70E740481C1C}">
                 <a14:useLocalDpi xmlns:a14="http://schemas.microsoft.com/office/drawing/2010/main" val="0"/>
@@ -10354,7 +9745,7 @@
           <p:nvPr/>
         </p:nvPicPr>
         <p:blipFill>
-          <a:blip r:embed="rId27">
+          <a:blip r:embed="rId24">
             <a:extLst>
               <a:ext uri="{28A0092B-C50C-407E-A947-70E740481C1C}">
                 <a14:useLocalDpi xmlns:a14="http://schemas.microsoft.com/office/drawing/2010/main" val="0"/>
@@ -10390,7 +9781,7 @@
           <p:nvPr/>
         </p:nvPicPr>
         <p:blipFill>
-          <a:blip r:embed="rId28">
+          <a:blip r:embed="rId25">
             <a:extLst>
               <a:ext uri="{28A0092B-C50C-407E-A947-70E740481C1C}">
                 <a14:useLocalDpi xmlns:a14="http://schemas.microsoft.com/office/drawing/2010/main" val="0"/>
@@ -10426,7 +9817,7 @@
           <p:nvPr/>
         </p:nvPicPr>
         <p:blipFill>
-          <a:blip r:embed="rId29">
+          <a:blip r:embed="rId26">
             <a:extLst>
               <a:ext uri="{28A0092B-C50C-407E-A947-70E740481C1C}">
                 <a14:useLocalDpi xmlns:a14="http://schemas.microsoft.com/office/drawing/2010/main" val="0"/>
@@ -10462,7 +9853,7 @@
           <p:nvPr/>
         </p:nvPicPr>
         <p:blipFill>
-          <a:blip r:embed="rId30">
+          <a:blip r:embed="rId27">
             <a:extLst>
               <a:ext uri="{28A0092B-C50C-407E-A947-70E740481C1C}">
                 <a14:useLocalDpi xmlns:a14="http://schemas.microsoft.com/office/drawing/2010/main" val="0"/>
@@ -10511,19 +9902,19 @@
           </a:bodyPr>
           <a:lstStyle/>
           <a:p>
-            <a:endParaRPr lang="en-GB" sz="2400" b="1" dirty="0"/>
+            <a:endParaRPr lang="en-US" sz="2400" b="1" noProof="0" dirty="0"/>
           </a:p>
           <a:p>
             <a:pPr algn="just"/>
             <a:r>
-              <a:rPr lang="en-GB" sz="2400" b="1" dirty="0">
+              <a:rPr lang="en-US" sz="2400" b="1" noProof="0" dirty="0">
                 <a:latin typeface="Source Sans Pro" panose="020B0503030403020204" pitchFamily="34" charset="0"/>
                 <a:ea typeface="Source Sans Pro" panose="020B0503030403020204" pitchFamily="34" charset="0"/>
               </a:rPr>
               <a:t>Outcome</a:t>
             </a:r>
             <a:r>
-              <a:rPr lang="en-GB" sz="2400" dirty="0">
+              <a:rPr lang="en-US" sz="2400" noProof="0" dirty="0">
                 <a:latin typeface="Source Sans Pro" panose="020B0503030403020204" pitchFamily="34" charset="0"/>
                 <a:ea typeface="Source Sans Pro" panose="020B0503030403020204" pitchFamily="34" charset="0"/>
               </a:rPr>
@@ -10536,32 +9927,18 @@
               <a:buChar char="•"/>
             </a:pPr>
             <a:r>
-              <a:rPr lang="en-GB" sz="2400" b="1" dirty="0">
+              <a:rPr lang="en-US" sz="2400" b="1" noProof="0" dirty="0">
                 <a:latin typeface="Source Sans Pro" panose="020B0503030403020204" pitchFamily="34" charset="0"/>
                 <a:ea typeface="Source Sans Pro" panose="020B0503030403020204" pitchFamily="34" charset="0"/>
               </a:rPr>
               <a:t>From 40S Ribosomal Complex</a:t>
             </a:r>
             <a:r>
-              <a:rPr lang="en-GB" sz="2400" dirty="0">
-                <a:latin typeface="Source Sans Pro" panose="020B0503030403020204" pitchFamily="34" charset="0"/>
-                <a:ea typeface="Source Sans Pro" panose="020B0503030403020204" pitchFamily="34" charset="0"/>
-              </a:rPr>
-              <a:t>: 3 out of 4 proteins where </a:t>
-            </a:r>
-            <a:r>
-              <a:rPr lang="en-GB" sz="2400" dirty="0" err="1">
-                <a:latin typeface="Source Sans Pro" panose="020B0503030403020204" pitchFamily="34" charset="0"/>
-                <a:ea typeface="Source Sans Pro" panose="020B0503030403020204" pitchFamily="34" charset="0"/>
-              </a:rPr>
-              <a:t>clusterd</a:t>
-            </a:r>
-            <a:r>
-              <a:rPr lang="en-GB" sz="2400" dirty="0">
-                <a:latin typeface="Source Sans Pro" panose="020B0503030403020204" pitchFamily="34" charset="0"/>
-                <a:ea typeface="Source Sans Pro" panose="020B0503030403020204" pitchFamily="34" charset="0"/>
-              </a:rPr>
-              <a:t> together (cluster 4)</a:t>
+              <a:rPr lang="en-US" sz="2400" noProof="0" dirty="0">
+                <a:latin typeface="Source Sans Pro" panose="020B0503030403020204" pitchFamily="34" charset="0"/>
+                <a:ea typeface="Source Sans Pro" panose="020B0503030403020204" pitchFamily="34" charset="0"/>
+              </a:rPr>
+              <a:t>: 3 out of 4 proteins were clustered together (cluster 4)</a:t>
             </a:r>
           </a:p>
           <a:p>
@@ -10570,32 +9947,18 @@
               <a:buChar char="•"/>
             </a:pPr>
             <a:r>
-              <a:rPr lang="en-GB" sz="2400" b="1" dirty="0">
+              <a:rPr lang="en-US" sz="2400" b="1" noProof="0" dirty="0">
                 <a:latin typeface="Source Sans Pro" panose="020B0503030403020204" pitchFamily="34" charset="0"/>
                 <a:ea typeface="Source Sans Pro" panose="020B0503030403020204" pitchFamily="34" charset="0"/>
               </a:rPr>
               <a:t>From Nop56p-associated pre-rRNA complex: </a:t>
             </a:r>
             <a:r>
-              <a:rPr lang="en-GB" sz="2400" dirty="0">
-                <a:latin typeface="Source Sans Pro" panose="020B0503030403020204" pitchFamily="34" charset="0"/>
-                <a:ea typeface="Source Sans Pro" panose="020B0503030403020204" pitchFamily="34" charset="0"/>
-              </a:rPr>
-              <a:t>4 out of 9 where </a:t>
-            </a:r>
-            <a:r>
-              <a:rPr lang="en-GB" sz="2400" dirty="0" err="1">
-                <a:latin typeface="Source Sans Pro" panose="020B0503030403020204" pitchFamily="34" charset="0"/>
-                <a:ea typeface="Source Sans Pro" panose="020B0503030403020204" pitchFamily="34" charset="0"/>
-              </a:rPr>
-              <a:t>clusterd</a:t>
-            </a:r>
-            <a:r>
-              <a:rPr lang="en-GB" sz="2400" dirty="0">
-                <a:latin typeface="Source Sans Pro" panose="020B0503030403020204" pitchFamily="34" charset="0"/>
-                <a:ea typeface="Source Sans Pro" panose="020B0503030403020204" pitchFamily="34" charset="0"/>
-              </a:rPr>
-              <a:t> together. </a:t>
+              <a:rPr lang="en-US" sz="2400" noProof="0" dirty="0">
+                <a:latin typeface="Source Sans Pro" panose="020B0503030403020204" pitchFamily="34" charset="0"/>
+                <a:ea typeface="Source Sans Pro" panose="020B0503030403020204" pitchFamily="34" charset="0"/>
+              </a:rPr>
+              <a:t>4 out of 9 were clustered together. </a:t>
             </a:r>
           </a:p>
           <a:p>
@@ -10604,7 +9967,7 @@
               <a:buChar char="•"/>
             </a:pPr>
             <a:r>
-              <a:rPr lang="en-GB" sz="2400" dirty="0">
+              <a:rPr lang="en-US" sz="2400" noProof="0" dirty="0">
                 <a:latin typeface="Source Sans Pro" panose="020B0503030403020204" pitchFamily="34" charset="0"/>
                 <a:ea typeface="Source Sans Pro" panose="020B0503030403020204" pitchFamily="34" charset="0"/>
               </a:rPr>
@@ -10612,7 +9975,7 @@
             </a:r>
           </a:p>
           <a:p>
-            <a:endParaRPr lang="en-GB" dirty="0"/>
+            <a:endParaRPr lang="en-US" noProof="0" dirty="0"/>
           </a:p>
         </p:txBody>
       </p:sp>
@@ -10646,7 +10009,7 @@
           <a:p>
             <a:pPr algn="just"/>
             <a:r>
-              <a:rPr lang="en-GB" sz="2400" b="1" dirty="0">
+              <a:rPr lang="en-US" sz="2400" b="1" noProof="0" dirty="0">
                 <a:latin typeface="Source Sans Pro" panose="020B0503030403020204" pitchFamily="34" charset="0"/>
                 <a:ea typeface="Source Sans Pro" panose="020B0503030403020204" pitchFamily="34" charset="0"/>
               </a:rPr>
@@ -10659,18 +10022,18 @@
               <a:buChar char="•"/>
             </a:pPr>
             <a:r>
-              <a:rPr lang="en-GB" sz="2400" b="1" dirty="0"/>
+              <a:rPr lang="en-US" sz="2400" b="1" noProof="0" dirty="0"/>
               <a:t>40S Ribosomal Complex</a:t>
             </a:r>
             <a:r>
-              <a:rPr lang="en-GB" sz="2400" dirty="0"/>
+              <a:rPr lang="en-US" sz="2400" noProof="0" dirty="0"/>
               <a:t>: A complex that, according to CORUM data, exists and includes 4 proteins from our RBS (ribosome binding site) during mitosis </a:t>
             </a:r>
             <a:r>
-              <a:rPr lang="en-GB" sz="2400" b="1" dirty="0"/>
+              <a:rPr lang="en-US" sz="2400" b="1" noProof="0" dirty="0"/>
               <a:t>positive control </a:t>
             </a:r>
-            <a:endParaRPr lang="en-GB" sz="2400" dirty="0"/>
+            <a:endParaRPr lang="en-US" sz="2400" noProof="0" dirty="0"/>
           </a:p>
           <a:p>
             <a:pPr marL="342900" indent="-342900">
@@ -10678,32 +10041,32 @@
               <a:buChar char="•"/>
             </a:pPr>
             <a:r>
-              <a:rPr lang="en-GB" sz="2400" dirty="0"/>
+              <a:rPr lang="en-US" sz="2400" noProof="0" dirty="0"/>
               <a:t>The proteins </a:t>
             </a:r>
             <a:r>
-              <a:rPr lang="en-GB" sz="2400" b="1" dirty="0"/>
+              <a:rPr lang="en-US" sz="2400" b="1" noProof="0" dirty="0"/>
               <a:t>UIMC1_HUMAN</a:t>
             </a:r>
             <a:r>
-              <a:rPr lang="en-GB" sz="2400" dirty="0"/>
+              <a:rPr lang="en-US" sz="2400" noProof="0" dirty="0"/>
               <a:t> and </a:t>
             </a:r>
             <a:r>
-              <a:rPr lang="en-GB" sz="2400" b="1" dirty="0"/>
+              <a:rPr lang="en-US" sz="2400" b="1" noProof="0" dirty="0"/>
               <a:t>LPPRC_HUMAN</a:t>
             </a:r>
             <a:r>
-              <a:rPr lang="en-GB" sz="2400" dirty="0"/>
+              <a:rPr lang="en-US" sz="2400" noProof="0" dirty="0"/>
               <a:t> were used as </a:t>
             </a:r>
             <a:r>
-              <a:rPr lang="en-GB" sz="2400" b="1" dirty="0"/>
+              <a:rPr lang="en-US" sz="2400" b="1" noProof="0" dirty="0"/>
               <a:t>negative controls</a:t>
             </a:r>
           </a:p>
           <a:p>
-            <a:endParaRPr lang="en-GB" dirty="0"/>
+            <a:endParaRPr lang="en-US" noProof="0" dirty="0"/>
           </a:p>
         </p:txBody>
       </p:sp>
@@ -10736,39 +10099,51 @@
           <a:lstStyle/>
           <a:p>
             <a:r>
-              <a:rPr lang="de-DE" sz="1200" b="1" dirty="0"/>
+              <a:rPr lang="en-US" sz="1200" b="1" noProof="0" dirty="0"/>
               <a:t>Fig. X </a:t>
             </a:r>
             <a:r>
-              <a:rPr lang="de-DE" sz="1200" b="1" i="1" dirty="0"/>
-              <a:t>Heatmap of  accuracy for  comibantions of Parameters for DBSCAN: </a:t>
-            </a:r>
-            <a:r>
-              <a:rPr lang="de-DE" sz="1200" i="1" dirty="0"/>
-              <a:t>Accuaracy calculated on pos. and neg. controls, from </a:t>
-            </a:r>
-            <a:r>
-              <a:rPr lang="en-GB" sz="1200" dirty="0">
+              <a:rPr lang="en-US" sz="1200" b="1" i="1" noProof="0" dirty="0"/>
+              <a:t>Heatmap of  accuracy for  </a:t>
+            </a:r>
+            <a:r>
+              <a:rPr lang="en-US" sz="1200" b="1" i="1" noProof="0" dirty="0" err="1"/>
+              <a:t>comibantions</a:t>
+            </a:r>
+            <a:r>
+              <a:rPr lang="en-US" sz="1200" b="1" i="1" noProof="0" dirty="0"/>
+              <a:t> of Parameters for DBSCAN: </a:t>
+            </a:r>
+            <a:r>
+              <a:rPr lang="en-US" sz="1200" i="1" noProof="0" dirty="0" err="1"/>
+              <a:t>Accuaracy</a:t>
+            </a:r>
+            <a:r>
+              <a:rPr lang="en-US" sz="1200" i="1" noProof="0" dirty="0"/>
+              <a:t> calculated on pos. and neg. controls, from </a:t>
+            </a:r>
+            <a:r>
+              <a:rPr lang="en-US" sz="1200" noProof="0" dirty="0">
                 <a:latin typeface="Source Sans Pro" panose="020B0503030403020204" pitchFamily="34" charset="0"/>
                 <a:ea typeface="Source Sans Pro" panose="020B0503030403020204" pitchFamily="34" charset="0"/>
               </a:rPr>
               <a:t>ε (0.5-1.5) and </a:t>
             </a:r>
             <a:r>
-              <a:rPr lang="en-GB" sz="1200" dirty="0" err="1">
+              <a:rPr lang="en-US" sz="1200" noProof="0" dirty="0" err="1">
                 <a:latin typeface="Source Sans Pro" panose="020B0503030403020204" pitchFamily="34" charset="0"/>
                 <a:ea typeface="Source Sans Pro" panose="020B0503030403020204" pitchFamily="34" charset="0"/>
               </a:rPr>
               <a:t>MintPts</a:t>
             </a:r>
             <a:r>
-              <a:rPr lang="en-GB" sz="1200" dirty="0">
+              <a:rPr lang="en-US" sz="1200" noProof="0" dirty="0">
                 <a:latin typeface="Source Sans Pro" panose="020B0503030403020204" pitchFamily="34" charset="0"/>
                 <a:ea typeface="Source Sans Pro" panose="020B0503030403020204" pitchFamily="34" charset="0"/>
               </a:rPr>
               <a:t> (1-10).  Lower and higher ε lower the accuracy. </a:t>
             </a:r>
-            <a:endParaRPr lang="en-US" sz="1200" dirty="0"/>
+            <a:endParaRPr lang="en-US" sz="1200" noProof="0" dirty="0"/>
           </a:p>
         </p:txBody>
       </p:sp>
@@ -10801,35 +10176,51 @@
           <a:lstStyle/>
           <a:p>
             <a:r>
-              <a:rPr lang="de-DE" sz="1200" b="1" dirty="0"/>
-              <a:t>Fig. X Proteins in 2D Pca showing results from clustering method DBSCAN: </a:t>
-            </a:r>
-            <a:r>
-              <a:rPr lang="de-DE" sz="1200" dirty="0"/>
-              <a:t>Only Proteins from RBPs in Mitosis where clustered. Dimension reduction on Data from Ctrl : COM and Peak hight. </a:t>
-            </a:r>
-            <a:r>
-              <a:rPr lang="en-GB" sz="1200" b="1" dirty="0">
+              <a:rPr lang="en-US" sz="1200" b="1" noProof="0" dirty="0"/>
+              <a:t>Fig. X Proteins in 2D </a:t>
+            </a:r>
+            <a:r>
+              <a:rPr lang="en-US" sz="1200" b="1" noProof="0" dirty="0" err="1"/>
+              <a:t>Pca</a:t>
+            </a:r>
+            <a:r>
+              <a:rPr lang="en-US" sz="1200" b="1" noProof="0" dirty="0"/>
+              <a:t> showing results from clustering method DBSCAN: </a:t>
+            </a:r>
+            <a:r>
+              <a:rPr lang="en-US" sz="1200" noProof="0" dirty="0"/>
+              <a:t>Only Proteins from RBPs in Mitosis where clustered. Dimension reduction on Data from Ctrl : COM and Peak </a:t>
+            </a:r>
+            <a:r>
+              <a:rPr lang="en-US" sz="1200" noProof="0" dirty="0" err="1"/>
+              <a:t>hight</a:t>
+            </a:r>
+            <a:r>
+              <a:rPr lang="en-US" sz="1200" noProof="0" dirty="0"/>
+              <a:t>. </a:t>
+            </a:r>
+            <a:r>
+              <a:rPr lang="en-US" sz="1200" b="1" noProof="0" dirty="0">
                 <a:latin typeface="Source Sans Pro" panose="020B0503030403020204" pitchFamily="34" charset="0"/>
                 <a:ea typeface="Source Sans Pro" panose="020B0503030403020204" pitchFamily="34" charset="0"/>
               </a:rPr>
               <a:t>ε = 0.7 and </a:t>
             </a:r>
             <a:r>
-              <a:rPr lang="en-GB" sz="1200" b="1" dirty="0" err="1">
+              <a:rPr lang="en-US" sz="1200" b="1" noProof="0" dirty="0" err="1">
                 <a:latin typeface="Source Sans Pro" panose="020B0503030403020204" pitchFamily="34" charset="0"/>
                 <a:ea typeface="Source Sans Pro" panose="020B0503030403020204" pitchFamily="34" charset="0"/>
               </a:rPr>
               <a:t>MintPts</a:t>
             </a:r>
             <a:r>
-              <a:rPr lang="en-GB" sz="1200" b="1" dirty="0">
+              <a:rPr lang="en-US" sz="1200" b="1" noProof="0" dirty="0">
                 <a:latin typeface="Source Sans Pro" panose="020B0503030403020204" pitchFamily="34" charset="0"/>
                 <a:ea typeface="Source Sans Pro" panose="020B0503030403020204" pitchFamily="34" charset="0"/>
               </a:rPr>
               <a:t> = 4.</a:t>
             </a:r>
-            <a:endParaRPr lang="en-US" sz="1200" dirty="0"/>
+            <a:endParaRPr lang="en-US" sz="1200" noProof="0" dirty="0"/>
           </a:p>
         </p:txBody>
       </p:sp>
@@ -10896,7 +10287,7 @@
               <a:buChar char="•"/>
             </a:pPr>
             <a:r>
-              <a:rPr lang="en-US" sz="2400" dirty="0"/>
+              <a:rPr lang="en-US" sz="2400" noProof="0" dirty="0"/>
               <a:t>Reproducibility assessed via Spearman correlation between all replicate–fraction combinations</a:t>
             </a:r>
           </a:p>
@@ -10906,7 +10297,7 @@
               <a:buChar char="•"/>
             </a:pPr>
             <a:r>
-              <a:rPr lang="en-US" sz="2400" dirty="0"/>
+              <a:rPr lang="en-US" sz="2400" noProof="0" dirty="0"/>
               <a:t>Analysis performed separately for RNase and control conditions</a:t>
             </a:r>
           </a:p>
@@ -10916,7 +10307,7 @@
               <a:buChar char="•"/>
             </a:pPr>
             <a:r>
-              <a:rPr lang="en-US" sz="2400" dirty="0"/>
+              <a:rPr lang="en-US" sz="2400" noProof="0" dirty="0"/>
               <a:t>Resulting correlation coefficients (r-values) were visualized in heatmap</a:t>
             </a:r>
           </a:p>
@@ -10926,7 +10317,7 @@
               <a:buChar char="•"/>
             </a:pPr>
             <a:r>
-              <a:rPr lang="en-US" sz="2400" dirty="0"/>
+              <a:rPr lang="en-US" sz="2400" noProof="0" dirty="0"/>
               <a:t>High reproducibility indicated by strong correlations between replicates of the same fraction</a:t>
             </a:r>
           </a:p>
@@ -10936,7 +10327,7 @@
               <a:buChar char="•"/>
             </a:pPr>
             <a:r>
-              <a:rPr lang="en-US" sz="2400" dirty="0"/>
+              <a:rPr lang="en-US" sz="2400" noProof="0" dirty="0"/>
               <a:t>Appears on the heatmap as a diagonal patter in 3x3 blocks, evident in both treatments</a:t>
             </a:r>
           </a:p>
@@ -10946,14 +10337,14 @@
               <a:buChar char="•"/>
             </a:pPr>
             <a:r>
-              <a:rPr lang="en-US" sz="2400" dirty="0"/>
+              <a:rPr lang="en-US" sz="2400" noProof="0" dirty="0"/>
               <a:t>So the RBPs are very much real, including </a:t>
             </a:r>
             <a:r>
-              <a:rPr lang="en-US" sz="2400" dirty="0" err="1"/>
+              <a:rPr lang="en-US" sz="2400" noProof="0" dirty="0" err="1"/>
               <a:t>RiboSix</a:t>
             </a:r>
-            <a:endParaRPr lang="en-US" sz="2400" dirty="0"/>
+            <a:endParaRPr lang="en-US" sz="2400" noProof="0" dirty="0"/>
           </a:p>
         </p:txBody>
       </p:sp>
@@ -10985,18 +10376,14 @@
           </a:bodyPr>
           <a:lstStyle/>
           <a:p>
-            <a:endParaRPr lang="de-DE" sz="2400" b="1" dirty="0"/>
-          </a:p>
-          <a:p>
-            <a:r>
-              <a:rPr lang="de-DE" sz="2400" b="1" dirty="0" err="1"/>
-              <a:t>Comparative</a:t>
-            </a:r>
-            <a:r>
-              <a:rPr lang="de-DE" sz="2400" b="1" dirty="0"/>
-              <a:t> Shift Analysis</a:t>
-            </a:r>
-            <a:endParaRPr lang="en-US" sz="2400" dirty="0"/>
+            <a:endParaRPr lang="en-US" sz="2400" b="1" noProof="0" dirty="0"/>
+          </a:p>
+          <a:p>
+            <a:r>
+              <a:rPr lang="en-US" sz="2400" b="1" noProof="0" dirty="0"/>
+              <a:t>Comparative Shift Analysis</a:t>
+            </a:r>
+            <a:endParaRPr lang="en-US" sz="2400" noProof="0" dirty="0"/>
           </a:p>
           <a:p>
             <a:pPr marL="285750" indent="-285750">
@@ -11004,7 +10391,7 @@
               <a:buChar char="•"/>
             </a:pPr>
             <a:r>
-              <a:rPr lang="en-US" sz="2400" dirty="0"/>
+              <a:rPr lang="en-US" sz="2400" noProof="0" dirty="0"/>
               <a:t>The same shift analysis pipeline was applied to non-synchronized HeLa cells </a:t>
             </a:r>
           </a:p>
@@ -11014,7 +10401,7 @@
               <a:buChar char="•"/>
             </a:pPr>
             <a:r>
-              <a:rPr lang="en-US" sz="2400" dirty="0"/>
+              <a:rPr lang="en-US" sz="2400" noProof="0" dirty="0"/>
               <a:t>Scatterplot compares shift distances between mitotic and non-synchronized conditions</a:t>
             </a:r>
           </a:p>
@@ -11024,7 +10411,7 @@
               <a:buChar char="•"/>
             </a:pPr>
             <a:r>
-              <a:rPr lang="en-US" sz="2400" dirty="0"/>
+              <a:rPr lang="en-US" sz="2400" noProof="0" dirty="0"/>
               <a:t>Each point = one protein; position reflects condition-specific RNA dependence</a:t>
             </a:r>
           </a:p>
@@ -11034,7 +10421,7 @@
               <a:buChar char="•"/>
             </a:pPr>
             <a:r>
-              <a:rPr lang="en-US" sz="2400" dirty="0"/>
+              <a:rPr lang="en-US" sz="2400" noProof="0" dirty="0"/>
               <a:t>Red dashed identity line represents equal shift in both conditions</a:t>
             </a:r>
           </a:p>
@@ -11044,7 +10431,7 @@
               <a:buChar char="•"/>
             </a:pPr>
             <a:r>
-              <a:rPr lang="en-US" sz="2400" dirty="0"/>
+              <a:rPr lang="en-US" sz="2400" noProof="0" dirty="0"/>
               <a:t>Proteins highlighted in dark red below the identity line show significant RNA dependency exclusively during mitosis</a:t>
             </a:r>
           </a:p>
@@ -11054,7 +10441,7 @@
               <a:buChar char="•"/>
             </a:pPr>
             <a:r>
-              <a:rPr lang="en-US" sz="2400" dirty="0"/>
+              <a:rPr lang="en-US" sz="2400" noProof="0" dirty="0"/>
               <a:t>These proteins likely exhibit mitosis-specific activity, as no significant shift was observed in the non-synchronized condition </a:t>
             </a:r>
           </a:p>
@@ -11063,21 +10450,21 @@
               <a:buFont typeface="Arial" panose="020B0604020202020204" pitchFamily="34" charset="0"/>
               <a:buChar char="•"/>
             </a:pPr>
-            <a:endParaRPr lang="en-US" sz="2400" dirty="0"/>
+            <a:endParaRPr lang="en-US" sz="2400" noProof="0" dirty="0"/>
           </a:p>
           <a:p>
             <a:pPr marL="285750" indent="-285750">
               <a:buFont typeface="Arial" panose="020B0604020202020204" pitchFamily="34" charset="0"/>
               <a:buChar char="•"/>
             </a:pPr>
-            <a:endParaRPr lang="en-US" sz="2400" dirty="0"/>
+            <a:endParaRPr lang="en-US" sz="2400" noProof="0" dirty="0"/>
           </a:p>
           <a:p>
             <a:pPr marL="285750" indent="-285750">
               <a:buFont typeface="Arial" panose="020B0604020202020204" pitchFamily="34" charset="0"/>
               <a:buChar char="•"/>
             </a:pPr>
-            <a:endParaRPr lang="en-US" sz="2400" dirty="0"/>
+            <a:endParaRPr lang="en-US" sz="2400" noProof="0" dirty="0"/>
           </a:p>
         </p:txBody>
       </p:sp>
@@ -11147,15 +10534,15 @@
               <a:defRPr/>
             </a:pPr>
             <a:r>
-              <a:rPr lang="en-US" sz="2400" dirty="0"/>
+              <a:rPr lang="en-US" sz="2400" noProof="0" dirty="0"/>
               <a:t>In total, 237 RBPs previously classified as significant fall into the group of only active in mitosis. One of them is </a:t>
             </a:r>
             <a:r>
-              <a:rPr lang="en-US" sz="2400" dirty="0" err="1"/>
+              <a:rPr lang="en-US" sz="2400" noProof="0" dirty="0" err="1"/>
               <a:t>RiboSix</a:t>
             </a:r>
             <a:r>
-              <a:rPr lang="en-US" sz="2400" dirty="0"/>
+              <a:rPr lang="en-US" sz="2400" noProof="0" dirty="0"/>
               <a:t>, suggesting that mitosis is his active season in the village of HeLa.</a:t>
             </a:r>
             <a:endParaRPr kumimoji="0" lang="en-US" sz="2400" i="0" u="none" strike="noStrike" kern="1200" cap="none" spc="0" normalizeH="0" baseline="0" noProof="0" dirty="0">
